--- a/diplom v2.0/doc/Презентация.pptx
+++ b/diplom v2.0/doc/Презентация.pptx
@@ -9,13 +9,14 @@
     <p:sldId id="257" r:id="rId3"/>
     <p:sldId id="258" r:id="rId4"/>
     <p:sldId id="260" r:id="rId5"/>
-    <p:sldId id="259" r:id="rId6"/>
-    <p:sldId id="269" r:id="rId7"/>
-    <p:sldId id="270" r:id="rId8"/>
-    <p:sldId id="271" r:id="rId9"/>
-    <p:sldId id="272" r:id="rId10"/>
-    <p:sldId id="264" r:id="rId11"/>
-    <p:sldId id="265" r:id="rId12"/>
+    <p:sldId id="273" r:id="rId6"/>
+    <p:sldId id="259" r:id="rId7"/>
+    <p:sldId id="269" r:id="rId8"/>
+    <p:sldId id="270" r:id="rId9"/>
+    <p:sldId id="271" r:id="rId10"/>
+    <p:sldId id="272" r:id="rId11"/>
+    <p:sldId id="264" r:id="rId12"/>
+    <p:sldId id="265" r:id="rId13"/>
   </p:sldIdLst>
   <p:sldSz cx="12192000" cy="6858000"/>
   <p:notesSz cx="6858000" cy="9144000"/>
@@ -3395,6 +3396,89 @@
       </p:grpSpPr>
       <p:sp>
         <p:nvSpPr>
+          <p:cNvPr id="2" name="Заголовок 1">
+            <a:extLst>
+              <a:ext uri="{FF2B5EF4-FFF2-40B4-BE49-F238E27FC236}">
+                <a16:creationId xmlns:a16="http://schemas.microsoft.com/office/drawing/2014/main" id="{149BA20A-6ADE-477A-B2CB-54BE68DCBDDF}"/>
+              </a:ext>
+            </a:extLst>
+          </p:cNvPr>
+          <p:cNvSpPr>
+            <a:spLocks noGrp="1"/>
+          </p:cNvSpPr>
+          <p:nvPr>
+            <p:ph type="title"/>
+          </p:nvPr>
+        </p:nvSpPr>
+        <p:spPr/>
+        <p:txBody>
+          <a:bodyPr/>
+          <a:lstStyle/>
+          <a:p>
+            <a:r>
+              <a:rPr lang="ru-RU" dirty="0"/>
+              <a:t>Апробация: Отчеты менеджера</a:t>
+            </a:r>
+          </a:p>
+        </p:txBody>
+      </p:sp>
+      <p:sp>
+        <p:nvSpPr>
+          <p:cNvPr id="6" name="Объект 5">
+            <a:extLst>
+              <a:ext uri="{FF2B5EF4-FFF2-40B4-BE49-F238E27FC236}">
+                <a16:creationId xmlns:a16="http://schemas.microsoft.com/office/drawing/2014/main" id="{17BFA8D5-A05A-477D-AF9D-E73016839949}"/>
+              </a:ext>
+            </a:extLst>
+          </p:cNvPr>
+          <p:cNvSpPr>
+            <a:spLocks noGrp="1"/>
+          </p:cNvSpPr>
+          <p:nvPr>
+            <p:ph idx="1"/>
+          </p:nvPr>
+        </p:nvSpPr>
+        <p:spPr/>
+        <p:txBody>
+          <a:bodyPr/>
+          <a:lstStyle/>
+          <a:p>
+            <a:endParaRPr lang="ru-RU"/>
+          </a:p>
+        </p:txBody>
+      </p:sp>
+    </p:spTree>
+    <p:extLst>
+      <p:ext uri="{BB962C8B-B14F-4D97-AF65-F5344CB8AC3E}">
+        <p14:creationId xmlns:p14="http://schemas.microsoft.com/office/powerpoint/2010/main" val="1517674079"/>
+      </p:ext>
+    </p:extLst>
+  </p:cSld>
+  <p:clrMapOvr>
+    <a:masterClrMapping/>
+  </p:clrMapOvr>
+</p:sld>
+</file>
+
+<file path=ppt/slides/slide11.xml><?xml version="1.0" encoding="utf-8"?>
+<p:sld xmlns:a="http://schemas.openxmlformats.org/drawingml/2006/main" xmlns:r="http://schemas.openxmlformats.org/officeDocument/2006/relationships" xmlns:p="http://schemas.openxmlformats.org/presentationml/2006/main">
+  <p:cSld>
+    <p:spTree>
+      <p:nvGrpSpPr>
+        <p:cNvPr id="1" name=""/>
+        <p:cNvGrpSpPr/>
+        <p:nvPr/>
+      </p:nvGrpSpPr>
+      <p:grpSpPr>
+        <a:xfrm>
+          <a:off x="0" y="0"/>
+          <a:ext cx="0" cy="0"/>
+          <a:chOff x="0" y="0"/>
+          <a:chExt cx="0" cy="0"/>
+        </a:xfrm>
+      </p:grpSpPr>
+      <p:sp>
+        <p:nvSpPr>
           <p:cNvPr id="2" name="Заголовок 1"/>
           <p:cNvSpPr>
             <a:spLocks noGrp="1"/>
@@ -3590,7 +3674,7 @@
 </p:sld>
 </file>
 
-<file path=ppt/slides/slide11.xml><?xml version="1.0" encoding="utf-8"?>
+<file path=ppt/slides/slide12.xml><?xml version="1.0" encoding="utf-8"?>
 <p:sld xmlns:a="http://schemas.openxmlformats.org/drawingml/2006/main" xmlns:r="http://schemas.openxmlformats.org/officeDocument/2006/relationships" xmlns:p="http://schemas.openxmlformats.org/presentationml/2006/main">
   <p:cSld>
     <p:spTree>
@@ -4367,6 +4451,263 @@
       </p:grpSpPr>
       <p:sp>
         <p:nvSpPr>
+          <p:cNvPr id="2" name="Заголовок 1">
+            <a:extLst>
+              <a:ext uri="{FF2B5EF4-FFF2-40B4-BE49-F238E27FC236}">
+                <a16:creationId xmlns:a16="http://schemas.microsoft.com/office/drawing/2014/main" id="{08B108EA-04A0-4603-9247-66BCF54ECA07}"/>
+              </a:ext>
+            </a:extLst>
+          </p:cNvPr>
+          <p:cNvSpPr>
+            <a:spLocks noGrp="1"/>
+          </p:cNvSpPr>
+          <p:nvPr>
+            <p:ph type="title"/>
+          </p:nvPr>
+        </p:nvSpPr>
+        <p:spPr/>
+        <p:txBody>
+          <a:bodyPr/>
+          <a:lstStyle/>
+          <a:p>
+            <a:r>
+              <a:rPr lang="ru-RU" dirty="0"/>
+              <a:t>Структура проекта</a:t>
+            </a:r>
+          </a:p>
+        </p:txBody>
+      </p:sp>
+      <p:pic>
+        <p:nvPicPr>
+          <p:cNvPr id="4" name="Объект 3">
+            <a:extLst>
+              <a:ext uri="{FF2B5EF4-FFF2-40B4-BE49-F238E27FC236}">
+                <a16:creationId xmlns:a16="http://schemas.microsoft.com/office/drawing/2014/main" id="{8267393E-B254-4396-A4ED-08F94267B2C2}"/>
+              </a:ext>
+            </a:extLst>
+          </p:cNvPr>
+          <p:cNvPicPr>
+            <a:picLocks noGrp="1"/>
+          </p:cNvPicPr>
+          <p:nvPr>
+            <p:ph idx="1"/>
+          </p:nvPr>
+        </p:nvPicPr>
+        <p:blipFill>
+          <a:blip r:embed="rId2">
+            <a:extLst>
+              <a:ext uri="{28A0092B-C50C-407E-A947-70E740481C1C}">
+                <a14:useLocalDpi xmlns:a14="http://schemas.microsoft.com/office/drawing/2010/main" val="0"/>
+              </a:ext>
+            </a:extLst>
+          </a:blip>
+          <a:srcRect/>
+          <a:stretch>
+            <a:fillRect/>
+          </a:stretch>
+        </p:blipFill>
+        <p:spPr bwMode="auto">
+          <a:xfrm>
+            <a:off x="118993" y="1690688"/>
+            <a:ext cx="2186885" cy="4351338"/>
+          </a:xfrm>
+          <a:prstGeom prst="rect">
+            <a:avLst/>
+          </a:prstGeom>
+          <a:noFill/>
+          <a:ln>
+            <a:noFill/>
+          </a:ln>
+        </p:spPr>
+      </p:pic>
+      <p:pic>
+        <p:nvPicPr>
+          <p:cNvPr id="5" name="Рисунок 4">
+            <a:extLst>
+              <a:ext uri="{FF2B5EF4-FFF2-40B4-BE49-F238E27FC236}">
+                <a16:creationId xmlns:a16="http://schemas.microsoft.com/office/drawing/2014/main" id="{B412DF5E-185A-4A2D-85B1-FDC6D5A058E0}"/>
+              </a:ext>
+            </a:extLst>
+          </p:cNvPr>
+          <p:cNvPicPr/>
+          <p:nvPr/>
+        </p:nvPicPr>
+        <p:blipFill>
+          <a:blip r:embed="rId3">
+            <a:extLst>
+              <a:ext uri="{28A0092B-C50C-407E-A947-70E740481C1C}">
+                <a14:useLocalDpi xmlns:a14="http://schemas.microsoft.com/office/drawing/2010/main" val="0"/>
+              </a:ext>
+            </a:extLst>
+          </a:blip>
+          <a:srcRect/>
+          <a:stretch>
+            <a:fillRect/>
+          </a:stretch>
+        </p:blipFill>
+        <p:spPr bwMode="auto">
+          <a:xfrm>
+            <a:off x="2408306" y="1690688"/>
+            <a:ext cx="2365789" cy="4351338"/>
+          </a:xfrm>
+          <a:prstGeom prst="rect">
+            <a:avLst/>
+          </a:prstGeom>
+          <a:noFill/>
+          <a:ln>
+            <a:noFill/>
+          </a:ln>
+        </p:spPr>
+      </p:pic>
+      <p:pic>
+        <p:nvPicPr>
+          <p:cNvPr id="6" name="Рисунок 5">
+            <a:extLst>
+              <a:ext uri="{FF2B5EF4-FFF2-40B4-BE49-F238E27FC236}">
+                <a16:creationId xmlns:a16="http://schemas.microsoft.com/office/drawing/2014/main" id="{FD2FB9FD-CBBF-41C9-8DD8-D4DD9022F07B}"/>
+              </a:ext>
+            </a:extLst>
+          </p:cNvPr>
+          <p:cNvPicPr/>
+          <p:nvPr/>
+        </p:nvPicPr>
+        <p:blipFill>
+          <a:blip r:embed="rId4">
+            <a:extLst>
+              <a:ext uri="{28A0092B-C50C-407E-A947-70E740481C1C}">
+                <a14:useLocalDpi xmlns:a14="http://schemas.microsoft.com/office/drawing/2010/main" val="0"/>
+              </a:ext>
+            </a:extLst>
+          </a:blip>
+          <a:srcRect/>
+          <a:stretch>
+            <a:fillRect/>
+          </a:stretch>
+        </p:blipFill>
+        <p:spPr bwMode="auto">
+          <a:xfrm>
+            <a:off x="4876524" y="1690688"/>
+            <a:ext cx="2309744" cy="4351338"/>
+          </a:xfrm>
+          <a:prstGeom prst="rect">
+            <a:avLst/>
+          </a:prstGeom>
+          <a:noFill/>
+          <a:ln>
+            <a:noFill/>
+          </a:ln>
+        </p:spPr>
+      </p:pic>
+      <p:pic>
+        <p:nvPicPr>
+          <p:cNvPr id="7" name="Рисунок 6">
+            <a:extLst>
+              <a:ext uri="{FF2B5EF4-FFF2-40B4-BE49-F238E27FC236}">
+                <a16:creationId xmlns:a16="http://schemas.microsoft.com/office/drawing/2014/main" id="{69358DA8-47D0-453E-B6B9-18050B4BBF82}"/>
+              </a:ext>
+            </a:extLst>
+          </p:cNvPr>
+          <p:cNvPicPr/>
+          <p:nvPr/>
+        </p:nvPicPr>
+        <p:blipFill>
+          <a:blip r:embed="rId5">
+            <a:extLst>
+              <a:ext uri="{28A0092B-C50C-407E-A947-70E740481C1C}">
+                <a14:useLocalDpi xmlns:a14="http://schemas.microsoft.com/office/drawing/2010/main" val="0"/>
+              </a:ext>
+            </a:extLst>
+          </a:blip>
+          <a:srcRect/>
+          <a:stretch>
+            <a:fillRect/>
+          </a:stretch>
+        </p:blipFill>
+        <p:spPr bwMode="auto">
+          <a:xfrm>
+            <a:off x="7288696" y="1690688"/>
+            <a:ext cx="2309743" cy="4351338"/>
+          </a:xfrm>
+          <a:prstGeom prst="rect">
+            <a:avLst/>
+          </a:prstGeom>
+          <a:noFill/>
+          <a:ln>
+            <a:noFill/>
+          </a:ln>
+        </p:spPr>
+      </p:pic>
+      <p:pic>
+        <p:nvPicPr>
+          <p:cNvPr id="8" name="Рисунок 7">
+            <a:extLst>
+              <a:ext uri="{FF2B5EF4-FFF2-40B4-BE49-F238E27FC236}">
+                <a16:creationId xmlns:a16="http://schemas.microsoft.com/office/drawing/2014/main" id="{6E6E05C0-574C-41E7-8A3E-785CA3F94F74}"/>
+              </a:ext>
+            </a:extLst>
+          </p:cNvPr>
+          <p:cNvPicPr/>
+          <p:nvPr/>
+        </p:nvPicPr>
+        <p:blipFill>
+          <a:blip r:embed="rId6">
+            <a:extLst>
+              <a:ext uri="{28A0092B-C50C-407E-A947-70E740481C1C}">
+                <a14:useLocalDpi xmlns:a14="http://schemas.microsoft.com/office/drawing/2010/main" val="0"/>
+              </a:ext>
+            </a:extLst>
+          </a:blip>
+          <a:srcRect/>
+          <a:stretch>
+            <a:fillRect/>
+          </a:stretch>
+        </p:blipFill>
+        <p:spPr bwMode="auto">
+          <a:xfrm>
+            <a:off x="9700867" y="3935896"/>
+            <a:ext cx="2411620" cy="2106130"/>
+          </a:xfrm>
+          <a:prstGeom prst="rect">
+            <a:avLst/>
+          </a:prstGeom>
+          <a:noFill/>
+          <a:ln>
+            <a:noFill/>
+          </a:ln>
+        </p:spPr>
+      </p:pic>
+    </p:spTree>
+    <p:extLst>
+      <p:ext uri="{BB962C8B-B14F-4D97-AF65-F5344CB8AC3E}">
+        <p14:creationId xmlns:p14="http://schemas.microsoft.com/office/powerpoint/2010/main" val="3359726494"/>
+      </p:ext>
+    </p:extLst>
+  </p:cSld>
+  <p:clrMapOvr>
+    <a:masterClrMapping/>
+  </p:clrMapOvr>
+</p:sld>
+</file>
+
+<file path=ppt/slides/slide6.xml><?xml version="1.0" encoding="utf-8"?>
+<p:sld xmlns:a="http://schemas.openxmlformats.org/drawingml/2006/main" xmlns:r="http://schemas.openxmlformats.org/officeDocument/2006/relationships" xmlns:p="http://schemas.openxmlformats.org/presentationml/2006/main">
+  <p:cSld>
+    <p:spTree>
+      <p:nvGrpSpPr>
+        <p:cNvPr id="1" name=""/>
+        <p:cNvGrpSpPr/>
+        <p:nvPr/>
+      </p:nvGrpSpPr>
+      <p:grpSpPr>
+        <a:xfrm>
+          <a:off x="0" y="0"/>
+          <a:ext cx="0" cy="0"/>
+          <a:chOff x="0" y="0"/>
+          <a:chExt cx="0" cy="0"/>
+        </a:xfrm>
+      </p:grpSpPr>
+      <p:sp>
+        <p:nvSpPr>
           <p:cNvPr id="2" name="Заголовок 1"/>
           <p:cNvSpPr>
             <a:spLocks noGrp="1"/>
@@ -4444,7 +4785,7 @@
 </p:sld>
 </file>
 
-<file path=ppt/slides/slide6.xml><?xml version="1.0" encoding="utf-8"?>
+<file path=ppt/slides/slide7.xml><?xml version="1.0" encoding="utf-8"?>
 <p:sld xmlns:a="http://schemas.openxmlformats.org/drawingml/2006/main" xmlns:r="http://schemas.openxmlformats.org/officeDocument/2006/relationships" xmlns:p="http://schemas.openxmlformats.org/presentationml/2006/main">
   <p:cSld>
     <p:spTree>
@@ -4579,7 +4920,7 @@
 </p:sld>
 </file>
 
-<file path=ppt/slides/slide7.xml><?xml version="1.0" encoding="utf-8"?>
+<file path=ppt/slides/slide8.xml><?xml version="1.0" encoding="utf-8"?>
 <p:sld xmlns:a="http://schemas.openxmlformats.org/drawingml/2006/main" xmlns:r="http://schemas.openxmlformats.org/officeDocument/2006/relationships" xmlns:p="http://schemas.openxmlformats.org/presentationml/2006/main">
   <p:cSld>
     <p:spTree>
@@ -4792,7 +5133,7 @@
 </p:sld>
 </file>
 
-<file path=ppt/slides/slide8.xml><?xml version="1.0" encoding="utf-8"?>
+<file path=ppt/slides/slide9.xml><?xml version="1.0" encoding="utf-8"?>
 <p:sld xmlns:a="http://schemas.openxmlformats.org/drawingml/2006/main" xmlns:r="http://schemas.openxmlformats.org/officeDocument/2006/relationships" xmlns:p="http://schemas.openxmlformats.org/presentationml/2006/main">
   <p:cSld>
     <p:spTree>
@@ -5029,89 +5370,6 @@
     <p:extLst>
       <p:ext uri="{BB962C8B-B14F-4D97-AF65-F5344CB8AC3E}">
         <p14:creationId xmlns:p14="http://schemas.microsoft.com/office/powerpoint/2010/main" val="658956323"/>
-      </p:ext>
-    </p:extLst>
-  </p:cSld>
-  <p:clrMapOvr>
-    <a:masterClrMapping/>
-  </p:clrMapOvr>
-</p:sld>
-</file>
-
-<file path=ppt/slides/slide9.xml><?xml version="1.0" encoding="utf-8"?>
-<p:sld xmlns:a="http://schemas.openxmlformats.org/drawingml/2006/main" xmlns:r="http://schemas.openxmlformats.org/officeDocument/2006/relationships" xmlns:p="http://schemas.openxmlformats.org/presentationml/2006/main">
-  <p:cSld>
-    <p:spTree>
-      <p:nvGrpSpPr>
-        <p:cNvPr id="1" name=""/>
-        <p:cNvGrpSpPr/>
-        <p:nvPr/>
-      </p:nvGrpSpPr>
-      <p:grpSpPr>
-        <a:xfrm>
-          <a:off x="0" y="0"/>
-          <a:ext cx="0" cy="0"/>
-          <a:chOff x="0" y="0"/>
-          <a:chExt cx="0" cy="0"/>
-        </a:xfrm>
-      </p:grpSpPr>
-      <p:sp>
-        <p:nvSpPr>
-          <p:cNvPr id="2" name="Заголовок 1">
-            <a:extLst>
-              <a:ext uri="{FF2B5EF4-FFF2-40B4-BE49-F238E27FC236}">
-                <a16:creationId xmlns:a16="http://schemas.microsoft.com/office/drawing/2014/main" id="{149BA20A-6ADE-477A-B2CB-54BE68DCBDDF}"/>
-              </a:ext>
-            </a:extLst>
-          </p:cNvPr>
-          <p:cNvSpPr>
-            <a:spLocks noGrp="1"/>
-          </p:cNvSpPr>
-          <p:nvPr>
-            <p:ph type="title"/>
-          </p:nvPr>
-        </p:nvSpPr>
-        <p:spPr/>
-        <p:txBody>
-          <a:bodyPr/>
-          <a:lstStyle/>
-          <a:p>
-            <a:r>
-              <a:rPr lang="ru-RU" dirty="0"/>
-              <a:t>Апробация: Отчеты менеджера</a:t>
-            </a:r>
-          </a:p>
-        </p:txBody>
-      </p:sp>
-      <p:sp>
-        <p:nvSpPr>
-          <p:cNvPr id="6" name="Объект 5">
-            <a:extLst>
-              <a:ext uri="{FF2B5EF4-FFF2-40B4-BE49-F238E27FC236}">
-                <a16:creationId xmlns:a16="http://schemas.microsoft.com/office/drawing/2014/main" id="{17BFA8D5-A05A-477D-AF9D-E73016839949}"/>
-              </a:ext>
-            </a:extLst>
-          </p:cNvPr>
-          <p:cNvSpPr>
-            <a:spLocks noGrp="1"/>
-          </p:cNvSpPr>
-          <p:nvPr>
-            <p:ph idx="1"/>
-          </p:nvPr>
-        </p:nvSpPr>
-        <p:spPr/>
-        <p:txBody>
-          <a:bodyPr/>
-          <a:lstStyle/>
-          <a:p>
-            <a:endParaRPr lang="ru-RU"/>
-          </a:p>
-        </p:txBody>
-      </p:sp>
-    </p:spTree>
-    <p:extLst>
-      <p:ext uri="{BB962C8B-B14F-4D97-AF65-F5344CB8AC3E}">
-        <p14:creationId xmlns:p14="http://schemas.microsoft.com/office/powerpoint/2010/main" val="1517674079"/>
       </p:ext>
     </p:extLst>
   </p:cSld>

--- a/diplom v2.0/doc/Презентация.pptx
+++ b/diplom v2.0/doc/Презентация.pptx
@@ -8,15 +8,20 @@
     <p:sldId id="256" r:id="rId2"/>
     <p:sldId id="257" r:id="rId3"/>
     <p:sldId id="258" r:id="rId4"/>
-    <p:sldId id="260" r:id="rId5"/>
-    <p:sldId id="273" r:id="rId6"/>
-    <p:sldId id="259" r:id="rId7"/>
-    <p:sldId id="269" r:id="rId8"/>
-    <p:sldId id="270" r:id="rId9"/>
-    <p:sldId id="271" r:id="rId10"/>
-    <p:sldId id="272" r:id="rId11"/>
-    <p:sldId id="264" r:id="rId12"/>
-    <p:sldId id="265" r:id="rId13"/>
+    <p:sldId id="278" r:id="rId5"/>
+    <p:sldId id="259" r:id="rId6"/>
+    <p:sldId id="260" r:id="rId7"/>
+    <p:sldId id="273" r:id="rId8"/>
+    <p:sldId id="276" r:id="rId9"/>
+    <p:sldId id="269" r:id="rId10"/>
+    <p:sldId id="270" r:id="rId11"/>
+    <p:sldId id="271" r:id="rId12"/>
+    <p:sldId id="274" r:id="rId13"/>
+    <p:sldId id="272" r:id="rId14"/>
+    <p:sldId id="275" r:id="rId15"/>
+    <p:sldId id="264" r:id="rId16"/>
+    <p:sldId id="277" r:id="rId17"/>
+    <p:sldId id="265" r:id="rId18"/>
   </p:sldIdLst>
   <p:sldSz cx="12192000" cy="6858000"/>
   <p:notesSz cx="6858000" cy="9144000"/>
@@ -264,7 +269,7 @@
             <a:fld id="{74497A39-0B1D-4467-AFD5-7DFBD3023946}" type="datetimeFigureOut">
               <a:rPr lang="ru-RU" smtClean="0"/>
               <a:pPr/>
-              <a:t>24.05.2023</a:t>
+              <a:t>26.05.2023</a:t>
             </a:fld>
             <a:endParaRPr lang="ru-RU"/>
           </a:p>
@@ -434,7 +439,7 @@
             <a:fld id="{74497A39-0B1D-4467-AFD5-7DFBD3023946}" type="datetimeFigureOut">
               <a:rPr lang="ru-RU" smtClean="0"/>
               <a:pPr/>
-              <a:t>24.05.2023</a:t>
+              <a:t>26.05.2023</a:t>
             </a:fld>
             <a:endParaRPr lang="ru-RU"/>
           </a:p>
@@ -614,7 +619,7 @@
             <a:fld id="{74497A39-0B1D-4467-AFD5-7DFBD3023946}" type="datetimeFigureOut">
               <a:rPr lang="ru-RU" smtClean="0"/>
               <a:pPr/>
-              <a:t>24.05.2023</a:t>
+              <a:t>26.05.2023</a:t>
             </a:fld>
             <a:endParaRPr lang="ru-RU"/>
           </a:p>
@@ -784,7 +789,7 @@
             <a:fld id="{74497A39-0B1D-4467-AFD5-7DFBD3023946}" type="datetimeFigureOut">
               <a:rPr lang="ru-RU" smtClean="0"/>
               <a:pPr/>
-              <a:t>24.05.2023</a:t>
+              <a:t>26.05.2023</a:t>
             </a:fld>
             <a:endParaRPr lang="ru-RU"/>
           </a:p>
@@ -1031,7 +1036,7 @@
             <a:fld id="{74497A39-0B1D-4467-AFD5-7DFBD3023946}" type="datetimeFigureOut">
               <a:rPr lang="ru-RU" smtClean="0"/>
               <a:pPr/>
-              <a:t>24.05.2023</a:t>
+              <a:t>26.05.2023</a:t>
             </a:fld>
             <a:endParaRPr lang="ru-RU"/>
           </a:p>
@@ -1262,7 +1267,7 @@
             <a:fld id="{74497A39-0B1D-4467-AFD5-7DFBD3023946}" type="datetimeFigureOut">
               <a:rPr lang="ru-RU" smtClean="0"/>
               <a:pPr/>
-              <a:t>24.05.2023</a:t>
+              <a:t>26.05.2023</a:t>
             </a:fld>
             <a:endParaRPr lang="ru-RU"/>
           </a:p>
@@ -1628,7 +1633,7 @@
             <a:fld id="{74497A39-0B1D-4467-AFD5-7DFBD3023946}" type="datetimeFigureOut">
               <a:rPr lang="ru-RU" smtClean="0"/>
               <a:pPr/>
-              <a:t>24.05.2023</a:t>
+              <a:t>26.05.2023</a:t>
             </a:fld>
             <a:endParaRPr lang="ru-RU"/>
           </a:p>
@@ -1747,7 +1752,7 @@
             <a:fld id="{74497A39-0B1D-4467-AFD5-7DFBD3023946}" type="datetimeFigureOut">
               <a:rPr lang="ru-RU" smtClean="0"/>
               <a:pPr/>
-              <a:t>24.05.2023</a:t>
+              <a:t>26.05.2023</a:t>
             </a:fld>
             <a:endParaRPr lang="ru-RU"/>
           </a:p>
@@ -1844,7 +1849,7 @@
             <a:fld id="{74497A39-0B1D-4467-AFD5-7DFBD3023946}" type="datetimeFigureOut">
               <a:rPr lang="ru-RU" smtClean="0"/>
               <a:pPr/>
-              <a:t>24.05.2023</a:t>
+              <a:t>26.05.2023</a:t>
             </a:fld>
             <a:endParaRPr lang="ru-RU"/>
           </a:p>
@@ -2121,7 +2126,7 @@
             <a:fld id="{74497A39-0B1D-4467-AFD5-7DFBD3023946}" type="datetimeFigureOut">
               <a:rPr lang="ru-RU" smtClean="0"/>
               <a:pPr/>
-              <a:t>24.05.2023</a:t>
+              <a:t>26.05.2023</a:t>
             </a:fld>
             <a:endParaRPr lang="ru-RU"/>
           </a:p>
@@ -2375,7 +2380,7 @@
             <a:fld id="{74497A39-0B1D-4467-AFD5-7DFBD3023946}" type="datetimeFigureOut">
               <a:rPr lang="ru-RU" smtClean="0"/>
               <a:pPr/>
-              <a:t>24.05.2023</a:t>
+              <a:t>26.05.2023</a:t>
             </a:fld>
             <a:endParaRPr lang="ru-RU"/>
           </a:p>
@@ -2588,7 +2593,7 @@
             <a:fld id="{74497A39-0B1D-4467-AFD5-7DFBD3023946}" type="datetimeFigureOut">
               <a:rPr lang="ru-RU" smtClean="0"/>
               <a:pPr/>
-              <a:t>24.05.2023</a:t>
+              <a:t>26.05.2023</a:t>
             </a:fld>
             <a:endParaRPr lang="ru-RU"/>
           </a:p>
@@ -3396,13 +3401,7 @@
       </p:grpSpPr>
       <p:sp>
         <p:nvSpPr>
-          <p:cNvPr id="2" name="Заголовок 1">
-            <a:extLst>
-              <a:ext uri="{FF2B5EF4-FFF2-40B4-BE49-F238E27FC236}">
-                <a16:creationId xmlns:a16="http://schemas.microsoft.com/office/drawing/2014/main" id="{149BA20A-6ADE-477A-B2CB-54BE68DCBDDF}"/>
-              </a:ext>
-            </a:extLst>
-          </p:cNvPr>
+          <p:cNvPr id="2" name="Заголовок 1"/>
           <p:cNvSpPr>
             <a:spLocks noGrp="1"/>
           </p:cNvSpPr>
@@ -3410,7 +3409,12 @@
             <p:ph type="title"/>
           </p:nvPr>
         </p:nvSpPr>
-        <p:spPr/>
+        <p:spPr>
+          <a:xfrm>
+            <a:off x="838200" y="0"/>
+            <a:ext cx="10515600" cy="1325563"/>
+          </a:xfrm>
+        </p:spPr>
         <p:txBody>
           <a:bodyPr/>
           <a:lstStyle/>
@@ -3422,35 +3426,166 @@
           </a:p>
         </p:txBody>
       </p:sp>
-      <p:sp>
-        <p:nvSpPr>
-          <p:cNvPr id="6" name="Объект 5">
+      <p:pic>
+        <p:nvPicPr>
+          <p:cNvPr id="5" name="Рисунок 4">
             <a:extLst>
               <a:ext uri="{FF2B5EF4-FFF2-40B4-BE49-F238E27FC236}">
-                <a16:creationId xmlns:a16="http://schemas.microsoft.com/office/drawing/2014/main" id="{17BFA8D5-A05A-477D-AF9D-E73016839949}"/>
+                <a16:creationId xmlns:a16="http://schemas.microsoft.com/office/drawing/2014/main" id="{0E4DBA9B-FF40-4631-8ED0-C2D695F65A53}"/>
               </a:ext>
             </a:extLst>
           </p:cNvPr>
-          <p:cNvSpPr>
-            <a:spLocks noGrp="1"/>
-          </p:cNvSpPr>
-          <p:nvPr>
-            <p:ph idx="1"/>
-          </p:nvPr>
-        </p:nvSpPr>
-        <p:spPr/>
-        <p:txBody>
-          <a:bodyPr/>
-          <a:lstStyle/>
-          <a:p>
-            <a:endParaRPr lang="ru-RU"/>
-          </a:p>
-        </p:txBody>
-      </p:sp>
+          <p:cNvPicPr/>
+          <p:nvPr/>
+        </p:nvPicPr>
+        <p:blipFill>
+          <a:blip r:embed="rId2">
+            <a:extLst>
+              <a:ext uri="{28A0092B-C50C-407E-A947-70E740481C1C}">
+                <a14:useLocalDpi xmlns:a14="http://schemas.microsoft.com/office/drawing/2010/main" val="0"/>
+              </a:ext>
+            </a:extLst>
+          </a:blip>
+          <a:srcRect/>
+          <a:stretch>
+            <a:fillRect/>
+          </a:stretch>
+        </p:blipFill>
+        <p:spPr bwMode="auto">
+          <a:xfrm>
+            <a:off x="0" y="1325563"/>
+            <a:ext cx="6374296" cy="2769359"/>
+          </a:xfrm>
+          <a:prstGeom prst="rect">
+            <a:avLst/>
+          </a:prstGeom>
+          <a:noFill/>
+          <a:ln>
+            <a:noFill/>
+          </a:ln>
+        </p:spPr>
+      </p:pic>
+      <p:pic>
+        <p:nvPicPr>
+          <p:cNvPr id="9" name="Рисунок 8">
+            <a:extLst>
+              <a:ext uri="{FF2B5EF4-FFF2-40B4-BE49-F238E27FC236}">
+                <a16:creationId xmlns:a16="http://schemas.microsoft.com/office/drawing/2014/main" id="{742E2FB8-8FC1-4468-BDE2-57C7796A0455}"/>
+              </a:ext>
+            </a:extLst>
+          </p:cNvPr>
+          <p:cNvPicPr/>
+          <p:nvPr/>
+        </p:nvPicPr>
+        <p:blipFill>
+          <a:blip r:embed="rId3">
+            <a:extLst>
+              <a:ext uri="{28A0092B-C50C-407E-A947-70E740481C1C}">
+                <a14:useLocalDpi xmlns:a14="http://schemas.microsoft.com/office/drawing/2010/main" val="0"/>
+              </a:ext>
+            </a:extLst>
+          </a:blip>
+          <a:srcRect/>
+          <a:stretch>
+            <a:fillRect/>
+          </a:stretch>
+        </p:blipFill>
+        <p:spPr bwMode="auto">
+          <a:xfrm>
+            <a:off x="6296025" y="1325563"/>
+            <a:ext cx="5895975" cy="2769358"/>
+          </a:xfrm>
+          <a:prstGeom prst="rect">
+            <a:avLst/>
+          </a:prstGeom>
+          <a:noFill/>
+          <a:ln>
+            <a:noFill/>
+          </a:ln>
+        </p:spPr>
+      </p:pic>
+      <p:pic>
+        <p:nvPicPr>
+          <p:cNvPr id="10" name="Рисунок 9">
+            <a:extLst>
+              <a:ext uri="{FF2B5EF4-FFF2-40B4-BE49-F238E27FC236}">
+                <a16:creationId xmlns:a16="http://schemas.microsoft.com/office/drawing/2014/main" id="{11D2E9E5-962C-407D-B89F-80DE8523A9E4}"/>
+              </a:ext>
+            </a:extLst>
+          </p:cNvPr>
+          <p:cNvPicPr/>
+          <p:nvPr/>
+        </p:nvPicPr>
+        <p:blipFill>
+          <a:blip r:embed="rId4">
+            <a:extLst>
+              <a:ext uri="{28A0092B-C50C-407E-A947-70E740481C1C}">
+                <a14:useLocalDpi xmlns:a14="http://schemas.microsoft.com/office/drawing/2010/main" val="0"/>
+              </a:ext>
+            </a:extLst>
+          </a:blip>
+          <a:srcRect/>
+          <a:stretch>
+            <a:fillRect/>
+          </a:stretch>
+        </p:blipFill>
+        <p:spPr bwMode="auto">
+          <a:xfrm>
+            <a:off x="92765" y="4094920"/>
+            <a:ext cx="11993218" cy="781879"/>
+          </a:xfrm>
+          <a:prstGeom prst="rect">
+            <a:avLst/>
+          </a:prstGeom>
+          <a:noFill/>
+          <a:ln>
+            <a:noFill/>
+          </a:ln>
+        </p:spPr>
+      </p:pic>
+      <p:pic>
+        <p:nvPicPr>
+          <p:cNvPr id="11" name="Рисунок 10">
+            <a:extLst>
+              <a:ext uri="{FF2B5EF4-FFF2-40B4-BE49-F238E27FC236}">
+                <a16:creationId xmlns:a16="http://schemas.microsoft.com/office/drawing/2014/main" id="{E46DBC82-F6A9-4C34-A8F0-A22862481CD1}"/>
+              </a:ext>
+            </a:extLst>
+          </p:cNvPr>
+          <p:cNvPicPr/>
+          <p:nvPr/>
+        </p:nvPicPr>
+        <p:blipFill>
+          <a:blip r:embed="rId5">
+            <a:extLst>
+              <a:ext uri="{28A0092B-C50C-407E-A947-70E740481C1C}">
+                <a14:useLocalDpi xmlns:a14="http://schemas.microsoft.com/office/drawing/2010/main" val="0"/>
+              </a:ext>
+            </a:extLst>
+          </a:blip>
+          <a:srcRect/>
+          <a:stretch>
+            <a:fillRect/>
+          </a:stretch>
+        </p:blipFill>
+        <p:spPr bwMode="auto">
+          <a:xfrm>
+            <a:off x="0" y="4916556"/>
+            <a:ext cx="12192000" cy="1981201"/>
+          </a:xfrm>
+          <a:prstGeom prst="rect">
+            <a:avLst/>
+          </a:prstGeom>
+          <a:noFill/>
+          <a:ln>
+            <a:noFill/>
+          </a:ln>
+        </p:spPr>
+      </p:pic>
     </p:spTree>
     <p:extLst>
       <p:ext uri="{BB962C8B-B14F-4D97-AF65-F5344CB8AC3E}">
-        <p14:creationId xmlns:p14="http://schemas.microsoft.com/office/powerpoint/2010/main" val="1517674079"/>
+        <p14:creationId xmlns:p14="http://schemas.microsoft.com/office/powerpoint/2010/main" val="2394274588"/>
       </p:ext>
     </p:extLst>
   </p:cSld>
@@ -3479,6 +3614,877 @@
       </p:grpSpPr>
       <p:sp>
         <p:nvSpPr>
+          <p:cNvPr id="2" name="Заголовок 1">
+            <a:extLst>
+              <a:ext uri="{FF2B5EF4-FFF2-40B4-BE49-F238E27FC236}">
+                <a16:creationId xmlns:a16="http://schemas.microsoft.com/office/drawing/2014/main" id="{EACD7BE9-D70D-4B7A-879E-7029D4C82F4C}"/>
+              </a:ext>
+            </a:extLst>
+          </p:cNvPr>
+          <p:cNvSpPr>
+            <a:spLocks noGrp="1"/>
+          </p:cNvSpPr>
+          <p:nvPr>
+            <p:ph type="title"/>
+          </p:nvPr>
+        </p:nvSpPr>
+        <p:spPr/>
+        <p:txBody>
+          <a:bodyPr/>
+          <a:lstStyle/>
+          <a:p>
+            <a:r>
+              <a:rPr lang="ru-RU" dirty="0"/>
+              <a:t>Апробация: Администратор</a:t>
+            </a:r>
+          </a:p>
+        </p:txBody>
+      </p:sp>
+      <p:pic>
+        <p:nvPicPr>
+          <p:cNvPr id="5" name="Объект 4">
+            <a:extLst>
+              <a:ext uri="{FF2B5EF4-FFF2-40B4-BE49-F238E27FC236}">
+                <a16:creationId xmlns:a16="http://schemas.microsoft.com/office/drawing/2014/main" id="{DCBF9B19-E9E9-495D-B06C-D27ED2A94587}"/>
+              </a:ext>
+            </a:extLst>
+          </p:cNvPr>
+          <p:cNvPicPr>
+            <a:picLocks noGrp="1" noChangeAspect="1"/>
+          </p:cNvPicPr>
+          <p:nvPr>
+            <p:ph idx="1"/>
+          </p:nvPr>
+        </p:nvPicPr>
+        <p:blipFill>
+          <a:blip r:embed="rId2"/>
+          <a:stretch>
+            <a:fillRect/>
+          </a:stretch>
+        </p:blipFill>
+        <p:spPr>
+          <a:xfrm>
+            <a:off x="0" y="1563422"/>
+            <a:ext cx="2895851" cy="2213040"/>
+          </a:xfrm>
+          <a:prstGeom prst="rect">
+            <a:avLst/>
+          </a:prstGeom>
+        </p:spPr>
+      </p:pic>
+      <p:pic>
+        <p:nvPicPr>
+          <p:cNvPr id="6" name="Рисунок 5">
+            <a:extLst>
+              <a:ext uri="{FF2B5EF4-FFF2-40B4-BE49-F238E27FC236}">
+                <a16:creationId xmlns:a16="http://schemas.microsoft.com/office/drawing/2014/main" id="{0B230206-9484-4B0E-B232-BF8160208F1D}"/>
+              </a:ext>
+            </a:extLst>
+          </p:cNvPr>
+          <p:cNvPicPr/>
+          <p:nvPr/>
+        </p:nvPicPr>
+        <p:blipFill>
+          <a:blip r:embed="rId3">
+            <a:extLst>
+              <a:ext uri="{28A0092B-C50C-407E-A947-70E740481C1C}">
+                <a14:useLocalDpi xmlns:a14="http://schemas.microsoft.com/office/drawing/2010/main" val="0"/>
+              </a:ext>
+            </a:extLst>
+          </a:blip>
+          <a:srcRect/>
+          <a:stretch>
+            <a:fillRect/>
+          </a:stretch>
+        </p:blipFill>
+        <p:spPr bwMode="auto">
+          <a:xfrm>
+            <a:off x="2883344" y="1561476"/>
+            <a:ext cx="3212656" cy="2362200"/>
+          </a:xfrm>
+          <a:prstGeom prst="rect">
+            <a:avLst/>
+          </a:prstGeom>
+          <a:noFill/>
+          <a:ln>
+            <a:noFill/>
+          </a:ln>
+        </p:spPr>
+      </p:pic>
+      <p:pic>
+        <p:nvPicPr>
+          <p:cNvPr id="7" name="Рисунок 6">
+            <a:extLst>
+              <a:ext uri="{FF2B5EF4-FFF2-40B4-BE49-F238E27FC236}">
+                <a16:creationId xmlns:a16="http://schemas.microsoft.com/office/drawing/2014/main" id="{9F1E78FF-F870-4A97-86BC-C8A137B2EE77}"/>
+              </a:ext>
+            </a:extLst>
+          </p:cNvPr>
+          <p:cNvPicPr/>
+          <p:nvPr/>
+        </p:nvPicPr>
+        <p:blipFill>
+          <a:blip r:embed="rId4">
+            <a:extLst>
+              <a:ext uri="{28A0092B-C50C-407E-A947-70E740481C1C}">
+                <a14:useLocalDpi xmlns:a14="http://schemas.microsoft.com/office/drawing/2010/main" val="0"/>
+              </a:ext>
+            </a:extLst>
+          </a:blip>
+          <a:srcRect/>
+          <a:stretch>
+            <a:fillRect/>
+          </a:stretch>
+        </p:blipFill>
+        <p:spPr bwMode="auto">
+          <a:xfrm>
+            <a:off x="5976730" y="1809550"/>
+            <a:ext cx="6215270" cy="1966912"/>
+          </a:xfrm>
+          <a:prstGeom prst="rect">
+            <a:avLst/>
+          </a:prstGeom>
+          <a:noFill/>
+          <a:ln>
+            <a:noFill/>
+          </a:ln>
+        </p:spPr>
+      </p:pic>
+      <p:pic>
+        <p:nvPicPr>
+          <p:cNvPr id="8" name="Рисунок 7">
+            <a:extLst>
+              <a:ext uri="{FF2B5EF4-FFF2-40B4-BE49-F238E27FC236}">
+                <a16:creationId xmlns:a16="http://schemas.microsoft.com/office/drawing/2014/main" id="{B59BA806-8E98-44C9-BB3F-27040A46D646}"/>
+              </a:ext>
+            </a:extLst>
+          </p:cNvPr>
+          <p:cNvPicPr/>
+          <p:nvPr/>
+        </p:nvPicPr>
+        <p:blipFill>
+          <a:blip r:embed="rId5">
+            <a:extLst>
+              <a:ext uri="{28A0092B-C50C-407E-A947-70E740481C1C}">
+                <a14:useLocalDpi xmlns:a14="http://schemas.microsoft.com/office/drawing/2010/main" val="0"/>
+              </a:ext>
+            </a:extLst>
+          </a:blip>
+          <a:srcRect/>
+          <a:stretch>
+            <a:fillRect/>
+          </a:stretch>
+        </p:blipFill>
+        <p:spPr bwMode="auto">
+          <a:xfrm>
+            <a:off x="0" y="4052888"/>
+            <a:ext cx="12192000" cy="2526823"/>
+          </a:xfrm>
+          <a:prstGeom prst="rect">
+            <a:avLst/>
+          </a:prstGeom>
+          <a:noFill/>
+          <a:ln>
+            <a:noFill/>
+          </a:ln>
+        </p:spPr>
+      </p:pic>
+    </p:spTree>
+    <p:extLst>
+      <p:ext uri="{BB962C8B-B14F-4D97-AF65-F5344CB8AC3E}">
+        <p14:creationId xmlns:p14="http://schemas.microsoft.com/office/powerpoint/2010/main" val="658956323"/>
+      </p:ext>
+    </p:extLst>
+  </p:cSld>
+  <p:clrMapOvr>
+    <a:masterClrMapping/>
+  </p:clrMapOvr>
+</p:sld>
+</file>
+
+<file path=ppt/slides/slide12.xml><?xml version="1.0" encoding="utf-8"?>
+<p:sld xmlns:a="http://schemas.openxmlformats.org/drawingml/2006/main" xmlns:r="http://schemas.openxmlformats.org/officeDocument/2006/relationships" xmlns:p="http://schemas.openxmlformats.org/presentationml/2006/main">
+  <p:cSld>
+    <p:spTree>
+      <p:nvGrpSpPr>
+        <p:cNvPr id="1" name=""/>
+        <p:cNvGrpSpPr/>
+        <p:nvPr/>
+      </p:nvGrpSpPr>
+      <p:grpSpPr>
+        <a:xfrm>
+          <a:off x="0" y="0"/>
+          <a:ext cx="0" cy="0"/>
+          <a:chOff x="0" y="0"/>
+          <a:chExt cx="0" cy="0"/>
+        </a:xfrm>
+      </p:grpSpPr>
+      <p:sp>
+        <p:nvSpPr>
+          <p:cNvPr id="2" name="Заголовок 1">
+            <a:extLst>
+              <a:ext uri="{FF2B5EF4-FFF2-40B4-BE49-F238E27FC236}">
+                <a16:creationId xmlns:a16="http://schemas.microsoft.com/office/drawing/2014/main" id="{3987E056-ABDC-4EF5-B45E-EB0413E17B80}"/>
+              </a:ext>
+            </a:extLst>
+          </p:cNvPr>
+          <p:cNvSpPr>
+            <a:spLocks noGrp="1"/>
+          </p:cNvSpPr>
+          <p:nvPr>
+            <p:ph type="title"/>
+          </p:nvPr>
+        </p:nvSpPr>
+        <p:spPr>
+          <a:xfrm>
+            <a:off x="838200" y="325368"/>
+            <a:ext cx="10515600" cy="1325563"/>
+          </a:xfrm>
+        </p:spPr>
+        <p:txBody>
+          <a:bodyPr/>
+          <a:lstStyle/>
+          <a:p>
+            <a:r>
+              <a:rPr lang="ru-RU" dirty="0"/>
+              <a:t>Апробация: Администратор</a:t>
+            </a:r>
+          </a:p>
+        </p:txBody>
+      </p:sp>
+      <p:pic>
+        <p:nvPicPr>
+          <p:cNvPr id="4" name="Объект 3">
+            <a:extLst>
+              <a:ext uri="{FF2B5EF4-FFF2-40B4-BE49-F238E27FC236}">
+                <a16:creationId xmlns:a16="http://schemas.microsoft.com/office/drawing/2014/main" id="{0897BBC5-01E9-41B3-B556-4F55FB6366C6}"/>
+              </a:ext>
+            </a:extLst>
+          </p:cNvPr>
+          <p:cNvPicPr>
+            <a:picLocks noGrp="1"/>
+          </p:cNvPicPr>
+          <p:nvPr>
+            <p:ph idx="1"/>
+          </p:nvPr>
+        </p:nvPicPr>
+        <p:blipFill>
+          <a:blip r:embed="rId2">
+            <a:extLst>
+              <a:ext uri="{28A0092B-C50C-407E-A947-70E740481C1C}">
+                <a14:useLocalDpi xmlns:a14="http://schemas.microsoft.com/office/drawing/2010/main" val="0"/>
+              </a:ext>
+            </a:extLst>
+          </a:blip>
+          <a:srcRect/>
+          <a:stretch>
+            <a:fillRect/>
+          </a:stretch>
+        </p:blipFill>
+        <p:spPr bwMode="auto">
+          <a:xfrm>
+            <a:off x="121893" y="2180635"/>
+            <a:ext cx="3498574" cy="2289726"/>
+          </a:xfrm>
+          <a:prstGeom prst="rect">
+            <a:avLst/>
+          </a:prstGeom>
+          <a:noFill/>
+          <a:ln>
+            <a:noFill/>
+          </a:ln>
+        </p:spPr>
+      </p:pic>
+      <p:pic>
+        <p:nvPicPr>
+          <p:cNvPr id="5" name="Рисунок 4">
+            <a:extLst>
+              <a:ext uri="{FF2B5EF4-FFF2-40B4-BE49-F238E27FC236}">
+                <a16:creationId xmlns:a16="http://schemas.microsoft.com/office/drawing/2014/main" id="{04D3CC89-8FE5-4068-A1A9-3D9F2190E565}"/>
+              </a:ext>
+            </a:extLst>
+          </p:cNvPr>
+          <p:cNvPicPr/>
+          <p:nvPr/>
+        </p:nvPicPr>
+        <p:blipFill>
+          <a:blip r:embed="rId3">
+            <a:extLst>
+              <a:ext uri="{28A0092B-C50C-407E-A947-70E740481C1C}">
+                <a14:useLocalDpi xmlns:a14="http://schemas.microsoft.com/office/drawing/2010/main" val="0"/>
+              </a:ext>
+            </a:extLst>
+          </a:blip>
+          <a:srcRect/>
+          <a:stretch>
+            <a:fillRect/>
+          </a:stretch>
+        </p:blipFill>
+        <p:spPr bwMode="auto">
+          <a:xfrm>
+            <a:off x="3795502" y="2180635"/>
+            <a:ext cx="3000240" cy="1924050"/>
+          </a:xfrm>
+          <a:prstGeom prst="rect">
+            <a:avLst/>
+          </a:prstGeom>
+          <a:noFill/>
+          <a:ln>
+            <a:noFill/>
+          </a:ln>
+        </p:spPr>
+      </p:pic>
+      <p:pic>
+        <p:nvPicPr>
+          <p:cNvPr id="6" name="Рисунок 5">
+            <a:extLst>
+              <a:ext uri="{FF2B5EF4-FFF2-40B4-BE49-F238E27FC236}">
+                <a16:creationId xmlns:a16="http://schemas.microsoft.com/office/drawing/2014/main" id="{DC6469DD-0AA4-4D4C-A4C6-88A0D3831337}"/>
+              </a:ext>
+            </a:extLst>
+          </p:cNvPr>
+          <p:cNvPicPr/>
+          <p:nvPr/>
+        </p:nvPicPr>
+        <p:blipFill>
+          <a:blip r:embed="rId4">
+            <a:extLst>
+              <a:ext uri="{28A0092B-C50C-407E-A947-70E740481C1C}">
+                <a14:useLocalDpi xmlns:a14="http://schemas.microsoft.com/office/drawing/2010/main" val="0"/>
+              </a:ext>
+            </a:extLst>
+          </a:blip>
+          <a:srcRect/>
+          <a:stretch>
+            <a:fillRect/>
+          </a:stretch>
+        </p:blipFill>
+        <p:spPr bwMode="auto">
+          <a:xfrm>
+            <a:off x="6896379" y="2381844"/>
+            <a:ext cx="4848225" cy="1228725"/>
+          </a:xfrm>
+          <a:prstGeom prst="rect">
+            <a:avLst/>
+          </a:prstGeom>
+          <a:noFill/>
+          <a:ln>
+            <a:noFill/>
+          </a:ln>
+        </p:spPr>
+      </p:pic>
+      <p:pic>
+        <p:nvPicPr>
+          <p:cNvPr id="8" name="Рисунок 7">
+            <a:extLst>
+              <a:ext uri="{FF2B5EF4-FFF2-40B4-BE49-F238E27FC236}">
+                <a16:creationId xmlns:a16="http://schemas.microsoft.com/office/drawing/2014/main" id="{7ED744EC-28DA-4FFB-884F-B55F19DF3FB0}"/>
+              </a:ext>
+            </a:extLst>
+          </p:cNvPr>
+          <p:cNvPicPr/>
+          <p:nvPr/>
+        </p:nvPicPr>
+        <p:blipFill>
+          <a:blip r:embed="rId5">
+            <a:extLst>
+              <a:ext uri="{28A0092B-C50C-407E-A947-70E740481C1C}">
+                <a14:useLocalDpi xmlns:a14="http://schemas.microsoft.com/office/drawing/2010/main" val="0"/>
+              </a:ext>
+            </a:extLst>
+          </a:blip>
+          <a:srcRect/>
+          <a:stretch>
+            <a:fillRect/>
+          </a:stretch>
+        </p:blipFill>
+        <p:spPr bwMode="auto">
+          <a:xfrm>
+            <a:off x="0" y="4594633"/>
+            <a:ext cx="3742361" cy="1445361"/>
+          </a:xfrm>
+          <a:prstGeom prst="rect">
+            <a:avLst/>
+          </a:prstGeom>
+          <a:noFill/>
+          <a:ln>
+            <a:noFill/>
+          </a:ln>
+        </p:spPr>
+      </p:pic>
+      <p:pic>
+        <p:nvPicPr>
+          <p:cNvPr id="9" name="Рисунок 8">
+            <a:extLst>
+              <a:ext uri="{FF2B5EF4-FFF2-40B4-BE49-F238E27FC236}">
+                <a16:creationId xmlns:a16="http://schemas.microsoft.com/office/drawing/2014/main" id="{27FDB62C-2CFD-4B1C-A8C4-0CD2BDB3056F}"/>
+              </a:ext>
+            </a:extLst>
+          </p:cNvPr>
+          <p:cNvPicPr/>
+          <p:nvPr/>
+        </p:nvPicPr>
+        <p:blipFill>
+          <a:blip r:embed="rId6">
+            <a:extLst>
+              <a:ext uri="{28A0092B-C50C-407E-A947-70E740481C1C}">
+                <a14:useLocalDpi xmlns:a14="http://schemas.microsoft.com/office/drawing/2010/main" val="0"/>
+              </a:ext>
+            </a:extLst>
+          </a:blip>
+          <a:srcRect/>
+          <a:stretch>
+            <a:fillRect/>
+          </a:stretch>
+        </p:blipFill>
+        <p:spPr bwMode="auto">
+          <a:xfrm>
+            <a:off x="3742361" y="4594633"/>
+            <a:ext cx="3742362" cy="1228725"/>
+          </a:xfrm>
+          <a:prstGeom prst="rect">
+            <a:avLst/>
+          </a:prstGeom>
+          <a:noFill/>
+          <a:ln>
+            <a:noFill/>
+          </a:ln>
+        </p:spPr>
+      </p:pic>
+      <p:pic>
+        <p:nvPicPr>
+          <p:cNvPr id="10" name="Рисунок 9">
+            <a:extLst>
+              <a:ext uri="{FF2B5EF4-FFF2-40B4-BE49-F238E27FC236}">
+                <a16:creationId xmlns:a16="http://schemas.microsoft.com/office/drawing/2014/main" id="{B9A38013-0E04-4AE8-9D29-67F6385835D1}"/>
+              </a:ext>
+            </a:extLst>
+          </p:cNvPr>
+          <p:cNvPicPr/>
+          <p:nvPr/>
+        </p:nvPicPr>
+        <p:blipFill>
+          <a:blip r:embed="rId7">
+            <a:extLst>
+              <a:ext uri="{28A0092B-C50C-407E-A947-70E740481C1C}">
+                <a14:useLocalDpi xmlns:a14="http://schemas.microsoft.com/office/drawing/2010/main" val="0"/>
+              </a:ext>
+            </a:extLst>
+          </a:blip>
+          <a:srcRect/>
+          <a:stretch>
+            <a:fillRect/>
+          </a:stretch>
+        </p:blipFill>
+        <p:spPr bwMode="auto">
+          <a:xfrm>
+            <a:off x="7484722" y="4469905"/>
+            <a:ext cx="4548250" cy="1570089"/>
+          </a:xfrm>
+          <a:prstGeom prst="rect">
+            <a:avLst/>
+          </a:prstGeom>
+          <a:noFill/>
+          <a:ln>
+            <a:noFill/>
+          </a:ln>
+        </p:spPr>
+      </p:pic>
+    </p:spTree>
+    <p:extLst>
+      <p:ext uri="{BB962C8B-B14F-4D97-AF65-F5344CB8AC3E}">
+        <p14:creationId xmlns:p14="http://schemas.microsoft.com/office/powerpoint/2010/main" val="1206766381"/>
+      </p:ext>
+    </p:extLst>
+  </p:cSld>
+  <p:clrMapOvr>
+    <a:masterClrMapping/>
+  </p:clrMapOvr>
+</p:sld>
+</file>
+
+<file path=ppt/slides/slide13.xml><?xml version="1.0" encoding="utf-8"?>
+<p:sld xmlns:a="http://schemas.openxmlformats.org/drawingml/2006/main" xmlns:r="http://schemas.openxmlformats.org/officeDocument/2006/relationships" xmlns:p="http://schemas.openxmlformats.org/presentationml/2006/main">
+  <p:cSld>
+    <p:spTree>
+      <p:nvGrpSpPr>
+        <p:cNvPr id="1" name=""/>
+        <p:cNvGrpSpPr/>
+        <p:nvPr/>
+      </p:nvGrpSpPr>
+      <p:grpSpPr>
+        <a:xfrm>
+          <a:off x="0" y="0"/>
+          <a:ext cx="0" cy="0"/>
+          <a:chOff x="0" y="0"/>
+          <a:chExt cx="0" cy="0"/>
+        </a:xfrm>
+      </p:grpSpPr>
+      <p:sp>
+        <p:nvSpPr>
+          <p:cNvPr id="2" name="Заголовок 1">
+            <a:extLst>
+              <a:ext uri="{FF2B5EF4-FFF2-40B4-BE49-F238E27FC236}">
+                <a16:creationId xmlns:a16="http://schemas.microsoft.com/office/drawing/2014/main" id="{149BA20A-6ADE-477A-B2CB-54BE68DCBDDF}"/>
+              </a:ext>
+            </a:extLst>
+          </p:cNvPr>
+          <p:cNvSpPr>
+            <a:spLocks noGrp="1"/>
+          </p:cNvSpPr>
+          <p:nvPr>
+            <p:ph type="title"/>
+          </p:nvPr>
+        </p:nvSpPr>
+        <p:spPr/>
+        <p:txBody>
+          <a:bodyPr/>
+          <a:lstStyle/>
+          <a:p>
+            <a:r>
+              <a:rPr lang="ru-RU" dirty="0"/>
+              <a:t>Апробация: Отчеты администратора</a:t>
+            </a:r>
+          </a:p>
+        </p:txBody>
+      </p:sp>
+      <p:pic>
+        <p:nvPicPr>
+          <p:cNvPr id="8" name="Объект 7">
+            <a:extLst>
+              <a:ext uri="{FF2B5EF4-FFF2-40B4-BE49-F238E27FC236}">
+                <a16:creationId xmlns:a16="http://schemas.microsoft.com/office/drawing/2014/main" id="{0E6D0235-03BC-424F-AB46-979E9C0E744E}"/>
+              </a:ext>
+            </a:extLst>
+          </p:cNvPr>
+          <p:cNvPicPr>
+            <a:picLocks noGrp="1"/>
+          </p:cNvPicPr>
+          <p:nvPr>
+            <p:ph idx="1"/>
+          </p:nvPr>
+        </p:nvPicPr>
+        <p:blipFill>
+          <a:blip r:embed="rId2">
+            <a:extLst>
+              <a:ext uri="{28A0092B-C50C-407E-A947-70E740481C1C}">
+                <a14:useLocalDpi xmlns:a14="http://schemas.microsoft.com/office/drawing/2010/main" val="0"/>
+              </a:ext>
+            </a:extLst>
+          </a:blip>
+          <a:srcRect/>
+          <a:stretch>
+            <a:fillRect/>
+          </a:stretch>
+        </p:blipFill>
+        <p:spPr bwMode="auto">
+          <a:xfrm>
+            <a:off x="0" y="1393500"/>
+            <a:ext cx="5905499" cy="2886952"/>
+          </a:xfrm>
+          <a:prstGeom prst="rect">
+            <a:avLst/>
+          </a:prstGeom>
+          <a:noFill/>
+          <a:ln>
+            <a:noFill/>
+          </a:ln>
+        </p:spPr>
+      </p:pic>
+      <p:pic>
+        <p:nvPicPr>
+          <p:cNvPr id="9" name="Рисунок 8">
+            <a:extLst>
+              <a:ext uri="{FF2B5EF4-FFF2-40B4-BE49-F238E27FC236}">
+                <a16:creationId xmlns:a16="http://schemas.microsoft.com/office/drawing/2014/main" id="{6B7771B5-0CA2-498F-9B41-D74D61499671}"/>
+              </a:ext>
+            </a:extLst>
+          </p:cNvPr>
+          <p:cNvPicPr/>
+          <p:nvPr/>
+        </p:nvPicPr>
+        <p:blipFill>
+          <a:blip r:embed="rId3">
+            <a:extLst>
+              <a:ext uri="{28A0092B-C50C-407E-A947-70E740481C1C}">
+                <a14:useLocalDpi xmlns:a14="http://schemas.microsoft.com/office/drawing/2010/main" val="0"/>
+              </a:ext>
+            </a:extLst>
+          </a:blip>
+          <a:srcRect/>
+          <a:stretch>
+            <a:fillRect/>
+          </a:stretch>
+        </p:blipFill>
+        <p:spPr bwMode="auto">
+          <a:xfrm>
+            <a:off x="5905499" y="1393500"/>
+            <a:ext cx="6286501" cy="2833942"/>
+          </a:xfrm>
+          <a:prstGeom prst="rect">
+            <a:avLst/>
+          </a:prstGeom>
+          <a:noFill/>
+          <a:ln>
+            <a:noFill/>
+          </a:ln>
+        </p:spPr>
+      </p:pic>
+      <p:pic>
+        <p:nvPicPr>
+          <p:cNvPr id="10" name="Рисунок 9">
+            <a:extLst>
+              <a:ext uri="{FF2B5EF4-FFF2-40B4-BE49-F238E27FC236}">
+                <a16:creationId xmlns:a16="http://schemas.microsoft.com/office/drawing/2014/main" id="{020D67A5-8E7D-425A-B972-8C5271049CB5}"/>
+              </a:ext>
+            </a:extLst>
+          </p:cNvPr>
+          <p:cNvPicPr/>
+          <p:nvPr/>
+        </p:nvPicPr>
+        <p:blipFill>
+          <a:blip r:embed="rId4">
+            <a:extLst>
+              <a:ext uri="{28A0092B-C50C-407E-A947-70E740481C1C}">
+                <a14:useLocalDpi xmlns:a14="http://schemas.microsoft.com/office/drawing/2010/main" val="0"/>
+              </a:ext>
+            </a:extLst>
+          </a:blip>
+          <a:srcRect/>
+          <a:stretch>
+            <a:fillRect/>
+          </a:stretch>
+        </p:blipFill>
+        <p:spPr bwMode="auto">
+          <a:xfrm>
+            <a:off x="0" y="4280450"/>
+            <a:ext cx="12192000" cy="2617306"/>
+          </a:xfrm>
+          <a:prstGeom prst="rect">
+            <a:avLst/>
+          </a:prstGeom>
+          <a:noFill/>
+          <a:ln>
+            <a:noFill/>
+          </a:ln>
+        </p:spPr>
+      </p:pic>
+    </p:spTree>
+    <p:extLst>
+      <p:ext uri="{BB962C8B-B14F-4D97-AF65-F5344CB8AC3E}">
+        <p14:creationId xmlns:p14="http://schemas.microsoft.com/office/powerpoint/2010/main" val="1517674079"/>
+      </p:ext>
+    </p:extLst>
+  </p:cSld>
+  <p:clrMapOvr>
+    <a:masterClrMapping/>
+  </p:clrMapOvr>
+</p:sld>
+</file>
+
+<file path=ppt/slides/slide14.xml><?xml version="1.0" encoding="utf-8"?>
+<p:sld xmlns:a="http://schemas.openxmlformats.org/drawingml/2006/main" xmlns:r="http://schemas.openxmlformats.org/officeDocument/2006/relationships" xmlns:p="http://schemas.openxmlformats.org/presentationml/2006/main">
+  <p:cSld>
+    <p:spTree>
+      <p:nvGrpSpPr>
+        <p:cNvPr id="1" name=""/>
+        <p:cNvGrpSpPr/>
+        <p:nvPr/>
+      </p:nvGrpSpPr>
+      <p:grpSpPr>
+        <a:xfrm>
+          <a:off x="0" y="0"/>
+          <a:ext cx="0" cy="0"/>
+          <a:chOff x="0" y="0"/>
+          <a:chExt cx="0" cy="0"/>
+        </a:xfrm>
+      </p:grpSpPr>
+      <p:sp>
+        <p:nvSpPr>
+          <p:cNvPr id="2" name="Заголовок 1">
+            <a:extLst>
+              <a:ext uri="{FF2B5EF4-FFF2-40B4-BE49-F238E27FC236}">
+                <a16:creationId xmlns:a16="http://schemas.microsoft.com/office/drawing/2014/main" id="{13E6C3B7-FAA9-4604-BBA8-7B1738B8E0D4}"/>
+              </a:ext>
+            </a:extLst>
+          </p:cNvPr>
+          <p:cNvSpPr>
+            <a:spLocks noGrp="1"/>
+          </p:cNvSpPr>
+          <p:nvPr>
+            <p:ph type="title"/>
+          </p:nvPr>
+        </p:nvSpPr>
+        <p:spPr>
+          <a:xfrm>
+            <a:off x="838200" y="325369"/>
+            <a:ext cx="10515600" cy="1325563"/>
+          </a:xfrm>
+        </p:spPr>
+        <p:txBody>
+          <a:bodyPr/>
+          <a:lstStyle/>
+          <a:p>
+            <a:r>
+              <a:rPr lang="ru-RU" dirty="0"/>
+              <a:t>Апробация: Клиента</a:t>
+            </a:r>
+          </a:p>
+        </p:txBody>
+      </p:sp>
+      <p:pic>
+        <p:nvPicPr>
+          <p:cNvPr id="4" name="Объект 3">
+            <a:extLst>
+              <a:ext uri="{FF2B5EF4-FFF2-40B4-BE49-F238E27FC236}">
+                <a16:creationId xmlns:a16="http://schemas.microsoft.com/office/drawing/2014/main" id="{E1C29972-9D8A-4D1A-AA1D-EC6291FAD5E5}"/>
+              </a:ext>
+            </a:extLst>
+          </p:cNvPr>
+          <p:cNvPicPr>
+            <a:picLocks noGrp="1"/>
+          </p:cNvPicPr>
+          <p:nvPr>
+            <p:ph idx="1"/>
+          </p:nvPr>
+        </p:nvPicPr>
+        <p:blipFill>
+          <a:blip r:embed="rId2">
+            <a:extLst>
+              <a:ext uri="{28A0092B-C50C-407E-A947-70E740481C1C}">
+                <a14:useLocalDpi xmlns:a14="http://schemas.microsoft.com/office/drawing/2010/main" val="0"/>
+              </a:ext>
+            </a:extLst>
+          </a:blip>
+          <a:srcRect/>
+          <a:stretch>
+            <a:fillRect/>
+          </a:stretch>
+        </p:blipFill>
+        <p:spPr bwMode="auto">
+          <a:xfrm>
+            <a:off x="838200" y="1457739"/>
+            <a:ext cx="5257800" cy="3038061"/>
+          </a:xfrm>
+          <a:prstGeom prst="rect">
+            <a:avLst/>
+          </a:prstGeom>
+          <a:noFill/>
+          <a:ln>
+            <a:noFill/>
+          </a:ln>
+        </p:spPr>
+      </p:pic>
+      <p:pic>
+        <p:nvPicPr>
+          <p:cNvPr id="5" name="Рисунок 4">
+            <a:extLst>
+              <a:ext uri="{FF2B5EF4-FFF2-40B4-BE49-F238E27FC236}">
+                <a16:creationId xmlns:a16="http://schemas.microsoft.com/office/drawing/2014/main" id="{4F1B886F-6543-44C2-BFCF-CF785ADDF821}"/>
+              </a:ext>
+            </a:extLst>
+          </p:cNvPr>
+          <p:cNvPicPr/>
+          <p:nvPr/>
+        </p:nvPicPr>
+        <p:blipFill>
+          <a:blip r:embed="rId3">
+            <a:extLst>
+              <a:ext uri="{28A0092B-C50C-407E-A947-70E740481C1C}">
+                <a14:useLocalDpi xmlns:a14="http://schemas.microsoft.com/office/drawing/2010/main" val="0"/>
+              </a:ext>
+            </a:extLst>
+          </a:blip>
+          <a:srcRect/>
+          <a:stretch>
+            <a:fillRect/>
+          </a:stretch>
+        </p:blipFill>
+        <p:spPr bwMode="auto">
+          <a:xfrm>
+            <a:off x="6096000" y="1457739"/>
+            <a:ext cx="5257800" cy="3038061"/>
+          </a:xfrm>
+          <a:prstGeom prst="rect">
+            <a:avLst/>
+          </a:prstGeom>
+          <a:noFill/>
+          <a:ln>
+            <a:noFill/>
+          </a:ln>
+        </p:spPr>
+      </p:pic>
+      <p:pic>
+        <p:nvPicPr>
+          <p:cNvPr id="7" name="Рисунок 6">
+            <a:extLst>
+              <a:ext uri="{FF2B5EF4-FFF2-40B4-BE49-F238E27FC236}">
+                <a16:creationId xmlns:a16="http://schemas.microsoft.com/office/drawing/2014/main" id="{0EDA3618-7F43-44DB-BD7E-5136723D78DE}"/>
+              </a:ext>
+            </a:extLst>
+          </p:cNvPr>
+          <p:cNvPicPr/>
+          <p:nvPr/>
+        </p:nvPicPr>
+        <p:blipFill>
+          <a:blip r:embed="rId4">
+            <a:extLst>
+              <a:ext uri="{28A0092B-C50C-407E-A947-70E740481C1C}">
+                <a14:useLocalDpi xmlns:a14="http://schemas.microsoft.com/office/drawing/2010/main" val="0"/>
+              </a:ext>
+            </a:extLst>
+          </a:blip>
+          <a:srcRect/>
+          <a:stretch>
+            <a:fillRect/>
+          </a:stretch>
+        </p:blipFill>
+        <p:spPr bwMode="auto">
+          <a:xfrm>
+            <a:off x="847051" y="4495799"/>
+            <a:ext cx="10506749" cy="2262809"/>
+          </a:xfrm>
+          <a:prstGeom prst="rect">
+            <a:avLst/>
+          </a:prstGeom>
+          <a:noFill/>
+          <a:ln>
+            <a:noFill/>
+          </a:ln>
+        </p:spPr>
+      </p:pic>
+    </p:spTree>
+    <p:extLst>
+      <p:ext uri="{BB962C8B-B14F-4D97-AF65-F5344CB8AC3E}">
+        <p14:creationId xmlns:p14="http://schemas.microsoft.com/office/powerpoint/2010/main" val="3020117924"/>
+      </p:ext>
+    </p:extLst>
+  </p:cSld>
+  <p:clrMapOvr>
+    <a:masterClrMapping/>
+  </p:clrMapOvr>
+</p:sld>
+</file>
+
+<file path=ppt/slides/slide15.xml><?xml version="1.0" encoding="utf-8"?>
+<p:sld xmlns:a="http://schemas.openxmlformats.org/drawingml/2006/main" xmlns:r="http://schemas.openxmlformats.org/officeDocument/2006/relationships" xmlns:p="http://schemas.openxmlformats.org/presentationml/2006/main">
+  <p:cSld>
+    <p:spTree>
+      <p:nvGrpSpPr>
+        <p:cNvPr id="1" name=""/>
+        <p:cNvGrpSpPr/>
+        <p:nvPr/>
+      </p:nvGrpSpPr>
+      <p:grpSpPr>
+        <a:xfrm>
+          <a:off x="0" y="0"/>
+          <a:ext cx="0" cy="0"/>
+          <a:chOff x="0" y="0"/>
+          <a:chExt cx="0" cy="0"/>
+        </a:xfrm>
+      </p:grpSpPr>
+      <p:sp>
+        <p:nvSpPr>
           <p:cNvPr id="2" name="Заголовок 1"/>
           <p:cNvSpPr>
             <a:spLocks noGrp="1"/>
@@ -3674,7 +4680,90 @@
 </p:sld>
 </file>
 
-<file path=ppt/slides/slide12.xml><?xml version="1.0" encoding="utf-8"?>
+<file path=ppt/slides/slide16.xml><?xml version="1.0" encoding="utf-8"?>
+<p:sld xmlns:a="http://schemas.openxmlformats.org/drawingml/2006/main" xmlns:r="http://schemas.openxmlformats.org/officeDocument/2006/relationships" xmlns:p="http://schemas.openxmlformats.org/presentationml/2006/main">
+  <p:cSld>
+    <p:spTree>
+      <p:nvGrpSpPr>
+        <p:cNvPr id="1" name=""/>
+        <p:cNvGrpSpPr/>
+        <p:nvPr/>
+      </p:nvGrpSpPr>
+      <p:grpSpPr>
+        <a:xfrm>
+          <a:off x="0" y="0"/>
+          <a:ext cx="0" cy="0"/>
+          <a:chOff x="0" y="0"/>
+          <a:chExt cx="0" cy="0"/>
+        </a:xfrm>
+      </p:grpSpPr>
+      <p:sp>
+        <p:nvSpPr>
+          <p:cNvPr id="2" name="Заголовок 1">
+            <a:extLst>
+              <a:ext uri="{FF2B5EF4-FFF2-40B4-BE49-F238E27FC236}">
+                <a16:creationId xmlns:a16="http://schemas.microsoft.com/office/drawing/2014/main" id="{E22F2BF3-310C-42C0-A675-3DB6664E8274}"/>
+              </a:ext>
+            </a:extLst>
+          </p:cNvPr>
+          <p:cNvSpPr>
+            <a:spLocks noGrp="1"/>
+          </p:cNvSpPr>
+          <p:nvPr>
+            <p:ph type="title"/>
+          </p:nvPr>
+        </p:nvSpPr>
+        <p:spPr/>
+        <p:txBody>
+          <a:bodyPr/>
+          <a:lstStyle/>
+          <a:p>
+            <a:r>
+              <a:rPr lang="ru-RU" dirty="0"/>
+              <a:t>Публикации</a:t>
+            </a:r>
+          </a:p>
+        </p:txBody>
+      </p:sp>
+      <p:sp>
+        <p:nvSpPr>
+          <p:cNvPr id="3" name="Объект 2">
+            <a:extLst>
+              <a:ext uri="{FF2B5EF4-FFF2-40B4-BE49-F238E27FC236}">
+                <a16:creationId xmlns:a16="http://schemas.microsoft.com/office/drawing/2014/main" id="{2E5B5590-A5C1-4578-ACDF-FDA83BA4D7CA}"/>
+              </a:ext>
+            </a:extLst>
+          </p:cNvPr>
+          <p:cNvSpPr>
+            <a:spLocks noGrp="1"/>
+          </p:cNvSpPr>
+          <p:nvPr>
+            <p:ph idx="1"/>
+          </p:nvPr>
+        </p:nvSpPr>
+        <p:spPr/>
+        <p:txBody>
+          <a:bodyPr/>
+          <a:lstStyle/>
+          <a:p>
+            <a:endParaRPr lang="ru-RU"/>
+          </a:p>
+        </p:txBody>
+      </p:sp>
+    </p:spTree>
+    <p:extLst>
+      <p:ext uri="{BB962C8B-B14F-4D97-AF65-F5344CB8AC3E}">
+        <p14:creationId xmlns:p14="http://schemas.microsoft.com/office/powerpoint/2010/main" val="81469737"/>
+      </p:ext>
+    </p:extLst>
+  </p:cSld>
+  <p:clrMapOvr>
+    <a:masterClrMapping/>
+  </p:clrMapOvr>
+</p:sld>
+</file>
+
+<file path=ppt/slides/slide17.xml><?xml version="1.0" encoding="utf-8"?>
 <p:sld xmlns:a="http://schemas.openxmlformats.org/drawingml/2006/main" xmlns:r="http://schemas.openxmlformats.org/officeDocument/2006/relationships" xmlns:p="http://schemas.openxmlformats.org/presentationml/2006/main">
   <p:cSld>
     <p:spTree>
@@ -4353,7 +5442,13 @@
       </p:grpSpPr>
       <p:sp>
         <p:nvSpPr>
-          <p:cNvPr id="2" name="Заголовок 1"/>
+          <p:cNvPr id="2" name="Заголовок 1">
+            <a:extLst>
+              <a:ext uri="{FF2B5EF4-FFF2-40B4-BE49-F238E27FC236}">
+                <a16:creationId xmlns:a16="http://schemas.microsoft.com/office/drawing/2014/main" id="{89A29B0A-F86C-454A-8BC2-AE1D8602B411}"/>
+              </a:ext>
+            </a:extLst>
+          </p:cNvPr>
           <p:cNvSpPr>
             <a:spLocks noGrp="1"/>
           </p:cNvSpPr>
@@ -4361,68 +5456,47 @@
             <p:ph type="title"/>
           </p:nvPr>
         </p:nvSpPr>
-        <p:spPr>
-          <a:xfrm>
-            <a:off x="838200" y="365125"/>
-            <a:ext cx="10515600" cy="2460453"/>
-          </a:xfrm>
-        </p:spPr>
-        <p:txBody>
-          <a:bodyPr>
-            <a:normAutofit/>
-          </a:bodyPr>
+        <p:spPr/>
+        <p:txBody>
+          <a:bodyPr/>
           <a:lstStyle/>
           <a:p>
             <a:r>
               <a:rPr lang="ru-RU" dirty="0"/>
-              <a:t>Схема БД</a:t>
-            </a:r>
-          </a:p>
-        </p:txBody>
-      </p:sp>
-      <p:pic>
-        <p:nvPicPr>
-          <p:cNvPr id="4" name="Рисунок 3">
+              <a:t>Проектирование</a:t>
+            </a:r>
+          </a:p>
+        </p:txBody>
+      </p:sp>
+      <p:sp>
+        <p:nvSpPr>
+          <p:cNvPr id="3" name="Объект 2">
             <a:extLst>
               <a:ext uri="{FF2B5EF4-FFF2-40B4-BE49-F238E27FC236}">
-                <a16:creationId xmlns:a16="http://schemas.microsoft.com/office/drawing/2014/main" id="{528EA8AD-0C48-4EA6-8AB5-FC90376E72B2}"/>
+                <a16:creationId xmlns:a16="http://schemas.microsoft.com/office/drawing/2014/main" id="{EB332D6C-A9C5-45A0-BCEB-B06061D6454D}"/>
               </a:ext>
             </a:extLst>
           </p:cNvPr>
-          <p:cNvPicPr/>
-          <p:nvPr/>
-        </p:nvPicPr>
-        <p:blipFill>
-          <a:blip r:embed="rId2">
-            <a:extLst>
-              <a:ext uri="{28A0092B-C50C-407E-A947-70E740481C1C}">
-                <a14:useLocalDpi xmlns:a14="http://schemas.microsoft.com/office/drawing/2010/main" val="0"/>
-              </a:ext>
-            </a:extLst>
-          </a:blip>
-          <a:srcRect/>
-          <a:stretch>
-            <a:fillRect/>
-          </a:stretch>
-        </p:blipFill>
-        <p:spPr bwMode="auto">
-          <a:xfrm>
-            <a:off x="3557586" y="702365"/>
-            <a:ext cx="7971805" cy="5790510"/>
-          </a:xfrm>
-          <a:prstGeom prst="rect">
-            <a:avLst/>
-          </a:prstGeom>
-          <a:noFill/>
-          <a:ln>
-            <a:noFill/>
-          </a:ln>
-        </p:spPr>
-      </p:pic>
+          <p:cNvSpPr>
+            <a:spLocks noGrp="1"/>
+          </p:cNvSpPr>
+          <p:nvPr>
+            <p:ph idx="1"/>
+          </p:nvPr>
+        </p:nvSpPr>
+        <p:spPr/>
+        <p:txBody>
+          <a:bodyPr/>
+          <a:lstStyle/>
+          <a:p>
+            <a:endParaRPr lang="ru-RU"/>
+          </a:p>
+        </p:txBody>
+      </p:sp>
     </p:spTree>
     <p:extLst>
       <p:ext uri="{BB962C8B-B14F-4D97-AF65-F5344CB8AC3E}">
-        <p14:creationId xmlns:p14="http://schemas.microsoft.com/office/powerpoint/2010/main" val="2541741414"/>
+        <p14:creationId xmlns:p14="http://schemas.microsoft.com/office/powerpoint/2010/main" val="821884369"/>
       </p:ext>
     </p:extLst>
   </p:cSld>
@@ -4451,13 +5525,7 @@
       </p:grpSpPr>
       <p:sp>
         <p:nvSpPr>
-          <p:cNvPr id="2" name="Заголовок 1">
-            <a:extLst>
-              <a:ext uri="{FF2B5EF4-FFF2-40B4-BE49-F238E27FC236}">
-                <a16:creationId xmlns:a16="http://schemas.microsoft.com/office/drawing/2014/main" id="{08B108EA-04A0-4603-9247-66BCF54ECA07}"/>
-              </a:ext>
-            </a:extLst>
-          </p:cNvPr>
+          <p:cNvPr id="2" name="Заголовок 1"/>
           <p:cNvSpPr>
             <a:spLocks noGrp="1"/>
           </p:cNvSpPr>
@@ -4465,33 +5533,34 @@
             <p:ph type="title"/>
           </p:nvPr>
         </p:nvSpPr>
-        <p:spPr/>
+        <p:spPr>
+          <a:xfrm>
+            <a:off x="854978" y="0"/>
+            <a:ext cx="10515600" cy="1325563"/>
+          </a:xfrm>
+        </p:spPr>
         <p:txBody>
           <a:bodyPr/>
           <a:lstStyle/>
           <a:p>
             <a:r>
               <a:rPr lang="ru-RU" dirty="0"/>
-              <a:t>Структура проекта</a:t>
+              <a:t>Иерархия управления в компании</a:t>
             </a:r>
           </a:p>
         </p:txBody>
       </p:sp>
       <p:pic>
         <p:nvPicPr>
-          <p:cNvPr id="4" name="Объект 3">
+          <p:cNvPr id="7" name="Рисунок 6">
             <a:extLst>
               <a:ext uri="{FF2B5EF4-FFF2-40B4-BE49-F238E27FC236}">
-                <a16:creationId xmlns:a16="http://schemas.microsoft.com/office/drawing/2014/main" id="{8267393E-B254-4396-A4ED-08F94267B2C2}"/>
+                <a16:creationId xmlns:a16="http://schemas.microsoft.com/office/drawing/2014/main" id="{D9B6CF8D-7089-4700-85A1-188A022697BB}"/>
               </a:ext>
             </a:extLst>
           </p:cNvPr>
-          <p:cNvPicPr>
-            <a:picLocks noGrp="1"/>
-          </p:cNvPicPr>
-          <p:nvPr>
-            <p:ph idx="1"/>
-          </p:nvPr>
+          <p:cNvPicPr/>
+          <p:nvPr/>
         </p:nvPicPr>
         <p:blipFill>
           <a:blip r:embed="rId2">
@@ -4508,8 +5577,8 @@
         </p:blipFill>
         <p:spPr bwMode="auto">
           <a:xfrm>
-            <a:off x="118993" y="1690688"/>
-            <a:ext cx="2186885" cy="4351338"/>
+            <a:off x="821422" y="1325563"/>
+            <a:ext cx="10880247" cy="4572000"/>
           </a:xfrm>
           <a:prstGeom prst="rect">
             <a:avLst/>
@@ -4520,166 +5589,10 @@
           </a:ln>
         </p:spPr>
       </p:pic>
-      <p:pic>
-        <p:nvPicPr>
-          <p:cNvPr id="5" name="Рисунок 4">
-            <a:extLst>
-              <a:ext uri="{FF2B5EF4-FFF2-40B4-BE49-F238E27FC236}">
-                <a16:creationId xmlns:a16="http://schemas.microsoft.com/office/drawing/2014/main" id="{B412DF5E-185A-4A2D-85B1-FDC6D5A058E0}"/>
-              </a:ext>
-            </a:extLst>
-          </p:cNvPr>
-          <p:cNvPicPr/>
-          <p:nvPr/>
-        </p:nvPicPr>
-        <p:blipFill>
-          <a:blip r:embed="rId3">
-            <a:extLst>
-              <a:ext uri="{28A0092B-C50C-407E-A947-70E740481C1C}">
-                <a14:useLocalDpi xmlns:a14="http://schemas.microsoft.com/office/drawing/2010/main" val="0"/>
-              </a:ext>
-            </a:extLst>
-          </a:blip>
-          <a:srcRect/>
-          <a:stretch>
-            <a:fillRect/>
-          </a:stretch>
-        </p:blipFill>
-        <p:spPr bwMode="auto">
-          <a:xfrm>
-            <a:off x="2408306" y="1690688"/>
-            <a:ext cx="2365789" cy="4351338"/>
-          </a:xfrm>
-          <a:prstGeom prst="rect">
-            <a:avLst/>
-          </a:prstGeom>
-          <a:noFill/>
-          <a:ln>
-            <a:noFill/>
-          </a:ln>
-        </p:spPr>
-      </p:pic>
-      <p:pic>
-        <p:nvPicPr>
-          <p:cNvPr id="6" name="Рисунок 5">
-            <a:extLst>
-              <a:ext uri="{FF2B5EF4-FFF2-40B4-BE49-F238E27FC236}">
-                <a16:creationId xmlns:a16="http://schemas.microsoft.com/office/drawing/2014/main" id="{FD2FB9FD-CBBF-41C9-8DD8-D4DD9022F07B}"/>
-              </a:ext>
-            </a:extLst>
-          </p:cNvPr>
-          <p:cNvPicPr/>
-          <p:nvPr/>
-        </p:nvPicPr>
-        <p:blipFill>
-          <a:blip r:embed="rId4">
-            <a:extLst>
-              <a:ext uri="{28A0092B-C50C-407E-A947-70E740481C1C}">
-                <a14:useLocalDpi xmlns:a14="http://schemas.microsoft.com/office/drawing/2010/main" val="0"/>
-              </a:ext>
-            </a:extLst>
-          </a:blip>
-          <a:srcRect/>
-          <a:stretch>
-            <a:fillRect/>
-          </a:stretch>
-        </p:blipFill>
-        <p:spPr bwMode="auto">
-          <a:xfrm>
-            <a:off x="4876524" y="1690688"/>
-            <a:ext cx="2309744" cy="4351338"/>
-          </a:xfrm>
-          <a:prstGeom prst="rect">
-            <a:avLst/>
-          </a:prstGeom>
-          <a:noFill/>
-          <a:ln>
-            <a:noFill/>
-          </a:ln>
-        </p:spPr>
-      </p:pic>
-      <p:pic>
-        <p:nvPicPr>
-          <p:cNvPr id="7" name="Рисунок 6">
-            <a:extLst>
-              <a:ext uri="{FF2B5EF4-FFF2-40B4-BE49-F238E27FC236}">
-                <a16:creationId xmlns:a16="http://schemas.microsoft.com/office/drawing/2014/main" id="{69358DA8-47D0-453E-B6B9-18050B4BBF82}"/>
-              </a:ext>
-            </a:extLst>
-          </p:cNvPr>
-          <p:cNvPicPr/>
-          <p:nvPr/>
-        </p:nvPicPr>
-        <p:blipFill>
-          <a:blip r:embed="rId5">
-            <a:extLst>
-              <a:ext uri="{28A0092B-C50C-407E-A947-70E740481C1C}">
-                <a14:useLocalDpi xmlns:a14="http://schemas.microsoft.com/office/drawing/2010/main" val="0"/>
-              </a:ext>
-            </a:extLst>
-          </a:blip>
-          <a:srcRect/>
-          <a:stretch>
-            <a:fillRect/>
-          </a:stretch>
-        </p:blipFill>
-        <p:spPr bwMode="auto">
-          <a:xfrm>
-            <a:off x="7288696" y="1690688"/>
-            <a:ext cx="2309743" cy="4351338"/>
-          </a:xfrm>
-          <a:prstGeom prst="rect">
-            <a:avLst/>
-          </a:prstGeom>
-          <a:noFill/>
-          <a:ln>
-            <a:noFill/>
-          </a:ln>
-        </p:spPr>
-      </p:pic>
-      <p:pic>
-        <p:nvPicPr>
-          <p:cNvPr id="8" name="Рисунок 7">
-            <a:extLst>
-              <a:ext uri="{FF2B5EF4-FFF2-40B4-BE49-F238E27FC236}">
-                <a16:creationId xmlns:a16="http://schemas.microsoft.com/office/drawing/2014/main" id="{6E6E05C0-574C-41E7-8A3E-785CA3F94F74}"/>
-              </a:ext>
-            </a:extLst>
-          </p:cNvPr>
-          <p:cNvPicPr/>
-          <p:nvPr/>
-        </p:nvPicPr>
-        <p:blipFill>
-          <a:blip r:embed="rId6">
-            <a:extLst>
-              <a:ext uri="{28A0092B-C50C-407E-A947-70E740481C1C}">
-                <a14:useLocalDpi xmlns:a14="http://schemas.microsoft.com/office/drawing/2010/main" val="0"/>
-              </a:ext>
-            </a:extLst>
-          </a:blip>
-          <a:srcRect/>
-          <a:stretch>
-            <a:fillRect/>
-          </a:stretch>
-        </p:blipFill>
-        <p:spPr bwMode="auto">
-          <a:xfrm>
-            <a:off x="9700867" y="3935896"/>
-            <a:ext cx="2411620" cy="2106130"/>
-          </a:xfrm>
-          <a:prstGeom prst="rect">
-            <a:avLst/>
-          </a:prstGeom>
-          <a:noFill/>
-          <a:ln>
-            <a:noFill/>
-          </a:ln>
-        </p:spPr>
-      </p:pic>
     </p:spTree>
     <p:extLst>
       <p:ext uri="{BB962C8B-B14F-4D97-AF65-F5344CB8AC3E}">
-        <p14:creationId xmlns:p14="http://schemas.microsoft.com/office/powerpoint/2010/main" val="3359726494"/>
+        <p14:creationId xmlns:p14="http://schemas.microsoft.com/office/powerpoint/2010/main" val="925016929"/>
       </p:ext>
     </p:extLst>
   </p:cSld>
@@ -4718,27 +5631,29 @@
         </p:nvSpPr>
         <p:spPr>
           <a:xfrm>
-            <a:off x="854978" y="0"/>
-            <a:ext cx="10515600" cy="1325563"/>
-          </a:xfrm>
-        </p:spPr>
-        <p:txBody>
-          <a:bodyPr/>
+            <a:off x="838200" y="365125"/>
+            <a:ext cx="10515600" cy="2460453"/>
+          </a:xfrm>
+        </p:spPr>
+        <p:txBody>
+          <a:bodyPr>
+            <a:normAutofit/>
+          </a:bodyPr>
           <a:lstStyle/>
           <a:p>
             <a:r>
               <a:rPr lang="ru-RU" dirty="0"/>
-              <a:t>Иерархия управления в компании</a:t>
+              <a:t>Схема БД</a:t>
             </a:r>
           </a:p>
         </p:txBody>
       </p:sp>
       <p:pic>
         <p:nvPicPr>
-          <p:cNvPr id="7" name="Рисунок 6">
+          <p:cNvPr id="4" name="Рисунок 3">
             <a:extLst>
               <a:ext uri="{FF2B5EF4-FFF2-40B4-BE49-F238E27FC236}">
-                <a16:creationId xmlns:a16="http://schemas.microsoft.com/office/drawing/2014/main" id="{D9B6CF8D-7089-4700-85A1-188A022697BB}"/>
+                <a16:creationId xmlns:a16="http://schemas.microsoft.com/office/drawing/2014/main" id="{528EA8AD-0C48-4EA6-8AB5-FC90376E72B2}"/>
               </a:ext>
             </a:extLst>
           </p:cNvPr>
@@ -4760,8 +5675,8 @@
         </p:blipFill>
         <p:spPr bwMode="auto">
           <a:xfrm>
-            <a:off x="490330" y="1802296"/>
-            <a:ext cx="10880247" cy="4572000"/>
+            <a:off x="3557586" y="702365"/>
+            <a:ext cx="7971805" cy="5790510"/>
           </a:xfrm>
           <a:prstGeom prst="rect">
             <a:avLst/>
@@ -4775,7 +5690,7 @@
     </p:spTree>
     <p:extLst>
       <p:ext uri="{BB962C8B-B14F-4D97-AF65-F5344CB8AC3E}">
-        <p14:creationId xmlns:p14="http://schemas.microsoft.com/office/powerpoint/2010/main" val="925016929"/>
+        <p14:creationId xmlns:p14="http://schemas.microsoft.com/office/powerpoint/2010/main" val="2541741414"/>
       </p:ext>
     </p:extLst>
   </p:cSld>
@@ -4804,7 +5719,13 @@
       </p:grpSpPr>
       <p:sp>
         <p:nvSpPr>
-          <p:cNvPr id="2" name="Заголовок 1"/>
+          <p:cNvPr id="2" name="Заголовок 1">
+            <a:extLst>
+              <a:ext uri="{FF2B5EF4-FFF2-40B4-BE49-F238E27FC236}">
+                <a16:creationId xmlns:a16="http://schemas.microsoft.com/office/drawing/2014/main" id="{08B108EA-04A0-4603-9247-66BCF54ECA07}"/>
+              </a:ext>
+            </a:extLst>
+          </p:cNvPr>
           <p:cNvSpPr>
             <a:spLocks noGrp="1"/>
           </p:cNvSpPr>
@@ -4812,34 +5733,33 @@
             <p:ph type="title"/>
           </p:nvPr>
         </p:nvSpPr>
-        <p:spPr>
-          <a:xfrm>
-            <a:off x="838200" y="0"/>
-            <a:ext cx="10515600" cy="1325563"/>
-          </a:xfrm>
-        </p:spPr>
+        <p:spPr/>
         <p:txBody>
           <a:bodyPr/>
           <a:lstStyle/>
           <a:p>
             <a:r>
               <a:rPr lang="ru-RU" dirty="0"/>
-              <a:t>Апробация: Менеджер</a:t>
+              <a:t>Структура проекта</a:t>
             </a:r>
           </a:p>
         </p:txBody>
       </p:sp>
       <p:pic>
         <p:nvPicPr>
-          <p:cNvPr id="4" name="Рисунок 3">
+          <p:cNvPr id="4" name="Объект 3">
             <a:extLst>
               <a:ext uri="{FF2B5EF4-FFF2-40B4-BE49-F238E27FC236}">
-                <a16:creationId xmlns:a16="http://schemas.microsoft.com/office/drawing/2014/main" id="{90A27089-BB6D-4863-9138-80CADB690950}"/>
+                <a16:creationId xmlns:a16="http://schemas.microsoft.com/office/drawing/2014/main" id="{8267393E-B254-4396-A4ED-08F94267B2C2}"/>
               </a:ext>
             </a:extLst>
           </p:cNvPr>
-          <p:cNvPicPr/>
-          <p:nvPr/>
+          <p:cNvPicPr>
+            <a:picLocks noGrp="1"/>
+          </p:cNvPicPr>
+          <p:nvPr>
+            <p:ph idx="1"/>
+          </p:nvPr>
         </p:nvPicPr>
         <p:blipFill>
           <a:blip r:embed="rId2">
@@ -4856,8 +5776,8 @@
         </p:blipFill>
         <p:spPr bwMode="auto">
           <a:xfrm>
-            <a:off x="838200" y="1325563"/>
-            <a:ext cx="10515600" cy="2103437"/>
+            <a:off x="118993" y="1690688"/>
+            <a:ext cx="2186885" cy="4351338"/>
           </a:xfrm>
           <a:prstGeom prst="rect">
             <a:avLst/>
@@ -4870,10 +5790,10 @@
       </p:pic>
       <p:pic>
         <p:nvPicPr>
-          <p:cNvPr id="7" name="Рисунок 6">
+          <p:cNvPr id="5" name="Рисунок 4">
             <a:extLst>
               <a:ext uri="{FF2B5EF4-FFF2-40B4-BE49-F238E27FC236}">
-                <a16:creationId xmlns:a16="http://schemas.microsoft.com/office/drawing/2014/main" id="{F54C3B83-653A-40A4-8511-8F88E9455392}"/>
+                <a16:creationId xmlns:a16="http://schemas.microsoft.com/office/drawing/2014/main" id="{B412DF5E-185A-4A2D-85B1-FDC6D5A058E0}"/>
               </a:ext>
             </a:extLst>
           </p:cNvPr>
@@ -4895,8 +5815,8 @@
         </p:blipFill>
         <p:spPr bwMode="auto">
           <a:xfrm>
-            <a:off x="838200" y="3707916"/>
-            <a:ext cx="10515600" cy="2103437"/>
+            <a:off x="2408306" y="1690688"/>
+            <a:ext cx="2365789" cy="4351338"/>
           </a:xfrm>
           <a:prstGeom prst="rect">
             <a:avLst/>
@@ -4907,10 +5827,127 @@
           </a:ln>
         </p:spPr>
       </p:pic>
+      <p:pic>
+        <p:nvPicPr>
+          <p:cNvPr id="6" name="Рисунок 5">
+            <a:extLst>
+              <a:ext uri="{FF2B5EF4-FFF2-40B4-BE49-F238E27FC236}">
+                <a16:creationId xmlns:a16="http://schemas.microsoft.com/office/drawing/2014/main" id="{FD2FB9FD-CBBF-41C9-8DD8-D4DD9022F07B}"/>
+              </a:ext>
+            </a:extLst>
+          </p:cNvPr>
+          <p:cNvPicPr/>
+          <p:nvPr/>
+        </p:nvPicPr>
+        <p:blipFill>
+          <a:blip r:embed="rId4">
+            <a:extLst>
+              <a:ext uri="{28A0092B-C50C-407E-A947-70E740481C1C}">
+                <a14:useLocalDpi xmlns:a14="http://schemas.microsoft.com/office/drawing/2010/main" val="0"/>
+              </a:ext>
+            </a:extLst>
+          </a:blip>
+          <a:srcRect/>
+          <a:stretch>
+            <a:fillRect/>
+          </a:stretch>
+        </p:blipFill>
+        <p:spPr bwMode="auto">
+          <a:xfrm>
+            <a:off x="4876524" y="1690688"/>
+            <a:ext cx="2309744" cy="4351338"/>
+          </a:xfrm>
+          <a:prstGeom prst="rect">
+            <a:avLst/>
+          </a:prstGeom>
+          <a:noFill/>
+          <a:ln>
+            <a:noFill/>
+          </a:ln>
+        </p:spPr>
+      </p:pic>
+      <p:pic>
+        <p:nvPicPr>
+          <p:cNvPr id="7" name="Рисунок 6">
+            <a:extLst>
+              <a:ext uri="{FF2B5EF4-FFF2-40B4-BE49-F238E27FC236}">
+                <a16:creationId xmlns:a16="http://schemas.microsoft.com/office/drawing/2014/main" id="{69358DA8-47D0-453E-B6B9-18050B4BBF82}"/>
+              </a:ext>
+            </a:extLst>
+          </p:cNvPr>
+          <p:cNvPicPr/>
+          <p:nvPr/>
+        </p:nvPicPr>
+        <p:blipFill>
+          <a:blip r:embed="rId5">
+            <a:extLst>
+              <a:ext uri="{28A0092B-C50C-407E-A947-70E740481C1C}">
+                <a14:useLocalDpi xmlns:a14="http://schemas.microsoft.com/office/drawing/2010/main" val="0"/>
+              </a:ext>
+            </a:extLst>
+          </a:blip>
+          <a:srcRect/>
+          <a:stretch>
+            <a:fillRect/>
+          </a:stretch>
+        </p:blipFill>
+        <p:spPr bwMode="auto">
+          <a:xfrm>
+            <a:off x="7288696" y="1690688"/>
+            <a:ext cx="2309743" cy="4351338"/>
+          </a:xfrm>
+          <a:prstGeom prst="rect">
+            <a:avLst/>
+          </a:prstGeom>
+          <a:noFill/>
+          <a:ln>
+            <a:noFill/>
+          </a:ln>
+        </p:spPr>
+      </p:pic>
+      <p:pic>
+        <p:nvPicPr>
+          <p:cNvPr id="8" name="Рисунок 7">
+            <a:extLst>
+              <a:ext uri="{FF2B5EF4-FFF2-40B4-BE49-F238E27FC236}">
+                <a16:creationId xmlns:a16="http://schemas.microsoft.com/office/drawing/2014/main" id="{6E6E05C0-574C-41E7-8A3E-785CA3F94F74}"/>
+              </a:ext>
+            </a:extLst>
+          </p:cNvPr>
+          <p:cNvPicPr/>
+          <p:nvPr/>
+        </p:nvPicPr>
+        <p:blipFill>
+          <a:blip r:embed="rId6">
+            <a:extLst>
+              <a:ext uri="{28A0092B-C50C-407E-A947-70E740481C1C}">
+                <a14:useLocalDpi xmlns:a14="http://schemas.microsoft.com/office/drawing/2010/main" val="0"/>
+              </a:ext>
+            </a:extLst>
+          </a:blip>
+          <a:srcRect/>
+          <a:stretch>
+            <a:fillRect/>
+          </a:stretch>
+        </p:blipFill>
+        <p:spPr bwMode="auto">
+          <a:xfrm>
+            <a:off x="9700867" y="3935896"/>
+            <a:ext cx="2411620" cy="2106130"/>
+          </a:xfrm>
+          <a:prstGeom prst="rect">
+            <a:avLst/>
+          </a:prstGeom>
+          <a:noFill/>
+          <a:ln>
+            <a:noFill/>
+          </a:ln>
+        </p:spPr>
+      </p:pic>
     </p:spTree>
     <p:extLst>
       <p:ext uri="{BB962C8B-B14F-4D97-AF65-F5344CB8AC3E}">
-        <p14:creationId xmlns:p14="http://schemas.microsoft.com/office/powerpoint/2010/main" val="3349157927"/>
+        <p14:creationId xmlns:p14="http://schemas.microsoft.com/office/powerpoint/2010/main" val="3359726494"/>
       </p:ext>
     </p:extLst>
   </p:cSld>
@@ -4939,7 +5976,13 @@
       </p:grpSpPr>
       <p:sp>
         <p:nvSpPr>
-          <p:cNvPr id="2" name="Заголовок 1"/>
+          <p:cNvPr id="2" name="Заголовок 1">
+            <a:extLst>
+              <a:ext uri="{FF2B5EF4-FFF2-40B4-BE49-F238E27FC236}">
+                <a16:creationId xmlns:a16="http://schemas.microsoft.com/office/drawing/2014/main" id="{0840D5A9-41ED-4B59-9EA5-F1CD10406071}"/>
+              </a:ext>
+            </a:extLst>
+          </p:cNvPr>
           <p:cNvSpPr>
             <a:spLocks noGrp="1"/>
           </p:cNvSpPr>
@@ -4947,34 +5990,33 @@
             <p:ph type="title"/>
           </p:nvPr>
         </p:nvSpPr>
-        <p:spPr>
-          <a:xfrm>
-            <a:off x="838200" y="0"/>
-            <a:ext cx="10515600" cy="1325563"/>
-          </a:xfrm>
-        </p:spPr>
+        <p:spPr/>
         <p:txBody>
           <a:bodyPr/>
           <a:lstStyle/>
           <a:p>
             <a:r>
               <a:rPr lang="ru-RU" dirty="0"/>
-              <a:t>Апробация: Отчеты менеджера</a:t>
+              <a:t>Апробация: Вход</a:t>
             </a:r>
           </a:p>
         </p:txBody>
       </p:sp>
       <p:pic>
         <p:nvPicPr>
-          <p:cNvPr id="5" name="Рисунок 4">
+          <p:cNvPr id="5" name="Объект 4">
             <a:extLst>
               <a:ext uri="{FF2B5EF4-FFF2-40B4-BE49-F238E27FC236}">
-                <a16:creationId xmlns:a16="http://schemas.microsoft.com/office/drawing/2014/main" id="{0E4DBA9B-FF40-4631-8ED0-C2D695F65A53}"/>
+                <a16:creationId xmlns:a16="http://schemas.microsoft.com/office/drawing/2014/main" id="{21A4DEFD-FD93-45D9-AD38-CD441591A2D1}"/>
               </a:ext>
             </a:extLst>
           </p:cNvPr>
-          <p:cNvPicPr/>
-          <p:nvPr/>
+          <p:cNvPicPr>
+            <a:picLocks noGrp="1"/>
+          </p:cNvPicPr>
+          <p:nvPr>
+            <p:ph idx="1"/>
+          </p:nvPr>
         </p:nvPicPr>
         <p:blipFill>
           <a:blip r:embed="rId2">
@@ -4991,8 +6033,8 @@
         </p:blipFill>
         <p:spPr bwMode="auto">
           <a:xfrm>
-            <a:off x="5817704" y="1325563"/>
-            <a:ext cx="6374296" cy="2769359"/>
+            <a:off x="4710285" y="1690688"/>
+            <a:ext cx="2771429" cy="1123810"/>
           </a:xfrm>
           <a:prstGeom prst="rect">
             <a:avLst/>
@@ -5008,7 +6050,7 @@
           <p:cNvPr id="6" name="Рисунок 5">
             <a:extLst>
               <a:ext uri="{FF2B5EF4-FFF2-40B4-BE49-F238E27FC236}">
-                <a16:creationId xmlns:a16="http://schemas.microsoft.com/office/drawing/2014/main" id="{5A36344B-930D-498A-96E3-5F6C1C0BCDA7}"/>
+                <a16:creationId xmlns:a16="http://schemas.microsoft.com/office/drawing/2014/main" id="{16EFEB54-E7BD-4317-9F85-03A9A63734B6}"/>
               </a:ext>
             </a:extLst>
           </p:cNvPr>
@@ -5030,8 +6072,8 @@
         </p:blipFill>
         <p:spPr bwMode="auto">
           <a:xfrm>
-            <a:off x="0" y="4094922"/>
-            <a:ext cx="5848351" cy="2763078"/>
+            <a:off x="2216632" y="3089827"/>
+            <a:ext cx="2219325" cy="1314450"/>
           </a:xfrm>
           <a:prstGeom prst="rect">
             <a:avLst/>
@@ -5047,7 +6089,7 @@
           <p:cNvPr id="7" name="Рисунок 6">
             <a:extLst>
               <a:ext uri="{FF2B5EF4-FFF2-40B4-BE49-F238E27FC236}">
-                <a16:creationId xmlns:a16="http://schemas.microsoft.com/office/drawing/2014/main" id="{DBC46611-D559-48EF-A78E-3BBFEBDC0947}"/>
+                <a16:creationId xmlns:a16="http://schemas.microsoft.com/office/drawing/2014/main" id="{5C87A80B-C74B-4943-8E28-22A772E0663B}"/>
               </a:ext>
             </a:extLst>
           </p:cNvPr>
@@ -5069,8 +6111,8 @@
         </p:blipFill>
         <p:spPr bwMode="auto">
           <a:xfrm>
-            <a:off x="0" y="1325563"/>
-            <a:ext cx="5817704" cy="2769359"/>
+            <a:off x="2216632" y="4815923"/>
+            <a:ext cx="3314700" cy="1466850"/>
           </a:xfrm>
           <a:prstGeom prst="rect">
             <a:avLst/>
@@ -5086,7 +6128,7 @@
           <p:cNvPr id="8" name="Рисунок 7">
             <a:extLst>
               <a:ext uri="{FF2B5EF4-FFF2-40B4-BE49-F238E27FC236}">
-                <a16:creationId xmlns:a16="http://schemas.microsoft.com/office/drawing/2014/main" id="{F741BEB4-91C0-4F85-8658-239592995B2E}"/>
+                <a16:creationId xmlns:a16="http://schemas.microsoft.com/office/drawing/2014/main" id="{DB5265D5-4010-4789-9AB0-9F13F6677737}"/>
               </a:ext>
             </a:extLst>
           </p:cNvPr>
@@ -5108,8 +6150,8 @@
         </p:blipFill>
         <p:spPr bwMode="auto">
           <a:xfrm>
-            <a:off x="5848350" y="4094922"/>
-            <a:ext cx="6343649" cy="2763078"/>
+            <a:off x="7756045" y="3089827"/>
+            <a:ext cx="2063816" cy="1314450"/>
           </a:xfrm>
           <a:prstGeom prst="rect">
             <a:avLst/>
@@ -5120,10 +6162,211 @@
           </a:ln>
         </p:spPr>
       </p:pic>
+      <p:pic>
+        <p:nvPicPr>
+          <p:cNvPr id="9" name="Рисунок 8">
+            <a:extLst>
+              <a:ext uri="{FF2B5EF4-FFF2-40B4-BE49-F238E27FC236}">
+                <a16:creationId xmlns:a16="http://schemas.microsoft.com/office/drawing/2014/main" id="{0CCFAF65-8E3E-4B3D-9049-49EBAD69911B}"/>
+              </a:ext>
+            </a:extLst>
+          </p:cNvPr>
+          <p:cNvPicPr/>
+          <p:nvPr/>
+        </p:nvPicPr>
+        <p:blipFill>
+          <a:blip r:embed="rId6">
+            <a:extLst>
+              <a:ext uri="{28A0092B-C50C-407E-A947-70E740481C1C}">
+                <a14:useLocalDpi xmlns:a14="http://schemas.microsoft.com/office/drawing/2010/main" val="0"/>
+              </a:ext>
+            </a:extLst>
+          </a:blip>
+          <a:srcRect/>
+          <a:stretch>
+            <a:fillRect/>
+          </a:stretch>
+        </p:blipFill>
+        <p:spPr bwMode="auto">
+          <a:xfrm>
+            <a:off x="7756045" y="4815923"/>
+            <a:ext cx="2828925" cy="1457325"/>
+          </a:xfrm>
+          <a:prstGeom prst="rect">
+            <a:avLst/>
+          </a:prstGeom>
+          <a:noFill/>
+          <a:ln>
+            <a:noFill/>
+          </a:ln>
+        </p:spPr>
+      </p:pic>
+      <p:cxnSp>
+        <p:nvCxnSpPr>
+          <p:cNvPr id="11" name="Прямая со стрелкой 10">
+            <a:extLst>
+              <a:ext uri="{FF2B5EF4-FFF2-40B4-BE49-F238E27FC236}">
+                <a16:creationId xmlns:a16="http://schemas.microsoft.com/office/drawing/2014/main" id="{0DB74D9D-3FDD-43DC-908D-14BCF9545151}"/>
+              </a:ext>
+            </a:extLst>
+          </p:cNvPr>
+          <p:cNvCxnSpPr/>
+          <p:nvPr/>
+        </p:nvCxnSpPr>
+        <p:spPr>
+          <a:xfrm flipH="1">
+            <a:off x="4435957" y="2814498"/>
+            <a:ext cx="274328" cy="275329"/>
+          </a:xfrm>
+          <a:prstGeom prst="straightConnector1">
+            <a:avLst/>
+          </a:prstGeom>
+          <a:ln>
+            <a:tailEnd type="triangle"/>
+          </a:ln>
+        </p:spPr>
+        <p:style>
+          <a:lnRef idx="1">
+            <a:schemeClr val="accent1"/>
+          </a:lnRef>
+          <a:fillRef idx="0">
+            <a:schemeClr val="accent1"/>
+          </a:fillRef>
+          <a:effectRef idx="0">
+            <a:schemeClr val="accent1"/>
+          </a:effectRef>
+          <a:fontRef idx="minor">
+            <a:schemeClr val="tx1"/>
+          </a:fontRef>
+        </p:style>
+      </p:cxnSp>
+      <p:cxnSp>
+        <p:nvCxnSpPr>
+          <p:cNvPr id="12" name="Прямая со стрелкой 11">
+            <a:extLst>
+              <a:ext uri="{FF2B5EF4-FFF2-40B4-BE49-F238E27FC236}">
+                <a16:creationId xmlns:a16="http://schemas.microsoft.com/office/drawing/2014/main" id="{A204C5DD-6CBD-42A3-BCC3-AC562B302B26}"/>
+              </a:ext>
+            </a:extLst>
+          </p:cNvPr>
+          <p:cNvCxnSpPr>
+            <a:cxnSpLocks/>
+          </p:cNvCxnSpPr>
+          <p:nvPr/>
+        </p:nvCxnSpPr>
+        <p:spPr>
+          <a:xfrm rot="16200000" flipH="1">
+            <a:off x="7507543" y="2814999"/>
+            <a:ext cx="274328" cy="275329"/>
+          </a:xfrm>
+          <a:prstGeom prst="straightConnector1">
+            <a:avLst/>
+          </a:prstGeom>
+          <a:ln>
+            <a:tailEnd type="triangle"/>
+          </a:ln>
+        </p:spPr>
+        <p:style>
+          <a:lnRef idx="1">
+            <a:schemeClr val="accent1"/>
+          </a:lnRef>
+          <a:fillRef idx="0">
+            <a:schemeClr val="accent1"/>
+          </a:fillRef>
+          <a:effectRef idx="0">
+            <a:schemeClr val="accent1"/>
+          </a:effectRef>
+          <a:fontRef idx="minor">
+            <a:schemeClr val="tx1"/>
+          </a:fontRef>
+        </p:style>
+      </p:cxnSp>
+      <p:cxnSp>
+        <p:nvCxnSpPr>
+          <p:cNvPr id="14" name="Прямая со стрелкой 13">
+            <a:extLst>
+              <a:ext uri="{FF2B5EF4-FFF2-40B4-BE49-F238E27FC236}">
+                <a16:creationId xmlns:a16="http://schemas.microsoft.com/office/drawing/2014/main" id="{A1CE936A-B9EE-4B1A-B7DB-96544CC11CB5}"/>
+              </a:ext>
+            </a:extLst>
+          </p:cNvPr>
+          <p:cNvCxnSpPr>
+            <a:stCxn id="6" idx="2"/>
+          </p:cNvCxnSpPr>
+          <p:nvPr/>
+        </p:nvCxnSpPr>
+        <p:spPr>
+          <a:xfrm flipH="1">
+            <a:off x="3326294" y="4404277"/>
+            <a:ext cx="1" cy="411646"/>
+          </a:xfrm>
+          <a:prstGeom prst="straightConnector1">
+            <a:avLst/>
+          </a:prstGeom>
+          <a:ln>
+            <a:tailEnd type="triangle"/>
+          </a:ln>
+        </p:spPr>
+        <p:style>
+          <a:lnRef idx="1">
+            <a:schemeClr val="accent1"/>
+          </a:lnRef>
+          <a:fillRef idx="0">
+            <a:schemeClr val="accent1"/>
+          </a:fillRef>
+          <a:effectRef idx="0">
+            <a:schemeClr val="accent1"/>
+          </a:effectRef>
+          <a:fontRef idx="minor">
+            <a:schemeClr val="tx1"/>
+          </a:fontRef>
+        </p:style>
+      </p:cxnSp>
+      <p:cxnSp>
+        <p:nvCxnSpPr>
+          <p:cNvPr id="16" name="Прямая со стрелкой 15">
+            <a:extLst>
+              <a:ext uri="{FF2B5EF4-FFF2-40B4-BE49-F238E27FC236}">
+                <a16:creationId xmlns:a16="http://schemas.microsoft.com/office/drawing/2014/main" id="{6ED569F2-510E-4DC0-8F1D-B6F2C305E858}"/>
+              </a:ext>
+            </a:extLst>
+          </p:cNvPr>
+          <p:cNvCxnSpPr>
+            <a:stCxn id="8" idx="2"/>
+          </p:cNvCxnSpPr>
+          <p:nvPr/>
+        </p:nvCxnSpPr>
+        <p:spPr>
+          <a:xfrm>
+            <a:off x="8787953" y="4404277"/>
+            <a:ext cx="0" cy="411646"/>
+          </a:xfrm>
+          <a:prstGeom prst="straightConnector1">
+            <a:avLst/>
+          </a:prstGeom>
+          <a:ln>
+            <a:tailEnd type="triangle"/>
+          </a:ln>
+        </p:spPr>
+        <p:style>
+          <a:lnRef idx="1">
+            <a:schemeClr val="accent1"/>
+          </a:lnRef>
+          <a:fillRef idx="0">
+            <a:schemeClr val="accent1"/>
+          </a:fillRef>
+          <a:effectRef idx="0">
+            <a:schemeClr val="accent1"/>
+          </a:effectRef>
+          <a:fontRef idx="minor">
+            <a:schemeClr val="tx1"/>
+          </a:fontRef>
+        </p:style>
+      </p:cxnSp>
     </p:spTree>
     <p:extLst>
       <p:ext uri="{BB962C8B-B14F-4D97-AF65-F5344CB8AC3E}">
-        <p14:creationId xmlns:p14="http://schemas.microsoft.com/office/powerpoint/2010/main" val="2394274588"/>
+        <p14:creationId xmlns:p14="http://schemas.microsoft.com/office/powerpoint/2010/main" val="2749775643"/>
       </p:ext>
     </p:extLst>
   </p:cSld>
@@ -5152,13 +6395,7 @@
       </p:grpSpPr>
       <p:sp>
         <p:nvSpPr>
-          <p:cNvPr id="2" name="Заголовок 1">
-            <a:extLst>
-              <a:ext uri="{FF2B5EF4-FFF2-40B4-BE49-F238E27FC236}">
-                <a16:creationId xmlns:a16="http://schemas.microsoft.com/office/drawing/2014/main" id="{EACD7BE9-D70D-4B7A-879E-7029D4C82F4C}"/>
-              </a:ext>
-            </a:extLst>
-          </p:cNvPr>
+          <p:cNvPr id="2" name="Заголовок 1"/>
           <p:cNvSpPr>
             <a:spLocks noGrp="1"/>
           </p:cNvSpPr>
@@ -5166,56 +6403,29 @@
             <p:ph type="title"/>
           </p:nvPr>
         </p:nvSpPr>
-        <p:spPr/>
+        <p:spPr>
+          <a:xfrm>
+            <a:off x="838200" y="0"/>
+            <a:ext cx="10515600" cy="1325563"/>
+          </a:xfrm>
+        </p:spPr>
         <p:txBody>
           <a:bodyPr/>
           <a:lstStyle/>
           <a:p>
             <a:r>
               <a:rPr lang="ru-RU" dirty="0"/>
-              <a:t>Апробация: Администратор</a:t>
+              <a:t>Апробация: Менеджер</a:t>
             </a:r>
           </a:p>
         </p:txBody>
       </p:sp>
       <p:pic>
         <p:nvPicPr>
-          <p:cNvPr id="5" name="Объект 4">
+          <p:cNvPr id="7" name="Рисунок 6">
             <a:extLst>
               <a:ext uri="{FF2B5EF4-FFF2-40B4-BE49-F238E27FC236}">
-                <a16:creationId xmlns:a16="http://schemas.microsoft.com/office/drawing/2014/main" id="{DCBF9B19-E9E9-495D-B06C-D27ED2A94587}"/>
-              </a:ext>
-            </a:extLst>
-          </p:cNvPr>
-          <p:cNvPicPr>
-            <a:picLocks noGrp="1" noChangeAspect="1"/>
-          </p:cNvPicPr>
-          <p:nvPr>
-            <p:ph idx="1"/>
-          </p:nvPr>
-        </p:nvPicPr>
-        <p:blipFill>
-          <a:blip r:embed="rId2"/>
-          <a:stretch>
-            <a:fillRect/>
-          </a:stretch>
-        </p:blipFill>
-        <p:spPr>
-          <a:xfrm>
-            <a:off x="838200" y="1434463"/>
-            <a:ext cx="2895851" cy="2213040"/>
-          </a:xfrm>
-          <a:prstGeom prst="rect">
-            <a:avLst/>
-          </a:prstGeom>
-        </p:spPr>
-      </p:pic>
-      <p:pic>
-        <p:nvPicPr>
-          <p:cNvPr id="6" name="Рисунок 5">
-            <a:extLst>
-              <a:ext uri="{FF2B5EF4-FFF2-40B4-BE49-F238E27FC236}">
-                <a16:creationId xmlns:a16="http://schemas.microsoft.com/office/drawing/2014/main" id="{0B230206-9484-4B0E-B232-BF8160208F1D}"/>
+                <a16:creationId xmlns:a16="http://schemas.microsoft.com/office/drawing/2014/main" id="{F54C3B83-653A-40A4-8511-8F88E9455392}"/>
               </a:ext>
             </a:extLst>
           </p:cNvPr>
@@ -5223,7 +6433,7 @@
           <p:nvPr/>
         </p:nvPicPr>
         <p:blipFill>
-          <a:blip r:embed="rId3">
+          <a:blip r:embed="rId2">
             <a:extLst>
               <a:ext uri="{28A0092B-C50C-407E-A947-70E740481C1C}">
                 <a14:useLocalDpi xmlns:a14="http://schemas.microsoft.com/office/drawing/2010/main" val="0"/>
@@ -5237,8 +6447,8 @@
         </p:blipFill>
         <p:spPr bwMode="auto">
           <a:xfrm>
-            <a:off x="3734051" y="1434462"/>
-            <a:ext cx="3212656" cy="2362200"/>
+            <a:off x="838200" y="3959707"/>
+            <a:ext cx="10515600" cy="2103437"/>
           </a:xfrm>
           <a:prstGeom prst="rect">
             <a:avLst/>
@@ -5251,125 +6461,38 @@
       </p:pic>
       <p:pic>
         <p:nvPicPr>
-          <p:cNvPr id="7" name="Рисунок 6">
+          <p:cNvPr id="5" name="Рисунок 4">
             <a:extLst>
               <a:ext uri="{FF2B5EF4-FFF2-40B4-BE49-F238E27FC236}">
-                <a16:creationId xmlns:a16="http://schemas.microsoft.com/office/drawing/2014/main" id="{9F1E78FF-F870-4A97-86BC-C8A137B2EE77}"/>
+                <a16:creationId xmlns:a16="http://schemas.microsoft.com/office/drawing/2014/main" id="{941B767B-4462-4105-9BB8-37C8A1086E7C}"/>
               </a:ext>
             </a:extLst>
           </p:cNvPr>
-          <p:cNvPicPr/>
+          <p:cNvPicPr>
+            <a:picLocks noChangeAspect="1"/>
+          </p:cNvPicPr>
           <p:nvPr/>
         </p:nvPicPr>
         <p:blipFill>
-          <a:blip r:embed="rId4">
-            <a:extLst>
-              <a:ext uri="{28A0092B-C50C-407E-A947-70E740481C1C}">
-                <a14:useLocalDpi xmlns:a14="http://schemas.microsoft.com/office/drawing/2010/main" val="0"/>
-              </a:ext>
-            </a:extLst>
-          </a:blip>
-          <a:srcRect/>
+          <a:blip r:embed="rId3"/>
           <a:stretch>
             <a:fillRect/>
           </a:stretch>
         </p:blipFill>
-        <p:spPr bwMode="auto">
-          <a:xfrm>
-            <a:off x="838199" y="3647501"/>
-            <a:ext cx="6108509" cy="1647830"/>
+        <p:spPr>
+          <a:xfrm>
+            <a:off x="788284" y="1591503"/>
+            <a:ext cx="10565516" cy="1734793"/>
           </a:xfrm>
           <a:prstGeom prst="rect">
             <a:avLst/>
           </a:prstGeom>
-          <a:noFill/>
-          <a:ln>
-            <a:noFill/>
-          </a:ln>
-        </p:spPr>
-      </p:pic>
-      <p:pic>
-        <p:nvPicPr>
-          <p:cNvPr id="8" name="Рисунок 7">
-            <a:extLst>
-              <a:ext uri="{FF2B5EF4-FFF2-40B4-BE49-F238E27FC236}">
-                <a16:creationId xmlns:a16="http://schemas.microsoft.com/office/drawing/2014/main" id="{B59BA806-8E98-44C9-BB3F-27040A46D646}"/>
-              </a:ext>
-            </a:extLst>
-          </p:cNvPr>
-          <p:cNvPicPr/>
-          <p:nvPr/>
-        </p:nvPicPr>
-        <p:blipFill>
-          <a:blip r:embed="rId5">
-            <a:extLst>
-              <a:ext uri="{28A0092B-C50C-407E-A947-70E740481C1C}">
-                <a14:useLocalDpi xmlns:a14="http://schemas.microsoft.com/office/drawing/2010/main" val="0"/>
-              </a:ext>
-            </a:extLst>
-          </a:blip>
-          <a:srcRect/>
-          <a:stretch>
-            <a:fillRect/>
-          </a:stretch>
-        </p:blipFill>
-        <p:spPr bwMode="auto">
-          <a:xfrm>
-            <a:off x="838198" y="5295331"/>
-            <a:ext cx="6108508" cy="1325563"/>
-          </a:xfrm>
-          <a:prstGeom prst="rect">
-            <a:avLst/>
-          </a:prstGeom>
-          <a:noFill/>
-          <a:ln>
-            <a:noFill/>
-          </a:ln>
-        </p:spPr>
-      </p:pic>
-      <p:pic>
-        <p:nvPicPr>
-          <p:cNvPr id="9" name="Рисунок 8">
-            <a:extLst>
-              <a:ext uri="{FF2B5EF4-FFF2-40B4-BE49-F238E27FC236}">
-                <a16:creationId xmlns:a16="http://schemas.microsoft.com/office/drawing/2014/main" id="{63FCFF0A-08AE-437F-84CD-3485D432CA8A}"/>
-              </a:ext>
-            </a:extLst>
-          </p:cNvPr>
-          <p:cNvPicPr/>
-          <p:nvPr/>
-        </p:nvPicPr>
-        <p:blipFill>
-          <a:blip r:embed="rId6">
-            <a:extLst>
-              <a:ext uri="{28A0092B-C50C-407E-A947-70E740481C1C}">
-                <a14:useLocalDpi xmlns:a14="http://schemas.microsoft.com/office/drawing/2010/main" val="0"/>
-              </a:ext>
-            </a:extLst>
-          </a:blip>
-          <a:srcRect/>
-          <a:stretch>
-            <a:fillRect/>
-          </a:stretch>
-        </p:blipFill>
-        <p:spPr bwMode="auto">
-          <a:xfrm>
-            <a:off x="6946706" y="1487995"/>
-            <a:ext cx="3943350" cy="2362200"/>
-          </a:xfrm>
-          <a:prstGeom prst="rect">
-            <a:avLst/>
-          </a:prstGeom>
-          <a:noFill/>
-          <a:ln>
-            <a:noFill/>
-          </a:ln>
         </p:spPr>
       </p:pic>
     </p:spTree>
     <p:extLst>
       <p:ext uri="{BB962C8B-B14F-4D97-AF65-F5344CB8AC3E}">
-        <p14:creationId xmlns:p14="http://schemas.microsoft.com/office/powerpoint/2010/main" val="658956323"/>
+        <p14:creationId xmlns:p14="http://schemas.microsoft.com/office/powerpoint/2010/main" val="3349157927"/>
       </p:ext>
     </p:extLst>
   </p:cSld>

--- a/diplom v2.0/doc/Презентация.pptx
+++ b/diplom v2.0/doc/Презентация.pptx
@@ -6,22 +6,23 @@
   </p:sldMasterIdLst>
   <p:sldIdLst>
     <p:sldId id="256" r:id="rId2"/>
-    <p:sldId id="257" r:id="rId3"/>
-    <p:sldId id="258" r:id="rId4"/>
-    <p:sldId id="278" r:id="rId5"/>
-    <p:sldId id="259" r:id="rId6"/>
-    <p:sldId id="260" r:id="rId7"/>
-    <p:sldId id="273" r:id="rId8"/>
-    <p:sldId id="276" r:id="rId9"/>
-    <p:sldId id="269" r:id="rId10"/>
-    <p:sldId id="270" r:id="rId11"/>
-    <p:sldId id="271" r:id="rId12"/>
-    <p:sldId id="274" r:id="rId13"/>
-    <p:sldId id="272" r:id="rId14"/>
-    <p:sldId id="275" r:id="rId15"/>
-    <p:sldId id="264" r:id="rId16"/>
-    <p:sldId id="277" r:id="rId17"/>
-    <p:sldId id="265" r:id="rId18"/>
+    <p:sldId id="279" r:id="rId3"/>
+    <p:sldId id="257" r:id="rId4"/>
+    <p:sldId id="258" r:id="rId5"/>
+    <p:sldId id="278" r:id="rId6"/>
+    <p:sldId id="259" r:id="rId7"/>
+    <p:sldId id="260" r:id="rId8"/>
+    <p:sldId id="273" r:id="rId9"/>
+    <p:sldId id="276" r:id="rId10"/>
+    <p:sldId id="269" r:id="rId11"/>
+    <p:sldId id="270" r:id="rId12"/>
+    <p:sldId id="271" r:id="rId13"/>
+    <p:sldId id="274" r:id="rId14"/>
+    <p:sldId id="272" r:id="rId15"/>
+    <p:sldId id="275" r:id="rId16"/>
+    <p:sldId id="264" r:id="rId17"/>
+    <p:sldId id="277" r:id="rId18"/>
+    <p:sldId id="265" r:id="rId19"/>
   </p:sldIdLst>
   <p:sldSz cx="12192000" cy="6858000"/>
   <p:notesSz cx="6858000" cy="9144000"/>
@@ -269,7 +270,7 @@
             <a:fld id="{74497A39-0B1D-4467-AFD5-7DFBD3023946}" type="datetimeFigureOut">
               <a:rPr lang="ru-RU" smtClean="0"/>
               <a:pPr/>
-              <a:t>26.05.2023</a:t>
+              <a:t>03.06.2023</a:t>
             </a:fld>
             <a:endParaRPr lang="ru-RU"/>
           </a:p>
@@ -439,7 +440,7 @@
             <a:fld id="{74497A39-0B1D-4467-AFD5-7DFBD3023946}" type="datetimeFigureOut">
               <a:rPr lang="ru-RU" smtClean="0"/>
               <a:pPr/>
-              <a:t>26.05.2023</a:t>
+              <a:t>03.06.2023</a:t>
             </a:fld>
             <a:endParaRPr lang="ru-RU"/>
           </a:p>
@@ -619,7 +620,7 @@
             <a:fld id="{74497A39-0B1D-4467-AFD5-7DFBD3023946}" type="datetimeFigureOut">
               <a:rPr lang="ru-RU" smtClean="0"/>
               <a:pPr/>
-              <a:t>26.05.2023</a:t>
+              <a:t>03.06.2023</a:t>
             </a:fld>
             <a:endParaRPr lang="ru-RU"/>
           </a:p>
@@ -789,7 +790,7 @@
             <a:fld id="{74497A39-0B1D-4467-AFD5-7DFBD3023946}" type="datetimeFigureOut">
               <a:rPr lang="ru-RU" smtClean="0"/>
               <a:pPr/>
-              <a:t>26.05.2023</a:t>
+              <a:t>03.06.2023</a:t>
             </a:fld>
             <a:endParaRPr lang="ru-RU"/>
           </a:p>
@@ -1036,7 +1037,7 @@
             <a:fld id="{74497A39-0B1D-4467-AFD5-7DFBD3023946}" type="datetimeFigureOut">
               <a:rPr lang="ru-RU" smtClean="0"/>
               <a:pPr/>
-              <a:t>26.05.2023</a:t>
+              <a:t>03.06.2023</a:t>
             </a:fld>
             <a:endParaRPr lang="ru-RU"/>
           </a:p>
@@ -1267,7 +1268,7 @@
             <a:fld id="{74497A39-0B1D-4467-AFD5-7DFBD3023946}" type="datetimeFigureOut">
               <a:rPr lang="ru-RU" smtClean="0"/>
               <a:pPr/>
-              <a:t>26.05.2023</a:t>
+              <a:t>03.06.2023</a:t>
             </a:fld>
             <a:endParaRPr lang="ru-RU"/>
           </a:p>
@@ -1633,7 +1634,7 @@
             <a:fld id="{74497A39-0B1D-4467-AFD5-7DFBD3023946}" type="datetimeFigureOut">
               <a:rPr lang="ru-RU" smtClean="0"/>
               <a:pPr/>
-              <a:t>26.05.2023</a:t>
+              <a:t>03.06.2023</a:t>
             </a:fld>
             <a:endParaRPr lang="ru-RU"/>
           </a:p>
@@ -1752,7 +1753,7 @@
             <a:fld id="{74497A39-0B1D-4467-AFD5-7DFBD3023946}" type="datetimeFigureOut">
               <a:rPr lang="ru-RU" smtClean="0"/>
               <a:pPr/>
-              <a:t>26.05.2023</a:t>
+              <a:t>03.06.2023</a:t>
             </a:fld>
             <a:endParaRPr lang="ru-RU"/>
           </a:p>
@@ -1849,7 +1850,7 @@
             <a:fld id="{74497A39-0B1D-4467-AFD5-7DFBD3023946}" type="datetimeFigureOut">
               <a:rPr lang="ru-RU" smtClean="0"/>
               <a:pPr/>
-              <a:t>26.05.2023</a:t>
+              <a:t>03.06.2023</a:t>
             </a:fld>
             <a:endParaRPr lang="ru-RU"/>
           </a:p>
@@ -2126,7 +2127,7 @@
             <a:fld id="{74497A39-0B1D-4467-AFD5-7DFBD3023946}" type="datetimeFigureOut">
               <a:rPr lang="ru-RU" smtClean="0"/>
               <a:pPr/>
-              <a:t>26.05.2023</a:t>
+              <a:t>03.06.2023</a:t>
             </a:fld>
             <a:endParaRPr lang="ru-RU"/>
           </a:p>
@@ -2380,7 +2381,7 @@
             <a:fld id="{74497A39-0B1D-4467-AFD5-7DFBD3023946}" type="datetimeFigureOut">
               <a:rPr lang="ru-RU" smtClean="0"/>
               <a:pPr/>
-              <a:t>26.05.2023</a:t>
+              <a:t>03.06.2023</a:t>
             </a:fld>
             <a:endParaRPr lang="ru-RU"/>
           </a:p>
@@ -2593,7 +2594,7 @@
             <a:fld id="{74497A39-0B1D-4467-AFD5-7DFBD3023946}" type="datetimeFigureOut">
               <a:rPr lang="ru-RU" smtClean="0"/>
               <a:pPr/>
-              <a:t>26.05.2023</a:t>
+              <a:t>03.06.2023</a:t>
             </a:fld>
             <a:endParaRPr lang="ru-RU"/>
           </a:p>
@@ -3421,17 +3422,17 @@
           <a:p>
             <a:r>
               <a:rPr lang="ru-RU" dirty="0"/>
-              <a:t>Апробация: Отчеты менеджера</a:t>
+              <a:t>Апробация: Менеджер</a:t>
             </a:r>
           </a:p>
         </p:txBody>
       </p:sp>
       <p:pic>
         <p:nvPicPr>
-          <p:cNvPr id="5" name="Рисунок 4">
+          <p:cNvPr id="7" name="Рисунок 6">
             <a:extLst>
               <a:ext uri="{FF2B5EF4-FFF2-40B4-BE49-F238E27FC236}">
-                <a16:creationId xmlns:a16="http://schemas.microsoft.com/office/drawing/2014/main" id="{0E4DBA9B-FF40-4631-8ED0-C2D695F65A53}"/>
+                <a16:creationId xmlns:a16="http://schemas.microsoft.com/office/drawing/2014/main" id="{F54C3B83-653A-40A4-8511-8F88E9455392}"/>
               </a:ext>
             </a:extLst>
           </p:cNvPr>
@@ -3453,8 +3454,8 @@
         </p:blipFill>
         <p:spPr bwMode="auto">
           <a:xfrm>
-            <a:off x="0" y="1325563"/>
-            <a:ext cx="6374296" cy="2769359"/>
+            <a:off x="838200" y="3959707"/>
+            <a:ext cx="10515600" cy="2103437"/>
           </a:xfrm>
           <a:prstGeom prst="rect">
             <a:avLst/>
@@ -3467,125 +3468,38 @@
       </p:pic>
       <p:pic>
         <p:nvPicPr>
-          <p:cNvPr id="9" name="Рисунок 8">
+          <p:cNvPr id="5" name="Рисунок 4">
             <a:extLst>
               <a:ext uri="{FF2B5EF4-FFF2-40B4-BE49-F238E27FC236}">
-                <a16:creationId xmlns:a16="http://schemas.microsoft.com/office/drawing/2014/main" id="{742E2FB8-8FC1-4468-BDE2-57C7796A0455}"/>
+                <a16:creationId xmlns:a16="http://schemas.microsoft.com/office/drawing/2014/main" id="{941B767B-4462-4105-9BB8-37C8A1086E7C}"/>
               </a:ext>
             </a:extLst>
           </p:cNvPr>
-          <p:cNvPicPr/>
+          <p:cNvPicPr>
+            <a:picLocks noChangeAspect="1"/>
+          </p:cNvPicPr>
           <p:nvPr/>
         </p:nvPicPr>
         <p:blipFill>
-          <a:blip r:embed="rId3">
-            <a:extLst>
-              <a:ext uri="{28A0092B-C50C-407E-A947-70E740481C1C}">
-                <a14:useLocalDpi xmlns:a14="http://schemas.microsoft.com/office/drawing/2010/main" val="0"/>
-              </a:ext>
-            </a:extLst>
-          </a:blip>
-          <a:srcRect/>
+          <a:blip r:embed="rId3"/>
           <a:stretch>
             <a:fillRect/>
           </a:stretch>
         </p:blipFill>
-        <p:spPr bwMode="auto">
-          <a:xfrm>
-            <a:off x="6296025" y="1325563"/>
-            <a:ext cx="5895975" cy="2769358"/>
+        <p:spPr>
+          <a:xfrm>
+            <a:off x="788284" y="1591503"/>
+            <a:ext cx="10565516" cy="1734793"/>
           </a:xfrm>
           <a:prstGeom prst="rect">
             <a:avLst/>
           </a:prstGeom>
-          <a:noFill/>
-          <a:ln>
-            <a:noFill/>
-          </a:ln>
-        </p:spPr>
-      </p:pic>
-      <p:pic>
-        <p:nvPicPr>
-          <p:cNvPr id="10" name="Рисунок 9">
-            <a:extLst>
-              <a:ext uri="{FF2B5EF4-FFF2-40B4-BE49-F238E27FC236}">
-                <a16:creationId xmlns:a16="http://schemas.microsoft.com/office/drawing/2014/main" id="{11D2E9E5-962C-407D-B89F-80DE8523A9E4}"/>
-              </a:ext>
-            </a:extLst>
-          </p:cNvPr>
-          <p:cNvPicPr/>
-          <p:nvPr/>
-        </p:nvPicPr>
-        <p:blipFill>
-          <a:blip r:embed="rId4">
-            <a:extLst>
-              <a:ext uri="{28A0092B-C50C-407E-A947-70E740481C1C}">
-                <a14:useLocalDpi xmlns:a14="http://schemas.microsoft.com/office/drawing/2010/main" val="0"/>
-              </a:ext>
-            </a:extLst>
-          </a:blip>
-          <a:srcRect/>
-          <a:stretch>
-            <a:fillRect/>
-          </a:stretch>
-        </p:blipFill>
-        <p:spPr bwMode="auto">
-          <a:xfrm>
-            <a:off x="92765" y="4094920"/>
-            <a:ext cx="11993218" cy="781879"/>
-          </a:xfrm>
-          <a:prstGeom prst="rect">
-            <a:avLst/>
-          </a:prstGeom>
-          <a:noFill/>
-          <a:ln>
-            <a:noFill/>
-          </a:ln>
-        </p:spPr>
-      </p:pic>
-      <p:pic>
-        <p:nvPicPr>
-          <p:cNvPr id="11" name="Рисунок 10">
-            <a:extLst>
-              <a:ext uri="{FF2B5EF4-FFF2-40B4-BE49-F238E27FC236}">
-                <a16:creationId xmlns:a16="http://schemas.microsoft.com/office/drawing/2014/main" id="{E46DBC82-F6A9-4C34-A8F0-A22862481CD1}"/>
-              </a:ext>
-            </a:extLst>
-          </p:cNvPr>
-          <p:cNvPicPr/>
-          <p:nvPr/>
-        </p:nvPicPr>
-        <p:blipFill>
-          <a:blip r:embed="rId5">
-            <a:extLst>
-              <a:ext uri="{28A0092B-C50C-407E-A947-70E740481C1C}">
-                <a14:useLocalDpi xmlns:a14="http://schemas.microsoft.com/office/drawing/2010/main" val="0"/>
-              </a:ext>
-            </a:extLst>
-          </a:blip>
-          <a:srcRect/>
-          <a:stretch>
-            <a:fillRect/>
-          </a:stretch>
-        </p:blipFill>
-        <p:spPr bwMode="auto">
-          <a:xfrm>
-            <a:off x="0" y="4916556"/>
-            <a:ext cx="12192000" cy="1981201"/>
-          </a:xfrm>
-          <a:prstGeom prst="rect">
-            <a:avLst/>
-          </a:prstGeom>
-          <a:noFill/>
-          <a:ln>
-            <a:noFill/>
-          </a:ln>
         </p:spPr>
       </p:pic>
     </p:spTree>
     <p:extLst>
       <p:ext uri="{BB962C8B-B14F-4D97-AF65-F5344CB8AC3E}">
-        <p14:creationId xmlns:p14="http://schemas.microsoft.com/office/powerpoint/2010/main" val="2394274588"/>
+        <p14:creationId xmlns:p14="http://schemas.microsoft.com/office/powerpoint/2010/main" val="3349157927"/>
       </p:ext>
     </p:extLst>
   </p:cSld>
@@ -3614,13 +3528,7 @@
       </p:grpSpPr>
       <p:sp>
         <p:nvSpPr>
-          <p:cNvPr id="2" name="Заголовок 1">
-            <a:extLst>
-              <a:ext uri="{FF2B5EF4-FFF2-40B4-BE49-F238E27FC236}">
-                <a16:creationId xmlns:a16="http://schemas.microsoft.com/office/drawing/2014/main" id="{EACD7BE9-D70D-4B7A-879E-7029D4C82F4C}"/>
-              </a:ext>
-            </a:extLst>
-          </p:cNvPr>
+          <p:cNvPr id="2" name="Заголовок 1"/>
           <p:cNvSpPr>
             <a:spLocks noGrp="1"/>
           </p:cNvSpPr>
@@ -3628,56 +3536,29 @@
             <p:ph type="title"/>
           </p:nvPr>
         </p:nvSpPr>
-        <p:spPr/>
+        <p:spPr>
+          <a:xfrm>
+            <a:off x="838200" y="0"/>
+            <a:ext cx="10515600" cy="1325563"/>
+          </a:xfrm>
+        </p:spPr>
         <p:txBody>
           <a:bodyPr/>
           <a:lstStyle/>
           <a:p>
             <a:r>
               <a:rPr lang="ru-RU" dirty="0"/>
-              <a:t>Апробация: Администратор</a:t>
+              <a:t>Апробация: Отчеты менеджера</a:t>
             </a:r>
           </a:p>
         </p:txBody>
       </p:sp>
       <p:pic>
         <p:nvPicPr>
-          <p:cNvPr id="5" name="Объект 4">
+          <p:cNvPr id="5" name="Рисунок 4">
             <a:extLst>
               <a:ext uri="{FF2B5EF4-FFF2-40B4-BE49-F238E27FC236}">
-                <a16:creationId xmlns:a16="http://schemas.microsoft.com/office/drawing/2014/main" id="{DCBF9B19-E9E9-495D-B06C-D27ED2A94587}"/>
-              </a:ext>
-            </a:extLst>
-          </p:cNvPr>
-          <p:cNvPicPr>
-            <a:picLocks noGrp="1" noChangeAspect="1"/>
-          </p:cNvPicPr>
-          <p:nvPr>
-            <p:ph idx="1"/>
-          </p:nvPr>
-        </p:nvPicPr>
-        <p:blipFill>
-          <a:blip r:embed="rId2"/>
-          <a:stretch>
-            <a:fillRect/>
-          </a:stretch>
-        </p:blipFill>
-        <p:spPr>
-          <a:xfrm>
-            <a:off x="0" y="1563422"/>
-            <a:ext cx="2895851" cy="2213040"/>
-          </a:xfrm>
-          <a:prstGeom prst="rect">
-            <a:avLst/>
-          </a:prstGeom>
-        </p:spPr>
-      </p:pic>
-      <p:pic>
-        <p:nvPicPr>
-          <p:cNvPr id="6" name="Рисунок 5">
-            <a:extLst>
-              <a:ext uri="{FF2B5EF4-FFF2-40B4-BE49-F238E27FC236}">
-                <a16:creationId xmlns:a16="http://schemas.microsoft.com/office/drawing/2014/main" id="{0B230206-9484-4B0E-B232-BF8160208F1D}"/>
+                <a16:creationId xmlns:a16="http://schemas.microsoft.com/office/drawing/2014/main" id="{0E4DBA9B-FF40-4631-8ED0-C2D695F65A53}"/>
               </a:ext>
             </a:extLst>
           </p:cNvPr>
@@ -3685,7 +3566,7 @@
           <p:nvPr/>
         </p:nvPicPr>
         <p:blipFill>
-          <a:blip r:embed="rId3">
+          <a:blip r:embed="rId2">
             <a:extLst>
               <a:ext uri="{28A0092B-C50C-407E-A947-70E740481C1C}">
                 <a14:useLocalDpi xmlns:a14="http://schemas.microsoft.com/office/drawing/2010/main" val="0"/>
@@ -3699,8 +3580,8 @@
         </p:blipFill>
         <p:spPr bwMode="auto">
           <a:xfrm>
-            <a:off x="2883344" y="1561476"/>
-            <a:ext cx="3212656" cy="2362200"/>
+            <a:off x="0" y="1325563"/>
+            <a:ext cx="6374296" cy="2769359"/>
           </a:xfrm>
           <a:prstGeom prst="rect">
             <a:avLst/>
@@ -3713,10 +3594,10 @@
       </p:pic>
       <p:pic>
         <p:nvPicPr>
-          <p:cNvPr id="7" name="Рисунок 6">
+          <p:cNvPr id="9" name="Рисунок 8">
             <a:extLst>
               <a:ext uri="{FF2B5EF4-FFF2-40B4-BE49-F238E27FC236}">
-                <a16:creationId xmlns:a16="http://schemas.microsoft.com/office/drawing/2014/main" id="{9F1E78FF-F870-4A97-86BC-C8A137B2EE77}"/>
+                <a16:creationId xmlns:a16="http://schemas.microsoft.com/office/drawing/2014/main" id="{742E2FB8-8FC1-4468-BDE2-57C7796A0455}"/>
               </a:ext>
             </a:extLst>
           </p:cNvPr>
@@ -3724,7 +3605,7 @@
           <p:nvPr/>
         </p:nvPicPr>
         <p:blipFill>
-          <a:blip r:embed="rId4">
+          <a:blip r:embed="rId3">
             <a:extLst>
               <a:ext uri="{28A0092B-C50C-407E-A947-70E740481C1C}">
                 <a14:useLocalDpi xmlns:a14="http://schemas.microsoft.com/office/drawing/2010/main" val="0"/>
@@ -3738,8 +3619,8 @@
         </p:blipFill>
         <p:spPr bwMode="auto">
           <a:xfrm>
-            <a:off x="5976730" y="1809550"/>
-            <a:ext cx="6215270" cy="1966912"/>
+            <a:off x="6296025" y="1325563"/>
+            <a:ext cx="5895975" cy="2769358"/>
           </a:xfrm>
           <a:prstGeom prst="rect">
             <a:avLst/>
@@ -3752,10 +3633,10 @@
       </p:pic>
       <p:pic>
         <p:nvPicPr>
-          <p:cNvPr id="8" name="Рисунок 7">
+          <p:cNvPr id="10" name="Рисунок 9">
             <a:extLst>
               <a:ext uri="{FF2B5EF4-FFF2-40B4-BE49-F238E27FC236}">
-                <a16:creationId xmlns:a16="http://schemas.microsoft.com/office/drawing/2014/main" id="{B59BA806-8E98-44C9-BB3F-27040A46D646}"/>
+                <a16:creationId xmlns:a16="http://schemas.microsoft.com/office/drawing/2014/main" id="{11D2E9E5-962C-407D-B89F-80DE8523A9E4}"/>
               </a:ext>
             </a:extLst>
           </p:cNvPr>
@@ -3763,7 +3644,7 @@
           <p:nvPr/>
         </p:nvPicPr>
         <p:blipFill>
-          <a:blip r:embed="rId5">
+          <a:blip r:embed="rId4">
             <a:extLst>
               <a:ext uri="{28A0092B-C50C-407E-A947-70E740481C1C}">
                 <a14:useLocalDpi xmlns:a14="http://schemas.microsoft.com/office/drawing/2010/main" val="0"/>
@@ -3777,8 +3658,8 @@
         </p:blipFill>
         <p:spPr bwMode="auto">
           <a:xfrm>
-            <a:off x="0" y="4052888"/>
-            <a:ext cx="12192000" cy="2526823"/>
+            <a:off x="92765" y="4094920"/>
+            <a:ext cx="11993218" cy="781879"/>
           </a:xfrm>
           <a:prstGeom prst="rect">
             <a:avLst/>
@@ -3789,10 +3670,49 @@
           </a:ln>
         </p:spPr>
       </p:pic>
+      <p:pic>
+        <p:nvPicPr>
+          <p:cNvPr id="11" name="Рисунок 10">
+            <a:extLst>
+              <a:ext uri="{FF2B5EF4-FFF2-40B4-BE49-F238E27FC236}">
+                <a16:creationId xmlns:a16="http://schemas.microsoft.com/office/drawing/2014/main" id="{E46DBC82-F6A9-4C34-A8F0-A22862481CD1}"/>
+              </a:ext>
+            </a:extLst>
+          </p:cNvPr>
+          <p:cNvPicPr/>
+          <p:nvPr/>
+        </p:nvPicPr>
+        <p:blipFill>
+          <a:blip r:embed="rId5">
+            <a:extLst>
+              <a:ext uri="{28A0092B-C50C-407E-A947-70E740481C1C}">
+                <a14:useLocalDpi xmlns:a14="http://schemas.microsoft.com/office/drawing/2010/main" val="0"/>
+              </a:ext>
+            </a:extLst>
+          </a:blip>
+          <a:srcRect/>
+          <a:stretch>
+            <a:fillRect/>
+          </a:stretch>
+        </p:blipFill>
+        <p:spPr bwMode="auto">
+          <a:xfrm>
+            <a:off x="0" y="4916556"/>
+            <a:ext cx="12192000" cy="1981201"/>
+          </a:xfrm>
+          <a:prstGeom prst="rect">
+            <a:avLst/>
+          </a:prstGeom>
+          <a:noFill/>
+          <a:ln>
+            <a:noFill/>
+          </a:ln>
+        </p:spPr>
+      </p:pic>
     </p:spTree>
     <p:extLst>
       <p:ext uri="{BB962C8B-B14F-4D97-AF65-F5344CB8AC3E}">
-        <p14:creationId xmlns:p14="http://schemas.microsoft.com/office/powerpoint/2010/main" val="658956323"/>
+        <p14:creationId xmlns:p14="http://schemas.microsoft.com/office/powerpoint/2010/main" val="2394274588"/>
       </p:ext>
     </p:extLst>
   </p:cSld>
@@ -3824,7 +3744,7 @@
           <p:cNvPr id="2" name="Заголовок 1">
             <a:extLst>
               <a:ext uri="{FF2B5EF4-FFF2-40B4-BE49-F238E27FC236}">
-                <a16:creationId xmlns:a16="http://schemas.microsoft.com/office/drawing/2014/main" id="{3987E056-ABDC-4EF5-B45E-EB0413E17B80}"/>
+                <a16:creationId xmlns:a16="http://schemas.microsoft.com/office/drawing/2014/main" id="{EACD7BE9-D70D-4B7A-879E-7029D4C82F4C}"/>
               </a:ext>
             </a:extLst>
           </p:cNvPr>
@@ -3835,12 +3755,7 @@
             <p:ph type="title"/>
           </p:nvPr>
         </p:nvSpPr>
-        <p:spPr>
-          <a:xfrm>
-            <a:off x="838200" y="325368"/>
-            <a:ext cx="10515600" cy="1325563"/>
-          </a:xfrm>
-        </p:spPr>
+        <p:spPr/>
         <p:txBody>
           <a:bodyPr/>
           <a:lstStyle/>
@@ -3854,22 +3769,50 @@
       </p:sp>
       <p:pic>
         <p:nvPicPr>
-          <p:cNvPr id="4" name="Объект 3">
+          <p:cNvPr id="5" name="Объект 4">
             <a:extLst>
               <a:ext uri="{FF2B5EF4-FFF2-40B4-BE49-F238E27FC236}">
-                <a16:creationId xmlns:a16="http://schemas.microsoft.com/office/drawing/2014/main" id="{0897BBC5-01E9-41B3-B556-4F55FB6366C6}"/>
+                <a16:creationId xmlns:a16="http://schemas.microsoft.com/office/drawing/2014/main" id="{DCBF9B19-E9E9-495D-B06C-D27ED2A94587}"/>
               </a:ext>
             </a:extLst>
           </p:cNvPr>
           <p:cNvPicPr>
-            <a:picLocks noGrp="1"/>
+            <a:picLocks noGrp="1" noChangeAspect="1"/>
           </p:cNvPicPr>
           <p:nvPr>
             <p:ph idx="1"/>
           </p:nvPr>
         </p:nvPicPr>
         <p:blipFill>
-          <a:blip r:embed="rId2">
+          <a:blip r:embed="rId2"/>
+          <a:stretch>
+            <a:fillRect/>
+          </a:stretch>
+        </p:blipFill>
+        <p:spPr>
+          <a:xfrm>
+            <a:off x="0" y="1563422"/>
+            <a:ext cx="2895851" cy="2213040"/>
+          </a:xfrm>
+          <a:prstGeom prst="rect">
+            <a:avLst/>
+          </a:prstGeom>
+        </p:spPr>
+      </p:pic>
+      <p:pic>
+        <p:nvPicPr>
+          <p:cNvPr id="6" name="Рисунок 5">
+            <a:extLst>
+              <a:ext uri="{FF2B5EF4-FFF2-40B4-BE49-F238E27FC236}">
+                <a16:creationId xmlns:a16="http://schemas.microsoft.com/office/drawing/2014/main" id="{0B230206-9484-4B0E-B232-BF8160208F1D}"/>
+              </a:ext>
+            </a:extLst>
+          </p:cNvPr>
+          <p:cNvPicPr/>
+          <p:nvPr/>
+        </p:nvPicPr>
+        <p:blipFill>
+          <a:blip r:embed="rId3">
             <a:extLst>
               <a:ext uri="{28A0092B-C50C-407E-A947-70E740481C1C}">
                 <a14:useLocalDpi xmlns:a14="http://schemas.microsoft.com/office/drawing/2010/main" val="0"/>
@@ -3883,8 +3826,8 @@
         </p:blipFill>
         <p:spPr bwMode="auto">
           <a:xfrm>
-            <a:off x="121893" y="2180635"/>
-            <a:ext cx="3498574" cy="2289726"/>
+            <a:off x="2883344" y="1561476"/>
+            <a:ext cx="3212656" cy="2362200"/>
           </a:xfrm>
           <a:prstGeom prst="rect">
             <a:avLst/>
@@ -3897,10 +3840,10 @@
       </p:pic>
       <p:pic>
         <p:nvPicPr>
-          <p:cNvPr id="5" name="Рисунок 4">
+          <p:cNvPr id="7" name="Рисунок 6">
             <a:extLst>
               <a:ext uri="{FF2B5EF4-FFF2-40B4-BE49-F238E27FC236}">
-                <a16:creationId xmlns:a16="http://schemas.microsoft.com/office/drawing/2014/main" id="{04D3CC89-8FE5-4068-A1A9-3D9F2190E565}"/>
+                <a16:creationId xmlns:a16="http://schemas.microsoft.com/office/drawing/2014/main" id="{9F1E78FF-F870-4A97-86BC-C8A137B2EE77}"/>
               </a:ext>
             </a:extLst>
           </p:cNvPr>
@@ -3908,7 +3851,7 @@
           <p:nvPr/>
         </p:nvPicPr>
         <p:blipFill>
-          <a:blip r:embed="rId3">
+          <a:blip r:embed="rId4">
             <a:extLst>
               <a:ext uri="{28A0092B-C50C-407E-A947-70E740481C1C}">
                 <a14:useLocalDpi xmlns:a14="http://schemas.microsoft.com/office/drawing/2010/main" val="0"/>
@@ -3922,8 +3865,8 @@
         </p:blipFill>
         <p:spPr bwMode="auto">
           <a:xfrm>
-            <a:off x="3795502" y="2180635"/>
-            <a:ext cx="3000240" cy="1924050"/>
+            <a:off x="5976730" y="1809550"/>
+            <a:ext cx="6215270" cy="1966912"/>
           </a:xfrm>
           <a:prstGeom prst="rect">
             <a:avLst/>
@@ -3936,10 +3879,10 @@
       </p:pic>
       <p:pic>
         <p:nvPicPr>
-          <p:cNvPr id="6" name="Рисунок 5">
+          <p:cNvPr id="8" name="Рисунок 7">
             <a:extLst>
               <a:ext uri="{FF2B5EF4-FFF2-40B4-BE49-F238E27FC236}">
-                <a16:creationId xmlns:a16="http://schemas.microsoft.com/office/drawing/2014/main" id="{DC6469DD-0AA4-4D4C-A4C6-88A0D3831337}"/>
+                <a16:creationId xmlns:a16="http://schemas.microsoft.com/office/drawing/2014/main" id="{B59BA806-8E98-44C9-BB3F-27040A46D646}"/>
               </a:ext>
             </a:extLst>
           </p:cNvPr>
@@ -3947,7 +3890,7 @@
           <p:nvPr/>
         </p:nvPicPr>
         <p:blipFill>
-          <a:blip r:embed="rId4">
+          <a:blip r:embed="rId5">
             <a:extLst>
               <a:ext uri="{28A0092B-C50C-407E-A947-70E740481C1C}">
                 <a14:useLocalDpi xmlns:a14="http://schemas.microsoft.com/office/drawing/2010/main" val="0"/>
@@ -3961,8 +3904,8 @@
         </p:blipFill>
         <p:spPr bwMode="auto">
           <a:xfrm>
-            <a:off x="6896379" y="2381844"/>
-            <a:ext cx="4848225" cy="1228725"/>
+            <a:off x="0" y="4052888"/>
+            <a:ext cx="12192000" cy="2526823"/>
           </a:xfrm>
           <a:prstGeom prst="rect">
             <a:avLst/>
@@ -3973,127 +3916,10 @@
           </a:ln>
         </p:spPr>
       </p:pic>
-      <p:pic>
-        <p:nvPicPr>
-          <p:cNvPr id="8" name="Рисунок 7">
-            <a:extLst>
-              <a:ext uri="{FF2B5EF4-FFF2-40B4-BE49-F238E27FC236}">
-                <a16:creationId xmlns:a16="http://schemas.microsoft.com/office/drawing/2014/main" id="{7ED744EC-28DA-4FFB-884F-B55F19DF3FB0}"/>
-              </a:ext>
-            </a:extLst>
-          </p:cNvPr>
-          <p:cNvPicPr/>
-          <p:nvPr/>
-        </p:nvPicPr>
-        <p:blipFill>
-          <a:blip r:embed="rId5">
-            <a:extLst>
-              <a:ext uri="{28A0092B-C50C-407E-A947-70E740481C1C}">
-                <a14:useLocalDpi xmlns:a14="http://schemas.microsoft.com/office/drawing/2010/main" val="0"/>
-              </a:ext>
-            </a:extLst>
-          </a:blip>
-          <a:srcRect/>
-          <a:stretch>
-            <a:fillRect/>
-          </a:stretch>
-        </p:blipFill>
-        <p:spPr bwMode="auto">
-          <a:xfrm>
-            <a:off x="0" y="4594633"/>
-            <a:ext cx="3742361" cy="1445361"/>
-          </a:xfrm>
-          <a:prstGeom prst="rect">
-            <a:avLst/>
-          </a:prstGeom>
-          <a:noFill/>
-          <a:ln>
-            <a:noFill/>
-          </a:ln>
-        </p:spPr>
-      </p:pic>
-      <p:pic>
-        <p:nvPicPr>
-          <p:cNvPr id="9" name="Рисунок 8">
-            <a:extLst>
-              <a:ext uri="{FF2B5EF4-FFF2-40B4-BE49-F238E27FC236}">
-                <a16:creationId xmlns:a16="http://schemas.microsoft.com/office/drawing/2014/main" id="{27FDB62C-2CFD-4B1C-A8C4-0CD2BDB3056F}"/>
-              </a:ext>
-            </a:extLst>
-          </p:cNvPr>
-          <p:cNvPicPr/>
-          <p:nvPr/>
-        </p:nvPicPr>
-        <p:blipFill>
-          <a:blip r:embed="rId6">
-            <a:extLst>
-              <a:ext uri="{28A0092B-C50C-407E-A947-70E740481C1C}">
-                <a14:useLocalDpi xmlns:a14="http://schemas.microsoft.com/office/drawing/2010/main" val="0"/>
-              </a:ext>
-            </a:extLst>
-          </a:blip>
-          <a:srcRect/>
-          <a:stretch>
-            <a:fillRect/>
-          </a:stretch>
-        </p:blipFill>
-        <p:spPr bwMode="auto">
-          <a:xfrm>
-            <a:off x="3742361" y="4594633"/>
-            <a:ext cx="3742362" cy="1228725"/>
-          </a:xfrm>
-          <a:prstGeom prst="rect">
-            <a:avLst/>
-          </a:prstGeom>
-          <a:noFill/>
-          <a:ln>
-            <a:noFill/>
-          </a:ln>
-        </p:spPr>
-      </p:pic>
-      <p:pic>
-        <p:nvPicPr>
-          <p:cNvPr id="10" name="Рисунок 9">
-            <a:extLst>
-              <a:ext uri="{FF2B5EF4-FFF2-40B4-BE49-F238E27FC236}">
-                <a16:creationId xmlns:a16="http://schemas.microsoft.com/office/drawing/2014/main" id="{B9A38013-0E04-4AE8-9D29-67F6385835D1}"/>
-              </a:ext>
-            </a:extLst>
-          </p:cNvPr>
-          <p:cNvPicPr/>
-          <p:nvPr/>
-        </p:nvPicPr>
-        <p:blipFill>
-          <a:blip r:embed="rId7">
-            <a:extLst>
-              <a:ext uri="{28A0092B-C50C-407E-A947-70E740481C1C}">
-                <a14:useLocalDpi xmlns:a14="http://schemas.microsoft.com/office/drawing/2010/main" val="0"/>
-              </a:ext>
-            </a:extLst>
-          </a:blip>
-          <a:srcRect/>
-          <a:stretch>
-            <a:fillRect/>
-          </a:stretch>
-        </p:blipFill>
-        <p:spPr bwMode="auto">
-          <a:xfrm>
-            <a:off x="7484722" y="4469905"/>
-            <a:ext cx="4548250" cy="1570089"/>
-          </a:xfrm>
-          <a:prstGeom prst="rect">
-            <a:avLst/>
-          </a:prstGeom>
-          <a:noFill/>
-          <a:ln>
-            <a:noFill/>
-          </a:ln>
-        </p:spPr>
-      </p:pic>
     </p:spTree>
     <p:extLst>
       <p:ext uri="{BB962C8B-B14F-4D97-AF65-F5344CB8AC3E}">
-        <p14:creationId xmlns:p14="http://schemas.microsoft.com/office/powerpoint/2010/main" val="1206766381"/>
+        <p14:creationId xmlns:p14="http://schemas.microsoft.com/office/powerpoint/2010/main" val="658956323"/>
       </p:ext>
     </p:extLst>
   </p:cSld>
@@ -4125,7 +3951,7 @@
           <p:cNvPr id="2" name="Заголовок 1">
             <a:extLst>
               <a:ext uri="{FF2B5EF4-FFF2-40B4-BE49-F238E27FC236}">
-                <a16:creationId xmlns:a16="http://schemas.microsoft.com/office/drawing/2014/main" id="{149BA20A-6ADE-477A-B2CB-54BE68DCBDDF}"/>
+                <a16:creationId xmlns:a16="http://schemas.microsoft.com/office/drawing/2014/main" id="{3987E056-ABDC-4EF5-B45E-EB0413E17B80}"/>
               </a:ext>
             </a:extLst>
           </p:cNvPr>
@@ -4136,24 +3962,29 @@
             <p:ph type="title"/>
           </p:nvPr>
         </p:nvSpPr>
-        <p:spPr/>
+        <p:spPr>
+          <a:xfrm>
+            <a:off x="838200" y="325368"/>
+            <a:ext cx="10515600" cy="1325563"/>
+          </a:xfrm>
+        </p:spPr>
         <p:txBody>
           <a:bodyPr/>
           <a:lstStyle/>
           <a:p>
             <a:r>
               <a:rPr lang="ru-RU" dirty="0"/>
-              <a:t>Апробация: Отчеты администратора</a:t>
+              <a:t>Апробация: Администратор</a:t>
             </a:r>
           </a:p>
         </p:txBody>
       </p:sp>
       <p:pic>
         <p:nvPicPr>
-          <p:cNvPr id="8" name="Объект 7">
+          <p:cNvPr id="4" name="Объект 3">
             <a:extLst>
               <a:ext uri="{FF2B5EF4-FFF2-40B4-BE49-F238E27FC236}">
-                <a16:creationId xmlns:a16="http://schemas.microsoft.com/office/drawing/2014/main" id="{0E6D0235-03BC-424F-AB46-979E9C0E744E}"/>
+                <a16:creationId xmlns:a16="http://schemas.microsoft.com/office/drawing/2014/main" id="{0897BBC5-01E9-41B3-B556-4F55FB6366C6}"/>
               </a:ext>
             </a:extLst>
           </p:cNvPr>
@@ -4179,8 +4010,8 @@
         </p:blipFill>
         <p:spPr bwMode="auto">
           <a:xfrm>
-            <a:off x="0" y="1393500"/>
-            <a:ext cx="5905499" cy="2886952"/>
+            <a:off x="121893" y="2180635"/>
+            <a:ext cx="3498574" cy="2289726"/>
           </a:xfrm>
           <a:prstGeom prst="rect">
             <a:avLst/>
@@ -4193,10 +4024,10 @@
       </p:pic>
       <p:pic>
         <p:nvPicPr>
-          <p:cNvPr id="9" name="Рисунок 8">
+          <p:cNvPr id="5" name="Рисунок 4">
             <a:extLst>
               <a:ext uri="{FF2B5EF4-FFF2-40B4-BE49-F238E27FC236}">
-                <a16:creationId xmlns:a16="http://schemas.microsoft.com/office/drawing/2014/main" id="{6B7771B5-0CA2-498F-9B41-D74D61499671}"/>
+                <a16:creationId xmlns:a16="http://schemas.microsoft.com/office/drawing/2014/main" id="{04D3CC89-8FE5-4068-A1A9-3D9F2190E565}"/>
               </a:ext>
             </a:extLst>
           </p:cNvPr>
@@ -4218,8 +4049,8 @@
         </p:blipFill>
         <p:spPr bwMode="auto">
           <a:xfrm>
-            <a:off x="5905499" y="1393500"/>
-            <a:ext cx="6286501" cy="2833942"/>
+            <a:off x="3795502" y="2180635"/>
+            <a:ext cx="3000240" cy="1924050"/>
           </a:xfrm>
           <a:prstGeom prst="rect">
             <a:avLst/>
@@ -4232,10 +4063,10 @@
       </p:pic>
       <p:pic>
         <p:nvPicPr>
-          <p:cNvPr id="10" name="Рисунок 9">
+          <p:cNvPr id="6" name="Рисунок 5">
             <a:extLst>
               <a:ext uri="{FF2B5EF4-FFF2-40B4-BE49-F238E27FC236}">
-                <a16:creationId xmlns:a16="http://schemas.microsoft.com/office/drawing/2014/main" id="{020D67A5-8E7D-425A-B972-8C5271049CB5}"/>
+                <a16:creationId xmlns:a16="http://schemas.microsoft.com/office/drawing/2014/main" id="{DC6469DD-0AA4-4D4C-A4C6-88A0D3831337}"/>
               </a:ext>
             </a:extLst>
           </p:cNvPr>
@@ -4257,8 +4088,8 @@
         </p:blipFill>
         <p:spPr bwMode="auto">
           <a:xfrm>
-            <a:off x="0" y="4280450"/>
-            <a:ext cx="12192000" cy="2617306"/>
+            <a:off x="6896379" y="2381844"/>
+            <a:ext cx="4848225" cy="1228725"/>
           </a:xfrm>
           <a:prstGeom prst="rect">
             <a:avLst/>
@@ -4269,10 +4100,127 @@
           </a:ln>
         </p:spPr>
       </p:pic>
+      <p:pic>
+        <p:nvPicPr>
+          <p:cNvPr id="8" name="Рисунок 7">
+            <a:extLst>
+              <a:ext uri="{FF2B5EF4-FFF2-40B4-BE49-F238E27FC236}">
+                <a16:creationId xmlns:a16="http://schemas.microsoft.com/office/drawing/2014/main" id="{7ED744EC-28DA-4FFB-884F-B55F19DF3FB0}"/>
+              </a:ext>
+            </a:extLst>
+          </p:cNvPr>
+          <p:cNvPicPr/>
+          <p:nvPr/>
+        </p:nvPicPr>
+        <p:blipFill>
+          <a:blip r:embed="rId5">
+            <a:extLst>
+              <a:ext uri="{28A0092B-C50C-407E-A947-70E740481C1C}">
+                <a14:useLocalDpi xmlns:a14="http://schemas.microsoft.com/office/drawing/2010/main" val="0"/>
+              </a:ext>
+            </a:extLst>
+          </a:blip>
+          <a:srcRect/>
+          <a:stretch>
+            <a:fillRect/>
+          </a:stretch>
+        </p:blipFill>
+        <p:spPr bwMode="auto">
+          <a:xfrm>
+            <a:off x="0" y="4594633"/>
+            <a:ext cx="3742361" cy="1445361"/>
+          </a:xfrm>
+          <a:prstGeom prst="rect">
+            <a:avLst/>
+          </a:prstGeom>
+          <a:noFill/>
+          <a:ln>
+            <a:noFill/>
+          </a:ln>
+        </p:spPr>
+      </p:pic>
+      <p:pic>
+        <p:nvPicPr>
+          <p:cNvPr id="9" name="Рисунок 8">
+            <a:extLst>
+              <a:ext uri="{FF2B5EF4-FFF2-40B4-BE49-F238E27FC236}">
+                <a16:creationId xmlns:a16="http://schemas.microsoft.com/office/drawing/2014/main" id="{27FDB62C-2CFD-4B1C-A8C4-0CD2BDB3056F}"/>
+              </a:ext>
+            </a:extLst>
+          </p:cNvPr>
+          <p:cNvPicPr/>
+          <p:nvPr/>
+        </p:nvPicPr>
+        <p:blipFill>
+          <a:blip r:embed="rId6">
+            <a:extLst>
+              <a:ext uri="{28A0092B-C50C-407E-A947-70E740481C1C}">
+                <a14:useLocalDpi xmlns:a14="http://schemas.microsoft.com/office/drawing/2010/main" val="0"/>
+              </a:ext>
+            </a:extLst>
+          </a:blip>
+          <a:srcRect/>
+          <a:stretch>
+            <a:fillRect/>
+          </a:stretch>
+        </p:blipFill>
+        <p:spPr bwMode="auto">
+          <a:xfrm>
+            <a:off x="3742361" y="4594633"/>
+            <a:ext cx="3742362" cy="1228725"/>
+          </a:xfrm>
+          <a:prstGeom prst="rect">
+            <a:avLst/>
+          </a:prstGeom>
+          <a:noFill/>
+          <a:ln>
+            <a:noFill/>
+          </a:ln>
+        </p:spPr>
+      </p:pic>
+      <p:pic>
+        <p:nvPicPr>
+          <p:cNvPr id="10" name="Рисунок 9">
+            <a:extLst>
+              <a:ext uri="{FF2B5EF4-FFF2-40B4-BE49-F238E27FC236}">
+                <a16:creationId xmlns:a16="http://schemas.microsoft.com/office/drawing/2014/main" id="{B9A38013-0E04-4AE8-9D29-67F6385835D1}"/>
+              </a:ext>
+            </a:extLst>
+          </p:cNvPr>
+          <p:cNvPicPr/>
+          <p:nvPr/>
+        </p:nvPicPr>
+        <p:blipFill>
+          <a:blip r:embed="rId7">
+            <a:extLst>
+              <a:ext uri="{28A0092B-C50C-407E-A947-70E740481C1C}">
+                <a14:useLocalDpi xmlns:a14="http://schemas.microsoft.com/office/drawing/2010/main" val="0"/>
+              </a:ext>
+            </a:extLst>
+          </a:blip>
+          <a:srcRect/>
+          <a:stretch>
+            <a:fillRect/>
+          </a:stretch>
+        </p:blipFill>
+        <p:spPr bwMode="auto">
+          <a:xfrm>
+            <a:off x="7484722" y="4469905"/>
+            <a:ext cx="4548250" cy="1570089"/>
+          </a:xfrm>
+          <a:prstGeom prst="rect">
+            <a:avLst/>
+          </a:prstGeom>
+          <a:noFill/>
+          <a:ln>
+            <a:noFill/>
+          </a:ln>
+        </p:spPr>
+      </p:pic>
     </p:spTree>
     <p:extLst>
       <p:ext uri="{BB962C8B-B14F-4D97-AF65-F5344CB8AC3E}">
-        <p14:creationId xmlns:p14="http://schemas.microsoft.com/office/powerpoint/2010/main" val="1517674079"/>
+        <p14:creationId xmlns:p14="http://schemas.microsoft.com/office/powerpoint/2010/main" val="1206766381"/>
       </p:ext>
     </p:extLst>
   </p:cSld>
@@ -4304,7 +4252,7 @@
           <p:cNvPr id="2" name="Заголовок 1">
             <a:extLst>
               <a:ext uri="{FF2B5EF4-FFF2-40B4-BE49-F238E27FC236}">
-                <a16:creationId xmlns:a16="http://schemas.microsoft.com/office/drawing/2014/main" id="{13E6C3B7-FAA9-4604-BBA8-7B1738B8E0D4}"/>
+                <a16:creationId xmlns:a16="http://schemas.microsoft.com/office/drawing/2014/main" id="{149BA20A-6ADE-477A-B2CB-54BE68DCBDDF}"/>
               </a:ext>
             </a:extLst>
           </p:cNvPr>
@@ -4315,29 +4263,24 @@
             <p:ph type="title"/>
           </p:nvPr>
         </p:nvSpPr>
-        <p:spPr>
-          <a:xfrm>
-            <a:off x="838200" y="325369"/>
-            <a:ext cx="10515600" cy="1325563"/>
-          </a:xfrm>
-        </p:spPr>
+        <p:spPr/>
         <p:txBody>
           <a:bodyPr/>
           <a:lstStyle/>
           <a:p>
             <a:r>
               <a:rPr lang="ru-RU" dirty="0"/>
-              <a:t>Апробация: Клиента</a:t>
+              <a:t>Апробация: Отчеты администратора</a:t>
             </a:r>
           </a:p>
         </p:txBody>
       </p:sp>
       <p:pic>
         <p:nvPicPr>
-          <p:cNvPr id="4" name="Объект 3">
+          <p:cNvPr id="8" name="Объект 7">
             <a:extLst>
               <a:ext uri="{FF2B5EF4-FFF2-40B4-BE49-F238E27FC236}">
-                <a16:creationId xmlns:a16="http://schemas.microsoft.com/office/drawing/2014/main" id="{E1C29972-9D8A-4D1A-AA1D-EC6291FAD5E5}"/>
+                <a16:creationId xmlns:a16="http://schemas.microsoft.com/office/drawing/2014/main" id="{0E6D0235-03BC-424F-AB46-979E9C0E744E}"/>
               </a:ext>
             </a:extLst>
           </p:cNvPr>
@@ -4363,8 +4306,8 @@
         </p:blipFill>
         <p:spPr bwMode="auto">
           <a:xfrm>
-            <a:off x="838200" y="1457739"/>
-            <a:ext cx="5257800" cy="3038061"/>
+            <a:off x="0" y="1393500"/>
+            <a:ext cx="5905499" cy="2886952"/>
           </a:xfrm>
           <a:prstGeom prst="rect">
             <a:avLst/>
@@ -4377,10 +4320,10 @@
       </p:pic>
       <p:pic>
         <p:nvPicPr>
-          <p:cNvPr id="5" name="Рисунок 4">
+          <p:cNvPr id="9" name="Рисунок 8">
             <a:extLst>
               <a:ext uri="{FF2B5EF4-FFF2-40B4-BE49-F238E27FC236}">
-                <a16:creationId xmlns:a16="http://schemas.microsoft.com/office/drawing/2014/main" id="{4F1B886F-6543-44C2-BFCF-CF785ADDF821}"/>
+                <a16:creationId xmlns:a16="http://schemas.microsoft.com/office/drawing/2014/main" id="{6B7771B5-0CA2-498F-9B41-D74D61499671}"/>
               </a:ext>
             </a:extLst>
           </p:cNvPr>
@@ -4402,8 +4345,8 @@
         </p:blipFill>
         <p:spPr bwMode="auto">
           <a:xfrm>
-            <a:off x="6096000" y="1457739"/>
-            <a:ext cx="5257800" cy="3038061"/>
+            <a:off x="5905499" y="1393500"/>
+            <a:ext cx="6286501" cy="2833942"/>
           </a:xfrm>
           <a:prstGeom prst="rect">
             <a:avLst/>
@@ -4416,10 +4359,10 @@
       </p:pic>
       <p:pic>
         <p:nvPicPr>
-          <p:cNvPr id="7" name="Рисунок 6">
+          <p:cNvPr id="10" name="Рисунок 9">
             <a:extLst>
               <a:ext uri="{FF2B5EF4-FFF2-40B4-BE49-F238E27FC236}">
-                <a16:creationId xmlns:a16="http://schemas.microsoft.com/office/drawing/2014/main" id="{0EDA3618-7F43-44DB-BD7E-5136723D78DE}"/>
+                <a16:creationId xmlns:a16="http://schemas.microsoft.com/office/drawing/2014/main" id="{020D67A5-8E7D-425A-B972-8C5271049CB5}"/>
               </a:ext>
             </a:extLst>
           </p:cNvPr>
@@ -4441,8 +4384,8 @@
         </p:blipFill>
         <p:spPr bwMode="auto">
           <a:xfrm>
-            <a:off x="847051" y="4495799"/>
-            <a:ext cx="10506749" cy="2262809"/>
+            <a:off x="0" y="4280450"/>
+            <a:ext cx="12192000" cy="2617306"/>
           </a:xfrm>
           <a:prstGeom prst="rect">
             <a:avLst/>
@@ -4456,7 +4399,7 @@
     </p:spTree>
     <p:extLst>
       <p:ext uri="{BB962C8B-B14F-4D97-AF65-F5344CB8AC3E}">
-        <p14:creationId xmlns:p14="http://schemas.microsoft.com/office/powerpoint/2010/main" val="3020117924"/>
+        <p14:creationId xmlns:p14="http://schemas.microsoft.com/office/powerpoint/2010/main" val="1517674079"/>
       </p:ext>
     </p:extLst>
   </p:cSld>
@@ -4485,7 +4428,13 @@
       </p:grpSpPr>
       <p:sp>
         <p:nvSpPr>
-          <p:cNvPr id="2" name="Заголовок 1"/>
+          <p:cNvPr id="2" name="Заголовок 1">
+            <a:extLst>
+              <a:ext uri="{FF2B5EF4-FFF2-40B4-BE49-F238E27FC236}">
+                <a16:creationId xmlns:a16="http://schemas.microsoft.com/office/drawing/2014/main" id="{13E6C3B7-FAA9-4604-BBA8-7B1738B8E0D4}"/>
+              </a:ext>
+            </a:extLst>
+          </p:cNvPr>
           <p:cNvSpPr>
             <a:spLocks noGrp="1"/>
           </p:cNvSpPr>
@@ -4493,184 +4442,148 @@
             <p:ph type="title"/>
           </p:nvPr>
         </p:nvSpPr>
-        <p:spPr/>
+        <p:spPr>
+          <a:xfrm>
+            <a:off x="838200" y="325369"/>
+            <a:ext cx="10515600" cy="1325563"/>
+          </a:xfrm>
+        </p:spPr>
         <p:txBody>
           <a:bodyPr/>
           <a:lstStyle/>
           <a:p>
             <a:r>
               <a:rPr lang="ru-RU" dirty="0"/>
-              <a:t>Результаты дипломной работы</a:t>
-            </a:r>
-          </a:p>
-        </p:txBody>
-      </p:sp>
-      <p:sp>
-        <p:nvSpPr>
-          <p:cNvPr id="3" name="Объект 2"/>
-          <p:cNvSpPr>
-            <a:spLocks noGrp="1"/>
-          </p:cNvSpPr>
+              <a:t>Апробация: Клиента</a:t>
+            </a:r>
+          </a:p>
+        </p:txBody>
+      </p:sp>
+      <p:pic>
+        <p:nvPicPr>
+          <p:cNvPr id="4" name="Объект 3">
+            <a:extLst>
+              <a:ext uri="{FF2B5EF4-FFF2-40B4-BE49-F238E27FC236}">
+                <a16:creationId xmlns:a16="http://schemas.microsoft.com/office/drawing/2014/main" id="{E1C29972-9D8A-4D1A-AA1D-EC6291FAD5E5}"/>
+              </a:ext>
+            </a:extLst>
+          </p:cNvPr>
+          <p:cNvPicPr>
+            <a:picLocks noGrp="1"/>
+          </p:cNvPicPr>
           <p:nvPr>
             <p:ph idx="1"/>
           </p:nvPr>
-        </p:nvSpPr>
-        <p:spPr/>
-        <p:txBody>
-          <a:bodyPr>
-            <a:normAutofit fontScale="92500"/>
-          </a:bodyPr>
-          <a:lstStyle/>
-          <a:p>
-            <a:pPr>
-              <a:buFont typeface="Wingdings" panose="05000000000000000000" pitchFamily="2" charset="2"/>
-              <a:buChar char="§"/>
-            </a:pPr>
-            <a:r>
-              <a:rPr lang="ru-RU" dirty="0"/>
-              <a:t>Изучены:</a:t>
-            </a:r>
-          </a:p>
-          <a:p>
-            <a:pPr lvl="1"/>
-            <a:r>
-              <a:rPr lang="ru-RU" dirty="0"/>
-              <a:t>языки программирования </a:t>
-            </a:r>
-            <a:r>
-              <a:rPr lang="en-US" dirty="0"/>
-              <a:t>Java</a:t>
-            </a:r>
-            <a:r>
-              <a:rPr lang="ru-RU" dirty="0"/>
-              <a:t> фреймворк </a:t>
-            </a:r>
-            <a:r>
-              <a:rPr lang="en-US" dirty="0"/>
-              <a:t>Hibernate</a:t>
-            </a:r>
-            <a:endParaRPr lang="ru-RU" dirty="0"/>
-          </a:p>
-          <a:p>
-            <a:pPr lvl="1"/>
-            <a:r>
-              <a:rPr lang="ru-RU" dirty="0"/>
-              <a:t>библиотеки </a:t>
-            </a:r>
-            <a:r>
-              <a:rPr lang="en-US" dirty="0"/>
-              <a:t>SWING, </a:t>
-            </a:r>
-            <a:r>
-              <a:rPr lang="en-US" dirty="0" err="1"/>
-              <a:t>JExcelAPI</a:t>
-            </a:r>
-            <a:r>
-              <a:rPr lang="en-US" dirty="0"/>
-              <a:t>, Log4j, JDBC, </a:t>
-            </a:r>
-            <a:r>
-              <a:rPr lang="en-US" dirty="0" err="1"/>
-              <a:t>Aspose.Words</a:t>
-            </a:r>
-            <a:endParaRPr lang="en-US" dirty="0"/>
-          </a:p>
-          <a:p>
-            <a:pPr marL="457200" lvl="1" indent="0">
-              <a:buNone/>
-            </a:pPr>
-            <a:endParaRPr lang="en-US" dirty="0"/>
-          </a:p>
-          <a:p>
-            <a:pPr>
-              <a:buFont typeface="Wingdings" panose="05000000000000000000" pitchFamily="2" charset="2"/>
-              <a:buChar char="§"/>
-            </a:pPr>
-            <a:r>
-              <a:rPr lang="ru-RU" dirty="0"/>
-              <a:t>Помимо этого, были выполнены следующие задачи:</a:t>
-            </a:r>
-            <a:endParaRPr lang="en-US" dirty="0"/>
-          </a:p>
-          <a:p>
-            <a:pPr lvl="1"/>
-            <a:r>
-              <a:rPr lang="ru-RU" dirty="0"/>
-              <a:t>спроектировано и разработано приложение</a:t>
-            </a:r>
-          </a:p>
-          <a:p>
-            <a:pPr lvl="1"/>
-            <a:r>
-              <a:rPr lang="ru-RU" dirty="0"/>
-              <a:t>разработаны основные модули: регистрация и авторизация пользователя; просмотр, создание запросов и заявок</a:t>
-            </a:r>
-            <a:r>
-              <a:rPr lang="en-US" dirty="0"/>
-              <a:t>; </a:t>
-            </a:r>
-            <a:r>
-              <a:rPr lang="ru-RU" dirty="0"/>
-              <a:t>просмотр</a:t>
-            </a:r>
-            <a:r>
-              <a:rPr lang="en-US" dirty="0"/>
-              <a:t> </a:t>
-            </a:r>
-            <a:r>
-              <a:rPr lang="ru-RU" dirty="0"/>
-              <a:t>динамической информации о компании в том числе по фильтрам</a:t>
-            </a:r>
-            <a:r>
-              <a:rPr lang="en-US" dirty="0"/>
-              <a:t>,</a:t>
-            </a:r>
-            <a:r>
-              <a:rPr lang="ru-RU" dirty="0"/>
-              <a:t> а также вывод ее с предварительной обработкой в качестве отчетов </a:t>
-            </a:r>
-            <a:r>
-              <a:rPr lang="en-US" dirty="0"/>
-              <a:t>Excel;</a:t>
-            </a:r>
-            <a:r>
-              <a:rPr lang="ru-RU" dirty="0"/>
-              <a:t> отправка отзывов и формирование рейтинга водителей и менеджеров на их основе</a:t>
-            </a:r>
-            <a:r>
-              <a:rPr lang="en-US" dirty="0"/>
-              <a:t>;</a:t>
-            </a:r>
-            <a:r>
-              <a:rPr lang="ru-RU" dirty="0"/>
-              <a:t> а также расчет загрузки транспорта</a:t>
-            </a:r>
-            <a:r>
-              <a:rPr lang="en-US" dirty="0"/>
-              <a:t>,</a:t>
-            </a:r>
-            <a:r>
-              <a:rPr lang="ru-RU" dirty="0"/>
-              <a:t> формирование договоров в формате </a:t>
-            </a:r>
-            <a:r>
-              <a:rPr lang="en-US" dirty="0"/>
-              <a:t>Docx</a:t>
-            </a:r>
-            <a:endParaRPr lang="ru-RU" dirty="0"/>
-          </a:p>
-          <a:p>
-            <a:pPr marL="0" indent="0">
-              <a:buNone/>
-            </a:pPr>
-            <a:endParaRPr lang="ru-RU" dirty="0"/>
-          </a:p>
-        </p:txBody>
-      </p:sp>
+        </p:nvPicPr>
+        <p:blipFill>
+          <a:blip r:embed="rId2">
+            <a:extLst>
+              <a:ext uri="{28A0092B-C50C-407E-A947-70E740481C1C}">
+                <a14:useLocalDpi xmlns:a14="http://schemas.microsoft.com/office/drawing/2010/main" val="0"/>
+              </a:ext>
+            </a:extLst>
+          </a:blip>
+          <a:srcRect/>
+          <a:stretch>
+            <a:fillRect/>
+          </a:stretch>
+        </p:blipFill>
+        <p:spPr bwMode="auto">
+          <a:xfrm>
+            <a:off x="838200" y="1457739"/>
+            <a:ext cx="5257800" cy="3038061"/>
+          </a:xfrm>
+          <a:prstGeom prst="rect">
+            <a:avLst/>
+          </a:prstGeom>
+          <a:noFill/>
+          <a:ln>
+            <a:noFill/>
+          </a:ln>
+        </p:spPr>
+      </p:pic>
+      <p:pic>
+        <p:nvPicPr>
+          <p:cNvPr id="5" name="Рисунок 4">
+            <a:extLst>
+              <a:ext uri="{FF2B5EF4-FFF2-40B4-BE49-F238E27FC236}">
+                <a16:creationId xmlns:a16="http://schemas.microsoft.com/office/drawing/2014/main" id="{4F1B886F-6543-44C2-BFCF-CF785ADDF821}"/>
+              </a:ext>
+            </a:extLst>
+          </p:cNvPr>
+          <p:cNvPicPr/>
+          <p:nvPr/>
+        </p:nvPicPr>
+        <p:blipFill>
+          <a:blip r:embed="rId3">
+            <a:extLst>
+              <a:ext uri="{28A0092B-C50C-407E-A947-70E740481C1C}">
+                <a14:useLocalDpi xmlns:a14="http://schemas.microsoft.com/office/drawing/2010/main" val="0"/>
+              </a:ext>
+            </a:extLst>
+          </a:blip>
+          <a:srcRect/>
+          <a:stretch>
+            <a:fillRect/>
+          </a:stretch>
+        </p:blipFill>
+        <p:spPr bwMode="auto">
+          <a:xfrm>
+            <a:off x="6096000" y="1457739"/>
+            <a:ext cx="5257800" cy="3038061"/>
+          </a:xfrm>
+          <a:prstGeom prst="rect">
+            <a:avLst/>
+          </a:prstGeom>
+          <a:noFill/>
+          <a:ln>
+            <a:noFill/>
+          </a:ln>
+        </p:spPr>
+      </p:pic>
+      <p:pic>
+        <p:nvPicPr>
+          <p:cNvPr id="7" name="Рисунок 6">
+            <a:extLst>
+              <a:ext uri="{FF2B5EF4-FFF2-40B4-BE49-F238E27FC236}">
+                <a16:creationId xmlns:a16="http://schemas.microsoft.com/office/drawing/2014/main" id="{0EDA3618-7F43-44DB-BD7E-5136723D78DE}"/>
+              </a:ext>
+            </a:extLst>
+          </p:cNvPr>
+          <p:cNvPicPr/>
+          <p:nvPr/>
+        </p:nvPicPr>
+        <p:blipFill>
+          <a:blip r:embed="rId4">
+            <a:extLst>
+              <a:ext uri="{28A0092B-C50C-407E-A947-70E740481C1C}">
+                <a14:useLocalDpi xmlns:a14="http://schemas.microsoft.com/office/drawing/2010/main" val="0"/>
+              </a:ext>
+            </a:extLst>
+          </a:blip>
+          <a:srcRect/>
+          <a:stretch>
+            <a:fillRect/>
+          </a:stretch>
+        </p:blipFill>
+        <p:spPr bwMode="auto">
+          <a:xfrm>
+            <a:off x="847051" y="4495799"/>
+            <a:ext cx="10506749" cy="2262809"/>
+          </a:xfrm>
+          <a:prstGeom prst="rect">
+            <a:avLst/>
+          </a:prstGeom>
+          <a:noFill/>
+          <a:ln>
+            <a:noFill/>
+          </a:ln>
+        </p:spPr>
+      </p:pic>
     </p:spTree>
     <p:extLst>
       <p:ext uri="{BB962C8B-B14F-4D97-AF65-F5344CB8AC3E}">
-        <p14:creationId xmlns:p14="http://schemas.microsoft.com/office/powerpoint/2010/main" val="3718304080"/>
+        <p14:creationId xmlns:p14="http://schemas.microsoft.com/office/powerpoint/2010/main" val="3020117924"/>
       </p:ext>
     </p:extLst>
   </p:cSld>
@@ -4699,6 +4612,220 @@
       </p:grpSpPr>
       <p:sp>
         <p:nvSpPr>
+          <p:cNvPr id="2" name="Заголовок 1"/>
+          <p:cNvSpPr>
+            <a:spLocks noGrp="1"/>
+          </p:cNvSpPr>
+          <p:nvPr>
+            <p:ph type="title"/>
+          </p:nvPr>
+        </p:nvSpPr>
+        <p:spPr/>
+        <p:txBody>
+          <a:bodyPr/>
+          <a:lstStyle/>
+          <a:p>
+            <a:r>
+              <a:rPr lang="ru-RU" dirty="0"/>
+              <a:t>Результаты дипломной работы</a:t>
+            </a:r>
+          </a:p>
+        </p:txBody>
+      </p:sp>
+      <p:sp>
+        <p:nvSpPr>
+          <p:cNvPr id="3" name="Объект 2"/>
+          <p:cNvSpPr>
+            <a:spLocks noGrp="1"/>
+          </p:cNvSpPr>
+          <p:nvPr>
+            <p:ph idx="1"/>
+          </p:nvPr>
+        </p:nvSpPr>
+        <p:spPr/>
+        <p:txBody>
+          <a:bodyPr>
+            <a:normAutofit fontScale="92500"/>
+          </a:bodyPr>
+          <a:lstStyle/>
+          <a:p>
+            <a:pPr>
+              <a:buFont typeface="Wingdings" panose="05000000000000000000" pitchFamily="2" charset="2"/>
+              <a:buChar char="§"/>
+            </a:pPr>
+            <a:r>
+              <a:rPr lang="ru-RU" dirty="0"/>
+              <a:t>Изучены:</a:t>
+            </a:r>
+          </a:p>
+          <a:p>
+            <a:pPr lvl="1"/>
+            <a:r>
+              <a:rPr lang="ru-RU" dirty="0"/>
+              <a:t>языки программирования </a:t>
+            </a:r>
+            <a:r>
+              <a:rPr lang="en-US" dirty="0"/>
+              <a:t>Java</a:t>
+            </a:r>
+            <a:r>
+              <a:rPr lang="ru-RU" dirty="0"/>
+              <a:t> фреймворк </a:t>
+            </a:r>
+            <a:r>
+              <a:rPr lang="en-US" dirty="0"/>
+              <a:t>Hibernate</a:t>
+            </a:r>
+            <a:endParaRPr lang="ru-RU" dirty="0"/>
+          </a:p>
+          <a:p>
+            <a:pPr lvl="1"/>
+            <a:r>
+              <a:rPr lang="ru-RU" dirty="0"/>
+              <a:t>библиотеки </a:t>
+            </a:r>
+            <a:r>
+              <a:rPr lang="en-US" dirty="0"/>
+              <a:t>SWING, </a:t>
+            </a:r>
+            <a:r>
+              <a:rPr lang="en-US" dirty="0" err="1"/>
+              <a:t>JExcelAPI</a:t>
+            </a:r>
+            <a:r>
+              <a:rPr lang="en-US" dirty="0"/>
+              <a:t>, Log4j, JDBC, </a:t>
+            </a:r>
+            <a:r>
+              <a:rPr lang="en-US" dirty="0" err="1"/>
+              <a:t>Aspose.Words</a:t>
+            </a:r>
+            <a:endParaRPr lang="en-US" dirty="0"/>
+          </a:p>
+          <a:p>
+            <a:pPr marL="457200" lvl="1" indent="0">
+              <a:buNone/>
+            </a:pPr>
+            <a:endParaRPr lang="en-US" dirty="0"/>
+          </a:p>
+          <a:p>
+            <a:pPr>
+              <a:buFont typeface="Wingdings" panose="05000000000000000000" pitchFamily="2" charset="2"/>
+              <a:buChar char="§"/>
+            </a:pPr>
+            <a:r>
+              <a:rPr lang="ru-RU" dirty="0"/>
+              <a:t>Помимо этого, были выполнены следующие задачи:</a:t>
+            </a:r>
+            <a:endParaRPr lang="en-US" dirty="0"/>
+          </a:p>
+          <a:p>
+            <a:pPr lvl="1"/>
+            <a:r>
+              <a:rPr lang="ru-RU" dirty="0"/>
+              <a:t>спроектировано и разработано приложение</a:t>
+            </a:r>
+          </a:p>
+          <a:p>
+            <a:pPr lvl="1"/>
+            <a:r>
+              <a:rPr lang="ru-RU" dirty="0"/>
+              <a:t>разработаны основные модули: регистрация и авторизация пользователя; просмотр, создание запросов и заявок</a:t>
+            </a:r>
+            <a:r>
+              <a:rPr lang="en-US" dirty="0"/>
+              <a:t>; </a:t>
+            </a:r>
+            <a:r>
+              <a:rPr lang="ru-RU" dirty="0"/>
+              <a:t>просмотр</a:t>
+            </a:r>
+            <a:r>
+              <a:rPr lang="en-US" dirty="0"/>
+              <a:t> </a:t>
+            </a:r>
+            <a:r>
+              <a:rPr lang="ru-RU" dirty="0"/>
+              <a:t>динамической информации о компании в том числе по фильтрам</a:t>
+            </a:r>
+            <a:r>
+              <a:rPr lang="en-US" dirty="0"/>
+              <a:t>,</a:t>
+            </a:r>
+            <a:r>
+              <a:rPr lang="ru-RU" dirty="0"/>
+              <a:t> а также вывод ее с предварительной обработкой в качестве отчетов </a:t>
+            </a:r>
+            <a:r>
+              <a:rPr lang="en-US" dirty="0"/>
+              <a:t>Excel;</a:t>
+            </a:r>
+            <a:r>
+              <a:rPr lang="ru-RU" dirty="0"/>
+              <a:t> отправка отзывов и формирование рейтинга водителей и менеджеров на их основе</a:t>
+            </a:r>
+            <a:r>
+              <a:rPr lang="en-US" dirty="0"/>
+              <a:t>;</a:t>
+            </a:r>
+            <a:r>
+              <a:rPr lang="ru-RU" dirty="0"/>
+              <a:t> а также расчет загрузки транспорта</a:t>
+            </a:r>
+            <a:r>
+              <a:rPr lang="en-US" dirty="0"/>
+              <a:t>,</a:t>
+            </a:r>
+            <a:r>
+              <a:rPr lang="ru-RU" dirty="0"/>
+              <a:t> формирование договоров в формате </a:t>
+            </a:r>
+            <a:r>
+              <a:rPr lang="en-US" dirty="0"/>
+              <a:t>Docx</a:t>
+            </a:r>
+            <a:endParaRPr lang="ru-RU" dirty="0"/>
+          </a:p>
+          <a:p>
+            <a:pPr marL="0" indent="0">
+              <a:buNone/>
+            </a:pPr>
+            <a:endParaRPr lang="ru-RU" dirty="0"/>
+          </a:p>
+        </p:txBody>
+      </p:sp>
+    </p:spTree>
+    <p:extLst>
+      <p:ext uri="{BB962C8B-B14F-4D97-AF65-F5344CB8AC3E}">
+        <p14:creationId xmlns:p14="http://schemas.microsoft.com/office/powerpoint/2010/main" val="3718304080"/>
+      </p:ext>
+    </p:extLst>
+  </p:cSld>
+  <p:clrMapOvr>
+    <a:masterClrMapping/>
+  </p:clrMapOvr>
+</p:sld>
+</file>
+
+<file path=ppt/slides/slide17.xml><?xml version="1.0" encoding="utf-8"?>
+<p:sld xmlns:a="http://schemas.openxmlformats.org/drawingml/2006/main" xmlns:r="http://schemas.openxmlformats.org/officeDocument/2006/relationships" xmlns:p="http://schemas.openxmlformats.org/presentationml/2006/main">
+  <p:cSld>
+    <p:spTree>
+      <p:nvGrpSpPr>
+        <p:cNvPr id="1" name=""/>
+        <p:cNvGrpSpPr/>
+        <p:nvPr/>
+      </p:nvGrpSpPr>
+      <p:grpSpPr>
+        <a:xfrm>
+          <a:off x="0" y="0"/>
+          <a:ext cx="0" cy="0"/>
+          <a:chOff x="0" y="0"/>
+          <a:chExt cx="0" cy="0"/>
+        </a:xfrm>
+      </p:grpSpPr>
+      <p:sp>
+        <p:nvSpPr>
           <p:cNvPr id="2" name="Заголовок 1">
             <a:extLst>
               <a:ext uri="{FF2B5EF4-FFF2-40B4-BE49-F238E27FC236}">
@@ -4746,7 +4873,10 @@
           <a:bodyPr/>
           <a:lstStyle/>
           <a:p>
-            <a:endParaRPr lang="ru-RU"/>
+            <a:r>
+              <a:rPr lang="ru-RU" dirty="0"/>
+              <a:t>Описание разработки доложено на XXVI Республиканской научной конференции студентов и аспирантов «Новые математические методы и компьютерные технологии в проектировании, производстве и научных исследованиях», проходившей в 2023 г. в г. Гомеле; и опубликовано в сборнике этой конференций, а также – в сборнике «Творчество Молодых2023» [15-16].</a:t>
+            </a:r>
           </a:p>
         </p:txBody>
       </p:sp>
@@ -4763,7 +4893,7 @@
 </p:sld>
 </file>
 
-<file path=ppt/slides/slide17.xml><?xml version="1.0" encoding="utf-8"?>
+<file path=ppt/slides/slide18.xml><?xml version="1.0" encoding="utf-8"?>
 <p:sld xmlns:a="http://schemas.openxmlformats.org/drawingml/2006/main" xmlns:r="http://schemas.openxmlformats.org/officeDocument/2006/relationships" xmlns:p="http://schemas.openxmlformats.org/presentationml/2006/main">
   <p:cSld>
     <p:spTree>
@@ -4840,6 +4970,89 @@
       </p:grpSpPr>
       <p:sp>
         <p:nvSpPr>
+          <p:cNvPr id="2" name="Заголовок 1">
+            <a:extLst>
+              <a:ext uri="{FF2B5EF4-FFF2-40B4-BE49-F238E27FC236}">
+                <a16:creationId xmlns:a16="http://schemas.microsoft.com/office/drawing/2014/main" id="{FC7E8784-63EC-4B20-B0EB-5402277B865A}"/>
+              </a:ext>
+            </a:extLst>
+          </p:cNvPr>
+          <p:cNvSpPr>
+            <a:spLocks noGrp="1"/>
+          </p:cNvSpPr>
+          <p:nvPr>
+            <p:ph type="title"/>
+          </p:nvPr>
+        </p:nvSpPr>
+        <p:spPr/>
+        <p:txBody>
+          <a:bodyPr/>
+          <a:lstStyle/>
+          <a:p>
+            <a:r>
+              <a:rPr lang="ru-RU" dirty="0"/>
+              <a:t>Актуальность</a:t>
+            </a:r>
+          </a:p>
+        </p:txBody>
+      </p:sp>
+      <p:sp>
+        <p:nvSpPr>
+          <p:cNvPr id="3" name="Объект 2">
+            <a:extLst>
+              <a:ext uri="{FF2B5EF4-FFF2-40B4-BE49-F238E27FC236}">
+                <a16:creationId xmlns:a16="http://schemas.microsoft.com/office/drawing/2014/main" id="{7E04BAEE-61BE-4BE1-BE12-E7562BB0B86B}"/>
+              </a:ext>
+            </a:extLst>
+          </p:cNvPr>
+          <p:cNvSpPr>
+            <a:spLocks noGrp="1"/>
+          </p:cNvSpPr>
+          <p:nvPr>
+            <p:ph idx="1"/>
+          </p:nvPr>
+        </p:nvSpPr>
+        <p:spPr/>
+        <p:txBody>
+          <a:bodyPr/>
+          <a:lstStyle/>
+          <a:p>
+            <a:endParaRPr lang="ru-RU" dirty="0"/>
+          </a:p>
+        </p:txBody>
+      </p:sp>
+    </p:spTree>
+    <p:extLst>
+      <p:ext uri="{BB962C8B-B14F-4D97-AF65-F5344CB8AC3E}">
+        <p14:creationId xmlns:p14="http://schemas.microsoft.com/office/powerpoint/2010/main" val="4254294301"/>
+      </p:ext>
+    </p:extLst>
+  </p:cSld>
+  <p:clrMapOvr>
+    <a:masterClrMapping/>
+  </p:clrMapOvr>
+</p:sld>
+</file>
+
+<file path=ppt/slides/slide3.xml><?xml version="1.0" encoding="utf-8"?>
+<p:sld xmlns:a="http://schemas.openxmlformats.org/drawingml/2006/main" xmlns:r="http://schemas.openxmlformats.org/officeDocument/2006/relationships" xmlns:p="http://schemas.openxmlformats.org/presentationml/2006/main">
+  <p:cSld>
+    <p:spTree>
+      <p:nvGrpSpPr>
+        <p:cNvPr id="1" name=""/>
+        <p:cNvGrpSpPr/>
+        <p:nvPr/>
+      </p:nvGrpSpPr>
+      <p:grpSpPr>
+        <a:xfrm>
+          <a:off x="0" y="0"/>
+          <a:ext cx="0" cy="0"/>
+          <a:chOff x="0" y="0"/>
+          <a:chExt cx="0" cy="0"/>
+        </a:xfrm>
+      </p:grpSpPr>
+      <p:sp>
+        <p:nvSpPr>
           <p:cNvPr id="2" name="Заголовок 1"/>
           <p:cNvSpPr>
             <a:spLocks noGrp="1"/>
@@ -4892,7 +5105,7 @@
             </a:pPr>
             <a:r>
               <a:rPr lang="ru-RU" sz="2800" dirty="0"/>
-              <a:t>Разработ</a:t>
+              <a:t>разработ</a:t>
             </a:r>
             <a:r>
               <a:rPr lang="ru-RU" dirty="0"/>
@@ -4970,7 +5183,7 @@
 </p:sld>
 </file>
 
-<file path=ppt/slides/slide3.xml><?xml version="1.0" encoding="utf-8"?>
+<file path=ppt/slides/slide4.xml><?xml version="1.0" encoding="utf-8"?>
 <p:sld xmlns:a="http://schemas.openxmlformats.org/drawingml/2006/main" xmlns:r="http://schemas.openxmlformats.org/officeDocument/2006/relationships" xmlns:p="http://schemas.openxmlformats.org/presentationml/2006/main">
   <p:cSld>
     <p:spTree>
@@ -5423,89 +5636,6 @@
 </p:sld>
 </file>
 
-<file path=ppt/slides/slide4.xml><?xml version="1.0" encoding="utf-8"?>
-<p:sld xmlns:a="http://schemas.openxmlformats.org/drawingml/2006/main" xmlns:r="http://schemas.openxmlformats.org/officeDocument/2006/relationships" xmlns:p="http://schemas.openxmlformats.org/presentationml/2006/main">
-  <p:cSld>
-    <p:spTree>
-      <p:nvGrpSpPr>
-        <p:cNvPr id="1" name=""/>
-        <p:cNvGrpSpPr/>
-        <p:nvPr/>
-      </p:nvGrpSpPr>
-      <p:grpSpPr>
-        <a:xfrm>
-          <a:off x="0" y="0"/>
-          <a:ext cx="0" cy="0"/>
-          <a:chOff x="0" y="0"/>
-          <a:chExt cx="0" cy="0"/>
-        </a:xfrm>
-      </p:grpSpPr>
-      <p:sp>
-        <p:nvSpPr>
-          <p:cNvPr id="2" name="Заголовок 1">
-            <a:extLst>
-              <a:ext uri="{FF2B5EF4-FFF2-40B4-BE49-F238E27FC236}">
-                <a16:creationId xmlns:a16="http://schemas.microsoft.com/office/drawing/2014/main" id="{89A29B0A-F86C-454A-8BC2-AE1D8602B411}"/>
-              </a:ext>
-            </a:extLst>
-          </p:cNvPr>
-          <p:cNvSpPr>
-            <a:spLocks noGrp="1"/>
-          </p:cNvSpPr>
-          <p:nvPr>
-            <p:ph type="title"/>
-          </p:nvPr>
-        </p:nvSpPr>
-        <p:spPr/>
-        <p:txBody>
-          <a:bodyPr/>
-          <a:lstStyle/>
-          <a:p>
-            <a:r>
-              <a:rPr lang="ru-RU" dirty="0"/>
-              <a:t>Проектирование</a:t>
-            </a:r>
-          </a:p>
-        </p:txBody>
-      </p:sp>
-      <p:sp>
-        <p:nvSpPr>
-          <p:cNvPr id="3" name="Объект 2">
-            <a:extLst>
-              <a:ext uri="{FF2B5EF4-FFF2-40B4-BE49-F238E27FC236}">
-                <a16:creationId xmlns:a16="http://schemas.microsoft.com/office/drawing/2014/main" id="{EB332D6C-A9C5-45A0-BCEB-B06061D6454D}"/>
-              </a:ext>
-            </a:extLst>
-          </p:cNvPr>
-          <p:cNvSpPr>
-            <a:spLocks noGrp="1"/>
-          </p:cNvSpPr>
-          <p:nvPr>
-            <p:ph idx="1"/>
-          </p:nvPr>
-        </p:nvSpPr>
-        <p:spPr/>
-        <p:txBody>
-          <a:bodyPr/>
-          <a:lstStyle/>
-          <a:p>
-            <a:endParaRPr lang="ru-RU"/>
-          </a:p>
-        </p:txBody>
-      </p:sp>
-    </p:spTree>
-    <p:extLst>
-      <p:ext uri="{BB962C8B-B14F-4D97-AF65-F5344CB8AC3E}">
-        <p14:creationId xmlns:p14="http://schemas.microsoft.com/office/powerpoint/2010/main" val="821884369"/>
-      </p:ext>
-    </p:extLst>
-  </p:cSld>
-  <p:clrMapOvr>
-    <a:masterClrMapping/>
-  </p:clrMapOvr>
-</p:sld>
-</file>
-
 <file path=ppt/slides/slide5.xml><?xml version="1.0" encoding="utf-8"?>
 <p:sld xmlns:a="http://schemas.openxmlformats.org/drawingml/2006/main" xmlns:r="http://schemas.openxmlformats.org/officeDocument/2006/relationships" xmlns:p="http://schemas.openxmlformats.org/presentationml/2006/main">
   <p:cSld>
@@ -5525,7 +5655,13 @@
       </p:grpSpPr>
       <p:sp>
         <p:nvSpPr>
-          <p:cNvPr id="2" name="Заголовок 1"/>
+          <p:cNvPr id="2" name="Заголовок 1">
+            <a:extLst>
+              <a:ext uri="{FF2B5EF4-FFF2-40B4-BE49-F238E27FC236}">
+                <a16:creationId xmlns:a16="http://schemas.microsoft.com/office/drawing/2014/main" id="{89A29B0A-F86C-454A-8BC2-AE1D8602B411}"/>
+              </a:ext>
+            </a:extLst>
+          </p:cNvPr>
           <p:cNvSpPr>
             <a:spLocks noGrp="1"/>
           </p:cNvSpPr>
@@ -5533,29 +5669,67 @@
             <p:ph type="title"/>
           </p:nvPr>
         </p:nvSpPr>
-        <p:spPr>
-          <a:xfrm>
-            <a:off x="854978" y="0"/>
-            <a:ext cx="10515600" cy="1325563"/>
-          </a:xfrm>
-        </p:spPr>
+        <p:spPr/>
         <p:txBody>
           <a:bodyPr/>
           <a:lstStyle/>
           <a:p>
             <a:r>
               <a:rPr lang="ru-RU" dirty="0"/>
-              <a:t>Иерархия управления в компании</a:t>
+              <a:t>Проектирование</a:t>
             </a:r>
           </a:p>
         </p:txBody>
       </p:sp>
       <p:pic>
         <p:nvPicPr>
-          <p:cNvPr id="7" name="Рисунок 6">
+          <p:cNvPr id="4" name="Объект 3">
             <a:extLst>
               <a:ext uri="{FF2B5EF4-FFF2-40B4-BE49-F238E27FC236}">
-                <a16:creationId xmlns:a16="http://schemas.microsoft.com/office/drawing/2014/main" id="{D9B6CF8D-7089-4700-85A1-188A022697BB}"/>
+                <a16:creationId xmlns:a16="http://schemas.microsoft.com/office/drawing/2014/main" id="{4DF63580-322B-4A18-991B-314DF5034C92}"/>
+              </a:ext>
+            </a:extLst>
+          </p:cNvPr>
+          <p:cNvPicPr>
+            <a:picLocks noGrp="1"/>
+          </p:cNvPicPr>
+          <p:nvPr>
+            <p:ph idx="1"/>
+          </p:nvPr>
+        </p:nvPicPr>
+        <p:blipFill>
+          <a:blip r:embed="rId2">
+            <a:extLst>
+              <a:ext uri="{28A0092B-C50C-407E-A947-70E740481C1C}">
+                <a14:useLocalDpi xmlns:a14="http://schemas.microsoft.com/office/drawing/2010/main" val="0"/>
+              </a:ext>
+            </a:extLst>
+          </a:blip>
+          <a:srcRect t="2176" b="14671"/>
+          <a:stretch>
+            <a:fillRect/>
+          </a:stretch>
+        </p:blipFill>
+        <p:spPr bwMode="auto">
+          <a:xfrm>
+            <a:off x="318053" y="1371158"/>
+            <a:ext cx="5777947" cy="2448368"/>
+          </a:xfrm>
+          <a:prstGeom prst="rect">
+            <a:avLst/>
+          </a:prstGeom>
+          <a:noFill/>
+          <a:ln>
+            <a:noFill/>
+          </a:ln>
+        </p:spPr>
+      </p:pic>
+      <p:pic>
+        <p:nvPicPr>
+          <p:cNvPr id="5" name="Рисунок 4">
+            <a:extLst>
+              <a:ext uri="{FF2B5EF4-FFF2-40B4-BE49-F238E27FC236}">
+                <a16:creationId xmlns:a16="http://schemas.microsoft.com/office/drawing/2014/main" id="{E8A08DBF-F8BF-46FC-B2ED-FABC268F87D8}"/>
               </a:ext>
             </a:extLst>
           </p:cNvPr>
@@ -5563,7 +5737,7 @@
           <p:nvPr/>
         </p:nvPicPr>
         <p:blipFill>
-          <a:blip r:embed="rId2">
+          <a:blip r:embed="rId3">
             <a:extLst>
               <a:ext uri="{28A0092B-C50C-407E-A947-70E740481C1C}">
                 <a14:useLocalDpi xmlns:a14="http://schemas.microsoft.com/office/drawing/2010/main" val="0"/>
@@ -5577,8 +5751,8 @@
         </p:blipFill>
         <p:spPr bwMode="auto">
           <a:xfrm>
-            <a:off x="821422" y="1325563"/>
-            <a:ext cx="10880247" cy="4572000"/>
+            <a:off x="6096000" y="1371157"/>
+            <a:ext cx="5777947" cy="2448369"/>
           </a:xfrm>
           <a:prstGeom prst="rect">
             <a:avLst/>
@@ -5589,10 +5763,49 @@
           </a:ln>
         </p:spPr>
       </p:pic>
+      <p:pic>
+        <p:nvPicPr>
+          <p:cNvPr id="6" name="Рисунок 5">
+            <a:extLst>
+              <a:ext uri="{FF2B5EF4-FFF2-40B4-BE49-F238E27FC236}">
+                <a16:creationId xmlns:a16="http://schemas.microsoft.com/office/drawing/2014/main" id="{8B980239-D895-4CBE-925A-E359A76F458A}"/>
+              </a:ext>
+            </a:extLst>
+          </p:cNvPr>
+          <p:cNvPicPr/>
+          <p:nvPr/>
+        </p:nvPicPr>
+        <p:blipFill>
+          <a:blip r:embed="rId4">
+            <a:extLst>
+              <a:ext uri="{28A0092B-C50C-407E-A947-70E740481C1C}">
+                <a14:useLocalDpi xmlns:a14="http://schemas.microsoft.com/office/drawing/2010/main" val="0"/>
+              </a:ext>
+            </a:extLst>
+          </a:blip>
+          <a:srcRect/>
+          <a:stretch>
+            <a:fillRect/>
+          </a:stretch>
+        </p:blipFill>
+        <p:spPr bwMode="auto">
+          <a:xfrm>
+            <a:off x="3490912" y="3819525"/>
+            <a:ext cx="5210175" cy="3038475"/>
+          </a:xfrm>
+          <a:prstGeom prst="rect">
+            <a:avLst/>
+          </a:prstGeom>
+          <a:noFill/>
+          <a:ln>
+            <a:noFill/>
+          </a:ln>
+        </p:spPr>
+      </p:pic>
     </p:spTree>
     <p:extLst>
       <p:ext uri="{BB962C8B-B14F-4D97-AF65-F5344CB8AC3E}">
-        <p14:creationId xmlns:p14="http://schemas.microsoft.com/office/powerpoint/2010/main" val="925016929"/>
+        <p14:creationId xmlns:p14="http://schemas.microsoft.com/office/powerpoint/2010/main" val="821884369"/>
       </p:ext>
     </p:extLst>
   </p:cSld>
@@ -5631,29 +5844,27 @@
         </p:nvSpPr>
         <p:spPr>
           <a:xfrm>
-            <a:off x="838200" y="365125"/>
-            <a:ext cx="10515600" cy="2460453"/>
-          </a:xfrm>
-        </p:spPr>
-        <p:txBody>
-          <a:bodyPr>
-            <a:normAutofit/>
-          </a:bodyPr>
+            <a:off x="854978" y="0"/>
+            <a:ext cx="10515600" cy="1325563"/>
+          </a:xfrm>
+        </p:spPr>
+        <p:txBody>
+          <a:bodyPr/>
           <a:lstStyle/>
           <a:p>
             <a:r>
               <a:rPr lang="ru-RU" dirty="0"/>
-              <a:t>Схема БД</a:t>
+              <a:t>Иерархия управления в компании</a:t>
             </a:r>
           </a:p>
         </p:txBody>
       </p:sp>
       <p:pic>
         <p:nvPicPr>
-          <p:cNvPr id="4" name="Рисунок 3">
+          <p:cNvPr id="7" name="Рисунок 6">
             <a:extLst>
               <a:ext uri="{FF2B5EF4-FFF2-40B4-BE49-F238E27FC236}">
-                <a16:creationId xmlns:a16="http://schemas.microsoft.com/office/drawing/2014/main" id="{528EA8AD-0C48-4EA6-8AB5-FC90376E72B2}"/>
+                <a16:creationId xmlns:a16="http://schemas.microsoft.com/office/drawing/2014/main" id="{D9B6CF8D-7089-4700-85A1-188A022697BB}"/>
               </a:ext>
             </a:extLst>
           </p:cNvPr>
@@ -5675,8 +5886,8 @@
         </p:blipFill>
         <p:spPr bwMode="auto">
           <a:xfrm>
-            <a:off x="3557586" y="702365"/>
-            <a:ext cx="7971805" cy="5790510"/>
+            <a:off x="821422" y="1325563"/>
+            <a:ext cx="10880247" cy="4572000"/>
           </a:xfrm>
           <a:prstGeom prst="rect">
             <a:avLst/>
@@ -5690,7 +5901,7 @@
     </p:spTree>
     <p:extLst>
       <p:ext uri="{BB962C8B-B14F-4D97-AF65-F5344CB8AC3E}">
-        <p14:creationId xmlns:p14="http://schemas.microsoft.com/office/powerpoint/2010/main" val="2541741414"/>
+        <p14:creationId xmlns:p14="http://schemas.microsoft.com/office/powerpoint/2010/main" val="925016929"/>
       </p:ext>
     </p:extLst>
   </p:cSld>
@@ -5719,13 +5930,7 @@
       </p:grpSpPr>
       <p:sp>
         <p:nvSpPr>
-          <p:cNvPr id="2" name="Заголовок 1">
-            <a:extLst>
-              <a:ext uri="{FF2B5EF4-FFF2-40B4-BE49-F238E27FC236}">
-                <a16:creationId xmlns:a16="http://schemas.microsoft.com/office/drawing/2014/main" id="{08B108EA-04A0-4603-9247-66BCF54ECA07}"/>
-              </a:ext>
-            </a:extLst>
-          </p:cNvPr>
+          <p:cNvPr id="2" name="Заголовок 1"/>
           <p:cNvSpPr>
             <a:spLocks noGrp="1"/>
           </p:cNvSpPr>
@@ -5733,33 +5938,36 @@
             <p:ph type="title"/>
           </p:nvPr>
         </p:nvSpPr>
-        <p:spPr/>
-        <p:txBody>
-          <a:bodyPr/>
+        <p:spPr>
+          <a:xfrm>
+            <a:off x="838200" y="365125"/>
+            <a:ext cx="10515600" cy="2460453"/>
+          </a:xfrm>
+        </p:spPr>
+        <p:txBody>
+          <a:bodyPr>
+            <a:normAutofit/>
+          </a:bodyPr>
           <a:lstStyle/>
           <a:p>
             <a:r>
               <a:rPr lang="ru-RU" dirty="0"/>
-              <a:t>Структура проекта</a:t>
+              <a:t>Схема БД</a:t>
             </a:r>
           </a:p>
         </p:txBody>
       </p:sp>
       <p:pic>
         <p:nvPicPr>
-          <p:cNvPr id="4" name="Объект 3">
+          <p:cNvPr id="4" name="Рисунок 3">
             <a:extLst>
               <a:ext uri="{FF2B5EF4-FFF2-40B4-BE49-F238E27FC236}">
-                <a16:creationId xmlns:a16="http://schemas.microsoft.com/office/drawing/2014/main" id="{8267393E-B254-4396-A4ED-08F94267B2C2}"/>
+                <a16:creationId xmlns:a16="http://schemas.microsoft.com/office/drawing/2014/main" id="{528EA8AD-0C48-4EA6-8AB5-FC90376E72B2}"/>
               </a:ext>
             </a:extLst>
           </p:cNvPr>
-          <p:cNvPicPr>
-            <a:picLocks noGrp="1"/>
-          </p:cNvPicPr>
-          <p:nvPr>
-            <p:ph idx="1"/>
-          </p:nvPr>
+          <p:cNvPicPr/>
+          <p:nvPr/>
         </p:nvPicPr>
         <p:blipFill>
           <a:blip r:embed="rId2">
@@ -5776,8 +5984,8 @@
         </p:blipFill>
         <p:spPr bwMode="auto">
           <a:xfrm>
-            <a:off x="118993" y="1690688"/>
-            <a:ext cx="2186885" cy="4351338"/>
+            <a:off x="3557586" y="702365"/>
+            <a:ext cx="7971805" cy="5790510"/>
           </a:xfrm>
           <a:prstGeom prst="rect">
             <a:avLst/>
@@ -5788,166 +5996,10 @@
           </a:ln>
         </p:spPr>
       </p:pic>
-      <p:pic>
-        <p:nvPicPr>
-          <p:cNvPr id="5" name="Рисунок 4">
-            <a:extLst>
-              <a:ext uri="{FF2B5EF4-FFF2-40B4-BE49-F238E27FC236}">
-                <a16:creationId xmlns:a16="http://schemas.microsoft.com/office/drawing/2014/main" id="{B412DF5E-185A-4A2D-85B1-FDC6D5A058E0}"/>
-              </a:ext>
-            </a:extLst>
-          </p:cNvPr>
-          <p:cNvPicPr/>
-          <p:nvPr/>
-        </p:nvPicPr>
-        <p:blipFill>
-          <a:blip r:embed="rId3">
-            <a:extLst>
-              <a:ext uri="{28A0092B-C50C-407E-A947-70E740481C1C}">
-                <a14:useLocalDpi xmlns:a14="http://schemas.microsoft.com/office/drawing/2010/main" val="0"/>
-              </a:ext>
-            </a:extLst>
-          </a:blip>
-          <a:srcRect/>
-          <a:stretch>
-            <a:fillRect/>
-          </a:stretch>
-        </p:blipFill>
-        <p:spPr bwMode="auto">
-          <a:xfrm>
-            <a:off x="2408306" y="1690688"/>
-            <a:ext cx="2365789" cy="4351338"/>
-          </a:xfrm>
-          <a:prstGeom prst="rect">
-            <a:avLst/>
-          </a:prstGeom>
-          <a:noFill/>
-          <a:ln>
-            <a:noFill/>
-          </a:ln>
-        </p:spPr>
-      </p:pic>
-      <p:pic>
-        <p:nvPicPr>
-          <p:cNvPr id="6" name="Рисунок 5">
-            <a:extLst>
-              <a:ext uri="{FF2B5EF4-FFF2-40B4-BE49-F238E27FC236}">
-                <a16:creationId xmlns:a16="http://schemas.microsoft.com/office/drawing/2014/main" id="{FD2FB9FD-CBBF-41C9-8DD8-D4DD9022F07B}"/>
-              </a:ext>
-            </a:extLst>
-          </p:cNvPr>
-          <p:cNvPicPr/>
-          <p:nvPr/>
-        </p:nvPicPr>
-        <p:blipFill>
-          <a:blip r:embed="rId4">
-            <a:extLst>
-              <a:ext uri="{28A0092B-C50C-407E-A947-70E740481C1C}">
-                <a14:useLocalDpi xmlns:a14="http://schemas.microsoft.com/office/drawing/2010/main" val="0"/>
-              </a:ext>
-            </a:extLst>
-          </a:blip>
-          <a:srcRect/>
-          <a:stretch>
-            <a:fillRect/>
-          </a:stretch>
-        </p:blipFill>
-        <p:spPr bwMode="auto">
-          <a:xfrm>
-            <a:off x="4876524" y="1690688"/>
-            <a:ext cx="2309744" cy="4351338"/>
-          </a:xfrm>
-          <a:prstGeom prst="rect">
-            <a:avLst/>
-          </a:prstGeom>
-          <a:noFill/>
-          <a:ln>
-            <a:noFill/>
-          </a:ln>
-        </p:spPr>
-      </p:pic>
-      <p:pic>
-        <p:nvPicPr>
-          <p:cNvPr id="7" name="Рисунок 6">
-            <a:extLst>
-              <a:ext uri="{FF2B5EF4-FFF2-40B4-BE49-F238E27FC236}">
-                <a16:creationId xmlns:a16="http://schemas.microsoft.com/office/drawing/2014/main" id="{69358DA8-47D0-453E-B6B9-18050B4BBF82}"/>
-              </a:ext>
-            </a:extLst>
-          </p:cNvPr>
-          <p:cNvPicPr/>
-          <p:nvPr/>
-        </p:nvPicPr>
-        <p:blipFill>
-          <a:blip r:embed="rId5">
-            <a:extLst>
-              <a:ext uri="{28A0092B-C50C-407E-A947-70E740481C1C}">
-                <a14:useLocalDpi xmlns:a14="http://schemas.microsoft.com/office/drawing/2010/main" val="0"/>
-              </a:ext>
-            </a:extLst>
-          </a:blip>
-          <a:srcRect/>
-          <a:stretch>
-            <a:fillRect/>
-          </a:stretch>
-        </p:blipFill>
-        <p:spPr bwMode="auto">
-          <a:xfrm>
-            <a:off x="7288696" y="1690688"/>
-            <a:ext cx="2309743" cy="4351338"/>
-          </a:xfrm>
-          <a:prstGeom prst="rect">
-            <a:avLst/>
-          </a:prstGeom>
-          <a:noFill/>
-          <a:ln>
-            <a:noFill/>
-          </a:ln>
-        </p:spPr>
-      </p:pic>
-      <p:pic>
-        <p:nvPicPr>
-          <p:cNvPr id="8" name="Рисунок 7">
-            <a:extLst>
-              <a:ext uri="{FF2B5EF4-FFF2-40B4-BE49-F238E27FC236}">
-                <a16:creationId xmlns:a16="http://schemas.microsoft.com/office/drawing/2014/main" id="{6E6E05C0-574C-41E7-8A3E-785CA3F94F74}"/>
-              </a:ext>
-            </a:extLst>
-          </p:cNvPr>
-          <p:cNvPicPr/>
-          <p:nvPr/>
-        </p:nvPicPr>
-        <p:blipFill>
-          <a:blip r:embed="rId6">
-            <a:extLst>
-              <a:ext uri="{28A0092B-C50C-407E-A947-70E740481C1C}">
-                <a14:useLocalDpi xmlns:a14="http://schemas.microsoft.com/office/drawing/2010/main" val="0"/>
-              </a:ext>
-            </a:extLst>
-          </a:blip>
-          <a:srcRect/>
-          <a:stretch>
-            <a:fillRect/>
-          </a:stretch>
-        </p:blipFill>
-        <p:spPr bwMode="auto">
-          <a:xfrm>
-            <a:off x="9700867" y="3935896"/>
-            <a:ext cx="2411620" cy="2106130"/>
-          </a:xfrm>
-          <a:prstGeom prst="rect">
-            <a:avLst/>
-          </a:prstGeom>
-          <a:noFill/>
-          <a:ln>
-            <a:noFill/>
-          </a:ln>
-        </p:spPr>
-      </p:pic>
     </p:spTree>
     <p:extLst>
       <p:ext uri="{BB962C8B-B14F-4D97-AF65-F5344CB8AC3E}">
-        <p14:creationId xmlns:p14="http://schemas.microsoft.com/office/powerpoint/2010/main" val="3359726494"/>
+        <p14:creationId xmlns:p14="http://schemas.microsoft.com/office/powerpoint/2010/main" val="2541741414"/>
       </p:ext>
     </p:extLst>
   </p:cSld>
@@ -5979,7 +6031,7 @@
           <p:cNvPr id="2" name="Заголовок 1">
             <a:extLst>
               <a:ext uri="{FF2B5EF4-FFF2-40B4-BE49-F238E27FC236}">
-                <a16:creationId xmlns:a16="http://schemas.microsoft.com/office/drawing/2014/main" id="{0840D5A9-41ED-4B59-9EA5-F1CD10406071}"/>
+                <a16:creationId xmlns:a16="http://schemas.microsoft.com/office/drawing/2014/main" id="{08B108EA-04A0-4603-9247-66BCF54ECA07}"/>
               </a:ext>
             </a:extLst>
           </p:cNvPr>
@@ -5997,17 +6049,17 @@
           <a:p>
             <a:r>
               <a:rPr lang="ru-RU" dirty="0"/>
-              <a:t>Апробация: Вход</a:t>
+              <a:t>Структура проекта</a:t>
             </a:r>
           </a:p>
         </p:txBody>
       </p:sp>
       <p:pic>
         <p:nvPicPr>
-          <p:cNvPr id="5" name="Объект 4">
+          <p:cNvPr id="4" name="Объект 3">
             <a:extLst>
               <a:ext uri="{FF2B5EF4-FFF2-40B4-BE49-F238E27FC236}">
-                <a16:creationId xmlns:a16="http://schemas.microsoft.com/office/drawing/2014/main" id="{21A4DEFD-FD93-45D9-AD38-CD441591A2D1}"/>
+                <a16:creationId xmlns:a16="http://schemas.microsoft.com/office/drawing/2014/main" id="{8267393E-B254-4396-A4ED-08F94267B2C2}"/>
               </a:ext>
             </a:extLst>
           </p:cNvPr>
@@ -6033,8 +6085,8 @@
         </p:blipFill>
         <p:spPr bwMode="auto">
           <a:xfrm>
-            <a:off x="4710285" y="1690688"/>
-            <a:ext cx="2771429" cy="1123810"/>
+            <a:off x="118993" y="1690688"/>
+            <a:ext cx="2186885" cy="4351338"/>
           </a:xfrm>
           <a:prstGeom prst="rect">
             <a:avLst/>
@@ -6047,10 +6099,10 @@
       </p:pic>
       <p:pic>
         <p:nvPicPr>
-          <p:cNvPr id="6" name="Рисунок 5">
+          <p:cNvPr id="5" name="Рисунок 4">
             <a:extLst>
               <a:ext uri="{FF2B5EF4-FFF2-40B4-BE49-F238E27FC236}">
-                <a16:creationId xmlns:a16="http://schemas.microsoft.com/office/drawing/2014/main" id="{16EFEB54-E7BD-4317-9F85-03A9A63734B6}"/>
+                <a16:creationId xmlns:a16="http://schemas.microsoft.com/office/drawing/2014/main" id="{B412DF5E-185A-4A2D-85B1-FDC6D5A058E0}"/>
               </a:ext>
             </a:extLst>
           </p:cNvPr>
@@ -6072,8 +6124,8 @@
         </p:blipFill>
         <p:spPr bwMode="auto">
           <a:xfrm>
-            <a:off x="2216632" y="3089827"/>
-            <a:ext cx="2219325" cy="1314450"/>
+            <a:off x="2408306" y="1690688"/>
+            <a:ext cx="2365789" cy="4351338"/>
           </a:xfrm>
           <a:prstGeom prst="rect">
             <a:avLst/>
@@ -6086,10 +6138,10 @@
       </p:pic>
       <p:pic>
         <p:nvPicPr>
-          <p:cNvPr id="7" name="Рисунок 6">
+          <p:cNvPr id="6" name="Рисунок 5">
             <a:extLst>
               <a:ext uri="{FF2B5EF4-FFF2-40B4-BE49-F238E27FC236}">
-                <a16:creationId xmlns:a16="http://schemas.microsoft.com/office/drawing/2014/main" id="{5C87A80B-C74B-4943-8E28-22A772E0663B}"/>
+                <a16:creationId xmlns:a16="http://schemas.microsoft.com/office/drawing/2014/main" id="{FD2FB9FD-CBBF-41C9-8DD8-D4DD9022F07B}"/>
               </a:ext>
             </a:extLst>
           </p:cNvPr>
@@ -6111,8 +6163,8 @@
         </p:blipFill>
         <p:spPr bwMode="auto">
           <a:xfrm>
-            <a:off x="2216632" y="4815923"/>
-            <a:ext cx="3314700" cy="1466850"/>
+            <a:off x="4876524" y="1690688"/>
+            <a:ext cx="2309744" cy="4351338"/>
           </a:xfrm>
           <a:prstGeom prst="rect">
             <a:avLst/>
@@ -6125,10 +6177,10 @@
       </p:pic>
       <p:pic>
         <p:nvPicPr>
-          <p:cNvPr id="8" name="Рисунок 7">
+          <p:cNvPr id="7" name="Рисунок 6">
             <a:extLst>
               <a:ext uri="{FF2B5EF4-FFF2-40B4-BE49-F238E27FC236}">
-                <a16:creationId xmlns:a16="http://schemas.microsoft.com/office/drawing/2014/main" id="{DB5265D5-4010-4789-9AB0-9F13F6677737}"/>
+                <a16:creationId xmlns:a16="http://schemas.microsoft.com/office/drawing/2014/main" id="{69358DA8-47D0-453E-B6B9-18050B4BBF82}"/>
               </a:ext>
             </a:extLst>
           </p:cNvPr>
@@ -6150,8 +6202,8 @@
         </p:blipFill>
         <p:spPr bwMode="auto">
           <a:xfrm>
-            <a:off x="7756045" y="3089827"/>
-            <a:ext cx="2063816" cy="1314450"/>
+            <a:off x="7288696" y="1690688"/>
+            <a:ext cx="2309743" cy="4351338"/>
           </a:xfrm>
           <a:prstGeom prst="rect">
             <a:avLst/>
@@ -6164,10 +6216,10 @@
       </p:pic>
       <p:pic>
         <p:nvPicPr>
-          <p:cNvPr id="9" name="Рисунок 8">
+          <p:cNvPr id="8" name="Рисунок 7">
             <a:extLst>
               <a:ext uri="{FF2B5EF4-FFF2-40B4-BE49-F238E27FC236}">
-                <a16:creationId xmlns:a16="http://schemas.microsoft.com/office/drawing/2014/main" id="{0CCFAF65-8E3E-4B3D-9049-49EBAD69911B}"/>
+                <a16:creationId xmlns:a16="http://schemas.microsoft.com/office/drawing/2014/main" id="{6E6E05C0-574C-41E7-8A3E-785CA3F94F74}"/>
               </a:ext>
             </a:extLst>
           </p:cNvPr>
@@ -6189,8 +6241,8 @@
         </p:blipFill>
         <p:spPr bwMode="auto">
           <a:xfrm>
-            <a:off x="7756045" y="4815923"/>
-            <a:ext cx="2828925" cy="1457325"/>
+            <a:off x="9700867" y="3935896"/>
+            <a:ext cx="2411620" cy="2106130"/>
           </a:xfrm>
           <a:prstGeom prst="rect">
             <a:avLst/>
@@ -6201,172 +6253,10 @@
           </a:ln>
         </p:spPr>
       </p:pic>
-      <p:cxnSp>
-        <p:nvCxnSpPr>
-          <p:cNvPr id="11" name="Прямая со стрелкой 10">
-            <a:extLst>
-              <a:ext uri="{FF2B5EF4-FFF2-40B4-BE49-F238E27FC236}">
-                <a16:creationId xmlns:a16="http://schemas.microsoft.com/office/drawing/2014/main" id="{0DB74D9D-3FDD-43DC-908D-14BCF9545151}"/>
-              </a:ext>
-            </a:extLst>
-          </p:cNvPr>
-          <p:cNvCxnSpPr/>
-          <p:nvPr/>
-        </p:nvCxnSpPr>
-        <p:spPr>
-          <a:xfrm flipH="1">
-            <a:off x="4435957" y="2814498"/>
-            <a:ext cx="274328" cy="275329"/>
-          </a:xfrm>
-          <a:prstGeom prst="straightConnector1">
-            <a:avLst/>
-          </a:prstGeom>
-          <a:ln>
-            <a:tailEnd type="triangle"/>
-          </a:ln>
-        </p:spPr>
-        <p:style>
-          <a:lnRef idx="1">
-            <a:schemeClr val="accent1"/>
-          </a:lnRef>
-          <a:fillRef idx="0">
-            <a:schemeClr val="accent1"/>
-          </a:fillRef>
-          <a:effectRef idx="0">
-            <a:schemeClr val="accent1"/>
-          </a:effectRef>
-          <a:fontRef idx="minor">
-            <a:schemeClr val="tx1"/>
-          </a:fontRef>
-        </p:style>
-      </p:cxnSp>
-      <p:cxnSp>
-        <p:nvCxnSpPr>
-          <p:cNvPr id="12" name="Прямая со стрелкой 11">
-            <a:extLst>
-              <a:ext uri="{FF2B5EF4-FFF2-40B4-BE49-F238E27FC236}">
-                <a16:creationId xmlns:a16="http://schemas.microsoft.com/office/drawing/2014/main" id="{A204C5DD-6CBD-42A3-BCC3-AC562B302B26}"/>
-              </a:ext>
-            </a:extLst>
-          </p:cNvPr>
-          <p:cNvCxnSpPr>
-            <a:cxnSpLocks/>
-          </p:cNvCxnSpPr>
-          <p:nvPr/>
-        </p:nvCxnSpPr>
-        <p:spPr>
-          <a:xfrm rot="16200000" flipH="1">
-            <a:off x="7507543" y="2814999"/>
-            <a:ext cx="274328" cy="275329"/>
-          </a:xfrm>
-          <a:prstGeom prst="straightConnector1">
-            <a:avLst/>
-          </a:prstGeom>
-          <a:ln>
-            <a:tailEnd type="triangle"/>
-          </a:ln>
-        </p:spPr>
-        <p:style>
-          <a:lnRef idx="1">
-            <a:schemeClr val="accent1"/>
-          </a:lnRef>
-          <a:fillRef idx="0">
-            <a:schemeClr val="accent1"/>
-          </a:fillRef>
-          <a:effectRef idx="0">
-            <a:schemeClr val="accent1"/>
-          </a:effectRef>
-          <a:fontRef idx="minor">
-            <a:schemeClr val="tx1"/>
-          </a:fontRef>
-        </p:style>
-      </p:cxnSp>
-      <p:cxnSp>
-        <p:nvCxnSpPr>
-          <p:cNvPr id="14" name="Прямая со стрелкой 13">
-            <a:extLst>
-              <a:ext uri="{FF2B5EF4-FFF2-40B4-BE49-F238E27FC236}">
-                <a16:creationId xmlns:a16="http://schemas.microsoft.com/office/drawing/2014/main" id="{A1CE936A-B9EE-4B1A-B7DB-96544CC11CB5}"/>
-              </a:ext>
-            </a:extLst>
-          </p:cNvPr>
-          <p:cNvCxnSpPr>
-            <a:stCxn id="6" idx="2"/>
-          </p:cNvCxnSpPr>
-          <p:nvPr/>
-        </p:nvCxnSpPr>
-        <p:spPr>
-          <a:xfrm flipH="1">
-            <a:off x="3326294" y="4404277"/>
-            <a:ext cx="1" cy="411646"/>
-          </a:xfrm>
-          <a:prstGeom prst="straightConnector1">
-            <a:avLst/>
-          </a:prstGeom>
-          <a:ln>
-            <a:tailEnd type="triangle"/>
-          </a:ln>
-        </p:spPr>
-        <p:style>
-          <a:lnRef idx="1">
-            <a:schemeClr val="accent1"/>
-          </a:lnRef>
-          <a:fillRef idx="0">
-            <a:schemeClr val="accent1"/>
-          </a:fillRef>
-          <a:effectRef idx="0">
-            <a:schemeClr val="accent1"/>
-          </a:effectRef>
-          <a:fontRef idx="minor">
-            <a:schemeClr val="tx1"/>
-          </a:fontRef>
-        </p:style>
-      </p:cxnSp>
-      <p:cxnSp>
-        <p:nvCxnSpPr>
-          <p:cNvPr id="16" name="Прямая со стрелкой 15">
-            <a:extLst>
-              <a:ext uri="{FF2B5EF4-FFF2-40B4-BE49-F238E27FC236}">
-                <a16:creationId xmlns:a16="http://schemas.microsoft.com/office/drawing/2014/main" id="{6ED569F2-510E-4DC0-8F1D-B6F2C305E858}"/>
-              </a:ext>
-            </a:extLst>
-          </p:cNvPr>
-          <p:cNvCxnSpPr>
-            <a:stCxn id="8" idx="2"/>
-          </p:cNvCxnSpPr>
-          <p:nvPr/>
-        </p:nvCxnSpPr>
-        <p:spPr>
-          <a:xfrm>
-            <a:off x="8787953" y="4404277"/>
-            <a:ext cx="0" cy="411646"/>
-          </a:xfrm>
-          <a:prstGeom prst="straightConnector1">
-            <a:avLst/>
-          </a:prstGeom>
-          <a:ln>
-            <a:tailEnd type="triangle"/>
-          </a:ln>
-        </p:spPr>
-        <p:style>
-          <a:lnRef idx="1">
-            <a:schemeClr val="accent1"/>
-          </a:lnRef>
-          <a:fillRef idx="0">
-            <a:schemeClr val="accent1"/>
-          </a:fillRef>
-          <a:effectRef idx="0">
-            <a:schemeClr val="accent1"/>
-          </a:effectRef>
-          <a:fontRef idx="minor">
-            <a:schemeClr val="tx1"/>
-          </a:fontRef>
-        </p:style>
-      </p:cxnSp>
     </p:spTree>
     <p:extLst>
       <p:ext uri="{BB962C8B-B14F-4D97-AF65-F5344CB8AC3E}">
-        <p14:creationId xmlns:p14="http://schemas.microsoft.com/office/powerpoint/2010/main" val="2749775643"/>
+        <p14:creationId xmlns:p14="http://schemas.microsoft.com/office/powerpoint/2010/main" val="3359726494"/>
       </p:ext>
     </p:extLst>
   </p:cSld>
@@ -6395,7 +6285,13 @@
       </p:grpSpPr>
       <p:sp>
         <p:nvSpPr>
-          <p:cNvPr id="2" name="Заголовок 1"/>
+          <p:cNvPr id="2" name="Заголовок 1">
+            <a:extLst>
+              <a:ext uri="{FF2B5EF4-FFF2-40B4-BE49-F238E27FC236}">
+                <a16:creationId xmlns:a16="http://schemas.microsoft.com/office/drawing/2014/main" id="{0840D5A9-41ED-4B59-9EA5-F1CD10406071}"/>
+              </a:ext>
+            </a:extLst>
+          </p:cNvPr>
           <p:cNvSpPr>
             <a:spLocks noGrp="1"/>
           </p:cNvSpPr>
@@ -6403,34 +6299,33 @@
             <p:ph type="title"/>
           </p:nvPr>
         </p:nvSpPr>
-        <p:spPr>
-          <a:xfrm>
-            <a:off x="838200" y="0"/>
-            <a:ext cx="10515600" cy="1325563"/>
-          </a:xfrm>
-        </p:spPr>
+        <p:spPr/>
         <p:txBody>
           <a:bodyPr/>
           <a:lstStyle/>
           <a:p>
             <a:r>
               <a:rPr lang="ru-RU" dirty="0"/>
-              <a:t>Апробация: Менеджер</a:t>
+              <a:t>Апробация: Вход</a:t>
             </a:r>
           </a:p>
         </p:txBody>
       </p:sp>
       <p:pic>
         <p:nvPicPr>
-          <p:cNvPr id="7" name="Рисунок 6">
+          <p:cNvPr id="5" name="Объект 4">
             <a:extLst>
               <a:ext uri="{FF2B5EF4-FFF2-40B4-BE49-F238E27FC236}">
-                <a16:creationId xmlns:a16="http://schemas.microsoft.com/office/drawing/2014/main" id="{F54C3B83-653A-40A4-8511-8F88E9455392}"/>
+                <a16:creationId xmlns:a16="http://schemas.microsoft.com/office/drawing/2014/main" id="{21A4DEFD-FD93-45D9-AD38-CD441591A2D1}"/>
               </a:ext>
             </a:extLst>
           </p:cNvPr>
-          <p:cNvPicPr/>
-          <p:nvPr/>
+          <p:cNvPicPr>
+            <a:picLocks noGrp="1"/>
+          </p:cNvPicPr>
+          <p:nvPr>
+            <p:ph idx="1"/>
+          </p:nvPr>
         </p:nvPicPr>
         <p:blipFill>
           <a:blip r:embed="rId2">
@@ -6447,8 +6342,8 @@
         </p:blipFill>
         <p:spPr bwMode="auto">
           <a:xfrm>
-            <a:off x="838200" y="3959707"/>
-            <a:ext cx="10515600" cy="2103437"/>
+            <a:off x="4710285" y="1690688"/>
+            <a:ext cx="2771429" cy="1123810"/>
           </a:xfrm>
           <a:prstGeom prst="rect">
             <a:avLst/>
@@ -6461,38 +6356,326 @@
       </p:pic>
       <p:pic>
         <p:nvPicPr>
-          <p:cNvPr id="5" name="Рисунок 4">
+          <p:cNvPr id="6" name="Рисунок 5">
             <a:extLst>
               <a:ext uri="{FF2B5EF4-FFF2-40B4-BE49-F238E27FC236}">
-                <a16:creationId xmlns:a16="http://schemas.microsoft.com/office/drawing/2014/main" id="{941B767B-4462-4105-9BB8-37C8A1086E7C}"/>
+                <a16:creationId xmlns:a16="http://schemas.microsoft.com/office/drawing/2014/main" id="{16EFEB54-E7BD-4317-9F85-03A9A63734B6}"/>
               </a:ext>
             </a:extLst>
           </p:cNvPr>
-          <p:cNvPicPr>
-            <a:picLocks noChangeAspect="1"/>
-          </p:cNvPicPr>
+          <p:cNvPicPr/>
           <p:nvPr/>
         </p:nvPicPr>
         <p:blipFill>
-          <a:blip r:embed="rId3"/>
+          <a:blip r:embed="rId3">
+            <a:extLst>
+              <a:ext uri="{28A0092B-C50C-407E-A947-70E740481C1C}">
+                <a14:useLocalDpi xmlns:a14="http://schemas.microsoft.com/office/drawing/2010/main" val="0"/>
+              </a:ext>
+            </a:extLst>
+          </a:blip>
+          <a:srcRect/>
           <a:stretch>
             <a:fillRect/>
           </a:stretch>
         </p:blipFill>
-        <p:spPr>
-          <a:xfrm>
-            <a:off x="788284" y="1591503"/>
-            <a:ext cx="10565516" cy="1734793"/>
+        <p:spPr bwMode="auto">
+          <a:xfrm>
+            <a:off x="2216632" y="3089827"/>
+            <a:ext cx="2219325" cy="1314450"/>
           </a:xfrm>
           <a:prstGeom prst="rect">
             <a:avLst/>
           </a:prstGeom>
+          <a:noFill/>
+          <a:ln>
+            <a:noFill/>
+          </a:ln>
         </p:spPr>
       </p:pic>
+      <p:pic>
+        <p:nvPicPr>
+          <p:cNvPr id="7" name="Рисунок 6">
+            <a:extLst>
+              <a:ext uri="{FF2B5EF4-FFF2-40B4-BE49-F238E27FC236}">
+                <a16:creationId xmlns:a16="http://schemas.microsoft.com/office/drawing/2014/main" id="{5C87A80B-C74B-4943-8E28-22A772E0663B}"/>
+              </a:ext>
+            </a:extLst>
+          </p:cNvPr>
+          <p:cNvPicPr/>
+          <p:nvPr/>
+        </p:nvPicPr>
+        <p:blipFill>
+          <a:blip r:embed="rId4">
+            <a:extLst>
+              <a:ext uri="{28A0092B-C50C-407E-A947-70E740481C1C}">
+                <a14:useLocalDpi xmlns:a14="http://schemas.microsoft.com/office/drawing/2010/main" val="0"/>
+              </a:ext>
+            </a:extLst>
+          </a:blip>
+          <a:srcRect/>
+          <a:stretch>
+            <a:fillRect/>
+          </a:stretch>
+        </p:blipFill>
+        <p:spPr bwMode="auto">
+          <a:xfrm>
+            <a:off x="2216632" y="4815923"/>
+            <a:ext cx="3314700" cy="1466850"/>
+          </a:xfrm>
+          <a:prstGeom prst="rect">
+            <a:avLst/>
+          </a:prstGeom>
+          <a:noFill/>
+          <a:ln>
+            <a:noFill/>
+          </a:ln>
+        </p:spPr>
+      </p:pic>
+      <p:pic>
+        <p:nvPicPr>
+          <p:cNvPr id="8" name="Рисунок 7">
+            <a:extLst>
+              <a:ext uri="{FF2B5EF4-FFF2-40B4-BE49-F238E27FC236}">
+                <a16:creationId xmlns:a16="http://schemas.microsoft.com/office/drawing/2014/main" id="{DB5265D5-4010-4789-9AB0-9F13F6677737}"/>
+              </a:ext>
+            </a:extLst>
+          </p:cNvPr>
+          <p:cNvPicPr/>
+          <p:nvPr/>
+        </p:nvPicPr>
+        <p:blipFill>
+          <a:blip r:embed="rId5">
+            <a:extLst>
+              <a:ext uri="{28A0092B-C50C-407E-A947-70E740481C1C}">
+                <a14:useLocalDpi xmlns:a14="http://schemas.microsoft.com/office/drawing/2010/main" val="0"/>
+              </a:ext>
+            </a:extLst>
+          </a:blip>
+          <a:srcRect/>
+          <a:stretch>
+            <a:fillRect/>
+          </a:stretch>
+        </p:blipFill>
+        <p:spPr bwMode="auto">
+          <a:xfrm>
+            <a:off x="7756045" y="3089827"/>
+            <a:ext cx="2063816" cy="1314450"/>
+          </a:xfrm>
+          <a:prstGeom prst="rect">
+            <a:avLst/>
+          </a:prstGeom>
+          <a:noFill/>
+          <a:ln>
+            <a:noFill/>
+          </a:ln>
+        </p:spPr>
+      </p:pic>
+      <p:pic>
+        <p:nvPicPr>
+          <p:cNvPr id="9" name="Рисунок 8">
+            <a:extLst>
+              <a:ext uri="{FF2B5EF4-FFF2-40B4-BE49-F238E27FC236}">
+                <a16:creationId xmlns:a16="http://schemas.microsoft.com/office/drawing/2014/main" id="{0CCFAF65-8E3E-4B3D-9049-49EBAD69911B}"/>
+              </a:ext>
+            </a:extLst>
+          </p:cNvPr>
+          <p:cNvPicPr/>
+          <p:nvPr/>
+        </p:nvPicPr>
+        <p:blipFill>
+          <a:blip r:embed="rId6">
+            <a:extLst>
+              <a:ext uri="{28A0092B-C50C-407E-A947-70E740481C1C}">
+                <a14:useLocalDpi xmlns:a14="http://schemas.microsoft.com/office/drawing/2010/main" val="0"/>
+              </a:ext>
+            </a:extLst>
+          </a:blip>
+          <a:srcRect/>
+          <a:stretch>
+            <a:fillRect/>
+          </a:stretch>
+        </p:blipFill>
+        <p:spPr bwMode="auto">
+          <a:xfrm>
+            <a:off x="7756045" y="4815923"/>
+            <a:ext cx="2828925" cy="1457325"/>
+          </a:xfrm>
+          <a:prstGeom prst="rect">
+            <a:avLst/>
+          </a:prstGeom>
+          <a:noFill/>
+          <a:ln>
+            <a:noFill/>
+          </a:ln>
+        </p:spPr>
+      </p:pic>
+      <p:cxnSp>
+        <p:nvCxnSpPr>
+          <p:cNvPr id="11" name="Прямая со стрелкой 10">
+            <a:extLst>
+              <a:ext uri="{FF2B5EF4-FFF2-40B4-BE49-F238E27FC236}">
+                <a16:creationId xmlns:a16="http://schemas.microsoft.com/office/drawing/2014/main" id="{0DB74D9D-3FDD-43DC-908D-14BCF9545151}"/>
+              </a:ext>
+            </a:extLst>
+          </p:cNvPr>
+          <p:cNvCxnSpPr/>
+          <p:nvPr/>
+        </p:nvCxnSpPr>
+        <p:spPr>
+          <a:xfrm flipH="1">
+            <a:off x="4435957" y="2814498"/>
+            <a:ext cx="274328" cy="275329"/>
+          </a:xfrm>
+          <a:prstGeom prst="straightConnector1">
+            <a:avLst/>
+          </a:prstGeom>
+          <a:ln>
+            <a:tailEnd type="triangle"/>
+          </a:ln>
+        </p:spPr>
+        <p:style>
+          <a:lnRef idx="1">
+            <a:schemeClr val="accent1"/>
+          </a:lnRef>
+          <a:fillRef idx="0">
+            <a:schemeClr val="accent1"/>
+          </a:fillRef>
+          <a:effectRef idx="0">
+            <a:schemeClr val="accent1"/>
+          </a:effectRef>
+          <a:fontRef idx="minor">
+            <a:schemeClr val="tx1"/>
+          </a:fontRef>
+        </p:style>
+      </p:cxnSp>
+      <p:cxnSp>
+        <p:nvCxnSpPr>
+          <p:cNvPr id="12" name="Прямая со стрелкой 11">
+            <a:extLst>
+              <a:ext uri="{FF2B5EF4-FFF2-40B4-BE49-F238E27FC236}">
+                <a16:creationId xmlns:a16="http://schemas.microsoft.com/office/drawing/2014/main" id="{A204C5DD-6CBD-42A3-BCC3-AC562B302B26}"/>
+              </a:ext>
+            </a:extLst>
+          </p:cNvPr>
+          <p:cNvCxnSpPr>
+            <a:cxnSpLocks/>
+          </p:cNvCxnSpPr>
+          <p:nvPr/>
+        </p:nvCxnSpPr>
+        <p:spPr>
+          <a:xfrm rot="16200000" flipH="1">
+            <a:off x="7507543" y="2814999"/>
+            <a:ext cx="274328" cy="275329"/>
+          </a:xfrm>
+          <a:prstGeom prst="straightConnector1">
+            <a:avLst/>
+          </a:prstGeom>
+          <a:ln>
+            <a:tailEnd type="triangle"/>
+          </a:ln>
+        </p:spPr>
+        <p:style>
+          <a:lnRef idx="1">
+            <a:schemeClr val="accent1"/>
+          </a:lnRef>
+          <a:fillRef idx="0">
+            <a:schemeClr val="accent1"/>
+          </a:fillRef>
+          <a:effectRef idx="0">
+            <a:schemeClr val="accent1"/>
+          </a:effectRef>
+          <a:fontRef idx="minor">
+            <a:schemeClr val="tx1"/>
+          </a:fontRef>
+        </p:style>
+      </p:cxnSp>
+      <p:cxnSp>
+        <p:nvCxnSpPr>
+          <p:cNvPr id="14" name="Прямая со стрелкой 13">
+            <a:extLst>
+              <a:ext uri="{FF2B5EF4-FFF2-40B4-BE49-F238E27FC236}">
+                <a16:creationId xmlns:a16="http://schemas.microsoft.com/office/drawing/2014/main" id="{A1CE936A-B9EE-4B1A-B7DB-96544CC11CB5}"/>
+              </a:ext>
+            </a:extLst>
+          </p:cNvPr>
+          <p:cNvCxnSpPr>
+            <a:stCxn id="6" idx="2"/>
+          </p:cNvCxnSpPr>
+          <p:nvPr/>
+        </p:nvCxnSpPr>
+        <p:spPr>
+          <a:xfrm flipH="1">
+            <a:off x="3326294" y="4404277"/>
+            <a:ext cx="1" cy="411646"/>
+          </a:xfrm>
+          <a:prstGeom prst="straightConnector1">
+            <a:avLst/>
+          </a:prstGeom>
+          <a:ln>
+            <a:tailEnd type="triangle"/>
+          </a:ln>
+        </p:spPr>
+        <p:style>
+          <a:lnRef idx="1">
+            <a:schemeClr val="accent1"/>
+          </a:lnRef>
+          <a:fillRef idx="0">
+            <a:schemeClr val="accent1"/>
+          </a:fillRef>
+          <a:effectRef idx="0">
+            <a:schemeClr val="accent1"/>
+          </a:effectRef>
+          <a:fontRef idx="minor">
+            <a:schemeClr val="tx1"/>
+          </a:fontRef>
+        </p:style>
+      </p:cxnSp>
+      <p:cxnSp>
+        <p:nvCxnSpPr>
+          <p:cNvPr id="16" name="Прямая со стрелкой 15">
+            <a:extLst>
+              <a:ext uri="{FF2B5EF4-FFF2-40B4-BE49-F238E27FC236}">
+                <a16:creationId xmlns:a16="http://schemas.microsoft.com/office/drawing/2014/main" id="{6ED569F2-510E-4DC0-8F1D-B6F2C305E858}"/>
+              </a:ext>
+            </a:extLst>
+          </p:cNvPr>
+          <p:cNvCxnSpPr>
+            <a:stCxn id="8" idx="2"/>
+          </p:cNvCxnSpPr>
+          <p:nvPr/>
+        </p:nvCxnSpPr>
+        <p:spPr>
+          <a:xfrm>
+            <a:off x="8787953" y="4404277"/>
+            <a:ext cx="0" cy="411646"/>
+          </a:xfrm>
+          <a:prstGeom prst="straightConnector1">
+            <a:avLst/>
+          </a:prstGeom>
+          <a:ln>
+            <a:tailEnd type="triangle"/>
+          </a:ln>
+        </p:spPr>
+        <p:style>
+          <a:lnRef idx="1">
+            <a:schemeClr val="accent1"/>
+          </a:lnRef>
+          <a:fillRef idx="0">
+            <a:schemeClr val="accent1"/>
+          </a:fillRef>
+          <a:effectRef idx="0">
+            <a:schemeClr val="accent1"/>
+          </a:effectRef>
+          <a:fontRef idx="minor">
+            <a:schemeClr val="tx1"/>
+          </a:fontRef>
+        </p:style>
+      </p:cxnSp>
     </p:spTree>
     <p:extLst>
       <p:ext uri="{BB962C8B-B14F-4D97-AF65-F5344CB8AC3E}">
-        <p14:creationId xmlns:p14="http://schemas.microsoft.com/office/powerpoint/2010/main" val="3349157927"/>
+        <p14:creationId xmlns:p14="http://schemas.microsoft.com/office/powerpoint/2010/main" val="2749775643"/>
       </p:ext>
     </p:extLst>
   </p:cSld>

--- a/diplom v2.0/doc/Презентация.pptx
+++ b/diplom v2.0/doc/Презентация.pptx
@@ -7,22 +7,24 @@
   <p:sldIdLst>
     <p:sldId id="256" r:id="rId2"/>
     <p:sldId id="279" r:id="rId3"/>
-    <p:sldId id="257" r:id="rId4"/>
-    <p:sldId id="258" r:id="rId5"/>
-    <p:sldId id="278" r:id="rId6"/>
-    <p:sldId id="259" r:id="rId7"/>
-    <p:sldId id="260" r:id="rId8"/>
-    <p:sldId id="273" r:id="rId9"/>
-    <p:sldId id="276" r:id="rId10"/>
-    <p:sldId id="269" r:id="rId11"/>
-    <p:sldId id="270" r:id="rId12"/>
-    <p:sldId id="271" r:id="rId13"/>
-    <p:sldId id="274" r:id="rId14"/>
-    <p:sldId id="272" r:id="rId15"/>
-    <p:sldId id="275" r:id="rId16"/>
-    <p:sldId id="264" r:id="rId17"/>
-    <p:sldId id="277" r:id="rId18"/>
-    <p:sldId id="265" r:id="rId19"/>
+    <p:sldId id="280" r:id="rId4"/>
+    <p:sldId id="281" r:id="rId5"/>
+    <p:sldId id="257" r:id="rId6"/>
+    <p:sldId id="258" r:id="rId7"/>
+    <p:sldId id="278" r:id="rId8"/>
+    <p:sldId id="259" r:id="rId9"/>
+    <p:sldId id="260" r:id="rId10"/>
+    <p:sldId id="273" r:id="rId11"/>
+    <p:sldId id="276" r:id="rId12"/>
+    <p:sldId id="269" r:id="rId13"/>
+    <p:sldId id="270" r:id="rId14"/>
+    <p:sldId id="271" r:id="rId15"/>
+    <p:sldId id="274" r:id="rId16"/>
+    <p:sldId id="272" r:id="rId17"/>
+    <p:sldId id="275" r:id="rId18"/>
+    <p:sldId id="264" r:id="rId19"/>
+    <p:sldId id="277" r:id="rId20"/>
+    <p:sldId id="265" r:id="rId21"/>
   </p:sldIdLst>
   <p:sldSz cx="12192000" cy="6858000"/>
   <p:notesSz cx="6858000" cy="9144000"/>
@@ -3402,7 +3404,13 @@
       </p:grpSpPr>
       <p:sp>
         <p:nvSpPr>
-          <p:cNvPr id="2" name="Заголовок 1"/>
+          <p:cNvPr id="2" name="Заголовок 1">
+            <a:extLst>
+              <a:ext uri="{FF2B5EF4-FFF2-40B4-BE49-F238E27FC236}">
+                <a16:creationId xmlns:a16="http://schemas.microsoft.com/office/drawing/2014/main" id="{08B108EA-04A0-4603-9247-66BCF54ECA07}"/>
+              </a:ext>
+            </a:extLst>
+          </p:cNvPr>
           <p:cNvSpPr>
             <a:spLocks noGrp="1"/>
           </p:cNvSpPr>
@@ -3410,34 +3418,33 @@
             <p:ph type="title"/>
           </p:nvPr>
         </p:nvSpPr>
-        <p:spPr>
-          <a:xfrm>
-            <a:off x="838200" y="0"/>
-            <a:ext cx="10515600" cy="1325563"/>
-          </a:xfrm>
-        </p:spPr>
+        <p:spPr/>
         <p:txBody>
           <a:bodyPr/>
           <a:lstStyle/>
           <a:p>
             <a:r>
               <a:rPr lang="ru-RU" dirty="0"/>
-              <a:t>Апробация: Менеджер</a:t>
+              <a:t>Структура проекта</a:t>
             </a:r>
           </a:p>
         </p:txBody>
       </p:sp>
       <p:pic>
         <p:nvPicPr>
-          <p:cNvPr id="7" name="Рисунок 6">
+          <p:cNvPr id="4" name="Объект 3">
             <a:extLst>
               <a:ext uri="{FF2B5EF4-FFF2-40B4-BE49-F238E27FC236}">
-                <a16:creationId xmlns:a16="http://schemas.microsoft.com/office/drawing/2014/main" id="{F54C3B83-653A-40A4-8511-8F88E9455392}"/>
+                <a16:creationId xmlns:a16="http://schemas.microsoft.com/office/drawing/2014/main" id="{8267393E-B254-4396-A4ED-08F94267B2C2}"/>
               </a:ext>
             </a:extLst>
           </p:cNvPr>
-          <p:cNvPicPr/>
-          <p:nvPr/>
+          <p:cNvPicPr>
+            <a:picLocks noGrp="1"/>
+          </p:cNvPicPr>
+          <p:nvPr>
+            <p:ph idx="1"/>
+          </p:nvPr>
         </p:nvPicPr>
         <p:blipFill>
           <a:blip r:embed="rId2">
@@ -3454,8 +3461,8 @@
         </p:blipFill>
         <p:spPr bwMode="auto">
           <a:xfrm>
-            <a:off x="838200" y="3959707"/>
-            <a:ext cx="10515600" cy="2103437"/>
+            <a:off x="118993" y="1690688"/>
+            <a:ext cx="2186885" cy="4351338"/>
           </a:xfrm>
           <a:prstGeom prst="rect">
             <a:avLst/>
@@ -3471,35 +3478,161 @@
           <p:cNvPr id="5" name="Рисунок 4">
             <a:extLst>
               <a:ext uri="{FF2B5EF4-FFF2-40B4-BE49-F238E27FC236}">
-                <a16:creationId xmlns:a16="http://schemas.microsoft.com/office/drawing/2014/main" id="{941B767B-4462-4105-9BB8-37C8A1086E7C}"/>
+                <a16:creationId xmlns:a16="http://schemas.microsoft.com/office/drawing/2014/main" id="{B412DF5E-185A-4A2D-85B1-FDC6D5A058E0}"/>
               </a:ext>
             </a:extLst>
           </p:cNvPr>
-          <p:cNvPicPr>
-            <a:picLocks noChangeAspect="1"/>
-          </p:cNvPicPr>
+          <p:cNvPicPr/>
           <p:nvPr/>
         </p:nvPicPr>
         <p:blipFill>
-          <a:blip r:embed="rId3"/>
+          <a:blip r:embed="rId3">
+            <a:extLst>
+              <a:ext uri="{28A0092B-C50C-407E-A947-70E740481C1C}">
+                <a14:useLocalDpi xmlns:a14="http://schemas.microsoft.com/office/drawing/2010/main" val="0"/>
+              </a:ext>
+            </a:extLst>
+          </a:blip>
+          <a:srcRect/>
           <a:stretch>
             <a:fillRect/>
           </a:stretch>
         </p:blipFill>
-        <p:spPr>
-          <a:xfrm>
-            <a:off x="788284" y="1591503"/>
-            <a:ext cx="10565516" cy="1734793"/>
+        <p:spPr bwMode="auto">
+          <a:xfrm>
+            <a:off x="2408306" y="1690688"/>
+            <a:ext cx="2365789" cy="4351338"/>
           </a:xfrm>
           <a:prstGeom prst="rect">
             <a:avLst/>
           </a:prstGeom>
+          <a:noFill/>
+          <a:ln>
+            <a:noFill/>
+          </a:ln>
+        </p:spPr>
+      </p:pic>
+      <p:pic>
+        <p:nvPicPr>
+          <p:cNvPr id="6" name="Рисунок 5">
+            <a:extLst>
+              <a:ext uri="{FF2B5EF4-FFF2-40B4-BE49-F238E27FC236}">
+                <a16:creationId xmlns:a16="http://schemas.microsoft.com/office/drawing/2014/main" id="{FD2FB9FD-CBBF-41C9-8DD8-D4DD9022F07B}"/>
+              </a:ext>
+            </a:extLst>
+          </p:cNvPr>
+          <p:cNvPicPr/>
+          <p:nvPr/>
+        </p:nvPicPr>
+        <p:blipFill>
+          <a:blip r:embed="rId4">
+            <a:extLst>
+              <a:ext uri="{28A0092B-C50C-407E-A947-70E740481C1C}">
+                <a14:useLocalDpi xmlns:a14="http://schemas.microsoft.com/office/drawing/2010/main" val="0"/>
+              </a:ext>
+            </a:extLst>
+          </a:blip>
+          <a:srcRect/>
+          <a:stretch>
+            <a:fillRect/>
+          </a:stretch>
+        </p:blipFill>
+        <p:spPr bwMode="auto">
+          <a:xfrm>
+            <a:off x="4876524" y="1690688"/>
+            <a:ext cx="2309744" cy="4351338"/>
+          </a:xfrm>
+          <a:prstGeom prst="rect">
+            <a:avLst/>
+          </a:prstGeom>
+          <a:noFill/>
+          <a:ln>
+            <a:noFill/>
+          </a:ln>
+        </p:spPr>
+      </p:pic>
+      <p:pic>
+        <p:nvPicPr>
+          <p:cNvPr id="7" name="Рисунок 6">
+            <a:extLst>
+              <a:ext uri="{FF2B5EF4-FFF2-40B4-BE49-F238E27FC236}">
+                <a16:creationId xmlns:a16="http://schemas.microsoft.com/office/drawing/2014/main" id="{69358DA8-47D0-453E-B6B9-18050B4BBF82}"/>
+              </a:ext>
+            </a:extLst>
+          </p:cNvPr>
+          <p:cNvPicPr/>
+          <p:nvPr/>
+        </p:nvPicPr>
+        <p:blipFill>
+          <a:blip r:embed="rId5">
+            <a:extLst>
+              <a:ext uri="{28A0092B-C50C-407E-A947-70E740481C1C}">
+                <a14:useLocalDpi xmlns:a14="http://schemas.microsoft.com/office/drawing/2010/main" val="0"/>
+              </a:ext>
+            </a:extLst>
+          </a:blip>
+          <a:srcRect/>
+          <a:stretch>
+            <a:fillRect/>
+          </a:stretch>
+        </p:blipFill>
+        <p:spPr bwMode="auto">
+          <a:xfrm>
+            <a:off x="7288696" y="1690688"/>
+            <a:ext cx="2309743" cy="4351338"/>
+          </a:xfrm>
+          <a:prstGeom prst="rect">
+            <a:avLst/>
+          </a:prstGeom>
+          <a:noFill/>
+          <a:ln>
+            <a:noFill/>
+          </a:ln>
+        </p:spPr>
+      </p:pic>
+      <p:pic>
+        <p:nvPicPr>
+          <p:cNvPr id="8" name="Рисунок 7">
+            <a:extLst>
+              <a:ext uri="{FF2B5EF4-FFF2-40B4-BE49-F238E27FC236}">
+                <a16:creationId xmlns:a16="http://schemas.microsoft.com/office/drawing/2014/main" id="{6E6E05C0-574C-41E7-8A3E-785CA3F94F74}"/>
+              </a:ext>
+            </a:extLst>
+          </p:cNvPr>
+          <p:cNvPicPr/>
+          <p:nvPr/>
+        </p:nvPicPr>
+        <p:blipFill>
+          <a:blip r:embed="rId6">
+            <a:extLst>
+              <a:ext uri="{28A0092B-C50C-407E-A947-70E740481C1C}">
+                <a14:useLocalDpi xmlns:a14="http://schemas.microsoft.com/office/drawing/2010/main" val="0"/>
+              </a:ext>
+            </a:extLst>
+          </a:blip>
+          <a:srcRect/>
+          <a:stretch>
+            <a:fillRect/>
+          </a:stretch>
+        </p:blipFill>
+        <p:spPr bwMode="auto">
+          <a:xfrm>
+            <a:off x="9700867" y="3935896"/>
+            <a:ext cx="2411620" cy="2106130"/>
+          </a:xfrm>
+          <a:prstGeom prst="rect">
+            <a:avLst/>
+          </a:prstGeom>
+          <a:noFill/>
+          <a:ln>
+            <a:noFill/>
+          </a:ln>
         </p:spPr>
       </p:pic>
     </p:spTree>
     <p:extLst>
       <p:ext uri="{BB962C8B-B14F-4D97-AF65-F5344CB8AC3E}">
-        <p14:creationId xmlns:p14="http://schemas.microsoft.com/office/powerpoint/2010/main" val="3349157927"/>
+        <p14:creationId xmlns:p14="http://schemas.microsoft.com/office/powerpoint/2010/main" val="3359726494"/>
       </p:ext>
     </p:extLst>
   </p:cSld>
@@ -3528,7 +3661,13 @@
       </p:grpSpPr>
       <p:sp>
         <p:nvSpPr>
-          <p:cNvPr id="2" name="Заголовок 1"/>
+          <p:cNvPr id="2" name="Заголовок 1">
+            <a:extLst>
+              <a:ext uri="{FF2B5EF4-FFF2-40B4-BE49-F238E27FC236}">
+                <a16:creationId xmlns:a16="http://schemas.microsoft.com/office/drawing/2014/main" id="{0840D5A9-41ED-4B59-9EA5-F1CD10406071}"/>
+              </a:ext>
+            </a:extLst>
+          </p:cNvPr>
           <p:cNvSpPr>
             <a:spLocks noGrp="1"/>
           </p:cNvSpPr>
@@ -3536,34 +3675,33 @@
             <p:ph type="title"/>
           </p:nvPr>
         </p:nvSpPr>
-        <p:spPr>
-          <a:xfrm>
-            <a:off x="838200" y="0"/>
-            <a:ext cx="10515600" cy="1325563"/>
-          </a:xfrm>
-        </p:spPr>
+        <p:spPr/>
         <p:txBody>
           <a:bodyPr/>
           <a:lstStyle/>
           <a:p>
             <a:r>
               <a:rPr lang="ru-RU" dirty="0"/>
-              <a:t>Апробация: Отчеты менеджера</a:t>
+              <a:t>Апробация: Вход</a:t>
             </a:r>
           </a:p>
         </p:txBody>
       </p:sp>
       <p:pic>
         <p:nvPicPr>
-          <p:cNvPr id="5" name="Рисунок 4">
+          <p:cNvPr id="5" name="Объект 4">
             <a:extLst>
               <a:ext uri="{FF2B5EF4-FFF2-40B4-BE49-F238E27FC236}">
-                <a16:creationId xmlns:a16="http://schemas.microsoft.com/office/drawing/2014/main" id="{0E4DBA9B-FF40-4631-8ED0-C2D695F65A53}"/>
+                <a16:creationId xmlns:a16="http://schemas.microsoft.com/office/drawing/2014/main" id="{21A4DEFD-FD93-45D9-AD38-CD441591A2D1}"/>
               </a:ext>
             </a:extLst>
           </p:cNvPr>
-          <p:cNvPicPr/>
-          <p:nvPr/>
+          <p:cNvPicPr>
+            <a:picLocks noGrp="1"/>
+          </p:cNvPicPr>
+          <p:nvPr>
+            <p:ph idx="1"/>
+          </p:nvPr>
         </p:nvPicPr>
         <p:blipFill>
           <a:blip r:embed="rId2">
@@ -3580,8 +3718,8 @@
         </p:blipFill>
         <p:spPr bwMode="auto">
           <a:xfrm>
-            <a:off x="0" y="1325563"/>
-            <a:ext cx="6374296" cy="2769359"/>
+            <a:off x="4710285" y="1690688"/>
+            <a:ext cx="2771429" cy="1123810"/>
           </a:xfrm>
           <a:prstGeom prst="rect">
             <a:avLst/>
@@ -3594,10 +3732,10 @@
       </p:pic>
       <p:pic>
         <p:nvPicPr>
-          <p:cNvPr id="9" name="Рисунок 8">
+          <p:cNvPr id="6" name="Рисунок 5">
             <a:extLst>
               <a:ext uri="{FF2B5EF4-FFF2-40B4-BE49-F238E27FC236}">
-                <a16:creationId xmlns:a16="http://schemas.microsoft.com/office/drawing/2014/main" id="{742E2FB8-8FC1-4468-BDE2-57C7796A0455}"/>
+                <a16:creationId xmlns:a16="http://schemas.microsoft.com/office/drawing/2014/main" id="{16EFEB54-E7BD-4317-9F85-03A9A63734B6}"/>
               </a:ext>
             </a:extLst>
           </p:cNvPr>
@@ -3619,8 +3757,8 @@
         </p:blipFill>
         <p:spPr bwMode="auto">
           <a:xfrm>
-            <a:off x="6296025" y="1325563"/>
-            <a:ext cx="5895975" cy="2769358"/>
+            <a:off x="2216632" y="3089827"/>
+            <a:ext cx="2219325" cy="1314450"/>
           </a:xfrm>
           <a:prstGeom prst="rect">
             <a:avLst/>
@@ -3633,10 +3771,10 @@
       </p:pic>
       <p:pic>
         <p:nvPicPr>
-          <p:cNvPr id="10" name="Рисунок 9">
+          <p:cNvPr id="7" name="Рисунок 6">
             <a:extLst>
               <a:ext uri="{FF2B5EF4-FFF2-40B4-BE49-F238E27FC236}">
-                <a16:creationId xmlns:a16="http://schemas.microsoft.com/office/drawing/2014/main" id="{11D2E9E5-962C-407D-B89F-80DE8523A9E4}"/>
+                <a16:creationId xmlns:a16="http://schemas.microsoft.com/office/drawing/2014/main" id="{5C87A80B-C74B-4943-8E28-22A772E0663B}"/>
               </a:ext>
             </a:extLst>
           </p:cNvPr>
@@ -3658,8 +3796,8 @@
         </p:blipFill>
         <p:spPr bwMode="auto">
           <a:xfrm>
-            <a:off x="92765" y="4094920"/>
-            <a:ext cx="11993218" cy="781879"/>
+            <a:off x="2216632" y="4815923"/>
+            <a:ext cx="3314700" cy="1466850"/>
           </a:xfrm>
           <a:prstGeom prst="rect">
             <a:avLst/>
@@ -3672,10 +3810,10 @@
       </p:pic>
       <p:pic>
         <p:nvPicPr>
-          <p:cNvPr id="11" name="Рисунок 10">
+          <p:cNvPr id="8" name="Рисунок 7">
             <a:extLst>
               <a:ext uri="{FF2B5EF4-FFF2-40B4-BE49-F238E27FC236}">
-                <a16:creationId xmlns:a16="http://schemas.microsoft.com/office/drawing/2014/main" id="{E46DBC82-F6A9-4C34-A8F0-A22862481CD1}"/>
+                <a16:creationId xmlns:a16="http://schemas.microsoft.com/office/drawing/2014/main" id="{DB5265D5-4010-4789-9AB0-9F13F6677737}"/>
               </a:ext>
             </a:extLst>
           </p:cNvPr>
@@ -3697,8 +3835,8 @@
         </p:blipFill>
         <p:spPr bwMode="auto">
           <a:xfrm>
-            <a:off x="0" y="4916556"/>
-            <a:ext cx="12192000" cy="1981201"/>
+            <a:off x="7756045" y="3089827"/>
+            <a:ext cx="2063816" cy="1314450"/>
           </a:xfrm>
           <a:prstGeom prst="rect">
             <a:avLst/>
@@ -3709,10 +3847,211 @@
           </a:ln>
         </p:spPr>
       </p:pic>
+      <p:pic>
+        <p:nvPicPr>
+          <p:cNvPr id="9" name="Рисунок 8">
+            <a:extLst>
+              <a:ext uri="{FF2B5EF4-FFF2-40B4-BE49-F238E27FC236}">
+                <a16:creationId xmlns:a16="http://schemas.microsoft.com/office/drawing/2014/main" id="{0CCFAF65-8E3E-4B3D-9049-49EBAD69911B}"/>
+              </a:ext>
+            </a:extLst>
+          </p:cNvPr>
+          <p:cNvPicPr/>
+          <p:nvPr/>
+        </p:nvPicPr>
+        <p:blipFill>
+          <a:blip r:embed="rId6">
+            <a:extLst>
+              <a:ext uri="{28A0092B-C50C-407E-A947-70E740481C1C}">
+                <a14:useLocalDpi xmlns:a14="http://schemas.microsoft.com/office/drawing/2010/main" val="0"/>
+              </a:ext>
+            </a:extLst>
+          </a:blip>
+          <a:srcRect/>
+          <a:stretch>
+            <a:fillRect/>
+          </a:stretch>
+        </p:blipFill>
+        <p:spPr bwMode="auto">
+          <a:xfrm>
+            <a:off x="7756045" y="4815923"/>
+            <a:ext cx="2828925" cy="1457325"/>
+          </a:xfrm>
+          <a:prstGeom prst="rect">
+            <a:avLst/>
+          </a:prstGeom>
+          <a:noFill/>
+          <a:ln>
+            <a:noFill/>
+          </a:ln>
+        </p:spPr>
+      </p:pic>
+      <p:cxnSp>
+        <p:nvCxnSpPr>
+          <p:cNvPr id="11" name="Прямая со стрелкой 10">
+            <a:extLst>
+              <a:ext uri="{FF2B5EF4-FFF2-40B4-BE49-F238E27FC236}">
+                <a16:creationId xmlns:a16="http://schemas.microsoft.com/office/drawing/2014/main" id="{0DB74D9D-3FDD-43DC-908D-14BCF9545151}"/>
+              </a:ext>
+            </a:extLst>
+          </p:cNvPr>
+          <p:cNvCxnSpPr/>
+          <p:nvPr/>
+        </p:nvCxnSpPr>
+        <p:spPr>
+          <a:xfrm flipH="1">
+            <a:off x="4435957" y="2814498"/>
+            <a:ext cx="274328" cy="275329"/>
+          </a:xfrm>
+          <a:prstGeom prst="straightConnector1">
+            <a:avLst/>
+          </a:prstGeom>
+          <a:ln>
+            <a:tailEnd type="triangle"/>
+          </a:ln>
+        </p:spPr>
+        <p:style>
+          <a:lnRef idx="1">
+            <a:schemeClr val="accent1"/>
+          </a:lnRef>
+          <a:fillRef idx="0">
+            <a:schemeClr val="accent1"/>
+          </a:fillRef>
+          <a:effectRef idx="0">
+            <a:schemeClr val="accent1"/>
+          </a:effectRef>
+          <a:fontRef idx="minor">
+            <a:schemeClr val="tx1"/>
+          </a:fontRef>
+        </p:style>
+      </p:cxnSp>
+      <p:cxnSp>
+        <p:nvCxnSpPr>
+          <p:cNvPr id="12" name="Прямая со стрелкой 11">
+            <a:extLst>
+              <a:ext uri="{FF2B5EF4-FFF2-40B4-BE49-F238E27FC236}">
+                <a16:creationId xmlns:a16="http://schemas.microsoft.com/office/drawing/2014/main" id="{A204C5DD-6CBD-42A3-BCC3-AC562B302B26}"/>
+              </a:ext>
+            </a:extLst>
+          </p:cNvPr>
+          <p:cNvCxnSpPr>
+            <a:cxnSpLocks/>
+          </p:cNvCxnSpPr>
+          <p:nvPr/>
+        </p:nvCxnSpPr>
+        <p:spPr>
+          <a:xfrm rot="16200000" flipH="1">
+            <a:off x="7507543" y="2814999"/>
+            <a:ext cx="274328" cy="275329"/>
+          </a:xfrm>
+          <a:prstGeom prst="straightConnector1">
+            <a:avLst/>
+          </a:prstGeom>
+          <a:ln>
+            <a:tailEnd type="triangle"/>
+          </a:ln>
+        </p:spPr>
+        <p:style>
+          <a:lnRef idx="1">
+            <a:schemeClr val="accent1"/>
+          </a:lnRef>
+          <a:fillRef idx="0">
+            <a:schemeClr val="accent1"/>
+          </a:fillRef>
+          <a:effectRef idx="0">
+            <a:schemeClr val="accent1"/>
+          </a:effectRef>
+          <a:fontRef idx="minor">
+            <a:schemeClr val="tx1"/>
+          </a:fontRef>
+        </p:style>
+      </p:cxnSp>
+      <p:cxnSp>
+        <p:nvCxnSpPr>
+          <p:cNvPr id="14" name="Прямая со стрелкой 13">
+            <a:extLst>
+              <a:ext uri="{FF2B5EF4-FFF2-40B4-BE49-F238E27FC236}">
+                <a16:creationId xmlns:a16="http://schemas.microsoft.com/office/drawing/2014/main" id="{A1CE936A-B9EE-4B1A-B7DB-96544CC11CB5}"/>
+              </a:ext>
+            </a:extLst>
+          </p:cNvPr>
+          <p:cNvCxnSpPr>
+            <a:stCxn id="6" idx="2"/>
+          </p:cNvCxnSpPr>
+          <p:nvPr/>
+        </p:nvCxnSpPr>
+        <p:spPr>
+          <a:xfrm flipH="1">
+            <a:off x="3326294" y="4404277"/>
+            <a:ext cx="1" cy="411646"/>
+          </a:xfrm>
+          <a:prstGeom prst="straightConnector1">
+            <a:avLst/>
+          </a:prstGeom>
+          <a:ln>
+            <a:tailEnd type="triangle"/>
+          </a:ln>
+        </p:spPr>
+        <p:style>
+          <a:lnRef idx="1">
+            <a:schemeClr val="accent1"/>
+          </a:lnRef>
+          <a:fillRef idx="0">
+            <a:schemeClr val="accent1"/>
+          </a:fillRef>
+          <a:effectRef idx="0">
+            <a:schemeClr val="accent1"/>
+          </a:effectRef>
+          <a:fontRef idx="minor">
+            <a:schemeClr val="tx1"/>
+          </a:fontRef>
+        </p:style>
+      </p:cxnSp>
+      <p:cxnSp>
+        <p:nvCxnSpPr>
+          <p:cNvPr id="16" name="Прямая со стрелкой 15">
+            <a:extLst>
+              <a:ext uri="{FF2B5EF4-FFF2-40B4-BE49-F238E27FC236}">
+                <a16:creationId xmlns:a16="http://schemas.microsoft.com/office/drawing/2014/main" id="{6ED569F2-510E-4DC0-8F1D-B6F2C305E858}"/>
+              </a:ext>
+            </a:extLst>
+          </p:cNvPr>
+          <p:cNvCxnSpPr>
+            <a:stCxn id="8" idx="2"/>
+          </p:cNvCxnSpPr>
+          <p:nvPr/>
+        </p:nvCxnSpPr>
+        <p:spPr>
+          <a:xfrm>
+            <a:off x="8787953" y="4404277"/>
+            <a:ext cx="0" cy="411646"/>
+          </a:xfrm>
+          <a:prstGeom prst="straightConnector1">
+            <a:avLst/>
+          </a:prstGeom>
+          <a:ln>
+            <a:tailEnd type="triangle"/>
+          </a:ln>
+        </p:spPr>
+        <p:style>
+          <a:lnRef idx="1">
+            <a:schemeClr val="accent1"/>
+          </a:lnRef>
+          <a:fillRef idx="0">
+            <a:schemeClr val="accent1"/>
+          </a:fillRef>
+          <a:effectRef idx="0">
+            <a:schemeClr val="accent1"/>
+          </a:effectRef>
+          <a:fontRef idx="minor">
+            <a:schemeClr val="tx1"/>
+          </a:fontRef>
+        </p:style>
+      </p:cxnSp>
     </p:spTree>
     <p:extLst>
       <p:ext uri="{BB962C8B-B14F-4D97-AF65-F5344CB8AC3E}">
-        <p14:creationId xmlns:p14="http://schemas.microsoft.com/office/powerpoint/2010/main" val="2394274588"/>
+        <p14:creationId xmlns:p14="http://schemas.microsoft.com/office/powerpoint/2010/main" val="2749775643"/>
       </p:ext>
     </p:extLst>
   </p:cSld>
@@ -3741,13 +4080,7 @@
       </p:grpSpPr>
       <p:sp>
         <p:nvSpPr>
-          <p:cNvPr id="2" name="Заголовок 1">
-            <a:extLst>
-              <a:ext uri="{FF2B5EF4-FFF2-40B4-BE49-F238E27FC236}">
-                <a16:creationId xmlns:a16="http://schemas.microsoft.com/office/drawing/2014/main" id="{EACD7BE9-D70D-4B7A-879E-7029D4C82F4C}"/>
-              </a:ext>
-            </a:extLst>
-          </p:cNvPr>
+          <p:cNvPr id="2" name="Заголовок 1"/>
           <p:cNvSpPr>
             <a:spLocks noGrp="1"/>
           </p:cNvSpPr>
@@ -3755,56 +4088,29 @@
             <p:ph type="title"/>
           </p:nvPr>
         </p:nvSpPr>
-        <p:spPr/>
+        <p:spPr>
+          <a:xfrm>
+            <a:off x="838200" y="0"/>
+            <a:ext cx="10515600" cy="1325563"/>
+          </a:xfrm>
+        </p:spPr>
         <p:txBody>
           <a:bodyPr/>
           <a:lstStyle/>
           <a:p>
             <a:r>
               <a:rPr lang="ru-RU" dirty="0"/>
-              <a:t>Апробация: Администратор</a:t>
+              <a:t>Апробация: Менеджер</a:t>
             </a:r>
           </a:p>
         </p:txBody>
       </p:sp>
       <p:pic>
         <p:nvPicPr>
-          <p:cNvPr id="5" name="Объект 4">
+          <p:cNvPr id="7" name="Рисунок 6">
             <a:extLst>
               <a:ext uri="{FF2B5EF4-FFF2-40B4-BE49-F238E27FC236}">
-                <a16:creationId xmlns:a16="http://schemas.microsoft.com/office/drawing/2014/main" id="{DCBF9B19-E9E9-495D-B06C-D27ED2A94587}"/>
-              </a:ext>
-            </a:extLst>
-          </p:cNvPr>
-          <p:cNvPicPr>
-            <a:picLocks noGrp="1" noChangeAspect="1"/>
-          </p:cNvPicPr>
-          <p:nvPr>
-            <p:ph idx="1"/>
-          </p:nvPr>
-        </p:nvPicPr>
-        <p:blipFill>
-          <a:blip r:embed="rId2"/>
-          <a:stretch>
-            <a:fillRect/>
-          </a:stretch>
-        </p:blipFill>
-        <p:spPr>
-          <a:xfrm>
-            <a:off x="0" y="1563422"/>
-            <a:ext cx="2895851" cy="2213040"/>
-          </a:xfrm>
-          <a:prstGeom prst="rect">
-            <a:avLst/>
-          </a:prstGeom>
-        </p:spPr>
-      </p:pic>
-      <p:pic>
-        <p:nvPicPr>
-          <p:cNvPr id="6" name="Рисунок 5">
-            <a:extLst>
-              <a:ext uri="{FF2B5EF4-FFF2-40B4-BE49-F238E27FC236}">
-                <a16:creationId xmlns:a16="http://schemas.microsoft.com/office/drawing/2014/main" id="{0B230206-9484-4B0E-B232-BF8160208F1D}"/>
+                <a16:creationId xmlns:a16="http://schemas.microsoft.com/office/drawing/2014/main" id="{F54C3B83-653A-40A4-8511-8F88E9455392}"/>
               </a:ext>
             </a:extLst>
           </p:cNvPr>
@@ -3812,7 +4118,7 @@
           <p:nvPr/>
         </p:nvPicPr>
         <p:blipFill>
-          <a:blip r:embed="rId3">
+          <a:blip r:embed="rId2">
             <a:extLst>
               <a:ext uri="{28A0092B-C50C-407E-A947-70E740481C1C}">
                 <a14:useLocalDpi xmlns:a14="http://schemas.microsoft.com/office/drawing/2010/main" val="0"/>
@@ -3826,8 +4132,8 @@
         </p:blipFill>
         <p:spPr bwMode="auto">
           <a:xfrm>
-            <a:off x="2883344" y="1561476"/>
-            <a:ext cx="3212656" cy="2362200"/>
+            <a:off x="838200" y="3959707"/>
+            <a:ext cx="10515600" cy="2103437"/>
           </a:xfrm>
           <a:prstGeom prst="rect">
             <a:avLst/>
@@ -3840,86 +4146,38 @@
       </p:pic>
       <p:pic>
         <p:nvPicPr>
-          <p:cNvPr id="7" name="Рисунок 6">
+          <p:cNvPr id="5" name="Рисунок 4">
             <a:extLst>
               <a:ext uri="{FF2B5EF4-FFF2-40B4-BE49-F238E27FC236}">
-                <a16:creationId xmlns:a16="http://schemas.microsoft.com/office/drawing/2014/main" id="{9F1E78FF-F870-4A97-86BC-C8A137B2EE77}"/>
+                <a16:creationId xmlns:a16="http://schemas.microsoft.com/office/drawing/2014/main" id="{941B767B-4462-4105-9BB8-37C8A1086E7C}"/>
               </a:ext>
             </a:extLst>
           </p:cNvPr>
-          <p:cNvPicPr/>
+          <p:cNvPicPr>
+            <a:picLocks noChangeAspect="1"/>
+          </p:cNvPicPr>
           <p:nvPr/>
         </p:nvPicPr>
         <p:blipFill>
-          <a:blip r:embed="rId4">
-            <a:extLst>
-              <a:ext uri="{28A0092B-C50C-407E-A947-70E740481C1C}">
-                <a14:useLocalDpi xmlns:a14="http://schemas.microsoft.com/office/drawing/2010/main" val="0"/>
-              </a:ext>
-            </a:extLst>
-          </a:blip>
-          <a:srcRect/>
+          <a:blip r:embed="rId3"/>
           <a:stretch>
             <a:fillRect/>
           </a:stretch>
         </p:blipFill>
-        <p:spPr bwMode="auto">
-          <a:xfrm>
-            <a:off x="5976730" y="1809550"/>
-            <a:ext cx="6215270" cy="1966912"/>
+        <p:spPr>
+          <a:xfrm>
+            <a:off x="788284" y="1591503"/>
+            <a:ext cx="10565516" cy="1734793"/>
           </a:xfrm>
           <a:prstGeom prst="rect">
             <a:avLst/>
           </a:prstGeom>
-          <a:noFill/>
-          <a:ln>
-            <a:noFill/>
-          </a:ln>
-        </p:spPr>
-      </p:pic>
-      <p:pic>
-        <p:nvPicPr>
-          <p:cNvPr id="8" name="Рисунок 7">
-            <a:extLst>
-              <a:ext uri="{FF2B5EF4-FFF2-40B4-BE49-F238E27FC236}">
-                <a16:creationId xmlns:a16="http://schemas.microsoft.com/office/drawing/2014/main" id="{B59BA806-8E98-44C9-BB3F-27040A46D646}"/>
-              </a:ext>
-            </a:extLst>
-          </p:cNvPr>
-          <p:cNvPicPr/>
-          <p:nvPr/>
-        </p:nvPicPr>
-        <p:blipFill>
-          <a:blip r:embed="rId5">
-            <a:extLst>
-              <a:ext uri="{28A0092B-C50C-407E-A947-70E740481C1C}">
-                <a14:useLocalDpi xmlns:a14="http://schemas.microsoft.com/office/drawing/2010/main" val="0"/>
-              </a:ext>
-            </a:extLst>
-          </a:blip>
-          <a:srcRect/>
-          <a:stretch>
-            <a:fillRect/>
-          </a:stretch>
-        </p:blipFill>
-        <p:spPr bwMode="auto">
-          <a:xfrm>
-            <a:off x="0" y="4052888"/>
-            <a:ext cx="12192000" cy="2526823"/>
-          </a:xfrm>
-          <a:prstGeom prst="rect">
-            <a:avLst/>
-          </a:prstGeom>
-          <a:noFill/>
-          <a:ln>
-            <a:noFill/>
-          </a:ln>
         </p:spPr>
       </p:pic>
     </p:spTree>
     <p:extLst>
       <p:ext uri="{BB962C8B-B14F-4D97-AF65-F5344CB8AC3E}">
-        <p14:creationId xmlns:p14="http://schemas.microsoft.com/office/powerpoint/2010/main" val="658956323"/>
+        <p14:creationId xmlns:p14="http://schemas.microsoft.com/office/powerpoint/2010/main" val="3349157927"/>
       </p:ext>
     </p:extLst>
   </p:cSld>
@@ -3948,13 +4206,7 @@
       </p:grpSpPr>
       <p:sp>
         <p:nvSpPr>
-          <p:cNvPr id="2" name="Заголовок 1">
-            <a:extLst>
-              <a:ext uri="{FF2B5EF4-FFF2-40B4-BE49-F238E27FC236}">
-                <a16:creationId xmlns:a16="http://schemas.microsoft.com/office/drawing/2014/main" id="{3987E056-ABDC-4EF5-B45E-EB0413E17B80}"/>
-              </a:ext>
-            </a:extLst>
-          </p:cNvPr>
+          <p:cNvPr id="2" name="Заголовок 1"/>
           <p:cNvSpPr>
             <a:spLocks noGrp="1"/>
           </p:cNvSpPr>
@@ -3964,7 +4216,7 @@
         </p:nvSpPr>
         <p:spPr>
           <a:xfrm>
-            <a:off x="838200" y="325368"/>
+            <a:off x="838200" y="0"/>
             <a:ext cx="10515600" cy="1325563"/>
           </a:xfrm>
         </p:spPr>
@@ -3974,26 +4226,22 @@
           <a:p>
             <a:r>
               <a:rPr lang="ru-RU" dirty="0"/>
-              <a:t>Апробация: Администратор</a:t>
+              <a:t>Апробация: Отчеты менеджера</a:t>
             </a:r>
           </a:p>
         </p:txBody>
       </p:sp>
       <p:pic>
         <p:nvPicPr>
-          <p:cNvPr id="4" name="Объект 3">
+          <p:cNvPr id="5" name="Рисунок 4">
             <a:extLst>
               <a:ext uri="{FF2B5EF4-FFF2-40B4-BE49-F238E27FC236}">
-                <a16:creationId xmlns:a16="http://schemas.microsoft.com/office/drawing/2014/main" id="{0897BBC5-01E9-41B3-B556-4F55FB6366C6}"/>
+                <a16:creationId xmlns:a16="http://schemas.microsoft.com/office/drawing/2014/main" id="{0E4DBA9B-FF40-4631-8ED0-C2D695F65A53}"/>
               </a:ext>
             </a:extLst>
           </p:cNvPr>
-          <p:cNvPicPr>
-            <a:picLocks noGrp="1"/>
-          </p:cNvPicPr>
-          <p:nvPr>
-            <p:ph idx="1"/>
-          </p:nvPr>
+          <p:cNvPicPr/>
+          <p:nvPr/>
         </p:nvPicPr>
         <p:blipFill>
           <a:blip r:embed="rId2">
@@ -4010,8 +4258,8 @@
         </p:blipFill>
         <p:spPr bwMode="auto">
           <a:xfrm>
-            <a:off x="121893" y="2180635"/>
-            <a:ext cx="3498574" cy="2289726"/>
+            <a:off x="0" y="1325563"/>
+            <a:ext cx="6374296" cy="2769359"/>
           </a:xfrm>
           <a:prstGeom prst="rect">
             <a:avLst/>
@@ -4024,10 +4272,10 @@
       </p:pic>
       <p:pic>
         <p:nvPicPr>
-          <p:cNvPr id="5" name="Рисунок 4">
+          <p:cNvPr id="9" name="Рисунок 8">
             <a:extLst>
               <a:ext uri="{FF2B5EF4-FFF2-40B4-BE49-F238E27FC236}">
-                <a16:creationId xmlns:a16="http://schemas.microsoft.com/office/drawing/2014/main" id="{04D3CC89-8FE5-4068-A1A9-3D9F2190E565}"/>
+                <a16:creationId xmlns:a16="http://schemas.microsoft.com/office/drawing/2014/main" id="{742E2FB8-8FC1-4468-BDE2-57C7796A0455}"/>
               </a:ext>
             </a:extLst>
           </p:cNvPr>
@@ -4049,8 +4297,8 @@
         </p:blipFill>
         <p:spPr bwMode="auto">
           <a:xfrm>
-            <a:off x="3795502" y="2180635"/>
-            <a:ext cx="3000240" cy="1924050"/>
+            <a:off x="6296025" y="1325563"/>
+            <a:ext cx="5895975" cy="2769358"/>
           </a:xfrm>
           <a:prstGeom prst="rect">
             <a:avLst/>
@@ -4063,10 +4311,10 @@
       </p:pic>
       <p:pic>
         <p:nvPicPr>
-          <p:cNvPr id="6" name="Рисунок 5">
+          <p:cNvPr id="10" name="Рисунок 9">
             <a:extLst>
               <a:ext uri="{FF2B5EF4-FFF2-40B4-BE49-F238E27FC236}">
-                <a16:creationId xmlns:a16="http://schemas.microsoft.com/office/drawing/2014/main" id="{DC6469DD-0AA4-4D4C-A4C6-88A0D3831337}"/>
+                <a16:creationId xmlns:a16="http://schemas.microsoft.com/office/drawing/2014/main" id="{11D2E9E5-962C-407D-B89F-80DE8523A9E4}"/>
               </a:ext>
             </a:extLst>
           </p:cNvPr>
@@ -4088,8 +4336,8 @@
         </p:blipFill>
         <p:spPr bwMode="auto">
           <a:xfrm>
-            <a:off x="6896379" y="2381844"/>
-            <a:ext cx="4848225" cy="1228725"/>
+            <a:off x="92765" y="4094920"/>
+            <a:ext cx="11993218" cy="781879"/>
           </a:xfrm>
           <a:prstGeom prst="rect">
             <a:avLst/>
@@ -4102,10 +4350,10 @@
       </p:pic>
       <p:pic>
         <p:nvPicPr>
-          <p:cNvPr id="8" name="Рисунок 7">
+          <p:cNvPr id="11" name="Рисунок 10">
             <a:extLst>
               <a:ext uri="{FF2B5EF4-FFF2-40B4-BE49-F238E27FC236}">
-                <a16:creationId xmlns:a16="http://schemas.microsoft.com/office/drawing/2014/main" id="{7ED744EC-28DA-4FFB-884F-B55F19DF3FB0}"/>
+                <a16:creationId xmlns:a16="http://schemas.microsoft.com/office/drawing/2014/main" id="{E46DBC82-F6A9-4C34-A8F0-A22862481CD1}"/>
               </a:ext>
             </a:extLst>
           </p:cNvPr>
@@ -4127,8 +4375,8 @@
         </p:blipFill>
         <p:spPr bwMode="auto">
           <a:xfrm>
-            <a:off x="0" y="4594633"/>
-            <a:ext cx="3742361" cy="1445361"/>
+            <a:off x="0" y="4916556"/>
+            <a:ext cx="12192000" cy="1981201"/>
           </a:xfrm>
           <a:prstGeom prst="rect">
             <a:avLst/>
@@ -4139,88 +4387,10 @@
           </a:ln>
         </p:spPr>
       </p:pic>
-      <p:pic>
-        <p:nvPicPr>
-          <p:cNvPr id="9" name="Рисунок 8">
-            <a:extLst>
-              <a:ext uri="{FF2B5EF4-FFF2-40B4-BE49-F238E27FC236}">
-                <a16:creationId xmlns:a16="http://schemas.microsoft.com/office/drawing/2014/main" id="{27FDB62C-2CFD-4B1C-A8C4-0CD2BDB3056F}"/>
-              </a:ext>
-            </a:extLst>
-          </p:cNvPr>
-          <p:cNvPicPr/>
-          <p:nvPr/>
-        </p:nvPicPr>
-        <p:blipFill>
-          <a:blip r:embed="rId6">
-            <a:extLst>
-              <a:ext uri="{28A0092B-C50C-407E-A947-70E740481C1C}">
-                <a14:useLocalDpi xmlns:a14="http://schemas.microsoft.com/office/drawing/2010/main" val="0"/>
-              </a:ext>
-            </a:extLst>
-          </a:blip>
-          <a:srcRect/>
-          <a:stretch>
-            <a:fillRect/>
-          </a:stretch>
-        </p:blipFill>
-        <p:spPr bwMode="auto">
-          <a:xfrm>
-            <a:off x="3742361" y="4594633"/>
-            <a:ext cx="3742362" cy="1228725"/>
-          </a:xfrm>
-          <a:prstGeom prst="rect">
-            <a:avLst/>
-          </a:prstGeom>
-          <a:noFill/>
-          <a:ln>
-            <a:noFill/>
-          </a:ln>
-        </p:spPr>
-      </p:pic>
-      <p:pic>
-        <p:nvPicPr>
-          <p:cNvPr id="10" name="Рисунок 9">
-            <a:extLst>
-              <a:ext uri="{FF2B5EF4-FFF2-40B4-BE49-F238E27FC236}">
-                <a16:creationId xmlns:a16="http://schemas.microsoft.com/office/drawing/2014/main" id="{B9A38013-0E04-4AE8-9D29-67F6385835D1}"/>
-              </a:ext>
-            </a:extLst>
-          </p:cNvPr>
-          <p:cNvPicPr/>
-          <p:nvPr/>
-        </p:nvPicPr>
-        <p:blipFill>
-          <a:blip r:embed="rId7">
-            <a:extLst>
-              <a:ext uri="{28A0092B-C50C-407E-A947-70E740481C1C}">
-                <a14:useLocalDpi xmlns:a14="http://schemas.microsoft.com/office/drawing/2010/main" val="0"/>
-              </a:ext>
-            </a:extLst>
-          </a:blip>
-          <a:srcRect/>
-          <a:stretch>
-            <a:fillRect/>
-          </a:stretch>
-        </p:blipFill>
-        <p:spPr bwMode="auto">
-          <a:xfrm>
-            <a:off x="7484722" y="4469905"/>
-            <a:ext cx="4548250" cy="1570089"/>
-          </a:xfrm>
-          <a:prstGeom prst="rect">
-            <a:avLst/>
-          </a:prstGeom>
-          <a:noFill/>
-          <a:ln>
-            <a:noFill/>
-          </a:ln>
-        </p:spPr>
-      </p:pic>
     </p:spTree>
     <p:extLst>
       <p:ext uri="{BB962C8B-B14F-4D97-AF65-F5344CB8AC3E}">
-        <p14:creationId xmlns:p14="http://schemas.microsoft.com/office/powerpoint/2010/main" val="1206766381"/>
+        <p14:creationId xmlns:p14="http://schemas.microsoft.com/office/powerpoint/2010/main" val="2394274588"/>
       </p:ext>
     </p:extLst>
   </p:cSld>
@@ -4252,7 +4422,7 @@
           <p:cNvPr id="2" name="Заголовок 1">
             <a:extLst>
               <a:ext uri="{FF2B5EF4-FFF2-40B4-BE49-F238E27FC236}">
-                <a16:creationId xmlns:a16="http://schemas.microsoft.com/office/drawing/2014/main" id="{149BA20A-6ADE-477A-B2CB-54BE68DCBDDF}"/>
+                <a16:creationId xmlns:a16="http://schemas.microsoft.com/office/drawing/2014/main" id="{EACD7BE9-D70D-4B7A-879E-7029D4C82F4C}"/>
               </a:ext>
             </a:extLst>
           </p:cNvPr>
@@ -4270,29 +4440,57 @@
           <a:p>
             <a:r>
               <a:rPr lang="ru-RU" dirty="0"/>
-              <a:t>Апробация: Отчеты администратора</a:t>
+              <a:t>Апробация: Администратор</a:t>
             </a:r>
           </a:p>
         </p:txBody>
       </p:sp>
       <p:pic>
         <p:nvPicPr>
-          <p:cNvPr id="8" name="Объект 7">
+          <p:cNvPr id="5" name="Объект 4">
             <a:extLst>
               <a:ext uri="{FF2B5EF4-FFF2-40B4-BE49-F238E27FC236}">
-                <a16:creationId xmlns:a16="http://schemas.microsoft.com/office/drawing/2014/main" id="{0E6D0235-03BC-424F-AB46-979E9C0E744E}"/>
+                <a16:creationId xmlns:a16="http://schemas.microsoft.com/office/drawing/2014/main" id="{DCBF9B19-E9E9-495D-B06C-D27ED2A94587}"/>
               </a:ext>
             </a:extLst>
           </p:cNvPr>
           <p:cNvPicPr>
-            <a:picLocks noGrp="1"/>
+            <a:picLocks noGrp="1" noChangeAspect="1"/>
           </p:cNvPicPr>
           <p:nvPr>
             <p:ph idx="1"/>
           </p:nvPr>
         </p:nvPicPr>
         <p:blipFill>
-          <a:blip r:embed="rId2">
+          <a:blip r:embed="rId2"/>
+          <a:stretch>
+            <a:fillRect/>
+          </a:stretch>
+        </p:blipFill>
+        <p:spPr>
+          <a:xfrm>
+            <a:off x="0" y="1563422"/>
+            <a:ext cx="2895851" cy="2213040"/>
+          </a:xfrm>
+          <a:prstGeom prst="rect">
+            <a:avLst/>
+          </a:prstGeom>
+        </p:spPr>
+      </p:pic>
+      <p:pic>
+        <p:nvPicPr>
+          <p:cNvPr id="6" name="Рисунок 5">
+            <a:extLst>
+              <a:ext uri="{FF2B5EF4-FFF2-40B4-BE49-F238E27FC236}">
+                <a16:creationId xmlns:a16="http://schemas.microsoft.com/office/drawing/2014/main" id="{0B230206-9484-4B0E-B232-BF8160208F1D}"/>
+              </a:ext>
+            </a:extLst>
+          </p:cNvPr>
+          <p:cNvPicPr/>
+          <p:nvPr/>
+        </p:nvPicPr>
+        <p:blipFill>
+          <a:blip r:embed="rId3">
             <a:extLst>
               <a:ext uri="{28A0092B-C50C-407E-A947-70E740481C1C}">
                 <a14:useLocalDpi xmlns:a14="http://schemas.microsoft.com/office/drawing/2010/main" val="0"/>
@@ -4306,8 +4504,8 @@
         </p:blipFill>
         <p:spPr bwMode="auto">
           <a:xfrm>
-            <a:off x="0" y="1393500"/>
-            <a:ext cx="5905499" cy="2886952"/>
+            <a:off x="2883344" y="1561476"/>
+            <a:ext cx="3212656" cy="2362200"/>
           </a:xfrm>
           <a:prstGeom prst="rect">
             <a:avLst/>
@@ -4320,10 +4518,10 @@
       </p:pic>
       <p:pic>
         <p:nvPicPr>
-          <p:cNvPr id="9" name="Рисунок 8">
+          <p:cNvPr id="7" name="Рисунок 6">
             <a:extLst>
               <a:ext uri="{FF2B5EF4-FFF2-40B4-BE49-F238E27FC236}">
-                <a16:creationId xmlns:a16="http://schemas.microsoft.com/office/drawing/2014/main" id="{6B7771B5-0CA2-498F-9B41-D74D61499671}"/>
+                <a16:creationId xmlns:a16="http://schemas.microsoft.com/office/drawing/2014/main" id="{9F1E78FF-F870-4A97-86BC-C8A137B2EE77}"/>
               </a:ext>
             </a:extLst>
           </p:cNvPr>
@@ -4331,7 +4529,7 @@
           <p:nvPr/>
         </p:nvPicPr>
         <p:blipFill>
-          <a:blip r:embed="rId3">
+          <a:blip r:embed="rId4">
             <a:extLst>
               <a:ext uri="{28A0092B-C50C-407E-A947-70E740481C1C}">
                 <a14:useLocalDpi xmlns:a14="http://schemas.microsoft.com/office/drawing/2010/main" val="0"/>
@@ -4345,8 +4543,8 @@
         </p:blipFill>
         <p:spPr bwMode="auto">
           <a:xfrm>
-            <a:off x="5905499" y="1393500"/>
-            <a:ext cx="6286501" cy="2833942"/>
+            <a:off x="5976730" y="1809550"/>
+            <a:ext cx="6215270" cy="1966912"/>
           </a:xfrm>
           <a:prstGeom prst="rect">
             <a:avLst/>
@@ -4359,10 +4557,10 @@
       </p:pic>
       <p:pic>
         <p:nvPicPr>
-          <p:cNvPr id="10" name="Рисунок 9">
+          <p:cNvPr id="8" name="Рисунок 7">
             <a:extLst>
               <a:ext uri="{FF2B5EF4-FFF2-40B4-BE49-F238E27FC236}">
-                <a16:creationId xmlns:a16="http://schemas.microsoft.com/office/drawing/2014/main" id="{020D67A5-8E7D-425A-B972-8C5271049CB5}"/>
+                <a16:creationId xmlns:a16="http://schemas.microsoft.com/office/drawing/2014/main" id="{B59BA806-8E98-44C9-BB3F-27040A46D646}"/>
               </a:ext>
             </a:extLst>
           </p:cNvPr>
@@ -4370,7 +4568,7 @@
           <p:nvPr/>
         </p:nvPicPr>
         <p:blipFill>
-          <a:blip r:embed="rId4">
+          <a:blip r:embed="rId5">
             <a:extLst>
               <a:ext uri="{28A0092B-C50C-407E-A947-70E740481C1C}">
                 <a14:useLocalDpi xmlns:a14="http://schemas.microsoft.com/office/drawing/2010/main" val="0"/>
@@ -4384,8 +4582,8 @@
         </p:blipFill>
         <p:spPr bwMode="auto">
           <a:xfrm>
-            <a:off x="0" y="4280450"/>
-            <a:ext cx="12192000" cy="2617306"/>
+            <a:off x="0" y="4052888"/>
+            <a:ext cx="12192000" cy="2526823"/>
           </a:xfrm>
           <a:prstGeom prst="rect">
             <a:avLst/>
@@ -4399,7 +4597,7 @@
     </p:spTree>
     <p:extLst>
       <p:ext uri="{BB962C8B-B14F-4D97-AF65-F5344CB8AC3E}">
-        <p14:creationId xmlns:p14="http://schemas.microsoft.com/office/powerpoint/2010/main" val="1517674079"/>
+        <p14:creationId xmlns:p14="http://schemas.microsoft.com/office/powerpoint/2010/main" val="658956323"/>
       </p:ext>
     </p:extLst>
   </p:cSld>
@@ -4431,7 +4629,7 @@
           <p:cNvPr id="2" name="Заголовок 1">
             <a:extLst>
               <a:ext uri="{FF2B5EF4-FFF2-40B4-BE49-F238E27FC236}">
-                <a16:creationId xmlns:a16="http://schemas.microsoft.com/office/drawing/2014/main" id="{13E6C3B7-FAA9-4604-BBA8-7B1738B8E0D4}"/>
+                <a16:creationId xmlns:a16="http://schemas.microsoft.com/office/drawing/2014/main" id="{3987E056-ABDC-4EF5-B45E-EB0413E17B80}"/>
               </a:ext>
             </a:extLst>
           </p:cNvPr>
@@ -4444,7 +4642,7 @@
         </p:nvSpPr>
         <p:spPr>
           <a:xfrm>
-            <a:off x="838200" y="325369"/>
+            <a:off x="838200" y="325368"/>
             <a:ext cx="10515600" cy="1325563"/>
           </a:xfrm>
         </p:spPr>
@@ -4454,7 +4652,7 @@
           <a:p>
             <a:r>
               <a:rPr lang="ru-RU" dirty="0"/>
-              <a:t>Апробация: Клиента</a:t>
+              <a:t>Апробация: Администратор</a:t>
             </a:r>
           </a:p>
         </p:txBody>
@@ -4464,7 +4662,7 @@
           <p:cNvPr id="4" name="Объект 3">
             <a:extLst>
               <a:ext uri="{FF2B5EF4-FFF2-40B4-BE49-F238E27FC236}">
-                <a16:creationId xmlns:a16="http://schemas.microsoft.com/office/drawing/2014/main" id="{E1C29972-9D8A-4D1A-AA1D-EC6291FAD5E5}"/>
+                <a16:creationId xmlns:a16="http://schemas.microsoft.com/office/drawing/2014/main" id="{0897BBC5-01E9-41B3-B556-4F55FB6366C6}"/>
               </a:ext>
             </a:extLst>
           </p:cNvPr>
@@ -4490,8 +4688,8 @@
         </p:blipFill>
         <p:spPr bwMode="auto">
           <a:xfrm>
-            <a:off x="838200" y="1457739"/>
-            <a:ext cx="5257800" cy="3038061"/>
+            <a:off x="121893" y="2180635"/>
+            <a:ext cx="3498574" cy="2289726"/>
           </a:xfrm>
           <a:prstGeom prst="rect">
             <a:avLst/>
@@ -4507,7 +4705,7 @@
           <p:cNvPr id="5" name="Рисунок 4">
             <a:extLst>
               <a:ext uri="{FF2B5EF4-FFF2-40B4-BE49-F238E27FC236}">
-                <a16:creationId xmlns:a16="http://schemas.microsoft.com/office/drawing/2014/main" id="{4F1B886F-6543-44C2-BFCF-CF785ADDF821}"/>
+                <a16:creationId xmlns:a16="http://schemas.microsoft.com/office/drawing/2014/main" id="{04D3CC89-8FE5-4068-A1A9-3D9F2190E565}"/>
               </a:ext>
             </a:extLst>
           </p:cNvPr>
@@ -4529,8 +4727,8 @@
         </p:blipFill>
         <p:spPr bwMode="auto">
           <a:xfrm>
-            <a:off x="6096000" y="1457739"/>
-            <a:ext cx="5257800" cy="3038061"/>
+            <a:off x="3795502" y="2180635"/>
+            <a:ext cx="3000240" cy="1924050"/>
           </a:xfrm>
           <a:prstGeom prst="rect">
             <a:avLst/>
@@ -4543,10 +4741,10 @@
       </p:pic>
       <p:pic>
         <p:nvPicPr>
-          <p:cNvPr id="7" name="Рисунок 6">
+          <p:cNvPr id="6" name="Рисунок 5">
             <a:extLst>
               <a:ext uri="{FF2B5EF4-FFF2-40B4-BE49-F238E27FC236}">
-                <a16:creationId xmlns:a16="http://schemas.microsoft.com/office/drawing/2014/main" id="{0EDA3618-7F43-44DB-BD7E-5136723D78DE}"/>
+                <a16:creationId xmlns:a16="http://schemas.microsoft.com/office/drawing/2014/main" id="{DC6469DD-0AA4-4D4C-A4C6-88A0D3831337}"/>
               </a:ext>
             </a:extLst>
           </p:cNvPr>
@@ -4568,8 +4766,8 @@
         </p:blipFill>
         <p:spPr bwMode="auto">
           <a:xfrm>
-            <a:off x="847051" y="4495799"/>
-            <a:ext cx="10506749" cy="2262809"/>
+            <a:off x="6896379" y="2381844"/>
+            <a:ext cx="4848225" cy="1228725"/>
           </a:xfrm>
           <a:prstGeom prst="rect">
             <a:avLst/>
@@ -4580,10 +4778,127 @@
           </a:ln>
         </p:spPr>
       </p:pic>
+      <p:pic>
+        <p:nvPicPr>
+          <p:cNvPr id="8" name="Рисунок 7">
+            <a:extLst>
+              <a:ext uri="{FF2B5EF4-FFF2-40B4-BE49-F238E27FC236}">
+                <a16:creationId xmlns:a16="http://schemas.microsoft.com/office/drawing/2014/main" id="{7ED744EC-28DA-4FFB-884F-B55F19DF3FB0}"/>
+              </a:ext>
+            </a:extLst>
+          </p:cNvPr>
+          <p:cNvPicPr/>
+          <p:nvPr/>
+        </p:nvPicPr>
+        <p:blipFill>
+          <a:blip r:embed="rId5">
+            <a:extLst>
+              <a:ext uri="{28A0092B-C50C-407E-A947-70E740481C1C}">
+                <a14:useLocalDpi xmlns:a14="http://schemas.microsoft.com/office/drawing/2010/main" val="0"/>
+              </a:ext>
+            </a:extLst>
+          </a:blip>
+          <a:srcRect/>
+          <a:stretch>
+            <a:fillRect/>
+          </a:stretch>
+        </p:blipFill>
+        <p:spPr bwMode="auto">
+          <a:xfrm>
+            <a:off x="0" y="4594633"/>
+            <a:ext cx="3742361" cy="1445361"/>
+          </a:xfrm>
+          <a:prstGeom prst="rect">
+            <a:avLst/>
+          </a:prstGeom>
+          <a:noFill/>
+          <a:ln>
+            <a:noFill/>
+          </a:ln>
+        </p:spPr>
+      </p:pic>
+      <p:pic>
+        <p:nvPicPr>
+          <p:cNvPr id="9" name="Рисунок 8">
+            <a:extLst>
+              <a:ext uri="{FF2B5EF4-FFF2-40B4-BE49-F238E27FC236}">
+                <a16:creationId xmlns:a16="http://schemas.microsoft.com/office/drawing/2014/main" id="{27FDB62C-2CFD-4B1C-A8C4-0CD2BDB3056F}"/>
+              </a:ext>
+            </a:extLst>
+          </p:cNvPr>
+          <p:cNvPicPr/>
+          <p:nvPr/>
+        </p:nvPicPr>
+        <p:blipFill>
+          <a:blip r:embed="rId6">
+            <a:extLst>
+              <a:ext uri="{28A0092B-C50C-407E-A947-70E740481C1C}">
+                <a14:useLocalDpi xmlns:a14="http://schemas.microsoft.com/office/drawing/2010/main" val="0"/>
+              </a:ext>
+            </a:extLst>
+          </a:blip>
+          <a:srcRect/>
+          <a:stretch>
+            <a:fillRect/>
+          </a:stretch>
+        </p:blipFill>
+        <p:spPr bwMode="auto">
+          <a:xfrm>
+            <a:off x="3742361" y="4594633"/>
+            <a:ext cx="3742362" cy="1228725"/>
+          </a:xfrm>
+          <a:prstGeom prst="rect">
+            <a:avLst/>
+          </a:prstGeom>
+          <a:noFill/>
+          <a:ln>
+            <a:noFill/>
+          </a:ln>
+        </p:spPr>
+      </p:pic>
+      <p:pic>
+        <p:nvPicPr>
+          <p:cNvPr id="10" name="Рисунок 9">
+            <a:extLst>
+              <a:ext uri="{FF2B5EF4-FFF2-40B4-BE49-F238E27FC236}">
+                <a16:creationId xmlns:a16="http://schemas.microsoft.com/office/drawing/2014/main" id="{B9A38013-0E04-4AE8-9D29-67F6385835D1}"/>
+              </a:ext>
+            </a:extLst>
+          </p:cNvPr>
+          <p:cNvPicPr/>
+          <p:nvPr/>
+        </p:nvPicPr>
+        <p:blipFill>
+          <a:blip r:embed="rId7">
+            <a:extLst>
+              <a:ext uri="{28A0092B-C50C-407E-A947-70E740481C1C}">
+                <a14:useLocalDpi xmlns:a14="http://schemas.microsoft.com/office/drawing/2010/main" val="0"/>
+              </a:ext>
+            </a:extLst>
+          </a:blip>
+          <a:srcRect/>
+          <a:stretch>
+            <a:fillRect/>
+          </a:stretch>
+        </p:blipFill>
+        <p:spPr bwMode="auto">
+          <a:xfrm>
+            <a:off x="7484722" y="4469905"/>
+            <a:ext cx="4548250" cy="1570089"/>
+          </a:xfrm>
+          <a:prstGeom prst="rect">
+            <a:avLst/>
+          </a:prstGeom>
+          <a:noFill/>
+          <a:ln>
+            <a:noFill/>
+          </a:ln>
+        </p:spPr>
+      </p:pic>
     </p:spTree>
     <p:extLst>
       <p:ext uri="{BB962C8B-B14F-4D97-AF65-F5344CB8AC3E}">
-        <p14:creationId xmlns:p14="http://schemas.microsoft.com/office/powerpoint/2010/main" val="3020117924"/>
+        <p14:creationId xmlns:p14="http://schemas.microsoft.com/office/powerpoint/2010/main" val="1206766381"/>
       </p:ext>
     </p:extLst>
   </p:cSld>
@@ -4612,7 +4927,13 @@
       </p:grpSpPr>
       <p:sp>
         <p:nvSpPr>
-          <p:cNvPr id="2" name="Заголовок 1"/>
+          <p:cNvPr id="2" name="Заголовок 1">
+            <a:extLst>
+              <a:ext uri="{FF2B5EF4-FFF2-40B4-BE49-F238E27FC236}">
+                <a16:creationId xmlns:a16="http://schemas.microsoft.com/office/drawing/2014/main" id="{149BA20A-6ADE-477A-B2CB-54BE68DCBDDF}"/>
+              </a:ext>
+            </a:extLst>
+          </p:cNvPr>
           <p:cNvSpPr>
             <a:spLocks noGrp="1"/>
           </p:cNvSpPr>
@@ -4627,177 +4948,136 @@
           <a:p>
             <a:r>
               <a:rPr lang="ru-RU" dirty="0"/>
-              <a:t>Результаты дипломной работы</a:t>
-            </a:r>
-          </a:p>
-        </p:txBody>
-      </p:sp>
-      <p:sp>
-        <p:nvSpPr>
-          <p:cNvPr id="3" name="Объект 2"/>
-          <p:cNvSpPr>
-            <a:spLocks noGrp="1"/>
-          </p:cNvSpPr>
+              <a:t>Апробация: Отчеты администратора</a:t>
+            </a:r>
+          </a:p>
+        </p:txBody>
+      </p:sp>
+      <p:pic>
+        <p:nvPicPr>
+          <p:cNvPr id="8" name="Объект 7">
+            <a:extLst>
+              <a:ext uri="{FF2B5EF4-FFF2-40B4-BE49-F238E27FC236}">
+                <a16:creationId xmlns:a16="http://schemas.microsoft.com/office/drawing/2014/main" id="{0E6D0235-03BC-424F-AB46-979E9C0E744E}"/>
+              </a:ext>
+            </a:extLst>
+          </p:cNvPr>
+          <p:cNvPicPr>
+            <a:picLocks noGrp="1"/>
+          </p:cNvPicPr>
           <p:nvPr>
             <p:ph idx="1"/>
           </p:nvPr>
-        </p:nvSpPr>
-        <p:spPr/>
-        <p:txBody>
-          <a:bodyPr>
-            <a:normAutofit fontScale="92500"/>
-          </a:bodyPr>
-          <a:lstStyle/>
-          <a:p>
-            <a:pPr>
-              <a:buFont typeface="Wingdings" panose="05000000000000000000" pitchFamily="2" charset="2"/>
-              <a:buChar char="§"/>
-            </a:pPr>
-            <a:r>
-              <a:rPr lang="ru-RU" dirty="0"/>
-              <a:t>Изучены:</a:t>
-            </a:r>
-          </a:p>
-          <a:p>
-            <a:pPr lvl="1"/>
-            <a:r>
-              <a:rPr lang="ru-RU" dirty="0"/>
-              <a:t>языки программирования </a:t>
-            </a:r>
-            <a:r>
-              <a:rPr lang="en-US" dirty="0"/>
-              <a:t>Java</a:t>
-            </a:r>
-            <a:r>
-              <a:rPr lang="ru-RU" dirty="0"/>
-              <a:t> фреймворк </a:t>
-            </a:r>
-            <a:r>
-              <a:rPr lang="en-US" dirty="0"/>
-              <a:t>Hibernate</a:t>
-            </a:r>
-            <a:endParaRPr lang="ru-RU" dirty="0"/>
-          </a:p>
-          <a:p>
-            <a:pPr lvl="1"/>
-            <a:r>
-              <a:rPr lang="ru-RU" dirty="0"/>
-              <a:t>библиотеки </a:t>
-            </a:r>
-            <a:r>
-              <a:rPr lang="en-US" dirty="0"/>
-              <a:t>SWING, </a:t>
-            </a:r>
-            <a:r>
-              <a:rPr lang="en-US" dirty="0" err="1"/>
-              <a:t>JExcelAPI</a:t>
-            </a:r>
-            <a:r>
-              <a:rPr lang="en-US" dirty="0"/>
-              <a:t>, Log4j, JDBC, </a:t>
-            </a:r>
-            <a:r>
-              <a:rPr lang="en-US" dirty="0" err="1"/>
-              <a:t>Aspose.Words</a:t>
-            </a:r>
-            <a:endParaRPr lang="en-US" dirty="0"/>
-          </a:p>
-          <a:p>
-            <a:pPr marL="457200" lvl="1" indent="0">
-              <a:buNone/>
-            </a:pPr>
-            <a:endParaRPr lang="en-US" dirty="0"/>
-          </a:p>
-          <a:p>
-            <a:pPr>
-              <a:buFont typeface="Wingdings" panose="05000000000000000000" pitchFamily="2" charset="2"/>
-              <a:buChar char="§"/>
-            </a:pPr>
-            <a:r>
-              <a:rPr lang="ru-RU" dirty="0"/>
-              <a:t>Помимо этого, были выполнены следующие задачи:</a:t>
-            </a:r>
-            <a:endParaRPr lang="en-US" dirty="0"/>
-          </a:p>
-          <a:p>
-            <a:pPr lvl="1"/>
-            <a:r>
-              <a:rPr lang="ru-RU" dirty="0"/>
-              <a:t>спроектировано и разработано приложение</a:t>
-            </a:r>
-          </a:p>
-          <a:p>
-            <a:pPr lvl="1"/>
-            <a:r>
-              <a:rPr lang="ru-RU" dirty="0"/>
-              <a:t>разработаны основные модули: регистрация и авторизация пользователя; просмотр, создание запросов и заявок</a:t>
-            </a:r>
-            <a:r>
-              <a:rPr lang="en-US" dirty="0"/>
-              <a:t>; </a:t>
-            </a:r>
-            <a:r>
-              <a:rPr lang="ru-RU" dirty="0"/>
-              <a:t>просмотр</a:t>
-            </a:r>
-            <a:r>
-              <a:rPr lang="en-US" dirty="0"/>
-              <a:t> </a:t>
-            </a:r>
-            <a:r>
-              <a:rPr lang="ru-RU" dirty="0"/>
-              <a:t>динамической информации о компании в том числе по фильтрам</a:t>
-            </a:r>
-            <a:r>
-              <a:rPr lang="en-US" dirty="0"/>
-              <a:t>,</a:t>
-            </a:r>
-            <a:r>
-              <a:rPr lang="ru-RU" dirty="0"/>
-              <a:t> а также вывод ее с предварительной обработкой в качестве отчетов </a:t>
-            </a:r>
-            <a:r>
-              <a:rPr lang="en-US" dirty="0"/>
-              <a:t>Excel;</a:t>
-            </a:r>
-            <a:r>
-              <a:rPr lang="ru-RU" dirty="0"/>
-              <a:t> отправка отзывов и формирование рейтинга водителей и менеджеров на их основе</a:t>
-            </a:r>
-            <a:r>
-              <a:rPr lang="en-US" dirty="0"/>
-              <a:t>;</a:t>
-            </a:r>
-            <a:r>
-              <a:rPr lang="ru-RU" dirty="0"/>
-              <a:t> а также расчет загрузки транспорта</a:t>
-            </a:r>
-            <a:r>
-              <a:rPr lang="en-US" dirty="0"/>
-              <a:t>,</a:t>
-            </a:r>
-            <a:r>
-              <a:rPr lang="ru-RU" dirty="0"/>
-              <a:t> формирование договоров в формате </a:t>
-            </a:r>
-            <a:r>
-              <a:rPr lang="en-US" dirty="0"/>
-              <a:t>Docx</a:t>
-            </a:r>
-            <a:endParaRPr lang="ru-RU" dirty="0"/>
-          </a:p>
-          <a:p>
-            <a:pPr marL="0" indent="0">
-              <a:buNone/>
-            </a:pPr>
-            <a:endParaRPr lang="ru-RU" dirty="0"/>
-          </a:p>
-        </p:txBody>
-      </p:sp>
+        </p:nvPicPr>
+        <p:blipFill>
+          <a:blip r:embed="rId2">
+            <a:extLst>
+              <a:ext uri="{28A0092B-C50C-407E-A947-70E740481C1C}">
+                <a14:useLocalDpi xmlns:a14="http://schemas.microsoft.com/office/drawing/2010/main" val="0"/>
+              </a:ext>
+            </a:extLst>
+          </a:blip>
+          <a:srcRect/>
+          <a:stretch>
+            <a:fillRect/>
+          </a:stretch>
+        </p:blipFill>
+        <p:spPr bwMode="auto">
+          <a:xfrm>
+            <a:off x="0" y="1393500"/>
+            <a:ext cx="5905499" cy="2886952"/>
+          </a:xfrm>
+          <a:prstGeom prst="rect">
+            <a:avLst/>
+          </a:prstGeom>
+          <a:noFill/>
+          <a:ln>
+            <a:noFill/>
+          </a:ln>
+        </p:spPr>
+      </p:pic>
+      <p:pic>
+        <p:nvPicPr>
+          <p:cNvPr id="9" name="Рисунок 8">
+            <a:extLst>
+              <a:ext uri="{FF2B5EF4-FFF2-40B4-BE49-F238E27FC236}">
+                <a16:creationId xmlns:a16="http://schemas.microsoft.com/office/drawing/2014/main" id="{6B7771B5-0CA2-498F-9B41-D74D61499671}"/>
+              </a:ext>
+            </a:extLst>
+          </p:cNvPr>
+          <p:cNvPicPr/>
+          <p:nvPr/>
+        </p:nvPicPr>
+        <p:blipFill>
+          <a:blip r:embed="rId3">
+            <a:extLst>
+              <a:ext uri="{28A0092B-C50C-407E-A947-70E740481C1C}">
+                <a14:useLocalDpi xmlns:a14="http://schemas.microsoft.com/office/drawing/2010/main" val="0"/>
+              </a:ext>
+            </a:extLst>
+          </a:blip>
+          <a:srcRect/>
+          <a:stretch>
+            <a:fillRect/>
+          </a:stretch>
+        </p:blipFill>
+        <p:spPr bwMode="auto">
+          <a:xfrm>
+            <a:off x="5905499" y="1393500"/>
+            <a:ext cx="6286501" cy="2833942"/>
+          </a:xfrm>
+          <a:prstGeom prst="rect">
+            <a:avLst/>
+          </a:prstGeom>
+          <a:noFill/>
+          <a:ln>
+            <a:noFill/>
+          </a:ln>
+        </p:spPr>
+      </p:pic>
+      <p:pic>
+        <p:nvPicPr>
+          <p:cNvPr id="10" name="Рисунок 9">
+            <a:extLst>
+              <a:ext uri="{FF2B5EF4-FFF2-40B4-BE49-F238E27FC236}">
+                <a16:creationId xmlns:a16="http://schemas.microsoft.com/office/drawing/2014/main" id="{020D67A5-8E7D-425A-B972-8C5271049CB5}"/>
+              </a:ext>
+            </a:extLst>
+          </p:cNvPr>
+          <p:cNvPicPr/>
+          <p:nvPr/>
+        </p:nvPicPr>
+        <p:blipFill>
+          <a:blip r:embed="rId4">
+            <a:extLst>
+              <a:ext uri="{28A0092B-C50C-407E-A947-70E740481C1C}">
+                <a14:useLocalDpi xmlns:a14="http://schemas.microsoft.com/office/drawing/2010/main" val="0"/>
+              </a:ext>
+            </a:extLst>
+          </a:blip>
+          <a:srcRect/>
+          <a:stretch>
+            <a:fillRect/>
+          </a:stretch>
+        </p:blipFill>
+        <p:spPr bwMode="auto">
+          <a:xfrm>
+            <a:off x="0" y="4280450"/>
+            <a:ext cx="12192000" cy="2617306"/>
+          </a:xfrm>
+          <a:prstGeom prst="rect">
+            <a:avLst/>
+          </a:prstGeom>
+          <a:noFill/>
+          <a:ln>
+            <a:noFill/>
+          </a:ln>
+        </p:spPr>
+      </p:pic>
     </p:spTree>
     <p:extLst>
       <p:ext uri="{BB962C8B-B14F-4D97-AF65-F5344CB8AC3E}">
-        <p14:creationId xmlns:p14="http://schemas.microsoft.com/office/powerpoint/2010/main" val="3718304080"/>
+        <p14:creationId xmlns:p14="http://schemas.microsoft.com/office/powerpoint/2010/main" val="1517674079"/>
       </p:ext>
     </p:extLst>
   </p:cSld>
@@ -4829,7 +5109,7 @@
           <p:cNvPr id="2" name="Заголовок 1">
             <a:extLst>
               <a:ext uri="{FF2B5EF4-FFF2-40B4-BE49-F238E27FC236}">
-                <a16:creationId xmlns:a16="http://schemas.microsoft.com/office/drawing/2014/main" id="{E22F2BF3-310C-42C0-A675-3DB6664E8274}"/>
+                <a16:creationId xmlns:a16="http://schemas.microsoft.com/office/drawing/2014/main" id="{13E6C3B7-FAA9-4604-BBA8-7B1738B8E0D4}"/>
               </a:ext>
             </a:extLst>
           </p:cNvPr>
@@ -4840,50 +5120,148 @@
             <p:ph type="title"/>
           </p:nvPr>
         </p:nvSpPr>
-        <p:spPr/>
+        <p:spPr>
+          <a:xfrm>
+            <a:off x="838200" y="325369"/>
+            <a:ext cx="10515600" cy="1325563"/>
+          </a:xfrm>
+        </p:spPr>
         <p:txBody>
           <a:bodyPr/>
           <a:lstStyle/>
           <a:p>
             <a:r>
               <a:rPr lang="ru-RU" dirty="0"/>
-              <a:t>Публикации</a:t>
-            </a:r>
-          </a:p>
-        </p:txBody>
-      </p:sp>
-      <p:sp>
-        <p:nvSpPr>
-          <p:cNvPr id="3" name="Объект 2">
+              <a:t>Апробация: Клиента</a:t>
+            </a:r>
+          </a:p>
+        </p:txBody>
+      </p:sp>
+      <p:pic>
+        <p:nvPicPr>
+          <p:cNvPr id="4" name="Объект 3">
             <a:extLst>
               <a:ext uri="{FF2B5EF4-FFF2-40B4-BE49-F238E27FC236}">
-                <a16:creationId xmlns:a16="http://schemas.microsoft.com/office/drawing/2014/main" id="{2E5B5590-A5C1-4578-ACDF-FDA83BA4D7CA}"/>
+                <a16:creationId xmlns:a16="http://schemas.microsoft.com/office/drawing/2014/main" id="{E1C29972-9D8A-4D1A-AA1D-EC6291FAD5E5}"/>
               </a:ext>
             </a:extLst>
           </p:cNvPr>
-          <p:cNvSpPr>
-            <a:spLocks noGrp="1"/>
-          </p:cNvSpPr>
+          <p:cNvPicPr>
+            <a:picLocks noGrp="1"/>
+          </p:cNvPicPr>
           <p:nvPr>
             <p:ph idx="1"/>
           </p:nvPr>
-        </p:nvSpPr>
-        <p:spPr/>
-        <p:txBody>
-          <a:bodyPr/>
-          <a:lstStyle/>
-          <a:p>
-            <a:r>
-              <a:rPr lang="ru-RU" dirty="0"/>
-              <a:t>Описание разработки доложено на XXVI Республиканской научной конференции студентов и аспирантов «Новые математические методы и компьютерные технологии в проектировании, производстве и научных исследованиях», проходившей в 2023 г. в г. Гомеле; и опубликовано в сборнике этой конференций, а также – в сборнике «Творчество Молодых2023» [15-16].</a:t>
-            </a:r>
-          </a:p>
-        </p:txBody>
-      </p:sp>
+        </p:nvPicPr>
+        <p:blipFill>
+          <a:blip r:embed="rId2">
+            <a:extLst>
+              <a:ext uri="{28A0092B-C50C-407E-A947-70E740481C1C}">
+                <a14:useLocalDpi xmlns:a14="http://schemas.microsoft.com/office/drawing/2010/main" val="0"/>
+              </a:ext>
+            </a:extLst>
+          </a:blip>
+          <a:srcRect/>
+          <a:stretch>
+            <a:fillRect/>
+          </a:stretch>
+        </p:blipFill>
+        <p:spPr bwMode="auto">
+          <a:xfrm>
+            <a:off x="838200" y="1457739"/>
+            <a:ext cx="5257800" cy="3038061"/>
+          </a:xfrm>
+          <a:prstGeom prst="rect">
+            <a:avLst/>
+          </a:prstGeom>
+          <a:noFill/>
+          <a:ln>
+            <a:noFill/>
+          </a:ln>
+        </p:spPr>
+      </p:pic>
+      <p:pic>
+        <p:nvPicPr>
+          <p:cNvPr id="5" name="Рисунок 4">
+            <a:extLst>
+              <a:ext uri="{FF2B5EF4-FFF2-40B4-BE49-F238E27FC236}">
+                <a16:creationId xmlns:a16="http://schemas.microsoft.com/office/drawing/2014/main" id="{4F1B886F-6543-44C2-BFCF-CF785ADDF821}"/>
+              </a:ext>
+            </a:extLst>
+          </p:cNvPr>
+          <p:cNvPicPr/>
+          <p:nvPr/>
+        </p:nvPicPr>
+        <p:blipFill>
+          <a:blip r:embed="rId3">
+            <a:extLst>
+              <a:ext uri="{28A0092B-C50C-407E-A947-70E740481C1C}">
+                <a14:useLocalDpi xmlns:a14="http://schemas.microsoft.com/office/drawing/2010/main" val="0"/>
+              </a:ext>
+            </a:extLst>
+          </a:blip>
+          <a:srcRect/>
+          <a:stretch>
+            <a:fillRect/>
+          </a:stretch>
+        </p:blipFill>
+        <p:spPr bwMode="auto">
+          <a:xfrm>
+            <a:off x="6096000" y="1457739"/>
+            <a:ext cx="5257800" cy="3038061"/>
+          </a:xfrm>
+          <a:prstGeom prst="rect">
+            <a:avLst/>
+          </a:prstGeom>
+          <a:noFill/>
+          <a:ln>
+            <a:noFill/>
+          </a:ln>
+        </p:spPr>
+      </p:pic>
+      <p:pic>
+        <p:nvPicPr>
+          <p:cNvPr id="7" name="Рисунок 6">
+            <a:extLst>
+              <a:ext uri="{FF2B5EF4-FFF2-40B4-BE49-F238E27FC236}">
+                <a16:creationId xmlns:a16="http://schemas.microsoft.com/office/drawing/2014/main" id="{0EDA3618-7F43-44DB-BD7E-5136723D78DE}"/>
+              </a:ext>
+            </a:extLst>
+          </p:cNvPr>
+          <p:cNvPicPr/>
+          <p:nvPr/>
+        </p:nvPicPr>
+        <p:blipFill>
+          <a:blip r:embed="rId4">
+            <a:extLst>
+              <a:ext uri="{28A0092B-C50C-407E-A947-70E740481C1C}">
+                <a14:useLocalDpi xmlns:a14="http://schemas.microsoft.com/office/drawing/2010/main" val="0"/>
+              </a:ext>
+            </a:extLst>
+          </a:blip>
+          <a:srcRect/>
+          <a:stretch>
+            <a:fillRect/>
+          </a:stretch>
+        </p:blipFill>
+        <p:spPr bwMode="auto">
+          <a:xfrm>
+            <a:off x="847051" y="4495799"/>
+            <a:ext cx="10506749" cy="2262809"/>
+          </a:xfrm>
+          <a:prstGeom prst="rect">
+            <a:avLst/>
+          </a:prstGeom>
+          <a:noFill/>
+          <a:ln>
+            <a:noFill/>
+          </a:ln>
+        </p:spPr>
+      </p:pic>
     </p:spTree>
     <p:extLst>
       <p:ext uri="{BB962C8B-B14F-4D97-AF65-F5344CB8AC3E}">
-        <p14:creationId xmlns:p14="http://schemas.microsoft.com/office/powerpoint/2010/main" val="81469737"/>
+        <p14:creationId xmlns:p14="http://schemas.microsoft.com/office/powerpoint/2010/main" val="3020117924"/>
       </p:ext>
     </p:extLst>
   </p:cSld>
@@ -4920,28 +5298,270 @@
             <p:ph type="title"/>
           </p:nvPr>
         </p:nvSpPr>
-        <p:spPr>
-          <a:xfrm>
-            <a:off x="0" y="2391633"/>
-            <a:ext cx="12191999" cy="1325563"/>
-          </a:xfrm>
-        </p:spPr>
+        <p:spPr/>
         <p:txBody>
           <a:bodyPr/>
           <a:lstStyle/>
           <a:p>
-            <a:pPr algn="ctr"/>
             <a:r>
               <a:rPr lang="ru-RU" dirty="0"/>
-              <a:t>Спасибо за внимание</a:t>
-            </a:r>
+              <a:t>Результаты дипломной работы</a:t>
+            </a:r>
+          </a:p>
+        </p:txBody>
+      </p:sp>
+      <p:sp>
+        <p:nvSpPr>
+          <p:cNvPr id="3" name="Объект 2"/>
+          <p:cNvSpPr>
+            <a:spLocks noGrp="1"/>
+          </p:cNvSpPr>
+          <p:nvPr>
+            <p:ph idx="1"/>
+          </p:nvPr>
+        </p:nvSpPr>
+        <p:spPr/>
+        <p:txBody>
+          <a:bodyPr>
+            <a:normAutofit fontScale="92500"/>
+          </a:bodyPr>
+          <a:lstStyle/>
+          <a:p>
+            <a:pPr>
+              <a:buFont typeface="Wingdings" panose="05000000000000000000" pitchFamily="2" charset="2"/>
+              <a:buChar char="§"/>
+            </a:pPr>
+            <a:r>
+              <a:rPr lang="ru-RU" dirty="0"/>
+              <a:t>Изучены:</a:t>
+            </a:r>
+          </a:p>
+          <a:p>
+            <a:pPr lvl="1"/>
+            <a:r>
+              <a:rPr lang="ru-RU" dirty="0"/>
+              <a:t>языки программирования </a:t>
+            </a:r>
+            <a:r>
+              <a:rPr lang="en-US" dirty="0"/>
+              <a:t>Java</a:t>
+            </a:r>
+            <a:r>
+              <a:rPr lang="ru-RU" dirty="0"/>
+              <a:t> фреймворк </a:t>
+            </a:r>
+            <a:r>
+              <a:rPr lang="en-US" dirty="0"/>
+              <a:t>Hibernate</a:t>
+            </a:r>
+            <a:endParaRPr lang="ru-RU" dirty="0"/>
+          </a:p>
+          <a:p>
+            <a:pPr lvl="1"/>
+            <a:r>
+              <a:rPr lang="ru-RU" dirty="0"/>
+              <a:t>библиотеки </a:t>
+            </a:r>
+            <a:r>
+              <a:rPr lang="en-US" dirty="0"/>
+              <a:t>SWING, </a:t>
+            </a:r>
+            <a:r>
+              <a:rPr lang="en-US" dirty="0" err="1"/>
+              <a:t>JExcelAPI</a:t>
+            </a:r>
+            <a:r>
+              <a:rPr lang="en-US" dirty="0"/>
+              <a:t>, Log4j, JDBC, </a:t>
+            </a:r>
+            <a:r>
+              <a:rPr lang="en-US" dirty="0" err="1"/>
+              <a:t>Aspose.Words</a:t>
+            </a:r>
+            <a:endParaRPr lang="en-US" dirty="0"/>
+          </a:p>
+          <a:p>
+            <a:pPr marL="457200" lvl="1" indent="0">
+              <a:buNone/>
+            </a:pPr>
+            <a:endParaRPr lang="en-US" dirty="0"/>
+          </a:p>
+          <a:p>
+            <a:pPr>
+              <a:buFont typeface="Wingdings" panose="05000000000000000000" pitchFamily="2" charset="2"/>
+              <a:buChar char="§"/>
+            </a:pPr>
+            <a:r>
+              <a:rPr lang="ru-RU" dirty="0"/>
+              <a:t>Помимо этого, были выполнены следующие задачи:</a:t>
+            </a:r>
+            <a:endParaRPr lang="en-US" dirty="0"/>
+          </a:p>
+          <a:p>
+            <a:pPr lvl="1"/>
+            <a:r>
+              <a:rPr lang="ru-RU" dirty="0"/>
+              <a:t>спроектировано и разработано приложение</a:t>
+            </a:r>
+          </a:p>
+          <a:p>
+            <a:pPr lvl="1"/>
+            <a:r>
+              <a:rPr lang="ru-RU" dirty="0"/>
+              <a:t>разработаны основные модули: регистрация и авторизация пользователя; просмотр, создание запросов и заявок</a:t>
+            </a:r>
+            <a:r>
+              <a:rPr lang="en-US" dirty="0"/>
+              <a:t>; </a:t>
+            </a:r>
+            <a:r>
+              <a:rPr lang="ru-RU" dirty="0"/>
+              <a:t>просмотр</a:t>
+            </a:r>
+            <a:r>
+              <a:rPr lang="en-US" dirty="0"/>
+              <a:t> </a:t>
+            </a:r>
+            <a:r>
+              <a:rPr lang="ru-RU" dirty="0"/>
+              <a:t>динамической информации о компании в том числе по фильтрам</a:t>
+            </a:r>
+            <a:r>
+              <a:rPr lang="en-US" dirty="0"/>
+              <a:t>,</a:t>
+            </a:r>
+            <a:r>
+              <a:rPr lang="ru-RU" dirty="0"/>
+              <a:t> а также вывод ее с предварительной обработкой в качестве отчетов </a:t>
+            </a:r>
+            <a:r>
+              <a:rPr lang="en-US" dirty="0"/>
+              <a:t>Excel;</a:t>
+            </a:r>
+            <a:r>
+              <a:rPr lang="ru-RU" dirty="0"/>
+              <a:t> отправка отзывов и формирование рейтинга водителей и менеджеров на их основе</a:t>
+            </a:r>
+            <a:r>
+              <a:rPr lang="en-US" dirty="0"/>
+              <a:t>;</a:t>
+            </a:r>
+            <a:r>
+              <a:rPr lang="ru-RU" dirty="0"/>
+              <a:t> а также расчет загрузки транспорта</a:t>
+            </a:r>
+            <a:r>
+              <a:rPr lang="en-US" dirty="0"/>
+              <a:t>,</a:t>
+            </a:r>
+            <a:r>
+              <a:rPr lang="ru-RU" dirty="0"/>
+              <a:t> формирование договоров в формате </a:t>
+            </a:r>
+            <a:r>
+              <a:rPr lang="en-US" dirty="0"/>
+              <a:t>Docx</a:t>
+            </a:r>
+            <a:endParaRPr lang="ru-RU" dirty="0"/>
+          </a:p>
+          <a:p>
+            <a:pPr marL="0" indent="0">
+              <a:buNone/>
+            </a:pPr>
+            <a:endParaRPr lang="ru-RU" dirty="0"/>
           </a:p>
         </p:txBody>
       </p:sp>
     </p:spTree>
     <p:extLst>
       <p:ext uri="{BB962C8B-B14F-4D97-AF65-F5344CB8AC3E}">
-        <p14:creationId xmlns:p14="http://schemas.microsoft.com/office/powerpoint/2010/main" val="2001914665"/>
+        <p14:creationId xmlns:p14="http://schemas.microsoft.com/office/powerpoint/2010/main" val="3718304080"/>
+      </p:ext>
+    </p:extLst>
+  </p:cSld>
+  <p:clrMapOvr>
+    <a:masterClrMapping/>
+  </p:clrMapOvr>
+</p:sld>
+</file>
+
+<file path=ppt/slides/slide19.xml><?xml version="1.0" encoding="utf-8"?>
+<p:sld xmlns:a="http://schemas.openxmlformats.org/drawingml/2006/main" xmlns:r="http://schemas.openxmlformats.org/officeDocument/2006/relationships" xmlns:p="http://schemas.openxmlformats.org/presentationml/2006/main">
+  <p:cSld>
+    <p:spTree>
+      <p:nvGrpSpPr>
+        <p:cNvPr id="1" name=""/>
+        <p:cNvGrpSpPr/>
+        <p:nvPr/>
+      </p:nvGrpSpPr>
+      <p:grpSpPr>
+        <a:xfrm>
+          <a:off x="0" y="0"/>
+          <a:ext cx="0" cy="0"/>
+          <a:chOff x="0" y="0"/>
+          <a:chExt cx="0" cy="0"/>
+        </a:xfrm>
+      </p:grpSpPr>
+      <p:sp>
+        <p:nvSpPr>
+          <p:cNvPr id="2" name="Заголовок 1">
+            <a:extLst>
+              <a:ext uri="{FF2B5EF4-FFF2-40B4-BE49-F238E27FC236}">
+                <a16:creationId xmlns:a16="http://schemas.microsoft.com/office/drawing/2014/main" id="{E22F2BF3-310C-42C0-A675-3DB6664E8274}"/>
+              </a:ext>
+            </a:extLst>
+          </p:cNvPr>
+          <p:cNvSpPr>
+            <a:spLocks noGrp="1"/>
+          </p:cNvSpPr>
+          <p:nvPr>
+            <p:ph type="title"/>
+          </p:nvPr>
+        </p:nvSpPr>
+        <p:spPr/>
+        <p:txBody>
+          <a:bodyPr/>
+          <a:lstStyle/>
+          <a:p>
+            <a:r>
+              <a:rPr lang="ru-RU" dirty="0"/>
+              <a:t>Публикации</a:t>
+            </a:r>
+          </a:p>
+        </p:txBody>
+      </p:sp>
+      <p:sp>
+        <p:nvSpPr>
+          <p:cNvPr id="3" name="Объект 2">
+            <a:extLst>
+              <a:ext uri="{FF2B5EF4-FFF2-40B4-BE49-F238E27FC236}">
+                <a16:creationId xmlns:a16="http://schemas.microsoft.com/office/drawing/2014/main" id="{2E5B5590-A5C1-4578-ACDF-FDA83BA4D7CA}"/>
+              </a:ext>
+            </a:extLst>
+          </p:cNvPr>
+          <p:cNvSpPr>
+            <a:spLocks noGrp="1"/>
+          </p:cNvSpPr>
+          <p:nvPr>
+            <p:ph idx="1"/>
+          </p:nvPr>
+        </p:nvSpPr>
+        <p:spPr/>
+        <p:txBody>
+          <a:bodyPr/>
+          <a:lstStyle/>
+          <a:p>
+            <a:r>
+              <a:rPr lang="ru-RU" dirty="0"/>
+              <a:t>Описание разработки доложено на XXVI Республиканской научной конференции студентов и аспирантов «Новые математические методы и компьютерные технологии в проектировании, производстве и научных исследованиях», проходившей в 2023 г. в г. Гомеле; и опубликовано в сборнике этой конференций, а также – в сборнике «Творчество Молодых2023» [15-16].</a:t>
+            </a:r>
+          </a:p>
+        </p:txBody>
+      </p:sp>
+    </p:spTree>
+    <p:extLst>
+      <p:ext uri="{BB962C8B-B14F-4D97-AF65-F5344CB8AC3E}">
+        <p14:creationId xmlns:p14="http://schemas.microsoft.com/office/powerpoint/2010/main" val="81469737"/>
       </p:ext>
     </p:extLst>
   </p:cSld>
@@ -4993,6 +5613,14 @@
               <a:rPr lang="ru-RU" dirty="0"/>
               <a:t>Актуальность</a:t>
             </a:r>
+            <a:r>
+              <a:rPr lang="en-US" dirty="0"/>
+              <a:t>: </a:t>
+            </a:r>
+            <a:r>
+              <a:rPr lang="ru-RU" dirty="0"/>
+              <a:t>проблематика</a:t>
+            </a:r>
           </a:p>
         </p:txBody>
       </p:sp>
@@ -5017,7 +5645,34 @@
           <a:bodyPr/>
           <a:lstStyle/>
           <a:p>
-            <a:endParaRPr lang="ru-RU" dirty="0"/>
+            <a:r>
+              <a:rPr lang="ru-RU" dirty="0"/>
+              <a:t>должен разбираться с огромной бумажной работой</a:t>
+            </a:r>
+          </a:p>
+          <a:p>
+            <a:r>
+              <a:rPr lang="ru-RU" dirty="0"/>
+              <a:t>ему нужно нарабатывать клиентскую базу</a:t>
+            </a:r>
+          </a:p>
+          <a:p>
+            <a:r>
+              <a:rPr lang="ru-RU" dirty="0"/>
+              <a:t>нужно конкурировать с другими водителями</a:t>
+            </a:r>
+          </a:p>
+          <a:p>
+            <a:r>
+              <a:rPr lang="ru-RU" dirty="0"/>
+              <a:t>Отдых</a:t>
+            </a:r>
+          </a:p>
+          <a:p>
+            <a:r>
+              <a:rPr lang="ru-RU" dirty="0"/>
+              <a:t>техобслуживание своей машины</a:t>
+            </a:r>
           </a:p>
         </p:txBody>
       </p:sp>
@@ -5025,6 +5680,64 @@
     <p:extLst>
       <p:ext uri="{BB962C8B-B14F-4D97-AF65-F5344CB8AC3E}">
         <p14:creationId xmlns:p14="http://schemas.microsoft.com/office/powerpoint/2010/main" val="4254294301"/>
+      </p:ext>
+    </p:extLst>
+  </p:cSld>
+  <p:clrMapOvr>
+    <a:masterClrMapping/>
+  </p:clrMapOvr>
+</p:sld>
+</file>
+
+<file path=ppt/slides/slide20.xml><?xml version="1.0" encoding="utf-8"?>
+<p:sld xmlns:a="http://schemas.openxmlformats.org/drawingml/2006/main" xmlns:r="http://schemas.openxmlformats.org/officeDocument/2006/relationships" xmlns:p="http://schemas.openxmlformats.org/presentationml/2006/main">
+  <p:cSld>
+    <p:spTree>
+      <p:nvGrpSpPr>
+        <p:cNvPr id="1" name=""/>
+        <p:cNvGrpSpPr/>
+        <p:nvPr/>
+      </p:nvGrpSpPr>
+      <p:grpSpPr>
+        <a:xfrm>
+          <a:off x="0" y="0"/>
+          <a:ext cx="0" cy="0"/>
+          <a:chOff x="0" y="0"/>
+          <a:chExt cx="0" cy="0"/>
+        </a:xfrm>
+      </p:grpSpPr>
+      <p:sp>
+        <p:nvSpPr>
+          <p:cNvPr id="2" name="Заголовок 1"/>
+          <p:cNvSpPr>
+            <a:spLocks noGrp="1"/>
+          </p:cNvSpPr>
+          <p:nvPr>
+            <p:ph type="title"/>
+          </p:nvPr>
+        </p:nvSpPr>
+        <p:spPr>
+          <a:xfrm>
+            <a:off x="0" y="2391633"/>
+            <a:ext cx="12191999" cy="1325563"/>
+          </a:xfrm>
+        </p:spPr>
+        <p:txBody>
+          <a:bodyPr/>
+          <a:lstStyle/>
+          <a:p>
+            <a:pPr algn="ctr"/>
+            <a:r>
+              <a:rPr lang="ru-RU" dirty="0"/>
+              <a:t>Спасибо за внимание</a:t>
+            </a:r>
+          </a:p>
+        </p:txBody>
+      </p:sp>
+    </p:spTree>
+    <p:extLst>
+      <p:ext uri="{BB962C8B-B14F-4D97-AF65-F5344CB8AC3E}">
+        <p14:creationId xmlns:p14="http://schemas.microsoft.com/office/powerpoint/2010/main" val="2001914665"/>
       </p:ext>
     </p:extLst>
   </p:cSld>
@@ -5053,6 +5766,203 @@
       </p:grpSpPr>
       <p:sp>
         <p:nvSpPr>
+          <p:cNvPr id="2" name="Заголовок 1">
+            <a:extLst>
+              <a:ext uri="{FF2B5EF4-FFF2-40B4-BE49-F238E27FC236}">
+                <a16:creationId xmlns:a16="http://schemas.microsoft.com/office/drawing/2014/main" id="{3512EC27-23C7-4422-BBDD-E27F384943B7}"/>
+              </a:ext>
+            </a:extLst>
+          </p:cNvPr>
+          <p:cNvSpPr>
+            <a:spLocks noGrp="1"/>
+          </p:cNvSpPr>
+          <p:nvPr>
+            <p:ph type="title"/>
+          </p:nvPr>
+        </p:nvSpPr>
+        <p:spPr/>
+        <p:txBody>
+          <a:bodyPr/>
+          <a:lstStyle/>
+          <a:p>
+            <a:r>
+              <a:rPr lang="ru-RU" dirty="0"/>
+              <a:t>Актуальность</a:t>
+            </a:r>
+            <a:r>
+              <a:rPr lang="en-US" dirty="0"/>
+              <a:t>:</a:t>
+            </a:r>
+            <a:r>
+              <a:rPr lang="ru-RU" dirty="0"/>
+              <a:t>решение проблем</a:t>
+            </a:r>
+          </a:p>
+        </p:txBody>
+      </p:sp>
+      <p:sp>
+        <p:nvSpPr>
+          <p:cNvPr id="3" name="Объект 2">
+            <a:extLst>
+              <a:ext uri="{FF2B5EF4-FFF2-40B4-BE49-F238E27FC236}">
+                <a16:creationId xmlns:a16="http://schemas.microsoft.com/office/drawing/2014/main" id="{C7AAAE8B-7360-44EF-A322-1C8780E142BB}"/>
+              </a:ext>
+            </a:extLst>
+          </p:cNvPr>
+          <p:cNvSpPr>
+            <a:spLocks noGrp="1"/>
+          </p:cNvSpPr>
+          <p:nvPr>
+            <p:ph idx="1"/>
+          </p:nvPr>
+        </p:nvSpPr>
+        <p:spPr/>
+        <p:txBody>
+          <a:bodyPr/>
+          <a:lstStyle/>
+          <a:p>
+            <a:r>
+              <a:rPr lang="ru-RU" dirty="0"/>
+              <a:t>работа с документами</a:t>
+            </a:r>
+          </a:p>
+          <a:p>
+            <a:r>
+              <a:rPr lang="ru-RU" dirty="0"/>
+              <a:t> поиск клиентов</a:t>
+            </a:r>
+          </a:p>
+          <a:p>
+            <a:r>
+              <a:rPr lang="ru-RU" dirty="0"/>
+              <a:t>Меньше рисков</a:t>
+            </a:r>
+          </a:p>
+        </p:txBody>
+      </p:sp>
+    </p:spTree>
+    <p:extLst>
+      <p:ext uri="{BB962C8B-B14F-4D97-AF65-F5344CB8AC3E}">
+        <p14:creationId xmlns:p14="http://schemas.microsoft.com/office/powerpoint/2010/main" val="1627699514"/>
+      </p:ext>
+    </p:extLst>
+  </p:cSld>
+  <p:clrMapOvr>
+    <a:masterClrMapping/>
+  </p:clrMapOvr>
+</p:sld>
+</file>
+
+<file path=ppt/slides/slide4.xml><?xml version="1.0" encoding="utf-8"?>
+<p:sld xmlns:a="http://schemas.openxmlformats.org/drawingml/2006/main" xmlns:r="http://schemas.openxmlformats.org/officeDocument/2006/relationships" xmlns:p="http://schemas.openxmlformats.org/presentationml/2006/main">
+  <p:cSld>
+    <p:spTree>
+      <p:nvGrpSpPr>
+        <p:cNvPr id="1" name=""/>
+        <p:cNvGrpSpPr/>
+        <p:nvPr/>
+      </p:nvGrpSpPr>
+      <p:grpSpPr>
+        <a:xfrm>
+          <a:off x="0" y="0"/>
+          <a:ext cx="0" cy="0"/>
+          <a:chOff x="0" y="0"/>
+          <a:chExt cx="0" cy="0"/>
+        </a:xfrm>
+      </p:grpSpPr>
+      <p:sp>
+        <p:nvSpPr>
+          <p:cNvPr id="2" name="Заголовок 1">
+            <a:extLst>
+              <a:ext uri="{FF2B5EF4-FFF2-40B4-BE49-F238E27FC236}">
+                <a16:creationId xmlns:a16="http://schemas.microsoft.com/office/drawing/2014/main" id="{12008DDE-00FF-4D4C-9F75-4758237253D1}"/>
+              </a:ext>
+            </a:extLst>
+          </p:cNvPr>
+          <p:cNvSpPr>
+            <a:spLocks noGrp="1"/>
+          </p:cNvSpPr>
+          <p:nvPr>
+            <p:ph type="title"/>
+          </p:nvPr>
+        </p:nvSpPr>
+        <p:spPr/>
+        <p:txBody>
+          <a:bodyPr/>
+          <a:lstStyle/>
+          <a:p>
+            <a:r>
+              <a:rPr lang="ru-RU" dirty="0"/>
+              <a:t>Вывод</a:t>
+            </a:r>
+          </a:p>
+        </p:txBody>
+      </p:sp>
+      <p:sp>
+        <p:nvSpPr>
+          <p:cNvPr id="3" name="Объект 2">
+            <a:extLst>
+              <a:ext uri="{FF2B5EF4-FFF2-40B4-BE49-F238E27FC236}">
+                <a16:creationId xmlns:a16="http://schemas.microsoft.com/office/drawing/2014/main" id="{5C290E0A-DEE5-4278-A3DB-5DBD91C23888}"/>
+              </a:ext>
+            </a:extLst>
+          </p:cNvPr>
+          <p:cNvSpPr>
+            <a:spLocks noGrp="1"/>
+          </p:cNvSpPr>
+          <p:nvPr>
+            <p:ph idx="1"/>
+          </p:nvPr>
+        </p:nvSpPr>
+        <p:spPr/>
+        <p:txBody>
+          <a:bodyPr/>
+          <a:lstStyle/>
+          <a:p>
+            <a:r>
+              <a:rPr lang="ru-RU" dirty="0"/>
+              <a:t>Твой клиент – это компания, которая дает тебе работу. И единственное что тебе нужно делать – это водить машину, все остальное за тебя сделает компания. Если что-то не нравится, ты всегда можешь уйти в компанию с более выгодными условиями. </a:t>
+            </a:r>
+            <a:r>
+              <a:rPr lang="ru-RU"/>
+              <a:t>В этой ситуации все в лучших традициях разделения труда: делаешь то, что умеешь и ничего больше.</a:t>
+            </a:r>
+            <a:endParaRPr lang="ru-RU" dirty="0"/>
+          </a:p>
+        </p:txBody>
+      </p:sp>
+    </p:spTree>
+    <p:extLst>
+      <p:ext uri="{BB962C8B-B14F-4D97-AF65-F5344CB8AC3E}">
+        <p14:creationId xmlns:p14="http://schemas.microsoft.com/office/powerpoint/2010/main" val="4077854386"/>
+      </p:ext>
+    </p:extLst>
+  </p:cSld>
+  <p:clrMapOvr>
+    <a:masterClrMapping/>
+  </p:clrMapOvr>
+</p:sld>
+</file>
+
+<file path=ppt/slides/slide5.xml><?xml version="1.0" encoding="utf-8"?>
+<p:sld xmlns:a="http://schemas.openxmlformats.org/drawingml/2006/main" xmlns:r="http://schemas.openxmlformats.org/officeDocument/2006/relationships" xmlns:p="http://schemas.openxmlformats.org/presentationml/2006/main">
+  <p:cSld>
+    <p:spTree>
+      <p:nvGrpSpPr>
+        <p:cNvPr id="1" name=""/>
+        <p:cNvGrpSpPr/>
+        <p:nvPr/>
+      </p:nvGrpSpPr>
+      <p:grpSpPr>
+        <a:xfrm>
+          <a:off x="0" y="0"/>
+          <a:ext cx="0" cy="0"/>
+          <a:chOff x="0" y="0"/>
+          <a:chExt cx="0" cy="0"/>
+        </a:xfrm>
+      </p:grpSpPr>
+      <p:sp>
+        <p:nvSpPr>
           <p:cNvPr id="2" name="Заголовок 1"/>
           <p:cNvSpPr>
             <a:spLocks noGrp="1"/>
@@ -5183,7 +6093,7 @@
 </p:sld>
 </file>
 
-<file path=ppt/slides/slide4.xml><?xml version="1.0" encoding="utf-8"?>
+<file path=ppt/slides/slide6.xml><?xml version="1.0" encoding="utf-8"?>
 <p:sld xmlns:a="http://schemas.openxmlformats.org/drawingml/2006/main" xmlns:r="http://schemas.openxmlformats.org/officeDocument/2006/relationships" xmlns:p="http://schemas.openxmlformats.org/presentationml/2006/main">
   <p:cSld>
     <p:spTree>
@@ -5636,281 +6546,6 @@
 </p:sld>
 </file>
 
-<file path=ppt/slides/slide5.xml><?xml version="1.0" encoding="utf-8"?>
-<p:sld xmlns:a="http://schemas.openxmlformats.org/drawingml/2006/main" xmlns:r="http://schemas.openxmlformats.org/officeDocument/2006/relationships" xmlns:p="http://schemas.openxmlformats.org/presentationml/2006/main">
-  <p:cSld>
-    <p:spTree>
-      <p:nvGrpSpPr>
-        <p:cNvPr id="1" name=""/>
-        <p:cNvGrpSpPr/>
-        <p:nvPr/>
-      </p:nvGrpSpPr>
-      <p:grpSpPr>
-        <a:xfrm>
-          <a:off x="0" y="0"/>
-          <a:ext cx="0" cy="0"/>
-          <a:chOff x="0" y="0"/>
-          <a:chExt cx="0" cy="0"/>
-        </a:xfrm>
-      </p:grpSpPr>
-      <p:sp>
-        <p:nvSpPr>
-          <p:cNvPr id="2" name="Заголовок 1">
-            <a:extLst>
-              <a:ext uri="{FF2B5EF4-FFF2-40B4-BE49-F238E27FC236}">
-                <a16:creationId xmlns:a16="http://schemas.microsoft.com/office/drawing/2014/main" id="{89A29B0A-F86C-454A-8BC2-AE1D8602B411}"/>
-              </a:ext>
-            </a:extLst>
-          </p:cNvPr>
-          <p:cNvSpPr>
-            <a:spLocks noGrp="1"/>
-          </p:cNvSpPr>
-          <p:nvPr>
-            <p:ph type="title"/>
-          </p:nvPr>
-        </p:nvSpPr>
-        <p:spPr/>
-        <p:txBody>
-          <a:bodyPr/>
-          <a:lstStyle/>
-          <a:p>
-            <a:r>
-              <a:rPr lang="ru-RU" dirty="0"/>
-              <a:t>Проектирование</a:t>
-            </a:r>
-          </a:p>
-        </p:txBody>
-      </p:sp>
-      <p:pic>
-        <p:nvPicPr>
-          <p:cNvPr id="4" name="Объект 3">
-            <a:extLst>
-              <a:ext uri="{FF2B5EF4-FFF2-40B4-BE49-F238E27FC236}">
-                <a16:creationId xmlns:a16="http://schemas.microsoft.com/office/drawing/2014/main" id="{4DF63580-322B-4A18-991B-314DF5034C92}"/>
-              </a:ext>
-            </a:extLst>
-          </p:cNvPr>
-          <p:cNvPicPr>
-            <a:picLocks noGrp="1"/>
-          </p:cNvPicPr>
-          <p:nvPr>
-            <p:ph idx="1"/>
-          </p:nvPr>
-        </p:nvPicPr>
-        <p:blipFill>
-          <a:blip r:embed="rId2">
-            <a:extLst>
-              <a:ext uri="{28A0092B-C50C-407E-A947-70E740481C1C}">
-                <a14:useLocalDpi xmlns:a14="http://schemas.microsoft.com/office/drawing/2010/main" val="0"/>
-              </a:ext>
-            </a:extLst>
-          </a:blip>
-          <a:srcRect t="2176" b="14671"/>
-          <a:stretch>
-            <a:fillRect/>
-          </a:stretch>
-        </p:blipFill>
-        <p:spPr bwMode="auto">
-          <a:xfrm>
-            <a:off x="318053" y="1371158"/>
-            <a:ext cx="5777947" cy="2448368"/>
-          </a:xfrm>
-          <a:prstGeom prst="rect">
-            <a:avLst/>
-          </a:prstGeom>
-          <a:noFill/>
-          <a:ln>
-            <a:noFill/>
-          </a:ln>
-        </p:spPr>
-      </p:pic>
-      <p:pic>
-        <p:nvPicPr>
-          <p:cNvPr id="5" name="Рисунок 4">
-            <a:extLst>
-              <a:ext uri="{FF2B5EF4-FFF2-40B4-BE49-F238E27FC236}">
-                <a16:creationId xmlns:a16="http://schemas.microsoft.com/office/drawing/2014/main" id="{E8A08DBF-F8BF-46FC-B2ED-FABC268F87D8}"/>
-              </a:ext>
-            </a:extLst>
-          </p:cNvPr>
-          <p:cNvPicPr/>
-          <p:nvPr/>
-        </p:nvPicPr>
-        <p:blipFill>
-          <a:blip r:embed="rId3">
-            <a:extLst>
-              <a:ext uri="{28A0092B-C50C-407E-A947-70E740481C1C}">
-                <a14:useLocalDpi xmlns:a14="http://schemas.microsoft.com/office/drawing/2010/main" val="0"/>
-              </a:ext>
-            </a:extLst>
-          </a:blip>
-          <a:srcRect/>
-          <a:stretch>
-            <a:fillRect/>
-          </a:stretch>
-        </p:blipFill>
-        <p:spPr bwMode="auto">
-          <a:xfrm>
-            <a:off x="6096000" y="1371157"/>
-            <a:ext cx="5777947" cy="2448369"/>
-          </a:xfrm>
-          <a:prstGeom prst="rect">
-            <a:avLst/>
-          </a:prstGeom>
-          <a:noFill/>
-          <a:ln>
-            <a:noFill/>
-          </a:ln>
-        </p:spPr>
-      </p:pic>
-      <p:pic>
-        <p:nvPicPr>
-          <p:cNvPr id="6" name="Рисунок 5">
-            <a:extLst>
-              <a:ext uri="{FF2B5EF4-FFF2-40B4-BE49-F238E27FC236}">
-                <a16:creationId xmlns:a16="http://schemas.microsoft.com/office/drawing/2014/main" id="{8B980239-D895-4CBE-925A-E359A76F458A}"/>
-              </a:ext>
-            </a:extLst>
-          </p:cNvPr>
-          <p:cNvPicPr/>
-          <p:nvPr/>
-        </p:nvPicPr>
-        <p:blipFill>
-          <a:blip r:embed="rId4">
-            <a:extLst>
-              <a:ext uri="{28A0092B-C50C-407E-A947-70E740481C1C}">
-                <a14:useLocalDpi xmlns:a14="http://schemas.microsoft.com/office/drawing/2010/main" val="0"/>
-              </a:ext>
-            </a:extLst>
-          </a:blip>
-          <a:srcRect/>
-          <a:stretch>
-            <a:fillRect/>
-          </a:stretch>
-        </p:blipFill>
-        <p:spPr bwMode="auto">
-          <a:xfrm>
-            <a:off x="3490912" y="3819525"/>
-            <a:ext cx="5210175" cy="3038475"/>
-          </a:xfrm>
-          <a:prstGeom prst="rect">
-            <a:avLst/>
-          </a:prstGeom>
-          <a:noFill/>
-          <a:ln>
-            <a:noFill/>
-          </a:ln>
-        </p:spPr>
-      </p:pic>
-    </p:spTree>
-    <p:extLst>
-      <p:ext uri="{BB962C8B-B14F-4D97-AF65-F5344CB8AC3E}">
-        <p14:creationId xmlns:p14="http://schemas.microsoft.com/office/powerpoint/2010/main" val="821884369"/>
-      </p:ext>
-    </p:extLst>
-  </p:cSld>
-  <p:clrMapOvr>
-    <a:masterClrMapping/>
-  </p:clrMapOvr>
-</p:sld>
-</file>
-
-<file path=ppt/slides/slide6.xml><?xml version="1.0" encoding="utf-8"?>
-<p:sld xmlns:a="http://schemas.openxmlformats.org/drawingml/2006/main" xmlns:r="http://schemas.openxmlformats.org/officeDocument/2006/relationships" xmlns:p="http://schemas.openxmlformats.org/presentationml/2006/main">
-  <p:cSld>
-    <p:spTree>
-      <p:nvGrpSpPr>
-        <p:cNvPr id="1" name=""/>
-        <p:cNvGrpSpPr/>
-        <p:nvPr/>
-      </p:nvGrpSpPr>
-      <p:grpSpPr>
-        <a:xfrm>
-          <a:off x="0" y="0"/>
-          <a:ext cx="0" cy="0"/>
-          <a:chOff x="0" y="0"/>
-          <a:chExt cx="0" cy="0"/>
-        </a:xfrm>
-      </p:grpSpPr>
-      <p:sp>
-        <p:nvSpPr>
-          <p:cNvPr id="2" name="Заголовок 1"/>
-          <p:cNvSpPr>
-            <a:spLocks noGrp="1"/>
-          </p:cNvSpPr>
-          <p:nvPr>
-            <p:ph type="title"/>
-          </p:nvPr>
-        </p:nvSpPr>
-        <p:spPr>
-          <a:xfrm>
-            <a:off x="854978" y="0"/>
-            <a:ext cx="10515600" cy="1325563"/>
-          </a:xfrm>
-        </p:spPr>
-        <p:txBody>
-          <a:bodyPr/>
-          <a:lstStyle/>
-          <a:p>
-            <a:r>
-              <a:rPr lang="ru-RU" dirty="0"/>
-              <a:t>Иерархия управления в компании</a:t>
-            </a:r>
-          </a:p>
-        </p:txBody>
-      </p:sp>
-      <p:pic>
-        <p:nvPicPr>
-          <p:cNvPr id="7" name="Рисунок 6">
-            <a:extLst>
-              <a:ext uri="{FF2B5EF4-FFF2-40B4-BE49-F238E27FC236}">
-                <a16:creationId xmlns:a16="http://schemas.microsoft.com/office/drawing/2014/main" id="{D9B6CF8D-7089-4700-85A1-188A022697BB}"/>
-              </a:ext>
-            </a:extLst>
-          </p:cNvPr>
-          <p:cNvPicPr/>
-          <p:nvPr/>
-        </p:nvPicPr>
-        <p:blipFill>
-          <a:blip r:embed="rId2">
-            <a:extLst>
-              <a:ext uri="{28A0092B-C50C-407E-A947-70E740481C1C}">
-                <a14:useLocalDpi xmlns:a14="http://schemas.microsoft.com/office/drawing/2010/main" val="0"/>
-              </a:ext>
-            </a:extLst>
-          </a:blip>
-          <a:srcRect/>
-          <a:stretch>
-            <a:fillRect/>
-          </a:stretch>
-        </p:blipFill>
-        <p:spPr bwMode="auto">
-          <a:xfrm>
-            <a:off x="821422" y="1325563"/>
-            <a:ext cx="10880247" cy="4572000"/>
-          </a:xfrm>
-          <a:prstGeom prst="rect">
-            <a:avLst/>
-          </a:prstGeom>
-          <a:noFill/>
-          <a:ln>
-            <a:noFill/>
-          </a:ln>
-        </p:spPr>
-      </p:pic>
-    </p:spTree>
-    <p:extLst>
-      <p:ext uri="{BB962C8B-B14F-4D97-AF65-F5344CB8AC3E}">
-        <p14:creationId xmlns:p14="http://schemas.microsoft.com/office/powerpoint/2010/main" val="925016929"/>
-      </p:ext>
-    </p:extLst>
-  </p:cSld>
-  <p:clrMapOvr>
-    <a:masterClrMapping/>
-  </p:clrMapOvr>
-</p:sld>
-</file>
-
 <file path=ppt/slides/slide7.xml><?xml version="1.0" encoding="utf-8"?>
 <p:sld xmlns:a="http://schemas.openxmlformats.org/drawingml/2006/main" xmlns:r="http://schemas.openxmlformats.org/officeDocument/2006/relationships" xmlns:p="http://schemas.openxmlformats.org/presentationml/2006/main">
   <p:cSld>
@@ -5930,7 +6565,13 @@
       </p:grpSpPr>
       <p:sp>
         <p:nvSpPr>
-          <p:cNvPr id="2" name="Заголовок 1"/>
+          <p:cNvPr id="2" name="Заголовок 1">
+            <a:extLst>
+              <a:ext uri="{FF2B5EF4-FFF2-40B4-BE49-F238E27FC236}">
+                <a16:creationId xmlns:a16="http://schemas.microsoft.com/office/drawing/2014/main" id="{89A29B0A-F86C-454A-8BC2-AE1D8602B411}"/>
+              </a:ext>
+            </a:extLst>
+          </p:cNvPr>
           <p:cNvSpPr>
             <a:spLocks noGrp="1"/>
           </p:cNvSpPr>
@@ -5938,31 +6579,67 @@
             <p:ph type="title"/>
           </p:nvPr>
         </p:nvSpPr>
-        <p:spPr>
-          <a:xfrm>
-            <a:off x="838200" y="365125"/>
-            <a:ext cx="10515600" cy="2460453"/>
-          </a:xfrm>
-        </p:spPr>
-        <p:txBody>
-          <a:bodyPr>
-            <a:normAutofit/>
-          </a:bodyPr>
+        <p:spPr/>
+        <p:txBody>
+          <a:bodyPr/>
           <a:lstStyle/>
           <a:p>
             <a:r>
               <a:rPr lang="ru-RU" dirty="0"/>
-              <a:t>Схема БД</a:t>
+              <a:t>Проектирование</a:t>
             </a:r>
           </a:p>
         </p:txBody>
       </p:sp>
       <p:pic>
         <p:nvPicPr>
-          <p:cNvPr id="4" name="Рисунок 3">
+          <p:cNvPr id="4" name="Объект 3">
             <a:extLst>
               <a:ext uri="{FF2B5EF4-FFF2-40B4-BE49-F238E27FC236}">
-                <a16:creationId xmlns:a16="http://schemas.microsoft.com/office/drawing/2014/main" id="{528EA8AD-0C48-4EA6-8AB5-FC90376E72B2}"/>
+                <a16:creationId xmlns:a16="http://schemas.microsoft.com/office/drawing/2014/main" id="{4DF63580-322B-4A18-991B-314DF5034C92}"/>
+              </a:ext>
+            </a:extLst>
+          </p:cNvPr>
+          <p:cNvPicPr>
+            <a:picLocks noGrp="1"/>
+          </p:cNvPicPr>
+          <p:nvPr>
+            <p:ph idx="1"/>
+          </p:nvPr>
+        </p:nvPicPr>
+        <p:blipFill>
+          <a:blip r:embed="rId2">
+            <a:extLst>
+              <a:ext uri="{28A0092B-C50C-407E-A947-70E740481C1C}">
+                <a14:useLocalDpi xmlns:a14="http://schemas.microsoft.com/office/drawing/2010/main" val="0"/>
+              </a:ext>
+            </a:extLst>
+          </a:blip>
+          <a:srcRect t="2176" b="14671"/>
+          <a:stretch>
+            <a:fillRect/>
+          </a:stretch>
+        </p:blipFill>
+        <p:spPr bwMode="auto">
+          <a:xfrm>
+            <a:off x="318053" y="1371158"/>
+            <a:ext cx="5777947" cy="2448368"/>
+          </a:xfrm>
+          <a:prstGeom prst="rect">
+            <a:avLst/>
+          </a:prstGeom>
+          <a:noFill/>
+          <a:ln>
+            <a:noFill/>
+          </a:ln>
+        </p:spPr>
+      </p:pic>
+      <p:pic>
+        <p:nvPicPr>
+          <p:cNvPr id="5" name="Рисунок 4">
+            <a:extLst>
+              <a:ext uri="{FF2B5EF4-FFF2-40B4-BE49-F238E27FC236}">
+                <a16:creationId xmlns:a16="http://schemas.microsoft.com/office/drawing/2014/main" id="{E8A08DBF-F8BF-46FC-B2ED-FABC268F87D8}"/>
               </a:ext>
             </a:extLst>
           </p:cNvPr>
@@ -5970,7 +6647,7 @@
           <p:nvPr/>
         </p:nvPicPr>
         <p:blipFill>
-          <a:blip r:embed="rId2">
+          <a:blip r:embed="rId3">
             <a:extLst>
               <a:ext uri="{28A0092B-C50C-407E-A947-70E740481C1C}">
                 <a14:useLocalDpi xmlns:a14="http://schemas.microsoft.com/office/drawing/2010/main" val="0"/>
@@ -5984,8 +6661,8 @@
         </p:blipFill>
         <p:spPr bwMode="auto">
           <a:xfrm>
-            <a:off x="3557586" y="702365"/>
-            <a:ext cx="7971805" cy="5790510"/>
+            <a:off x="6096000" y="1371157"/>
+            <a:ext cx="5777947" cy="2448369"/>
           </a:xfrm>
           <a:prstGeom prst="rect">
             <a:avLst/>
@@ -5996,10 +6673,49 @@
           </a:ln>
         </p:spPr>
       </p:pic>
+      <p:pic>
+        <p:nvPicPr>
+          <p:cNvPr id="6" name="Рисунок 5">
+            <a:extLst>
+              <a:ext uri="{FF2B5EF4-FFF2-40B4-BE49-F238E27FC236}">
+                <a16:creationId xmlns:a16="http://schemas.microsoft.com/office/drawing/2014/main" id="{8B980239-D895-4CBE-925A-E359A76F458A}"/>
+              </a:ext>
+            </a:extLst>
+          </p:cNvPr>
+          <p:cNvPicPr/>
+          <p:nvPr/>
+        </p:nvPicPr>
+        <p:blipFill>
+          <a:blip r:embed="rId4">
+            <a:extLst>
+              <a:ext uri="{28A0092B-C50C-407E-A947-70E740481C1C}">
+                <a14:useLocalDpi xmlns:a14="http://schemas.microsoft.com/office/drawing/2010/main" val="0"/>
+              </a:ext>
+            </a:extLst>
+          </a:blip>
+          <a:srcRect/>
+          <a:stretch>
+            <a:fillRect/>
+          </a:stretch>
+        </p:blipFill>
+        <p:spPr bwMode="auto">
+          <a:xfrm>
+            <a:off x="3490912" y="3819525"/>
+            <a:ext cx="5210175" cy="3038475"/>
+          </a:xfrm>
+          <a:prstGeom prst="rect">
+            <a:avLst/>
+          </a:prstGeom>
+          <a:noFill/>
+          <a:ln>
+            <a:noFill/>
+          </a:ln>
+        </p:spPr>
+      </p:pic>
     </p:spTree>
     <p:extLst>
       <p:ext uri="{BB962C8B-B14F-4D97-AF65-F5344CB8AC3E}">
-        <p14:creationId xmlns:p14="http://schemas.microsoft.com/office/powerpoint/2010/main" val="2541741414"/>
+        <p14:creationId xmlns:p14="http://schemas.microsoft.com/office/powerpoint/2010/main" val="821884369"/>
       </p:ext>
     </p:extLst>
   </p:cSld>
@@ -6028,13 +6744,7 @@
       </p:grpSpPr>
       <p:sp>
         <p:nvSpPr>
-          <p:cNvPr id="2" name="Заголовок 1">
-            <a:extLst>
-              <a:ext uri="{FF2B5EF4-FFF2-40B4-BE49-F238E27FC236}">
-                <a16:creationId xmlns:a16="http://schemas.microsoft.com/office/drawing/2014/main" id="{08B108EA-04A0-4603-9247-66BCF54ECA07}"/>
-              </a:ext>
-            </a:extLst>
-          </p:cNvPr>
+          <p:cNvPr id="2" name="Заголовок 1"/>
           <p:cNvSpPr>
             <a:spLocks noGrp="1"/>
           </p:cNvSpPr>
@@ -6042,33 +6752,34 @@
             <p:ph type="title"/>
           </p:nvPr>
         </p:nvSpPr>
-        <p:spPr/>
+        <p:spPr>
+          <a:xfrm>
+            <a:off x="854978" y="0"/>
+            <a:ext cx="10515600" cy="1325563"/>
+          </a:xfrm>
+        </p:spPr>
         <p:txBody>
           <a:bodyPr/>
           <a:lstStyle/>
           <a:p>
             <a:r>
               <a:rPr lang="ru-RU" dirty="0"/>
-              <a:t>Структура проекта</a:t>
+              <a:t>Иерархия управления в компании</a:t>
             </a:r>
           </a:p>
         </p:txBody>
       </p:sp>
       <p:pic>
         <p:nvPicPr>
-          <p:cNvPr id="4" name="Объект 3">
+          <p:cNvPr id="7" name="Рисунок 6">
             <a:extLst>
               <a:ext uri="{FF2B5EF4-FFF2-40B4-BE49-F238E27FC236}">
-                <a16:creationId xmlns:a16="http://schemas.microsoft.com/office/drawing/2014/main" id="{8267393E-B254-4396-A4ED-08F94267B2C2}"/>
+                <a16:creationId xmlns:a16="http://schemas.microsoft.com/office/drawing/2014/main" id="{D9B6CF8D-7089-4700-85A1-188A022697BB}"/>
               </a:ext>
             </a:extLst>
           </p:cNvPr>
-          <p:cNvPicPr>
-            <a:picLocks noGrp="1"/>
-          </p:cNvPicPr>
-          <p:nvPr>
-            <p:ph idx="1"/>
-          </p:nvPr>
+          <p:cNvPicPr/>
+          <p:nvPr/>
         </p:nvPicPr>
         <p:blipFill>
           <a:blip r:embed="rId2">
@@ -6085,8 +6796,8 @@
         </p:blipFill>
         <p:spPr bwMode="auto">
           <a:xfrm>
-            <a:off x="118993" y="1690688"/>
-            <a:ext cx="2186885" cy="4351338"/>
+            <a:off x="821422" y="1325563"/>
+            <a:ext cx="10880247" cy="4572000"/>
           </a:xfrm>
           <a:prstGeom prst="rect">
             <a:avLst/>
@@ -6097,166 +6808,10 @@
           </a:ln>
         </p:spPr>
       </p:pic>
-      <p:pic>
-        <p:nvPicPr>
-          <p:cNvPr id="5" name="Рисунок 4">
-            <a:extLst>
-              <a:ext uri="{FF2B5EF4-FFF2-40B4-BE49-F238E27FC236}">
-                <a16:creationId xmlns:a16="http://schemas.microsoft.com/office/drawing/2014/main" id="{B412DF5E-185A-4A2D-85B1-FDC6D5A058E0}"/>
-              </a:ext>
-            </a:extLst>
-          </p:cNvPr>
-          <p:cNvPicPr/>
-          <p:nvPr/>
-        </p:nvPicPr>
-        <p:blipFill>
-          <a:blip r:embed="rId3">
-            <a:extLst>
-              <a:ext uri="{28A0092B-C50C-407E-A947-70E740481C1C}">
-                <a14:useLocalDpi xmlns:a14="http://schemas.microsoft.com/office/drawing/2010/main" val="0"/>
-              </a:ext>
-            </a:extLst>
-          </a:blip>
-          <a:srcRect/>
-          <a:stretch>
-            <a:fillRect/>
-          </a:stretch>
-        </p:blipFill>
-        <p:spPr bwMode="auto">
-          <a:xfrm>
-            <a:off x="2408306" y="1690688"/>
-            <a:ext cx="2365789" cy="4351338"/>
-          </a:xfrm>
-          <a:prstGeom prst="rect">
-            <a:avLst/>
-          </a:prstGeom>
-          <a:noFill/>
-          <a:ln>
-            <a:noFill/>
-          </a:ln>
-        </p:spPr>
-      </p:pic>
-      <p:pic>
-        <p:nvPicPr>
-          <p:cNvPr id="6" name="Рисунок 5">
-            <a:extLst>
-              <a:ext uri="{FF2B5EF4-FFF2-40B4-BE49-F238E27FC236}">
-                <a16:creationId xmlns:a16="http://schemas.microsoft.com/office/drawing/2014/main" id="{FD2FB9FD-CBBF-41C9-8DD8-D4DD9022F07B}"/>
-              </a:ext>
-            </a:extLst>
-          </p:cNvPr>
-          <p:cNvPicPr/>
-          <p:nvPr/>
-        </p:nvPicPr>
-        <p:blipFill>
-          <a:blip r:embed="rId4">
-            <a:extLst>
-              <a:ext uri="{28A0092B-C50C-407E-A947-70E740481C1C}">
-                <a14:useLocalDpi xmlns:a14="http://schemas.microsoft.com/office/drawing/2010/main" val="0"/>
-              </a:ext>
-            </a:extLst>
-          </a:blip>
-          <a:srcRect/>
-          <a:stretch>
-            <a:fillRect/>
-          </a:stretch>
-        </p:blipFill>
-        <p:spPr bwMode="auto">
-          <a:xfrm>
-            <a:off x="4876524" y="1690688"/>
-            <a:ext cx="2309744" cy="4351338"/>
-          </a:xfrm>
-          <a:prstGeom prst="rect">
-            <a:avLst/>
-          </a:prstGeom>
-          <a:noFill/>
-          <a:ln>
-            <a:noFill/>
-          </a:ln>
-        </p:spPr>
-      </p:pic>
-      <p:pic>
-        <p:nvPicPr>
-          <p:cNvPr id="7" name="Рисунок 6">
-            <a:extLst>
-              <a:ext uri="{FF2B5EF4-FFF2-40B4-BE49-F238E27FC236}">
-                <a16:creationId xmlns:a16="http://schemas.microsoft.com/office/drawing/2014/main" id="{69358DA8-47D0-453E-B6B9-18050B4BBF82}"/>
-              </a:ext>
-            </a:extLst>
-          </p:cNvPr>
-          <p:cNvPicPr/>
-          <p:nvPr/>
-        </p:nvPicPr>
-        <p:blipFill>
-          <a:blip r:embed="rId5">
-            <a:extLst>
-              <a:ext uri="{28A0092B-C50C-407E-A947-70E740481C1C}">
-                <a14:useLocalDpi xmlns:a14="http://schemas.microsoft.com/office/drawing/2010/main" val="0"/>
-              </a:ext>
-            </a:extLst>
-          </a:blip>
-          <a:srcRect/>
-          <a:stretch>
-            <a:fillRect/>
-          </a:stretch>
-        </p:blipFill>
-        <p:spPr bwMode="auto">
-          <a:xfrm>
-            <a:off x="7288696" y="1690688"/>
-            <a:ext cx="2309743" cy="4351338"/>
-          </a:xfrm>
-          <a:prstGeom prst="rect">
-            <a:avLst/>
-          </a:prstGeom>
-          <a:noFill/>
-          <a:ln>
-            <a:noFill/>
-          </a:ln>
-        </p:spPr>
-      </p:pic>
-      <p:pic>
-        <p:nvPicPr>
-          <p:cNvPr id="8" name="Рисунок 7">
-            <a:extLst>
-              <a:ext uri="{FF2B5EF4-FFF2-40B4-BE49-F238E27FC236}">
-                <a16:creationId xmlns:a16="http://schemas.microsoft.com/office/drawing/2014/main" id="{6E6E05C0-574C-41E7-8A3E-785CA3F94F74}"/>
-              </a:ext>
-            </a:extLst>
-          </p:cNvPr>
-          <p:cNvPicPr/>
-          <p:nvPr/>
-        </p:nvPicPr>
-        <p:blipFill>
-          <a:blip r:embed="rId6">
-            <a:extLst>
-              <a:ext uri="{28A0092B-C50C-407E-A947-70E740481C1C}">
-                <a14:useLocalDpi xmlns:a14="http://schemas.microsoft.com/office/drawing/2010/main" val="0"/>
-              </a:ext>
-            </a:extLst>
-          </a:blip>
-          <a:srcRect/>
-          <a:stretch>
-            <a:fillRect/>
-          </a:stretch>
-        </p:blipFill>
-        <p:spPr bwMode="auto">
-          <a:xfrm>
-            <a:off x="9700867" y="3935896"/>
-            <a:ext cx="2411620" cy="2106130"/>
-          </a:xfrm>
-          <a:prstGeom prst="rect">
-            <a:avLst/>
-          </a:prstGeom>
-          <a:noFill/>
-          <a:ln>
-            <a:noFill/>
-          </a:ln>
-        </p:spPr>
-      </p:pic>
     </p:spTree>
     <p:extLst>
       <p:ext uri="{BB962C8B-B14F-4D97-AF65-F5344CB8AC3E}">
-        <p14:creationId xmlns:p14="http://schemas.microsoft.com/office/powerpoint/2010/main" val="3359726494"/>
+        <p14:creationId xmlns:p14="http://schemas.microsoft.com/office/powerpoint/2010/main" val="925016929"/>
       </p:ext>
     </p:extLst>
   </p:cSld>
@@ -6285,13 +6840,7 @@
       </p:grpSpPr>
       <p:sp>
         <p:nvSpPr>
-          <p:cNvPr id="2" name="Заголовок 1">
-            <a:extLst>
-              <a:ext uri="{FF2B5EF4-FFF2-40B4-BE49-F238E27FC236}">
-                <a16:creationId xmlns:a16="http://schemas.microsoft.com/office/drawing/2014/main" id="{0840D5A9-41ED-4B59-9EA5-F1CD10406071}"/>
-              </a:ext>
-            </a:extLst>
-          </p:cNvPr>
+          <p:cNvPr id="2" name="Заголовок 1"/>
           <p:cNvSpPr>
             <a:spLocks noGrp="1"/>
           </p:cNvSpPr>
@@ -6299,33 +6848,36 @@
             <p:ph type="title"/>
           </p:nvPr>
         </p:nvSpPr>
-        <p:spPr/>
-        <p:txBody>
-          <a:bodyPr/>
+        <p:spPr>
+          <a:xfrm>
+            <a:off x="838200" y="365125"/>
+            <a:ext cx="10515600" cy="2460453"/>
+          </a:xfrm>
+        </p:spPr>
+        <p:txBody>
+          <a:bodyPr>
+            <a:normAutofit/>
+          </a:bodyPr>
           <a:lstStyle/>
           <a:p>
             <a:r>
               <a:rPr lang="ru-RU" dirty="0"/>
-              <a:t>Апробация: Вход</a:t>
+              <a:t>Схема БД</a:t>
             </a:r>
           </a:p>
         </p:txBody>
       </p:sp>
       <p:pic>
         <p:nvPicPr>
-          <p:cNvPr id="5" name="Объект 4">
+          <p:cNvPr id="4" name="Рисунок 3">
             <a:extLst>
               <a:ext uri="{FF2B5EF4-FFF2-40B4-BE49-F238E27FC236}">
-                <a16:creationId xmlns:a16="http://schemas.microsoft.com/office/drawing/2014/main" id="{21A4DEFD-FD93-45D9-AD38-CD441591A2D1}"/>
+                <a16:creationId xmlns:a16="http://schemas.microsoft.com/office/drawing/2014/main" id="{528EA8AD-0C48-4EA6-8AB5-FC90376E72B2}"/>
               </a:ext>
             </a:extLst>
           </p:cNvPr>
-          <p:cNvPicPr>
-            <a:picLocks noGrp="1"/>
-          </p:cNvPicPr>
-          <p:nvPr>
-            <p:ph idx="1"/>
-          </p:nvPr>
+          <p:cNvPicPr/>
+          <p:nvPr/>
         </p:nvPicPr>
         <p:blipFill>
           <a:blip r:embed="rId2">
@@ -6342,8 +6894,8 @@
         </p:blipFill>
         <p:spPr bwMode="auto">
           <a:xfrm>
-            <a:off x="4710285" y="1690688"/>
-            <a:ext cx="2771429" cy="1123810"/>
+            <a:off x="3557586" y="702365"/>
+            <a:ext cx="7971805" cy="5790510"/>
           </a:xfrm>
           <a:prstGeom prst="rect">
             <a:avLst/>
@@ -6354,328 +6906,10 @@
           </a:ln>
         </p:spPr>
       </p:pic>
-      <p:pic>
-        <p:nvPicPr>
-          <p:cNvPr id="6" name="Рисунок 5">
-            <a:extLst>
-              <a:ext uri="{FF2B5EF4-FFF2-40B4-BE49-F238E27FC236}">
-                <a16:creationId xmlns:a16="http://schemas.microsoft.com/office/drawing/2014/main" id="{16EFEB54-E7BD-4317-9F85-03A9A63734B6}"/>
-              </a:ext>
-            </a:extLst>
-          </p:cNvPr>
-          <p:cNvPicPr/>
-          <p:nvPr/>
-        </p:nvPicPr>
-        <p:blipFill>
-          <a:blip r:embed="rId3">
-            <a:extLst>
-              <a:ext uri="{28A0092B-C50C-407E-A947-70E740481C1C}">
-                <a14:useLocalDpi xmlns:a14="http://schemas.microsoft.com/office/drawing/2010/main" val="0"/>
-              </a:ext>
-            </a:extLst>
-          </a:blip>
-          <a:srcRect/>
-          <a:stretch>
-            <a:fillRect/>
-          </a:stretch>
-        </p:blipFill>
-        <p:spPr bwMode="auto">
-          <a:xfrm>
-            <a:off x="2216632" y="3089827"/>
-            <a:ext cx="2219325" cy="1314450"/>
-          </a:xfrm>
-          <a:prstGeom prst="rect">
-            <a:avLst/>
-          </a:prstGeom>
-          <a:noFill/>
-          <a:ln>
-            <a:noFill/>
-          </a:ln>
-        </p:spPr>
-      </p:pic>
-      <p:pic>
-        <p:nvPicPr>
-          <p:cNvPr id="7" name="Рисунок 6">
-            <a:extLst>
-              <a:ext uri="{FF2B5EF4-FFF2-40B4-BE49-F238E27FC236}">
-                <a16:creationId xmlns:a16="http://schemas.microsoft.com/office/drawing/2014/main" id="{5C87A80B-C74B-4943-8E28-22A772E0663B}"/>
-              </a:ext>
-            </a:extLst>
-          </p:cNvPr>
-          <p:cNvPicPr/>
-          <p:nvPr/>
-        </p:nvPicPr>
-        <p:blipFill>
-          <a:blip r:embed="rId4">
-            <a:extLst>
-              <a:ext uri="{28A0092B-C50C-407E-A947-70E740481C1C}">
-                <a14:useLocalDpi xmlns:a14="http://schemas.microsoft.com/office/drawing/2010/main" val="0"/>
-              </a:ext>
-            </a:extLst>
-          </a:blip>
-          <a:srcRect/>
-          <a:stretch>
-            <a:fillRect/>
-          </a:stretch>
-        </p:blipFill>
-        <p:spPr bwMode="auto">
-          <a:xfrm>
-            <a:off x="2216632" y="4815923"/>
-            <a:ext cx="3314700" cy="1466850"/>
-          </a:xfrm>
-          <a:prstGeom prst="rect">
-            <a:avLst/>
-          </a:prstGeom>
-          <a:noFill/>
-          <a:ln>
-            <a:noFill/>
-          </a:ln>
-        </p:spPr>
-      </p:pic>
-      <p:pic>
-        <p:nvPicPr>
-          <p:cNvPr id="8" name="Рисунок 7">
-            <a:extLst>
-              <a:ext uri="{FF2B5EF4-FFF2-40B4-BE49-F238E27FC236}">
-                <a16:creationId xmlns:a16="http://schemas.microsoft.com/office/drawing/2014/main" id="{DB5265D5-4010-4789-9AB0-9F13F6677737}"/>
-              </a:ext>
-            </a:extLst>
-          </p:cNvPr>
-          <p:cNvPicPr/>
-          <p:nvPr/>
-        </p:nvPicPr>
-        <p:blipFill>
-          <a:blip r:embed="rId5">
-            <a:extLst>
-              <a:ext uri="{28A0092B-C50C-407E-A947-70E740481C1C}">
-                <a14:useLocalDpi xmlns:a14="http://schemas.microsoft.com/office/drawing/2010/main" val="0"/>
-              </a:ext>
-            </a:extLst>
-          </a:blip>
-          <a:srcRect/>
-          <a:stretch>
-            <a:fillRect/>
-          </a:stretch>
-        </p:blipFill>
-        <p:spPr bwMode="auto">
-          <a:xfrm>
-            <a:off x="7756045" y="3089827"/>
-            <a:ext cx="2063816" cy="1314450"/>
-          </a:xfrm>
-          <a:prstGeom prst="rect">
-            <a:avLst/>
-          </a:prstGeom>
-          <a:noFill/>
-          <a:ln>
-            <a:noFill/>
-          </a:ln>
-        </p:spPr>
-      </p:pic>
-      <p:pic>
-        <p:nvPicPr>
-          <p:cNvPr id="9" name="Рисунок 8">
-            <a:extLst>
-              <a:ext uri="{FF2B5EF4-FFF2-40B4-BE49-F238E27FC236}">
-                <a16:creationId xmlns:a16="http://schemas.microsoft.com/office/drawing/2014/main" id="{0CCFAF65-8E3E-4B3D-9049-49EBAD69911B}"/>
-              </a:ext>
-            </a:extLst>
-          </p:cNvPr>
-          <p:cNvPicPr/>
-          <p:nvPr/>
-        </p:nvPicPr>
-        <p:blipFill>
-          <a:blip r:embed="rId6">
-            <a:extLst>
-              <a:ext uri="{28A0092B-C50C-407E-A947-70E740481C1C}">
-                <a14:useLocalDpi xmlns:a14="http://schemas.microsoft.com/office/drawing/2010/main" val="0"/>
-              </a:ext>
-            </a:extLst>
-          </a:blip>
-          <a:srcRect/>
-          <a:stretch>
-            <a:fillRect/>
-          </a:stretch>
-        </p:blipFill>
-        <p:spPr bwMode="auto">
-          <a:xfrm>
-            <a:off x="7756045" y="4815923"/>
-            <a:ext cx="2828925" cy="1457325"/>
-          </a:xfrm>
-          <a:prstGeom prst="rect">
-            <a:avLst/>
-          </a:prstGeom>
-          <a:noFill/>
-          <a:ln>
-            <a:noFill/>
-          </a:ln>
-        </p:spPr>
-      </p:pic>
-      <p:cxnSp>
-        <p:nvCxnSpPr>
-          <p:cNvPr id="11" name="Прямая со стрелкой 10">
-            <a:extLst>
-              <a:ext uri="{FF2B5EF4-FFF2-40B4-BE49-F238E27FC236}">
-                <a16:creationId xmlns:a16="http://schemas.microsoft.com/office/drawing/2014/main" id="{0DB74D9D-3FDD-43DC-908D-14BCF9545151}"/>
-              </a:ext>
-            </a:extLst>
-          </p:cNvPr>
-          <p:cNvCxnSpPr/>
-          <p:nvPr/>
-        </p:nvCxnSpPr>
-        <p:spPr>
-          <a:xfrm flipH="1">
-            <a:off x="4435957" y="2814498"/>
-            <a:ext cx="274328" cy="275329"/>
-          </a:xfrm>
-          <a:prstGeom prst="straightConnector1">
-            <a:avLst/>
-          </a:prstGeom>
-          <a:ln>
-            <a:tailEnd type="triangle"/>
-          </a:ln>
-        </p:spPr>
-        <p:style>
-          <a:lnRef idx="1">
-            <a:schemeClr val="accent1"/>
-          </a:lnRef>
-          <a:fillRef idx="0">
-            <a:schemeClr val="accent1"/>
-          </a:fillRef>
-          <a:effectRef idx="0">
-            <a:schemeClr val="accent1"/>
-          </a:effectRef>
-          <a:fontRef idx="minor">
-            <a:schemeClr val="tx1"/>
-          </a:fontRef>
-        </p:style>
-      </p:cxnSp>
-      <p:cxnSp>
-        <p:nvCxnSpPr>
-          <p:cNvPr id="12" name="Прямая со стрелкой 11">
-            <a:extLst>
-              <a:ext uri="{FF2B5EF4-FFF2-40B4-BE49-F238E27FC236}">
-                <a16:creationId xmlns:a16="http://schemas.microsoft.com/office/drawing/2014/main" id="{A204C5DD-6CBD-42A3-BCC3-AC562B302B26}"/>
-              </a:ext>
-            </a:extLst>
-          </p:cNvPr>
-          <p:cNvCxnSpPr>
-            <a:cxnSpLocks/>
-          </p:cNvCxnSpPr>
-          <p:nvPr/>
-        </p:nvCxnSpPr>
-        <p:spPr>
-          <a:xfrm rot="16200000" flipH="1">
-            <a:off x="7507543" y="2814999"/>
-            <a:ext cx="274328" cy="275329"/>
-          </a:xfrm>
-          <a:prstGeom prst="straightConnector1">
-            <a:avLst/>
-          </a:prstGeom>
-          <a:ln>
-            <a:tailEnd type="triangle"/>
-          </a:ln>
-        </p:spPr>
-        <p:style>
-          <a:lnRef idx="1">
-            <a:schemeClr val="accent1"/>
-          </a:lnRef>
-          <a:fillRef idx="0">
-            <a:schemeClr val="accent1"/>
-          </a:fillRef>
-          <a:effectRef idx="0">
-            <a:schemeClr val="accent1"/>
-          </a:effectRef>
-          <a:fontRef idx="minor">
-            <a:schemeClr val="tx1"/>
-          </a:fontRef>
-        </p:style>
-      </p:cxnSp>
-      <p:cxnSp>
-        <p:nvCxnSpPr>
-          <p:cNvPr id="14" name="Прямая со стрелкой 13">
-            <a:extLst>
-              <a:ext uri="{FF2B5EF4-FFF2-40B4-BE49-F238E27FC236}">
-                <a16:creationId xmlns:a16="http://schemas.microsoft.com/office/drawing/2014/main" id="{A1CE936A-B9EE-4B1A-B7DB-96544CC11CB5}"/>
-              </a:ext>
-            </a:extLst>
-          </p:cNvPr>
-          <p:cNvCxnSpPr>
-            <a:stCxn id="6" idx="2"/>
-          </p:cNvCxnSpPr>
-          <p:nvPr/>
-        </p:nvCxnSpPr>
-        <p:spPr>
-          <a:xfrm flipH="1">
-            <a:off x="3326294" y="4404277"/>
-            <a:ext cx="1" cy="411646"/>
-          </a:xfrm>
-          <a:prstGeom prst="straightConnector1">
-            <a:avLst/>
-          </a:prstGeom>
-          <a:ln>
-            <a:tailEnd type="triangle"/>
-          </a:ln>
-        </p:spPr>
-        <p:style>
-          <a:lnRef idx="1">
-            <a:schemeClr val="accent1"/>
-          </a:lnRef>
-          <a:fillRef idx="0">
-            <a:schemeClr val="accent1"/>
-          </a:fillRef>
-          <a:effectRef idx="0">
-            <a:schemeClr val="accent1"/>
-          </a:effectRef>
-          <a:fontRef idx="minor">
-            <a:schemeClr val="tx1"/>
-          </a:fontRef>
-        </p:style>
-      </p:cxnSp>
-      <p:cxnSp>
-        <p:nvCxnSpPr>
-          <p:cNvPr id="16" name="Прямая со стрелкой 15">
-            <a:extLst>
-              <a:ext uri="{FF2B5EF4-FFF2-40B4-BE49-F238E27FC236}">
-                <a16:creationId xmlns:a16="http://schemas.microsoft.com/office/drawing/2014/main" id="{6ED569F2-510E-4DC0-8F1D-B6F2C305E858}"/>
-              </a:ext>
-            </a:extLst>
-          </p:cNvPr>
-          <p:cNvCxnSpPr>
-            <a:stCxn id="8" idx="2"/>
-          </p:cNvCxnSpPr>
-          <p:nvPr/>
-        </p:nvCxnSpPr>
-        <p:spPr>
-          <a:xfrm>
-            <a:off x="8787953" y="4404277"/>
-            <a:ext cx="0" cy="411646"/>
-          </a:xfrm>
-          <a:prstGeom prst="straightConnector1">
-            <a:avLst/>
-          </a:prstGeom>
-          <a:ln>
-            <a:tailEnd type="triangle"/>
-          </a:ln>
-        </p:spPr>
-        <p:style>
-          <a:lnRef idx="1">
-            <a:schemeClr val="accent1"/>
-          </a:lnRef>
-          <a:fillRef idx="0">
-            <a:schemeClr val="accent1"/>
-          </a:fillRef>
-          <a:effectRef idx="0">
-            <a:schemeClr val="accent1"/>
-          </a:effectRef>
-          <a:fontRef idx="minor">
-            <a:schemeClr val="tx1"/>
-          </a:fontRef>
-        </p:style>
-      </p:cxnSp>
     </p:spTree>
     <p:extLst>
       <p:ext uri="{BB962C8B-B14F-4D97-AF65-F5344CB8AC3E}">
-        <p14:creationId xmlns:p14="http://schemas.microsoft.com/office/powerpoint/2010/main" val="2749775643"/>
+        <p14:creationId xmlns:p14="http://schemas.microsoft.com/office/powerpoint/2010/main" val="2541741414"/>
       </p:ext>
     </p:extLst>
   </p:cSld>

--- a/diplom v2.0/doc/Презентация.pptx
+++ b/diplom v2.0/doc/Презентация.pptx
@@ -7,24 +7,23 @@
   <p:sldIdLst>
     <p:sldId id="256" r:id="rId2"/>
     <p:sldId id="279" r:id="rId3"/>
-    <p:sldId id="280" r:id="rId4"/>
-    <p:sldId id="281" r:id="rId5"/>
-    <p:sldId id="257" r:id="rId6"/>
-    <p:sldId id="258" r:id="rId7"/>
-    <p:sldId id="278" r:id="rId8"/>
-    <p:sldId id="259" r:id="rId9"/>
-    <p:sldId id="260" r:id="rId10"/>
-    <p:sldId id="273" r:id="rId11"/>
-    <p:sldId id="276" r:id="rId12"/>
-    <p:sldId id="269" r:id="rId13"/>
-    <p:sldId id="270" r:id="rId14"/>
-    <p:sldId id="271" r:id="rId15"/>
-    <p:sldId id="274" r:id="rId16"/>
-    <p:sldId id="272" r:id="rId17"/>
-    <p:sldId id="275" r:id="rId18"/>
-    <p:sldId id="264" r:id="rId19"/>
-    <p:sldId id="277" r:id="rId20"/>
-    <p:sldId id="265" r:id="rId21"/>
+    <p:sldId id="281" r:id="rId4"/>
+    <p:sldId id="257" r:id="rId5"/>
+    <p:sldId id="258" r:id="rId6"/>
+    <p:sldId id="278" r:id="rId7"/>
+    <p:sldId id="259" r:id="rId8"/>
+    <p:sldId id="260" r:id="rId9"/>
+    <p:sldId id="273" r:id="rId10"/>
+    <p:sldId id="276" r:id="rId11"/>
+    <p:sldId id="269" r:id="rId12"/>
+    <p:sldId id="270" r:id="rId13"/>
+    <p:sldId id="271" r:id="rId14"/>
+    <p:sldId id="274" r:id="rId15"/>
+    <p:sldId id="272" r:id="rId16"/>
+    <p:sldId id="275" r:id="rId17"/>
+    <p:sldId id="264" r:id="rId18"/>
+    <p:sldId id="277" r:id="rId19"/>
+    <p:sldId id="265" r:id="rId20"/>
   </p:sldIdLst>
   <p:sldSz cx="12192000" cy="6858000"/>
   <p:notesSz cx="6858000" cy="9144000"/>
@@ -3407,263 +3406,6 @@
           <p:cNvPr id="2" name="Заголовок 1">
             <a:extLst>
               <a:ext uri="{FF2B5EF4-FFF2-40B4-BE49-F238E27FC236}">
-                <a16:creationId xmlns:a16="http://schemas.microsoft.com/office/drawing/2014/main" id="{08B108EA-04A0-4603-9247-66BCF54ECA07}"/>
-              </a:ext>
-            </a:extLst>
-          </p:cNvPr>
-          <p:cNvSpPr>
-            <a:spLocks noGrp="1"/>
-          </p:cNvSpPr>
-          <p:nvPr>
-            <p:ph type="title"/>
-          </p:nvPr>
-        </p:nvSpPr>
-        <p:spPr/>
-        <p:txBody>
-          <a:bodyPr/>
-          <a:lstStyle/>
-          <a:p>
-            <a:r>
-              <a:rPr lang="ru-RU" dirty="0"/>
-              <a:t>Структура проекта</a:t>
-            </a:r>
-          </a:p>
-        </p:txBody>
-      </p:sp>
-      <p:pic>
-        <p:nvPicPr>
-          <p:cNvPr id="4" name="Объект 3">
-            <a:extLst>
-              <a:ext uri="{FF2B5EF4-FFF2-40B4-BE49-F238E27FC236}">
-                <a16:creationId xmlns:a16="http://schemas.microsoft.com/office/drawing/2014/main" id="{8267393E-B254-4396-A4ED-08F94267B2C2}"/>
-              </a:ext>
-            </a:extLst>
-          </p:cNvPr>
-          <p:cNvPicPr>
-            <a:picLocks noGrp="1"/>
-          </p:cNvPicPr>
-          <p:nvPr>
-            <p:ph idx="1"/>
-          </p:nvPr>
-        </p:nvPicPr>
-        <p:blipFill>
-          <a:blip r:embed="rId2">
-            <a:extLst>
-              <a:ext uri="{28A0092B-C50C-407E-A947-70E740481C1C}">
-                <a14:useLocalDpi xmlns:a14="http://schemas.microsoft.com/office/drawing/2010/main" val="0"/>
-              </a:ext>
-            </a:extLst>
-          </a:blip>
-          <a:srcRect/>
-          <a:stretch>
-            <a:fillRect/>
-          </a:stretch>
-        </p:blipFill>
-        <p:spPr bwMode="auto">
-          <a:xfrm>
-            <a:off x="118993" y="1690688"/>
-            <a:ext cx="2186885" cy="4351338"/>
-          </a:xfrm>
-          <a:prstGeom prst="rect">
-            <a:avLst/>
-          </a:prstGeom>
-          <a:noFill/>
-          <a:ln>
-            <a:noFill/>
-          </a:ln>
-        </p:spPr>
-      </p:pic>
-      <p:pic>
-        <p:nvPicPr>
-          <p:cNvPr id="5" name="Рисунок 4">
-            <a:extLst>
-              <a:ext uri="{FF2B5EF4-FFF2-40B4-BE49-F238E27FC236}">
-                <a16:creationId xmlns:a16="http://schemas.microsoft.com/office/drawing/2014/main" id="{B412DF5E-185A-4A2D-85B1-FDC6D5A058E0}"/>
-              </a:ext>
-            </a:extLst>
-          </p:cNvPr>
-          <p:cNvPicPr/>
-          <p:nvPr/>
-        </p:nvPicPr>
-        <p:blipFill>
-          <a:blip r:embed="rId3">
-            <a:extLst>
-              <a:ext uri="{28A0092B-C50C-407E-A947-70E740481C1C}">
-                <a14:useLocalDpi xmlns:a14="http://schemas.microsoft.com/office/drawing/2010/main" val="0"/>
-              </a:ext>
-            </a:extLst>
-          </a:blip>
-          <a:srcRect/>
-          <a:stretch>
-            <a:fillRect/>
-          </a:stretch>
-        </p:blipFill>
-        <p:spPr bwMode="auto">
-          <a:xfrm>
-            <a:off x="2408306" y="1690688"/>
-            <a:ext cx="2365789" cy="4351338"/>
-          </a:xfrm>
-          <a:prstGeom prst="rect">
-            <a:avLst/>
-          </a:prstGeom>
-          <a:noFill/>
-          <a:ln>
-            <a:noFill/>
-          </a:ln>
-        </p:spPr>
-      </p:pic>
-      <p:pic>
-        <p:nvPicPr>
-          <p:cNvPr id="6" name="Рисунок 5">
-            <a:extLst>
-              <a:ext uri="{FF2B5EF4-FFF2-40B4-BE49-F238E27FC236}">
-                <a16:creationId xmlns:a16="http://schemas.microsoft.com/office/drawing/2014/main" id="{FD2FB9FD-CBBF-41C9-8DD8-D4DD9022F07B}"/>
-              </a:ext>
-            </a:extLst>
-          </p:cNvPr>
-          <p:cNvPicPr/>
-          <p:nvPr/>
-        </p:nvPicPr>
-        <p:blipFill>
-          <a:blip r:embed="rId4">
-            <a:extLst>
-              <a:ext uri="{28A0092B-C50C-407E-A947-70E740481C1C}">
-                <a14:useLocalDpi xmlns:a14="http://schemas.microsoft.com/office/drawing/2010/main" val="0"/>
-              </a:ext>
-            </a:extLst>
-          </a:blip>
-          <a:srcRect/>
-          <a:stretch>
-            <a:fillRect/>
-          </a:stretch>
-        </p:blipFill>
-        <p:spPr bwMode="auto">
-          <a:xfrm>
-            <a:off x="4876524" y="1690688"/>
-            <a:ext cx="2309744" cy="4351338"/>
-          </a:xfrm>
-          <a:prstGeom prst="rect">
-            <a:avLst/>
-          </a:prstGeom>
-          <a:noFill/>
-          <a:ln>
-            <a:noFill/>
-          </a:ln>
-        </p:spPr>
-      </p:pic>
-      <p:pic>
-        <p:nvPicPr>
-          <p:cNvPr id="7" name="Рисунок 6">
-            <a:extLst>
-              <a:ext uri="{FF2B5EF4-FFF2-40B4-BE49-F238E27FC236}">
-                <a16:creationId xmlns:a16="http://schemas.microsoft.com/office/drawing/2014/main" id="{69358DA8-47D0-453E-B6B9-18050B4BBF82}"/>
-              </a:ext>
-            </a:extLst>
-          </p:cNvPr>
-          <p:cNvPicPr/>
-          <p:nvPr/>
-        </p:nvPicPr>
-        <p:blipFill>
-          <a:blip r:embed="rId5">
-            <a:extLst>
-              <a:ext uri="{28A0092B-C50C-407E-A947-70E740481C1C}">
-                <a14:useLocalDpi xmlns:a14="http://schemas.microsoft.com/office/drawing/2010/main" val="0"/>
-              </a:ext>
-            </a:extLst>
-          </a:blip>
-          <a:srcRect/>
-          <a:stretch>
-            <a:fillRect/>
-          </a:stretch>
-        </p:blipFill>
-        <p:spPr bwMode="auto">
-          <a:xfrm>
-            <a:off x="7288696" y="1690688"/>
-            <a:ext cx="2309743" cy="4351338"/>
-          </a:xfrm>
-          <a:prstGeom prst="rect">
-            <a:avLst/>
-          </a:prstGeom>
-          <a:noFill/>
-          <a:ln>
-            <a:noFill/>
-          </a:ln>
-        </p:spPr>
-      </p:pic>
-      <p:pic>
-        <p:nvPicPr>
-          <p:cNvPr id="8" name="Рисунок 7">
-            <a:extLst>
-              <a:ext uri="{FF2B5EF4-FFF2-40B4-BE49-F238E27FC236}">
-                <a16:creationId xmlns:a16="http://schemas.microsoft.com/office/drawing/2014/main" id="{6E6E05C0-574C-41E7-8A3E-785CA3F94F74}"/>
-              </a:ext>
-            </a:extLst>
-          </p:cNvPr>
-          <p:cNvPicPr/>
-          <p:nvPr/>
-        </p:nvPicPr>
-        <p:blipFill>
-          <a:blip r:embed="rId6">
-            <a:extLst>
-              <a:ext uri="{28A0092B-C50C-407E-A947-70E740481C1C}">
-                <a14:useLocalDpi xmlns:a14="http://schemas.microsoft.com/office/drawing/2010/main" val="0"/>
-              </a:ext>
-            </a:extLst>
-          </a:blip>
-          <a:srcRect/>
-          <a:stretch>
-            <a:fillRect/>
-          </a:stretch>
-        </p:blipFill>
-        <p:spPr bwMode="auto">
-          <a:xfrm>
-            <a:off x="9700867" y="3935896"/>
-            <a:ext cx="2411620" cy="2106130"/>
-          </a:xfrm>
-          <a:prstGeom prst="rect">
-            <a:avLst/>
-          </a:prstGeom>
-          <a:noFill/>
-          <a:ln>
-            <a:noFill/>
-          </a:ln>
-        </p:spPr>
-      </p:pic>
-    </p:spTree>
-    <p:extLst>
-      <p:ext uri="{BB962C8B-B14F-4D97-AF65-F5344CB8AC3E}">
-        <p14:creationId xmlns:p14="http://schemas.microsoft.com/office/powerpoint/2010/main" val="3359726494"/>
-      </p:ext>
-    </p:extLst>
-  </p:cSld>
-  <p:clrMapOvr>
-    <a:masterClrMapping/>
-  </p:clrMapOvr>
-</p:sld>
-</file>
-
-<file path=ppt/slides/slide11.xml><?xml version="1.0" encoding="utf-8"?>
-<p:sld xmlns:a="http://schemas.openxmlformats.org/drawingml/2006/main" xmlns:r="http://schemas.openxmlformats.org/officeDocument/2006/relationships" xmlns:p="http://schemas.openxmlformats.org/presentationml/2006/main">
-  <p:cSld>
-    <p:spTree>
-      <p:nvGrpSpPr>
-        <p:cNvPr id="1" name=""/>
-        <p:cNvGrpSpPr/>
-        <p:nvPr/>
-      </p:nvGrpSpPr>
-      <p:grpSpPr>
-        <a:xfrm>
-          <a:off x="0" y="0"/>
-          <a:ext cx="0" cy="0"/>
-          <a:chOff x="0" y="0"/>
-          <a:chExt cx="0" cy="0"/>
-        </a:xfrm>
-      </p:grpSpPr>
-      <p:sp>
-        <p:nvSpPr>
-          <p:cNvPr id="2" name="Заголовок 1">
-            <a:extLst>
-              <a:ext uri="{FF2B5EF4-FFF2-40B4-BE49-F238E27FC236}">
                 <a16:creationId xmlns:a16="http://schemas.microsoft.com/office/drawing/2014/main" id="{0840D5A9-41ED-4B59-9EA5-F1CD10406071}"/>
               </a:ext>
             </a:extLst>
@@ -4061,6 +3803,132 @@
 </p:sld>
 </file>
 
+<file path=ppt/slides/slide11.xml><?xml version="1.0" encoding="utf-8"?>
+<p:sld xmlns:a="http://schemas.openxmlformats.org/drawingml/2006/main" xmlns:r="http://schemas.openxmlformats.org/officeDocument/2006/relationships" xmlns:p="http://schemas.openxmlformats.org/presentationml/2006/main">
+  <p:cSld>
+    <p:spTree>
+      <p:nvGrpSpPr>
+        <p:cNvPr id="1" name=""/>
+        <p:cNvGrpSpPr/>
+        <p:nvPr/>
+      </p:nvGrpSpPr>
+      <p:grpSpPr>
+        <a:xfrm>
+          <a:off x="0" y="0"/>
+          <a:ext cx="0" cy="0"/>
+          <a:chOff x="0" y="0"/>
+          <a:chExt cx="0" cy="0"/>
+        </a:xfrm>
+      </p:grpSpPr>
+      <p:sp>
+        <p:nvSpPr>
+          <p:cNvPr id="2" name="Заголовок 1"/>
+          <p:cNvSpPr>
+            <a:spLocks noGrp="1"/>
+          </p:cNvSpPr>
+          <p:nvPr>
+            <p:ph type="title"/>
+          </p:nvPr>
+        </p:nvSpPr>
+        <p:spPr>
+          <a:xfrm>
+            <a:off x="838200" y="0"/>
+            <a:ext cx="10515600" cy="1325563"/>
+          </a:xfrm>
+        </p:spPr>
+        <p:txBody>
+          <a:bodyPr/>
+          <a:lstStyle/>
+          <a:p>
+            <a:r>
+              <a:rPr lang="ru-RU" dirty="0"/>
+              <a:t>Апробация: Менеджер</a:t>
+            </a:r>
+          </a:p>
+        </p:txBody>
+      </p:sp>
+      <p:pic>
+        <p:nvPicPr>
+          <p:cNvPr id="7" name="Рисунок 6">
+            <a:extLst>
+              <a:ext uri="{FF2B5EF4-FFF2-40B4-BE49-F238E27FC236}">
+                <a16:creationId xmlns:a16="http://schemas.microsoft.com/office/drawing/2014/main" id="{F54C3B83-653A-40A4-8511-8F88E9455392}"/>
+              </a:ext>
+            </a:extLst>
+          </p:cNvPr>
+          <p:cNvPicPr/>
+          <p:nvPr/>
+        </p:nvPicPr>
+        <p:blipFill>
+          <a:blip r:embed="rId2">
+            <a:extLst>
+              <a:ext uri="{28A0092B-C50C-407E-A947-70E740481C1C}">
+                <a14:useLocalDpi xmlns:a14="http://schemas.microsoft.com/office/drawing/2010/main" val="0"/>
+              </a:ext>
+            </a:extLst>
+          </a:blip>
+          <a:srcRect/>
+          <a:stretch>
+            <a:fillRect/>
+          </a:stretch>
+        </p:blipFill>
+        <p:spPr bwMode="auto">
+          <a:xfrm>
+            <a:off x="838200" y="3959707"/>
+            <a:ext cx="10515600" cy="2103437"/>
+          </a:xfrm>
+          <a:prstGeom prst="rect">
+            <a:avLst/>
+          </a:prstGeom>
+          <a:noFill/>
+          <a:ln>
+            <a:noFill/>
+          </a:ln>
+        </p:spPr>
+      </p:pic>
+      <p:pic>
+        <p:nvPicPr>
+          <p:cNvPr id="5" name="Рисунок 4">
+            <a:extLst>
+              <a:ext uri="{FF2B5EF4-FFF2-40B4-BE49-F238E27FC236}">
+                <a16:creationId xmlns:a16="http://schemas.microsoft.com/office/drawing/2014/main" id="{941B767B-4462-4105-9BB8-37C8A1086E7C}"/>
+              </a:ext>
+            </a:extLst>
+          </p:cNvPr>
+          <p:cNvPicPr>
+            <a:picLocks noChangeAspect="1"/>
+          </p:cNvPicPr>
+          <p:nvPr/>
+        </p:nvPicPr>
+        <p:blipFill>
+          <a:blip r:embed="rId3"/>
+          <a:stretch>
+            <a:fillRect/>
+          </a:stretch>
+        </p:blipFill>
+        <p:spPr>
+          <a:xfrm>
+            <a:off x="788284" y="1591503"/>
+            <a:ext cx="10565516" cy="1734793"/>
+          </a:xfrm>
+          <a:prstGeom prst="rect">
+            <a:avLst/>
+          </a:prstGeom>
+        </p:spPr>
+      </p:pic>
+    </p:spTree>
+    <p:extLst>
+      <p:ext uri="{BB962C8B-B14F-4D97-AF65-F5344CB8AC3E}">
+        <p14:creationId xmlns:p14="http://schemas.microsoft.com/office/powerpoint/2010/main" val="3349157927"/>
+      </p:ext>
+    </p:extLst>
+  </p:cSld>
+  <p:clrMapOvr>
+    <a:masterClrMapping/>
+  </p:clrMapOvr>
+</p:sld>
+</file>
+
 <file path=ppt/slides/slide12.xml><?xml version="1.0" encoding="utf-8"?>
 <p:sld xmlns:a="http://schemas.openxmlformats.org/drawingml/2006/main" xmlns:r="http://schemas.openxmlformats.org/officeDocument/2006/relationships" xmlns:p="http://schemas.openxmlformats.org/presentationml/2006/main">
   <p:cSld>
@@ -4100,17 +3968,17 @@
           <a:p>
             <a:r>
               <a:rPr lang="ru-RU" dirty="0"/>
-              <a:t>Апробация: Менеджер</a:t>
+              <a:t>Апробация: Отчеты менеджера</a:t>
             </a:r>
           </a:p>
         </p:txBody>
       </p:sp>
       <p:pic>
         <p:nvPicPr>
-          <p:cNvPr id="7" name="Рисунок 6">
+          <p:cNvPr id="5" name="Рисунок 4">
             <a:extLst>
               <a:ext uri="{FF2B5EF4-FFF2-40B4-BE49-F238E27FC236}">
-                <a16:creationId xmlns:a16="http://schemas.microsoft.com/office/drawing/2014/main" id="{F54C3B83-653A-40A4-8511-8F88E9455392}"/>
+                <a16:creationId xmlns:a16="http://schemas.microsoft.com/office/drawing/2014/main" id="{0E4DBA9B-FF40-4631-8ED0-C2D695F65A53}"/>
               </a:ext>
             </a:extLst>
           </p:cNvPr>
@@ -4132,8 +4000,8 @@
         </p:blipFill>
         <p:spPr bwMode="auto">
           <a:xfrm>
-            <a:off x="838200" y="3959707"/>
-            <a:ext cx="10515600" cy="2103437"/>
+            <a:off x="0" y="1325563"/>
+            <a:ext cx="6374296" cy="2769359"/>
           </a:xfrm>
           <a:prstGeom prst="rect">
             <a:avLst/>
@@ -4146,38 +4014,125 @@
       </p:pic>
       <p:pic>
         <p:nvPicPr>
-          <p:cNvPr id="5" name="Рисунок 4">
+          <p:cNvPr id="9" name="Рисунок 8">
             <a:extLst>
               <a:ext uri="{FF2B5EF4-FFF2-40B4-BE49-F238E27FC236}">
-                <a16:creationId xmlns:a16="http://schemas.microsoft.com/office/drawing/2014/main" id="{941B767B-4462-4105-9BB8-37C8A1086E7C}"/>
+                <a16:creationId xmlns:a16="http://schemas.microsoft.com/office/drawing/2014/main" id="{742E2FB8-8FC1-4468-BDE2-57C7796A0455}"/>
               </a:ext>
             </a:extLst>
           </p:cNvPr>
-          <p:cNvPicPr>
-            <a:picLocks noChangeAspect="1"/>
-          </p:cNvPicPr>
+          <p:cNvPicPr/>
           <p:nvPr/>
         </p:nvPicPr>
         <p:blipFill>
-          <a:blip r:embed="rId3"/>
+          <a:blip r:embed="rId3">
+            <a:extLst>
+              <a:ext uri="{28A0092B-C50C-407E-A947-70E740481C1C}">
+                <a14:useLocalDpi xmlns:a14="http://schemas.microsoft.com/office/drawing/2010/main" val="0"/>
+              </a:ext>
+            </a:extLst>
+          </a:blip>
+          <a:srcRect/>
           <a:stretch>
             <a:fillRect/>
           </a:stretch>
         </p:blipFill>
-        <p:spPr>
-          <a:xfrm>
-            <a:off x="788284" y="1591503"/>
-            <a:ext cx="10565516" cy="1734793"/>
+        <p:spPr bwMode="auto">
+          <a:xfrm>
+            <a:off x="6296025" y="1325563"/>
+            <a:ext cx="5895975" cy="2769358"/>
           </a:xfrm>
           <a:prstGeom prst="rect">
             <a:avLst/>
           </a:prstGeom>
+          <a:noFill/>
+          <a:ln>
+            <a:noFill/>
+          </a:ln>
+        </p:spPr>
+      </p:pic>
+      <p:pic>
+        <p:nvPicPr>
+          <p:cNvPr id="10" name="Рисунок 9">
+            <a:extLst>
+              <a:ext uri="{FF2B5EF4-FFF2-40B4-BE49-F238E27FC236}">
+                <a16:creationId xmlns:a16="http://schemas.microsoft.com/office/drawing/2014/main" id="{11D2E9E5-962C-407D-B89F-80DE8523A9E4}"/>
+              </a:ext>
+            </a:extLst>
+          </p:cNvPr>
+          <p:cNvPicPr/>
+          <p:nvPr/>
+        </p:nvPicPr>
+        <p:blipFill>
+          <a:blip r:embed="rId4">
+            <a:extLst>
+              <a:ext uri="{28A0092B-C50C-407E-A947-70E740481C1C}">
+                <a14:useLocalDpi xmlns:a14="http://schemas.microsoft.com/office/drawing/2010/main" val="0"/>
+              </a:ext>
+            </a:extLst>
+          </a:blip>
+          <a:srcRect/>
+          <a:stretch>
+            <a:fillRect/>
+          </a:stretch>
+        </p:blipFill>
+        <p:spPr bwMode="auto">
+          <a:xfrm>
+            <a:off x="92765" y="4094920"/>
+            <a:ext cx="11993218" cy="781879"/>
+          </a:xfrm>
+          <a:prstGeom prst="rect">
+            <a:avLst/>
+          </a:prstGeom>
+          <a:noFill/>
+          <a:ln>
+            <a:noFill/>
+          </a:ln>
+        </p:spPr>
+      </p:pic>
+      <p:pic>
+        <p:nvPicPr>
+          <p:cNvPr id="11" name="Рисунок 10">
+            <a:extLst>
+              <a:ext uri="{FF2B5EF4-FFF2-40B4-BE49-F238E27FC236}">
+                <a16:creationId xmlns:a16="http://schemas.microsoft.com/office/drawing/2014/main" id="{E46DBC82-F6A9-4C34-A8F0-A22862481CD1}"/>
+              </a:ext>
+            </a:extLst>
+          </p:cNvPr>
+          <p:cNvPicPr/>
+          <p:nvPr/>
+        </p:nvPicPr>
+        <p:blipFill>
+          <a:blip r:embed="rId5">
+            <a:extLst>
+              <a:ext uri="{28A0092B-C50C-407E-A947-70E740481C1C}">
+                <a14:useLocalDpi xmlns:a14="http://schemas.microsoft.com/office/drawing/2010/main" val="0"/>
+              </a:ext>
+            </a:extLst>
+          </a:blip>
+          <a:srcRect/>
+          <a:stretch>
+            <a:fillRect/>
+          </a:stretch>
+        </p:blipFill>
+        <p:spPr bwMode="auto">
+          <a:xfrm>
+            <a:off x="0" y="4916556"/>
+            <a:ext cx="12192000" cy="1981201"/>
+          </a:xfrm>
+          <a:prstGeom prst="rect">
+            <a:avLst/>
+          </a:prstGeom>
+          <a:noFill/>
+          <a:ln>
+            <a:noFill/>
+          </a:ln>
         </p:spPr>
       </p:pic>
     </p:spTree>
     <p:extLst>
       <p:ext uri="{BB962C8B-B14F-4D97-AF65-F5344CB8AC3E}">
-        <p14:creationId xmlns:p14="http://schemas.microsoft.com/office/powerpoint/2010/main" val="3349157927"/>
+        <p14:creationId xmlns:p14="http://schemas.microsoft.com/office/powerpoint/2010/main" val="2394274588"/>
       </p:ext>
     </p:extLst>
   </p:cSld>
@@ -4206,7 +4161,13 @@
       </p:grpSpPr>
       <p:sp>
         <p:nvSpPr>
-          <p:cNvPr id="2" name="Заголовок 1"/>
+          <p:cNvPr id="2" name="Заголовок 1">
+            <a:extLst>
+              <a:ext uri="{FF2B5EF4-FFF2-40B4-BE49-F238E27FC236}">
+                <a16:creationId xmlns:a16="http://schemas.microsoft.com/office/drawing/2014/main" id="{EACD7BE9-D70D-4B7A-879E-7029D4C82F4C}"/>
+              </a:ext>
+            </a:extLst>
+          </p:cNvPr>
           <p:cNvSpPr>
             <a:spLocks noGrp="1"/>
           </p:cNvSpPr>
@@ -4214,29 +4175,56 @@
             <p:ph type="title"/>
           </p:nvPr>
         </p:nvSpPr>
-        <p:spPr>
-          <a:xfrm>
-            <a:off x="838200" y="0"/>
-            <a:ext cx="10515600" cy="1325563"/>
-          </a:xfrm>
-        </p:spPr>
+        <p:spPr/>
         <p:txBody>
           <a:bodyPr/>
           <a:lstStyle/>
           <a:p>
             <a:r>
               <a:rPr lang="ru-RU" dirty="0"/>
-              <a:t>Апробация: Отчеты менеджера</a:t>
+              <a:t>Апробация: Администратор</a:t>
             </a:r>
           </a:p>
         </p:txBody>
       </p:sp>
       <p:pic>
         <p:nvPicPr>
-          <p:cNvPr id="5" name="Рисунок 4">
+          <p:cNvPr id="5" name="Объект 4">
             <a:extLst>
               <a:ext uri="{FF2B5EF4-FFF2-40B4-BE49-F238E27FC236}">
-                <a16:creationId xmlns:a16="http://schemas.microsoft.com/office/drawing/2014/main" id="{0E4DBA9B-FF40-4631-8ED0-C2D695F65A53}"/>
+                <a16:creationId xmlns:a16="http://schemas.microsoft.com/office/drawing/2014/main" id="{DCBF9B19-E9E9-495D-B06C-D27ED2A94587}"/>
+              </a:ext>
+            </a:extLst>
+          </p:cNvPr>
+          <p:cNvPicPr>
+            <a:picLocks noGrp="1" noChangeAspect="1"/>
+          </p:cNvPicPr>
+          <p:nvPr>
+            <p:ph idx="1"/>
+          </p:nvPr>
+        </p:nvPicPr>
+        <p:blipFill>
+          <a:blip r:embed="rId2"/>
+          <a:stretch>
+            <a:fillRect/>
+          </a:stretch>
+        </p:blipFill>
+        <p:spPr>
+          <a:xfrm>
+            <a:off x="0" y="1563422"/>
+            <a:ext cx="2895851" cy="2213040"/>
+          </a:xfrm>
+          <a:prstGeom prst="rect">
+            <a:avLst/>
+          </a:prstGeom>
+        </p:spPr>
+      </p:pic>
+      <p:pic>
+        <p:nvPicPr>
+          <p:cNvPr id="6" name="Рисунок 5">
+            <a:extLst>
+              <a:ext uri="{FF2B5EF4-FFF2-40B4-BE49-F238E27FC236}">
+                <a16:creationId xmlns:a16="http://schemas.microsoft.com/office/drawing/2014/main" id="{0B230206-9484-4B0E-B232-BF8160208F1D}"/>
               </a:ext>
             </a:extLst>
           </p:cNvPr>
@@ -4244,7 +4232,7 @@
           <p:nvPr/>
         </p:nvPicPr>
         <p:blipFill>
-          <a:blip r:embed="rId2">
+          <a:blip r:embed="rId3">
             <a:extLst>
               <a:ext uri="{28A0092B-C50C-407E-A947-70E740481C1C}">
                 <a14:useLocalDpi xmlns:a14="http://schemas.microsoft.com/office/drawing/2010/main" val="0"/>
@@ -4258,8 +4246,8 @@
         </p:blipFill>
         <p:spPr bwMode="auto">
           <a:xfrm>
-            <a:off x="0" y="1325563"/>
-            <a:ext cx="6374296" cy="2769359"/>
+            <a:off x="2883344" y="1561476"/>
+            <a:ext cx="3212656" cy="2362200"/>
           </a:xfrm>
           <a:prstGeom prst="rect">
             <a:avLst/>
@@ -4272,10 +4260,10 @@
       </p:pic>
       <p:pic>
         <p:nvPicPr>
-          <p:cNvPr id="9" name="Рисунок 8">
+          <p:cNvPr id="7" name="Рисунок 6">
             <a:extLst>
               <a:ext uri="{FF2B5EF4-FFF2-40B4-BE49-F238E27FC236}">
-                <a16:creationId xmlns:a16="http://schemas.microsoft.com/office/drawing/2014/main" id="{742E2FB8-8FC1-4468-BDE2-57C7796A0455}"/>
+                <a16:creationId xmlns:a16="http://schemas.microsoft.com/office/drawing/2014/main" id="{9F1E78FF-F870-4A97-86BC-C8A137B2EE77}"/>
               </a:ext>
             </a:extLst>
           </p:cNvPr>
@@ -4283,7 +4271,7 @@
           <p:nvPr/>
         </p:nvPicPr>
         <p:blipFill>
-          <a:blip r:embed="rId3">
+          <a:blip r:embed="rId4">
             <a:extLst>
               <a:ext uri="{28A0092B-C50C-407E-A947-70E740481C1C}">
                 <a14:useLocalDpi xmlns:a14="http://schemas.microsoft.com/office/drawing/2010/main" val="0"/>
@@ -4297,8 +4285,8 @@
         </p:blipFill>
         <p:spPr bwMode="auto">
           <a:xfrm>
-            <a:off x="6296025" y="1325563"/>
-            <a:ext cx="5895975" cy="2769358"/>
+            <a:off x="5976730" y="1809550"/>
+            <a:ext cx="6215270" cy="1966912"/>
           </a:xfrm>
           <a:prstGeom prst="rect">
             <a:avLst/>
@@ -4311,10 +4299,10 @@
       </p:pic>
       <p:pic>
         <p:nvPicPr>
-          <p:cNvPr id="10" name="Рисунок 9">
+          <p:cNvPr id="8" name="Рисунок 7">
             <a:extLst>
               <a:ext uri="{FF2B5EF4-FFF2-40B4-BE49-F238E27FC236}">
-                <a16:creationId xmlns:a16="http://schemas.microsoft.com/office/drawing/2014/main" id="{11D2E9E5-962C-407D-B89F-80DE8523A9E4}"/>
+                <a16:creationId xmlns:a16="http://schemas.microsoft.com/office/drawing/2014/main" id="{B59BA806-8E98-44C9-BB3F-27040A46D646}"/>
               </a:ext>
             </a:extLst>
           </p:cNvPr>
@@ -4322,7 +4310,7 @@
           <p:nvPr/>
         </p:nvPicPr>
         <p:blipFill>
-          <a:blip r:embed="rId4">
+          <a:blip r:embed="rId5">
             <a:extLst>
               <a:ext uri="{28A0092B-C50C-407E-A947-70E740481C1C}">
                 <a14:useLocalDpi xmlns:a14="http://schemas.microsoft.com/office/drawing/2010/main" val="0"/>
@@ -4336,8 +4324,8 @@
         </p:blipFill>
         <p:spPr bwMode="auto">
           <a:xfrm>
-            <a:off x="92765" y="4094920"/>
-            <a:ext cx="11993218" cy="781879"/>
+            <a:off x="0" y="4052888"/>
+            <a:ext cx="12192000" cy="2526823"/>
           </a:xfrm>
           <a:prstGeom prst="rect">
             <a:avLst/>
@@ -4348,49 +4336,10 @@
           </a:ln>
         </p:spPr>
       </p:pic>
-      <p:pic>
-        <p:nvPicPr>
-          <p:cNvPr id="11" name="Рисунок 10">
-            <a:extLst>
-              <a:ext uri="{FF2B5EF4-FFF2-40B4-BE49-F238E27FC236}">
-                <a16:creationId xmlns:a16="http://schemas.microsoft.com/office/drawing/2014/main" id="{E46DBC82-F6A9-4C34-A8F0-A22862481CD1}"/>
-              </a:ext>
-            </a:extLst>
-          </p:cNvPr>
-          <p:cNvPicPr/>
-          <p:nvPr/>
-        </p:nvPicPr>
-        <p:blipFill>
-          <a:blip r:embed="rId5">
-            <a:extLst>
-              <a:ext uri="{28A0092B-C50C-407E-A947-70E740481C1C}">
-                <a14:useLocalDpi xmlns:a14="http://schemas.microsoft.com/office/drawing/2010/main" val="0"/>
-              </a:ext>
-            </a:extLst>
-          </a:blip>
-          <a:srcRect/>
-          <a:stretch>
-            <a:fillRect/>
-          </a:stretch>
-        </p:blipFill>
-        <p:spPr bwMode="auto">
-          <a:xfrm>
-            <a:off x="0" y="4916556"/>
-            <a:ext cx="12192000" cy="1981201"/>
-          </a:xfrm>
-          <a:prstGeom prst="rect">
-            <a:avLst/>
-          </a:prstGeom>
-          <a:noFill/>
-          <a:ln>
-            <a:noFill/>
-          </a:ln>
-        </p:spPr>
-      </p:pic>
     </p:spTree>
     <p:extLst>
       <p:ext uri="{BB962C8B-B14F-4D97-AF65-F5344CB8AC3E}">
-        <p14:creationId xmlns:p14="http://schemas.microsoft.com/office/powerpoint/2010/main" val="2394274588"/>
+        <p14:creationId xmlns:p14="http://schemas.microsoft.com/office/powerpoint/2010/main" val="658956323"/>
       </p:ext>
     </p:extLst>
   </p:cSld>
@@ -4422,7 +4371,7 @@
           <p:cNvPr id="2" name="Заголовок 1">
             <a:extLst>
               <a:ext uri="{FF2B5EF4-FFF2-40B4-BE49-F238E27FC236}">
-                <a16:creationId xmlns:a16="http://schemas.microsoft.com/office/drawing/2014/main" id="{EACD7BE9-D70D-4B7A-879E-7029D4C82F4C}"/>
+                <a16:creationId xmlns:a16="http://schemas.microsoft.com/office/drawing/2014/main" id="{3987E056-ABDC-4EF5-B45E-EB0413E17B80}"/>
               </a:ext>
             </a:extLst>
           </p:cNvPr>
@@ -4433,7 +4382,12 @@
             <p:ph type="title"/>
           </p:nvPr>
         </p:nvSpPr>
-        <p:spPr/>
+        <p:spPr>
+          <a:xfrm>
+            <a:off x="838200" y="325368"/>
+            <a:ext cx="10515600" cy="1325563"/>
+          </a:xfrm>
+        </p:spPr>
         <p:txBody>
           <a:bodyPr/>
           <a:lstStyle/>
@@ -4447,50 +4401,22 @@
       </p:sp>
       <p:pic>
         <p:nvPicPr>
-          <p:cNvPr id="5" name="Объект 4">
+          <p:cNvPr id="4" name="Объект 3">
             <a:extLst>
               <a:ext uri="{FF2B5EF4-FFF2-40B4-BE49-F238E27FC236}">
-                <a16:creationId xmlns:a16="http://schemas.microsoft.com/office/drawing/2014/main" id="{DCBF9B19-E9E9-495D-B06C-D27ED2A94587}"/>
+                <a16:creationId xmlns:a16="http://schemas.microsoft.com/office/drawing/2014/main" id="{0897BBC5-01E9-41B3-B556-4F55FB6366C6}"/>
               </a:ext>
             </a:extLst>
           </p:cNvPr>
           <p:cNvPicPr>
-            <a:picLocks noGrp="1" noChangeAspect="1"/>
+            <a:picLocks noGrp="1"/>
           </p:cNvPicPr>
           <p:nvPr>
             <p:ph idx="1"/>
           </p:nvPr>
         </p:nvPicPr>
         <p:blipFill>
-          <a:blip r:embed="rId2"/>
-          <a:stretch>
-            <a:fillRect/>
-          </a:stretch>
-        </p:blipFill>
-        <p:spPr>
-          <a:xfrm>
-            <a:off x="0" y="1563422"/>
-            <a:ext cx="2895851" cy="2213040"/>
-          </a:xfrm>
-          <a:prstGeom prst="rect">
-            <a:avLst/>
-          </a:prstGeom>
-        </p:spPr>
-      </p:pic>
-      <p:pic>
-        <p:nvPicPr>
-          <p:cNvPr id="6" name="Рисунок 5">
-            <a:extLst>
-              <a:ext uri="{FF2B5EF4-FFF2-40B4-BE49-F238E27FC236}">
-                <a16:creationId xmlns:a16="http://schemas.microsoft.com/office/drawing/2014/main" id="{0B230206-9484-4B0E-B232-BF8160208F1D}"/>
-              </a:ext>
-            </a:extLst>
-          </p:cNvPr>
-          <p:cNvPicPr/>
-          <p:nvPr/>
-        </p:nvPicPr>
-        <p:blipFill>
-          <a:blip r:embed="rId3">
+          <a:blip r:embed="rId2">
             <a:extLst>
               <a:ext uri="{28A0092B-C50C-407E-A947-70E740481C1C}">
                 <a14:useLocalDpi xmlns:a14="http://schemas.microsoft.com/office/drawing/2010/main" val="0"/>
@@ -4504,8 +4430,8 @@
         </p:blipFill>
         <p:spPr bwMode="auto">
           <a:xfrm>
-            <a:off x="2883344" y="1561476"/>
-            <a:ext cx="3212656" cy="2362200"/>
+            <a:off x="121893" y="2180635"/>
+            <a:ext cx="3498574" cy="2289726"/>
           </a:xfrm>
           <a:prstGeom prst="rect">
             <a:avLst/>
@@ -4518,10 +4444,10 @@
       </p:pic>
       <p:pic>
         <p:nvPicPr>
-          <p:cNvPr id="7" name="Рисунок 6">
+          <p:cNvPr id="5" name="Рисунок 4">
             <a:extLst>
               <a:ext uri="{FF2B5EF4-FFF2-40B4-BE49-F238E27FC236}">
-                <a16:creationId xmlns:a16="http://schemas.microsoft.com/office/drawing/2014/main" id="{9F1E78FF-F870-4A97-86BC-C8A137B2EE77}"/>
+                <a16:creationId xmlns:a16="http://schemas.microsoft.com/office/drawing/2014/main" id="{04D3CC89-8FE5-4068-A1A9-3D9F2190E565}"/>
               </a:ext>
             </a:extLst>
           </p:cNvPr>
@@ -4529,7 +4455,7 @@
           <p:nvPr/>
         </p:nvPicPr>
         <p:blipFill>
-          <a:blip r:embed="rId4">
+          <a:blip r:embed="rId3">
             <a:extLst>
               <a:ext uri="{28A0092B-C50C-407E-A947-70E740481C1C}">
                 <a14:useLocalDpi xmlns:a14="http://schemas.microsoft.com/office/drawing/2010/main" val="0"/>
@@ -4543,8 +4469,8 @@
         </p:blipFill>
         <p:spPr bwMode="auto">
           <a:xfrm>
-            <a:off x="5976730" y="1809550"/>
-            <a:ext cx="6215270" cy="1966912"/>
+            <a:off x="3795502" y="2180635"/>
+            <a:ext cx="3000240" cy="1924050"/>
           </a:xfrm>
           <a:prstGeom prst="rect">
             <a:avLst/>
@@ -4557,10 +4483,10 @@
       </p:pic>
       <p:pic>
         <p:nvPicPr>
-          <p:cNvPr id="8" name="Рисунок 7">
+          <p:cNvPr id="6" name="Рисунок 5">
             <a:extLst>
               <a:ext uri="{FF2B5EF4-FFF2-40B4-BE49-F238E27FC236}">
-                <a16:creationId xmlns:a16="http://schemas.microsoft.com/office/drawing/2014/main" id="{B59BA806-8E98-44C9-BB3F-27040A46D646}"/>
+                <a16:creationId xmlns:a16="http://schemas.microsoft.com/office/drawing/2014/main" id="{DC6469DD-0AA4-4D4C-A4C6-88A0D3831337}"/>
               </a:ext>
             </a:extLst>
           </p:cNvPr>
@@ -4568,7 +4494,7 @@
           <p:nvPr/>
         </p:nvPicPr>
         <p:blipFill>
-          <a:blip r:embed="rId5">
+          <a:blip r:embed="rId4">
             <a:extLst>
               <a:ext uri="{28A0092B-C50C-407E-A947-70E740481C1C}">
                 <a14:useLocalDpi xmlns:a14="http://schemas.microsoft.com/office/drawing/2010/main" val="0"/>
@@ -4582,8 +4508,8 @@
         </p:blipFill>
         <p:spPr bwMode="auto">
           <a:xfrm>
-            <a:off x="0" y="4052888"/>
-            <a:ext cx="12192000" cy="2526823"/>
+            <a:off x="6896379" y="2381844"/>
+            <a:ext cx="4848225" cy="1228725"/>
           </a:xfrm>
           <a:prstGeom prst="rect">
             <a:avLst/>
@@ -4594,10 +4520,127 @@
           </a:ln>
         </p:spPr>
       </p:pic>
+      <p:pic>
+        <p:nvPicPr>
+          <p:cNvPr id="8" name="Рисунок 7">
+            <a:extLst>
+              <a:ext uri="{FF2B5EF4-FFF2-40B4-BE49-F238E27FC236}">
+                <a16:creationId xmlns:a16="http://schemas.microsoft.com/office/drawing/2014/main" id="{7ED744EC-28DA-4FFB-884F-B55F19DF3FB0}"/>
+              </a:ext>
+            </a:extLst>
+          </p:cNvPr>
+          <p:cNvPicPr/>
+          <p:nvPr/>
+        </p:nvPicPr>
+        <p:blipFill>
+          <a:blip r:embed="rId5">
+            <a:extLst>
+              <a:ext uri="{28A0092B-C50C-407E-A947-70E740481C1C}">
+                <a14:useLocalDpi xmlns:a14="http://schemas.microsoft.com/office/drawing/2010/main" val="0"/>
+              </a:ext>
+            </a:extLst>
+          </a:blip>
+          <a:srcRect/>
+          <a:stretch>
+            <a:fillRect/>
+          </a:stretch>
+        </p:blipFill>
+        <p:spPr bwMode="auto">
+          <a:xfrm>
+            <a:off x="0" y="4594633"/>
+            <a:ext cx="3742361" cy="1445361"/>
+          </a:xfrm>
+          <a:prstGeom prst="rect">
+            <a:avLst/>
+          </a:prstGeom>
+          <a:noFill/>
+          <a:ln>
+            <a:noFill/>
+          </a:ln>
+        </p:spPr>
+      </p:pic>
+      <p:pic>
+        <p:nvPicPr>
+          <p:cNvPr id="9" name="Рисунок 8">
+            <a:extLst>
+              <a:ext uri="{FF2B5EF4-FFF2-40B4-BE49-F238E27FC236}">
+                <a16:creationId xmlns:a16="http://schemas.microsoft.com/office/drawing/2014/main" id="{27FDB62C-2CFD-4B1C-A8C4-0CD2BDB3056F}"/>
+              </a:ext>
+            </a:extLst>
+          </p:cNvPr>
+          <p:cNvPicPr/>
+          <p:nvPr/>
+        </p:nvPicPr>
+        <p:blipFill>
+          <a:blip r:embed="rId6">
+            <a:extLst>
+              <a:ext uri="{28A0092B-C50C-407E-A947-70E740481C1C}">
+                <a14:useLocalDpi xmlns:a14="http://schemas.microsoft.com/office/drawing/2010/main" val="0"/>
+              </a:ext>
+            </a:extLst>
+          </a:blip>
+          <a:srcRect/>
+          <a:stretch>
+            <a:fillRect/>
+          </a:stretch>
+        </p:blipFill>
+        <p:spPr bwMode="auto">
+          <a:xfrm>
+            <a:off x="3742361" y="4594633"/>
+            <a:ext cx="3742362" cy="1228725"/>
+          </a:xfrm>
+          <a:prstGeom prst="rect">
+            <a:avLst/>
+          </a:prstGeom>
+          <a:noFill/>
+          <a:ln>
+            <a:noFill/>
+          </a:ln>
+        </p:spPr>
+      </p:pic>
+      <p:pic>
+        <p:nvPicPr>
+          <p:cNvPr id="10" name="Рисунок 9">
+            <a:extLst>
+              <a:ext uri="{FF2B5EF4-FFF2-40B4-BE49-F238E27FC236}">
+                <a16:creationId xmlns:a16="http://schemas.microsoft.com/office/drawing/2014/main" id="{B9A38013-0E04-4AE8-9D29-67F6385835D1}"/>
+              </a:ext>
+            </a:extLst>
+          </p:cNvPr>
+          <p:cNvPicPr/>
+          <p:nvPr/>
+        </p:nvPicPr>
+        <p:blipFill>
+          <a:blip r:embed="rId7">
+            <a:extLst>
+              <a:ext uri="{28A0092B-C50C-407E-A947-70E740481C1C}">
+                <a14:useLocalDpi xmlns:a14="http://schemas.microsoft.com/office/drawing/2010/main" val="0"/>
+              </a:ext>
+            </a:extLst>
+          </a:blip>
+          <a:srcRect/>
+          <a:stretch>
+            <a:fillRect/>
+          </a:stretch>
+        </p:blipFill>
+        <p:spPr bwMode="auto">
+          <a:xfrm>
+            <a:off x="7484722" y="4469905"/>
+            <a:ext cx="4548250" cy="1570089"/>
+          </a:xfrm>
+          <a:prstGeom prst="rect">
+            <a:avLst/>
+          </a:prstGeom>
+          <a:noFill/>
+          <a:ln>
+            <a:noFill/>
+          </a:ln>
+        </p:spPr>
+      </p:pic>
     </p:spTree>
     <p:extLst>
       <p:ext uri="{BB962C8B-B14F-4D97-AF65-F5344CB8AC3E}">
-        <p14:creationId xmlns:p14="http://schemas.microsoft.com/office/powerpoint/2010/main" val="658956323"/>
+        <p14:creationId xmlns:p14="http://schemas.microsoft.com/office/powerpoint/2010/main" val="1206766381"/>
       </p:ext>
     </p:extLst>
   </p:cSld>
@@ -4629,7 +4672,7 @@
           <p:cNvPr id="2" name="Заголовок 1">
             <a:extLst>
               <a:ext uri="{FF2B5EF4-FFF2-40B4-BE49-F238E27FC236}">
-                <a16:creationId xmlns:a16="http://schemas.microsoft.com/office/drawing/2014/main" id="{3987E056-ABDC-4EF5-B45E-EB0413E17B80}"/>
+                <a16:creationId xmlns:a16="http://schemas.microsoft.com/office/drawing/2014/main" id="{149BA20A-6ADE-477A-B2CB-54BE68DCBDDF}"/>
               </a:ext>
             </a:extLst>
           </p:cNvPr>
@@ -4640,29 +4683,24 @@
             <p:ph type="title"/>
           </p:nvPr>
         </p:nvSpPr>
-        <p:spPr>
-          <a:xfrm>
-            <a:off x="838200" y="325368"/>
-            <a:ext cx="10515600" cy="1325563"/>
-          </a:xfrm>
-        </p:spPr>
+        <p:spPr/>
         <p:txBody>
           <a:bodyPr/>
           <a:lstStyle/>
           <a:p>
             <a:r>
               <a:rPr lang="ru-RU" dirty="0"/>
-              <a:t>Апробация: Администратор</a:t>
+              <a:t>Апробация: Отчеты администратора</a:t>
             </a:r>
           </a:p>
         </p:txBody>
       </p:sp>
       <p:pic>
         <p:nvPicPr>
-          <p:cNvPr id="4" name="Объект 3">
+          <p:cNvPr id="8" name="Объект 7">
             <a:extLst>
               <a:ext uri="{FF2B5EF4-FFF2-40B4-BE49-F238E27FC236}">
-                <a16:creationId xmlns:a16="http://schemas.microsoft.com/office/drawing/2014/main" id="{0897BBC5-01E9-41B3-B556-4F55FB6366C6}"/>
+                <a16:creationId xmlns:a16="http://schemas.microsoft.com/office/drawing/2014/main" id="{0E6D0235-03BC-424F-AB46-979E9C0E744E}"/>
               </a:ext>
             </a:extLst>
           </p:cNvPr>
@@ -4688,8 +4726,8 @@
         </p:blipFill>
         <p:spPr bwMode="auto">
           <a:xfrm>
-            <a:off x="121893" y="2180635"/>
-            <a:ext cx="3498574" cy="2289726"/>
+            <a:off x="0" y="1393500"/>
+            <a:ext cx="5905499" cy="2886952"/>
           </a:xfrm>
           <a:prstGeom prst="rect">
             <a:avLst/>
@@ -4702,10 +4740,10 @@
       </p:pic>
       <p:pic>
         <p:nvPicPr>
-          <p:cNvPr id="5" name="Рисунок 4">
+          <p:cNvPr id="9" name="Рисунок 8">
             <a:extLst>
               <a:ext uri="{FF2B5EF4-FFF2-40B4-BE49-F238E27FC236}">
-                <a16:creationId xmlns:a16="http://schemas.microsoft.com/office/drawing/2014/main" id="{04D3CC89-8FE5-4068-A1A9-3D9F2190E565}"/>
+                <a16:creationId xmlns:a16="http://schemas.microsoft.com/office/drawing/2014/main" id="{6B7771B5-0CA2-498F-9B41-D74D61499671}"/>
               </a:ext>
             </a:extLst>
           </p:cNvPr>
@@ -4727,8 +4765,8 @@
         </p:blipFill>
         <p:spPr bwMode="auto">
           <a:xfrm>
-            <a:off x="3795502" y="2180635"/>
-            <a:ext cx="3000240" cy="1924050"/>
+            <a:off x="5905499" y="1393500"/>
+            <a:ext cx="6286501" cy="2833942"/>
           </a:xfrm>
           <a:prstGeom prst="rect">
             <a:avLst/>
@@ -4741,10 +4779,10 @@
       </p:pic>
       <p:pic>
         <p:nvPicPr>
-          <p:cNvPr id="6" name="Рисунок 5">
+          <p:cNvPr id="10" name="Рисунок 9">
             <a:extLst>
               <a:ext uri="{FF2B5EF4-FFF2-40B4-BE49-F238E27FC236}">
-                <a16:creationId xmlns:a16="http://schemas.microsoft.com/office/drawing/2014/main" id="{DC6469DD-0AA4-4D4C-A4C6-88A0D3831337}"/>
+                <a16:creationId xmlns:a16="http://schemas.microsoft.com/office/drawing/2014/main" id="{020D67A5-8E7D-425A-B972-8C5271049CB5}"/>
               </a:ext>
             </a:extLst>
           </p:cNvPr>
@@ -4766,8 +4804,8 @@
         </p:blipFill>
         <p:spPr bwMode="auto">
           <a:xfrm>
-            <a:off x="6896379" y="2381844"/>
-            <a:ext cx="4848225" cy="1228725"/>
+            <a:off x="0" y="4280450"/>
+            <a:ext cx="12192000" cy="2617306"/>
           </a:xfrm>
           <a:prstGeom prst="rect">
             <a:avLst/>
@@ -4778,127 +4816,10 @@
           </a:ln>
         </p:spPr>
       </p:pic>
-      <p:pic>
-        <p:nvPicPr>
-          <p:cNvPr id="8" name="Рисунок 7">
-            <a:extLst>
-              <a:ext uri="{FF2B5EF4-FFF2-40B4-BE49-F238E27FC236}">
-                <a16:creationId xmlns:a16="http://schemas.microsoft.com/office/drawing/2014/main" id="{7ED744EC-28DA-4FFB-884F-B55F19DF3FB0}"/>
-              </a:ext>
-            </a:extLst>
-          </p:cNvPr>
-          <p:cNvPicPr/>
-          <p:nvPr/>
-        </p:nvPicPr>
-        <p:blipFill>
-          <a:blip r:embed="rId5">
-            <a:extLst>
-              <a:ext uri="{28A0092B-C50C-407E-A947-70E740481C1C}">
-                <a14:useLocalDpi xmlns:a14="http://schemas.microsoft.com/office/drawing/2010/main" val="0"/>
-              </a:ext>
-            </a:extLst>
-          </a:blip>
-          <a:srcRect/>
-          <a:stretch>
-            <a:fillRect/>
-          </a:stretch>
-        </p:blipFill>
-        <p:spPr bwMode="auto">
-          <a:xfrm>
-            <a:off x="0" y="4594633"/>
-            <a:ext cx="3742361" cy="1445361"/>
-          </a:xfrm>
-          <a:prstGeom prst="rect">
-            <a:avLst/>
-          </a:prstGeom>
-          <a:noFill/>
-          <a:ln>
-            <a:noFill/>
-          </a:ln>
-        </p:spPr>
-      </p:pic>
-      <p:pic>
-        <p:nvPicPr>
-          <p:cNvPr id="9" name="Рисунок 8">
-            <a:extLst>
-              <a:ext uri="{FF2B5EF4-FFF2-40B4-BE49-F238E27FC236}">
-                <a16:creationId xmlns:a16="http://schemas.microsoft.com/office/drawing/2014/main" id="{27FDB62C-2CFD-4B1C-A8C4-0CD2BDB3056F}"/>
-              </a:ext>
-            </a:extLst>
-          </p:cNvPr>
-          <p:cNvPicPr/>
-          <p:nvPr/>
-        </p:nvPicPr>
-        <p:blipFill>
-          <a:blip r:embed="rId6">
-            <a:extLst>
-              <a:ext uri="{28A0092B-C50C-407E-A947-70E740481C1C}">
-                <a14:useLocalDpi xmlns:a14="http://schemas.microsoft.com/office/drawing/2010/main" val="0"/>
-              </a:ext>
-            </a:extLst>
-          </a:blip>
-          <a:srcRect/>
-          <a:stretch>
-            <a:fillRect/>
-          </a:stretch>
-        </p:blipFill>
-        <p:spPr bwMode="auto">
-          <a:xfrm>
-            <a:off x="3742361" y="4594633"/>
-            <a:ext cx="3742362" cy="1228725"/>
-          </a:xfrm>
-          <a:prstGeom prst="rect">
-            <a:avLst/>
-          </a:prstGeom>
-          <a:noFill/>
-          <a:ln>
-            <a:noFill/>
-          </a:ln>
-        </p:spPr>
-      </p:pic>
-      <p:pic>
-        <p:nvPicPr>
-          <p:cNvPr id="10" name="Рисунок 9">
-            <a:extLst>
-              <a:ext uri="{FF2B5EF4-FFF2-40B4-BE49-F238E27FC236}">
-                <a16:creationId xmlns:a16="http://schemas.microsoft.com/office/drawing/2014/main" id="{B9A38013-0E04-4AE8-9D29-67F6385835D1}"/>
-              </a:ext>
-            </a:extLst>
-          </p:cNvPr>
-          <p:cNvPicPr/>
-          <p:nvPr/>
-        </p:nvPicPr>
-        <p:blipFill>
-          <a:blip r:embed="rId7">
-            <a:extLst>
-              <a:ext uri="{28A0092B-C50C-407E-A947-70E740481C1C}">
-                <a14:useLocalDpi xmlns:a14="http://schemas.microsoft.com/office/drawing/2010/main" val="0"/>
-              </a:ext>
-            </a:extLst>
-          </a:blip>
-          <a:srcRect/>
-          <a:stretch>
-            <a:fillRect/>
-          </a:stretch>
-        </p:blipFill>
-        <p:spPr bwMode="auto">
-          <a:xfrm>
-            <a:off x="7484722" y="4469905"/>
-            <a:ext cx="4548250" cy="1570089"/>
-          </a:xfrm>
-          <a:prstGeom prst="rect">
-            <a:avLst/>
-          </a:prstGeom>
-          <a:noFill/>
-          <a:ln>
-            <a:noFill/>
-          </a:ln>
-        </p:spPr>
-      </p:pic>
     </p:spTree>
     <p:extLst>
       <p:ext uri="{BB962C8B-B14F-4D97-AF65-F5344CB8AC3E}">
-        <p14:creationId xmlns:p14="http://schemas.microsoft.com/office/powerpoint/2010/main" val="1206766381"/>
+        <p14:creationId xmlns:p14="http://schemas.microsoft.com/office/powerpoint/2010/main" val="1517674079"/>
       </p:ext>
     </p:extLst>
   </p:cSld>
@@ -4930,7 +4851,7 @@
           <p:cNvPr id="2" name="Заголовок 1">
             <a:extLst>
               <a:ext uri="{FF2B5EF4-FFF2-40B4-BE49-F238E27FC236}">
-                <a16:creationId xmlns:a16="http://schemas.microsoft.com/office/drawing/2014/main" id="{149BA20A-6ADE-477A-B2CB-54BE68DCBDDF}"/>
+                <a16:creationId xmlns:a16="http://schemas.microsoft.com/office/drawing/2014/main" id="{13E6C3B7-FAA9-4604-BBA8-7B1738B8E0D4}"/>
               </a:ext>
             </a:extLst>
           </p:cNvPr>
@@ -4941,24 +4862,29 @@
             <p:ph type="title"/>
           </p:nvPr>
         </p:nvSpPr>
-        <p:spPr/>
+        <p:spPr>
+          <a:xfrm>
+            <a:off x="838200" y="325369"/>
+            <a:ext cx="10515600" cy="1325563"/>
+          </a:xfrm>
+        </p:spPr>
         <p:txBody>
           <a:bodyPr/>
           <a:lstStyle/>
           <a:p>
             <a:r>
               <a:rPr lang="ru-RU" dirty="0"/>
-              <a:t>Апробация: Отчеты администратора</a:t>
+              <a:t>Апробация: Клиента</a:t>
             </a:r>
           </a:p>
         </p:txBody>
       </p:sp>
       <p:pic>
         <p:nvPicPr>
-          <p:cNvPr id="8" name="Объект 7">
+          <p:cNvPr id="4" name="Объект 3">
             <a:extLst>
               <a:ext uri="{FF2B5EF4-FFF2-40B4-BE49-F238E27FC236}">
-                <a16:creationId xmlns:a16="http://schemas.microsoft.com/office/drawing/2014/main" id="{0E6D0235-03BC-424F-AB46-979E9C0E744E}"/>
+                <a16:creationId xmlns:a16="http://schemas.microsoft.com/office/drawing/2014/main" id="{E1C29972-9D8A-4D1A-AA1D-EC6291FAD5E5}"/>
               </a:ext>
             </a:extLst>
           </p:cNvPr>
@@ -4984,8 +4910,8 @@
         </p:blipFill>
         <p:spPr bwMode="auto">
           <a:xfrm>
-            <a:off x="0" y="1393500"/>
-            <a:ext cx="5905499" cy="2886952"/>
+            <a:off x="838200" y="1457739"/>
+            <a:ext cx="5257800" cy="3038061"/>
           </a:xfrm>
           <a:prstGeom prst="rect">
             <a:avLst/>
@@ -4998,10 +4924,10 @@
       </p:pic>
       <p:pic>
         <p:nvPicPr>
-          <p:cNvPr id="9" name="Рисунок 8">
+          <p:cNvPr id="5" name="Рисунок 4">
             <a:extLst>
               <a:ext uri="{FF2B5EF4-FFF2-40B4-BE49-F238E27FC236}">
-                <a16:creationId xmlns:a16="http://schemas.microsoft.com/office/drawing/2014/main" id="{6B7771B5-0CA2-498F-9B41-D74D61499671}"/>
+                <a16:creationId xmlns:a16="http://schemas.microsoft.com/office/drawing/2014/main" id="{4F1B886F-6543-44C2-BFCF-CF785ADDF821}"/>
               </a:ext>
             </a:extLst>
           </p:cNvPr>
@@ -5023,8 +4949,8 @@
         </p:blipFill>
         <p:spPr bwMode="auto">
           <a:xfrm>
-            <a:off x="5905499" y="1393500"/>
-            <a:ext cx="6286501" cy="2833942"/>
+            <a:off x="6096000" y="1457739"/>
+            <a:ext cx="5257800" cy="3038061"/>
           </a:xfrm>
           <a:prstGeom prst="rect">
             <a:avLst/>
@@ -5037,10 +4963,10 @@
       </p:pic>
       <p:pic>
         <p:nvPicPr>
-          <p:cNvPr id="10" name="Рисунок 9">
+          <p:cNvPr id="7" name="Рисунок 6">
             <a:extLst>
               <a:ext uri="{FF2B5EF4-FFF2-40B4-BE49-F238E27FC236}">
-                <a16:creationId xmlns:a16="http://schemas.microsoft.com/office/drawing/2014/main" id="{020D67A5-8E7D-425A-B972-8C5271049CB5}"/>
+                <a16:creationId xmlns:a16="http://schemas.microsoft.com/office/drawing/2014/main" id="{0EDA3618-7F43-44DB-BD7E-5136723D78DE}"/>
               </a:ext>
             </a:extLst>
           </p:cNvPr>
@@ -5062,8 +4988,8 @@
         </p:blipFill>
         <p:spPr bwMode="auto">
           <a:xfrm>
-            <a:off x="0" y="4280450"/>
-            <a:ext cx="12192000" cy="2617306"/>
+            <a:off x="847051" y="4495799"/>
+            <a:ext cx="10506749" cy="2262809"/>
           </a:xfrm>
           <a:prstGeom prst="rect">
             <a:avLst/>
@@ -5077,7 +5003,7 @@
     </p:spTree>
     <p:extLst>
       <p:ext uri="{BB962C8B-B14F-4D97-AF65-F5344CB8AC3E}">
-        <p14:creationId xmlns:p14="http://schemas.microsoft.com/office/powerpoint/2010/main" val="1517674079"/>
+        <p14:creationId xmlns:p14="http://schemas.microsoft.com/office/powerpoint/2010/main" val="3020117924"/>
       </p:ext>
     </p:extLst>
   </p:cSld>
@@ -5106,13 +5032,7 @@
       </p:grpSpPr>
       <p:sp>
         <p:nvSpPr>
-          <p:cNvPr id="2" name="Заголовок 1">
-            <a:extLst>
-              <a:ext uri="{FF2B5EF4-FFF2-40B4-BE49-F238E27FC236}">
-                <a16:creationId xmlns:a16="http://schemas.microsoft.com/office/drawing/2014/main" id="{13E6C3B7-FAA9-4604-BBA8-7B1738B8E0D4}"/>
-              </a:ext>
-            </a:extLst>
-          </p:cNvPr>
+          <p:cNvPr id="2" name="Заголовок 1"/>
           <p:cNvSpPr>
             <a:spLocks noGrp="1"/>
           </p:cNvSpPr>
@@ -5120,148 +5040,184 @@
             <p:ph type="title"/>
           </p:nvPr>
         </p:nvSpPr>
-        <p:spPr>
-          <a:xfrm>
-            <a:off x="838200" y="325369"/>
-            <a:ext cx="10515600" cy="1325563"/>
-          </a:xfrm>
-        </p:spPr>
+        <p:spPr/>
         <p:txBody>
           <a:bodyPr/>
           <a:lstStyle/>
           <a:p>
             <a:r>
               <a:rPr lang="ru-RU" dirty="0"/>
-              <a:t>Апробация: Клиента</a:t>
-            </a:r>
-          </a:p>
-        </p:txBody>
-      </p:sp>
-      <p:pic>
-        <p:nvPicPr>
-          <p:cNvPr id="4" name="Объект 3">
-            <a:extLst>
-              <a:ext uri="{FF2B5EF4-FFF2-40B4-BE49-F238E27FC236}">
-                <a16:creationId xmlns:a16="http://schemas.microsoft.com/office/drawing/2014/main" id="{E1C29972-9D8A-4D1A-AA1D-EC6291FAD5E5}"/>
-              </a:ext>
-            </a:extLst>
-          </p:cNvPr>
-          <p:cNvPicPr>
-            <a:picLocks noGrp="1"/>
-          </p:cNvPicPr>
+              <a:t>Результаты дипломной работы</a:t>
+            </a:r>
+          </a:p>
+        </p:txBody>
+      </p:sp>
+      <p:sp>
+        <p:nvSpPr>
+          <p:cNvPr id="3" name="Объект 2"/>
+          <p:cNvSpPr>
+            <a:spLocks noGrp="1"/>
+          </p:cNvSpPr>
           <p:nvPr>
             <p:ph idx="1"/>
           </p:nvPr>
-        </p:nvPicPr>
-        <p:blipFill>
-          <a:blip r:embed="rId2">
-            <a:extLst>
-              <a:ext uri="{28A0092B-C50C-407E-A947-70E740481C1C}">
-                <a14:useLocalDpi xmlns:a14="http://schemas.microsoft.com/office/drawing/2010/main" val="0"/>
-              </a:ext>
-            </a:extLst>
-          </a:blip>
-          <a:srcRect/>
-          <a:stretch>
-            <a:fillRect/>
-          </a:stretch>
-        </p:blipFill>
-        <p:spPr bwMode="auto">
-          <a:xfrm>
-            <a:off x="838200" y="1457739"/>
-            <a:ext cx="5257800" cy="3038061"/>
-          </a:xfrm>
-          <a:prstGeom prst="rect">
-            <a:avLst/>
-          </a:prstGeom>
-          <a:noFill/>
-          <a:ln>
-            <a:noFill/>
-          </a:ln>
-        </p:spPr>
-      </p:pic>
-      <p:pic>
-        <p:nvPicPr>
-          <p:cNvPr id="5" name="Рисунок 4">
-            <a:extLst>
-              <a:ext uri="{FF2B5EF4-FFF2-40B4-BE49-F238E27FC236}">
-                <a16:creationId xmlns:a16="http://schemas.microsoft.com/office/drawing/2014/main" id="{4F1B886F-6543-44C2-BFCF-CF785ADDF821}"/>
-              </a:ext>
-            </a:extLst>
-          </p:cNvPr>
-          <p:cNvPicPr/>
-          <p:nvPr/>
-        </p:nvPicPr>
-        <p:blipFill>
-          <a:blip r:embed="rId3">
-            <a:extLst>
-              <a:ext uri="{28A0092B-C50C-407E-A947-70E740481C1C}">
-                <a14:useLocalDpi xmlns:a14="http://schemas.microsoft.com/office/drawing/2010/main" val="0"/>
-              </a:ext>
-            </a:extLst>
-          </a:blip>
-          <a:srcRect/>
-          <a:stretch>
-            <a:fillRect/>
-          </a:stretch>
-        </p:blipFill>
-        <p:spPr bwMode="auto">
-          <a:xfrm>
-            <a:off x="6096000" y="1457739"/>
-            <a:ext cx="5257800" cy="3038061"/>
-          </a:xfrm>
-          <a:prstGeom prst="rect">
-            <a:avLst/>
-          </a:prstGeom>
-          <a:noFill/>
-          <a:ln>
-            <a:noFill/>
-          </a:ln>
-        </p:spPr>
-      </p:pic>
-      <p:pic>
-        <p:nvPicPr>
-          <p:cNvPr id="7" name="Рисунок 6">
-            <a:extLst>
-              <a:ext uri="{FF2B5EF4-FFF2-40B4-BE49-F238E27FC236}">
-                <a16:creationId xmlns:a16="http://schemas.microsoft.com/office/drawing/2014/main" id="{0EDA3618-7F43-44DB-BD7E-5136723D78DE}"/>
-              </a:ext>
-            </a:extLst>
-          </p:cNvPr>
-          <p:cNvPicPr/>
-          <p:nvPr/>
-        </p:nvPicPr>
-        <p:blipFill>
-          <a:blip r:embed="rId4">
-            <a:extLst>
-              <a:ext uri="{28A0092B-C50C-407E-A947-70E740481C1C}">
-                <a14:useLocalDpi xmlns:a14="http://schemas.microsoft.com/office/drawing/2010/main" val="0"/>
-              </a:ext>
-            </a:extLst>
-          </a:blip>
-          <a:srcRect/>
-          <a:stretch>
-            <a:fillRect/>
-          </a:stretch>
-        </p:blipFill>
-        <p:spPr bwMode="auto">
-          <a:xfrm>
-            <a:off x="847051" y="4495799"/>
-            <a:ext cx="10506749" cy="2262809"/>
-          </a:xfrm>
-          <a:prstGeom prst="rect">
-            <a:avLst/>
-          </a:prstGeom>
-          <a:noFill/>
-          <a:ln>
-            <a:noFill/>
-          </a:ln>
-        </p:spPr>
-      </p:pic>
+        </p:nvSpPr>
+        <p:spPr/>
+        <p:txBody>
+          <a:bodyPr>
+            <a:normAutofit fontScale="92500"/>
+          </a:bodyPr>
+          <a:lstStyle/>
+          <a:p>
+            <a:pPr>
+              <a:buFont typeface="Wingdings" panose="05000000000000000000" pitchFamily="2" charset="2"/>
+              <a:buChar char="§"/>
+            </a:pPr>
+            <a:r>
+              <a:rPr lang="ru-RU" dirty="0"/>
+              <a:t>Изучены:</a:t>
+            </a:r>
+          </a:p>
+          <a:p>
+            <a:pPr lvl="1"/>
+            <a:r>
+              <a:rPr lang="ru-RU" dirty="0"/>
+              <a:t>языки программирования </a:t>
+            </a:r>
+            <a:r>
+              <a:rPr lang="en-US" dirty="0"/>
+              <a:t>Java</a:t>
+            </a:r>
+            <a:r>
+              <a:rPr lang="ru-RU" dirty="0"/>
+              <a:t> фреймворк </a:t>
+            </a:r>
+            <a:r>
+              <a:rPr lang="en-US" dirty="0"/>
+              <a:t>Hibernate</a:t>
+            </a:r>
+            <a:endParaRPr lang="ru-RU" dirty="0"/>
+          </a:p>
+          <a:p>
+            <a:pPr lvl="1"/>
+            <a:r>
+              <a:rPr lang="ru-RU" dirty="0"/>
+              <a:t>библиотеки </a:t>
+            </a:r>
+            <a:r>
+              <a:rPr lang="en-US" dirty="0"/>
+              <a:t>SWING, </a:t>
+            </a:r>
+            <a:r>
+              <a:rPr lang="en-US" dirty="0" err="1"/>
+              <a:t>JExcelAPI</a:t>
+            </a:r>
+            <a:r>
+              <a:rPr lang="en-US" dirty="0"/>
+              <a:t>, Log4j, JDBC, </a:t>
+            </a:r>
+            <a:r>
+              <a:rPr lang="en-US" dirty="0" err="1"/>
+              <a:t>Aspose.Words</a:t>
+            </a:r>
+            <a:endParaRPr lang="en-US" dirty="0"/>
+          </a:p>
+          <a:p>
+            <a:pPr marL="457200" lvl="1" indent="0">
+              <a:buNone/>
+            </a:pPr>
+            <a:endParaRPr lang="en-US" dirty="0"/>
+          </a:p>
+          <a:p>
+            <a:pPr>
+              <a:buFont typeface="Wingdings" panose="05000000000000000000" pitchFamily="2" charset="2"/>
+              <a:buChar char="§"/>
+            </a:pPr>
+            <a:r>
+              <a:rPr lang="ru-RU" dirty="0"/>
+              <a:t>Помимо этого, были выполнены следующие задачи:</a:t>
+            </a:r>
+            <a:endParaRPr lang="en-US" dirty="0"/>
+          </a:p>
+          <a:p>
+            <a:pPr lvl="1"/>
+            <a:r>
+              <a:rPr lang="ru-RU" dirty="0"/>
+              <a:t>спроектировано и разработано приложение</a:t>
+            </a:r>
+          </a:p>
+          <a:p>
+            <a:pPr lvl="1"/>
+            <a:r>
+              <a:rPr lang="ru-RU" dirty="0"/>
+              <a:t>разработаны основные модули: регистрация и авторизация пользователя; просмотр, создание запросов и заявок</a:t>
+            </a:r>
+            <a:r>
+              <a:rPr lang="en-US" dirty="0"/>
+              <a:t>; </a:t>
+            </a:r>
+            <a:r>
+              <a:rPr lang="ru-RU" dirty="0"/>
+              <a:t>просмотр</a:t>
+            </a:r>
+            <a:r>
+              <a:rPr lang="en-US" dirty="0"/>
+              <a:t> </a:t>
+            </a:r>
+            <a:r>
+              <a:rPr lang="ru-RU" dirty="0"/>
+              <a:t>динамической информации о компании в том числе по фильтрам</a:t>
+            </a:r>
+            <a:r>
+              <a:rPr lang="en-US" dirty="0"/>
+              <a:t>,</a:t>
+            </a:r>
+            <a:r>
+              <a:rPr lang="ru-RU" dirty="0"/>
+              <a:t> а также вывод ее с предварительной обработкой в качестве отчетов </a:t>
+            </a:r>
+            <a:r>
+              <a:rPr lang="en-US" dirty="0"/>
+              <a:t>Excel;</a:t>
+            </a:r>
+            <a:r>
+              <a:rPr lang="ru-RU" dirty="0"/>
+              <a:t> отправка отзывов и формирование рейтинга водителей и менеджеров на их основе</a:t>
+            </a:r>
+            <a:r>
+              <a:rPr lang="en-US" dirty="0"/>
+              <a:t>;</a:t>
+            </a:r>
+            <a:r>
+              <a:rPr lang="ru-RU" dirty="0"/>
+              <a:t> а также расчет загрузки транспорта</a:t>
+            </a:r>
+            <a:r>
+              <a:rPr lang="en-US" dirty="0"/>
+              <a:t>,</a:t>
+            </a:r>
+            <a:r>
+              <a:rPr lang="ru-RU" dirty="0"/>
+              <a:t> формирование договоров в формате </a:t>
+            </a:r>
+            <a:r>
+              <a:rPr lang="en-US" dirty="0"/>
+              <a:t>Docx</a:t>
+            </a:r>
+            <a:endParaRPr lang="ru-RU" dirty="0"/>
+          </a:p>
+          <a:p>
+            <a:pPr marL="0" indent="0">
+              <a:buNone/>
+            </a:pPr>
+            <a:endParaRPr lang="ru-RU" dirty="0"/>
+          </a:p>
+        </p:txBody>
+      </p:sp>
     </p:spTree>
     <p:extLst>
       <p:ext uri="{BB962C8B-B14F-4D97-AF65-F5344CB8AC3E}">
-        <p14:creationId xmlns:p14="http://schemas.microsoft.com/office/powerpoint/2010/main" val="3020117924"/>
+        <p14:creationId xmlns:p14="http://schemas.microsoft.com/office/powerpoint/2010/main" val="3718304080"/>
       </p:ext>
     </p:extLst>
   </p:cSld>
@@ -5290,7 +5246,13 @@
       </p:grpSpPr>
       <p:sp>
         <p:nvSpPr>
-          <p:cNvPr id="2" name="Заголовок 1"/>
+          <p:cNvPr id="2" name="Заголовок 1">
+            <a:extLst>
+              <a:ext uri="{FF2B5EF4-FFF2-40B4-BE49-F238E27FC236}">
+                <a16:creationId xmlns:a16="http://schemas.microsoft.com/office/drawing/2014/main" id="{E22F2BF3-310C-42C0-A675-3DB6664E8274}"/>
+              </a:ext>
+            </a:extLst>
+          </p:cNvPr>
           <p:cNvSpPr>
             <a:spLocks noGrp="1"/>
           </p:cNvSpPr>
@@ -5305,14 +5267,20 @@
           <a:p>
             <a:r>
               <a:rPr lang="ru-RU" dirty="0"/>
-              <a:t>Результаты дипломной работы</a:t>
-            </a:r>
-          </a:p>
-        </p:txBody>
-      </p:sp>
-      <p:sp>
-        <p:nvSpPr>
-          <p:cNvPr id="3" name="Объект 2"/>
+              <a:t>Публикации</a:t>
+            </a:r>
+          </a:p>
+        </p:txBody>
+      </p:sp>
+      <p:sp>
+        <p:nvSpPr>
+          <p:cNvPr id="3" name="Объект 2">
+            <a:extLst>
+              <a:ext uri="{FF2B5EF4-FFF2-40B4-BE49-F238E27FC236}">
+                <a16:creationId xmlns:a16="http://schemas.microsoft.com/office/drawing/2014/main" id="{2E5B5590-A5C1-4578-ACDF-FDA83BA4D7CA}"/>
+              </a:ext>
+            </a:extLst>
+          </p:cNvPr>
           <p:cNvSpPr>
             <a:spLocks noGrp="1"/>
           </p:cNvSpPr>
@@ -5322,160 +5290,20 @@
         </p:nvSpPr>
         <p:spPr/>
         <p:txBody>
-          <a:bodyPr>
-            <a:normAutofit fontScale="92500"/>
-          </a:bodyPr>
-          <a:lstStyle/>
-          <a:p>
-            <a:pPr>
-              <a:buFont typeface="Wingdings" panose="05000000000000000000" pitchFamily="2" charset="2"/>
-              <a:buChar char="§"/>
-            </a:pPr>
+          <a:bodyPr/>
+          <a:lstStyle/>
+          <a:p>
             <a:r>
               <a:rPr lang="ru-RU" dirty="0"/>
-              <a:t>Изучены:</a:t>
-            </a:r>
-          </a:p>
-          <a:p>
-            <a:pPr lvl="1"/>
-            <a:r>
-              <a:rPr lang="ru-RU" dirty="0"/>
-              <a:t>языки программирования </a:t>
-            </a:r>
-            <a:r>
-              <a:rPr lang="en-US" dirty="0"/>
-              <a:t>Java</a:t>
-            </a:r>
-            <a:r>
-              <a:rPr lang="ru-RU" dirty="0"/>
-              <a:t> фреймворк </a:t>
-            </a:r>
-            <a:r>
-              <a:rPr lang="en-US" dirty="0"/>
-              <a:t>Hibernate</a:t>
-            </a:r>
-            <a:endParaRPr lang="ru-RU" dirty="0"/>
-          </a:p>
-          <a:p>
-            <a:pPr lvl="1"/>
-            <a:r>
-              <a:rPr lang="ru-RU" dirty="0"/>
-              <a:t>библиотеки </a:t>
-            </a:r>
-            <a:r>
-              <a:rPr lang="en-US" dirty="0"/>
-              <a:t>SWING, </a:t>
-            </a:r>
-            <a:r>
-              <a:rPr lang="en-US" dirty="0" err="1"/>
-              <a:t>JExcelAPI</a:t>
-            </a:r>
-            <a:r>
-              <a:rPr lang="en-US" dirty="0"/>
-              <a:t>, Log4j, JDBC, </a:t>
-            </a:r>
-            <a:r>
-              <a:rPr lang="en-US" dirty="0" err="1"/>
-              <a:t>Aspose.Words</a:t>
-            </a:r>
-            <a:endParaRPr lang="en-US" dirty="0"/>
-          </a:p>
-          <a:p>
-            <a:pPr marL="457200" lvl="1" indent="0">
-              <a:buNone/>
-            </a:pPr>
-            <a:endParaRPr lang="en-US" dirty="0"/>
-          </a:p>
-          <a:p>
-            <a:pPr>
-              <a:buFont typeface="Wingdings" panose="05000000000000000000" pitchFamily="2" charset="2"/>
-              <a:buChar char="§"/>
-            </a:pPr>
-            <a:r>
-              <a:rPr lang="ru-RU" dirty="0"/>
-              <a:t>Помимо этого, были выполнены следующие задачи:</a:t>
-            </a:r>
-            <a:endParaRPr lang="en-US" dirty="0"/>
-          </a:p>
-          <a:p>
-            <a:pPr lvl="1"/>
-            <a:r>
-              <a:rPr lang="ru-RU" dirty="0"/>
-              <a:t>спроектировано и разработано приложение</a:t>
-            </a:r>
-          </a:p>
-          <a:p>
-            <a:pPr lvl="1"/>
-            <a:r>
-              <a:rPr lang="ru-RU" dirty="0"/>
-              <a:t>разработаны основные модули: регистрация и авторизация пользователя; просмотр, создание запросов и заявок</a:t>
-            </a:r>
-            <a:r>
-              <a:rPr lang="en-US" dirty="0"/>
-              <a:t>; </a:t>
-            </a:r>
-            <a:r>
-              <a:rPr lang="ru-RU" dirty="0"/>
-              <a:t>просмотр</a:t>
-            </a:r>
-            <a:r>
-              <a:rPr lang="en-US" dirty="0"/>
-              <a:t> </a:t>
-            </a:r>
-            <a:r>
-              <a:rPr lang="ru-RU" dirty="0"/>
-              <a:t>динамической информации о компании в том числе по фильтрам</a:t>
-            </a:r>
-            <a:r>
-              <a:rPr lang="en-US" dirty="0"/>
-              <a:t>,</a:t>
-            </a:r>
-            <a:r>
-              <a:rPr lang="ru-RU" dirty="0"/>
-              <a:t> а также вывод ее с предварительной обработкой в качестве отчетов </a:t>
-            </a:r>
-            <a:r>
-              <a:rPr lang="en-US" dirty="0"/>
-              <a:t>Excel;</a:t>
-            </a:r>
-            <a:r>
-              <a:rPr lang="ru-RU" dirty="0"/>
-              <a:t> отправка отзывов и формирование рейтинга водителей и менеджеров на их основе</a:t>
-            </a:r>
-            <a:r>
-              <a:rPr lang="en-US" dirty="0"/>
-              <a:t>;</a:t>
-            </a:r>
-            <a:r>
-              <a:rPr lang="ru-RU" dirty="0"/>
-              <a:t> а также расчет загрузки транспорта</a:t>
-            </a:r>
-            <a:r>
-              <a:rPr lang="en-US" dirty="0"/>
-              <a:t>,</a:t>
-            </a:r>
-            <a:r>
-              <a:rPr lang="ru-RU" dirty="0"/>
-              <a:t> формирование договоров в формате </a:t>
-            </a:r>
-            <a:r>
-              <a:rPr lang="en-US" dirty="0"/>
-              <a:t>Docx</a:t>
-            </a:r>
-            <a:endParaRPr lang="ru-RU" dirty="0"/>
-          </a:p>
-          <a:p>
-            <a:pPr marL="0" indent="0">
-              <a:buNone/>
-            </a:pPr>
-            <a:endParaRPr lang="ru-RU" dirty="0"/>
+              <a:t>Описание разработки доложено на XXVI Республиканской научной конференции студентов и аспирантов «Новые математические методы и компьютерные технологии в проектировании, производстве и научных исследованиях», проходившей в 2023 г. в г. Гомеле; и опубликовано в сборнике этой конференций, а также – в сборнике «Творчество Молодых2023» [15-16].</a:t>
+            </a:r>
           </a:p>
         </p:txBody>
       </p:sp>
     </p:spTree>
     <p:extLst>
       <p:ext uri="{BB962C8B-B14F-4D97-AF65-F5344CB8AC3E}">
-        <p14:creationId xmlns:p14="http://schemas.microsoft.com/office/powerpoint/2010/main" val="3718304080"/>
+        <p14:creationId xmlns:p14="http://schemas.microsoft.com/office/powerpoint/2010/main" val="81469737"/>
       </p:ext>
     </p:extLst>
   </p:cSld>
@@ -5504,13 +5332,7 @@
       </p:grpSpPr>
       <p:sp>
         <p:nvSpPr>
-          <p:cNvPr id="2" name="Заголовок 1">
-            <a:extLst>
-              <a:ext uri="{FF2B5EF4-FFF2-40B4-BE49-F238E27FC236}">
-                <a16:creationId xmlns:a16="http://schemas.microsoft.com/office/drawing/2014/main" id="{E22F2BF3-310C-42C0-A675-3DB6664E8274}"/>
-              </a:ext>
-            </a:extLst>
-          </p:cNvPr>
+          <p:cNvPr id="2" name="Заголовок 1"/>
           <p:cNvSpPr>
             <a:spLocks noGrp="1"/>
           </p:cNvSpPr>
@@ -5518,42 +5340,20 @@
             <p:ph type="title"/>
           </p:nvPr>
         </p:nvSpPr>
-        <p:spPr/>
+        <p:spPr>
+          <a:xfrm>
+            <a:off x="0" y="2391633"/>
+            <a:ext cx="12191999" cy="1325563"/>
+          </a:xfrm>
+        </p:spPr>
         <p:txBody>
           <a:bodyPr/>
           <a:lstStyle/>
           <a:p>
+            <a:pPr algn="ctr"/>
             <a:r>
               <a:rPr lang="ru-RU" dirty="0"/>
-              <a:t>Публикации</a:t>
-            </a:r>
-          </a:p>
-        </p:txBody>
-      </p:sp>
-      <p:sp>
-        <p:nvSpPr>
-          <p:cNvPr id="3" name="Объект 2">
-            <a:extLst>
-              <a:ext uri="{FF2B5EF4-FFF2-40B4-BE49-F238E27FC236}">
-                <a16:creationId xmlns:a16="http://schemas.microsoft.com/office/drawing/2014/main" id="{2E5B5590-A5C1-4578-ACDF-FDA83BA4D7CA}"/>
-              </a:ext>
-            </a:extLst>
-          </p:cNvPr>
-          <p:cNvSpPr>
-            <a:spLocks noGrp="1"/>
-          </p:cNvSpPr>
-          <p:nvPr>
-            <p:ph idx="1"/>
-          </p:nvPr>
-        </p:nvSpPr>
-        <p:spPr/>
-        <p:txBody>
-          <a:bodyPr/>
-          <a:lstStyle/>
-          <a:p>
-            <a:r>
-              <a:rPr lang="ru-RU" dirty="0"/>
-              <a:t>Описание разработки доложено на XXVI Республиканской научной конференции студентов и аспирантов «Новые математические методы и компьютерные технологии в проектировании, производстве и научных исследованиях», проходившей в 2023 г. в г. Гомеле; и опубликовано в сборнике этой конференций, а также – в сборнике «Творчество Молодых2023» [15-16].</a:t>
+              <a:t>Спасибо за внимание</a:t>
             </a:r>
           </a:p>
         </p:txBody>
@@ -5561,7 +5361,7 @@
     </p:spTree>
     <p:extLst>
       <p:ext uri="{BB962C8B-B14F-4D97-AF65-F5344CB8AC3E}">
-        <p14:creationId xmlns:p14="http://schemas.microsoft.com/office/powerpoint/2010/main" val="81469737"/>
+        <p14:creationId xmlns:p14="http://schemas.microsoft.com/office/powerpoint/2010/main" val="2001914665"/>
       </p:ext>
     </p:extLst>
   </p:cSld>
@@ -5665,7 +5465,7 @@
           <a:p>
             <a:r>
               <a:rPr lang="ru-RU" dirty="0"/>
-              <a:t>Отдых</a:t>
+              <a:t>отдых</a:t>
             </a:r>
           </a:p>
           <a:p>
@@ -5680,64 +5480,6 @@
     <p:extLst>
       <p:ext uri="{BB962C8B-B14F-4D97-AF65-F5344CB8AC3E}">
         <p14:creationId xmlns:p14="http://schemas.microsoft.com/office/powerpoint/2010/main" val="4254294301"/>
-      </p:ext>
-    </p:extLst>
-  </p:cSld>
-  <p:clrMapOvr>
-    <a:masterClrMapping/>
-  </p:clrMapOvr>
-</p:sld>
-</file>
-
-<file path=ppt/slides/slide20.xml><?xml version="1.0" encoding="utf-8"?>
-<p:sld xmlns:a="http://schemas.openxmlformats.org/drawingml/2006/main" xmlns:r="http://schemas.openxmlformats.org/officeDocument/2006/relationships" xmlns:p="http://schemas.openxmlformats.org/presentationml/2006/main">
-  <p:cSld>
-    <p:spTree>
-      <p:nvGrpSpPr>
-        <p:cNvPr id="1" name=""/>
-        <p:cNvGrpSpPr/>
-        <p:nvPr/>
-      </p:nvGrpSpPr>
-      <p:grpSpPr>
-        <a:xfrm>
-          <a:off x="0" y="0"/>
-          <a:ext cx="0" cy="0"/>
-          <a:chOff x="0" y="0"/>
-          <a:chExt cx="0" cy="0"/>
-        </a:xfrm>
-      </p:grpSpPr>
-      <p:sp>
-        <p:nvSpPr>
-          <p:cNvPr id="2" name="Заголовок 1"/>
-          <p:cNvSpPr>
-            <a:spLocks noGrp="1"/>
-          </p:cNvSpPr>
-          <p:nvPr>
-            <p:ph type="title"/>
-          </p:nvPr>
-        </p:nvSpPr>
-        <p:spPr>
-          <a:xfrm>
-            <a:off x="0" y="2391633"/>
-            <a:ext cx="12191999" cy="1325563"/>
-          </a:xfrm>
-        </p:spPr>
-        <p:txBody>
-          <a:bodyPr/>
-          <a:lstStyle/>
-          <a:p>
-            <a:pPr algn="ctr"/>
-            <a:r>
-              <a:rPr lang="ru-RU" dirty="0"/>
-              <a:t>Спасибо за внимание</a:t>
-            </a:r>
-          </a:p>
-        </p:txBody>
-      </p:sp>
-    </p:spTree>
-    <p:extLst>
-      <p:ext uri="{BB962C8B-B14F-4D97-AF65-F5344CB8AC3E}">
-        <p14:creationId xmlns:p14="http://schemas.microsoft.com/office/powerpoint/2010/main" val="2001914665"/>
       </p:ext>
     </p:extLst>
   </p:cSld>
@@ -5769,7 +5511,7 @@
           <p:cNvPr id="2" name="Заголовок 1">
             <a:extLst>
               <a:ext uri="{FF2B5EF4-FFF2-40B4-BE49-F238E27FC236}">
-                <a16:creationId xmlns:a16="http://schemas.microsoft.com/office/drawing/2014/main" id="{3512EC27-23C7-4422-BBDD-E27F384943B7}"/>
+                <a16:creationId xmlns:a16="http://schemas.microsoft.com/office/drawing/2014/main" id="{12008DDE-00FF-4D4C-9F75-4758237253D1}"/>
               </a:ext>
             </a:extLst>
           </p:cNvPr>
@@ -5791,11 +5533,11 @@
             </a:r>
             <a:r>
               <a:rPr lang="en-US" dirty="0"/>
-              <a:t>:</a:t>
+              <a:t>: </a:t>
             </a:r>
             <a:r>
               <a:rPr lang="ru-RU" dirty="0"/>
-              <a:t>решение проблем</a:t>
+              <a:t>вывод</a:t>
             </a:r>
           </a:p>
         </p:txBody>
@@ -5805,7 +5547,7 @@
           <p:cNvPr id="3" name="Объект 2">
             <a:extLst>
               <a:ext uri="{FF2B5EF4-FFF2-40B4-BE49-F238E27FC236}">
-                <a16:creationId xmlns:a16="http://schemas.microsoft.com/office/drawing/2014/main" id="{C7AAAE8B-7360-44EF-A322-1C8780E142BB}"/>
+                <a16:creationId xmlns:a16="http://schemas.microsoft.com/office/drawing/2014/main" id="{5C290E0A-DEE5-4278-A3DB-5DBD91C23888}"/>
               </a:ext>
             </a:extLst>
           </p:cNvPr>
@@ -5823,27 +5565,20 @@
           <a:p>
             <a:r>
               <a:rPr lang="ru-RU" dirty="0"/>
-              <a:t>работа с документами</a:t>
-            </a:r>
-          </a:p>
-          <a:p>
-            <a:r>
-              <a:rPr lang="ru-RU" dirty="0"/>
-              <a:t> поиск клиентов</a:t>
-            </a:r>
-          </a:p>
-          <a:p>
-            <a:r>
-              <a:rPr lang="ru-RU" dirty="0"/>
-              <a:t>Меньше рисков</a:t>
-            </a:r>
+              <a:t>Твой клиент – это компания, которая дает тебе работу. И единственное что тебе нужно делать – это водить машину, все остальное за тебя сделает компания. Если что-то не нравится, ты всегда можешь уйти в компанию с более выгодными условиями. </a:t>
+            </a:r>
+            <a:r>
+              <a:rPr lang="ru-RU"/>
+              <a:t>В этой ситуации все в лучших традициях разделения труда: делаешь то, что умеешь и ничего больше.</a:t>
+            </a:r>
+            <a:endParaRPr lang="ru-RU" dirty="0"/>
           </a:p>
         </p:txBody>
       </p:sp>
     </p:spTree>
     <p:extLst>
       <p:ext uri="{BB962C8B-B14F-4D97-AF65-F5344CB8AC3E}">
-        <p14:creationId xmlns:p14="http://schemas.microsoft.com/office/powerpoint/2010/main" val="1627699514"/>
+        <p14:creationId xmlns:p14="http://schemas.microsoft.com/office/powerpoint/2010/main" val="4077854386"/>
       </p:ext>
     </p:extLst>
   </p:cSld>
@@ -5872,97 +5607,6 @@
       </p:grpSpPr>
       <p:sp>
         <p:nvSpPr>
-          <p:cNvPr id="2" name="Заголовок 1">
-            <a:extLst>
-              <a:ext uri="{FF2B5EF4-FFF2-40B4-BE49-F238E27FC236}">
-                <a16:creationId xmlns:a16="http://schemas.microsoft.com/office/drawing/2014/main" id="{12008DDE-00FF-4D4C-9F75-4758237253D1}"/>
-              </a:ext>
-            </a:extLst>
-          </p:cNvPr>
-          <p:cNvSpPr>
-            <a:spLocks noGrp="1"/>
-          </p:cNvSpPr>
-          <p:nvPr>
-            <p:ph type="title"/>
-          </p:nvPr>
-        </p:nvSpPr>
-        <p:spPr/>
-        <p:txBody>
-          <a:bodyPr/>
-          <a:lstStyle/>
-          <a:p>
-            <a:r>
-              <a:rPr lang="ru-RU" dirty="0"/>
-              <a:t>Вывод</a:t>
-            </a:r>
-          </a:p>
-        </p:txBody>
-      </p:sp>
-      <p:sp>
-        <p:nvSpPr>
-          <p:cNvPr id="3" name="Объект 2">
-            <a:extLst>
-              <a:ext uri="{FF2B5EF4-FFF2-40B4-BE49-F238E27FC236}">
-                <a16:creationId xmlns:a16="http://schemas.microsoft.com/office/drawing/2014/main" id="{5C290E0A-DEE5-4278-A3DB-5DBD91C23888}"/>
-              </a:ext>
-            </a:extLst>
-          </p:cNvPr>
-          <p:cNvSpPr>
-            <a:spLocks noGrp="1"/>
-          </p:cNvSpPr>
-          <p:nvPr>
-            <p:ph idx="1"/>
-          </p:nvPr>
-        </p:nvSpPr>
-        <p:spPr/>
-        <p:txBody>
-          <a:bodyPr/>
-          <a:lstStyle/>
-          <a:p>
-            <a:r>
-              <a:rPr lang="ru-RU" dirty="0"/>
-              <a:t>Твой клиент – это компания, которая дает тебе работу. И единственное что тебе нужно делать – это водить машину, все остальное за тебя сделает компания. Если что-то не нравится, ты всегда можешь уйти в компанию с более выгодными условиями. </a:t>
-            </a:r>
-            <a:r>
-              <a:rPr lang="ru-RU"/>
-              <a:t>В этой ситуации все в лучших традициях разделения труда: делаешь то, что умеешь и ничего больше.</a:t>
-            </a:r>
-            <a:endParaRPr lang="ru-RU" dirty="0"/>
-          </a:p>
-        </p:txBody>
-      </p:sp>
-    </p:spTree>
-    <p:extLst>
-      <p:ext uri="{BB962C8B-B14F-4D97-AF65-F5344CB8AC3E}">
-        <p14:creationId xmlns:p14="http://schemas.microsoft.com/office/powerpoint/2010/main" val="4077854386"/>
-      </p:ext>
-    </p:extLst>
-  </p:cSld>
-  <p:clrMapOvr>
-    <a:masterClrMapping/>
-  </p:clrMapOvr>
-</p:sld>
-</file>
-
-<file path=ppt/slides/slide5.xml><?xml version="1.0" encoding="utf-8"?>
-<p:sld xmlns:a="http://schemas.openxmlformats.org/drawingml/2006/main" xmlns:r="http://schemas.openxmlformats.org/officeDocument/2006/relationships" xmlns:p="http://schemas.openxmlformats.org/presentationml/2006/main">
-  <p:cSld>
-    <p:spTree>
-      <p:nvGrpSpPr>
-        <p:cNvPr id="1" name=""/>
-        <p:cNvGrpSpPr/>
-        <p:nvPr/>
-      </p:nvGrpSpPr>
-      <p:grpSpPr>
-        <a:xfrm>
-          <a:off x="0" y="0"/>
-          <a:ext cx="0" cy="0"/>
-          <a:chOff x="0" y="0"/>
-          <a:chExt cx="0" cy="0"/>
-        </a:xfrm>
-      </p:grpSpPr>
-      <p:sp>
-        <p:nvSpPr>
           <p:cNvPr id="2" name="Заголовок 1"/>
           <p:cNvSpPr>
             <a:spLocks noGrp="1"/>
@@ -6093,7 +5737,7 @@
 </p:sld>
 </file>
 
-<file path=ppt/slides/slide6.xml><?xml version="1.0" encoding="utf-8"?>
+<file path=ppt/slides/slide5.xml><?xml version="1.0" encoding="utf-8"?>
 <p:sld xmlns:a="http://schemas.openxmlformats.org/drawingml/2006/main" xmlns:r="http://schemas.openxmlformats.org/officeDocument/2006/relationships" xmlns:p="http://schemas.openxmlformats.org/presentationml/2006/main">
   <p:cSld>
     <p:spTree>
@@ -6546,6 +6190,185 @@
 </p:sld>
 </file>
 
+<file path=ppt/slides/slide6.xml><?xml version="1.0" encoding="utf-8"?>
+<p:sld xmlns:a="http://schemas.openxmlformats.org/drawingml/2006/main" xmlns:r="http://schemas.openxmlformats.org/officeDocument/2006/relationships" xmlns:p="http://schemas.openxmlformats.org/presentationml/2006/main">
+  <p:cSld>
+    <p:spTree>
+      <p:nvGrpSpPr>
+        <p:cNvPr id="1" name=""/>
+        <p:cNvGrpSpPr/>
+        <p:nvPr/>
+      </p:nvGrpSpPr>
+      <p:grpSpPr>
+        <a:xfrm>
+          <a:off x="0" y="0"/>
+          <a:ext cx="0" cy="0"/>
+          <a:chOff x="0" y="0"/>
+          <a:chExt cx="0" cy="0"/>
+        </a:xfrm>
+      </p:grpSpPr>
+      <p:sp>
+        <p:nvSpPr>
+          <p:cNvPr id="2" name="Заголовок 1">
+            <a:extLst>
+              <a:ext uri="{FF2B5EF4-FFF2-40B4-BE49-F238E27FC236}">
+                <a16:creationId xmlns:a16="http://schemas.microsoft.com/office/drawing/2014/main" id="{89A29B0A-F86C-454A-8BC2-AE1D8602B411}"/>
+              </a:ext>
+            </a:extLst>
+          </p:cNvPr>
+          <p:cNvSpPr>
+            <a:spLocks noGrp="1"/>
+          </p:cNvSpPr>
+          <p:nvPr>
+            <p:ph type="title"/>
+          </p:nvPr>
+        </p:nvSpPr>
+        <p:spPr/>
+        <p:txBody>
+          <a:bodyPr/>
+          <a:lstStyle/>
+          <a:p>
+            <a:r>
+              <a:rPr lang="ru-RU" dirty="0"/>
+              <a:t>Проектирование</a:t>
+            </a:r>
+          </a:p>
+        </p:txBody>
+      </p:sp>
+      <p:pic>
+        <p:nvPicPr>
+          <p:cNvPr id="4" name="Объект 3">
+            <a:extLst>
+              <a:ext uri="{FF2B5EF4-FFF2-40B4-BE49-F238E27FC236}">
+                <a16:creationId xmlns:a16="http://schemas.microsoft.com/office/drawing/2014/main" id="{4DF63580-322B-4A18-991B-314DF5034C92}"/>
+              </a:ext>
+            </a:extLst>
+          </p:cNvPr>
+          <p:cNvPicPr>
+            <a:picLocks noGrp="1"/>
+          </p:cNvPicPr>
+          <p:nvPr>
+            <p:ph idx="1"/>
+          </p:nvPr>
+        </p:nvPicPr>
+        <p:blipFill>
+          <a:blip r:embed="rId2">
+            <a:extLst>
+              <a:ext uri="{28A0092B-C50C-407E-A947-70E740481C1C}">
+                <a14:useLocalDpi xmlns:a14="http://schemas.microsoft.com/office/drawing/2010/main" val="0"/>
+              </a:ext>
+            </a:extLst>
+          </a:blip>
+          <a:srcRect t="2176" b="14671"/>
+          <a:stretch>
+            <a:fillRect/>
+          </a:stretch>
+        </p:blipFill>
+        <p:spPr bwMode="auto">
+          <a:xfrm>
+            <a:off x="318053" y="1371158"/>
+            <a:ext cx="5777947" cy="2448368"/>
+          </a:xfrm>
+          <a:prstGeom prst="rect">
+            <a:avLst/>
+          </a:prstGeom>
+          <a:noFill/>
+          <a:ln>
+            <a:noFill/>
+          </a:ln>
+        </p:spPr>
+      </p:pic>
+      <p:pic>
+        <p:nvPicPr>
+          <p:cNvPr id="5" name="Рисунок 4">
+            <a:extLst>
+              <a:ext uri="{FF2B5EF4-FFF2-40B4-BE49-F238E27FC236}">
+                <a16:creationId xmlns:a16="http://schemas.microsoft.com/office/drawing/2014/main" id="{E8A08DBF-F8BF-46FC-B2ED-FABC268F87D8}"/>
+              </a:ext>
+            </a:extLst>
+          </p:cNvPr>
+          <p:cNvPicPr/>
+          <p:nvPr/>
+        </p:nvPicPr>
+        <p:blipFill>
+          <a:blip r:embed="rId3">
+            <a:extLst>
+              <a:ext uri="{28A0092B-C50C-407E-A947-70E740481C1C}">
+                <a14:useLocalDpi xmlns:a14="http://schemas.microsoft.com/office/drawing/2010/main" val="0"/>
+              </a:ext>
+            </a:extLst>
+          </a:blip>
+          <a:srcRect/>
+          <a:stretch>
+            <a:fillRect/>
+          </a:stretch>
+        </p:blipFill>
+        <p:spPr bwMode="auto">
+          <a:xfrm>
+            <a:off x="6096000" y="1371157"/>
+            <a:ext cx="5777947" cy="2448369"/>
+          </a:xfrm>
+          <a:prstGeom prst="rect">
+            <a:avLst/>
+          </a:prstGeom>
+          <a:noFill/>
+          <a:ln>
+            <a:noFill/>
+          </a:ln>
+        </p:spPr>
+      </p:pic>
+      <p:pic>
+        <p:nvPicPr>
+          <p:cNvPr id="6" name="Рисунок 5">
+            <a:extLst>
+              <a:ext uri="{FF2B5EF4-FFF2-40B4-BE49-F238E27FC236}">
+                <a16:creationId xmlns:a16="http://schemas.microsoft.com/office/drawing/2014/main" id="{8B980239-D895-4CBE-925A-E359A76F458A}"/>
+              </a:ext>
+            </a:extLst>
+          </p:cNvPr>
+          <p:cNvPicPr/>
+          <p:nvPr/>
+        </p:nvPicPr>
+        <p:blipFill>
+          <a:blip r:embed="rId4">
+            <a:extLst>
+              <a:ext uri="{28A0092B-C50C-407E-A947-70E740481C1C}">
+                <a14:useLocalDpi xmlns:a14="http://schemas.microsoft.com/office/drawing/2010/main" val="0"/>
+              </a:ext>
+            </a:extLst>
+          </a:blip>
+          <a:srcRect/>
+          <a:stretch>
+            <a:fillRect/>
+          </a:stretch>
+        </p:blipFill>
+        <p:spPr bwMode="auto">
+          <a:xfrm>
+            <a:off x="3490912" y="3819525"/>
+            <a:ext cx="5210175" cy="3038475"/>
+          </a:xfrm>
+          <a:prstGeom prst="rect">
+            <a:avLst/>
+          </a:prstGeom>
+          <a:noFill/>
+          <a:ln>
+            <a:noFill/>
+          </a:ln>
+        </p:spPr>
+      </p:pic>
+    </p:spTree>
+    <p:extLst>
+      <p:ext uri="{BB962C8B-B14F-4D97-AF65-F5344CB8AC3E}">
+        <p14:creationId xmlns:p14="http://schemas.microsoft.com/office/powerpoint/2010/main" val="821884369"/>
+      </p:ext>
+    </p:extLst>
+  </p:cSld>
+  <p:clrMapOvr>
+    <a:masterClrMapping/>
+  </p:clrMapOvr>
+</p:sld>
+</file>
+
 <file path=ppt/slides/slide7.xml><?xml version="1.0" encoding="utf-8"?>
 <p:sld xmlns:a="http://schemas.openxmlformats.org/drawingml/2006/main" xmlns:r="http://schemas.openxmlformats.org/officeDocument/2006/relationships" xmlns:p="http://schemas.openxmlformats.org/presentationml/2006/main">
   <p:cSld>
@@ -6565,13 +6388,7 @@
       </p:grpSpPr>
       <p:sp>
         <p:nvSpPr>
-          <p:cNvPr id="2" name="Заголовок 1">
-            <a:extLst>
-              <a:ext uri="{FF2B5EF4-FFF2-40B4-BE49-F238E27FC236}">
-                <a16:creationId xmlns:a16="http://schemas.microsoft.com/office/drawing/2014/main" id="{89A29B0A-F86C-454A-8BC2-AE1D8602B411}"/>
-              </a:ext>
-            </a:extLst>
-          </p:cNvPr>
+          <p:cNvPr id="2" name="Заголовок 1"/>
           <p:cNvSpPr>
             <a:spLocks noGrp="1"/>
           </p:cNvSpPr>
@@ -6579,33 +6396,34 @@
             <p:ph type="title"/>
           </p:nvPr>
         </p:nvSpPr>
-        <p:spPr/>
+        <p:spPr>
+          <a:xfrm>
+            <a:off x="854978" y="0"/>
+            <a:ext cx="10515600" cy="1325563"/>
+          </a:xfrm>
+        </p:spPr>
         <p:txBody>
           <a:bodyPr/>
           <a:lstStyle/>
           <a:p>
             <a:r>
               <a:rPr lang="ru-RU" dirty="0"/>
-              <a:t>Проектирование</a:t>
+              <a:t>Иерархия управления в компании</a:t>
             </a:r>
           </a:p>
         </p:txBody>
       </p:sp>
       <p:pic>
         <p:nvPicPr>
-          <p:cNvPr id="4" name="Объект 3">
+          <p:cNvPr id="7" name="Рисунок 6">
             <a:extLst>
               <a:ext uri="{FF2B5EF4-FFF2-40B4-BE49-F238E27FC236}">
-                <a16:creationId xmlns:a16="http://schemas.microsoft.com/office/drawing/2014/main" id="{4DF63580-322B-4A18-991B-314DF5034C92}"/>
+                <a16:creationId xmlns:a16="http://schemas.microsoft.com/office/drawing/2014/main" id="{D9B6CF8D-7089-4700-85A1-188A022697BB}"/>
               </a:ext>
             </a:extLst>
           </p:cNvPr>
-          <p:cNvPicPr>
-            <a:picLocks noGrp="1"/>
-          </p:cNvPicPr>
-          <p:nvPr>
-            <p:ph idx="1"/>
-          </p:nvPr>
+          <p:cNvPicPr/>
+          <p:nvPr/>
         </p:nvPicPr>
         <p:blipFill>
           <a:blip r:embed="rId2">
@@ -6615,15 +6433,15 @@
               </a:ext>
             </a:extLst>
           </a:blip>
-          <a:srcRect t="2176" b="14671"/>
+          <a:srcRect/>
           <a:stretch>
             <a:fillRect/>
           </a:stretch>
         </p:blipFill>
         <p:spPr bwMode="auto">
           <a:xfrm>
-            <a:off x="318053" y="1371158"/>
-            <a:ext cx="5777947" cy="2448368"/>
+            <a:off x="821422" y="1325563"/>
+            <a:ext cx="10880247" cy="4572000"/>
           </a:xfrm>
           <a:prstGeom prst="rect">
             <a:avLst/>
@@ -6634,88 +6452,10 @@
           </a:ln>
         </p:spPr>
       </p:pic>
-      <p:pic>
-        <p:nvPicPr>
-          <p:cNvPr id="5" name="Рисунок 4">
-            <a:extLst>
-              <a:ext uri="{FF2B5EF4-FFF2-40B4-BE49-F238E27FC236}">
-                <a16:creationId xmlns:a16="http://schemas.microsoft.com/office/drawing/2014/main" id="{E8A08DBF-F8BF-46FC-B2ED-FABC268F87D8}"/>
-              </a:ext>
-            </a:extLst>
-          </p:cNvPr>
-          <p:cNvPicPr/>
-          <p:nvPr/>
-        </p:nvPicPr>
-        <p:blipFill>
-          <a:blip r:embed="rId3">
-            <a:extLst>
-              <a:ext uri="{28A0092B-C50C-407E-A947-70E740481C1C}">
-                <a14:useLocalDpi xmlns:a14="http://schemas.microsoft.com/office/drawing/2010/main" val="0"/>
-              </a:ext>
-            </a:extLst>
-          </a:blip>
-          <a:srcRect/>
-          <a:stretch>
-            <a:fillRect/>
-          </a:stretch>
-        </p:blipFill>
-        <p:spPr bwMode="auto">
-          <a:xfrm>
-            <a:off x="6096000" y="1371157"/>
-            <a:ext cx="5777947" cy="2448369"/>
-          </a:xfrm>
-          <a:prstGeom prst="rect">
-            <a:avLst/>
-          </a:prstGeom>
-          <a:noFill/>
-          <a:ln>
-            <a:noFill/>
-          </a:ln>
-        </p:spPr>
-      </p:pic>
-      <p:pic>
-        <p:nvPicPr>
-          <p:cNvPr id="6" name="Рисунок 5">
-            <a:extLst>
-              <a:ext uri="{FF2B5EF4-FFF2-40B4-BE49-F238E27FC236}">
-                <a16:creationId xmlns:a16="http://schemas.microsoft.com/office/drawing/2014/main" id="{8B980239-D895-4CBE-925A-E359A76F458A}"/>
-              </a:ext>
-            </a:extLst>
-          </p:cNvPr>
-          <p:cNvPicPr/>
-          <p:nvPr/>
-        </p:nvPicPr>
-        <p:blipFill>
-          <a:blip r:embed="rId4">
-            <a:extLst>
-              <a:ext uri="{28A0092B-C50C-407E-A947-70E740481C1C}">
-                <a14:useLocalDpi xmlns:a14="http://schemas.microsoft.com/office/drawing/2010/main" val="0"/>
-              </a:ext>
-            </a:extLst>
-          </a:blip>
-          <a:srcRect/>
-          <a:stretch>
-            <a:fillRect/>
-          </a:stretch>
-        </p:blipFill>
-        <p:spPr bwMode="auto">
-          <a:xfrm>
-            <a:off x="3490912" y="3819525"/>
-            <a:ext cx="5210175" cy="3038475"/>
-          </a:xfrm>
-          <a:prstGeom prst="rect">
-            <a:avLst/>
-          </a:prstGeom>
-          <a:noFill/>
-          <a:ln>
-            <a:noFill/>
-          </a:ln>
-        </p:spPr>
-      </p:pic>
     </p:spTree>
     <p:extLst>
       <p:ext uri="{BB962C8B-B14F-4D97-AF65-F5344CB8AC3E}">
-        <p14:creationId xmlns:p14="http://schemas.microsoft.com/office/powerpoint/2010/main" val="821884369"/>
+        <p14:creationId xmlns:p14="http://schemas.microsoft.com/office/powerpoint/2010/main" val="925016929"/>
       </p:ext>
     </p:extLst>
   </p:cSld>
@@ -6754,27 +6494,29 @@
         </p:nvSpPr>
         <p:spPr>
           <a:xfrm>
-            <a:off x="854978" y="0"/>
-            <a:ext cx="10515600" cy="1325563"/>
-          </a:xfrm>
-        </p:spPr>
-        <p:txBody>
-          <a:bodyPr/>
+            <a:off x="838200" y="365125"/>
+            <a:ext cx="10515600" cy="2460453"/>
+          </a:xfrm>
+        </p:spPr>
+        <p:txBody>
+          <a:bodyPr>
+            <a:normAutofit/>
+          </a:bodyPr>
           <a:lstStyle/>
           <a:p>
             <a:r>
               <a:rPr lang="ru-RU" dirty="0"/>
-              <a:t>Иерархия управления в компании</a:t>
+              <a:t>Схема БД</a:t>
             </a:r>
           </a:p>
         </p:txBody>
       </p:sp>
       <p:pic>
         <p:nvPicPr>
-          <p:cNvPr id="7" name="Рисунок 6">
+          <p:cNvPr id="4" name="Рисунок 3">
             <a:extLst>
               <a:ext uri="{FF2B5EF4-FFF2-40B4-BE49-F238E27FC236}">
-                <a16:creationId xmlns:a16="http://schemas.microsoft.com/office/drawing/2014/main" id="{D9B6CF8D-7089-4700-85A1-188A022697BB}"/>
+                <a16:creationId xmlns:a16="http://schemas.microsoft.com/office/drawing/2014/main" id="{528EA8AD-0C48-4EA6-8AB5-FC90376E72B2}"/>
               </a:ext>
             </a:extLst>
           </p:cNvPr>
@@ -6796,8 +6538,8 @@
         </p:blipFill>
         <p:spPr bwMode="auto">
           <a:xfrm>
-            <a:off x="821422" y="1325563"/>
-            <a:ext cx="10880247" cy="4572000"/>
+            <a:off x="3557586" y="702365"/>
+            <a:ext cx="7971805" cy="5790510"/>
           </a:xfrm>
           <a:prstGeom prst="rect">
             <a:avLst/>
@@ -6811,7 +6553,7 @@
     </p:spTree>
     <p:extLst>
       <p:ext uri="{BB962C8B-B14F-4D97-AF65-F5344CB8AC3E}">
-        <p14:creationId xmlns:p14="http://schemas.microsoft.com/office/powerpoint/2010/main" val="925016929"/>
+        <p14:creationId xmlns:p14="http://schemas.microsoft.com/office/powerpoint/2010/main" val="2541741414"/>
       </p:ext>
     </p:extLst>
   </p:cSld>
@@ -6840,7 +6582,13 @@
       </p:grpSpPr>
       <p:sp>
         <p:nvSpPr>
-          <p:cNvPr id="2" name="Заголовок 1"/>
+          <p:cNvPr id="2" name="Заголовок 1">
+            <a:extLst>
+              <a:ext uri="{FF2B5EF4-FFF2-40B4-BE49-F238E27FC236}">
+                <a16:creationId xmlns:a16="http://schemas.microsoft.com/office/drawing/2014/main" id="{08B108EA-04A0-4603-9247-66BCF54ECA07}"/>
+              </a:ext>
+            </a:extLst>
+          </p:cNvPr>
           <p:cNvSpPr>
             <a:spLocks noGrp="1"/>
           </p:cNvSpPr>
@@ -6848,36 +6596,33 @@
             <p:ph type="title"/>
           </p:nvPr>
         </p:nvSpPr>
-        <p:spPr>
-          <a:xfrm>
-            <a:off x="838200" y="365125"/>
-            <a:ext cx="10515600" cy="2460453"/>
-          </a:xfrm>
-        </p:spPr>
-        <p:txBody>
-          <a:bodyPr>
-            <a:normAutofit/>
-          </a:bodyPr>
+        <p:spPr/>
+        <p:txBody>
+          <a:bodyPr/>
           <a:lstStyle/>
           <a:p>
             <a:r>
               <a:rPr lang="ru-RU" dirty="0"/>
-              <a:t>Схема БД</a:t>
+              <a:t>Структура проекта</a:t>
             </a:r>
           </a:p>
         </p:txBody>
       </p:sp>
       <p:pic>
         <p:nvPicPr>
-          <p:cNvPr id="4" name="Рисунок 3">
+          <p:cNvPr id="4" name="Объект 3">
             <a:extLst>
               <a:ext uri="{FF2B5EF4-FFF2-40B4-BE49-F238E27FC236}">
-                <a16:creationId xmlns:a16="http://schemas.microsoft.com/office/drawing/2014/main" id="{528EA8AD-0C48-4EA6-8AB5-FC90376E72B2}"/>
+                <a16:creationId xmlns:a16="http://schemas.microsoft.com/office/drawing/2014/main" id="{8267393E-B254-4396-A4ED-08F94267B2C2}"/>
               </a:ext>
             </a:extLst>
           </p:cNvPr>
-          <p:cNvPicPr/>
-          <p:nvPr/>
+          <p:cNvPicPr>
+            <a:picLocks noGrp="1"/>
+          </p:cNvPicPr>
+          <p:nvPr>
+            <p:ph idx="1"/>
+          </p:nvPr>
         </p:nvPicPr>
         <p:blipFill>
           <a:blip r:embed="rId2">
@@ -6894,8 +6639,8 @@
         </p:blipFill>
         <p:spPr bwMode="auto">
           <a:xfrm>
-            <a:off x="3557586" y="702365"/>
-            <a:ext cx="7971805" cy="5790510"/>
+            <a:off x="118993" y="1690688"/>
+            <a:ext cx="2186885" cy="4351338"/>
           </a:xfrm>
           <a:prstGeom prst="rect">
             <a:avLst/>
@@ -6906,10 +6651,166 @@
           </a:ln>
         </p:spPr>
       </p:pic>
+      <p:pic>
+        <p:nvPicPr>
+          <p:cNvPr id="5" name="Рисунок 4">
+            <a:extLst>
+              <a:ext uri="{FF2B5EF4-FFF2-40B4-BE49-F238E27FC236}">
+                <a16:creationId xmlns:a16="http://schemas.microsoft.com/office/drawing/2014/main" id="{B412DF5E-185A-4A2D-85B1-FDC6D5A058E0}"/>
+              </a:ext>
+            </a:extLst>
+          </p:cNvPr>
+          <p:cNvPicPr/>
+          <p:nvPr/>
+        </p:nvPicPr>
+        <p:blipFill>
+          <a:blip r:embed="rId3">
+            <a:extLst>
+              <a:ext uri="{28A0092B-C50C-407E-A947-70E740481C1C}">
+                <a14:useLocalDpi xmlns:a14="http://schemas.microsoft.com/office/drawing/2010/main" val="0"/>
+              </a:ext>
+            </a:extLst>
+          </a:blip>
+          <a:srcRect/>
+          <a:stretch>
+            <a:fillRect/>
+          </a:stretch>
+        </p:blipFill>
+        <p:spPr bwMode="auto">
+          <a:xfrm>
+            <a:off x="2408306" y="1690688"/>
+            <a:ext cx="2365789" cy="4351338"/>
+          </a:xfrm>
+          <a:prstGeom prst="rect">
+            <a:avLst/>
+          </a:prstGeom>
+          <a:noFill/>
+          <a:ln>
+            <a:noFill/>
+          </a:ln>
+        </p:spPr>
+      </p:pic>
+      <p:pic>
+        <p:nvPicPr>
+          <p:cNvPr id="6" name="Рисунок 5">
+            <a:extLst>
+              <a:ext uri="{FF2B5EF4-FFF2-40B4-BE49-F238E27FC236}">
+                <a16:creationId xmlns:a16="http://schemas.microsoft.com/office/drawing/2014/main" id="{FD2FB9FD-CBBF-41C9-8DD8-D4DD9022F07B}"/>
+              </a:ext>
+            </a:extLst>
+          </p:cNvPr>
+          <p:cNvPicPr/>
+          <p:nvPr/>
+        </p:nvPicPr>
+        <p:blipFill>
+          <a:blip r:embed="rId4">
+            <a:extLst>
+              <a:ext uri="{28A0092B-C50C-407E-A947-70E740481C1C}">
+                <a14:useLocalDpi xmlns:a14="http://schemas.microsoft.com/office/drawing/2010/main" val="0"/>
+              </a:ext>
+            </a:extLst>
+          </a:blip>
+          <a:srcRect/>
+          <a:stretch>
+            <a:fillRect/>
+          </a:stretch>
+        </p:blipFill>
+        <p:spPr bwMode="auto">
+          <a:xfrm>
+            <a:off x="4876524" y="1690688"/>
+            <a:ext cx="2309744" cy="4351338"/>
+          </a:xfrm>
+          <a:prstGeom prst="rect">
+            <a:avLst/>
+          </a:prstGeom>
+          <a:noFill/>
+          <a:ln>
+            <a:noFill/>
+          </a:ln>
+        </p:spPr>
+      </p:pic>
+      <p:pic>
+        <p:nvPicPr>
+          <p:cNvPr id="7" name="Рисунок 6">
+            <a:extLst>
+              <a:ext uri="{FF2B5EF4-FFF2-40B4-BE49-F238E27FC236}">
+                <a16:creationId xmlns:a16="http://schemas.microsoft.com/office/drawing/2014/main" id="{69358DA8-47D0-453E-B6B9-18050B4BBF82}"/>
+              </a:ext>
+            </a:extLst>
+          </p:cNvPr>
+          <p:cNvPicPr/>
+          <p:nvPr/>
+        </p:nvPicPr>
+        <p:blipFill>
+          <a:blip r:embed="rId5">
+            <a:extLst>
+              <a:ext uri="{28A0092B-C50C-407E-A947-70E740481C1C}">
+                <a14:useLocalDpi xmlns:a14="http://schemas.microsoft.com/office/drawing/2010/main" val="0"/>
+              </a:ext>
+            </a:extLst>
+          </a:blip>
+          <a:srcRect/>
+          <a:stretch>
+            <a:fillRect/>
+          </a:stretch>
+        </p:blipFill>
+        <p:spPr bwMode="auto">
+          <a:xfrm>
+            <a:off x="7288696" y="1690688"/>
+            <a:ext cx="2309743" cy="4351338"/>
+          </a:xfrm>
+          <a:prstGeom prst="rect">
+            <a:avLst/>
+          </a:prstGeom>
+          <a:noFill/>
+          <a:ln>
+            <a:noFill/>
+          </a:ln>
+        </p:spPr>
+      </p:pic>
+      <p:pic>
+        <p:nvPicPr>
+          <p:cNvPr id="8" name="Рисунок 7">
+            <a:extLst>
+              <a:ext uri="{FF2B5EF4-FFF2-40B4-BE49-F238E27FC236}">
+                <a16:creationId xmlns:a16="http://schemas.microsoft.com/office/drawing/2014/main" id="{6E6E05C0-574C-41E7-8A3E-785CA3F94F74}"/>
+              </a:ext>
+            </a:extLst>
+          </p:cNvPr>
+          <p:cNvPicPr/>
+          <p:nvPr/>
+        </p:nvPicPr>
+        <p:blipFill>
+          <a:blip r:embed="rId6">
+            <a:extLst>
+              <a:ext uri="{28A0092B-C50C-407E-A947-70E740481C1C}">
+                <a14:useLocalDpi xmlns:a14="http://schemas.microsoft.com/office/drawing/2010/main" val="0"/>
+              </a:ext>
+            </a:extLst>
+          </a:blip>
+          <a:srcRect/>
+          <a:stretch>
+            <a:fillRect/>
+          </a:stretch>
+        </p:blipFill>
+        <p:spPr bwMode="auto">
+          <a:xfrm>
+            <a:off x="9700867" y="3935896"/>
+            <a:ext cx="2411620" cy="2106130"/>
+          </a:xfrm>
+          <a:prstGeom prst="rect">
+            <a:avLst/>
+          </a:prstGeom>
+          <a:noFill/>
+          <a:ln>
+            <a:noFill/>
+          </a:ln>
+        </p:spPr>
+      </p:pic>
     </p:spTree>
     <p:extLst>
       <p:ext uri="{BB962C8B-B14F-4D97-AF65-F5344CB8AC3E}">
-        <p14:creationId xmlns:p14="http://schemas.microsoft.com/office/powerpoint/2010/main" val="2541741414"/>
+        <p14:creationId xmlns:p14="http://schemas.microsoft.com/office/powerpoint/2010/main" val="3359726494"/>
       </p:ext>
     </p:extLst>
   </p:cSld>

--- a/diplom v2.0/doc/Презентация.pptx
+++ b/diplom v2.0/doc/Презентация.pptx
@@ -4,26 +4,30 @@
   <p:sldMasterIdLst>
     <p:sldMasterId id="2147483813" r:id="rId1"/>
   </p:sldMasterIdLst>
+  <p:notesMasterIdLst>
+    <p:notesMasterId r:id="rId22"/>
+  </p:notesMasterIdLst>
   <p:sldIdLst>
     <p:sldId id="256" r:id="rId2"/>
     <p:sldId id="279" r:id="rId3"/>
-    <p:sldId id="281" r:id="rId4"/>
+    <p:sldId id="282" r:id="rId4"/>
     <p:sldId id="257" r:id="rId5"/>
     <p:sldId id="258" r:id="rId6"/>
     <p:sldId id="278" r:id="rId7"/>
     <p:sldId id="259" r:id="rId8"/>
-    <p:sldId id="260" r:id="rId9"/>
-    <p:sldId id="273" r:id="rId10"/>
-    <p:sldId id="276" r:id="rId11"/>
-    <p:sldId id="269" r:id="rId12"/>
-    <p:sldId id="270" r:id="rId13"/>
-    <p:sldId id="271" r:id="rId14"/>
-    <p:sldId id="274" r:id="rId15"/>
-    <p:sldId id="272" r:id="rId16"/>
-    <p:sldId id="275" r:id="rId17"/>
-    <p:sldId id="264" r:id="rId18"/>
-    <p:sldId id="277" r:id="rId19"/>
-    <p:sldId id="265" r:id="rId20"/>
+    <p:sldId id="281" r:id="rId9"/>
+    <p:sldId id="260" r:id="rId10"/>
+    <p:sldId id="273" r:id="rId11"/>
+    <p:sldId id="276" r:id="rId12"/>
+    <p:sldId id="269" r:id="rId13"/>
+    <p:sldId id="270" r:id="rId14"/>
+    <p:sldId id="271" r:id="rId15"/>
+    <p:sldId id="274" r:id="rId16"/>
+    <p:sldId id="272" r:id="rId17"/>
+    <p:sldId id="275" r:id="rId18"/>
+    <p:sldId id="264" r:id="rId19"/>
+    <p:sldId id="277" r:id="rId20"/>
+    <p:sldId id="265" r:id="rId21"/>
   </p:sldIdLst>
   <p:sldSz cx="12192000" cy="6858000"/>
   <p:notesSz cx="6858000" cy="9144000"/>
@@ -141,6 +145,352 @@
 </p:presentation>
 </file>
 
+<file path=ppt/notesMasters/notesMaster1.xml><?xml version="1.0" encoding="utf-8"?>
+<p:notesMaster xmlns:a="http://schemas.openxmlformats.org/drawingml/2006/main" xmlns:r="http://schemas.openxmlformats.org/officeDocument/2006/relationships" xmlns:p="http://schemas.openxmlformats.org/presentationml/2006/main">
+  <p:cSld>
+    <p:bg>
+      <p:bgRef idx="1001">
+        <a:schemeClr val="bg1"/>
+      </p:bgRef>
+    </p:bg>
+    <p:spTree>
+      <p:nvGrpSpPr>
+        <p:cNvPr id="1" name=""/>
+        <p:cNvGrpSpPr/>
+        <p:nvPr/>
+      </p:nvGrpSpPr>
+      <p:grpSpPr>
+        <a:xfrm>
+          <a:off x="0" y="0"/>
+          <a:ext cx="0" cy="0"/>
+          <a:chOff x="0" y="0"/>
+          <a:chExt cx="0" cy="0"/>
+        </a:xfrm>
+      </p:grpSpPr>
+      <p:sp>
+        <p:nvSpPr>
+          <p:cNvPr id="2" name="Верхний колонтитул 1"/>
+          <p:cNvSpPr>
+            <a:spLocks noGrp="1"/>
+          </p:cNvSpPr>
+          <p:nvPr>
+            <p:ph type="hdr" sz="quarter"/>
+          </p:nvPr>
+        </p:nvSpPr>
+        <p:spPr>
+          <a:xfrm>
+            <a:off x="0" y="0"/>
+            <a:ext cx="2971800" cy="457200"/>
+          </a:xfrm>
+          <a:prstGeom prst="rect">
+            <a:avLst/>
+          </a:prstGeom>
+        </p:spPr>
+        <p:txBody>
+          <a:bodyPr vert="horz" lIns="91440" tIns="45720" rIns="91440" bIns="45720" rtlCol="0"/>
+          <a:lstStyle>
+            <a:lvl1pPr algn="l">
+              <a:defRPr sz="1200"/>
+            </a:lvl1pPr>
+          </a:lstStyle>
+          <a:p>
+            <a:endParaRPr lang="ru-RU"/>
+          </a:p>
+        </p:txBody>
+      </p:sp>
+      <p:sp>
+        <p:nvSpPr>
+          <p:cNvPr id="3" name="Дата 2"/>
+          <p:cNvSpPr>
+            <a:spLocks noGrp="1"/>
+          </p:cNvSpPr>
+          <p:nvPr>
+            <p:ph type="dt" idx="1"/>
+          </p:nvPr>
+        </p:nvSpPr>
+        <p:spPr>
+          <a:xfrm>
+            <a:off x="3884613" y="0"/>
+            <a:ext cx="2971800" cy="457200"/>
+          </a:xfrm>
+          <a:prstGeom prst="rect">
+            <a:avLst/>
+          </a:prstGeom>
+        </p:spPr>
+        <p:txBody>
+          <a:bodyPr vert="horz" lIns="91440" tIns="45720" rIns="91440" bIns="45720" rtlCol="0"/>
+          <a:lstStyle>
+            <a:lvl1pPr algn="r">
+              <a:defRPr sz="1200"/>
+            </a:lvl1pPr>
+          </a:lstStyle>
+          <a:p>
+            <a:fld id="{50184193-7F96-40D3-9B33-2DE57E3F35F0}" type="datetimeFigureOut">
+              <a:rPr lang="ru-RU" smtClean="0"/>
+              <a:t>10.06.2023</a:t>
+            </a:fld>
+            <a:endParaRPr lang="ru-RU"/>
+          </a:p>
+        </p:txBody>
+      </p:sp>
+      <p:sp>
+        <p:nvSpPr>
+          <p:cNvPr id="4" name="Образ слайда 3"/>
+          <p:cNvSpPr>
+            <a:spLocks noGrp="1" noRot="1" noChangeAspect="1"/>
+          </p:cNvSpPr>
+          <p:nvPr>
+            <p:ph type="sldImg" idx="2"/>
+          </p:nvPr>
+        </p:nvSpPr>
+        <p:spPr>
+          <a:xfrm>
+            <a:off x="381000" y="685800"/>
+            <a:ext cx="6096000" cy="3429000"/>
+          </a:xfrm>
+          <a:prstGeom prst="rect">
+            <a:avLst/>
+          </a:prstGeom>
+          <a:noFill/>
+          <a:ln w="12700">
+            <a:solidFill>
+              <a:prstClr val="black"/>
+            </a:solidFill>
+          </a:ln>
+        </p:spPr>
+        <p:txBody>
+          <a:bodyPr vert="horz" lIns="91440" tIns="45720" rIns="91440" bIns="45720" rtlCol="0" anchor="ctr"/>
+          <a:lstStyle/>
+          <a:p>
+            <a:endParaRPr lang="ru-RU"/>
+          </a:p>
+        </p:txBody>
+      </p:sp>
+      <p:sp>
+        <p:nvSpPr>
+          <p:cNvPr id="5" name="Заметки 4"/>
+          <p:cNvSpPr>
+            <a:spLocks noGrp="1"/>
+          </p:cNvSpPr>
+          <p:nvPr>
+            <p:ph type="body" sz="quarter" idx="3"/>
+          </p:nvPr>
+        </p:nvSpPr>
+        <p:spPr>
+          <a:xfrm>
+            <a:off x="685800" y="4343400"/>
+            <a:ext cx="5486400" cy="4114800"/>
+          </a:xfrm>
+          <a:prstGeom prst="rect">
+            <a:avLst/>
+          </a:prstGeom>
+        </p:spPr>
+        <p:txBody>
+          <a:bodyPr vert="horz" lIns="91440" tIns="45720" rIns="91440" bIns="45720" rtlCol="0">
+            <a:normAutofit/>
+          </a:bodyPr>
+          <a:lstStyle/>
+          <a:p>
+            <a:pPr lvl="0"/>
+            <a:r>
+              <a:rPr lang="ru-RU"/>
+              <a:t>Образец текста</a:t>
+            </a:r>
+          </a:p>
+          <a:p>
+            <a:pPr lvl="1"/>
+            <a:r>
+              <a:rPr lang="ru-RU"/>
+              <a:t>Второй уровень</a:t>
+            </a:r>
+          </a:p>
+          <a:p>
+            <a:pPr lvl="2"/>
+            <a:r>
+              <a:rPr lang="ru-RU"/>
+              <a:t>Третий уровень</a:t>
+            </a:r>
+          </a:p>
+          <a:p>
+            <a:pPr lvl="3"/>
+            <a:r>
+              <a:rPr lang="ru-RU"/>
+              <a:t>Четвертый уровень</a:t>
+            </a:r>
+          </a:p>
+          <a:p>
+            <a:pPr lvl="4"/>
+            <a:r>
+              <a:rPr lang="ru-RU"/>
+              <a:t>Пятый уровень</a:t>
+            </a:r>
+          </a:p>
+        </p:txBody>
+      </p:sp>
+      <p:sp>
+        <p:nvSpPr>
+          <p:cNvPr id="6" name="Нижний колонтитул 5"/>
+          <p:cNvSpPr>
+            <a:spLocks noGrp="1"/>
+          </p:cNvSpPr>
+          <p:nvPr>
+            <p:ph type="ftr" sz="quarter" idx="4"/>
+          </p:nvPr>
+        </p:nvSpPr>
+        <p:spPr>
+          <a:xfrm>
+            <a:off x="0" y="8685213"/>
+            <a:ext cx="2971800" cy="457200"/>
+          </a:xfrm>
+          <a:prstGeom prst="rect">
+            <a:avLst/>
+          </a:prstGeom>
+        </p:spPr>
+        <p:txBody>
+          <a:bodyPr vert="horz" lIns="91440" tIns="45720" rIns="91440" bIns="45720" rtlCol="0" anchor="b"/>
+          <a:lstStyle>
+            <a:lvl1pPr algn="l">
+              <a:defRPr sz="1200"/>
+            </a:lvl1pPr>
+          </a:lstStyle>
+          <a:p>
+            <a:endParaRPr lang="ru-RU"/>
+          </a:p>
+        </p:txBody>
+      </p:sp>
+      <p:sp>
+        <p:nvSpPr>
+          <p:cNvPr id="7" name="Номер слайда 6"/>
+          <p:cNvSpPr>
+            <a:spLocks noGrp="1"/>
+          </p:cNvSpPr>
+          <p:nvPr>
+            <p:ph type="sldNum" sz="quarter" idx="5"/>
+          </p:nvPr>
+        </p:nvSpPr>
+        <p:spPr>
+          <a:xfrm>
+            <a:off x="3884613" y="8685213"/>
+            <a:ext cx="2971800" cy="457200"/>
+          </a:xfrm>
+          <a:prstGeom prst="rect">
+            <a:avLst/>
+          </a:prstGeom>
+        </p:spPr>
+        <p:txBody>
+          <a:bodyPr vert="horz" lIns="91440" tIns="45720" rIns="91440" bIns="45720" rtlCol="0" anchor="b"/>
+          <a:lstStyle>
+            <a:lvl1pPr algn="r">
+              <a:defRPr sz="1200"/>
+            </a:lvl1pPr>
+          </a:lstStyle>
+          <a:p>
+            <a:fld id="{AA23AC87-4CF6-486A-8349-158AD48D36F9}" type="slidenum">
+              <a:rPr lang="ru-RU" smtClean="0"/>
+              <a:t>‹#›</a:t>
+            </a:fld>
+            <a:endParaRPr lang="ru-RU"/>
+          </a:p>
+        </p:txBody>
+      </p:sp>
+    </p:spTree>
+  </p:cSld>
+  <p:clrMap bg1="lt1" tx1="dk1" bg2="lt2" tx2="dk2" accent1="accent1" accent2="accent2" accent3="accent3" accent4="accent4" accent5="accent5" accent6="accent6" hlink="hlink" folHlink="folHlink"/>
+  <p:notesStyle>
+    <a:lvl1pPr marL="0" algn="l" defTabSz="914400" rtl="0" eaLnBrk="1" latinLnBrk="0" hangingPunct="1">
+      <a:defRPr sz="1200" kern="1200">
+        <a:solidFill>
+          <a:schemeClr val="tx1"/>
+        </a:solidFill>
+        <a:latin typeface="+mn-lt"/>
+        <a:ea typeface="+mn-ea"/>
+        <a:cs typeface="+mn-cs"/>
+      </a:defRPr>
+    </a:lvl1pPr>
+    <a:lvl2pPr marL="457200" algn="l" defTabSz="914400" rtl="0" eaLnBrk="1" latinLnBrk="0" hangingPunct="1">
+      <a:defRPr sz="1200" kern="1200">
+        <a:solidFill>
+          <a:schemeClr val="tx1"/>
+        </a:solidFill>
+        <a:latin typeface="+mn-lt"/>
+        <a:ea typeface="+mn-ea"/>
+        <a:cs typeface="+mn-cs"/>
+      </a:defRPr>
+    </a:lvl2pPr>
+    <a:lvl3pPr marL="914400" algn="l" defTabSz="914400" rtl="0" eaLnBrk="1" latinLnBrk="0" hangingPunct="1">
+      <a:defRPr sz="1200" kern="1200">
+        <a:solidFill>
+          <a:schemeClr val="tx1"/>
+        </a:solidFill>
+        <a:latin typeface="+mn-lt"/>
+        <a:ea typeface="+mn-ea"/>
+        <a:cs typeface="+mn-cs"/>
+      </a:defRPr>
+    </a:lvl3pPr>
+    <a:lvl4pPr marL="1371600" algn="l" defTabSz="914400" rtl="0" eaLnBrk="1" latinLnBrk="0" hangingPunct="1">
+      <a:defRPr sz="1200" kern="1200">
+        <a:solidFill>
+          <a:schemeClr val="tx1"/>
+        </a:solidFill>
+        <a:latin typeface="+mn-lt"/>
+        <a:ea typeface="+mn-ea"/>
+        <a:cs typeface="+mn-cs"/>
+      </a:defRPr>
+    </a:lvl4pPr>
+    <a:lvl5pPr marL="1828800" algn="l" defTabSz="914400" rtl="0" eaLnBrk="1" latinLnBrk="0" hangingPunct="1">
+      <a:defRPr sz="1200" kern="1200">
+        <a:solidFill>
+          <a:schemeClr val="tx1"/>
+        </a:solidFill>
+        <a:latin typeface="+mn-lt"/>
+        <a:ea typeface="+mn-ea"/>
+        <a:cs typeface="+mn-cs"/>
+      </a:defRPr>
+    </a:lvl5pPr>
+    <a:lvl6pPr marL="2286000" algn="l" defTabSz="914400" rtl="0" eaLnBrk="1" latinLnBrk="0" hangingPunct="1">
+      <a:defRPr sz="1200" kern="1200">
+        <a:solidFill>
+          <a:schemeClr val="tx1"/>
+        </a:solidFill>
+        <a:latin typeface="+mn-lt"/>
+        <a:ea typeface="+mn-ea"/>
+        <a:cs typeface="+mn-cs"/>
+      </a:defRPr>
+    </a:lvl6pPr>
+    <a:lvl7pPr marL="2743200" algn="l" defTabSz="914400" rtl="0" eaLnBrk="1" latinLnBrk="0" hangingPunct="1">
+      <a:defRPr sz="1200" kern="1200">
+        <a:solidFill>
+          <a:schemeClr val="tx1"/>
+        </a:solidFill>
+        <a:latin typeface="+mn-lt"/>
+        <a:ea typeface="+mn-ea"/>
+        <a:cs typeface="+mn-cs"/>
+      </a:defRPr>
+    </a:lvl7pPr>
+    <a:lvl8pPr marL="3200400" algn="l" defTabSz="914400" rtl="0" eaLnBrk="1" latinLnBrk="0" hangingPunct="1">
+      <a:defRPr sz="1200" kern="1200">
+        <a:solidFill>
+          <a:schemeClr val="tx1"/>
+        </a:solidFill>
+        <a:latin typeface="+mn-lt"/>
+        <a:ea typeface="+mn-ea"/>
+        <a:cs typeface="+mn-cs"/>
+      </a:defRPr>
+    </a:lvl8pPr>
+    <a:lvl9pPr marL="3657600" algn="l" defTabSz="914400" rtl="0" eaLnBrk="1" latinLnBrk="0" hangingPunct="1">
+      <a:defRPr sz="1200" kern="1200">
+        <a:solidFill>
+          <a:schemeClr val="tx1"/>
+        </a:solidFill>
+        <a:latin typeface="+mn-lt"/>
+        <a:ea typeface="+mn-ea"/>
+        <a:cs typeface="+mn-cs"/>
+      </a:defRPr>
+    </a:lvl9pPr>
+  </p:notesStyle>
+</p:notesMaster>
+</file>
+
 <file path=ppt/slideLayouts/slideLayout1.xml><?xml version="1.0" encoding="utf-8"?>
 <p:sldLayout xmlns:a="http://schemas.openxmlformats.org/drawingml/2006/main" xmlns:r="http://schemas.openxmlformats.org/officeDocument/2006/relationships" xmlns:p="http://schemas.openxmlformats.org/presentationml/2006/main" type="title" preserve="1">
   <p:cSld name="Титульный слайд">
@@ -271,7 +621,7 @@
             <a:fld id="{74497A39-0B1D-4467-AFD5-7DFBD3023946}" type="datetimeFigureOut">
               <a:rPr lang="ru-RU" smtClean="0"/>
               <a:pPr/>
-              <a:t>03.06.2023</a:t>
+              <a:t>10.06.2023</a:t>
             </a:fld>
             <a:endParaRPr lang="ru-RU"/>
           </a:p>
@@ -441,7 +791,7 @@
             <a:fld id="{74497A39-0B1D-4467-AFD5-7DFBD3023946}" type="datetimeFigureOut">
               <a:rPr lang="ru-RU" smtClean="0"/>
               <a:pPr/>
-              <a:t>03.06.2023</a:t>
+              <a:t>10.06.2023</a:t>
             </a:fld>
             <a:endParaRPr lang="ru-RU"/>
           </a:p>
@@ -621,7 +971,7 @@
             <a:fld id="{74497A39-0B1D-4467-AFD5-7DFBD3023946}" type="datetimeFigureOut">
               <a:rPr lang="ru-RU" smtClean="0"/>
               <a:pPr/>
-              <a:t>03.06.2023</a:t>
+              <a:t>10.06.2023</a:t>
             </a:fld>
             <a:endParaRPr lang="ru-RU"/>
           </a:p>
@@ -791,7 +1141,7 @@
             <a:fld id="{74497A39-0B1D-4467-AFD5-7DFBD3023946}" type="datetimeFigureOut">
               <a:rPr lang="ru-RU" smtClean="0"/>
               <a:pPr/>
-              <a:t>03.06.2023</a:t>
+              <a:t>10.06.2023</a:t>
             </a:fld>
             <a:endParaRPr lang="ru-RU"/>
           </a:p>
@@ -1038,7 +1388,7 @@
             <a:fld id="{74497A39-0B1D-4467-AFD5-7DFBD3023946}" type="datetimeFigureOut">
               <a:rPr lang="ru-RU" smtClean="0"/>
               <a:pPr/>
-              <a:t>03.06.2023</a:t>
+              <a:t>10.06.2023</a:t>
             </a:fld>
             <a:endParaRPr lang="ru-RU"/>
           </a:p>
@@ -1269,7 +1619,7 @@
             <a:fld id="{74497A39-0B1D-4467-AFD5-7DFBD3023946}" type="datetimeFigureOut">
               <a:rPr lang="ru-RU" smtClean="0"/>
               <a:pPr/>
-              <a:t>03.06.2023</a:t>
+              <a:t>10.06.2023</a:t>
             </a:fld>
             <a:endParaRPr lang="ru-RU"/>
           </a:p>
@@ -1635,7 +1985,7 @@
             <a:fld id="{74497A39-0B1D-4467-AFD5-7DFBD3023946}" type="datetimeFigureOut">
               <a:rPr lang="ru-RU" smtClean="0"/>
               <a:pPr/>
-              <a:t>03.06.2023</a:t>
+              <a:t>10.06.2023</a:t>
             </a:fld>
             <a:endParaRPr lang="ru-RU"/>
           </a:p>
@@ -1754,7 +2104,7 @@
             <a:fld id="{74497A39-0B1D-4467-AFD5-7DFBD3023946}" type="datetimeFigureOut">
               <a:rPr lang="ru-RU" smtClean="0"/>
               <a:pPr/>
-              <a:t>03.06.2023</a:t>
+              <a:t>10.06.2023</a:t>
             </a:fld>
             <a:endParaRPr lang="ru-RU"/>
           </a:p>
@@ -1851,7 +2201,7 @@
             <a:fld id="{74497A39-0B1D-4467-AFD5-7DFBD3023946}" type="datetimeFigureOut">
               <a:rPr lang="ru-RU" smtClean="0"/>
               <a:pPr/>
-              <a:t>03.06.2023</a:t>
+              <a:t>10.06.2023</a:t>
             </a:fld>
             <a:endParaRPr lang="ru-RU"/>
           </a:p>
@@ -2128,7 +2478,7 @@
             <a:fld id="{74497A39-0B1D-4467-AFD5-7DFBD3023946}" type="datetimeFigureOut">
               <a:rPr lang="ru-RU" smtClean="0"/>
               <a:pPr/>
-              <a:t>03.06.2023</a:t>
+              <a:t>10.06.2023</a:t>
             </a:fld>
             <a:endParaRPr lang="ru-RU"/>
           </a:p>
@@ -2382,7 +2732,7 @@
             <a:fld id="{74497A39-0B1D-4467-AFD5-7DFBD3023946}" type="datetimeFigureOut">
               <a:rPr lang="ru-RU" smtClean="0"/>
               <a:pPr/>
-              <a:t>03.06.2023</a:t>
+              <a:t>10.06.2023</a:t>
             </a:fld>
             <a:endParaRPr lang="ru-RU"/>
           </a:p>
@@ -2595,7 +2945,7 @@
             <a:fld id="{74497A39-0B1D-4467-AFD5-7DFBD3023946}" type="datetimeFigureOut">
               <a:rPr lang="ru-RU" smtClean="0"/>
               <a:pPr/>
-              <a:t>03.06.2023</a:t>
+              <a:t>10.06.2023</a:t>
             </a:fld>
             <a:endParaRPr lang="ru-RU"/>
           </a:p>
@@ -3025,7 +3375,21 @@
           <a:p>
             <a:r>
               <a:rPr lang="ru-RU" sz="4400" b="1" dirty="0"/>
-              <a:t>Разработка приложения по оказанию логистических услуг в среде </a:t>
+              <a:t>Разработка приложения </a:t>
+            </a:r>
+            <a:br>
+              <a:rPr lang="ru-RU" sz="4400" b="1" dirty="0"/>
+            </a:br>
+            <a:r>
+              <a:rPr lang="ru-RU" sz="4400" b="1" dirty="0"/>
+              <a:t>по оказанию логистических услуг </a:t>
+            </a:r>
+            <a:br>
+              <a:rPr lang="ru-RU" sz="4400" b="1" dirty="0"/>
+            </a:br>
+            <a:r>
+              <a:rPr lang="ru-RU" sz="4400" b="1" dirty="0"/>
+              <a:t>в среде </a:t>
             </a:r>
             <a:r>
               <a:rPr lang="ru-RU" sz="4400" b="1" dirty="0" err="1"/>
@@ -3406,6 +3770,263 @@
           <p:cNvPr id="2" name="Заголовок 1">
             <a:extLst>
               <a:ext uri="{FF2B5EF4-FFF2-40B4-BE49-F238E27FC236}">
+                <a16:creationId xmlns:a16="http://schemas.microsoft.com/office/drawing/2014/main" id="{08B108EA-04A0-4603-9247-66BCF54ECA07}"/>
+              </a:ext>
+            </a:extLst>
+          </p:cNvPr>
+          <p:cNvSpPr>
+            <a:spLocks noGrp="1"/>
+          </p:cNvSpPr>
+          <p:nvPr>
+            <p:ph type="title"/>
+          </p:nvPr>
+        </p:nvSpPr>
+        <p:spPr/>
+        <p:txBody>
+          <a:bodyPr/>
+          <a:lstStyle/>
+          <a:p>
+            <a:r>
+              <a:rPr lang="ru-RU" dirty="0"/>
+              <a:t>Структура проекта</a:t>
+            </a:r>
+          </a:p>
+        </p:txBody>
+      </p:sp>
+      <p:pic>
+        <p:nvPicPr>
+          <p:cNvPr id="4" name="Объект 3">
+            <a:extLst>
+              <a:ext uri="{FF2B5EF4-FFF2-40B4-BE49-F238E27FC236}">
+                <a16:creationId xmlns:a16="http://schemas.microsoft.com/office/drawing/2014/main" id="{8267393E-B254-4396-A4ED-08F94267B2C2}"/>
+              </a:ext>
+            </a:extLst>
+          </p:cNvPr>
+          <p:cNvPicPr>
+            <a:picLocks noGrp="1"/>
+          </p:cNvPicPr>
+          <p:nvPr>
+            <p:ph idx="1"/>
+          </p:nvPr>
+        </p:nvPicPr>
+        <p:blipFill>
+          <a:blip r:embed="rId2">
+            <a:extLst>
+              <a:ext uri="{28A0092B-C50C-407E-A947-70E740481C1C}">
+                <a14:useLocalDpi xmlns:a14="http://schemas.microsoft.com/office/drawing/2010/main" val="0"/>
+              </a:ext>
+            </a:extLst>
+          </a:blip>
+          <a:srcRect/>
+          <a:stretch>
+            <a:fillRect/>
+          </a:stretch>
+        </p:blipFill>
+        <p:spPr bwMode="auto">
+          <a:xfrm>
+            <a:off x="118993" y="1690688"/>
+            <a:ext cx="2186885" cy="4351338"/>
+          </a:xfrm>
+          <a:prstGeom prst="rect">
+            <a:avLst/>
+          </a:prstGeom>
+          <a:noFill/>
+          <a:ln>
+            <a:noFill/>
+          </a:ln>
+        </p:spPr>
+      </p:pic>
+      <p:pic>
+        <p:nvPicPr>
+          <p:cNvPr id="5" name="Рисунок 4">
+            <a:extLst>
+              <a:ext uri="{FF2B5EF4-FFF2-40B4-BE49-F238E27FC236}">
+                <a16:creationId xmlns:a16="http://schemas.microsoft.com/office/drawing/2014/main" id="{B412DF5E-185A-4A2D-85B1-FDC6D5A058E0}"/>
+              </a:ext>
+            </a:extLst>
+          </p:cNvPr>
+          <p:cNvPicPr/>
+          <p:nvPr/>
+        </p:nvPicPr>
+        <p:blipFill>
+          <a:blip r:embed="rId3">
+            <a:extLst>
+              <a:ext uri="{28A0092B-C50C-407E-A947-70E740481C1C}">
+                <a14:useLocalDpi xmlns:a14="http://schemas.microsoft.com/office/drawing/2010/main" val="0"/>
+              </a:ext>
+            </a:extLst>
+          </a:blip>
+          <a:srcRect/>
+          <a:stretch>
+            <a:fillRect/>
+          </a:stretch>
+        </p:blipFill>
+        <p:spPr bwMode="auto">
+          <a:xfrm>
+            <a:off x="2408306" y="1690688"/>
+            <a:ext cx="2365789" cy="4351338"/>
+          </a:xfrm>
+          <a:prstGeom prst="rect">
+            <a:avLst/>
+          </a:prstGeom>
+          <a:noFill/>
+          <a:ln>
+            <a:noFill/>
+          </a:ln>
+        </p:spPr>
+      </p:pic>
+      <p:pic>
+        <p:nvPicPr>
+          <p:cNvPr id="6" name="Рисунок 5">
+            <a:extLst>
+              <a:ext uri="{FF2B5EF4-FFF2-40B4-BE49-F238E27FC236}">
+                <a16:creationId xmlns:a16="http://schemas.microsoft.com/office/drawing/2014/main" id="{FD2FB9FD-CBBF-41C9-8DD8-D4DD9022F07B}"/>
+              </a:ext>
+            </a:extLst>
+          </p:cNvPr>
+          <p:cNvPicPr/>
+          <p:nvPr/>
+        </p:nvPicPr>
+        <p:blipFill>
+          <a:blip r:embed="rId4">
+            <a:extLst>
+              <a:ext uri="{28A0092B-C50C-407E-A947-70E740481C1C}">
+                <a14:useLocalDpi xmlns:a14="http://schemas.microsoft.com/office/drawing/2010/main" val="0"/>
+              </a:ext>
+            </a:extLst>
+          </a:blip>
+          <a:srcRect/>
+          <a:stretch>
+            <a:fillRect/>
+          </a:stretch>
+        </p:blipFill>
+        <p:spPr bwMode="auto">
+          <a:xfrm>
+            <a:off x="4876524" y="1690688"/>
+            <a:ext cx="2309744" cy="4351338"/>
+          </a:xfrm>
+          <a:prstGeom prst="rect">
+            <a:avLst/>
+          </a:prstGeom>
+          <a:noFill/>
+          <a:ln>
+            <a:noFill/>
+          </a:ln>
+        </p:spPr>
+      </p:pic>
+      <p:pic>
+        <p:nvPicPr>
+          <p:cNvPr id="7" name="Рисунок 6">
+            <a:extLst>
+              <a:ext uri="{FF2B5EF4-FFF2-40B4-BE49-F238E27FC236}">
+                <a16:creationId xmlns:a16="http://schemas.microsoft.com/office/drawing/2014/main" id="{69358DA8-47D0-453E-B6B9-18050B4BBF82}"/>
+              </a:ext>
+            </a:extLst>
+          </p:cNvPr>
+          <p:cNvPicPr/>
+          <p:nvPr/>
+        </p:nvPicPr>
+        <p:blipFill>
+          <a:blip r:embed="rId5">
+            <a:extLst>
+              <a:ext uri="{28A0092B-C50C-407E-A947-70E740481C1C}">
+                <a14:useLocalDpi xmlns:a14="http://schemas.microsoft.com/office/drawing/2010/main" val="0"/>
+              </a:ext>
+            </a:extLst>
+          </a:blip>
+          <a:srcRect/>
+          <a:stretch>
+            <a:fillRect/>
+          </a:stretch>
+        </p:blipFill>
+        <p:spPr bwMode="auto">
+          <a:xfrm>
+            <a:off x="7288696" y="1690688"/>
+            <a:ext cx="2309743" cy="4351338"/>
+          </a:xfrm>
+          <a:prstGeom prst="rect">
+            <a:avLst/>
+          </a:prstGeom>
+          <a:noFill/>
+          <a:ln>
+            <a:noFill/>
+          </a:ln>
+        </p:spPr>
+      </p:pic>
+      <p:pic>
+        <p:nvPicPr>
+          <p:cNvPr id="8" name="Рисунок 7">
+            <a:extLst>
+              <a:ext uri="{FF2B5EF4-FFF2-40B4-BE49-F238E27FC236}">
+                <a16:creationId xmlns:a16="http://schemas.microsoft.com/office/drawing/2014/main" id="{6E6E05C0-574C-41E7-8A3E-785CA3F94F74}"/>
+              </a:ext>
+            </a:extLst>
+          </p:cNvPr>
+          <p:cNvPicPr/>
+          <p:nvPr/>
+        </p:nvPicPr>
+        <p:blipFill>
+          <a:blip r:embed="rId6">
+            <a:extLst>
+              <a:ext uri="{28A0092B-C50C-407E-A947-70E740481C1C}">
+                <a14:useLocalDpi xmlns:a14="http://schemas.microsoft.com/office/drawing/2010/main" val="0"/>
+              </a:ext>
+            </a:extLst>
+          </a:blip>
+          <a:srcRect/>
+          <a:stretch>
+            <a:fillRect/>
+          </a:stretch>
+        </p:blipFill>
+        <p:spPr bwMode="auto">
+          <a:xfrm>
+            <a:off x="9700867" y="3935896"/>
+            <a:ext cx="2411620" cy="2106130"/>
+          </a:xfrm>
+          <a:prstGeom prst="rect">
+            <a:avLst/>
+          </a:prstGeom>
+          <a:noFill/>
+          <a:ln>
+            <a:noFill/>
+          </a:ln>
+        </p:spPr>
+      </p:pic>
+    </p:spTree>
+    <p:extLst>
+      <p:ext uri="{BB962C8B-B14F-4D97-AF65-F5344CB8AC3E}">
+        <p14:creationId xmlns:p14="http://schemas.microsoft.com/office/powerpoint/2010/main" val="3359726494"/>
+      </p:ext>
+    </p:extLst>
+  </p:cSld>
+  <p:clrMapOvr>
+    <a:masterClrMapping/>
+  </p:clrMapOvr>
+</p:sld>
+</file>
+
+<file path=ppt/slides/slide11.xml><?xml version="1.0" encoding="utf-8"?>
+<p:sld xmlns:a="http://schemas.openxmlformats.org/drawingml/2006/main" xmlns:r="http://schemas.openxmlformats.org/officeDocument/2006/relationships" xmlns:p="http://schemas.openxmlformats.org/presentationml/2006/main">
+  <p:cSld>
+    <p:spTree>
+      <p:nvGrpSpPr>
+        <p:cNvPr id="1" name=""/>
+        <p:cNvGrpSpPr/>
+        <p:nvPr/>
+      </p:nvGrpSpPr>
+      <p:grpSpPr>
+        <a:xfrm>
+          <a:off x="0" y="0"/>
+          <a:ext cx="0" cy="0"/>
+          <a:chOff x="0" y="0"/>
+          <a:chExt cx="0" cy="0"/>
+        </a:xfrm>
+      </p:grpSpPr>
+      <p:sp>
+        <p:nvSpPr>
+          <p:cNvPr id="2" name="Заголовок 1">
+            <a:extLst>
+              <a:ext uri="{FF2B5EF4-FFF2-40B4-BE49-F238E27FC236}">
                 <a16:creationId xmlns:a16="http://schemas.microsoft.com/office/drawing/2014/main" id="{0840D5A9-41ED-4B59-9EA5-F1CD10406071}"/>
               </a:ext>
             </a:extLst>
@@ -3803,132 +4424,6 @@
 </p:sld>
 </file>
 
-<file path=ppt/slides/slide11.xml><?xml version="1.0" encoding="utf-8"?>
-<p:sld xmlns:a="http://schemas.openxmlformats.org/drawingml/2006/main" xmlns:r="http://schemas.openxmlformats.org/officeDocument/2006/relationships" xmlns:p="http://schemas.openxmlformats.org/presentationml/2006/main">
-  <p:cSld>
-    <p:spTree>
-      <p:nvGrpSpPr>
-        <p:cNvPr id="1" name=""/>
-        <p:cNvGrpSpPr/>
-        <p:nvPr/>
-      </p:nvGrpSpPr>
-      <p:grpSpPr>
-        <a:xfrm>
-          <a:off x="0" y="0"/>
-          <a:ext cx="0" cy="0"/>
-          <a:chOff x="0" y="0"/>
-          <a:chExt cx="0" cy="0"/>
-        </a:xfrm>
-      </p:grpSpPr>
-      <p:sp>
-        <p:nvSpPr>
-          <p:cNvPr id="2" name="Заголовок 1"/>
-          <p:cNvSpPr>
-            <a:spLocks noGrp="1"/>
-          </p:cNvSpPr>
-          <p:nvPr>
-            <p:ph type="title"/>
-          </p:nvPr>
-        </p:nvSpPr>
-        <p:spPr>
-          <a:xfrm>
-            <a:off x="838200" y="0"/>
-            <a:ext cx="10515600" cy="1325563"/>
-          </a:xfrm>
-        </p:spPr>
-        <p:txBody>
-          <a:bodyPr/>
-          <a:lstStyle/>
-          <a:p>
-            <a:r>
-              <a:rPr lang="ru-RU" dirty="0"/>
-              <a:t>Апробация: Менеджер</a:t>
-            </a:r>
-          </a:p>
-        </p:txBody>
-      </p:sp>
-      <p:pic>
-        <p:nvPicPr>
-          <p:cNvPr id="7" name="Рисунок 6">
-            <a:extLst>
-              <a:ext uri="{FF2B5EF4-FFF2-40B4-BE49-F238E27FC236}">
-                <a16:creationId xmlns:a16="http://schemas.microsoft.com/office/drawing/2014/main" id="{F54C3B83-653A-40A4-8511-8F88E9455392}"/>
-              </a:ext>
-            </a:extLst>
-          </p:cNvPr>
-          <p:cNvPicPr/>
-          <p:nvPr/>
-        </p:nvPicPr>
-        <p:blipFill>
-          <a:blip r:embed="rId2">
-            <a:extLst>
-              <a:ext uri="{28A0092B-C50C-407E-A947-70E740481C1C}">
-                <a14:useLocalDpi xmlns:a14="http://schemas.microsoft.com/office/drawing/2010/main" val="0"/>
-              </a:ext>
-            </a:extLst>
-          </a:blip>
-          <a:srcRect/>
-          <a:stretch>
-            <a:fillRect/>
-          </a:stretch>
-        </p:blipFill>
-        <p:spPr bwMode="auto">
-          <a:xfrm>
-            <a:off x="838200" y="3959707"/>
-            <a:ext cx="10515600" cy="2103437"/>
-          </a:xfrm>
-          <a:prstGeom prst="rect">
-            <a:avLst/>
-          </a:prstGeom>
-          <a:noFill/>
-          <a:ln>
-            <a:noFill/>
-          </a:ln>
-        </p:spPr>
-      </p:pic>
-      <p:pic>
-        <p:nvPicPr>
-          <p:cNvPr id="5" name="Рисунок 4">
-            <a:extLst>
-              <a:ext uri="{FF2B5EF4-FFF2-40B4-BE49-F238E27FC236}">
-                <a16:creationId xmlns:a16="http://schemas.microsoft.com/office/drawing/2014/main" id="{941B767B-4462-4105-9BB8-37C8A1086E7C}"/>
-              </a:ext>
-            </a:extLst>
-          </p:cNvPr>
-          <p:cNvPicPr>
-            <a:picLocks noChangeAspect="1"/>
-          </p:cNvPicPr>
-          <p:nvPr/>
-        </p:nvPicPr>
-        <p:blipFill>
-          <a:blip r:embed="rId3"/>
-          <a:stretch>
-            <a:fillRect/>
-          </a:stretch>
-        </p:blipFill>
-        <p:spPr>
-          <a:xfrm>
-            <a:off x="788284" y="1591503"/>
-            <a:ext cx="10565516" cy="1734793"/>
-          </a:xfrm>
-          <a:prstGeom prst="rect">
-            <a:avLst/>
-          </a:prstGeom>
-        </p:spPr>
-      </p:pic>
-    </p:spTree>
-    <p:extLst>
-      <p:ext uri="{BB962C8B-B14F-4D97-AF65-F5344CB8AC3E}">
-        <p14:creationId xmlns:p14="http://schemas.microsoft.com/office/powerpoint/2010/main" val="3349157927"/>
-      </p:ext>
-    </p:extLst>
-  </p:cSld>
-  <p:clrMapOvr>
-    <a:masterClrMapping/>
-  </p:clrMapOvr>
-</p:sld>
-</file>
-
 <file path=ppt/slides/slide12.xml><?xml version="1.0" encoding="utf-8"?>
 <p:sld xmlns:a="http://schemas.openxmlformats.org/drawingml/2006/main" xmlns:r="http://schemas.openxmlformats.org/officeDocument/2006/relationships" xmlns:p="http://schemas.openxmlformats.org/presentationml/2006/main">
   <p:cSld>
@@ -3968,17 +4463,17 @@
           <a:p>
             <a:r>
               <a:rPr lang="ru-RU" dirty="0"/>
-              <a:t>Апробация: Отчеты менеджера</a:t>
+              <a:t>Апробация: Менеджер</a:t>
             </a:r>
           </a:p>
         </p:txBody>
       </p:sp>
       <p:pic>
         <p:nvPicPr>
-          <p:cNvPr id="5" name="Рисунок 4">
+          <p:cNvPr id="7" name="Рисунок 6">
             <a:extLst>
               <a:ext uri="{FF2B5EF4-FFF2-40B4-BE49-F238E27FC236}">
-                <a16:creationId xmlns:a16="http://schemas.microsoft.com/office/drawing/2014/main" id="{0E4DBA9B-FF40-4631-8ED0-C2D695F65A53}"/>
+                <a16:creationId xmlns:a16="http://schemas.microsoft.com/office/drawing/2014/main" id="{F54C3B83-653A-40A4-8511-8F88E9455392}"/>
               </a:ext>
             </a:extLst>
           </p:cNvPr>
@@ -4000,8 +4495,8 @@
         </p:blipFill>
         <p:spPr bwMode="auto">
           <a:xfrm>
-            <a:off x="0" y="1325563"/>
-            <a:ext cx="6374296" cy="2769359"/>
+            <a:off x="838200" y="3959707"/>
+            <a:ext cx="10515600" cy="2103437"/>
           </a:xfrm>
           <a:prstGeom prst="rect">
             <a:avLst/>
@@ -4014,125 +4509,38 @@
       </p:pic>
       <p:pic>
         <p:nvPicPr>
-          <p:cNvPr id="9" name="Рисунок 8">
+          <p:cNvPr id="5" name="Рисунок 4">
             <a:extLst>
               <a:ext uri="{FF2B5EF4-FFF2-40B4-BE49-F238E27FC236}">
-                <a16:creationId xmlns:a16="http://schemas.microsoft.com/office/drawing/2014/main" id="{742E2FB8-8FC1-4468-BDE2-57C7796A0455}"/>
+                <a16:creationId xmlns:a16="http://schemas.microsoft.com/office/drawing/2014/main" id="{941B767B-4462-4105-9BB8-37C8A1086E7C}"/>
               </a:ext>
             </a:extLst>
           </p:cNvPr>
-          <p:cNvPicPr/>
+          <p:cNvPicPr>
+            <a:picLocks noChangeAspect="1"/>
+          </p:cNvPicPr>
           <p:nvPr/>
         </p:nvPicPr>
         <p:blipFill>
-          <a:blip r:embed="rId3">
-            <a:extLst>
-              <a:ext uri="{28A0092B-C50C-407E-A947-70E740481C1C}">
-                <a14:useLocalDpi xmlns:a14="http://schemas.microsoft.com/office/drawing/2010/main" val="0"/>
-              </a:ext>
-            </a:extLst>
-          </a:blip>
-          <a:srcRect/>
+          <a:blip r:embed="rId3"/>
           <a:stretch>
             <a:fillRect/>
           </a:stretch>
         </p:blipFill>
-        <p:spPr bwMode="auto">
-          <a:xfrm>
-            <a:off x="6296025" y="1325563"/>
-            <a:ext cx="5895975" cy="2769358"/>
+        <p:spPr>
+          <a:xfrm>
+            <a:off x="788284" y="1591503"/>
+            <a:ext cx="10565516" cy="1734793"/>
           </a:xfrm>
           <a:prstGeom prst="rect">
             <a:avLst/>
           </a:prstGeom>
-          <a:noFill/>
-          <a:ln>
-            <a:noFill/>
-          </a:ln>
-        </p:spPr>
-      </p:pic>
-      <p:pic>
-        <p:nvPicPr>
-          <p:cNvPr id="10" name="Рисунок 9">
-            <a:extLst>
-              <a:ext uri="{FF2B5EF4-FFF2-40B4-BE49-F238E27FC236}">
-                <a16:creationId xmlns:a16="http://schemas.microsoft.com/office/drawing/2014/main" id="{11D2E9E5-962C-407D-B89F-80DE8523A9E4}"/>
-              </a:ext>
-            </a:extLst>
-          </p:cNvPr>
-          <p:cNvPicPr/>
-          <p:nvPr/>
-        </p:nvPicPr>
-        <p:blipFill>
-          <a:blip r:embed="rId4">
-            <a:extLst>
-              <a:ext uri="{28A0092B-C50C-407E-A947-70E740481C1C}">
-                <a14:useLocalDpi xmlns:a14="http://schemas.microsoft.com/office/drawing/2010/main" val="0"/>
-              </a:ext>
-            </a:extLst>
-          </a:blip>
-          <a:srcRect/>
-          <a:stretch>
-            <a:fillRect/>
-          </a:stretch>
-        </p:blipFill>
-        <p:spPr bwMode="auto">
-          <a:xfrm>
-            <a:off x="92765" y="4094920"/>
-            <a:ext cx="11993218" cy="781879"/>
-          </a:xfrm>
-          <a:prstGeom prst="rect">
-            <a:avLst/>
-          </a:prstGeom>
-          <a:noFill/>
-          <a:ln>
-            <a:noFill/>
-          </a:ln>
-        </p:spPr>
-      </p:pic>
-      <p:pic>
-        <p:nvPicPr>
-          <p:cNvPr id="11" name="Рисунок 10">
-            <a:extLst>
-              <a:ext uri="{FF2B5EF4-FFF2-40B4-BE49-F238E27FC236}">
-                <a16:creationId xmlns:a16="http://schemas.microsoft.com/office/drawing/2014/main" id="{E46DBC82-F6A9-4C34-A8F0-A22862481CD1}"/>
-              </a:ext>
-            </a:extLst>
-          </p:cNvPr>
-          <p:cNvPicPr/>
-          <p:nvPr/>
-        </p:nvPicPr>
-        <p:blipFill>
-          <a:blip r:embed="rId5">
-            <a:extLst>
-              <a:ext uri="{28A0092B-C50C-407E-A947-70E740481C1C}">
-                <a14:useLocalDpi xmlns:a14="http://schemas.microsoft.com/office/drawing/2010/main" val="0"/>
-              </a:ext>
-            </a:extLst>
-          </a:blip>
-          <a:srcRect/>
-          <a:stretch>
-            <a:fillRect/>
-          </a:stretch>
-        </p:blipFill>
-        <p:spPr bwMode="auto">
-          <a:xfrm>
-            <a:off x="0" y="4916556"/>
-            <a:ext cx="12192000" cy="1981201"/>
-          </a:xfrm>
-          <a:prstGeom prst="rect">
-            <a:avLst/>
-          </a:prstGeom>
-          <a:noFill/>
-          <a:ln>
-            <a:noFill/>
-          </a:ln>
         </p:spPr>
       </p:pic>
     </p:spTree>
     <p:extLst>
       <p:ext uri="{BB962C8B-B14F-4D97-AF65-F5344CB8AC3E}">
-        <p14:creationId xmlns:p14="http://schemas.microsoft.com/office/powerpoint/2010/main" val="2394274588"/>
+        <p14:creationId xmlns:p14="http://schemas.microsoft.com/office/powerpoint/2010/main" val="3349157927"/>
       </p:ext>
     </p:extLst>
   </p:cSld>
@@ -4161,13 +4569,7 @@
       </p:grpSpPr>
       <p:sp>
         <p:nvSpPr>
-          <p:cNvPr id="2" name="Заголовок 1">
-            <a:extLst>
-              <a:ext uri="{FF2B5EF4-FFF2-40B4-BE49-F238E27FC236}">
-                <a16:creationId xmlns:a16="http://schemas.microsoft.com/office/drawing/2014/main" id="{EACD7BE9-D70D-4B7A-879E-7029D4C82F4C}"/>
-              </a:ext>
-            </a:extLst>
-          </p:cNvPr>
+          <p:cNvPr id="2" name="Заголовок 1"/>
           <p:cNvSpPr>
             <a:spLocks noGrp="1"/>
           </p:cNvSpPr>
@@ -4175,56 +4577,29 @@
             <p:ph type="title"/>
           </p:nvPr>
         </p:nvSpPr>
-        <p:spPr/>
+        <p:spPr>
+          <a:xfrm>
+            <a:off x="838200" y="0"/>
+            <a:ext cx="10515600" cy="1325563"/>
+          </a:xfrm>
+        </p:spPr>
         <p:txBody>
           <a:bodyPr/>
           <a:lstStyle/>
           <a:p>
             <a:r>
               <a:rPr lang="ru-RU" dirty="0"/>
-              <a:t>Апробация: Администратор</a:t>
+              <a:t>Апробация: Отчеты менеджера</a:t>
             </a:r>
           </a:p>
         </p:txBody>
       </p:sp>
       <p:pic>
         <p:nvPicPr>
-          <p:cNvPr id="5" name="Объект 4">
+          <p:cNvPr id="5" name="Рисунок 4">
             <a:extLst>
               <a:ext uri="{FF2B5EF4-FFF2-40B4-BE49-F238E27FC236}">
-                <a16:creationId xmlns:a16="http://schemas.microsoft.com/office/drawing/2014/main" id="{DCBF9B19-E9E9-495D-B06C-D27ED2A94587}"/>
-              </a:ext>
-            </a:extLst>
-          </p:cNvPr>
-          <p:cNvPicPr>
-            <a:picLocks noGrp="1" noChangeAspect="1"/>
-          </p:cNvPicPr>
-          <p:nvPr>
-            <p:ph idx="1"/>
-          </p:nvPr>
-        </p:nvPicPr>
-        <p:blipFill>
-          <a:blip r:embed="rId2"/>
-          <a:stretch>
-            <a:fillRect/>
-          </a:stretch>
-        </p:blipFill>
-        <p:spPr>
-          <a:xfrm>
-            <a:off x="0" y="1563422"/>
-            <a:ext cx="2895851" cy="2213040"/>
-          </a:xfrm>
-          <a:prstGeom prst="rect">
-            <a:avLst/>
-          </a:prstGeom>
-        </p:spPr>
-      </p:pic>
-      <p:pic>
-        <p:nvPicPr>
-          <p:cNvPr id="6" name="Рисунок 5">
-            <a:extLst>
-              <a:ext uri="{FF2B5EF4-FFF2-40B4-BE49-F238E27FC236}">
-                <a16:creationId xmlns:a16="http://schemas.microsoft.com/office/drawing/2014/main" id="{0B230206-9484-4B0E-B232-BF8160208F1D}"/>
+                <a16:creationId xmlns:a16="http://schemas.microsoft.com/office/drawing/2014/main" id="{0E4DBA9B-FF40-4631-8ED0-C2D695F65A53}"/>
               </a:ext>
             </a:extLst>
           </p:cNvPr>
@@ -4232,7 +4607,7 @@
           <p:nvPr/>
         </p:nvPicPr>
         <p:blipFill>
-          <a:blip r:embed="rId3">
+          <a:blip r:embed="rId2">
             <a:extLst>
               <a:ext uri="{28A0092B-C50C-407E-A947-70E740481C1C}">
                 <a14:useLocalDpi xmlns:a14="http://schemas.microsoft.com/office/drawing/2010/main" val="0"/>
@@ -4246,8 +4621,8 @@
         </p:blipFill>
         <p:spPr bwMode="auto">
           <a:xfrm>
-            <a:off x="2883344" y="1561476"/>
-            <a:ext cx="3212656" cy="2362200"/>
+            <a:off x="0" y="1325563"/>
+            <a:ext cx="6374296" cy="2769359"/>
           </a:xfrm>
           <a:prstGeom prst="rect">
             <a:avLst/>
@@ -4260,10 +4635,10 @@
       </p:pic>
       <p:pic>
         <p:nvPicPr>
-          <p:cNvPr id="7" name="Рисунок 6">
+          <p:cNvPr id="9" name="Рисунок 8">
             <a:extLst>
               <a:ext uri="{FF2B5EF4-FFF2-40B4-BE49-F238E27FC236}">
-                <a16:creationId xmlns:a16="http://schemas.microsoft.com/office/drawing/2014/main" id="{9F1E78FF-F870-4A97-86BC-C8A137B2EE77}"/>
+                <a16:creationId xmlns:a16="http://schemas.microsoft.com/office/drawing/2014/main" id="{742E2FB8-8FC1-4468-BDE2-57C7796A0455}"/>
               </a:ext>
             </a:extLst>
           </p:cNvPr>
@@ -4271,7 +4646,7 @@
           <p:nvPr/>
         </p:nvPicPr>
         <p:blipFill>
-          <a:blip r:embed="rId4">
+          <a:blip r:embed="rId3">
             <a:extLst>
               <a:ext uri="{28A0092B-C50C-407E-A947-70E740481C1C}">
                 <a14:useLocalDpi xmlns:a14="http://schemas.microsoft.com/office/drawing/2010/main" val="0"/>
@@ -4285,8 +4660,8 @@
         </p:blipFill>
         <p:spPr bwMode="auto">
           <a:xfrm>
-            <a:off x="5976730" y="1809550"/>
-            <a:ext cx="6215270" cy="1966912"/>
+            <a:off x="6296025" y="1325563"/>
+            <a:ext cx="5895975" cy="2769358"/>
           </a:xfrm>
           <a:prstGeom prst="rect">
             <a:avLst/>
@@ -4299,10 +4674,10 @@
       </p:pic>
       <p:pic>
         <p:nvPicPr>
-          <p:cNvPr id="8" name="Рисунок 7">
+          <p:cNvPr id="10" name="Рисунок 9">
             <a:extLst>
               <a:ext uri="{FF2B5EF4-FFF2-40B4-BE49-F238E27FC236}">
-                <a16:creationId xmlns:a16="http://schemas.microsoft.com/office/drawing/2014/main" id="{B59BA806-8E98-44C9-BB3F-27040A46D646}"/>
+                <a16:creationId xmlns:a16="http://schemas.microsoft.com/office/drawing/2014/main" id="{11D2E9E5-962C-407D-B89F-80DE8523A9E4}"/>
               </a:ext>
             </a:extLst>
           </p:cNvPr>
@@ -4310,7 +4685,7 @@
           <p:nvPr/>
         </p:nvPicPr>
         <p:blipFill>
-          <a:blip r:embed="rId5">
+          <a:blip r:embed="rId4">
             <a:extLst>
               <a:ext uri="{28A0092B-C50C-407E-A947-70E740481C1C}">
                 <a14:useLocalDpi xmlns:a14="http://schemas.microsoft.com/office/drawing/2010/main" val="0"/>
@@ -4324,8 +4699,8 @@
         </p:blipFill>
         <p:spPr bwMode="auto">
           <a:xfrm>
-            <a:off x="0" y="4052888"/>
-            <a:ext cx="12192000" cy="2526823"/>
+            <a:off x="92765" y="4094920"/>
+            <a:ext cx="11993218" cy="781879"/>
           </a:xfrm>
           <a:prstGeom prst="rect">
             <a:avLst/>
@@ -4336,10 +4711,49 @@
           </a:ln>
         </p:spPr>
       </p:pic>
+      <p:pic>
+        <p:nvPicPr>
+          <p:cNvPr id="11" name="Рисунок 10">
+            <a:extLst>
+              <a:ext uri="{FF2B5EF4-FFF2-40B4-BE49-F238E27FC236}">
+                <a16:creationId xmlns:a16="http://schemas.microsoft.com/office/drawing/2014/main" id="{E46DBC82-F6A9-4C34-A8F0-A22862481CD1}"/>
+              </a:ext>
+            </a:extLst>
+          </p:cNvPr>
+          <p:cNvPicPr/>
+          <p:nvPr/>
+        </p:nvPicPr>
+        <p:blipFill>
+          <a:blip r:embed="rId5">
+            <a:extLst>
+              <a:ext uri="{28A0092B-C50C-407E-A947-70E740481C1C}">
+                <a14:useLocalDpi xmlns:a14="http://schemas.microsoft.com/office/drawing/2010/main" val="0"/>
+              </a:ext>
+            </a:extLst>
+          </a:blip>
+          <a:srcRect/>
+          <a:stretch>
+            <a:fillRect/>
+          </a:stretch>
+        </p:blipFill>
+        <p:spPr bwMode="auto">
+          <a:xfrm>
+            <a:off x="0" y="4916556"/>
+            <a:ext cx="12192000" cy="1981201"/>
+          </a:xfrm>
+          <a:prstGeom prst="rect">
+            <a:avLst/>
+          </a:prstGeom>
+          <a:noFill/>
+          <a:ln>
+            <a:noFill/>
+          </a:ln>
+        </p:spPr>
+      </p:pic>
     </p:spTree>
     <p:extLst>
       <p:ext uri="{BB962C8B-B14F-4D97-AF65-F5344CB8AC3E}">
-        <p14:creationId xmlns:p14="http://schemas.microsoft.com/office/powerpoint/2010/main" val="658956323"/>
+        <p14:creationId xmlns:p14="http://schemas.microsoft.com/office/powerpoint/2010/main" val="2394274588"/>
       </p:ext>
     </p:extLst>
   </p:cSld>
@@ -4371,7 +4785,7 @@
           <p:cNvPr id="2" name="Заголовок 1">
             <a:extLst>
               <a:ext uri="{FF2B5EF4-FFF2-40B4-BE49-F238E27FC236}">
-                <a16:creationId xmlns:a16="http://schemas.microsoft.com/office/drawing/2014/main" id="{3987E056-ABDC-4EF5-B45E-EB0413E17B80}"/>
+                <a16:creationId xmlns:a16="http://schemas.microsoft.com/office/drawing/2014/main" id="{EACD7BE9-D70D-4B7A-879E-7029D4C82F4C}"/>
               </a:ext>
             </a:extLst>
           </p:cNvPr>
@@ -4382,12 +4796,7 @@
             <p:ph type="title"/>
           </p:nvPr>
         </p:nvSpPr>
-        <p:spPr>
-          <a:xfrm>
-            <a:off x="838200" y="325368"/>
-            <a:ext cx="10515600" cy="1325563"/>
-          </a:xfrm>
-        </p:spPr>
+        <p:spPr/>
         <p:txBody>
           <a:bodyPr/>
           <a:lstStyle/>
@@ -4401,22 +4810,50 @@
       </p:sp>
       <p:pic>
         <p:nvPicPr>
-          <p:cNvPr id="4" name="Объект 3">
+          <p:cNvPr id="5" name="Объект 4">
             <a:extLst>
               <a:ext uri="{FF2B5EF4-FFF2-40B4-BE49-F238E27FC236}">
-                <a16:creationId xmlns:a16="http://schemas.microsoft.com/office/drawing/2014/main" id="{0897BBC5-01E9-41B3-B556-4F55FB6366C6}"/>
+                <a16:creationId xmlns:a16="http://schemas.microsoft.com/office/drawing/2014/main" id="{DCBF9B19-E9E9-495D-B06C-D27ED2A94587}"/>
               </a:ext>
             </a:extLst>
           </p:cNvPr>
           <p:cNvPicPr>
-            <a:picLocks noGrp="1"/>
+            <a:picLocks noGrp="1" noChangeAspect="1"/>
           </p:cNvPicPr>
           <p:nvPr>
             <p:ph idx="1"/>
           </p:nvPr>
         </p:nvPicPr>
         <p:blipFill>
-          <a:blip r:embed="rId2">
+          <a:blip r:embed="rId2"/>
+          <a:stretch>
+            <a:fillRect/>
+          </a:stretch>
+        </p:blipFill>
+        <p:spPr>
+          <a:xfrm>
+            <a:off x="0" y="1563422"/>
+            <a:ext cx="2895851" cy="2213040"/>
+          </a:xfrm>
+          <a:prstGeom prst="rect">
+            <a:avLst/>
+          </a:prstGeom>
+        </p:spPr>
+      </p:pic>
+      <p:pic>
+        <p:nvPicPr>
+          <p:cNvPr id="6" name="Рисунок 5">
+            <a:extLst>
+              <a:ext uri="{FF2B5EF4-FFF2-40B4-BE49-F238E27FC236}">
+                <a16:creationId xmlns:a16="http://schemas.microsoft.com/office/drawing/2014/main" id="{0B230206-9484-4B0E-B232-BF8160208F1D}"/>
+              </a:ext>
+            </a:extLst>
+          </p:cNvPr>
+          <p:cNvPicPr/>
+          <p:nvPr/>
+        </p:nvPicPr>
+        <p:blipFill>
+          <a:blip r:embed="rId3">
             <a:extLst>
               <a:ext uri="{28A0092B-C50C-407E-A947-70E740481C1C}">
                 <a14:useLocalDpi xmlns:a14="http://schemas.microsoft.com/office/drawing/2010/main" val="0"/>
@@ -4430,8 +4867,8 @@
         </p:blipFill>
         <p:spPr bwMode="auto">
           <a:xfrm>
-            <a:off x="121893" y="2180635"/>
-            <a:ext cx="3498574" cy="2289726"/>
+            <a:off x="2883344" y="1561476"/>
+            <a:ext cx="3212656" cy="2362200"/>
           </a:xfrm>
           <a:prstGeom prst="rect">
             <a:avLst/>
@@ -4444,10 +4881,10 @@
       </p:pic>
       <p:pic>
         <p:nvPicPr>
-          <p:cNvPr id="5" name="Рисунок 4">
+          <p:cNvPr id="7" name="Рисунок 6">
             <a:extLst>
               <a:ext uri="{FF2B5EF4-FFF2-40B4-BE49-F238E27FC236}">
-                <a16:creationId xmlns:a16="http://schemas.microsoft.com/office/drawing/2014/main" id="{04D3CC89-8FE5-4068-A1A9-3D9F2190E565}"/>
+                <a16:creationId xmlns:a16="http://schemas.microsoft.com/office/drawing/2014/main" id="{9F1E78FF-F870-4A97-86BC-C8A137B2EE77}"/>
               </a:ext>
             </a:extLst>
           </p:cNvPr>
@@ -4455,7 +4892,7 @@
           <p:nvPr/>
         </p:nvPicPr>
         <p:blipFill>
-          <a:blip r:embed="rId3">
+          <a:blip r:embed="rId4">
             <a:extLst>
               <a:ext uri="{28A0092B-C50C-407E-A947-70E740481C1C}">
                 <a14:useLocalDpi xmlns:a14="http://schemas.microsoft.com/office/drawing/2010/main" val="0"/>
@@ -4469,8 +4906,8 @@
         </p:blipFill>
         <p:spPr bwMode="auto">
           <a:xfrm>
-            <a:off x="3795502" y="2180635"/>
-            <a:ext cx="3000240" cy="1924050"/>
+            <a:off x="5976730" y="1809550"/>
+            <a:ext cx="6215270" cy="1966912"/>
           </a:xfrm>
           <a:prstGeom prst="rect">
             <a:avLst/>
@@ -4483,10 +4920,10 @@
       </p:pic>
       <p:pic>
         <p:nvPicPr>
-          <p:cNvPr id="6" name="Рисунок 5">
+          <p:cNvPr id="8" name="Рисунок 7">
             <a:extLst>
               <a:ext uri="{FF2B5EF4-FFF2-40B4-BE49-F238E27FC236}">
-                <a16:creationId xmlns:a16="http://schemas.microsoft.com/office/drawing/2014/main" id="{DC6469DD-0AA4-4D4C-A4C6-88A0D3831337}"/>
+                <a16:creationId xmlns:a16="http://schemas.microsoft.com/office/drawing/2014/main" id="{B59BA806-8E98-44C9-BB3F-27040A46D646}"/>
               </a:ext>
             </a:extLst>
           </p:cNvPr>
@@ -4494,7 +4931,7 @@
           <p:nvPr/>
         </p:nvPicPr>
         <p:blipFill>
-          <a:blip r:embed="rId4">
+          <a:blip r:embed="rId5">
             <a:extLst>
               <a:ext uri="{28A0092B-C50C-407E-A947-70E740481C1C}">
                 <a14:useLocalDpi xmlns:a14="http://schemas.microsoft.com/office/drawing/2010/main" val="0"/>
@@ -4508,8 +4945,8 @@
         </p:blipFill>
         <p:spPr bwMode="auto">
           <a:xfrm>
-            <a:off x="6896379" y="2381844"/>
-            <a:ext cx="4848225" cy="1228725"/>
+            <a:off x="0" y="4052888"/>
+            <a:ext cx="12192000" cy="2526823"/>
           </a:xfrm>
           <a:prstGeom prst="rect">
             <a:avLst/>
@@ -4520,127 +4957,10 @@
           </a:ln>
         </p:spPr>
       </p:pic>
-      <p:pic>
-        <p:nvPicPr>
-          <p:cNvPr id="8" name="Рисунок 7">
-            <a:extLst>
-              <a:ext uri="{FF2B5EF4-FFF2-40B4-BE49-F238E27FC236}">
-                <a16:creationId xmlns:a16="http://schemas.microsoft.com/office/drawing/2014/main" id="{7ED744EC-28DA-4FFB-884F-B55F19DF3FB0}"/>
-              </a:ext>
-            </a:extLst>
-          </p:cNvPr>
-          <p:cNvPicPr/>
-          <p:nvPr/>
-        </p:nvPicPr>
-        <p:blipFill>
-          <a:blip r:embed="rId5">
-            <a:extLst>
-              <a:ext uri="{28A0092B-C50C-407E-A947-70E740481C1C}">
-                <a14:useLocalDpi xmlns:a14="http://schemas.microsoft.com/office/drawing/2010/main" val="0"/>
-              </a:ext>
-            </a:extLst>
-          </a:blip>
-          <a:srcRect/>
-          <a:stretch>
-            <a:fillRect/>
-          </a:stretch>
-        </p:blipFill>
-        <p:spPr bwMode="auto">
-          <a:xfrm>
-            <a:off x="0" y="4594633"/>
-            <a:ext cx="3742361" cy="1445361"/>
-          </a:xfrm>
-          <a:prstGeom prst="rect">
-            <a:avLst/>
-          </a:prstGeom>
-          <a:noFill/>
-          <a:ln>
-            <a:noFill/>
-          </a:ln>
-        </p:spPr>
-      </p:pic>
-      <p:pic>
-        <p:nvPicPr>
-          <p:cNvPr id="9" name="Рисунок 8">
-            <a:extLst>
-              <a:ext uri="{FF2B5EF4-FFF2-40B4-BE49-F238E27FC236}">
-                <a16:creationId xmlns:a16="http://schemas.microsoft.com/office/drawing/2014/main" id="{27FDB62C-2CFD-4B1C-A8C4-0CD2BDB3056F}"/>
-              </a:ext>
-            </a:extLst>
-          </p:cNvPr>
-          <p:cNvPicPr/>
-          <p:nvPr/>
-        </p:nvPicPr>
-        <p:blipFill>
-          <a:blip r:embed="rId6">
-            <a:extLst>
-              <a:ext uri="{28A0092B-C50C-407E-A947-70E740481C1C}">
-                <a14:useLocalDpi xmlns:a14="http://schemas.microsoft.com/office/drawing/2010/main" val="0"/>
-              </a:ext>
-            </a:extLst>
-          </a:blip>
-          <a:srcRect/>
-          <a:stretch>
-            <a:fillRect/>
-          </a:stretch>
-        </p:blipFill>
-        <p:spPr bwMode="auto">
-          <a:xfrm>
-            <a:off x="3742361" y="4594633"/>
-            <a:ext cx="3742362" cy="1228725"/>
-          </a:xfrm>
-          <a:prstGeom prst="rect">
-            <a:avLst/>
-          </a:prstGeom>
-          <a:noFill/>
-          <a:ln>
-            <a:noFill/>
-          </a:ln>
-        </p:spPr>
-      </p:pic>
-      <p:pic>
-        <p:nvPicPr>
-          <p:cNvPr id="10" name="Рисунок 9">
-            <a:extLst>
-              <a:ext uri="{FF2B5EF4-FFF2-40B4-BE49-F238E27FC236}">
-                <a16:creationId xmlns:a16="http://schemas.microsoft.com/office/drawing/2014/main" id="{B9A38013-0E04-4AE8-9D29-67F6385835D1}"/>
-              </a:ext>
-            </a:extLst>
-          </p:cNvPr>
-          <p:cNvPicPr/>
-          <p:nvPr/>
-        </p:nvPicPr>
-        <p:blipFill>
-          <a:blip r:embed="rId7">
-            <a:extLst>
-              <a:ext uri="{28A0092B-C50C-407E-A947-70E740481C1C}">
-                <a14:useLocalDpi xmlns:a14="http://schemas.microsoft.com/office/drawing/2010/main" val="0"/>
-              </a:ext>
-            </a:extLst>
-          </a:blip>
-          <a:srcRect/>
-          <a:stretch>
-            <a:fillRect/>
-          </a:stretch>
-        </p:blipFill>
-        <p:spPr bwMode="auto">
-          <a:xfrm>
-            <a:off x="7484722" y="4469905"/>
-            <a:ext cx="4548250" cy="1570089"/>
-          </a:xfrm>
-          <a:prstGeom prst="rect">
-            <a:avLst/>
-          </a:prstGeom>
-          <a:noFill/>
-          <a:ln>
-            <a:noFill/>
-          </a:ln>
-        </p:spPr>
-      </p:pic>
     </p:spTree>
     <p:extLst>
       <p:ext uri="{BB962C8B-B14F-4D97-AF65-F5344CB8AC3E}">
-        <p14:creationId xmlns:p14="http://schemas.microsoft.com/office/powerpoint/2010/main" val="1206766381"/>
+        <p14:creationId xmlns:p14="http://schemas.microsoft.com/office/powerpoint/2010/main" val="658956323"/>
       </p:ext>
     </p:extLst>
   </p:cSld>
@@ -4672,7 +4992,7 @@
           <p:cNvPr id="2" name="Заголовок 1">
             <a:extLst>
               <a:ext uri="{FF2B5EF4-FFF2-40B4-BE49-F238E27FC236}">
-                <a16:creationId xmlns:a16="http://schemas.microsoft.com/office/drawing/2014/main" id="{149BA20A-6ADE-477A-B2CB-54BE68DCBDDF}"/>
+                <a16:creationId xmlns:a16="http://schemas.microsoft.com/office/drawing/2014/main" id="{3987E056-ABDC-4EF5-B45E-EB0413E17B80}"/>
               </a:ext>
             </a:extLst>
           </p:cNvPr>
@@ -4683,24 +5003,29 @@
             <p:ph type="title"/>
           </p:nvPr>
         </p:nvSpPr>
-        <p:spPr/>
+        <p:spPr>
+          <a:xfrm>
+            <a:off x="838200" y="325368"/>
+            <a:ext cx="10515600" cy="1325563"/>
+          </a:xfrm>
+        </p:spPr>
         <p:txBody>
           <a:bodyPr/>
           <a:lstStyle/>
           <a:p>
             <a:r>
               <a:rPr lang="ru-RU" dirty="0"/>
-              <a:t>Апробация: Отчеты администратора</a:t>
+              <a:t>Апробация: Администратор</a:t>
             </a:r>
           </a:p>
         </p:txBody>
       </p:sp>
       <p:pic>
         <p:nvPicPr>
-          <p:cNvPr id="8" name="Объект 7">
+          <p:cNvPr id="4" name="Объект 3">
             <a:extLst>
               <a:ext uri="{FF2B5EF4-FFF2-40B4-BE49-F238E27FC236}">
-                <a16:creationId xmlns:a16="http://schemas.microsoft.com/office/drawing/2014/main" id="{0E6D0235-03BC-424F-AB46-979E9C0E744E}"/>
+                <a16:creationId xmlns:a16="http://schemas.microsoft.com/office/drawing/2014/main" id="{0897BBC5-01E9-41B3-B556-4F55FB6366C6}"/>
               </a:ext>
             </a:extLst>
           </p:cNvPr>
@@ -4726,8 +5051,8 @@
         </p:blipFill>
         <p:spPr bwMode="auto">
           <a:xfrm>
-            <a:off x="0" y="1393500"/>
-            <a:ext cx="5905499" cy="2886952"/>
+            <a:off x="121893" y="2180635"/>
+            <a:ext cx="3498574" cy="2289726"/>
           </a:xfrm>
           <a:prstGeom prst="rect">
             <a:avLst/>
@@ -4740,10 +5065,10 @@
       </p:pic>
       <p:pic>
         <p:nvPicPr>
-          <p:cNvPr id="9" name="Рисунок 8">
+          <p:cNvPr id="5" name="Рисунок 4">
             <a:extLst>
               <a:ext uri="{FF2B5EF4-FFF2-40B4-BE49-F238E27FC236}">
-                <a16:creationId xmlns:a16="http://schemas.microsoft.com/office/drawing/2014/main" id="{6B7771B5-0CA2-498F-9B41-D74D61499671}"/>
+                <a16:creationId xmlns:a16="http://schemas.microsoft.com/office/drawing/2014/main" id="{04D3CC89-8FE5-4068-A1A9-3D9F2190E565}"/>
               </a:ext>
             </a:extLst>
           </p:cNvPr>
@@ -4765,8 +5090,8 @@
         </p:blipFill>
         <p:spPr bwMode="auto">
           <a:xfrm>
-            <a:off x="5905499" y="1393500"/>
-            <a:ext cx="6286501" cy="2833942"/>
+            <a:off x="3795502" y="2180635"/>
+            <a:ext cx="3000240" cy="1924050"/>
           </a:xfrm>
           <a:prstGeom prst="rect">
             <a:avLst/>
@@ -4779,10 +5104,10 @@
       </p:pic>
       <p:pic>
         <p:nvPicPr>
-          <p:cNvPr id="10" name="Рисунок 9">
+          <p:cNvPr id="6" name="Рисунок 5">
             <a:extLst>
               <a:ext uri="{FF2B5EF4-FFF2-40B4-BE49-F238E27FC236}">
-                <a16:creationId xmlns:a16="http://schemas.microsoft.com/office/drawing/2014/main" id="{020D67A5-8E7D-425A-B972-8C5271049CB5}"/>
+                <a16:creationId xmlns:a16="http://schemas.microsoft.com/office/drawing/2014/main" id="{DC6469DD-0AA4-4D4C-A4C6-88A0D3831337}"/>
               </a:ext>
             </a:extLst>
           </p:cNvPr>
@@ -4804,8 +5129,8 @@
         </p:blipFill>
         <p:spPr bwMode="auto">
           <a:xfrm>
-            <a:off x="0" y="4280450"/>
-            <a:ext cx="12192000" cy="2617306"/>
+            <a:off x="6896379" y="2381844"/>
+            <a:ext cx="4848225" cy="1228725"/>
           </a:xfrm>
           <a:prstGeom prst="rect">
             <a:avLst/>
@@ -4816,10 +5141,127 @@
           </a:ln>
         </p:spPr>
       </p:pic>
+      <p:pic>
+        <p:nvPicPr>
+          <p:cNvPr id="8" name="Рисунок 7">
+            <a:extLst>
+              <a:ext uri="{FF2B5EF4-FFF2-40B4-BE49-F238E27FC236}">
+                <a16:creationId xmlns:a16="http://schemas.microsoft.com/office/drawing/2014/main" id="{7ED744EC-28DA-4FFB-884F-B55F19DF3FB0}"/>
+              </a:ext>
+            </a:extLst>
+          </p:cNvPr>
+          <p:cNvPicPr/>
+          <p:nvPr/>
+        </p:nvPicPr>
+        <p:blipFill>
+          <a:blip r:embed="rId5">
+            <a:extLst>
+              <a:ext uri="{28A0092B-C50C-407E-A947-70E740481C1C}">
+                <a14:useLocalDpi xmlns:a14="http://schemas.microsoft.com/office/drawing/2010/main" val="0"/>
+              </a:ext>
+            </a:extLst>
+          </a:blip>
+          <a:srcRect/>
+          <a:stretch>
+            <a:fillRect/>
+          </a:stretch>
+        </p:blipFill>
+        <p:spPr bwMode="auto">
+          <a:xfrm>
+            <a:off x="0" y="4594633"/>
+            <a:ext cx="3742361" cy="1445361"/>
+          </a:xfrm>
+          <a:prstGeom prst="rect">
+            <a:avLst/>
+          </a:prstGeom>
+          <a:noFill/>
+          <a:ln>
+            <a:noFill/>
+          </a:ln>
+        </p:spPr>
+      </p:pic>
+      <p:pic>
+        <p:nvPicPr>
+          <p:cNvPr id="9" name="Рисунок 8">
+            <a:extLst>
+              <a:ext uri="{FF2B5EF4-FFF2-40B4-BE49-F238E27FC236}">
+                <a16:creationId xmlns:a16="http://schemas.microsoft.com/office/drawing/2014/main" id="{27FDB62C-2CFD-4B1C-A8C4-0CD2BDB3056F}"/>
+              </a:ext>
+            </a:extLst>
+          </p:cNvPr>
+          <p:cNvPicPr/>
+          <p:nvPr/>
+        </p:nvPicPr>
+        <p:blipFill>
+          <a:blip r:embed="rId6">
+            <a:extLst>
+              <a:ext uri="{28A0092B-C50C-407E-A947-70E740481C1C}">
+                <a14:useLocalDpi xmlns:a14="http://schemas.microsoft.com/office/drawing/2010/main" val="0"/>
+              </a:ext>
+            </a:extLst>
+          </a:blip>
+          <a:srcRect/>
+          <a:stretch>
+            <a:fillRect/>
+          </a:stretch>
+        </p:blipFill>
+        <p:spPr bwMode="auto">
+          <a:xfrm>
+            <a:off x="3742361" y="4594633"/>
+            <a:ext cx="3742362" cy="1228725"/>
+          </a:xfrm>
+          <a:prstGeom prst="rect">
+            <a:avLst/>
+          </a:prstGeom>
+          <a:noFill/>
+          <a:ln>
+            <a:noFill/>
+          </a:ln>
+        </p:spPr>
+      </p:pic>
+      <p:pic>
+        <p:nvPicPr>
+          <p:cNvPr id="10" name="Рисунок 9">
+            <a:extLst>
+              <a:ext uri="{FF2B5EF4-FFF2-40B4-BE49-F238E27FC236}">
+                <a16:creationId xmlns:a16="http://schemas.microsoft.com/office/drawing/2014/main" id="{B9A38013-0E04-4AE8-9D29-67F6385835D1}"/>
+              </a:ext>
+            </a:extLst>
+          </p:cNvPr>
+          <p:cNvPicPr/>
+          <p:nvPr/>
+        </p:nvPicPr>
+        <p:blipFill>
+          <a:blip r:embed="rId7">
+            <a:extLst>
+              <a:ext uri="{28A0092B-C50C-407E-A947-70E740481C1C}">
+                <a14:useLocalDpi xmlns:a14="http://schemas.microsoft.com/office/drawing/2010/main" val="0"/>
+              </a:ext>
+            </a:extLst>
+          </a:blip>
+          <a:srcRect/>
+          <a:stretch>
+            <a:fillRect/>
+          </a:stretch>
+        </p:blipFill>
+        <p:spPr bwMode="auto">
+          <a:xfrm>
+            <a:off x="7484722" y="4469905"/>
+            <a:ext cx="4548250" cy="1570089"/>
+          </a:xfrm>
+          <a:prstGeom prst="rect">
+            <a:avLst/>
+          </a:prstGeom>
+          <a:noFill/>
+          <a:ln>
+            <a:noFill/>
+          </a:ln>
+        </p:spPr>
+      </p:pic>
     </p:spTree>
     <p:extLst>
       <p:ext uri="{BB962C8B-B14F-4D97-AF65-F5344CB8AC3E}">
-        <p14:creationId xmlns:p14="http://schemas.microsoft.com/office/powerpoint/2010/main" val="1517674079"/>
+        <p14:creationId xmlns:p14="http://schemas.microsoft.com/office/powerpoint/2010/main" val="1206766381"/>
       </p:ext>
     </p:extLst>
   </p:cSld>
@@ -4851,7 +5293,7 @@
           <p:cNvPr id="2" name="Заголовок 1">
             <a:extLst>
               <a:ext uri="{FF2B5EF4-FFF2-40B4-BE49-F238E27FC236}">
-                <a16:creationId xmlns:a16="http://schemas.microsoft.com/office/drawing/2014/main" id="{13E6C3B7-FAA9-4604-BBA8-7B1738B8E0D4}"/>
+                <a16:creationId xmlns:a16="http://schemas.microsoft.com/office/drawing/2014/main" id="{149BA20A-6ADE-477A-B2CB-54BE68DCBDDF}"/>
               </a:ext>
             </a:extLst>
           </p:cNvPr>
@@ -4862,29 +5304,24 @@
             <p:ph type="title"/>
           </p:nvPr>
         </p:nvSpPr>
-        <p:spPr>
-          <a:xfrm>
-            <a:off x="838200" y="325369"/>
-            <a:ext cx="10515600" cy="1325563"/>
-          </a:xfrm>
-        </p:spPr>
+        <p:spPr/>
         <p:txBody>
           <a:bodyPr/>
           <a:lstStyle/>
           <a:p>
             <a:r>
               <a:rPr lang="ru-RU" dirty="0"/>
-              <a:t>Апробация: Клиента</a:t>
+              <a:t>Апробация: Отчеты администратора</a:t>
             </a:r>
           </a:p>
         </p:txBody>
       </p:sp>
       <p:pic>
         <p:nvPicPr>
-          <p:cNvPr id="4" name="Объект 3">
+          <p:cNvPr id="8" name="Объект 7">
             <a:extLst>
               <a:ext uri="{FF2B5EF4-FFF2-40B4-BE49-F238E27FC236}">
-                <a16:creationId xmlns:a16="http://schemas.microsoft.com/office/drawing/2014/main" id="{E1C29972-9D8A-4D1A-AA1D-EC6291FAD5E5}"/>
+                <a16:creationId xmlns:a16="http://schemas.microsoft.com/office/drawing/2014/main" id="{0E6D0235-03BC-424F-AB46-979E9C0E744E}"/>
               </a:ext>
             </a:extLst>
           </p:cNvPr>
@@ -4910,8 +5347,8 @@
         </p:blipFill>
         <p:spPr bwMode="auto">
           <a:xfrm>
-            <a:off x="838200" y="1457739"/>
-            <a:ext cx="5257800" cy="3038061"/>
+            <a:off x="0" y="1393500"/>
+            <a:ext cx="5905499" cy="2886952"/>
           </a:xfrm>
           <a:prstGeom prst="rect">
             <a:avLst/>
@@ -4924,10 +5361,10 @@
       </p:pic>
       <p:pic>
         <p:nvPicPr>
-          <p:cNvPr id="5" name="Рисунок 4">
+          <p:cNvPr id="9" name="Рисунок 8">
             <a:extLst>
               <a:ext uri="{FF2B5EF4-FFF2-40B4-BE49-F238E27FC236}">
-                <a16:creationId xmlns:a16="http://schemas.microsoft.com/office/drawing/2014/main" id="{4F1B886F-6543-44C2-BFCF-CF785ADDF821}"/>
+                <a16:creationId xmlns:a16="http://schemas.microsoft.com/office/drawing/2014/main" id="{6B7771B5-0CA2-498F-9B41-D74D61499671}"/>
               </a:ext>
             </a:extLst>
           </p:cNvPr>
@@ -4949,8 +5386,8 @@
         </p:blipFill>
         <p:spPr bwMode="auto">
           <a:xfrm>
-            <a:off x="6096000" y="1457739"/>
-            <a:ext cx="5257800" cy="3038061"/>
+            <a:off x="5905499" y="1393500"/>
+            <a:ext cx="6286501" cy="2833942"/>
           </a:xfrm>
           <a:prstGeom prst="rect">
             <a:avLst/>
@@ -4963,10 +5400,10 @@
       </p:pic>
       <p:pic>
         <p:nvPicPr>
-          <p:cNvPr id="7" name="Рисунок 6">
+          <p:cNvPr id="10" name="Рисунок 9">
             <a:extLst>
               <a:ext uri="{FF2B5EF4-FFF2-40B4-BE49-F238E27FC236}">
-                <a16:creationId xmlns:a16="http://schemas.microsoft.com/office/drawing/2014/main" id="{0EDA3618-7F43-44DB-BD7E-5136723D78DE}"/>
+                <a16:creationId xmlns:a16="http://schemas.microsoft.com/office/drawing/2014/main" id="{020D67A5-8E7D-425A-B972-8C5271049CB5}"/>
               </a:ext>
             </a:extLst>
           </p:cNvPr>
@@ -4988,8 +5425,8 @@
         </p:blipFill>
         <p:spPr bwMode="auto">
           <a:xfrm>
-            <a:off x="847051" y="4495799"/>
-            <a:ext cx="10506749" cy="2262809"/>
+            <a:off x="0" y="4280450"/>
+            <a:ext cx="12192000" cy="2617306"/>
           </a:xfrm>
           <a:prstGeom prst="rect">
             <a:avLst/>
@@ -5003,7 +5440,7 @@
     </p:spTree>
     <p:extLst>
       <p:ext uri="{BB962C8B-B14F-4D97-AF65-F5344CB8AC3E}">
-        <p14:creationId xmlns:p14="http://schemas.microsoft.com/office/powerpoint/2010/main" val="3020117924"/>
+        <p14:creationId xmlns:p14="http://schemas.microsoft.com/office/powerpoint/2010/main" val="1517674079"/>
       </p:ext>
     </p:extLst>
   </p:cSld>
@@ -5032,7 +5469,13 @@
       </p:grpSpPr>
       <p:sp>
         <p:nvSpPr>
-          <p:cNvPr id="2" name="Заголовок 1"/>
+          <p:cNvPr id="2" name="Заголовок 1">
+            <a:extLst>
+              <a:ext uri="{FF2B5EF4-FFF2-40B4-BE49-F238E27FC236}">
+                <a16:creationId xmlns:a16="http://schemas.microsoft.com/office/drawing/2014/main" id="{13E6C3B7-FAA9-4604-BBA8-7B1738B8E0D4}"/>
+              </a:ext>
+            </a:extLst>
+          </p:cNvPr>
           <p:cNvSpPr>
             <a:spLocks noGrp="1"/>
           </p:cNvSpPr>
@@ -5040,184 +5483,148 @@
             <p:ph type="title"/>
           </p:nvPr>
         </p:nvSpPr>
-        <p:spPr/>
+        <p:spPr>
+          <a:xfrm>
+            <a:off x="838200" y="325369"/>
+            <a:ext cx="10515600" cy="1325563"/>
+          </a:xfrm>
+        </p:spPr>
         <p:txBody>
           <a:bodyPr/>
           <a:lstStyle/>
           <a:p>
             <a:r>
               <a:rPr lang="ru-RU" dirty="0"/>
-              <a:t>Результаты дипломной работы</a:t>
-            </a:r>
-          </a:p>
-        </p:txBody>
-      </p:sp>
-      <p:sp>
-        <p:nvSpPr>
-          <p:cNvPr id="3" name="Объект 2"/>
-          <p:cNvSpPr>
-            <a:spLocks noGrp="1"/>
-          </p:cNvSpPr>
+              <a:t>Апробация: Клиента</a:t>
+            </a:r>
+          </a:p>
+        </p:txBody>
+      </p:sp>
+      <p:pic>
+        <p:nvPicPr>
+          <p:cNvPr id="4" name="Объект 3">
+            <a:extLst>
+              <a:ext uri="{FF2B5EF4-FFF2-40B4-BE49-F238E27FC236}">
+                <a16:creationId xmlns:a16="http://schemas.microsoft.com/office/drawing/2014/main" id="{E1C29972-9D8A-4D1A-AA1D-EC6291FAD5E5}"/>
+              </a:ext>
+            </a:extLst>
+          </p:cNvPr>
+          <p:cNvPicPr>
+            <a:picLocks noGrp="1"/>
+          </p:cNvPicPr>
           <p:nvPr>
             <p:ph idx="1"/>
           </p:nvPr>
-        </p:nvSpPr>
-        <p:spPr/>
-        <p:txBody>
-          <a:bodyPr>
-            <a:normAutofit fontScale="92500"/>
-          </a:bodyPr>
-          <a:lstStyle/>
-          <a:p>
-            <a:pPr>
-              <a:buFont typeface="Wingdings" panose="05000000000000000000" pitchFamily="2" charset="2"/>
-              <a:buChar char="§"/>
-            </a:pPr>
-            <a:r>
-              <a:rPr lang="ru-RU" dirty="0"/>
-              <a:t>Изучены:</a:t>
-            </a:r>
-          </a:p>
-          <a:p>
-            <a:pPr lvl="1"/>
-            <a:r>
-              <a:rPr lang="ru-RU" dirty="0"/>
-              <a:t>языки программирования </a:t>
-            </a:r>
-            <a:r>
-              <a:rPr lang="en-US" dirty="0"/>
-              <a:t>Java</a:t>
-            </a:r>
-            <a:r>
-              <a:rPr lang="ru-RU" dirty="0"/>
-              <a:t> фреймворк </a:t>
-            </a:r>
-            <a:r>
-              <a:rPr lang="en-US" dirty="0"/>
-              <a:t>Hibernate</a:t>
-            </a:r>
-            <a:endParaRPr lang="ru-RU" dirty="0"/>
-          </a:p>
-          <a:p>
-            <a:pPr lvl="1"/>
-            <a:r>
-              <a:rPr lang="ru-RU" dirty="0"/>
-              <a:t>библиотеки </a:t>
-            </a:r>
-            <a:r>
-              <a:rPr lang="en-US" dirty="0"/>
-              <a:t>SWING, </a:t>
-            </a:r>
-            <a:r>
-              <a:rPr lang="en-US" dirty="0" err="1"/>
-              <a:t>JExcelAPI</a:t>
-            </a:r>
-            <a:r>
-              <a:rPr lang="en-US" dirty="0"/>
-              <a:t>, Log4j, JDBC, </a:t>
-            </a:r>
-            <a:r>
-              <a:rPr lang="en-US" dirty="0" err="1"/>
-              <a:t>Aspose.Words</a:t>
-            </a:r>
-            <a:endParaRPr lang="en-US" dirty="0"/>
-          </a:p>
-          <a:p>
-            <a:pPr marL="457200" lvl="1" indent="0">
-              <a:buNone/>
-            </a:pPr>
-            <a:endParaRPr lang="en-US" dirty="0"/>
-          </a:p>
-          <a:p>
-            <a:pPr>
-              <a:buFont typeface="Wingdings" panose="05000000000000000000" pitchFamily="2" charset="2"/>
-              <a:buChar char="§"/>
-            </a:pPr>
-            <a:r>
-              <a:rPr lang="ru-RU" dirty="0"/>
-              <a:t>Помимо этого, были выполнены следующие задачи:</a:t>
-            </a:r>
-            <a:endParaRPr lang="en-US" dirty="0"/>
-          </a:p>
-          <a:p>
-            <a:pPr lvl="1"/>
-            <a:r>
-              <a:rPr lang="ru-RU" dirty="0"/>
-              <a:t>спроектировано и разработано приложение</a:t>
-            </a:r>
-          </a:p>
-          <a:p>
-            <a:pPr lvl="1"/>
-            <a:r>
-              <a:rPr lang="ru-RU" dirty="0"/>
-              <a:t>разработаны основные модули: регистрация и авторизация пользователя; просмотр, создание запросов и заявок</a:t>
-            </a:r>
-            <a:r>
-              <a:rPr lang="en-US" dirty="0"/>
-              <a:t>; </a:t>
-            </a:r>
-            <a:r>
-              <a:rPr lang="ru-RU" dirty="0"/>
-              <a:t>просмотр</a:t>
-            </a:r>
-            <a:r>
-              <a:rPr lang="en-US" dirty="0"/>
-              <a:t> </a:t>
-            </a:r>
-            <a:r>
-              <a:rPr lang="ru-RU" dirty="0"/>
-              <a:t>динамической информации о компании в том числе по фильтрам</a:t>
-            </a:r>
-            <a:r>
-              <a:rPr lang="en-US" dirty="0"/>
-              <a:t>,</a:t>
-            </a:r>
-            <a:r>
-              <a:rPr lang="ru-RU" dirty="0"/>
-              <a:t> а также вывод ее с предварительной обработкой в качестве отчетов </a:t>
-            </a:r>
-            <a:r>
-              <a:rPr lang="en-US" dirty="0"/>
-              <a:t>Excel;</a:t>
-            </a:r>
-            <a:r>
-              <a:rPr lang="ru-RU" dirty="0"/>
-              <a:t> отправка отзывов и формирование рейтинга водителей и менеджеров на их основе</a:t>
-            </a:r>
-            <a:r>
-              <a:rPr lang="en-US" dirty="0"/>
-              <a:t>;</a:t>
-            </a:r>
-            <a:r>
-              <a:rPr lang="ru-RU" dirty="0"/>
-              <a:t> а также расчет загрузки транспорта</a:t>
-            </a:r>
-            <a:r>
-              <a:rPr lang="en-US" dirty="0"/>
-              <a:t>,</a:t>
-            </a:r>
-            <a:r>
-              <a:rPr lang="ru-RU" dirty="0"/>
-              <a:t> формирование договоров в формате </a:t>
-            </a:r>
-            <a:r>
-              <a:rPr lang="en-US" dirty="0"/>
-              <a:t>Docx</a:t>
-            </a:r>
-            <a:endParaRPr lang="ru-RU" dirty="0"/>
-          </a:p>
-          <a:p>
-            <a:pPr marL="0" indent="0">
-              <a:buNone/>
-            </a:pPr>
-            <a:endParaRPr lang="ru-RU" dirty="0"/>
-          </a:p>
-        </p:txBody>
-      </p:sp>
+        </p:nvPicPr>
+        <p:blipFill>
+          <a:blip r:embed="rId2">
+            <a:extLst>
+              <a:ext uri="{28A0092B-C50C-407E-A947-70E740481C1C}">
+                <a14:useLocalDpi xmlns:a14="http://schemas.microsoft.com/office/drawing/2010/main" val="0"/>
+              </a:ext>
+            </a:extLst>
+          </a:blip>
+          <a:srcRect/>
+          <a:stretch>
+            <a:fillRect/>
+          </a:stretch>
+        </p:blipFill>
+        <p:spPr bwMode="auto">
+          <a:xfrm>
+            <a:off x="838200" y="1457739"/>
+            <a:ext cx="5257800" cy="3038061"/>
+          </a:xfrm>
+          <a:prstGeom prst="rect">
+            <a:avLst/>
+          </a:prstGeom>
+          <a:noFill/>
+          <a:ln>
+            <a:noFill/>
+          </a:ln>
+        </p:spPr>
+      </p:pic>
+      <p:pic>
+        <p:nvPicPr>
+          <p:cNvPr id="5" name="Рисунок 4">
+            <a:extLst>
+              <a:ext uri="{FF2B5EF4-FFF2-40B4-BE49-F238E27FC236}">
+                <a16:creationId xmlns:a16="http://schemas.microsoft.com/office/drawing/2014/main" id="{4F1B886F-6543-44C2-BFCF-CF785ADDF821}"/>
+              </a:ext>
+            </a:extLst>
+          </p:cNvPr>
+          <p:cNvPicPr/>
+          <p:nvPr/>
+        </p:nvPicPr>
+        <p:blipFill>
+          <a:blip r:embed="rId3">
+            <a:extLst>
+              <a:ext uri="{28A0092B-C50C-407E-A947-70E740481C1C}">
+                <a14:useLocalDpi xmlns:a14="http://schemas.microsoft.com/office/drawing/2010/main" val="0"/>
+              </a:ext>
+            </a:extLst>
+          </a:blip>
+          <a:srcRect/>
+          <a:stretch>
+            <a:fillRect/>
+          </a:stretch>
+        </p:blipFill>
+        <p:spPr bwMode="auto">
+          <a:xfrm>
+            <a:off x="6096000" y="1457739"/>
+            <a:ext cx="5257800" cy="3038061"/>
+          </a:xfrm>
+          <a:prstGeom prst="rect">
+            <a:avLst/>
+          </a:prstGeom>
+          <a:noFill/>
+          <a:ln>
+            <a:noFill/>
+          </a:ln>
+        </p:spPr>
+      </p:pic>
+      <p:pic>
+        <p:nvPicPr>
+          <p:cNvPr id="7" name="Рисунок 6">
+            <a:extLst>
+              <a:ext uri="{FF2B5EF4-FFF2-40B4-BE49-F238E27FC236}">
+                <a16:creationId xmlns:a16="http://schemas.microsoft.com/office/drawing/2014/main" id="{0EDA3618-7F43-44DB-BD7E-5136723D78DE}"/>
+              </a:ext>
+            </a:extLst>
+          </p:cNvPr>
+          <p:cNvPicPr/>
+          <p:nvPr/>
+        </p:nvPicPr>
+        <p:blipFill>
+          <a:blip r:embed="rId4">
+            <a:extLst>
+              <a:ext uri="{28A0092B-C50C-407E-A947-70E740481C1C}">
+                <a14:useLocalDpi xmlns:a14="http://schemas.microsoft.com/office/drawing/2010/main" val="0"/>
+              </a:ext>
+            </a:extLst>
+          </a:blip>
+          <a:srcRect/>
+          <a:stretch>
+            <a:fillRect/>
+          </a:stretch>
+        </p:blipFill>
+        <p:spPr bwMode="auto">
+          <a:xfrm>
+            <a:off x="847051" y="4495799"/>
+            <a:ext cx="10506749" cy="2262809"/>
+          </a:xfrm>
+          <a:prstGeom prst="rect">
+            <a:avLst/>
+          </a:prstGeom>
+          <a:noFill/>
+          <a:ln>
+            <a:noFill/>
+          </a:ln>
+        </p:spPr>
+      </p:pic>
     </p:spTree>
     <p:extLst>
       <p:ext uri="{BB962C8B-B14F-4D97-AF65-F5344CB8AC3E}">
-        <p14:creationId xmlns:p14="http://schemas.microsoft.com/office/powerpoint/2010/main" val="3718304080"/>
+        <p14:creationId xmlns:p14="http://schemas.microsoft.com/office/powerpoint/2010/main" val="3020117924"/>
       </p:ext>
     </p:extLst>
   </p:cSld>
@@ -5246,13 +5653,7 @@
       </p:grpSpPr>
       <p:sp>
         <p:nvSpPr>
-          <p:cNvPr id="2" name="Заголовок 1">
-            <a:extLst>
-              <a:ext uri="{FF2B5EF4-FFF2-40B4-BE49-F238E27FC236}">
-                <a16:creationId xmlns:a16="http://schemas.microsoft.com/office/drawing/2014/main" id="{E22F2BF3-310C-42C0-A675-3DB6664E8274}"/>
-              </a:ext>
-            </a:extLst>
-          </p:cNvPr>
+          <p:cNvPr id="2" name="Заголовок 1"/>
           <p:cNvSpPr>
             <a:spLocks noGrp="1"/>
           </p:cNvSpPr>
@@ -5267,20 +5668,14 @@
           <a:p>
             <a:r>
               <a:rPr lang="ru-RU" dirty="0"/>
-              <a:t>Публикации</a:t>
-            </a:r>
-          </a:p>
-        </p:txBody>
-      </p:sp>
-      <p:sp>
-        <p:nvSpPr>
-          <p:cNvPr id="3" name="Объект 2">
-            <a:extLst>
-              <a:ext uri="{FF2B5EF4-FFF2-40B4-BE49-F238E27FC236}">
-                <a16:creationId xmlns:a16="http://schemas.microsoft.com/office/drawing/2014/main" id="{2E5B5590-A5C1-4578-ACDF-FDA83BA4D7CA}"/>
-              </a:ext>
-            </a:extLst>
-          </p:cNvPr>
+              <a:t>Результаты дипломной работы</a:t>
+            </a:r>
+          </a:p>
+        </p:txBody>
+      </p:sp>
+      <p:sp>
+        <p:nvSpPr>
+          <p:cNvPr id="3" name="Объект 2"/>
           <p:cNvSpPr>
             <a:spLocks noGrp="1"/>
           </p:cNvSpPr>
@@ -5290,20 +5685,211 @@
         </p:nvSpPr>
         <p:spPr/>
         <p:txBody>
-          <a:bodyPr/>
+          <a:bodyPr>
+            <a:normAutofit fontScale="85000" lnSpcReduction="20000"/>
+          </a:bodyPr>
           <a:lstStyle/>
           <a:p>
+            <a:pPr>
+              <a:buFont typeface="Wingdings" panose="05000000000000000000" pitchFamily="2" charset="2"/>
+              <a:buChar char="§"/>
+            </a:pPr>
             <a:r>
               <a:rPr lang="ru-RU" dirty="0"/>
-              <a:t>Описание разработки доложено на XXVI Республиканской научной конференции студентов и аспирантов «Новые математические методы и компьютерные технологии в проектировании, производстве и научных исследованиях», проходившей в 2023 г. в г. Гомеле; и опубликовано в сборнике этой конференций, а также – в сборнике «Творчество Молодых2023» [15-16].</a:t>
-            </a:r>
+              <a:t>Изучены:</a:t>
+            </a:r>
+          </a:p>
+          <a:p>
+            <a:pPr lvl="1"/>
+            <a:r>
+              <a:rPr lang="ru-RU" dirty="0"/>
+              <a:t>языки программирования </a:t>
+            </a:r>
+            <a:r>
+              <a:rPr lang="en-US" dirty="0"/>
+              <a:t>Java</a:t>
+            </a:r>
+            <a:r>
+              <a:rPr lang="ru-RU" dirty="0"/>
+              <a:t> </a:t>
+            </a:r>
+            <a:r>
+              <a:rPr lang="ru-RU" dirty="0" err="1"/>
+              <a:t>фреймворк</a:t>
+            </a:r>
+            <a:r>
+              <a:rPr lang="ru-RU" dirty="0"/>
+              <a:t> </a:t>
+            </a:r>
+            <a:r>
+              <a:rPr lang="en-US" dirty="0"/>
+              <a:t>Hibernate</a:t>
+            </a:r>
+            <a:endParaRPr lang="ru-RU" dirty="0"/>
+          </a:p>
+          <a:p>
+            <a:pPr lvl="1"/>
+            <a:r>
+              <a:rPr lang="ru-RU" dirty="0"/>
+              <a:t>библиотеки </a:t>
+            </a:r>
+            <a:r>
+              <a:rPr lang="en-US" dirty="0"/>
+              <a:t>SWING, </a:t>
+            </a:r>
+            <a:r>
+              <a:rPr lang="en-US" dirty="0" err="1"/>
+              <a:t>JExcelAPI</a:t>
+            </a:r>
+            <a:r>
+              <a:rPr lang="en-US" dirty="0"/>
+              <a:t>, Log4j, JDBC, </a:t>
+            </a:r>
+            <a:r>
+              <a:rPr lang="en-US" dirty="0" err="1"/>
+              <a:t>Aspose.Words</a:t>
+            </a:r>
+            <a:endParaRPr lang="ru-RU" dirty="0"/>
+          </a:p>
+          <a:p>
+            <a:pPr lvl="1"/>
+            <a:endParaRPr lang="en-US" dirty="0"/>
+          </a:p>
+          <a:p>
+            <a:pPr>
+              <a:buFont typeface="Wingdings" panose="05000000000000000000" pitchFamily="2" charset="2"/>
+              <a:buChar char="§"/>
+            </a:pPr>
+            <a:r>
+              <a:rPr lang="ru-RU" dirty="0"/>
+              <a:t>Спроектировано и разработано приложение</a:t>
+            </a:r>
+          </a:p>
+          <a:p>
+            <a:pPr>
+              <a:buFont typeface="Wingdings" panose="05000000000000000000" pitchFamily="2" charset="2"/>
+              <a:buChar char="§"/>
+            </a:pPr>
+            <a:endParaRPr lang="ru-RU" dirty="0"/>
+          </a:p>
+          <a:p>
+            <a:pPr>
+              <a:buFont typeface="Wingdings" panose="05000000000000000000" pitchFamily="2" charset="2"/>
+              <a:buChar char="§"/>
+            </a:pPr>
+            <a:r>
+              <a:rPr lang="ru-RU" dirty="0"/>
+              <a:t>Разработаны основные модули: </a:t>
+            </a:r>
+          </a:p>
+          <a:p>
+            <a:pPr lvl="1"/>
+            <a:r>
+              <a:rPr lang="ru-RU" dirty="0"/>
+              <a:t>регистрация и авторизация пользователя; </a:t>
+            </a:r>
+          </a:p>
+          <a:p>
+            <a:pPr lvl="1"/>
+            <a:r>
+              <a:rPr lang="ru-RU" dirty="0"/>
+              <a:t>просмотр, создание запросов и заявок</a:t>
+            </a:r>
+            <a:r>
+              <a:rPr lang="en-US" dirty="0"/>
+              <a:t>; </a:t>
+            </a:r>
+            <a:endParaRPr lang="ru-RU" dirty="0"/>
+          </a:p>
+          <a:p>
+            <a:pPr lvl="1"/>
+            <a:r>
+              <a:rPr lang="ru-RU" dirty="0"/>
+              <a:t>просмотр</a:t>
+            </a:r>
+            <a:r>
+              <a:rPr lang="en-US" dirty="0"/>
+              <a:t> </a:t>
+            </a:r>
+            <a:r>
+              <a:rPr lang="ru-RU" dirty="0"/>
+              <a:t>динамической информации о компании в том числе по фильтрам</a:t>
+            </a:r>
+            <a:r>
+              <a:rPr lang="en-US" dirty="0"/>
+              <a:t>,</a:t>
+            </a:r>
+            <a:r>
+              <a:rPr lang="ru-RU" dirty="0"/>
+              <a:t> а также вывод ее с предварительной обработкой в качестве отчетов </a:t>
+            </a:r>
+            <a:r>
+              <a:rPr lang="en-US" dirty="0"/>
+              <a:t>Excel;</a:t>
+            </a:r>
+            <a:r>
+              <a:rPr lang="ru-RU" dirty="0"/>
+              <a:t> </a:t>
+            </a:r>
+          </a:p>
+          <a:p>
+            <a:pPr lvl="1"/>
+            <a:r>
+              <a:rPr lang="ru-RU" dirty="0"/>
+              <a:t>отправка отзывов и формирование рейтинга водителей и менеджеров на их основе</a:t>
+            </a:r>
+            <a:r>
+              <a:rPr lang="en-US" dirty="0"/>
+              <a:t>;</a:t>
+            </a:r>
+            <a:r>
+              <a:rPr lang="ru-RU" dirty="0"/>
+              <a:t> </a:t>
+            </a:r>
+          </a:p>
+          <a:p>
+            <a:pPr lvl="1"/>
+            <a:r>
+              <a:rPr lang="ru-RU" dirty="0"/>
+              <a:t>расчет загрузки транспорта</a:t>
+            </a:r>
+            <a:r>
+              <a:rPr lang="en-US" dirty="0"/>
+              <a:t>,</a:t>
+            </a:r>
+            <a:r>
+              <a:rPr lang="ru-RU"/>
+              <a:t> </a:t>
+            </a:r>
+          </a:p>
+          <a:p>
+            <a:pPr lvl="1"/>
+            <a:r>
+              <a:rPr lang="ru-RU"/>
+              <a:t>формирование </a:t>
+            </a:r>
+            <a:r>
+              <a:rPr lang="ru-RU" dirty="0"/>
+              <a:t>договоров в формате </a:t>
+            </a:r>
+            <a:r>
+              <a:rPr lang="en-US" dirty="0"/>
+              <a:t>Docx</a:t>
+            </a:r>
+            <a:endParaRPr lang="ru-RU" dirty="0"/>
+          </a:p>
+          <a:p>
+            <a:pPr marL="0" indent="0">
+              <a:buNone/>
+            </a:pPr>
+            <a:endParaRPr lang="ru-RU" dirty="0"/>
           </a:p>
         </p:txBody>
       </p:sp>
     </p:spTree>
     <p:extLst>
       <p:ext uri="{BB962C8B-B14F-4D97-AF65-F5344CB8AC3E}">
-        <p14:creationId xmlns:p14="http://schemas.microsoft.com/office/powerpoint/2010/main" val="81469737"/>
+        <p14:creationId xmlns:p14="http://schemas.microsoft.com/office/powerpoint/2010/main" val="3718304080"/>
       </p:ext>
     </p:extLst>
   </p:cSld>
@@ -5332,7 +5918,13 @@
       </p:grpSpPr>
       <p:sp>
         <p:nvSpPr>
-          <p:cNvPr id="2" name="Заголовок 1"/>
+          <p:cNvPr id="2" name="Заголовок 1">
+            <a:extLst>
+              <a:ext uri="{FF2B5EF4-FFF2-40B4-BE49-F238E27FC236}">
+                <a16:creationId xmlns:a16="http://schemas.microsoft.com/office/drawing/2014/main" id="{E22F2BF3-310C-42C0-A675-3DB6664E8274}"/>
+              </a:ext>
+            </a:extLst>
+          </p:cNvPr>
           <p:cNvSpPr>
             <a:spLocks noGrp="1"/>
           </p:cNvSpPr>
@@ -5340,20 +5932,100 @@
             <p:ph type="title"/>
           </p:nvPr>
         </p:nvSpPr>
-        <p:spPr>
-          <a:xfrm>
-            <a:off x="0" y="2391633"/>
-            <a:ext cx="12191999" cy="1325563"/>
-          </a:xfrm>
-        </p:spPr>
+        <p:spPr/>
         <p:txBody>
           <a:bodyPr/>
           <a:lstStyle/>
           <a:p>
-            <a:pPr algn="ctr"/>
             <a:r>
               <a:rPr lang="ru-RU" dirty="0"/>
-              <a:t>Спасибо за внимание</a:t>
+              <a:t>Публикации</a:t>
+            </a:r>
+          </a:p>
+        </p:txBody>
+      </p:sp>
+      <p:sp>
+        <p:nvSpPr>
+          <p:cNvPr id="3" name="Объект 2">
+            <a:extLst>
+              <a:ext uri="{FF2B5EF4-FFF2-40B4-BE49-F238E27FC236}">
+                <a16:creationId xmlns:a16="http://schemas.microsoft.com/office/drawing/2014/main" id="{2E5B5590-A5C1-4578-ACDF-FDA83BA4D7CA}"/>
+              </a:ext>
+            </a:extLst>
+          </p:cNvPr>
+          <p:cNvSpPr>
+            <a:spLocks noGrp="1"/>
+          </p:cNvSpPr>
+          <p:nvPr>
+            <p:ph idx="1"/>
+          </p:nvPr>
+        </p:nvSpPr>
+        <p:spPr/>
+        <p:txBody>
+          <a:bodyPr>
+            <a:normAutofit lnSpcReduction="10000"/>
+          </a:bodyPr>
+          <a:lstStyle/>
+          <a:p>
+            <a:pPr lvl="0"/>
+            <a:r>
+              <a:rPr lang="ru-RU" dirty="0"/>
+              <a:t>Громов, Н.С. Автоматизация внутренних процессов в </a:t>
+            </a:r>
+            <a:r>
+              <a:rPr lang="ru-RU" dirty="0" err="1"/>
+              <a:t>логи-стических</a:t>
+            </a:r>
+            <a:r>
+              <a:rPr lang="ru-RU" dirty="0"/>
+              <a:t> компаниях / Н.С. Громов, Н.Б. Осипенко / Новые математические методы и компьютерные технологии в проектировании, производстве и научных исследованиях: материалы X</a:t>
+            </a:r>
+            <a:r>
+              <a:rPr lang="en-US" dirty="0"/>
+              <a:t>XVI</a:t>
+            </a:r>
+            <a:r>
+              <a:rPr lang="ru-RU" dirty="0"/>
+              <a:t> Республиканской научной конференции студентов и аспирантов, Гомель, 21– 23 марта 2023 г. – В печати.</a:t>
+            </a:r>
+          </a:p>
+          <a:p>
+            <a:pPr lvl="0"/>
+            <a:r>
+              <a:rPr lang="ru-RU" dirty="0"/>
+              <a:t>Громов, Н.С. Разработка приложения для </a:t>
+            </a:r>
+            <a:r>
+              <a:rPr lang="ru-RU" dirty="0" err="1"/>
+              <a:t>логистической</a:t>
+            </a:r>
+            <a:r>
+              <a:rPr lang="ru-RU" dirty="0"/>
+              <a:t> компании на языке JAVA / Н.С. Громов //"Творчество Молодых - 2023": сб. </a:t>
+            </a:r>
+            <a:r>
+              <a:rPr lang="ru-RU" dirty="0" err="1"/>
+              <a:t>науч</a:t>
+            </a:r>
+            <a:r>
+              <a:rPr lang="ru-RU" dirty="0"/>
+              <a:t>. работ студентов и аспирантов УО "ГГУ им. Ф. Скорины"/</a:t>
+            </a:r>
+            <a:r>
+              <a:rPr lang="ru-RU" dirty="0" err="1"/>
+              <a:t>М-во</a:t>
+            </a:r>
+            <a:r>
+              <a:rPr lang="ru-RU" dirty="0"/>
+              <a:t> образования РБ, Гомельский </a:t>
+            </a:r>
+            <a:r>
+              <a:rPr lang="ru-RU" dirty="0" err="1"/>
+              <a:t>гос</a:t>
+            </a:r>
+            <a:r>
+              <a:rPr lang="ru-RU" dirty="0"/>
+              <a:t>. ун-т ГГУ им. Ф. Скорины. - Гомель: ГГУ им. Ф. Скорины, 2023. Ч.1. – В печати.</a:t>
             </a:r>
           </a:p>
         </p:txBody>
@@ -5361,7 +6033,7 @@
     </p:spTree>
     <p:extLst>
       <p:ext uri="{BB962C8B-B14F-4D97-AF65-F5344CB8AC3E}">
-        <p14:creationId xmlns:p14="http://schemas.microsoft.com/office/powerpoint/2010/main" val="2001914665"/>
+        <p14:creationId xmlns:p14="http://schemas.microsoft.com/office/powerpoint/2010/main" val="81469737"/>
       </p:ext>
     </p:extLst>
   </p:cSld>
@@ -5442,7 +6114,9 @@
         </p:nvSpPr>
         <p:spPr/>
         <p:txBody>
-          <a:bodyPr/>
+          <a:bodyPr>
+            <a:normAutofit/>
+          </a:bodyPr>
           <a:lstStyle/>
           <a:p>
             <a:r>
@@ -5473,6 +6147,12 @@
               <a:rPr lang="ru-RU" dirty="0"/>
               <a:t>техобслуживание своей машины</a:t>
             </a:r>
+          </a:p>
+          <a:p>
+            <a:endParaRPr lang="ru-RU" dirty="0"/>
+          </a:p>
+          <a:p>
+            <a:endParaRPr lang="ru-RU" dirty="0"/>
           </a:p>
         </p:txBody>
       </p:sp>
@@ -5480,6 +6160,64 @@
     <p:extLst>
       <p:ext uri="{BB962C8B-B14F-4D97-AF65-F5344CB8AC3E}">
         <p14:creationId xmlns:p14="http://schemas.microsoft.com/office/powerpoint/2010/main" val="4254294301"/>
+      </p:ext>
+    </p:extLst>
+  </p:cSld>
+  <p:clrMapOvr>
+    <a:masterClrMapping/>
+  </p:clrMapOvr>
+</p:sld>
+</file>
+
+<file path=ppt/slides/slide20.xml><?xml version="1.0" encoding="utf-8"?>
+<p:sld xmlns:a="http://schemas.openxmlformats.org/drawingml/2006/main" xmlns:r="http://schemas.openxmlformats.org/officeDocument/2006/relationships" xmlns:p="http://schemas.openxmlformats.org/presentationml/2006/main">
+  <p:cSld>
+    <p:spTree>
+      <p:nvGrpSpPr>
+        <p:cNvPr id="1" name=""/>
+        <p:cNvGrpSpPr/>
+        <p:nvPr/>
+      </p:nvGrpSpPr>
+      <p:grpSpPr>
+        <a:xfrm>
+          <a:off x="0" y="0"/>
+          <a:ext cx="0" cy="0"/>
+          <a:chOff x="0" y="0"/>
+          <a:chExt cx="0" cy="0"/>
+        </a:xfrm>
+      </p:grpSpPr>
+      <p:sp>
+        <p:nvSpPr>
+          <p:cNvPr id="2" name="Заголовок 1"/>
+          <p:cNvSpPr>
+            <a:spLocks noGrp="1"/>
+          </p:cNvSpPr>
+          <p:nvPr>
+            <p:ph type="title"/>
+          </p:nvPr>
+        </p:nvSpPr>
+        <p:spPr>
+          <a:xfrm>
+            <a:off x="0" y="2391633"/>
+            <a:ext cx="12191999" cy="1325563"/>
+          </a:xfrm>
+        </p:spPr>
+        <p:txBody>
+          <a:bodyPr/>
+          <a:lstStyle/>
+          <a:p>
+            <a:pPr algn="ctr"/>
+            <a:r>
+              <a:rPr lang="ru-RU" dirty="0"/>
+              <a:t>Спасибо за внимание</a:t>
+            </a:r>
+          </a:p>
+        </p:txBody>
+      </p:sp>
+    </p:spTree>
+    <p:extLst>
+      <p:ext uri="{BB962C8B-B14F-4D97-AF65-F5344CB8AC3E}">
+        <p14:creationId xmlns:p14="http://schemas.microsoft.com/office/powerpoint/2010/main" val="2001914665"/>
       </p:ext>
     </p:extLst>
   </p:cSld>
@@ -5511,7 +6249,7 @@
           <p:cNvPr id="2" name="Заголовок 1">
             <a:extLst>
               <a:ext uri="{FF2B5EF4-FFF2-40B4-BE49-F238E27FC236}">
-                <a16:creationId xmlns:a16="http://schemas.microsoft.com/office/drawing/2014/main" id="{12008DDE-00FF-4D4C-9F75-4758237253D1}"/>
+                <a16:creationId xmlns:a16="http://schemas.microsoft.com/office/drawing/2014/main" id="{C77576AD-1A3F-46BB-8D90-BC58F5C806D1}"/>
               </a:ext>
             </a:extLst>
           </p:cNvPr>
@@ -5537,7 +6275,7 @@
             </a:r>
             <a:r>
               <a:rPr lang="ru-RU" dirty="0"/>
-              <a:t>вывод</a:t>
+              <a:t>решение</a:t>
             </a:r>
           </a:p>
         </p:txBody>
@@ -5547,7 +6285,7 @@
           <p:cNvPr id="3" name="Объект 2">
             <a:extLst>
               <a:ext uri="{FF2B5EF4-FFF2-40B4-BE49-F238E27FC236}">
-                <a16:creationId xmlns:a16="http://schemas.microsoft.com/office/drawing/2014/main" id="{5C290E0A-DEE5-4278-A3DB-5DBD91C23888}"/>
+                <a16:creationId xmlns:a16="http://schemas.microsoft.com/office/drawing/2014/main" id="{92020992-6F0E-446A-A4D4-0B03E7455072}"/>
               </a:ext>
             </a:extLst>
           </p:cNvPr>
@@ -5565,12 +6303,10 @@
           <a:p>
             <a:r>
               <a:rPr lang="ru-RU" dirty="0"/>
-              <a:t>Твой клиент – это компания, которая дает тебе работу. И единственное что тебе нужно делать – это водить машину, все остальное за тебя сделает компания. Если что-то не нравится, ты всегда можешь уйти в компанию с более выгодными условиями. </a:t>
-            </a:r>
-            <a:r>
-              <a:rPr lang="ru-RU"/>
-              <a:t>В этой ситуации все в лучших традициях разделения труда: делаешь то, что умеешь и ничего больше.</a:t>
-            </a:r>
+              <a:t>Твой клиент – это компания, которая дает тебе работу. И единственное что тебе нужно делать – это водить машину, все остальное за тебя сделает компания. Если что-то не нравится, ты всегда можешь уйти в компанию с более выгодными условиями. В этой ситуации все в лучших традициях разделения труда: делаешь то, что умеешь и ничего больше.</a:t>
+            </a:r>
+          </a:p>
+          <a:p>
             <a:endParaRPr lang="ru-RU" dirty="0"/>
           </a:p>
         </p:txBody>
@@ -5578,7 +6314,7 @@
     </p:spTree>
     <p:extLst>
       <p:ext uri="{BB962C8B-B14F-4D97-AF65-F5344CB8AC3E}">
-        <p14:creationId xmlns:p14="http://schemas.microsoft.com/office/powerpoint/2010/main" val="4077854386"/>
+        <p14:creationId xmlns:p14="http://schemas.microsoft.com/office/powerpoint/2010/main" val="4068941308"/>
       </p:ext>
     </p:extLst>
   </p:cSld>
@@ -5909,7 +6645,7 @@
         </p:nvSpPr>
         <p:spPr>
           <a:xfrm>
-            <a:off x="5224848" y="1825625"/>
+            <a:off x="6633546" y="1825625"/>
             <a:ext cx="3247768" cy="4351338"/>
           </a:xfrm>
           <a:prstGeom prst="rect">
@@ -6344,7 +7080,7 @@
         </p:blipFill>
         <p:spPr bwMode="auto">
           <a:xfrm>
-            <a:off x="3490912" y="3819525"/>
+            <a:off x="3528041" y="3819525"/>
             <a:ext cx="5210175" cy="3038475"/>
           </a:xfrm>
           <a:prstGeom prst="rect">
@@ -6484,7 +7220,13 @@
       </p:grpSpPr>
       <p:sp>
         <p:nvSpPr>
-          <p:cNvPr id="2" name="Заголовок 1"/>
+          <p:cNvPr id="2" name="Заголовок 1">
+            <a:extLst>
+              <a:ext uri="{FF2B5EF4-FFF2-40B4-BE49-F238E27FC236}">
+                <a16:creationId xmlns:a16="http://schemas.microsoft.com/office/drawing/2014/main" id="{12008DDE-00FF-4D4C-9F75-4758237253D1}"/>
+              </a:ext>
+            </a:extLst>
+          </p:cNvPr>
           <p:cNvSpPr>
             <a:spLocks noGrp="1"/>
           </p:cNvSpPr>
@@ -6492,68 +7234,367 @@
             <p:ph type="title"/>
           </p:nvPr>
         </p:nvSpPr>
+        <p:spPr/>
+        <p:txBody>
+          <a:bodyPr/>
+          <a:lstStyle/>
+          <a:p>
+            <a:r>
+              <a:rPr lang="ru-RU" dirty="0"/>
+              <a:t>Функционал приложения</a:t>
+            </a:r>
+          </a:p>
+        </p:txBody>
+      </p:sp>
+      <p:sp>
+        <p:nvSpPr>
+          <p:cNvPr id="3" name="Объект 2">
+            <a:extLst>
+              <a:ext uri="{FF2B5EF4-FFF2-40B4-BE49-F238E27FC236}">
+                <a16:creationId xmlns:a16="http://schemas.microsoft.com/office/drawing/2014/main" id="{5C290E0A-DEE5-4278-A3DB-5DBD91C23888}"/>
+              </a:ext>
+            </a:extLst>
+          </p:cNvPr>
+          <p:cNvSpPr>
+            <a:spLocks noGrp="1"/>
+          </p:cNvSpPr>
+          <p:nvPr>
+            <p:ph idx="1"/>
+          </p:nvPr>
+        </p:nvSpPr>
         <p:spPr>
           <a:xfrm>
-            <a:off x="838200" y="365125"/>
-            <a:ext cx="10515600" cy="2460453"/>
+            <a:off x="838200" y="1825625"/>
+            <a:ext cx="5146963" cy="4351338"/>
           </a:xfrm>
         </p:spPr>
         <p:txBody>
           <a:bodyPr>
-            <a:normAutofit/>
+            <a:noAutofit/>
           </a:bodyPr>
           <a:lstStyle/>
           <a:p>
-            <a:r>
-              <a:rPr lang="ru-RU" dirty="0"/>
-              <a:t>Схема БД</a:t>
-            </a:r>
-          </a:p>
-        </p:txBody>
-      </p:sp>
-      <p:pic>
-        <p:nvPicPr>
-          <p:cNvPr id="4" name="Рисунок 3">
+            <a:pPr>
+              <a:buNone/>
+            </a:pPr>
+            <a:r>
+              <a:rPr lang="ru-RU" sz="2000" b="1" dirty="0"/>
+              <a:t>Клиент: </a:t>
+            </a:r>
+          </a:p>
+          <a:p>
+            <a:pPr lvl="0"/>
+            <a:r>
+              <a:rPr lang="ru-RU" sz="2000" dirty="0"/>
+              <a:t>оформление заявки на услугу</a:t>
+            </a:r>
+          </a:p>
+          <a:p>
+            <a:pPr lvl="0"/>
+            <a:r>
+              <a:rPr lang="ru-RU" sz="2000" dirty="0"/>
+              <a:t>просмотр истории и статусов заявок</a:t>
+            </a:r>
+          </a:p>
+          <a:p>
+            <a:pPr lvl="0"/>
+            <a:r>
+              <a:rPr lang="ru-RU" sz="2000" dirty="0"/>
+              <a:t>обратная связь </a:t>
+            </a:r>
+          </a:p>
+          <a:p>
+            <a:pPr marL="0" lvl="0" indent="0">
+              <a:buNone/>
+            </a:pPr>
+            <a:r>
+              <a:rPr lang="ru-RU" sz="2000" b="1" dirty="0"/>
+              <a:t>Менеджер</a:t>
+            </a:r>
+            <a:r>
+              <a:rPr lang="en-US" sz="2000" b="1" dirty="0"/>
+              <a:t>:</a:t>
+            </a:r>
+            <a:endParaRPr lang="ru-RU" sz="2000" b="1" dirty="0"/>
+          </a:p>
+          <a:p>
+            <a:r>
+              <a:rPr lang="ru-RU" sz="2000" dirty="0"/>
+              <a:t>обработка заявок</a:t>
+            </a:r>
+          </a:p>
+          <a:p>
+            <a:r>
+              <a:rPr lang="ru-RU" sz="2000" dirty="0"/>
+              <a:t>управление водителями</a:t>
+            </a:r>
+          </a:p>
+          <a:p>
+            <a:r>
+              <a:rPr lang="ru-RU" sz="2000" dirty="0"/>
+              <a:t>управление заказами</a:t>
+            </a:r>
+          </a:p>
+          <a:p>
+            <a:r>
+              <a:rPr lang="ru-RU" sz="2000" dirty="0"/>
+              <a:t>отчетность</a:t>
+            </a:r>
+          </a:p>
+          <a:p>
+            <a:r>
+              <a:rPr lang="ru-RU" sz="2000" dirty="0"/>
+              <a:t>составление договора</a:t>
+            </a:r>
+          </a:p>
+          <a:p>
+            <a:r>
+              <a:rPr lang="ru-RU" sz="2000" dirty="0"/>
+              <a:t>оценка работы водителей и менеджеров</a:t>
+            </a:r>
+          </a:p>
+        </p:txBody>
+      </p:sp>
+      <p:sp>
+        <p:nvSpPr>
+          <p:cNvPr id="5" name="Объект 2">
             <a:extLst>
               <a:ext uri="{FF2B5EF4-FFF2-40B4-BE49-F238E27FC236}">
-                <a16:creationId xmlns:a16="http://schemas.microsoft.com/office/drawing/2014/main" id="{528EA8AD-0C48-4EA6-8AB5-FC90376E72B2}"/>
+                <a16:creationId xmlns:a16="http://schemas.microsoft.com/office/drawing/2014/main" id="{994DB24C-4B6C-41FF-AE85-E61B43031D25}"/>
               </a:ext>
             </a:extLst>
           </p:cNvPr>
-          <p:cNvPicPr/>
+          <p:cNvSpPr txBox="1">
+            <a:spLocks/>
+          </p:cNvSpPr>
           <p:nvPr/>
-        </p:nvPicPr>
-        <p:blipFill>
-          <a:blip r:embed="rId2">
-            <a:extLst>
-              <a:ext uri="{28A0092B-C50C-407E-A947-70E740481C1C}">
-                <a14:useLocalDpi xmlns:a14="http://schemas.microsoft.com/office/drawing/2010/main" val="0"/>
-              </a:ext>
-            </a:extLst>
-          </a:blip>
-          <a:srcRect/>
-          <a:stretch>
-            <a:fillRect/>
-          </a:stretch>
-        </p:blipFill>
-        <p:spPr bwMode="auto">
-          <a:xfrm>
-            <a:off x="3557586" y="702365"/>
-            <a:ext cx="7971805" cy="5790510"/>
+        </p:nvSpPr>
+        <p:spPr>
+          <a:xfrm>
+            <a:off x="6096000" y="1825625"/>
+            <a:ext cx="5902035" cy="4351338"/>
           </a:xfrm>
           <a:prstGeom prst="rect">
             <a:avLst/>
           </a:prstGeom>
-          <a:noFill/>
-          <a:ln>
-            <a:noFill/>
-          </a:ln>
-        </p:spPr>
-      </p:pic>
+        </p:spPr>
+        <p:txBody>
+          <a:bodyPr vert="horz" lIns="91440" tIns="45720" rIns="91440" bIns="45720" rtlCol="0">
+            <a:normAutofit/>
+          </a:bodyPr>
+          <a:lstStyle>
+            <a:lvl1pPr marL="228600" indent="-228600" algn="l" defTabSz="914400" rtl="0" eaLnBrk="1" latinLnBrk="0" hangingPunct="1">
+              <a:lnSpc>
+                <a:spcPct val="90000"/>
+              </a:lnSpc>
+              <a:spcBef>
+                <a:spcPts val="1000"/>
+              </a:spcBef>
+              <a:buFont typeface="Arial" panose="020B0604020202020204" pitchFamily="34" charset="0"/>
+              <a:buChar char="•"/>
+              <a:defRPr sz="2800" kern="1200">
+                <a:solidFill>
+                  <a:schemeClr val="tx1"/>
+                </a:solidFill>
+                <a:latin typeface="+mn-lt"/>
+                <a:ea typeface="+mn-ea"/>
+                <a:cs typeface="+mn-cs"/>
+              </a:defRPr>
+            </a:lvl1pPr>
+            <a:lvl2pPr marL="685800" indent="-228600" algn="l" defTabSz="914400" rtl="0" eaLnBrk="1" latinLnBrk="0" hangingPunct="1">
+              <a:lnSpc>
+                <a:spcPct val="90000"/>
+              </a:lnSpc>
+              <a:spcBef>
+                <a:spcPts val="500"/>
+              </a:spcBef>
+              <a:buFont typeface="Arial" panose="020B0604020202020204" pitchFamily="34" charset="0"/>
+              <a:buChar char="•"/>
+              <a:defRPr sz="2400" kern="1200">
+                <a:solidFill>
+                  <a:schemeClr val="tx1"/>
+                </a:solidFill>
+                <a:latin typeface="+mn-lt"/>
+                <a:ea typeface="+mn-ea"/>
+                <a:cs typeface="+mn-cs"/>
+              </a:defRPr>
+            </a:lvl2pPr>
+            <a:lvl3pPr marL="1143000" indent="-228600" algn="l" defTabSz="914400" rtl="0" eaLnBrk="1" latinLnBrk="0" hangingPunct="1">
+              <a:lnSpc>
+                <a:spcPct val="90000"/>
+              </a:lnSpc>
+              <a:spcBef>
+                <a:spcPts val="500"/>
+              </a:spcBef>
+              <a:buFont typeface="Arial" panose="020B0604020202020204" pitchFamily="34" charset="0"/>
+              <a:buChar char="•"/>
+              <a:defRPr sz="2000" kern="1200">
+                <a:solidFill>
+                  <a:schemeClr val="tx1"/>
+                </a:solidFill>
+                <a:latin typeface="+mn-lt"/>
+                <a:ea typeface="+mn-ea"/>
+                <a:cs typeface="+mn-cs"/>
+              </a:defRPr>
+            </a:lvl3pPr>
+            <a:lvl4pPr marL="1600200" indent="-228600" algn="l" defTabSz="914400" rtl="0" eaLnBrk="1" latinLnBrk="0" hangingPunct="1">
+              <a:lnSpc>
+                <a:spcPct val="90000"/>
+              </a:lnSpc>
+              <a:spcBef>
+                <a:spcPts val="500"/>
+              </a:spcBef>
+              <a:buFont typeface="Arial" panose="020B0604020202020204" pitchFamily="34" charset="0"/>
+              <a:buChar char="•"/>
+              <a:defRPr sz="1800" kern="1200">
+                <a:solidFill>
+                  <a:schemeClr val="tx1"/>
+                </a:solidFill>
+                <a:latin typeface="+mn-lt"/>
+                <a:ea typeface="+mn-ea"/>
+                <a:cs typeface="+mn-cs"/>
+              </a:defRPr>
+            </a:lvl4pPr>
+            <a:lvl5pPr marL="2057400" indent="-228600" algn="l" defTabSz="914400" rtl="0" eaLnBrk="1" latinLnBrk="0" hangingPunct="1">
+              <a:lnSpc>
+                <a:spcPct val="90000"/>
+              </a:lnSpc>
+              <a:spcBef>
+                <a:spcPts val="500"/>
+              </a:spcBef>
+              <a:buFont typeface="Arial" panose="020B0604020202020204" pitchFamily="34" charset="0"/>
+              <a:buChar char="•"/>
+              <a:defRPr sz="1800" kern="1200">
+                <a:solidFill>
+                  <a:schemeClr val="tx1"/>
+                </a:solidFill>
+                <a:latin typeface="+mn-lt"/>
+                <a:ea typeface="+mn-ea"/>
+                <a:cs typeface="+mn-cs"/>
+              </a:defRPr>
+            </a:lvl5pPr>
+            <a:lvl6pPr marL="2514600" indent="-228600" algn="l" defTabSz="914400" rtl="0" eaLnBrk="1" latinLnBrk="0" hangingPunct="1">
+              <a:lnSpc>
+                <a:spcPct val="90000"/>
+              </a:lnSpc>
+              <a:spcBef>
+                <a:spcPts val="500"/>
+              </a:spcBef>
+              <a:buFont typeface="Arial" panose="020B0604020202020204" pitchFamily="34" charset="0"/>
+              <a:buChar char="•"/>
+              <a:defRPr sz="1800" kern="1200">
+                <a:solidFill>
+                  <a:schemeClr val="tx1"/>
+                </a:solidFill>
+                <a:latin typeface="+mn-lt"/>
+                <a:ea typeface="+mn-ea"/>
+                <a:cs typeface="+mn-cs"/>
+              </a:defRPr>
+            </a:lvl6pPr>
+            <a:lvl7pPr marL="2971800" indent="-228600" algn="l" defTabSz="914400" rtl="0" eaLnBrk="1" latinLnBrk="0" hangingPunct="1">
+              <a:lnSpc>
+                <a:spcPct val="90000"/>
+              </a:lnSpc>
+              <a:spcBef>
+                <a:spcPts val="500"/>
+              </a:spcBef>
+              <a:buFont typeface="Arial" panose="020B0604020202020204" pitchFamily="34" charset="0"/>
+              <a:buChar char="•"/>
+              <a:defRPr sz="1800" kern="1200">
+                <a:solidFill>
+                  <a:schemeClr val="tx1"/>
+                </a:solidFill>
+                <a:latin typeface="+mn-lt"/>
+                <a:ea typeface="+mn-ea"/>
+                <a:cs typeface="+mn-cs"/>
+              </a:defRPr>
+            </a:lvl7pPr>
+            <a:lvl8pPr marL="3429000" indent="-228600" algn="l" defTabSz="914400" rtl="0" eaLnBrk="1" latinLnBrk="0" hangingPunct="1">
+              <a:lnSpc>
+                <a:spcPct val="90000"/>
+              </a:lnSpc>
+              <a:spcBef>
+                <a:spcPts val="500"/>
+              </a:spcBef>
+              <a:buFont typeface="Arial" panose="020B0604020202020204" pitchFamily="34" charset="0"/>
+              <a:buChar char="•"/>
+              <a:defRPr sz="1800" kern="1200">
+                <a:solidFill>
+                  <a:schemeClr val="tx1"/>
+                </a:solidFill>
+                <a:latin typeface="+mn-lt"/>
+                <a:ea typeface="+mn-ea"/>
+                <a:cs typeface="+mn-cs"/>
+              </a:defRPr>
+            </a:lvl8pPr>
+            <a:lvl9pPr marL="3886200" indent="-228600" algn="l" defTabSz="914400" rtl="0" eaLnBrk="1" latinLnBrk="0" hangingPunct="1">
+              <a:lnSpc>
+                <a:spcPct val="90000"/>
+              </a:lnSpc>
+              <a:spcBef>
+                <a:spcPts val="500"/>
+              </a:spcBef>
+              <a:buFont typeface="Arial" panose="020B0604020202020204" pitchFamily="34" charset="0"/>
+              <a:buChar char="•"/>
+              <a:defRPr sz="1800" kern="1200">
+                <a:solidFill>
+                  <a:schemeClr val="tx1"/>
+                </a:solidFill>
+                <a:latin typeface="+mn-lt"/>
+                <a:ea typeface="+mn-ea"/>
+                <a:cs typeface="+mn-cs"/>
+              </a:defRPr>
+            </a:lvl9pPr>
+          </a:lstStyle>
+          <a:p>
+            <a:pPr>
+              <a:buFont typeface="Arial" panose="020B0604020202020204" pitchFamily="34" charset="0"/>
+              <a:buNone/>
+            </a:pPr>
+            <a:r>
+              <a:rPr lang="ru-RU" sz="2000" b="1" dirty="0"/>
+              <a:t>Администратор: </a:t>
+            </a:r>
+          </a:p>
+          <a:p>
+            <a:r>
+              <a:rPr lang="ru-RU" sz="2000" dirty="0"/>
+              <a:t>обработка заявок</a:t>
+            </a:r>
+          </a:p>
+          <a:p>
+            <a:r>
+              <a:rPr lang="ru-RU" sz="2000" dirty="0"/>
+              <a:t>управление менеджерами</a:t>
+            </a:r>
+          </a:p>
+          <a:p>
+            <a:r>
+              <a:rPr lang="ru-RU" sz="2000" dirty="0"/>
+              <a:t>добавление персонала</a:t>
+            </a:r>
+          </a:p>
+          <a:p>
+            <a:r>
+              <a:rPr lang="ru-RU" sz="2000" dirty="0"/>
+              <a:t>отчетность</a:t>
+            </a:r>
+          </a:p>
+          <a:p>
+            <a:r>
+              <a:rPr lang="ru-RU" sz="2000" dirty="0"/>
+              <a:t>обработка исключительных ситуаций</a:t>
+            </a:r>
+          </a:p>
+          <a:p>
+            <a:endParaRPr lang="ru-RU" dirty="0"/>
+          </a:p>
+        </p:txBody>
+      </p:sp>
     </p:spTree>
     <p:extLst>
       <p:ext uri="{BB962C8B-B14F-4D97-AF65-F5344CB8AC3E}">
-        <p14:creationId xmlns:p14="http://schemas.microsoft.com/office/powerpoint/2010/main" val="2541741414"/>
+        <p14:creationId xmlns:p14="http://schemas.microsoft.com/office/powerpoint/2010/main" val="4077854386"/>
       </p:ext>
     </p:extLst>
   </p:cSld>
@@ -6582,13 +7623,7 @@
       </p:grpSpPr>
       <p:sp>
         <p:nvSpPr>
-          <p:cNvPr id="2" name="Заголовок 1">
-            <a:extLst>
-              <a:ext uri="{FF2B5EF4-FFF2-40B4-BE49-F238E27FC236}">
-                <a16:creationId xmlns:a16="http://schemas.microsoft.com/office/drawing/2014/main" id="{08B108EA-04A0-4603-9247-66BCF54ECA07}"/>
-              </a:ext>
-            </a:extLst>
-          </p:cNvPr>
+          <p:cNvPr id="2" name="Заголовок 1"/>
           <p:cNvSpPr>
             <a:spLocks noGrp="1"/>
           </p:cNvSpPr>
@@ -6596,33 +7631,36 @@
             <p:ph type="title"/>
           </p:nvPr>
         </p:nvSpPr>
-        <p:spPr/>
-        <p:txBody>
-          <a:bodyPr/>
+        <p:spPr>
+          <a:xfrm>
+            <a:off x="838200" y="365125"/>
+            <a:ext cx="10515600" cy="2460453"/>
+          </a:xfrm>
+        </p:spPr>
+        <p:txBody>
+          <a:bodyPr>
+            <a:normAutofit/>
+          </a:bodyPr>
           <a:lstStyle/>
           <a:p>
             <a:r>
               <a:rPr lang="ru-RU" dirty="0"/>
-              <a:t>Структура проекта</a:t>
+              <a:t>Схема БД</a:t>
             </a:r>
           </a:p>
         </p:txBody>
       </p:sp>
       <p:pic>
         <p:nvPicPr>
-          <p:cNvPr id="4" name="Объект 3">
+          <p:cNvPr id="4" name="Рисунок 3">
             <a:extLst>
               <a:ext uri="{FF2B5EF4-FFF2-40B4-BE49-F238E27FC236}">
-                <a16:creationId xmlns:a16="http://schemas.microsoft.com/office/drawing/2014/main" id="{8267393E-B254-4396-A4ED-08F94267B2C2}"/>
+                <a16:creationId xmlns:a16="http://schemas.microsoft.com/office/drawing/2014/main" id="{528EA8AD-0C48-4EA6-8AB5-FC90376E72B2}"/>
               </a:ext>
             </a:extLst>
           </p:cNvPr>
-          <p:cNvPicPr>
-            <a:picLocks noGrp="1"/>
-          </p:cNvPicPr>
-          <p:nvPr>
-            <p:ph idx="1"/>
-          </p:nvPr>
+          <p:cNvPicPr/>
+          <p:nvPr/>
         </p:nvPicPr>
         <p:blipFill>
           <a:blip r:embed="rId2">
@@ -6639,8 +7677,8 @@
         </p:blipFill>
         <p:spPr bwMode="auto">
           <a:xfrm>
-            <a:off x="118993" y="1690688"/>
-            <a:ext cx="2186885" cy="4351338"/>
+            <a:off x="3557586" y="702365"/>
+            <a:ext cx="7971805" cy="5790510"/>
           </a:xfrm>
           <a:prstGeom prst="rect">
             <a:avLst/>
@@ -6651,166 +7689,10 @@
           </a:ln>
         </p:spPr>
       </p:pic>
-      <p:pic>
-        <p:nvPicPr>
-          <p:cNvPr id="5" name="Рисунок 4">
-            <a:extLst>
-              <a:ext uri="{FF2B5EF4-FFF2-40B4-BE49-F238E27FC236}">
-                <a16:creationId xmlns:a16="http://schemas.microsoft.com/office/drawing/2014/main" id="{B412DF5E-185A-4A2D-85B1-FDC6D5A058E0}"/>
-              </a:ext>
-            </a:extLst>
-          </p:cNvPr>
-          <p:cNvPicPr/>
-          <p:nvPr/>
-        </p:nvPicPr>
-        <p:blipFill>
-          <a:blip r:embed="rId3">
-            <a:extLst>
-              <a:ext uri="{28A0092B-C50C-407E-A947-70E740481C1C}">
-                <a14:useLocalDpi xmlns:a14="http://schemas.microsoft.com/office/drawing/2010/main" val="0"/>
-              </a:ext>
-            </a:extLst>
-          </a:blip>
-          <a:srcRect/>
-          <a:stretch>
-            <a:fillRect/>
-          </a:stretch>
-        </p:blipFill>
-        <p:spPr bwMode="auto">
-          <a:xfrm>
-            <a:off x="2408306" y="1690688"/>
-            <a:ext cx="2365789" cy="4351338"/>
-          </a:xfrm>
-          <a:prstGeom prst="rect">
-            <a:avLst/>
-          </a:prstGeom>
-          <a:noFill/>
-          <a:ln>
-            <a:noFill/>
-          </a:ln>
-        </p:spPr>
-      </p:pic>
-      <p:pic>
-        <p:nvPicPr>
-          <p:cNvPr id="6" name="Рисунок 5">
-            <a:extLst>
-              <a:ext uri="{FF2B5EF4-FFF2-40B4-BE49-F238E27FC236}">
-                <a16:creationId xmlns:a16="http://schemas.microsoft.com/office/drawing/2014/main" id="{FD2FB9FD-CBBF-41C9-8DD8-D4DD9022F07B}"/>
-              </a:ext>
-            </a:extLst>
-          </p:cNvPr>
-          <p:cNvPicPr/>
-          <p:nvPr/>
-        </p:nvPicPr>
-        <p:blipFill>
-          <a:blip r:embed="rId4">
-            <a:extLst>
-              <a:ext uri="{28A0092B-C50C-407E-A947-70E740481C1C}">
-                <a14:useLocalDpi xmlns:a14="http://schemas.microsoft.com/office/drawing/2010/main" val="0"/>
-              </a:ext>
-            </a:extLst>
-          </a:blip>
-          <a:srcRect/>
-          <a:stretch>
-            <a:fillRect/>
-          </a:stretch>
-        </p:blipFill>
-        <p:spPr bwMode="auto">
-          <a:xfrm>
-            <a:off x="4876524" y="1690688"/>
-            <a:ext cx="2309744" cy="4351338"/>
-          </a:xfrm>
-          <a:prstGeom prst="rect">
-            <a:avLst/>
-          </a:prstGeom>
-          <a:noFill/>
-          <a:ln>
-            <a:noFill/>
-          </a:ln>
-        </p:spPr>
-      </p:pic>
-      <p:pic>
-        <p:nvPicPr>
-          <p:cNvPr id="7" name="Рисунок 6">
-            <a:extLst>
-              <a:ext uri="{FF2B5EF4-FFF2-40B4-BE49-F238E27FC236}">
-                <a16:creationId xmlns:a16="http://schemas.microsoft.com/office/drawing/2014/main" id="{69358DA8-47D0-453E-B6B9-18050B4BBF82}"/>
-              </a:ext>
-            </a:extLst>
-          </p:cNvPr>
-          <p:cNvPicPr/>
-          <p:nvPr/>
-        </p:nvPicPr>
-        <p:blipFill>
-          <a:blip r:embed="rId5">
-            <a:extLst>
-              <a:ext uri="{28A0092B-C50C-407E-A947-70E740481C1C}">
-                <a14:useLocalDpi xmlns:a14="http://schemas.microsoft.com/office/drawing/2010/main" val="0"/>
-              </a:ext>
-            </a:extLst>
-          </a:blip>
-          <a:srcRect/>
-          <a:stretch>
-            <a:fillRect/>
-          </a:stretch>
-        </p:blipFill>
-        <p:spPr bwMode="auto">
-          <a:xfrm>
-            <a:off x="7288696" y="1690688"/>
-            <a:ext cx="2309743" cy="4351338"/>
-          </a:xfrm>
-          <a:prstGeom prst="rect">
-            <a:avLst/>
-          </a:prstGeom>
-          <a:noFill/>
-          <a:ln>
-            <a:noFill/>
-          </a:ln>
-        </p:spPr>
-      </p:pic>
-      <p:pic>
-        <p:nvPicPr>
-          <p:cNvPr id="8" name="Рисунок 7">
-            <a:extLst>
-              <a:ext uri="{FF2B5EF4-FFF2-40B4-BE49-F238E27FC236}">
-                <a16:creationId xmlns:a16="http://schemas.microsoft.com/office/drawing/2014/main" id="{6E6E05C0-574C-41E7-8A3E-785CA3F94F74}"/>
-              </a:ext>
-            </a:extLst>
-          </p:cNvPr>
-          <p:cNvPicPr/>
-          <p:nvPr/>
-        </p:nvPicPr>
-        <p:blipFill>
-          <a:blip r:embed="rId6">
-            <a:extLst>
-              <a:ext uri="{28A0092B-C50C-407E-A947-70E740481C1C}">
-                <a14:useLocalDpi xmlns:a14="http://schemas.microsoft.com/office/drawing/2010/main" val="0"/>
-              </a:ext>
-            </a:extLst>
-          </a:blip>
-          <a:srcRect/>
-          <a:stretch>
-            <a:fillRect/>
-          </a:stretch>
-        </p:blipFill>
-        <p:spPr bwMode="auto">
-          <a:xfrm>
-            <a:off x="9700867" y="3935896"/>
-            <a:ext cx="2411620" cy="2106130"/>
-          </a:xfrm>
-          <a:prstGeom prst="rect">
-            <a:avLst/>
-          </a:prstGeom>
-          <a:noFill/>
-          <a:ln>
-            <a:noFill/>
-          </a:ln>
-        </p:spPr>
-      </p:pic>
     </p:spTree>
     <p:extLst>
       <p:ext uri="{BB962C8B-B14F-4D97-AF65-F5344CB8AC3E}">
-        <p14:creationId xmlns:p14="http://schemas.microsoft.com/office/powerpoint/2010/main" val="3359726494"/>
+        <p14:creationId xmlns:p14="http://schemas.microsoft.com/office/powerpoint/2010/main" val="2541741414"/>
       </p:ext>
     </p:extLst>
   </p:cSld>
@@ -7079,4 +7961,287 @@
     </a:ext>
   </a:extLst>
 </a:theme>
+</file>
+
+<file path=ppt/theme/theme2.xml><?xml version="1.0" encoding="utf-8"?>
+<a:theme xmlns:a="http://schemas.openxmlformats.org/drawingml/2006/main" name="Тема Office">
+  <a:themeElements>
+    <a:clrScheme name="Стандартная">
+      <a:dk1>
+        <a:sysClr val="windowText" lastClr="000000"/>
+      </a:dk1>
+      <a:lt1>
+        <a:sysClr val="window" lastClr="FFFFFF"/>
+      </a:lt1>
+      <a:dk2>
+        <a:srgbClr val="1F497D"/>
+      </a:dk2>
+      <a:lt2>
+        <a:srgbClr val="EEECE1"/>
+      </a:lt2>
+      <a:accent1>
+        <a:srgbClr val="4F81BD"/>
+      </a:accent1>
+      <a:accent2>
+        <a:srgbClr val="C0504D"/>
+      </a:accent2>
+      <a:accent3>
+        <a:srgbClr val="9BBB59"/>
+      </a:accent3>
+      <a:accent4>
+        <a:srgbClr val="8064A2"/>
+      </a:accent4>
+      <a:accent5>
+        <a:srgbClr val="4BACC6"/>
+      </a:accent5>
+      <a:accent6>
+        <a:srgbClr val="F79646"/>
+      </a:accent6>
+      <a:hlink>
+        <a:srgbClr val="0000FF"/>
+      </a:hlink>
+      <a:folHlink>
+        <a:srgbClr val="800080"/>
+      </a:folHlink>
+    </a:clrScheme>
+    <a:fontScheme name="Стандартная">
+      <a:majorFont>
+        <a:latin typeface="Calibri"/>
+        <a:ea typeface=""/>
+        <a:cs typeface=""/>
+        <a:font script="Jpan" typeface="ＭＳ Ｐゴシック"/>
+        <a:font script="Hang" typeface="맑은 고딕"/>
+        <a:font script="Hans" typeface="宋体"/>
+        <a:font script="Hant" typeface="新細明體"/>
+        <a:font script="Arab" typeface="Times New Roman"/>
+        <a:font script="Hebr" typeface="Times New Roman"/>
+        <a:font script="Thai" typeface="Angsana New"/>
+        <a:font script="Ethi" typeface="Nyala"/>
+        <a:font script="Beng" typeface="Vrinda"/>
+        <a:font script="Gujr" typeface="Shruti"/>
+        <a:font script="Khmr" typeface="MoolBoran"/>
+        <a:font script="Knda" typeface="Tunga"/>
+        <a:font script="Guru" typeface="Raavi"/>
+        <a:font script="Cans" typeface="Euphemia"/>
+        <a:font script="Cher" typeface="Plantagenet Cherokee"/>
+        <a:font script="Yiii" typeface="Microsoft Yi Baiti"/>
+        <a:font script="Tibt" typeface="Microsoft Himalaya"/>
+        <a:font script="Thaa" typeface="MV Boli"/>
+        <a:font script="Deva" typeface="Mangal"/>
+        <a:font script="Telu" typeface="Gautami"/>
+        <a:font script="Taml" typeface="Latha"/>
+        <a:font script="Syrc" typeface="Estrangelo Edessa"/>
+        <a:font script="Orya" typeface="Kalinga"/>
+        <a:font script="Mlym" typeface="Kartika"/>
+        <a:font script="Laoo" typeface="DokChampa"/>
+        <a:font script="Sinh" typeface="Iskoola Pota"/>
+        <a:font script="Mong" typeface="Mongolian Baiti"/>
+        <a:font script="Viet" typeface="Times New Roman"/>
+        <a:font script="Uigh" typeface="Microsoft Uighur"/>
+      </a:majorFont>
+      <a:minorFont>
+        <a:latin typeface="Calibri"/>
+        <a:ea typeface=""/>
+        <a:cs typeface=""/>
+        <a:font script="Jpan" typeface="ＭＳ Ｐゴシック"/>
+        <a:font script="Hang" typeface="맑은 고딕"/>
+        <a:font script="Hans" typeface="宋体"/>
+        <a:font script="Hant" typeface="新細明體"/>
+        <a:font script="Arab" typeface="Arial"/>
+        <a:font script="Hebr" typeface="Arial"/>
+        <a:font script="Thai" typeface="Cordia New"/>
+        <a:font script="Ethi" typeface="Nyala"/>
+        <a:font script="Beng" typeface="Vrinda"/>
+        <a:font script="Gujr" typeface="Shruti"/>
+        <a:font script="Khmr" typeface="DaunPenh"/>
+        <a:font script="Knda" typeface="Tunga"/>
+        <a:font script="Guru" typeface="Raavi"/>
+        <a:font script="Cans" typeface="Euphemia"/>
+        <a:font script="Cher" typeface="Plantagenet Cherokee"/>
+        <a:font script="Yiii" typeface="Microsoft Yi Baiti"/>
+        <a:font script="Tibt" typeface="Microsoft Himalaya"/>
+        <a:font script="Thaa" typeface="MV Boli"/>
+        <a:font script="Deva" typeface="Mangal"/>
+        <a:font script="Telu" typeface="Gautami"/>
+        <a:font script="Taml" typeface="Latha"/>
+        <a:font script="Syrc" typeface="Estrangelo Edessa"/>
+        <a:font script="Orya" typeface="Kalinga"/>
+        <a:font script="Mlym" typeface="Kartika"/>
+        <a:font script="Laoo" typeface="DokChampa"/>
+        <a:font script="Sinh" typeface="Iskoola Pota"/>
+        <a:font script="Mong" typeface="Mongolian Baiti"/>
+        <a:font script="Viet" typeface="Arial"/>
+        <a:font script="Uigh" typeface="Microsoft Uighur"/>
+      </a:minorFont>
+    </a:fontScheme>
+    <a:fmtScheme name="Стандартная">
+      <a:fillStyleLst>
+        <a:solidFill>
+          <a:schemeClr val="phClr"/>
+        </a:solidFill>
+        <a:gradFill rotWithShape="1">
+          <a:gsLst>
+            <a:gs pos="0">
+              <a:schemeClr val="phClr">
+                <a:tint val="50000"/>
+                <a:satMod val="300000"/>
+              </a:schemeClr>
+            </a:gs>
+            <a:gs pos="35000">
+              <a:schemeClr val="phClr">
+                <a:tint val="37000"/>
+                <a:satMod val="300000"/>
+              </a:schemeClr>
+            </a:gs>
+            <a:gs pos="100000">
+              <a:schemeClr val="phClr">
+                <a:tint val="15000"/>
+                <a:satMod val="350000"/>
+              </a:schemeClr>
+            </a:gs>
+          </a:gsLst>
+          <a:lin ang="16200000" scaled="1"/>
+        </a:gradFill>
+        <a:gradFill rotWithShape="1">
+          <a:gsLst>
+            <a:gs pos="0">
+              <a:schemeClr val="phClr">
+                <a:shade val="51000"/>
+                <a:satMod val="130000"/>
+              </a:schemeClr>
+            </a:gs>
+            <a:gs pos="80000">
+              <a:schemeClr val="phClr">
+                <a:shade val="93000"/>
+                <a:satMod val="130000"/>
+              </a:schemeClr>
+            </a:gs>
+            <a:gs pos="100000">
+              <a:schemeClr val="phClr">
+                <a:shade val="94000"/>
+                <a:satMod val="135000"/>
+              </a:schemeClr>
+            </a:gs>
+          </a:gsLst>
+          <a:lin ang="16200000" scaled="0"/>
+        </a:gradFill>
+      </a:fillStyleLst>
+      <a:lnStyleLst>
+        <a:ln w="9525" cap="flat" cmpd="sng" algn="ctr">
+          <a:solidFill>
+            <a:schemeClr val="phClr">
+              <a:shade val="95000"/>
+              <a:satMod val="105000"/>
+            </a:schemeClr>
+          </a:solidFill>
+          <a:prstDash val="solid"/>
+        </a:ln>
+        <a:ln w="25400" cap="flat" cmpd="sng" algn="ctr">
+          <a:solidFill>
+            <a:schemeClr val="phClr"/>
+          </a:solidFill>
+          <a:prstDash val="solid"/>
+        </a:ln>
+        <a:ln w="38100" cap="flat" cmpd="sng" algn="ctr">
+          <a:solidFill>
+            <a:schemeClr val="phClr"/>
+          </a:solidFill>
+          <a:prstDash val="solid"/>
+        </a:ln>
+      </a:lnStyleLst>
+      <a:effectStyleLst>
+        <a:effectStyle>
+          <a:effectLst>
+            <a:outerShdw blurRad="40000" dist="20000" dir="5400000" rotWithShape="0">
+              <a:srgbClr val="000000">
+                <a:alpha val="38000"/>
+              </a:srgbClr>
+            </a:outerShdw>
+          </a:effectLst>
+        </a:effectStyle>
+        <a:effectStyle>
+          <a:effectLst>
+            <a:outerShdw blurRad="40000" dist="23000" dir="5400000" rotWithShape="0">
+              <a:srgbClr val="000000">
+                <a:alpha val="35000"/>
+              </a:srgbClr>
+            </a:outerShdw>
+          </a:effectLst>
+        </a:effectStyle>
+        <a:effectStyle>
+          <a:effectLst>
+            <a:outerShdw blurRad="40000" dist="23000" dir="5400000" rotWithShape="0">
+              <a:srgbClr val="000000">
+                <a:alpha val="35000"/>
+              </a:srgbClr>
+            </a:outerShdw>
+          </a:effectLst>
+          <a:scene3d>
+            <a:camera prst="orthographicFront">
+              <a:rot lat="0" lon="0" rev="0"/>
+            </a:camera>
+            <a:lightRig rig="threePt" dir="t">
+              <a:rot lat="0" lon="0" rev="1200000"/>
+            </a:lightRig>
+          </a:scene3d>
+          <a:sp3d>
+            <a:bevelT w="63500" h="25400"/>
+          </a:sp3d>
+        </a:effectStyle>
+      </a:effectStyleLst>
+      <a:bgFillStyleLst>
+        <a:solidFill>
+          <a:schemeClr val="phClr"/>
+        </a:solidFill>
+        <a:gradFill rotWithShape="1">
+          <a:gsLst>
+            <a:gs pos="0">
+              <a:schemeClr val="phClr">
+                <a:tint val="40000"/>
+                <a:satMod val="350000"/>
+              </a:schemeClr>
+            </a:gs>
+            <a:gs pos="40000">
+              <a:schemeClr val="phClr">
+                <a:tint val="45000"/>
+                <a:shade val="99000"/>
+                <a:satMod val="350000"/>
+              </a:schemeClr>
+            </a:gs>
+            <a:gs pos="100000">
+              <a:schemeClr val="phClr">
+                <a:shade val="20000"/>
+                <a:satMod val="255000"/>
+              </a:schemeClr>
+            </a:gs>
+          </a:gsLst>
+          <a:path path="circle">
+            <a:fillToRect l="50000" t="-80000" r="50000" b="180000"/>
+          </a:path>
+        </a:gradFill>
+        <a:gradFill rotWithShape="1">
+          <a:gsLst>
+            <a:gs pos="0">
+              <a:schemeClr val="phClr">
+                <a:tint val="80000"/>
+                <a:satMod val="300000"/>
+              </a:schemeClr>
+            </a:gs>
+            <a:gs pos="100000">
+              <a:schemeClr val="phClr">
+                <a:shade val="30000"/>
+                <a:satMod val="200000"/>
+              </a:schemeClr>
+            </a:gs>
+          </a:gsLst>
+          <a:path path="circle">
+            <a:fillToRect l="50000" t="50000" r="50000" b="50000"/>
+          </a:path>
+        </a:gradFill>
+      </a:bgFillStyleLst>
+    </a:fmtScheme>
+  </a:themeElements>
+  <a:objectDefaults/>
+  <a:extraClrSchemeLst/>
+</a:theme>
 </file>
--- a/diplom v2.0/doc/Презентация.pptx
+++ b/diplom v2.0/doc/Презентация.pptx
@@ -5,29 +5,28 @@
     <p:sldMasterId id="2147483813" r:id="rId1"/>
   </p:sldMasterIdLst>
   <p:notesMasterIdLst>
-    <p:notesMasterId r:id="rId22"/>
+    <p:notesMasterId r:id="rId21"/>
   </p:notesMasterIdLst>
   <p:sldIdLst>
     <p:sldId id="256" r:id="rId2"/>
-    <p:sldId id="279" r:id="rId3"/>
-    <p:sldId id="282" r:id="rId4"/>
-    <p:sldId id="257" r:id="rId5"/>
-    <p:sldId id="258" r:id="rId6"/>
-    <p:sldId id="278" r:id="rId7"/>
-    <p:sldId id="259" r:id="rId8"/>
-    <p:sldId id="281" r:id="rId9"/>
-    <p:sldId id="260" r:id="rId10"/>
-    <p:sldId id="273" r:id="rId11"/>
-    <p:sldId id="276" r:id="rId12"/>
-    <p:sldId id="269" r:id="rId13"/>
-    <p:sldId id="270" r:id="rId14"/>
-    <p:sldId id="271" r:id="rId15"/>
-    <p:sldId id="274" r:id="rId16"/>
-    <p:sldId id="272" r:id="rId17"/>
-    <p:sldId id="275" r:id="rId18"/>
-    <p:sldId id="264" r:id="rId19"/>
-    <p:sldId id="277" r:id="rId20"/>
-    <p:sldId id="265" r:id="rId21"/>
+    <p:sldId id="282" r:id="rId3"/>
+    <p:sldId id="257" r:id="rId4"/>
+    <p:sldId id="258" r:id="rId5"/>
+    <p:sldId id="278" r:id="rId6"/>
+    <p:sldId id="259" r:id="rId7"/>
+    <p:sldId id="281" r:id="rId8"/>
+    <p:sldId id="260" r:id="rId9"/>
+    <p:sldId id="273" r:id="rId10"/>
+    <p:sldId id="276" r:id="rId11"/>
+    <p:sldId id="269" r:id="rId12"/>
+    <p:sldId id="270" r:id="rId13"/>
+    <p:sldId id="271" r:id="rId14"/>
+    <p:sldId id="274" r:id="rId15"/>
+    <p:sldId id="272" r:id="rId16"/>
+    <p:sldId id="275" r:id="rId17"/>
+    <p:sldId id="264" r:id="rId18"/>
+    <p:sldId id="277" r:id="rId19"/>
+    <p:sldId id="265" r:id="rId20"/>
   </p:sldIdLst>
   <p:sldSz cx="12192000" cy="6858000"/>
   <p:notesSz cx="6858000" cy="9144000"/>
@@ -227,6 +226,7 @@
           <a:p>
             <a:fld id="{50184193-7F96-40D3-9B33-2DE57E3F35F0}" type="datetimeFigureOut">
               <a:rPr lang="ru-RU" smtClean="0"/>
+              <a:pPr/>
               <a:t>10.06.2023</a:t>
             </a:fld>
             <a:endParaRPr lang="ru-RU"/>
@@ -387,6 +387,7 @@
           <a:p>
             <a:fld id="{AA23AC87-4CF6-486A-8349-158AD48D36F9}" type="slidenum">
               <a:rPr lang="ru-RU" smtClean="0"/>
+              <a:pPr/>
               <a:t>‹#›</a:t>
             </a:fld>
             <a:endParaRPr lang="ru-RU"/>
@@ -3770,263 +3771,6 @@
           <p:cNvPr id="2" name="Заголовок 1">
             <a:extLst>
               <a:ext uri="{FF2B5EF4-FFF2-40B4-BE49-F238E27FC236}">
-                <a16:creationId xmlns:a16="http://schemas.microsoft.com/office/drawing/2014/main" id="{08B108EA-04A0-4603-9247-66BCF54ECA07}"/>
-              </a:ext>
-            </a:extLst>
-          </p:cNvPr>
-          <p:cNvSpPr>
-            <a:spLocks noGrp="1"/>
-          </p:cNvSpPr>
-          <p:nvPr>
-            <p:ph type="title"/>
-          </p:nvPr>
-        </p:nvSpPr>
-        <p:spPr/>
-        <p:txBody>
-          <a:bodyPr/>
-          <a:lstStyle/>
-          <a:p>
-            <a:r>
-              <a:rPr lang="ru-RU" dirty="0"/>
-              <a:t>Структура проекта</a:t>
-            </a:r>
-          </a:p>
-        </p:txBody>
-      </p:sp>
-      <p:pic>
-        <p:nvPicPr>
-          <p:cNvPr id="4" name="Объект 3">
-            <a:extLst>
-              <a:ext uri="{FF2B5EF4-FFF2-40B4-BE49-F238E27FC236}">
-                <a16:creationId xmlns:a16="http://schemas.microsoft.com/office/drawing/2014/main" id="{8267393E-B254-4396-A4ED-08F94267B2C2}"/>
-              </a:ext>
-            </a:extLst>
-          </p:cNvPr>
-          <p:cNvPicPr>
-            <a:picLocks noGrp="1"/>
-          </p:cNvPicPr>
-          <p:nvPr>
-            <p:ph idx="1"/>
-          </p:nvPr>
-        </p:nvPicPr>
-        <p:blipFill>
-          <a:blip r:embed="rId2">
-            <a:extLst>
-              <a:ext uri="{28A0092B-C50C-407E-A947-70E740481C1C}">
-                <a14:useLocalDpi xmlns:a14="http://schemas.microsoft.com/office/drawing/2010/main" val="0"/>
-              </a:ext>
-            </a:extLst>
-          </a:blip>
-          <a:srcRect/>
-          <a:stretch>
-            <a:fillRect/>
-          </a:stretch>
-        </p:blipFill>
-        <p:spPr bwMode="auto">
-          <a:xfrm>
-            <a:off x="118993" y="1690688"/>
-            <a:ext cx="2186885" cy="4351338"/>
-          </a:xfrm>
-          <a:prstGeom prst="rect">
-            <a:avLst/>
-          </a:prstGeom>
-          <a:noFill/>
-          <a:ln>
-            <a:noFill/>
-          </a:ln>
-        </p:spPr>
-      </p:pic>
-      <p:pic>
-        <p:nvPicPr>
-          <p:cNvPr id="5" name="Рисунок 4">
-            <a:extLst>
-              <a:ext uri="{FF2B5EF4-FFF2-40B4-BE49-F238E27FC236}">
-                <a16:creationId xmlns:a16="http://schemas.microsoft.com/office/drawing/2014/main" id="{B412DF5E-185A-4A2D-85B1-FDC6D5A058E0}"/>
-              </a:ext>
-            </a:extLst>
-          </p:cNvPr>
-          <p:cNvPicPr/>
-          <p:nvPr/>
-        </p:nvPicPr>
-        <p:blipFill>
-          <a:blip r:embed="rId3">
-            <a:extLst>
-              <a:ext uri="{28A0092B-C50C-407E-A947-70E740481C1C}">
-                <a14:useLocalDpi xmlns:a14="http://schemas.microsoft.com/office/drawing/2010/main" val="0"/>
-              </a:ext>
-            </a:extLst>
-          </a:blip>
-          <a:srcRect/>
-          <a:stretch>
-            <a:fillRect/>
-          </a:stretch>
-        </p:blipFill>
-        <p:spPr bwMode="auto">
-          <a:xfrm>
-            <a:off x="2408306" y="1690688"/>
-            <a:ext cx="2365789" cy="4351338"/>
-          </a:xfrm>
-          <a:prstGeom prst="rect">
-            <a:avLst/>
-          </a:prstGeom>
-          <a:noFill/>
-          <a:ln>
-            <a:noFill/>
-          </a:ln>
-        </p:spPr>
-      </p:pic>
-      <p:pic>
-        <p:nvPicPr>
-          <p:cNvPr id="6" name="Рисунок 5">
-            <a:extLst>
-              <a:ext uri="{FF2B5EF4-FFF2-40B4-BE49-F238E27FC236}">
-                <a16:creationId xmlns:a16="http://schemas.microsoft.com/office/drawing/2014/main" id="{FD2FB9FD-CBBF-41C9-8DD8-D4DD9022F07B}"/>
-              </a:ext>
-            </a:extLst>
-          </p:cNvPr>
-          <p:cNvPicPr/>
-          <p:nvPr/>
-        </p:nvPicPr>
-        <p:blipFill>
-          <a:blip r:embed="rId4">
-            <a:extLst>
-              <a:ext uri="{28A0092B-C50C-407E-A947-70E740481C1C}">
-                <a14:useLocalDpi xmlns:a14="http://schemas.microsoft.com/office/drawing/2010/main" val="0"/>
-              </a:ext>
-            </a:extLst>
-          </a:blip>
-          <a:srcRect/>
-          <a:stretch>
-            <a:fillRect/>
-          </a:stretch>
-        </p:blipFill>
-        <p:spPr bwMode="auto">
-          <a:xfrm>
-            <a:off x="4876524" y="1690688"/>
-            <a:ext cx="2309744" cy="4351338"/>
-          </a:xfrm>
-          <a:prstGeom prst="rect">
-            <a:avLst/>
-          </a:prstGeom>
-          <a:noFill/>
-          <a:ln>
-            <a:noFill/>
-          </a:ln>
-        </p:spPr>
-      </p:pic>
-      <p:pic>
-        <p:nvPicPr>
-          <p:cNvPr id="7" name="Рисунок 6">
-            <a:extLst>
-              <a:ext uri="{FF2B5EF4-FFF2-40B4-BE49-F238E27FC236}">
-                <a16:creationId xmlns:a16="http://schemas.microsoft.com/office/drawing/2014/main" id="{69358DA8-47D0-453E-B6B9-18050B4BBF82}"/>
-              </a:ext>
-            </a:extLst>
-          </p:cNvPr>
-          <p:cNvPicPr/>
-          <p:nvPr/>
-        </p:nvPicPr>
-        <p:blipFill>
-          <a:blip r:embed="rId5">
-            <a:extLst>
-              <a:ext uri="{28A0092B-C50C-407E-A947-70E740481C1C}">
-                <a14:useLocalDpi xmlns:a14="http://schemas.microsoft.com/office/drawing/2010/main" val="0"/>
-              </a:ext>
-            </a:extLst>
-          </a:blip>
-          <a:srcRect/>
-          <a:stretch>
-            <a:fillRect/>
-          </a:stretch>
-        </p:blipFill>
-        <p:spPr bwMode="auto">
-          <a:xfrm>
-            <a:off x="7288696" y="1690688"/>
-            <a:ext cx="2309743" cy="4351338"/>
-          </a:xfrm>
-          <a:prstGeom prst="rect">
-            <a:avLst/>
-          </a:prstGeom>
-          <a:noFill/>
-          <a:ln>
-            <a:noFill/>
-          </a:ln>
-        </p:spPr>
-      </p:pic>
-      <p:pic>
-        <p:nvPicPr>
-          <p:cNvPr id="8" name="Рисунок 7">
-            <a:extLst>
-              <a:ext uri="{FF2B5EF4-FFF2-40B4-BE49-F238E27FC236}">
-                <a16:creationId xmlns:a16="http://schemas.microsoft.com/office/drawing/2014/main" id="{6E6E05C0-574C-41E7-8A3E-785CA3F94F74}"/>
-              </a:ext>
-            </a:extLst>
-          </p:cNvPr>
-          <p:cNvPicPr/>
-          <p:nvPr/>
-        </p:nvPicPr>
-        <p:blipFill>
-          <a:blip r:embed="rId6">
-            <a:extLst>
-              <a:ext uri="{28A0092B-C50C-407E-A947-70E740481C1C}">
-                <a14:useLocalDpi xmlns:a14="http://schemas.microsoft.com/office/drawing/2010/main" val="0"/>
-              </a:ext>
-            </a:extLst>
-          </a:blip>
-          <a:srcRect/>
-          <a:stretch>
-            <a:fillRect/>
-          </a:stretch>
-        </p:blipFill>
-        <p:spPr bwMode="auto">
-          <a:xfrm>
-            <a:off x="9700867" y="3935896"/>
-            <a:ext cx="2411620" cy="2106130"/>
-          </a:xfrm>
-          <a:prstGeom prst="rect">
-            <a:avLst/>
-          </a:prstGeom>
-          <a:noFill/>
-          <a:ln>
-            <a:noFill/>
-          </a:ln>
-        </p:spPr>
-      </p:pic>
-    </p:spTree>
-    <p:extLst>
-      <p:ext uri="{BB962C8B-B14F-4D97-AF65-F5344CB8AC3E}">
-        <p14:creationId xmlns:p14="http://schemas.microsoft.com/office/powerpoint/2010/main" val="3359726494"/>
-      </p:ext>
-    </p:extLst>
-  </p:cSld>
-  <p:clrMapOvr>
-    <a:masterClrMapping/>
-  </p:clrMapOvr>
-</p:sld>
-</file>
-
-<file path=ppt/slides/slide11.xml><?xml version="1.0" encoding="utf-8"?>
-<p:sld xmlns:a="http://schemas.openxmlformats.org/drawingml/2006/main" xmlns:r="http://schemas.openxmlformats.org/officeDocument/2006/relationships" xmlns:p="http://schemas.openxmlformats.org/presentationml/2006/main">
-  <p:cSld>
-    <p:spTree>
-      <p:nvGrpSpPr>
-        <p:cNvPr id="1" name=""/>
-        <p:cNvGrpSpPr/>
-        <p:nvPr/>
-      </p:nvGrpSpPr>
-      <p:grpSpPr>
-        <a:xfrm>
-          <a:off x="0" y="0"/>
-          <a:ext cx="0" cy="0"/>
-          <a:chOff x="0" y="0"/>
-          <a:chExt cx="0" cy="0"/>
-        </a:xfrm>
-      </p:grpSpPr>
-      <p:sp>
-        <p:nvSpPr>
-          <p:cNvPr id="2" name="Заголовок 1">
-            <a:extLst>
-              <a:ext uri="{FF2B5EF4-FFF2-40B4-BE49-F238E27FC236}">
                 <a16:creationId xmlns:a16="http://schemas.microsoft.com/office/drawing/2014/main" id="{0840D5A9-41ED-4B59-9EA5-F1CD10406071}"/>
               </a:ext>
             </a:extLst>
@@ -4411,6 +4155,55 @@
           </a:fontRef>
         </p:style>
       </p:cxnSp>
+      <p:sp>
+        <p:nvSpPr>
+          <p:cNvPr id="13" name="Rectangle 5"/>
+          <p:cNvSpPr>
+            <a:spLocks noChangeArrowheads="1"/>
+          </p:cNvSpPr>
+          <p:nvPr/>
+        </p:nvSpPr>
+        <p:spPr bwMode="auto">
+          <a:xfrm>
+            <a:off x="-36513" y="6216650"/>
+            <a:ext cx="740848" cy="646331"/>
+          </a:xfrm>
+          <a:prstGeom prst="rect">
+            <a:avLst/>
+          </a:prstGeom>
+          <a:noFill/>
+          <a:ln w="9525">
+            <a:noFill/>
+            <a:miter lim="800000"/>
+            <a:headEnd/>
+            <a:tailEnd/>
+          </a:ln>
+        </p:spPr>
+        <p:txBody>
+          <a:bodyPr wrap="square">
+            <a:spAutoFit/>
+          </a:bodyPr>
+          <a:lstStyle/>
+          <a:p>
+            <a:fld id="{429F959E-B741-433B-A973-46DF433319B0}" type="slidenum">
+              <a:rPr lang="ru-RU" sz="3600" b="1">
+                <a:solidFill>
+                  <a:srgbClr val="AEAEAE"/>
+                </a:solidFill>
+                <a:latin typeface="Arial" charset="0"/>
+              </a:rPr>
+              <a:pPr/>
+              <a:t>10</a:t>
+            </a:fld>
+            <a:endParaRPr lang="ru-RU" sz="3600" b="1" dirty="0">
+              <a:solidFill>
+                <a:srgbClr val="AEAEAE"/>
+              </a:solidFill>
+              <a:latin typeface="Arial" charset="0"/>
+            </a:endParaRPr>
+          </a:p>
+        </p:txBody>
+      </p:sp>
     </p:spTree>
     <p:extLst>
       <p:ext uri="{BB962C8B-B14F-4D97-AF65-F5344CB8AC3E}">
@@ -4424,7 +4217,7 @@
 </p:sld>
 </file>
 
-<file path=ppt/slides/slide12.xml><?xml version="1.0" encoding="utf-8"?>
+<file path=ppt/slides/slide11.xml><?xml version="1.0" encoding="utf-8"?>
 <p:sld xmlns:a="http://schemas.openxmlformats.org/drawingml/2006/main" xmlns:r="http://schemas.openxmlformats.org/officeDocument/2006/relationships" xmlns:p="http://schemas.openxmlformats.org/presentationml/2006/main">
   <p:cSld>
     <p:spTree>
@@ -4537,6 +4330,55 @@
           </a:prstGeom>
         </p:spPr>
       </p:pic>
+      <p:sp>
+        <p:nvSpPr>
+          <p:cNvPr id="6" name="Rectangle 5"/>
+          <p:cNvSpPr>
+            <a:spLocks noChangeArrowheads="1"/>
+          </p:cNvSpPr>
+          <p:nvPr/>
+        </p:nvSpPr>
+        <p:spPr bwMode="auto">
+          <a:xfrm>
+            <a:off x="-36513" y="6216650"/>
+            <a:ext cx="740848" cy="646331"/>
+          </a:xfrm>
+          <a:prstGeom prst="rect">
+            <a:avLst/>
+          </a:prstGeom>
+          <a:noFill/>
+          <a:ln w="9525">
+            <a:noFill/>
+            <a:miter lim="800000"/>
+            <a:headEnd/>
+            <a:tailEnd/>
+          </a:ln>
+        </p:spPr>
+        <p:txBody>
+          <a:bodyPr wrap="square">
+            <a:spAutoFit/>
+          </a:bodyPr>
+          <a:lstStyle/>
+          <a:p>
+            <a:fld id="{429F959E-B741-433B-A973-46DF433319B0}" type="slidenum">
+              <a:rPr lang="ru-RU" sz="3600" b="1">
+                <a:solidFill>
+                  <a:srgbClr val="AEAEAE"/>
+                </a:solidFill>
+                <a:latin typeface="Arial" charset="0"/>
+              </a:rPr>
+              <a:pPr/>
+              <a:t>11</a:t>
+            </a:fld>
+            <a:endParaRPr lang="ru-RU" sz="3600" b="1" dirty="0">
+              <a:solidFill>
+                <a:srgbClr val="AEAEAE"/>
+              </a:solidFill>
+              <a:latin typeface="Arial" charset="0"/>
+            </a:endParaRPr>
+          </a:p>
+        </p:txBody>
+      </p:sp>
     </p:spTree>
     <p:extLst>
       <p:ext uri="{BB962C8B-B14F-4D97-AF65-F5344CB8AC3E}">
@@ -4550,7 +4392,7 @@
 </p:sld>
 </file>
 
-<file path=ppt/slides/slide13.xml><?xml version="1.0" encoding="utf-8"?>
+<file path=ppt/slides/slide12.xml><?xml version="1.0" encoding="utf-8"?>
 <p:sld xmlns:a="http://schemas.openxmlformats.org/drawingml/2006/main" xmlns:r="http://schemas.openxmlformats.org/officeDocument/2006/relationships" xmlns:p="http://schemas.openxmlformats.org/presentationml/2006/main">
   <p:cSld>
     <p:spTree>
@@ -4750,6 +4592,55 @@
           </a:ln>
         </p:spPr>
       </p:pic>
+      <p:sp>
+        <p:nvSpPr>
+          <p:cNvPr id="7" name="Rectangle 5"/>
+          <p:cNvSpPr>
+            <a:spLocks noChangeArrowheads="1"/>
+          </p:cNvSpPr>
+          <p:nvPr/>
+        </p:nvSpPr>
+        <p:spPr bwMode="auto">
+          <a:xfrm>
+            <a:off x="-36513" y="6216650"/>
+            <a:ext cx="740848" cy="646331"/>
+          </a:xfrm>
+          <a:prstGeom prst="rect">
+            <a:avLst/>
+          </a:prstGeom>
+          <a:noFill/>
+          <a:ln w="9525">
+            <a:noFill/>
+            <a:miter lim="800000"/>
+            <a:headEnd/>
+            <a:tailEnd/>
+          </a:ln>
+        </p:spPr>
+        <p:txBody>
+          <a:bodyPr wrap="square">
+            <a:spAutoFit/>
+          </a:bodyPr>
+          <a:lstStyle/>
+          <a:p>
+            <a:fld id="{429F959E-B741-433B-A973-46DF433319B0}" type="slidenum">
+              <a:rPr lang="ru-RU" sz="3600" b="1">
+                <a:solidFill>
+                  <a:srgbClr val="AEAEAE"/>
+                </a:solidFill>
+                <a:latin typeface="Arial" charset="0"/>
+              </a:rPr>
+              <a:pPr/>
+              <a:t>12</a:t>
+            </a:fld>
+            <a:endParaRPr lang="ru-RU" sz="3600" b="1" dirty="0">
+              <a:solidFill>
+                <a:srgbClr val="AEAEAE"/>
+              </a:solidFill>
+              <a:latin typeface="Arial" charset="0"/>
+            </a:endParaRPr>
+          </a:p>
+        </p:txBody>
+      </p:sp>
     </p:spTree>
     <p:extLst>
       <p:ext uri="{BB962C8B-B14F-4D97-AF65-F5344CB8AC3E}">
@@ -4763,7 +4654,7 @@
 </p:sld>
 </file>
 
-<file path=ppt/slides/slide14.xml><?xml version="1.0" encoding="utf-8"?>
+<file path=ppt/slides/slide13.xml><?xml version="1.0" encoding="utf-8"?>
 <p:sld xmlns:a="http://schemas.openxmlformats.org/drawingml/2006/main" xmlns:r="http://schemas.openxmlformats.org/officeDocument/2006/relationships" xmlns:p="http://schemas.openxmlformats.org/presentationml/2006/main">
   <p:cSld>
     <p:spTree>
@@ -4957,6 +4848,55 @@
           </a:ln>
         </p:spPr>
       </p:pic>
+      <p:sp>
+        <p:nvSpPr>
+          <p:cNvPr id="9" name="Rectangle 5"/>
+          <p:cNvSpPr>
+            <a:spLocks noChangeArrowheads="1"/>
+          </p:cNvSpPr>
+          <p:nvPr/>
+        </p:nvSpPr>
+        <p:spPr bwMode="auto">
+          <a:xfrm>
+            <a:off x="-36513" y="6216650"/>
+            <a:ext cx="740848" cy="646331"/>
+          </a:xfrm>
+          <a:prstGeom prst="rect">
+            <a:avLst/>
+          </a:prstGeom>
+          <a:noFill/>
+          <a:ln w="9525">
+            <a:noFill/>
+            <a:miter lim="800000"/>
+            <a:headEnd/>
+            <a:tailEnd/>
+          </a:ln>
+        </p:spPr>
+        <p:txBody>
+          <a:bodyPr wrap="square">
+            <a:spAutoFit/>
+          </a:bodyPr>
+          <a:lstStyle/>
+          <a:p>
+            <a:fld id="{429F959E-B741-433B-A973-46DF433319B0}" type="slidenum">
+              <a:rPr lang="ru-RU" sz="3600" b="1">
+                <a:solidFill>
+                  <a:srgbClr val="AEAEAE"/>
+                </a:solidFill>
+                <a:latin typeface="Arial" charset="0"/>
+              </a:rPr>
+              <a:pPr/>
+              <a:t>13</a:t>
+            </a:fld>
+            <a:endParaRPr lang="ru-RU" sz="3600" b="1" dirty="0">
+              <a:solidFill>
+                <a:srgbClr val="AEAEAE"/>
+              </a:solidFill>
+              <a:latin typeface="Arial" charset="0"/>
+            </a:endParaRPr>
+          </a:p>
+        </p:txBody>
+      </p:sp>
     </p:spTree>
     <p:extLst>
       <p:ext uri="{BB962C8B-B14F-4D97-AF65-F5344CB8AC3E}">
@@ -4970,7 +4910,7 @@
 </p:sld>
 </file>
 
-<file path=ppt/slides/slide15.xml><?xml version="1.0" encoding="utf-8"?>
+<file path=ppt/slides/slide14.xml><?xml version="1.0" encoding="utf-8"?>
 <p:sld xmlns:a="http://schemas.openxmlformats.org/drawingml/2006/main" xmlns:r="http://schemas.openxmlformats.org/officeDocument/2006/relationships" xmlns:p="http://schemas.openxmlformats.org/presentationml/2006/main">
   <p:cSld>
     <p:spTree>
@@ -5258,6 +5198,55 @@
           </a:ln>
         </p:spPr>
       </p:pic>
+      <p:sp>
+        <p:nvSpPr>
+          <p:cNvPr id="11" name="Rectangle 5"/>
+          <p:cNvSpPr>
+            <a:spLocks noChangeArrowheads="1"/>
+          </p:cNvSpPr>
+          <p:nvPr/>
+        </p:nvSpPr>
+        <p:spPr bwMode="auto">
+          <a:xfrm>
+            <a:off x="-36513" y="6216650"/>
+            <a:ext cx="740848" cy="646331"/>
+          </a:xfrm>
+          <a:prstGeom prst="rect">
+            <a:avLst/>
+          </a:prstGeom>
+          <a:noFill/>
+          <a:ln w="9525">
+            <a:noFill/>
+            <a:miter lim="800000"/>
+            <a:headEnd/>
+            <a:tailEnd/>
+          </a:ln>
+        </p:spPr>
+        <p:txBody>
+          <a:bodyPr wrap="square">
+            <a:spAutoFit/>
+          </a:bodyPr>
+          <a:lstStyle/>
+          <a:p>
+            <a:fld id="{429F959E-B741-433B-A973-46DF433319B0}" type="slidenum">
+              <a:rPr lang="ru-RU" sz="3600" b="1">
+                <a:solidFill>
+                  <a:srgbClr val="AEAEAE"/>
+                </a:solidFill>
+                <a:latin typeface="Arial" charset="0"/>
+              </a:rPr>
+              <a:pPr/>
+              <a:t>14</a:t>
+            </a:fld>
+            <a:endParaRPr lang="ru-RU" sz="3600" b="1" dirty="0">
+              <a:solidFill>
+                <a:srgbClr val="AEAEAE"/>
+              </a:solidFill>
+              <a:latin typeface="Arial" charset="0"/>
+            </a:endParaRPr>
+          </a:p>
+        </p:txBody>
+      </p:sp>
     </p:spTree>
     <p:extLst>
       <p:ext uri="{BB962C8B-B14F-4D97-AF65-F5344CB8AC3E}">
@@ -5271,7 +5260,7 @@
 </p:sld>
 </file>
 
-<file path=ppt/slides/slide16.xml><?xml version="1.0" encoding="utf-8"?>
+<file path=ppt/slides/slide15.xml><?xml version="1.0" encoding="utf-8"?>
 <p:sld xmlns:a="http://schemas.openxmlformats.org/drawingml/2006/main" xmlns:r="http://schemas.openxmlformats.org/officeDocument/2006/relationships" xmlns:p="http://schemas.openxmlformats.org/presentationml/2006/main">
   <p:cSld>
     <p:spTree>
@@ -5437,6 +5426,55 @@
           </a:ln>
         </p:spPr>
       </p:pic>
+      <p:sp>
+        <p:nvSpPr>
+          <p:cNvPr id="6" name="Rectangle 5"/>
+          <p:cNvSpPr>
+            <a:spLocks noChangeArrowheads="1"/>
+          </p:cNvSpPr>
+          <p:nvPr/>
+        </p:nvSpPr>
+        <p:spPr bwMode="auto">
+          <a:xfrm>
+            <a:off x="-36513" y="6216650"/>
+            <a:ext cx="740848" cy="646331"/>
+          </a:xfrm>
+          <a:prstGeom prst="rect">
+            <a:avLst/>
+          </a:prstGeom>
+          <a:noFill/>
+          <a:ln w="9525">
+            <a:noFill/>
+            <a:miter lim="800000"/>
+            <a:headEnd/>
+            <a:tailEnd/>
+          </a:ln>
+        </p:spPr>
+        <p:txBody>
+          <a:bodyPr wrap="square">
+            <a:spAutoFit/>
+          </a:bodyPr>
+          <a:lstStyle/>
+          <a:p>
+            <a:fld id="{429F959E-B741-433B-A973-46DF433319B0}" type="slidenum">
+              <a:rPr lang="ru-RU" sz="3600" b="1">
+                <a:solidFill>
+                  <a:srgbClr val="AEAEAE"/>
+                </a:solidFill>
+                <a:latin typeface="Arial" charset="0"/>
+              </a:rPr>
+              <a:pPr/>
+              <a:t>15</a:t>
+            </a:fld>
+            <a:endParaRPr lang="ru-RU" sz="3600" b="1" dirty="0">
+              <a:solidFill>
+                <a:srgbClr val="AEAEAE"/>
+              </a:solidFill>
+              <a:latin typeface="Arial" charset="0"/>
+            </a:endParaRPr>
+          </a:p>
+        </p:txBody>
+      </p:sp>
     </p:spTree>
     <p:extLst>
       <p:ext uri="{BB962C8B-B14F-4D97-AF65-F5344CB8AC3E}">
@@ -5450,7 +5488,7 @@
 </p:sld>
 </file>
 
-<file path=ppt/slides/slide17.xml><?xml version="1.0" encoding="utf-8"?>
+<file path=ppt/slides/slide16.xml><?xml version="1.0" encoding="utf-8"?>
 <p:sld xmlns:a="http://schemas.openxmlformats.org/drawingml/2006/main" xmlns:r="http://schemas.openxmlformats.org/officeDocument/2006/relationships" xmlns:p="http://schemas.openxmlformats.org/presentationml/2006/main">
   <p:cSld>
     <p:spTree>
@@ -5621,10 +5659,373 @@
           </a:ln>
         </p:spPr>
       </p:pic>
+      <p:sp>
+        <p:nvSpPr>
+          <p:cNvPr id="6" name="Rectangle 5"/>
+          <p:cNvSpPr>
+            <a:spLocks noChangeArrowheads="1"/>
+          </p:cNvSpPr>
+          <p:nvPr/>
+        </p:nvSpPr>
+        <p:spPr bwMode="auto">
+          <a:xfrm>
+            <a:off x="-36513" y="6216650"/>
+            <a:ext cx="740848" cy="646331"/>
+          </a:xfrm>
+          <a:prstGeom prst="rect">
+            <a:avLst/>
+          </a:prstGeom>
+          <a:noFill/>
+          <a:ln w="9525">
+            <a:noFill/>
+            <a:miter lim="800000"/>
+            <a:headEnd/>
+            <a:tailEnd/>
+          </a:ln>
+        </p:spPr>
+        <p:txBody>
+          <a:bodyPr wrap="square">
+            <a:spAutoFit/>
+          </a:bodyPr>
+          <a:lstStyle/>
+          <a:p>
+            <a:fld id="{429F959E-B741-433B-A973-46DF433319B0}" type="slidenum">
+              <a:rPr lang="ru-RU" sz="3600" b="1">
+                <a:solidFill>
+                  <a:srgbClr val="AEAEAE"/>
+                </a:solidFill>
+                <a:latin typeface="Arial" charset="0"/>
+              </a:rPr>
+              <a:pPr/>
+              <a:t>16</a:t>
+            </a:fld>
+            <a:endParaRPr lang="ru-RU" sz="3600" b="1" dirty="0">
+              <a:solidFill>
+                <a:srgbClr val="AEAEAE"/>
+              </a:solidFill>
+              <a:latin typeface="Arial" charset="0"/>
+            </a:endParaRPr>
+          </a:p>
+        </p:txBody>
+      </p:sp>
     </p:spTree>
     <p:extLst>
       <p:ext uri="{BB962C8B-B14F-4D97-AF65-F5344CB8AC3E}">
         <p14:creationId xmlns:p14="http://schemas.microsoft.com/office/powerpoint/2010/main" val="3020117924"/>
+      </p:ext>
+    </p:extLst>
+  </p:cSld>
+  <p:clrMapOvr>
+    <a:masterClrMapping/>
+  </p:clrMapOvr>
+</p:sld>
+</file>
+
+<file path=ppt/slides/slide17.xml><?xml version="1.0" encoding="utf-8"?>
+<p:sld xmlns:a="http://schemas.openxmlformats.org/drawingml/2006/main" xmlns:r="http://schemas.openxmlformats.org/officeDocument/2006/relationships" xmlns:p="http://schemas.openxmlformats.org/presentationml/2006/main">
+  <p:cSld>
+    <p:spTree>
+      <p:nvGrpSpPr>
+        <p:cNvPr id="1" name=""/>
+        <p:cNvGrpSpPr/>
+        <p:nvPr/>
+      </p:nvGrpSpPr>
+      <p:grpSpPr>
+        <a:xfrm>
+          <a:off x="0" y="0"/>
+          <a:ext cx="0" cy="0"/>
+          <a:chOff x="0" y="0"/>
+          <a:chExt cx="0" cy="0"/>
+        </a:xfrm>
+      </p:grpSpPr>
+      <p:sp>
+        <p:nvSpPr>
+          <p:cNvPr id="2" name="Заголовок 1"/>
+          <p:cNvSpPr>
+            <a:spLocks noGrp="1"/>
+          </p:cNvSpPr>
+          <p:nvPr>
+            <p:ph type="title"/>
+          </p:nvPr>
+        </p:nvSpPr>
+        <p:spPr/>
+        <p:txBody>
+          <a:bodyPr/>
+          <a:lstStyle/>
+          <a:p>
+            <a:r>
+              <a:rPr lang="ru-RU" dirty="0"/>
+              <a:t>Результаты дипломной работы</a:t>
+            </a:r>
+          </a:p>
+        </p:txBody>
+      </p:sp>
+      <p:sp>
+        <p:nvSpPr>
+          <p:cNvPr id="3" name="Объект 2"/>
+          <p:cNvSpPr>
+            <a:spLocks noGrp="1"/>
+          </p:cNvSpPr>
+          <p:nvPr>
+            <p:ph idx="1"/>
+          </p:nvPr>
+        </p:nvSpPr>
+        <p:spPr/>
+        <p:txBody>
+          <a:bodyPr>
+            <a:normAutofit fontScale="85000" lnSpcReduction="20000"/>
+          </a:bodyPr>
+          <a:lstStyle/>
+          <a:p>
+            <a:pPr>
+              <a:buFont typeface="Wingdings" panose="05000000000000000000" pitchFamily="2" charset="2"/>
+              <a:buChar char="§"/>
+            </a:pPr>
+            <a:r>
+              <a:rPr lang="ru-RU" dirty="0"/>
+              <a:t>Изучены:</a:t>
+            </a:r>
+          </a:p>
+          <a:p>
+            <a:pPr lvl="1"/>
+            <a:r>
+              <a:rPr lang="ru-RU" dirty="0"/>
+              <a:t>языки программирования </a:t>
+            </a:r>
+            <a:r>
+              <a:rPr lang="en-US" dirty="0"/>
+              <a:t>Java</a:t>
+            </a:r>
+            <a:r>
+              <a:rPr lang="ru-RU" dirty="0"/>
+              <a:t> </a:t>
+            </a:r>
+            <a:r>
+              <a:rPr lang="ru-RU" dirty="0" err="1"/>
+              <a:t>фреймворк</a:t>
+            </a:r>
+            <a:r>
+              <a:rPr lang="ru-RU" dirty="0"/>
+              <a:t> </a:t>
+            </a:r>
+            <a:r>
+              <a:rPr lang="en-US" dirty="0"/>
+              <a:t>Hibernate</a:t>
+            </a:r>
+            <a:endParaRPr lang="ru-RU" dirty="0"/>
+          </a:p>
+          <a:p>
+            <a:pPr lvl="1"/>
+            <a:r>
+              <a:rPr lang="ru-RU" dirty="0"/>
+              <a:t>библиотеки </a:t>
+            </a:r>
+            <a:r>
+              <a:rPr lang="en-US" dirty="0"/>
+              <a:t>SWING, </a:t>
+            </a:r>
+            <a:r>
+              <a:rPr lang="en-US" dirty="0" err="1"/>
+              <a:t>JExcelAPI</a:t>
+            </a:r>
+            <a:r>
+              <a:rPr lang="en-US" dirty="0"/>
+              <a:t>, Log4j, JDBC, </a:t>
+            </a:r>
+            <a:r>
+              <a:rPr lang="en-US" dirty="0" err="1"/>
+              <a:t>Aspose.Words</a:t>
+            </a:r>
+            <a:endParaRPr lang="ru-RU" dirty="0"/>
+          </a:p>
+          <a:p>
+            <a:pPr lvl="1"/>
+            <a:endParaRPr lang="en-US" dirty="0"/>
+          </a:p>
+          <a:p>
+            <a:pPr>
+              <a:buFont typeface="Wingdings" panose="05000000000000000000" pitchFamily="2" charset="2"/>
+              <a:buChar char="§"/>
+            </a:pPr>
+            <a:r>
+              <a:rPr lang="ru-RU" dirty="0"/>
+              <a:t>Спроектировано и разработано приложение</a:t>
+            </a:r>
+          </a:p>
+          <a:p>
+            <a:pPr>
+              <a:buFont typeface="Wingdings" panose="05000000000000000000" pitchFamily="2" charset="2"/>
+              <a:buChar char="§"/>
+            </a:pPr>
+            <a:endParaRPr lang="ru-RU" dirty="0"/>
+          </a:p>
+          <a:p>
+            <a:pPr>
+              <a:buFont typeface="Wingdings" panose="05000000000000000000" pitchFamily="2" charset="2"/>
+              <a:buChar char="§"/>
+            </a:pPr>
+            <a:r>
+              <a:rPr lang="ru-RU" dirty="0"/>
+              <a:t>Разработаны основные модули: </a:t>
+            </a:r>
+          </a:p>
+          <a:p>
+            <a:pPr lvl="1"/>
+            <a:r>
+              <a:rPr lang="ru-RU" dirty="0"/>
+              <a:t>регистрация и авторизация пользователя; </a:t>
+            </a:r>
+          </a:p>
+          <a:p>
+            <a:pPr lvl="1"/>
+            <a:r>
+              <a:rPr lang="ru-RU" dirty="0"/>
+              <a:t>просмотр, создание запросов и заявок</a:t>
+            </a:r>
+            <a:r>
+              <a:rPr lang="en-US" dirty="0"/>
+              <a:t>; </a:t>
+            </a:r>
+            <a:endParaRPr lang="ru-RU" dirty="0"/>
+          </a:p>
+          <a:p>
+            <a:pPr lvl="1"/>
+            <a:r>
+              <a:rPr lang="ru-RU" dirty="0"/>
+              <a:t>просмотр</a:t>
+            </a:r>
+            <a:r>
+              <a:rPr lang="en-US" dirty="0"/>
+              <a:t> </a:t>
+            </a:r>
+            <a:r>
+              <a:rPr lang="ru-RU" dirty="0"/>
+              <a:t>динамической информации о компании в том числе по фильтрам</a:t>
+            </a:r>
+            <a:r>
+              <a:rPr lang="en-US" dirty="0"/>
+              <a:t>,</a:t>
+            </a:r>
+            <a:r>
+              <a:rPr lang="ru-RU" dirty="0"/>
+              <a:t> а также вывод ее с предварительной обработкой в качестве отчетов </a:t>
+            </a:r>
+            <a:r>
+              <a:rPr lang="en-US" dirty="0"/>
+              <a:t>Excel;</a:t>
+            </a:r>
+            <a:r>
+              <a:rPr lang="ru-RU" dirty="0"/>
+              <a:t> </a:t>
+            </a:r>
+          </a:p>
+          <a:p>
+            <a:pPr lvl="1"/>
+            <a:r>
+              <a:rPr lang="ru-RU" dirty="0"/>
+              <a:t>отправка отзывов и формирование рейтинга водителей и менеджеров на их основе</a:t>
+            </a:r>
+            <a:r>
+              <a:rPr lang="en-US" dirty="0"/>
+              <a:t>;</a:t>
+            </a:r>
+            <a:r>
+              <a:rPr lang="ru-RU" dirty="0"/>
+              <a:t> </a:t>
+            </a:r>
+          </a:p>
+          <a:p>
+            <a:pPr lvl="1"/>
+            <a:r>
+              <a:rPr lang="ru-RU" dirty="0"/>
+              <a:t>расчет загрузки транспорта</a:t>
+            </a:r>
+            <a:r>
+              <a:rPr lang="en-US" dirty="0"/>
+              <a:t>,</a:t>
+            </a:r>
+            <a:r>
+              <a:rPr lang="ru-RU"/>
+              <a:t> </a:t>
+            </a:r>
+          </a:p>
+          <a:p>
+            <a:pPr lvl="1"/>
+            <a:r>
+              <a:rPr lang="ru-RU"/>
+              <a:t>формирование </a:t>
+            </a:r>
+            <a:r>
+              <a:rPr lang="ru-RU" dirty="0"/>
+              <a:t>договоров в формате </a:t>
+            </a:r>
+            <a:r>
+              <a:rPr lang="en-US" dirty="0"/>
+              <a:t>Docx</a:t>
+            </a:r>
+            <a:endParaRPr lang="ru-RU" dirty="0"/>
+          </a:p>
+          <a:p>
+            <a:pPr marL="0" indent="0">
+              <a:buNone/>
+            </a:pPr>
+            <a:endParaRPr lang="ru-RU" dirty="0"/>
+          </a:p>
+        </p:txBody>
+      </p:sp>
+      <p:sp>
+        <p:nvSpPr>
+          <p:cNvPr id="4" name="Rectangle 5"/>
+          <p:cNvSpPr>
+            <a:spLocks noChangeArrowheads="1"/>
+          </p:cNvSpPr>
+          <p:nvPr/>
+        </p:nvSpPr>
+        <p:spPr bwMode="auto">
+          <a:xfrm>
+            <a:off x="-36513" y="6216650"/>
+            <a:ext cx="740848" cy="646331"/>
+          </a:xfrm>
+          <a:prstGeom prst="rect">
+            <a:avLst/>
+          </a:prstGeom>
+          <a:noFill/>
+          <a:ln w="9525">
+            <a:noFill/>
+            <a:miter lim="800000"/>
+            <a:headEnd/>
+            <a:tailEnd/>
+          </a:ln>
+        </p:spPr>
+        <p:txBody>
+          <a:bodyPr wrap="square">
+            <a:spAutoFit/>
+          </a:bodyPr>
+          <a:lstStyle/>
+          <a:p>
+            <a:fld id="{429F959E-B741-433B-A973-46DF433319B0}" type="slidenum">
+              <a:rPr lang="ru-RU" sz="3600" b="1">
+                <a:solidFill>
+                  <a:srgbClr val="AEAEAE"/>
+                </a:solidFill>
+                <a:latin typeface="Arial" charset="0"/>
+              </a:rPr>
+              <a:pPr/>
+              <a:t>17</a:t>
+            </a:fld>
+            <a:endParaRPr lang="ru-RU" sz="3600" b="1" dirty="0">
+              <a:solidFill>
+                <a:srgbClr val="AEAEAE"/>
+              </a:solidFill>
+              <a:latin typeface="Arial" charset="0"/>
+            </a:endParaRPr>
+          </a:p>
+        </p:txBody>
+      </p:sp>
+    </p:spTree>
+    <p:extLst>
+      <p:ext uri="{BB962C8B-B14F-4D97-AF65-F5344CB8AC3E}">
+        <p14:creationId xmlns:p14="http://schemas.microsoft.com/office/powerpoint/2010/main" val="3718304080"/>
       </p:ext>
     </p:extLst>
   </p:cSld>
@@ -5653,7 +6054,13 @@
       </p:grpSpPr>
       <p:sp>
         <p:nvSpPr>
-          <p:cNvPr id="2" name="Заголовок 1"/>
+          <p:cNvPr id="2" name="Заголовок 1">
+            <a:extLst>
+              <a:ext uri="{FF2B5EF4-FFF2-40B4-BE49-F238E27FC236}">
+                <a16:creationId xmlns:a16="http://schemas.microsoft.com/office/drawing/2014/main" id="{E22F2BF3-310C-42C0-A675-3DB6664E8274}"/>
+              </a:ext>
+            </a:extLst>
+          </p:cNvPr>
           <p:cNvSpPr>
             <a:spLocks noGrp="1"/>
           </p:cNvSpPr>
@@ -5668,14 +6075,20 @@
           <a:p>
             <a:r>
               <a:rPr lang="ru-RU" dirty="0"/>
-              <a:t>Результаты дипломной работы</a:t>
-            </a:r>
-          </a:p>
-        </p:txBody>
-      </p:sp>
-      <p:sp>
-        <p:nvSpPr>
-          <p:cNvPr id="3" name="Объект 2"/>
+              <a:t>Публикации</a:t>
+            </a:r>
+          </a:p>
+        </p:txBody>
+      </p:sp>
+      <p:sp>
+        <p:nvSpPr>
+          <p:cNvPr id="3" name="Объект 2">
+            <a:extLst>
+              <a:ext uri="{FF2B5EF4-FFF2-40B4-BE49-F238E27FC236}">
+                <a16:creationId xmlns:a16="http://schemas.microsoft.com/office/drawing/2014/main" id="{2E5B5590-A5C1-4578-ACDF-FDA83BA4D7CA}"/>
+              </a:ext>
+            </a:extLst>
+          </p:cNvPr>
           <p:cNvSpPr>
             <a:spLocks noGrp="1"/>
           </p:cNvSpPr>
@@ -5686,210 +6099,126 @@
         <p:spPr/>
         <p:txBody>
           <a:bodyPr>
-            <a:normAutofit fontScale="85000" lnSpcReduction="20000"/>
+            <a:normAutofit lnSpcReduction="10000"/>
           </a:bodyPr>
           <a:lstStyle/>
           <a:p>
-            <a:pPr>
-              <a:buFont typeface="Wingdings" panose="05000000000000000000" pitchFamily="2" charset="2"/>
-              <a:buChar char="§"/>
-            </a:pPr>
+            <a:pPr lvl="0"/>
             <a:r>
               <a:rPr lang="ru-RU" dirty="0"/>
-              <a:t>Изучены:</a:t>
-            </a:r>
-          </a:p>
-          <a:p>
-            <a:pPr lvl="1"/>
+              <a:t>Громов, Н.С. Автоматизация внутренних процессов в </a:t>
+            </a:r>
+            <a:r>
+              <a:rPr lang="ru-RU" dirty="0" err="1"/>
+              <a:t>логи-стических</a:t>
+            </a:r>
             <a:r>
               <a:rPr lang="ru-RU" dirty="0"/>
-              <a:t>языки программирования </a:t>
+              <a:t> компаниях / Н.С. Громов, Н.Б. Осипенко / Новые математические методы и компьютерные технологии в проектировании, производстве и научных исследованиях: материалы X</a:t>
             </a:r>
             <a:r>
               <a:rPr lang="en-US" dirty="0"/>
-              <a:t>Java</a:t>
+              <a:t>XVI</a:t>
             </a:r>
             <a:r>
               <a:rPr lang="ru-RU" dirty="0"/>
-              <a:t> </a:t>
+              <a:t> Республиканской научной конференции студентов и аспирантов, Гомель, 21– 23 марта 2023 г. – В печати.</a:t>
+            </a:r>
+          </a:p>
+          <a:p>
+            <a:pPr lvl="0"/>
+            <a:r>
+              <a:rPr lang="ru-RU" dirty="0"/>
+              <a:t>Громов, Н.С. Разработка приложения для </a:t>
             </a:r>
             <a:r>
               <a:rPr lang="ru-RU" dirty="0" err="1"/>
-              <a:t>фреймворк</a:t>
+              <a:t>логистической</a:t>
             </a:r>
             <a:r>
               <a:rPr lang="ru-RU" dirty="0"/>
-              <a:t> </a:t>
-            </a:r>
-            <a:r>
-              <a:rPr lang="en-US" dirty="0"/>
-              <a:t>Hibernate</a:t>
-            </a:r>
-            <a:endParaRPr lang="ru-RU" dirty="0"/>
-          </a:p>
-          <a:p>
-            <a:pPr lvl="1"/>
+              <a:t> компании на языке JAVA / Н.С. Громов //"Творчество Молодых - 2023": сб. </a:t>
+            </a:r>
+            <a:r>
+              <a:rPr lang="ru-RU" dirty="0" err="1"/>
+              <a:t>науч</a:t>
+            </a:r>
             <a:r>
               <a:rPr lang="ru-RU" dirty="0"/>
-              <a:t>библиотеки </a:t>
-            </a:r>
-            <a:r>
-              <a:rPr lang="en-US" dirty="0"/>
-              <a:t>SWING, </a:t>
-            </a:r>
-            <a:r>
-              <a:rPr lang="en-US" dirty="0" err="1"/>
-              <a:t>JExcelAPI</a:t>
-            </a:r>
-            <a:r>
-              <a:rPr lang="en-US" dirty="0"/>
-              <a:t>, Log4j, JDBC, </a:t>
-            </a:r>
-            <a:r>
-              <a:rPr lang="en-US" dirty="0" err="1"/>
-              <a:t>Aspose.Words</a:t>
-            </a:r>
-            <a:endParaRPr lang="ru-RU" dirty="0"/>
-          </a:p>
-          <a:p>
-            <a:pPr lvl="1"/>
-            <a:endParaRPr lang="en-US" dirty="0"/>
-          </a:p>
-          <a:p>
-            <a:pPr>
-              <a:buFont typeface="Wingdings" panose="05000000000000000000" pitchFamily="2" charset="2"/>
-              <a:buChar char="§"/>
-            </a:pPr>
+              <a:t>. работ студентов и аспирантов УО "ГГУ им. Ф. Скорины"/</a:t>
+            </a:r>
+            <a:r>
+              <a:rPr lang="ru-RU" dirty="0" err="1"/>
+              <a:t>М-во</a:t>
+            </a:r>
             <a:r>
               <a:rPr lang="ru-RU" dirty="0"/>
-              <a:t>Спроектировано и разработано приложение</a:t>
-            </a:r>
-          </a:p>
-          <a:p>
-            <a:pPr>
-              <a:buFont typeface="Wingdings" panose="05000000000000000000" pitchFamily="2" charset="2"/>
-              <a:buChar char="§"/>
-            </a:pPr>
-            <a:endParaRPr lang="ru-RU" dirty="0"/>
-          </a:p>
-          <a:p>
-            <a:pPr>
-              <a:buFont typeface="Wingdings" panose="05000000000000000000" pitchFamily="2" charset="2"/>
-              <a:buChar char="§"/>
-            </a:pPr>
+              <a:t> образования РБ, Гомельский </a:t>
+            </a:r>
+            <a:r>
+              <a:rPr lang="ru-RU" dirty="0" err="1"/>
+              <a:t>гос</a:t>
+            </a:r>
             <a:r>
               <a:rPr lang="ru-RU" dirty="0"/>
-              <a:t>Разработаны основные модули: </a:t>
-            </a:r>
-          </a:p>
-          <a:p>
-            <a:pPr lvl="1"/>
-            <a:r>
-              <a:rPr lang="ru-RU" dirty="0"/>
-              <a:t>регистрация и авторизация пользователя; </a:t>
-            </a:r>
-          </a:p>
-          <a:p>
-            <a:pPr lvl="1"/>
-            <a:r>
-              <a:rPr lang="ru-RU" dirty="0"/>
-              <a:t>просмотр, создание запросов и заявок</a:t>
-            </a:r>
-            <a:r>
-              <a:rPr lang="en-US" dirty="0"/>
-              <a:t>; </a:t>
-            </a:r>
-            <a:endParaRPr lang="ru-RU" dirty="0"/>
-          </a:p>
-          <a:p>
-            <a:pPr lvl="1"/>
-            <a:r>
-              <a:rPr lang="ru-RU" dirty="0"/>
-              <a:t>просмотр</a:t>
-            </a:r>
-            <a:r>
-              <a:rPr lang="en-US" dirty="0"/>
-              <a:t> </a:t>
-            </a:r>
-            <a:r>
-              <a:rPr lang="ru-RU" dirty="0"/>
-              <a:t>динамической информации о компании в том числе по фильтрам</a:t>
-            </a:r>
-            <a:r>
-              <a:rPr lang="en-US" dirty="0"/>
-              <a:t>,</a:t>
-            </a:r>
-            <a:r>
-              <a:rPr lang="ru-RU" dirty="0"/>
-              <a:t> а также вывод ее с предварительной обработкой в качестве отчетов </a:t>
-            </a:r>
-            <a:r>
-              <a:rPr lang="en-US" dirty="0"/>
-              <a:t>Excel;</a:t>
-            </a:r>
-            <a:r>
-              <a:rPr lang="ru-RU" dirty="0"/>
-              <a:t> </a:t>
-            </a:r>
-          </a:p>
-          <a:p>
-            <a:pPr lvl="1"/>
-            <a:r>
-              <a:rPr lang="ru-RU" dirty="0"/>
-              <a:t>отправка отзывов и формирование рейтинга водителей и менеджеров на их основе</a:t>
-            </a:r>
-            <a:r>
-              <a:rPr lang="en-US" dirty="0"/>
-              <a:t>;</a:t>
-            </a:r>
-            <a:r>
-              <a:rPr lang="ru-RU" dirty="0"/>
-              <a:t> </a:t>
-            </a:r>
-          </a:p>
-          <a:p>
-            <a:pPr lvl="1"/>
-            <a:r>
-              <a:rPr lang="ru-RU" dirty="0"/>
-              <a:t>расчет загрузки транспорта</a:t>
-            </a:r>
-            <a:r>
-              <a:rPr lang="en-US" dirty="0"/>
-              <a:t>,</a:t>
-            </a:r>
-            <a:r>
-              <a:rPr lang="ru-RU"/>
-              <a:t> </a:t>
-            </a:r>
-          </a:p>
-          <a:p>
-            <a:pPr lvl="1"/>
-            <a:r>
-              <a:rPr lang="ru-RU"/>
-              <a:t>формирование </a:t>
-            </a:r>
-            <a:r>
-              <a:rPr lang="ru-RU" dirty="0"/>
-              <a:t>договоров в формате </a:t>
-            </a:r>
-            <a:r>
-              <a:rPr lang="en-US" dirty="0"/>
-              <a:t>Docx</a:t>
-            </a:r>
-            <a:endParaRPr lang="ru-RU" dirty="0"/>
-          </a:p>
-          <a:p>
-            <a:pPr marL="0" indent="0">
-              <a:buNone/>
-            </a:pPr>
-            <a:endParaRPr lang="ru-RU" dirty="0"/>
+              <a:t>. ун-т ГГУ им. Ф. Скорины. - Гомель: ГГУ им. Ф. Скорины, 2023. Ч.1. – В печати.</a:t>
+            </a:r>
+          </a:p>
+        </p:txBody>
+      </p:sp>
+      <p:sp>
+        <p:nvSpPr>
+          <p:cNvPr id="4" name="Rectangle 5"/>
+          <p:cNvSpPr>
+            <a:spLocks noChangeArrowheads="1"/>
+          </p:cNvSpPr>
+          <p:nvPr/>
+        </p:nvSpPr>
+        <p:spPr bwMode="auto">
+          <a:xfrm>
+            <a:off x="-36513" y="6216650"/>
+            <a:ext cx="740848" cy="646331"/>
+          </a:xfrm>
+          <a:prstGeom prst="rect">
+            <a:avLst/>
+          </a:prstGeom>
+          <a:noFill/>
+          <a:ln w="9525">
+            <a:noFill/>
+            <a:miter lim="800000"/>
+            <a:headEnd/>
+            <a:tailEnd/>
+          </a:ln>
+        </p:spPr>
+        <p:txBody>
+          <a:bodyPr wrap="square">
+            <a:spAutoFit/>
+          </a:bodyPr>
+          <a:lstStyle/>
+          <a:p>
+            <a:fld id="{429F959E-B741-433B-A973-46DF433319B0}" type="slidenum">
+              <a:rPr lang="ru-RU" sz="3600" b="1">
+                <a:solidFill>
+                  <a:srgbClr val="AEAEAE"/>
+                </a:solidFill>
+                <a:latin typeface="Arial" charset="0"/>
+              </a:rPr>
+              <a:pPr/>
+              <a:t>18</a:t>
+            </a:fld>
+            <a:endParaRPr lang="ru-RU" sz="3600" b="1" dirty="0">
+              <a:solidFill>
+                <a:srgbClr val="AEAEAE"/>
+              </a:solidFill>
+              <a:latin typeface="Arial" charset="0"/>
+            </a:endParaRPr>
           </a:p>
         </p:txBody>
       </p:sp>
     </p:spTree>
     <p:extLst>
       <p:ext uri="{BB962C8B-B14F-4D97-AF65-F5344CB8AC3E}">
-        <p14:creationId xmlns:p14="http://schemas.microsoft.com/office/powerpoint/2010/main" val="3718304080"/>
+        <p14:creationId xmlns:p14="http://schemas.microsoft.com/office/powerpoint/2010/main" val="81469737"/>
       </p:ext>
     </p:extLst>
   </p:cSld>
@@ -5918,13 +6247,7 @@
       </p:grpSpPr>
       <p:sp>
         <p:nvSpPr>
-          <p:cNvPr id="2" name="Заголовок 1">
-            <a:extLst>
-              <a:ext uri="{FF2B5EF4-FFF2-40B4-BE49-F238E27FC236}">
-                <a16:creationId xmlns:a16="http://schemas.microsoft.com/office/drawing/2014/main" id="{E22F2BF3-310C-42C0-A675-3DB6664E8274}"/>
-              </a:ext>
-            </a:extLst>
-          </p:cNvPr>
+          <p:cNvPr id="2" name="Заголовок 1"/>
           <p:cNvSpPr>
             <a:spLocks noGrp="1"/>
           </p:cNvSpPr>
@@ -5932,100 +6255,20 @@
             <p:ph type="title"/>
           </p:nvPr>
         </p:nvSpPr>
-        <p:spPr/>
+        <p:spPr>
+          <a:xfrm>
+            <a:off x="0" y="2391633"/>
+            <a:ext cx="12191999" cy="1325563"/>
+          </a:xfrm>
+        </p:spPr>
         <p:txBody>
           <a:bodyPr/>
           <a:lstStyle/>
           <a:p>
+            <a:pPr algn="ctr"/>
             <a:r>
               <a:rPr lang="ru-RU" dirty="0"/>
-              <a:t>Публикации</a:t>
-            </a:r>
-          </a:p>
-        </p:txBody>
-      </p:sp>
-      <p:sp>
-        <p:nvSpPr>
-          <p:cNvPr id="3" name="Объект 2">
-            <a:extLst>
-              <a:ext uri="{FF2B5EF4-FFF2-40B4-BE49-F238E27FC236}">
-                <a16:creationId xmlns:a16="http://schemas.microsoft.com/office/drawing/2014/main" id="{2E5B5590-A5C1-4578-ACDF-FDA83BA4D7CA}"/>
-              </a:ext>
-            </a:extLst>
-          </p:cNvPr>
-          <p:cNvSpPr>
-            <a:spLocks noGrp="1"/>
-          </p:cNvSpPr>
-          <p:nvPr>
-            <p:ph idx="1"/>
-          </p:nvPr>
-        </p:nvSpPr>
-        <p:spPr/>
-        <p:txBody>
-          <a:bodyPr>
-            <a:normAutofit lnSpcReduction="10000"/>
-          </a:bodyPr>
-          <a:lstStyle/>
-          <a:p>
-            <a:pPr lvl="0"/>
-            <a:r>
-              <a:rPr lang="ru-RU" dirty="0"/>
-              <a:t>Громов, Н.С. Автоматизация внутренних процессов в </a:t>
-            </a:r>
-            <a:r>
-              <a:rPr lang="ru-RU" dirty="0" err="1"/>
-              <a:t>логи-стических</a:t>
-            </a:r>
-            <a:r>
-              <a:rPr lang="ru-RU" dirty="0"/>
-              <a:t> компаниях / Н.С. Громов, Н.Б. Осипенко / Новые математические методы и компьютерные технологии в проектировании, производстве и научных исследованиях: материалы X</a:t>
-            </a:r>
-            <a:r>
-              <a:rPr lang="en-US" dirty="0"/>
-              <a:t>XVI</a:t>
-            </a:r>
-            <a:r>
-              <a:rPr lang="ru-RU" dirty="0"/>
-              <a:t> Республиканской научной конференции студентов и аспирантов, Гомель, 21– 23 марта 2023 г. – В печати.</a:t>
-            </a:r>
-          </a:p>
-          <a:p>
-            <a:pPr lvl="0"/>
-            <a:r>
-              <a:rPr lang="ru-RU" dirty="0"/>
-              <a:t>Громов, Н.С. Разработка приложения для </a:t>
-            </a:r>
-            <a:r>
-              <a:rPr lang="ru-RU" dirty="0" err="1"/>
-              <a:t>логистической</a:t>
-            </a:r>
-            <a:r>
-              <a:rPr lang="ru-RU" dirty="0"/>
-              <a:t> компании на языке JAVA / Н.С. Громов //"Творчество Молодых - 2023": сб. </a:t>
-            </a:r>
-            <a:r>
-              <a:rPr lang="ru-RU" dirty="0" err="1"/>
-              <a:t>науч</a:t>
-            </a:r>
-            <a:r>
-              <a:rPr lang="ru-RU" dirty="0"/>
-              <a:t>. работ студентов и аспирантов УО "ГГУ им. Ф. Скорины"/</a:t>
-            </a:r>
-            <a:r>
-              <a:rPr lang="ru-RU" dirty="0" err="1"/>
-              <a:t>М-во</a:t>
-            </a:r>
-            <a:r>
-              <a:rPr lang="ru-RU" dirty="0"/>
-              <a:t> образования РБ, Гомельский </a:t>
-            </a:r>
-            <a:r>
-              <a:rPr lang="ru-RU" dirty="0" err="1"/>
-              <a:t>гос</a:t>
-            </a:r>
-            <a:r>
-              <a:rPr lang="ru-RU" dirty="0"/>
-              <a:t>. ун-т ГГУ им. Ф. Скорины. - Гомель: ГГУ им. Ф. Скорины, 2023. Ч.1. – В печати.</a:t>
+              <a:t>Спасибо за внимание</a:t>
             </a:r>
           </a:p>
         </p:txBody>
@@ -6033,7 +6276,7 @@
     </p:spTree>
     <p:extLst>
       <p:ext uri="{BB962C8B-B14F-4D97-AF65-F5344CB8AC3E}">
-        <p14:creationId xmlns:p14="http://schemas.microsoft.com/office/powerpoint/2010/main" val="81469737"/>
+        <p14:creationId xmlns:p14="http://schemas.microsoft.com/office/powerpoint/2010/main" val="2001914665"/>
       </p:ext>
     </p:extLst>
   </p:cSld>
@@ -6065,7 +6308,7 @@
           <p:cNvPr id="2" name="Заголовок 1">
             <a:extLst>
               <a:ext uri="{FF2B5EF4-FFF2-40B4-BE49-F238E27FC236}">
-                <a16:creationId xmlns:a16="http://schemas.microsoft.com/office/drawing/2014/main" id="{FC7E8784-63EC-4B20-B0EB-5402277B865A}"/>
+                <a16:creationId xmlns:a16="http://schemas.microsoft.com/office/drawing/2014/main" id="{D68881DB-ADFF-40E7-9D18-754001B0B864}"/>
               </a:ext>
             </a:extLst>
           </p:cNvPr>
@@ -6085,14 +6328,6 @@
               <a:rPr lang="ru-RU" dirty="0"/>
               <a:t>Актуальность</a:t>
             </a:r>
-            <a:r>
-              <a:rPr lang="en-US" dirty="0"/>
-              <a:t>: </a:t>
-            </a:r>
-            <a:r>
-              <a:rPr lang="ru-RU" dirty="0"/>
-              <a:t>проблематика</a:t>
-            </a:r>
           </a:p>
         </p:txBody>
       </p:sp>
@@ -6101,7 +6336,7 @@
           <p:cNvPr id="3" name="Объект 2">
             <a:extLst>
               <a:ext uri="{FF2B5EF4-FFF2-40B4-BE49-F238E27FC236}">
-                <a16:creationId xmlns:a16="http://schemas.microsoft.com/office/drawing/2014/main" id="{7E04BAEE-61BE-4BE1-BE12-E7562BB0B86B}"/>
+                <a16:creationId xmlns:a16="http://schemas.microsoft.com/office/drawing/2014/main" id="{39B2DCA8-18E2-45A5-ACB2-7007C0934630}"/>
               </a:ext>
             </a:extLst>
           </p:cNvPr>
@@ -6115,109 +6350,57 @@
         <p:spPr/>
         <p:txBody>
           <a:bodyPr>
-            <a:normAutofit/>
+            <a:normAutofit lnSpcReduction="10000"/>
           </a:bodyPr>
           <a:lstStyle/>
           <a:p>
             <a:r>
               <a:rPr lang="ru-RU" dirty="0"/>
-              <a:t>должен разбираться с огромной бумажной работой</a:t>
+              <a:t>Управление компанией опирается на разделение труда и ответственности, при этом в большой организации происходит значительный оборот информации. </a:t>
             </a:r>
           </a:p>
           <a:p>
             <a:r>
               <a:rPr lang="ru-RU" dirty="0"/>
-              <a:t>ему нужно нарабатывать клиентскую базу</a:t>
-            </a:r>
-          </a:p>
-          <a:p>
+              <a:t>С развитием технологий появилась возможность оцифровать всю информацию и хранить ее в виде электронных документов </a:t>
+            </a:r>
+            <a:r>
+              <a:rPr lang="ru-RU" dirty="0" err="1"/>
+              <a:t>Word</a:t>
+            </a:r>
             <a:r>
               <a:rPr lang="ru-RU" dirty="0"/>
-              <a:t>нужно конкурировать с другими водителями</a:t>
-            </a:r>
-          </a:p>
-          <a:p>
+              <a:t> или </a:t>
+            </a:r>
+            <a:r>
+              <a:rPr lang="ru-RU" dirty="0" err="1"/>
+              <a:t>Excel</a:t>
+            </a:r>
             <a:r>
               <a:rPr lang="ru-RU" dirty="0"/>
-              <a:t>отдых</a:t>
-            </a:r>
-          </a:p>
-          <a:p>
+              <a:t>, которые имеют преимущества по сравнению с бумажными аналогами (их не так просто потерять и можно оперативно вносить изменения</a:t>
+            </a:r>
+            <a:r>
+              <a:rPr lang="ru-RU"/>
+              <a:t>). </a:t>
+            </a:r>
+          </a:p>
+          <a:p>
+            <a:r>
+              <a:rPr lang="ru-RU"/>
+              <a:t>Следующим </a:t>
+            </a:r>
             <a:r>
               <a:rPr lang="ru-RU" dirty="0"/>
-              <a:t>техобслуживание своей машины</a:t>
-            </a:r>
-          </a:p>
-          <a:p>
-            <a:endParaRPr lang="ru-RU" dirty="0"/>
-          </a:p>
-          <a:p>
-            <a:endParaRPr lang="ru-RU" dirty="0"/>
+              <a:t>шагом развития стало возникновение интернета, появилась возможность автоматизировать обмен информацией между участниками процессов в компании. </a:t>
+            </a:r>
           </a:p>
         </p:txBody>
       </p:sp>
     </p:spTree>
     <p:extLst>
       <p:ext uri="{BB962C8B-B14F-4D97-AF65-F5344CB8AC3E}">
-        <p14:creationId xmlns:p14="http://schemas.microsoft.com/office/powerpoint/2010/main" val="4254294301"/>
-      </p:ext>
-    </p:extLst>
-  </p:cSld>
-  <p:clrMapOvr>
-    <a:masterClrMapping/>
-  </p:clrMapOvr>
-</p:sld>
-</file>
-
-<file path=ppt/slides/slide20.xml><?xml version="1.0" encoding="utf-8"?>
-<p:sld xmlns:a="http://schemas.openxmlformats.org/drawingml/2006/main" xmlns:r="http://schemas.openxmlformats.org/officeDocument/2006/relationships" xmlns:p="http://schemas.openxmlformats.org/presentationml/2006/main">
-  <p:cSld>
-    <p:spTree>
-      <p:nvGrpSpPr>
-        <p:cNvPr id="1" name=""/>
-        <p:cNvGrpSpPr/>
-        <p:nvPr/>
-      </p:nvGrpSpPr>
-      <p:grpSpPr>
-        <a:xfrm>
-          <a:off x="0" y="0"/>
-          <a:ext cx="0" cy="0"/>
-          <a:chOff x="0" y="0"/>
-          <a:chExt cx="0" cy="0"/>
-        </a:xfrm>
-      </p:grpSpPr>
-      <p:sp>
-        <p:nvSpPr>
-          <p:cNvPr id="2" name="Заголовок 1"/>
-          <p:cNvSpPr>
-            <a:spLocks noGrp="1"/>
-          </p:cNvSpPr>
-          <p:nvPr>
-            <p:ph type="title"/>
-          </p:nvPr>
-        </p:nvSpPr>
-        <p:spPr>
-          <a:xfrm>
-            <a:off x="0" y="2391633"/>
-            <a:ext cx="12191999" cy="1325563"/>
-          </a:xfrm>
-        </p:spPr>
-        <p:txBody>
-          <a:bodyPr/>
-          <a:lstStyle/>
-          <a:p>
-            <a:pPr algn="ctr"/>
-            <a:r>
-              <a:rPr lang="ru-RU" dirty="0"/>
-              <a:t>Спасибо за внимание</a:t>
-            </a:r>
-          </a:p>
-        </p:txBody>
-      </p:sp>
-    </p:spTree>
-    <p:extLst>
-      <p:ext uri="{BB962C8B-B14F-4D97-AF65-F5344CB8AC3E}">
-        <p14:creationId xmlns:p14="http://schemas.microsoft.com/office/powerpoint/2010/main" val="2001914665"/>
+        <p14:creationId xmlns:p14="http://schemas.microsoft.com/office/powerpoint/2010/main" val="2348268665"/>
       </p:ext>
     </p:extLst>
   </p:cSld>
@@ -6246,103 +6429,6 @@
       </p:grpSpPr>
       <p:sp>
         <p:nvSpPr>
-          <p:cNvPr id="2" name="Заголовок 1">
-            <a:extLst>
-              <a:ext uri="{FF2B5EF4-FFF2-40B4-BE49-F238E27FC236}">
-                <a16:creationId xmlns:a16="http://schemas.microsoft.com/office/drawing/2014/main" id="{C77576AD-1A3F-46BB-8D90-BC58F5C806D1}"/>
-              </a:ext>
-            </a:extLst>
-          </p:cNvPr>
-          <p:cNvSpPr>
-            <a:spLocks noGrp="1"/>
-          </p:cNvSpPr>
-          <p:nvPr>
-            <p:ph type="title"/>
-          </p:nvPr>
-        </p:nvSpPr>
-        <p:spPr/>
-        <p:txBody>
-          <a:bodyPr/>
-          <a:lstStyle/>
-          <a:p>
-            <a:r>
-              <a:rPr lang="ru-RU" dirty="0"/>
-              <a:t>Актуальность</a:t>
-            </a:r>
-            <a:r>
-              <a:rPr lang="en-US" dirty="0"/>
-              <a:t>: </a:t>
-            </a:r>
-            <a:r>
-              <a:rPr lang="ru-RU" dirty="0"/>
-              <a:t>решение</a:t>
-            </a:r>
-          </a:p>
-        </p:txBody>
-      </p:sp>
-      <p:sp>
-        <p:nvSpPr>
-          <p:cNvPr id="3" name="Объект 2">
-            <a:extLst>
-              <a:ext uri="{FF2B5EF4-FFF2-40B4-BE49-F238E27FC236}">
-                <a16:creationId xmlns:a16="http://schemas.microsoft.com/office/drawing/2014/main" id="{92020992-6F0E-446A-A4D4-0B03E7455072}"/>
-              </a:ext>
-            </a:extLst>
-          </p:cNvPr>
-          <p:cNvSpPr>
-            <a:spLocks noGrp="1"/>
-          </p:cNvSpPr>
-          <p:nvPr>
-            <p:ph idx="1"/>
-          </p:nvPr>
-        </p:nvSpPr>
-        <p:spPr/>
-        <p:txBody>
-          <a:bodyPr/>
-          <a:lstStyle/>
-          <a:p>
-            <a:r>
-              <a:rPr lang="ru-RU" dirty="0"/>
-              <a:t>Твой клиент – это компания, которая дает тебе работу. И единственное что тебе нужно делать – это водить машину, все остальное за тебя сделает компания. Если что-то не нравится, ты всегда можешь уйти в компанию с более выгодными условиями. В этой ситуации все в лучших традициях разделения труда: делаешь то, что умеешь и ничего больше.</a:t>
-            </a:r>
-          </a:p>
-          <a:p>
-            <a:endParaRPr lang="ru-RU" dirty="0"/>
-          </a:p>
-        </p:txBody>
-      </p:sp>
-    </p:spTree>
-    <p:extLst>
-      <p:ext uri="{BB962C8B-B14F-4D97-AF65-F5344CB8AC3E}">
-        <p14:creationId xmlns:p14="http://schemas.microsoft.com/office/powerpoint/2010/main" val="4068941308"/>
-      </p:ext>
-    </p:extLst>
-  </p:cSld>
-  <p:clrMapOvr>
-    <a:masterClrMapping/>
-  </p:clrMapOvr>
-</p:sld>
-</file>
-
-<file path=ppt/slides/slide4.xml><?xml version="1.0" encoding="utf-8"?>
-<p:sld xmlns:a="http://schemas.openxmlformats.org/drawingml/2006/main" xmlns:r="http://schemas.openxmlformats.org/officeDocument/2006/relationships" xmlns:p="http://schemas.openxmlformats.org/presentationml/2006/main">
-  <p:cSld>
-    <p:spTree>
-      <p:nvGrpSpPr>
-        <p:cNvPr id="1" name=""/>
-        <p:cNvGrpSpPr/>
-        <p:nvPr/>
-      </p:nvGrpSpPr>
-      <p:grpSpPr>
-        <a:xfrm>
-          <a:off x="0" y="0"/>
-          <a:ext cx="0" cy="0"/>
-          <a:chOff x="0" y="0"/>
-          <a:chExt cx="0" cy="0"/>
-        </a:xfrm>
-      </p:grpSpPr>
-      <p:sp>
-        <p:nvSpPr>
           <p:cNvPr id="2" name="Заголовок 1"/>
           <p:cNvSpPr>
             <a:spLocks noGrp="1"/>
@@ -6457,6 +6543,55 @@
               <a:t>разработка частей приложения, а также реализация их взаимодействия;</a:t>
             </a:r>
             <a:endParaRPr lang="en-US" dirty="0"/>
+          </a:p>
+        </p:txBody>
+      </p:sp>
+      <p:sp>
+        <p:nvSpPr>
+          <p:cNvPr id="4" name="Rectangle 5"/>
+          <p:cNvSpPr>
+            <a:spLocks noChangeArrowheads="1"/>
+          </p:cNvSpPr>
+          <p:nvPr/>
+        </p:nvSpPr>
+        <p:spPr bwMode="auto">
+          <a:xfrm>
+            <a:off x="-36513" y="6216650"/>
+            <a:ext cx="740848" cy="646331"/>
+          </a:xfrm>
+          <a:prstGeom prst="rect">
+            <a:avLst/>
+          </a:prstGeom>
+          <a:noFill/>
+          <a:ln w="9525">
+            <a:noFill/>
+            <a:miter lim="800000"/>
+            <a:headEnd/>
+            <a:tailEnd/>
+          </a:ln>
+        </p:spPr>
+        <p:txBody>
+          <a:bodyPr wrap="square">
+            <a:spAutoFit/>
+          </a:bodyPr>
+          <a:lstStyle/>
+          <a:p>
+            <a:fld id="{429F959E-B741-433B-A973-46DF433319B0}" type="slidenum">
+              <a:rPr lang="ru-RU" sz="3600" b="1">
+                <a:solidFill>
+                  <a:srgbClr val="AEAEAE"/>
+                </a:solidFill>
+                <a:latin typeface="Arial" charset="0"/>
+              </a:rPr>
+              <a:pPr/>
+              <a:t>3</a:t>
+            </a:fld>
+            <a:endParaRPr lang="ru-RU" sz="3600" b="1" dirty="0">
+              <a:solidFill>
+                <a:srgbClr val="AEAEAE"/>
+              </a:solidFill>
+              <a:latin typeface="Arial" charset="0"/>
+            </a:endParaRPr>
           </a:p>
         </p:txBody>
       </p:sp>
@@ -6473,7 +6608,7 @@
 </p:sld>
 </file>
 
-<file path=ppt/slides/slide5.xml><?xml version="1.0" encoding="utf-8"?>
+<file path=ppt/slides/slide4.xml><?xml version="1.0" encoding="utf-8"?>
 <p:sld xmlns:a="http://schemas.openxmlformats.org/drawingml/2006/main" xmlns:r="http://schemas.openxmlformats.org/officeDocument/2006/relationships" xmlns:p="http://schemas.openxmlformats.org/presentationml/2006/main">
   <p:cSld>
     <p:spTree>
@@ -6913,6 +7048,55 @@
           </a:p>
         </p:txBody>
       </p:sp>
+      <p:sp>
+        <p:nvSpPr>
+          <p:cNvPr id="5" name="Rectangle 5"/>
+          <p:cNvSpPr>
+            <a:spLocks noChangeArrowheads="1"/>
+          </p:cNvSpPr>
+          <p:nvPr/>
+        </p:nvSpPr>
+        <p:spPr bwMode="auto">
+          <a:xfrm>
+            <a:off x="-36513" y="6216650"/>
+            <a:ext cx="740848" cy="646331"/>
+          </a:xfrm>
+          <a:prstGeom prst="rect">
+            <a:avLst/>
+          </a:prstGeom>
+          <a:noFill/>
+          <a:ln w="9525">
+            <a:noFill/>
+            <a:miter lim="800000"/>
+            <a:headEnd/>
+            <a:tailEnd/>
+          </a:ln>
+        </p:spPr>
+        <p:txBody>
+          <a:bodyPr wrap="square">
+            <a:spAutoFit/>
+          </a:bodyPr>
+          <a:lstStyle/>
+          <a:p>
+            <a:fld id="{429F959E-B741-433B-A973-46DF433319B0}" type="slidenum">
+              <a:rPr lang="ru-RU" sz="3600" b="1">
+                <a:solidFill>
+                  <a:srgbClr val="AEAEAE"/>
+                </a:solidFill>
+                <a:latin typeface="Arial" charset="0"/>
+              </a:rPr>
+              <a:pPr/>
+              <a:t>4</a:t>
+            </a:fld>
+            <a:endParaRPr lang="ru-RU" sz="3600" b="1" dirty="0">
+              <a:solidFill>
+                <a:srgbClr val="AEAEAE"/>
+              </a:solidFill>
+              <a:latin typeface="Arial" charset="0"/>
+            </a:endParaRPr>
+          </a:p>
+        </p:txBody>
+      </p:sp>
     </p:spTree>
     <p:extLst>
       <p:ext uri="{BB962C8B-B14F-4D97-AF65-F5344CB8AC3E}">
@@ -6926,7 +7110,7 @@
 </p:sld>
 </file>
 
-<file path=ppt/slides/slide6.xml><?xml version="1.0" encoding="utf-8"?>
+<file path=ppt/slides/slide5.xml><?xml version="1.0" encoding="utf-8"?>
 <p:sld xmlns:a="http://schemas.openxmlformats.org/drawingml/2006/main" xmlns:r="http://schemas.openxmlformats.org/officeDocument/2006/relationships" xmlns:p="http://schemas.openxmlformats.org/presentationml/2006/main">
   <p:cSld>
     <p:spTree>
@@ -7092,6 +7276,55 @@
           </a:ln>
         </p:spPr>
       </p:pic>
+      <p:sp>
+        <p:nvSpPr>
+          <p:cNvPr id="7" name="Rectangle 5"/>
+          <p:cNvSpPr>
+            <a:spLocks noChangeArrowheads="1"/>
+          </p:cNvSpPr>
+          <p:nvPr/>
+        </p:nvSpPr>
+        <p:spPr bwMode="auto">
+          <a:xfrm>
+            <a:off x="-36513" y="6216650"/>
+            <a:ext cx="740848" cy="646331"/>
+          </a:xfrm>
+          <a:prstGeom prst="rect">
+            <a:avLst/>
+          </a:prstGeom>
+          <a:noFill/>
+          <a:ln w="9525">
+            <a:noFill/>
+            <a:miter lim="800000"/>
+            <a:headEnd/>
+            <a:tailEnd/>
+          </a:ln>
+        </p:spPr>
+        <p:txBody>
+          <a:bodyPr wrap="square">
+            <a:spAutoFit/>
+          </a:bodyPr>
+          <a:lstStyle/>
+          <a:p>
+            <a:fld id="{429F959E-B741-433B-A973-46DF433319B0}" type="slidenum">
+              <a:rPr lang="ru-RU" sz="3600" b="1">
+                <a:solidFill>
+                  <a:srgbClr val="AEAEAE"/>
+                </a:solidFill>
+                <a:latin typeface="Arial" charset="0"/>
+              </a:rPr>
+              <a:pPr/>
+              <a:t>5</a:t>
+            </a:fld>
+            <a:endParaRPr lang="ru-RU" sz="3600" b="1" dirty="0">
+              <a:solidFill>
+                <a:srgbClr val="AEAEAE"/>
+              </a:solidFill>
+              <a:latin typeface="Arial" charset="0"/>
+            </a:endParaRPr>
+          </a:p>
+        </p:txBody>
+      </p:sp>
     </p:spTree>
     <p:extLst>
       <p:ext uri="{BB962C8B-B14F-4D97-AF65-F5344CB8AC3E}">
@@ -7105,7 +7338,7 @@
 </p:sld>
 </file>
 
-<file path=ppt/slides/slide7.xml><?xml version="1.0" encoding="utf-8"?>
+<file path=ppt/slides/slide6.xml><?xml version="1.0" encoding="utf-8"?>
 <p:sld xmlns:a="http://schemas.openxmlformats.org/drawingml/2006/main" xmlns:r="http://schemas.openxmlformats.org/officeDocument/2006/relationships" xmlns:p="http://schemas.openxmlformats.org/presentationml/2006/main">
   <p:cSld>
     <p:spTree>
@@ -7188,6 +7421,55 @@
           </a:ln>
         </p:spPr>
       </p:pic>
+      <p:sp>
+        <p:nvSpPr>
+          <p:cNvPr id="4" name="Rectangle 5"/>
+          <p:cNvSpPr>
+            <a:spLocks noChangeArrowheads="1"/>
+          </p:cNvSpPr>
+          <p:nvPr/>
+        </p:nvSpPr>
+        <p:spPr bwMode="auto">
+          <a:xfrm>
+            <a:off x="-36513" y="6216650"/>
+            <a:ext cx="740848" cy="646331"/>
+          </a:xfrm>
+          <a:prstGeom prst="rect">
+            <a:avLst/>
+          </a:prstGeom>
+          <a:noFill/>
+          <a:ln w="9525">
+            <a:noFill/>
+            <a:miter lim="800000"/>
+            <a:headEnd/>
+            <a:tailEnd/>
+          </a:ln>
+        </p:spPr>
+        <p:txBody>
+          <a:bodyPr wrap="square">
+            <a:spAutoFit/>
+          </a:bodyPr>
+          <a:lstStyle/>
+          <a:p>
+            <a:fld id="{429F959E-B741-433B-A973-46DF433319B0}" type="slidenum">
+              <a:rPr lang="ru-RU" sz="3600" b="1">
+                <a:solidFill>
+                  <a:srgbClr val="AEAEAE"/>
+                </a:solidFill>
+                <a:latin typeface="Arial" charset="0"/>
+              </a:rPr>
+              <a:pPr/>
+              <a:t>6</a:t>
+            </a:fld>
+            <a:endParaRPr lang="ru-RU" sz="3600" b="1" dirty="0">
+              <a:solidFill>
+                <a:srgbClr val="AEAEAE"/>
+              </a:solidFill>
+              <a:latin typeface="Arial" charset="0"/>
+            </a:endParaRPr>
+          </a:p>
+        </p:txBody>
+      </p:sp>
     </p:spTree>
     <p:extLst>
       <p:ext uri="{BB962C8B-B14F-4D97-AF65-F5344CB8AC3E}">
@@ -7201,7 +7483,7 @@
 </p:sld>
 </file>
 
-<file path=ppt/slides/slide8.xml><?xml version="1.0" encoding="utf-8"?>
+<file path=ppt/slides/slide7.xml><?xml version="1.0" encoding="utf-8"?>
 <p:sld xmlns:a="http://schemas.openxmlformats.org/drawingml/2006/main" xmlns:r="http://schemas.openxmlformats.org/officeDocument/2006/relationships" xmlns:p="http://schemas.openxmlformats.org/presentationml/2006/main">
   <p:cSld>
     <p:spTree>
@@ -7591,10 +7873,206 @@
           </a:p>
         </p:txBody>
       </p:sp>
+      <p:sp>
+        <p:nvSpPr>
+          <p:cNvPr id="6" name="Rectangle 5"/>
+          <p:cNvSpPr>
+            <a:spLocks noChangeArrowheads="1"/>
+          </p:cNvSpPr>
+          <p:nvPr/>
+        </p:nvSpPr>
+        <p:spPr bwMode="auto">
+          <a:xfrm>
+            <a:off x="-36513" y="6216650"/>
+            <a:ext cx="740848" cy="646331"/>
+          </a:xfrm>
+          <a:prstGeom prst="rect">
+            <a:avLst/>
+          </a:prstGeom>
+          <a:noFill/>
+          <a:ln w="9525">
+            <a:noFill/>
+            <a:miter lim="800000"/>
+            <a:headEnd/>
+            <a:tailEnd/>
+          </a:ln>
+        </p:spPr>
+        <p:txBody>
+          <a:bodyPr wrap="square">
+            <a:spAutoFit/>
+          </a:bodyPr>
+          <a:lstStyle/>
+          <a:p>
+            <a:fld id="{429F959E-B741-433B-A973-46DF433319B0}" type="slidenum">
+              <a:rPr lang="ru-RU" sz="3600" b="1">
+                <a:solidFill>
+                  <a:srgbClr val="AEAEAE"/>
+                </a:solidFill>
+                <a:latin typeface="Arial" charset="0"/>
+              </a:rPr>
+              <a:pPr/>
+              <a:t>7</a:t>
+            </a:fld>
+            <a:endParaRPr lang="ru-RU" sz="3600" b="1" dirty="0">
+              <a:solidFill>
+                <a:srgbClr val="AEAEAE"/>
+              </a:solidFill>
+              <a:latin typeface="Arial" charset="0"/>
+            </a:endParaRPr>
+          </a:p>
+        </p:txBody>
+      </p:sp>
     </p:spTree>
     <p:extLst>
       <p:ext uri="{BB962C8B-B14F-4D97-AF65-F5344CB8AC3E}">
         <p14:creationId xmlns:p14="http://schemas.microsoft.com/office/powerpoint/2010/main" val="4077854386"/>
+      </p:ext>
+    </p:extLst>
+  </p:cSld>
+  <p:clrMapOvr>
+    <a:masterClrMapping/>
+  </p:clrMapOvr>
+</p:sld>
+</file>
+
+<file path=ppt/slides/slide8.xml><?xml version="1.0" encoding="utf-8"?>
+<p:sld xmlns:a="http://schemas.openxmlformats.org/drawingml/2006/main" xmlns:r="http://schemas.openxmlformats.org/officeDocument/2006/relationships" xmlns:p="http://schemas.openxmlformats.org/presentationml/2006/main">
+  <p:cSld>
+    <p:spTree>
+      <p:nvGrpSpPr>
+        <p:cNvPr id="1" name=""/>
+        <p:cNvGrpSpPr/>
+        <p:nvPr/>
+      </p:nvGrpSpPr>
+      <p:grpSpPr>
+        <a:xfrm>
+          <a:off x="0" y="0"/>
+          <a:ext cx="0" cy="0"/>
+          <a:chOff x="0" y="0"/>
+          <a:chExt cx="0" cy="0"/>
+        </a:xfrm>
+      </p:grpSpPr>
+      <p:sp>
+        <p:nvSpPr>
+          <p:cNvPr id="2" name="Заголовок 1"/>
+          <p:cNvSpPr>
+            <a:spLocks noGrp="1"/>
+          </p:cNvSpPr>
+          <p:nvPr>
+            <p:ph type="title"/>
+          </p:nvPr>
+        </p:nvSpPr>
+        <p:spPr>
+          <a:xfrm>
+            <a:off x="838200" y="365125"/>
+            <a:ext cx="10515600" cy="2460453"/>
+          </a:xfrm>
+        </p:spPr>
+        <p:txBody>
+          <a:bodyPr>
+            <a:normAutofit/>
+          </a:bodyPr>
+          <a:lstStyle/>
+          <a:p>
+            <a:r>
+              <a:rPr lang="ru-RU" dirty="0"/>
+              <a:t>Схема БД</a:t>
+            </a:r>
+          </a:p>
+        </p:txBody>
+      </p:sp>
+      <p:pic>
+        <p:nvPicPr>
+          <p:cNvPr id="4" name="Рисунок 3">
+            <a:extLst>
+              <a:ext uri="{FF2B5EF4-FFF2-40B4-BE49-F238E27FC236}">
+                <a16:creationId xmlns:a16="http://schemas.microsoft.com/office/drawing/2014/main" id="{528EA8AD-0C48-4EA6-8AB5-FC90376E72B2}"/>
+              </a:ext>
+            </a:extLst>
+          </p:cNvPr>
+          <p:cNvPicPr/>
+          <p:nvPr/>
+        </p:nvPicPr>
+        <p:blipFill>
+          <a:blip r:embed="rId2">
+            <a:extLst>
+              <a:ext uri="{28A0092B-C50C-407E-A947-70E740481C1C}">
+                <a14:useLocalDpi xmlns:a14="http://schemas.microsoft.com/office/drawing/2010/main" val="0"/>
+              </a:ext>
+            </a:extLst>
+          </a:blip>
+          <a:srcRect/>
+          <a:stretch>
+            <a:fillRect/>
+          </a:stretch>
+        </p:blipFill>
+        <p:spPr bwMode="auto">
+          <a:xfrm>
+            <a:off x="3557586" y="702365"/>
+            <a:ext cx="7971805" cy="5790510"/>
+          </a:xfrm>
+          <a:prstGeom prst="rect">
+            <a:avLst/>
+          </a:prstGeom>
+          <a:noFill/>
+          <a:ln>
+            <a:noFill/>
+          </a:ln>
+        </p:spPr>
+      </p:pic>
+      <p:sp>
+        <p:nvSpPr>
+          <p:cNvPr id="5" name="Rectangle 5"/>
+          <p:cNvSpPr>
+            <a:spLocks noChangeArrowheads="1"/>
+          </p:cNvSpPr>
+          <p:nvPr/>
+        </p:nvSpPr>
+        <p:spPr bwMode="auto">
+          <a:xfrm>
+            <a:off x="-36513" y="6216650"/>
+            <a:ext cx="740848" cy="646331"/>
+          </a:xfrm>
+          <a:prstGeom prst="rect">
+            <a:avLst/>
+          </a:prstGeom>
+          <a:noFill/>
+          <a:ln w="9525">
+            <a:noFill/>
+            <a:miter lim="800000"/>
+            <a:headEnd/>
+            <a:tailEnd/>
+          </a:ln>
+        </p:spPr>
+        <p:txBody>
+          <a:bodyPr wrap="square">
+            <a:spAutoFit/>
+          </a:bodyPr>
+          <a:lstStyle/>
+          <a:p>
+            <a:fld id="{429F959E-B741-433B-A973-46DF433319B0}" type="slidenum">
+              <a:rPr lang="ru-RU" sz="3600" b="1">
+                <a:solidFill>
+                  <a:srgbClr val="AEAEAE"/>
+                </a:solidFill>
+                <a:latin typeface="Arial" charset="0"/>
+              </a:rPr>
+              <a:pPr/>
+              <a:t>8</a:t>
+            </a:fld>
+            <a:endParaRPr lang="ru-RU" sz="3600" b="1" dirty="0">
+              <a:solidFill>
+                <a:srgbClr val="AEAEAE"/>
+              </a:solidFill>
+              <a:latin typeface="Arial" charset="0"/>
+            </a:endParaRPr>
+          </a:p>
+        </p:txBody>
+      </p:sp>
+    </p:spTree>
+    <p:extLst>
+      <p:ext uri="{BB962C8B-B14F-4D97-AF65-F5344CB8AC3E}">
+        <p14:creationId xmlns:p14="http://schemas.microsoft.com/office/powerpoint/2010/main" val="2541741414"/>
       </p:ext>
     </p:extLst>
   </p:cSld>
@@ -7623,44 +8101,47 @@
       </p:grpSpPr>
       <p:sp>
         <p:nvSpPr>
-          <p:cNvPr id="2" name="Заголовок 1"/>
-          <p:cNvSpPr>
-            <a:spLocks noGrp="1"/>
-          </p:cNvSpPr>
-          <p:nvPr>
-            <p:ph type="title"/>
-          </p:nvPr>
-        </p:nvSpPr>
-        <p:spPr>
-          <a:xfrm>
-            <a:off x="838200" y="365125"/>
-            <a:ext cx="10515600" cy="2460453"/>
-          </a:xfrm>
-        </p:spPr>
-        <p:txBody>
-          <a:bodyPr>
-            <a:normAutofit/>
-          </a:bodyPr>
-          <a:lstStyle/>
-          <a:p>
-            <a:r>
-              <a:rPr lang="ru-RU" dirty="0"/>
-              <a:t>Схема БД</a:t>
-            </a:r>
-          </a:p>
-        </p:txBody>
-      </p:sp>
-      <p:pic>
-        <p:nvPicPr>
-          <p:cNvPr id="4" name="Рисунок 3">
+          <p:cNvPr id="2" name="Заголовок 1">
             <a:extLst>
               <a:ext uri="{FF2B5EF4-FFF2-40B4-BE49-F238E27FC236}">
-                <a16:creationId xmlns:a16="http://schemas.microsoft.com/office/drawing/2014/main" id="{528EA8AD-0C48-4EA6-8AB5-FC90376E72B2}"/>
+                <a16:creationId xmlns:a16="http://schemas.microsoft.com/office/drawing/2014/main" id="{08B108EA-04A0-4603-9247-66BCF54ECA07}"/>
               </a:ext>
             </a:extLst>
           </p:cNvPr>
-          <p:cNvPicPr/>
-          <p:nvPr/>
+          <p:cNvSpPr>
+            <a:spLocks noGrp="1"/>
+          </p:cNvSpPr>
+          <p:nvPr>
+            <p:ph type="title"/>
+          </p:nvPr>
+        </p:nvSpPr>
+        <p:spPr/>
+        <p:txBody>
+          <a:bodyPr/>
+          <a:lstStyle/>
+          <a:p>
+            <a:r>
+              <a:rPr lang="ru-RU" dirty="0"/>
+              <a:t>Структура проекта</a:t>
+            </a:r>
+          </a:p>
+        </p:txBody>
+      </p:sp>
+      <p:pic>
+        <p:nvPicPr>
+          <p:cNvPr id="4" name="Объект 3">
+            <a:extLst>
+              <a:ext uri="{FF2B5EF4-FFF2-40B4-BE49-F238E27FC236}">
+                <a16:creationId xmlns:a16="http://schemas.microsoft.com/office/drawing/2014/main" id="{8267393E-B254-4396-A4ED-08F94267B2C2}"/>
+              </a:ext>
+            </a:extLst>
+          </p:cNvPr>
+          <p:cNvPicPr>
+            <a:picLocks noGrp="1"/>
+          </p:cNvPicPr>
+          <p:nvPr>
+            <p:ph idx="1"/>
+          </p:nvPr>
         </p:nvPicPr>
         <p:blipFill>
           <a:blip r:embed="rId2">
@@ -7677,8 +8158,8 @@
         </p:blipFill>
         <p:spPr bwMode="auto">
           <a:xfrm>
-            <a:off x="3557586" y="702365"/>
-            <a:ext cx="7971805" cy="5790510"/>
+            <a:off x="118993" y="1690688"/>
+            <a:ext cx="2186885" cy="4351338"/>
           </a:xfrm>
           <a:prstGeom prst="rect">
             <a:avLst/>
@@ -7689,10 +8170,215 @@
           </a:ln>
         </p:spPr>
       </p:pic>
+      <p:pic>
+        <p:nvPicPr>
+          <p:cNvPr id="5" name="Рисунок 4">
+            <a:extLst>
+              <a:ext uri="{FF2B5EF4-FFF2-40B4-BE49-F238E27FC236}">
+                <a16:creationId xmlns:a16="http://schemas.microsoft.com/office/drawing/2014/main" id="{B412DF5E-185A-4A2D-85B1-FDC6D5A058E0}"/>
+              </a:ext>
+            </a:extLst>
+          </p:cNvPr>
+          <p:cNvPicPr/>
+          <p:nvPr/>
+        </p:nvPicPr>
+        <p:blipFill>
+          <a:blip r:embed="rId3">
+            <a:extLst>
+              <a:ext uri="{28A0092B-C50C-407E-A947-70E740481C1C}">
+                <a14:useLocalDpi xmlns:a14="http://schemas.microsoft.com/office/drawing/2010/main" val="0"/>
+              </a:ext>
+            </a:extLst>
+          </a:blip>
+          <a:srcRect/>
+          <a:stretch>
+            <a:fillRect/>
+          </a:stretch>
+        </p:blipFill>
+        <p:spPr bwMode="auto">
+          <a:xfrm>
+            <a:off x="2408306" y="1690688"/>
+            <a:ext cx="2365789" cy="4351338"/>
+          </a:xfrm>
+          <a:prstGeom prst="rect">
+            <a:avLst/>
+          </a:prstGeom>
+          <a:noFill/>
+          <a:ln>
+            <a:noFill/>
+          </a:ln>
+        </p:spPr>
+      </p:pic>
+      <p:pic>
+        <p:nvPicPr>
+          <p:cNvPr id="6" name="Рисунок 5">
+            <a:extLst>
+              <a:ext uri="{FF2B5EF4-FFF2-40B4-BE49-F238E27FC236}">
+                <a16:creationId xmlns:a16="http://schemas.microsoft.com/office/drawing/2014/main" id="{FD2FB9FD-CBBF-41C9-8DD8-D4DD9022F07B}"/>
+              </a:ext>
+            </a:extLst>
+          </p:cNvPr>
+          <p:cNvPicPr/>
+          <p:nvPr/>
+        </p:nvPicPr>
+        <p:blipFill>
+          <a:blip r:embed="rId4">
+            <a:extLst>
+              <a:ext uri="{28A0092B-C50C-407E-A947-70E740481C1C}">
+                <a14:useLocalDpi xmlns:a14="http://schemas.microsoft.com/office/drawing/2010/main" val="0"/>
+              </a:ext>
+            </a:extLst>
+          </a:blip>
+          <a:srcRect/>
+          <a:stretch>
+            <a:fillRect/>
+          </a:stretch>
+        </p:blipFill>
+        <p:spPr bwMode="auto">
+          <a:xfrm>
+            <a:off x="4876524" y="1690688"/>
+            <a:ext cx="2309744" cy="4351338"/>
+          </a:xfrm>
+          <a:prstGeom prst="rect">
+            <a:avLst/>
+          </a:prstGeom>
+          <a:noFill/>
+          <a:ln>
+            <a:noFill/>
+          </a:ln>
+        </p:spPr>
+      </p:pic>
+      <p:pic>
+        <p:nvPicPr>
+          <p:cNvPr id="7" name="Рисунок 6">
+            <a:extLst>
+              <a:ext uri="{FF2B5EF4-FFF2-40B4-BE49-F238E27FC236}">
+                <a16:creationId xmlns:a16="http://schemas.microsoft.com/office/drawing/2014/main" id="{69358DA8-47D0-453E-B6B9-18050B4BBF82}"/>
+              </a:ext>
+            </a:extLst>
+          </p:cNvPr>
+          <p:cNvPicPr/>
+          <p:nvPr/>
+        </p:nvPicPr>
+        <p:blipFill>
+          <a:blip r:embed="rId5">
+            <a:extLst>
+              <a:ext uri="{28A0092B-C50C-407E-A947-70E740481C1C}">
+                <a14:useLocalDpi xmlns:a14="http://schemas.microsoft.com/office/drawing/2010/main" val="0"/>
+              </a:ext>
+            </a:extLst>
+          </a:blip>
+          <a:srcRect/>
+          <a:stretch>
+            <a:fillRect/>
+          </a:stretch>
+        </p:blipFill>
+        <p:spPr bwMode="auto">
+          <a:xfrm>
+            <a:off x="7288696" y="1690688"/>
+            <a:ext cx="2309743" cy="4351338"/>
+          </a:xfrm>
+          <a:prstGeom prst="rect">
+            <a:avLst/>
+          </a:prstGeom>
+          <a:noFill/>
+          <a:ln>
+            <a:noFill/>
+          </a:ln>
+        </p:spPr>
+      </p:pic>
+      <p:pic>
+        <p:nvPicPr>
+          <p:cNvPr id="8" name="Рисунок 7">
+            <a:extLst>
+              <a:ext uri="{FF2B5EF4-FFF2-40B4-BE49-F238E27FC236}">
+                <a16:creationId xmlns:a16="http://schemas.microsoft.com/office/drawing/2014/main" id="{6E6E05C0-574C-41E7-8A3E-785CA3F94F74}"/>
+              </a:ext>
+            </a:extLst>
+          </p:cNvPr>
+          <p:cNvPicPr/>
+          <p:nvPr/>
+        </p:nvPicPr>
+        <p:blipFill>
+          <a:blip r:embed="rId6">
+            <a:extLst>
+              <a:ext uri="{28A0092B-C50C-407E-A947-70E740481C1C}">
+                <a14:useLocalDpi xmlns:a14="http://schemas.microsoft.com/office/drawing/2010/main" val="0"/>
+              </a:ext>
+            </a:extLst>
+          </a:blip>
+          <a:srcRect/>
+          <a:stretch>
+            <a:fillRect/>
+          </a:stretch>
+        </p:blipFill>
+        <p:spPr bwMode="auto">
+          <a:xfrm>
+            <a:off x="9700867" y="3935896"/>
+            <a:ext cx="2411620" cy="2106130"/>
+          </a:xfrm>
+          <a:prstGeom prst="rect">
+            <a:avLst/>
+          </a:prstGeom>
+          <a:noFill/>
+          <a:ln>
+            <a:noFill/>
+          </a:ln>
+        </p:spPr>
+      </p:pic>
+      <p:sp>
+        <p:nvSpPr>
+          <p:cNvPr id="9" name="Rectangle 5"/>
+          <p:cNvSpPr>
+            <a:spLocks noChangeArrowheads="1"/>
+          </p:cNvSpPr>
+          <p:nvPr/>
+        </p:nvSpPr>
+        <p:spPr bwMode="auto">
+          <a:xfrm>
+            <a:off x="-36513" y="6216650"/>
+            <a:ext cx="740848" cy="646331"/>
+          </a:xfrm>
+          <a:prstGeom prst="rect">
+            <a:avLst/>
+          </a:prstGeom>
+          <a:noFill/>
+          <a:ln w="9525">
+            <a:noFill/>
+            <a:miter lim="800000"/>
+            <a:headEnd/>
+            <a:tailEnd/>
+          </a:ln>
+        </p:spPr>
+        <p:txBody>
+          <a:bodyPr wrap="square">
+            <a:spAutoFit/>
+          </a:bodyPr>
+          <a:lstStyle/>
+          <a:p>
+            <a:fld id="{429F959E-B741-433B-A973-46DF433319B0}" type="slidenum">
+              <a:rPr lang="ru-RU" sz="3600" b="1">
+                <a:solidFill>
+                  <a:srgbClr val="AEAEAE"/>
+                </a:solidFill>
+                <a:latin typeface="Arial" charset="0"/>
+              </a:rPr>
+              <a:pPr/>
+              <a:t>9</a:t>
+            </a:fld>
+            <a:endParaRPr lang="ru-RU" sz="3600" b="1" dirty="0">
+              <a:solidFill>
+                <a:srgbClr val="AEAEAE"/>
+              </a:solidFill>
+              <a:latin typeface="Arial" charset="0"/>
+            </a:endParaRPr>
+          </a:p>
+        </p:txBody>
+      </p:sp>
     </p:spTree>
     <p:extLst>
       <p:ext uri="{BB962C8B-B14F-4D97-AF65-F5344CB8AC3E}">
-        <p14:creationId xmlns:p14="http://schemas.microsoft.com/office/powerpoint/2010/main" val="2541741414"/>
+        <p14:creationId xmlns:p14="http://schemas.microsoft.com/office/powerpoint/2010/main" val="3359726494"/>
       </p:ext>
     </p:extLst>
   </p:cSld>

--- a/diplom v2.0/doc/Презентация.pptx
+++ b/diplom v2.0/doc/Презентация.pptx
@@ -5,7 +5,7 @@
     <p:sldMasterId id="2147483813" r:id="rId1"/>
   </p:sldMasterIdLst>
   <p:notesMasterIdLst>
-    <p:notesMasterId r:id="rId21"/>
+    <p:notesMasterId r:id="rId24"/>
   </p:notesMasterIdLst>
   <p:sldIdLst>
     <p:sldId id="256" r:id="rId2"/>
@@ -14,19 +14,22 @@
     <p:sldId id="258" r:id="rId5"/>
     <p:sldId id="278" r:id="rId6"/>
     <p:sldId id="259" r:id="rId7"/>
-    <p:sldId id="281" r:id="rId8"/>
-    <p:sldId id="260" r:id="rId9"/>
-    <p:sldId id="273" r:id="rId10"/>
-    <p:sldId id="276" r:id="rId11"/>
-    <p:sldId id="269" r:id="rId12"/>
-    <p:sldId id="270" r:id="rId13"/>
-    <p:sldId id="271" r:id="rId14"/>
-    <p:sldId id="274" r:id="rId15"/>
-    <p:sldId id="272" r:id="rId16"/>
-    <p:sldId id="275" r:id="rId17"/>
-    <p:sldId id="264" r:id="rId18"/>
-    <p:sldId id="277" r:id="rId19"/>
-    <p:sldId id="265" r:id="rId20"/>
+    <p:sldId id="260" r:id="rId8"/>
+    <p:sldId id="273" r:id="rId9"/>
+    <p:sldId id="276" r:id="rId10"/>
+    <p:sldId id="284" r:id="rId11"/>
+    <p:sldId id="286" r:id="rId12"/>
+    <p:sldId id="269" r:id="rId13"/>
+    <p:sldId id="270" r:id="rId14"/>
+    <p:sldId id="287" r:id="rId15"/>
+    <p:sldId id="271" r:id="rId16"/>
+    <p:sldId id="274" r:id="rId17"/>
+    <p:sldId id="272" r:id="rId18"/>
+    <p:sldId id="288" r:id="rId19"/>
+    <p:sldId id="275" r:id="rId20"/>
+    <p:sldId id="264" r:id="rId21"/>
+    <p:sldId id="277" r:id="rId22"/>
+    <p:sldId id="265" r:id="rId23"/>
   </p:sldIdLst>
   <p:sldSz cx="12192000" cy="6858000"/>
   <p:notesSz cx="6858000" cy="9144000"/>
@@ -227,7 +230,7 @@
             <a:fld id="{50184193-7F96-40D3-9B33-2DE57E3F35F0}" type="datetimeFigureOut">
               <a:rPr lang="ru-RU" smtClean="0"/>
               <a:pPr/>
-              <a:t>10.06.2023</a:t>
+              <a:t>11.06.2023</a:t>
             </a:fld>
             <a:endParaRPr lang="ru-RU"/>
           </a:p>
@@ -622,7 +625,7 @@
             <a:fld id="{74497A39-0B1D-4467-AFD5-7DFBD3023946}" type="datetimeFigureOut">
               <a:rPr lang="ru-RU" smtClean="0"/>
               <a:pPr/>
-              <a:t>10.06.2023</a:t>
+              <a:t>11.06.2023</a:t>
             </a:fld>
             <a:endParaRPr lang="ru-RU"/>
           </a:p>
@@ -792,7 +795,7 @@
             <a:fld id="{74497A39-0B1D-4467-AFD5-7DFBD3023946}" type="datetimeFigureOut">
               <a:rPr lang="ru-RU" smtClean="0"/>
               <a:pPr/>
-              <a:t>10.06.2023</a:t>
+              <a:t>11.06.2023</a:t>
             </a:fld>
             <a:endParaRPr lang="ru-RU"/>
           </a:p>
@@ -972,7 +975,7 @@
             <a:fld id="{74497A39-0B1D-4467-AFD5-7DFBD3023946}" type="datetimeFigureOut">
               <a:rPr lang="ru-RU" smtClean="0"/>
               <a:pPr/>
-              <a:t>10.06.2023</a:t>
+              <a:t>11.06.2023</a:t>
             </a:fld>
             <a:endParaRPr lang="ru-RU"/>
           </a:p>
@@ -1142,7 +1145,7 @@
             <a:fld id="{74497A39-0B1D-4467-AFD5-7DFBD3023946}" type="datetimeFigureOut">
               <a:rPr lang="ru-RU" smtClean="0"/>
               <a:pPr/>
-              <a:t>10.06.2023</a:t>
+              <a:t>11.06.2023</a:t>
             </a:fld>
             <a:endParaRPr lang="ru-RU"/>
           </a:p>
@@ -1389,7 +1392,7 @@
             <a:fld id="{74497A39-0B1D-4467-AFD5-7DFBD3023946}" type="datetimeFigureOut">
               <a:rPr lang="ru-RU" smtClean="0"/>
               <a:pPr/>
-              <a:t>10.06.2023</a:t>
+              <a:t>11.06.2023</a:t>
             </a:fld>
             <a:endParaRPr lang="ru-RU"/>
           </a:p>
@@ -1620,7 +1623,7 @@
             <a:fld id="{74497A39-0B1D-4467-AFD5-7DFBD3023946}" type="datetimeFigureOut">
               <a:rPr lang="ru-RU" smtClean="0"/>
               <a:pPr/>
-              <a:t>10.06.2023</a:t>
+              <a:t>11.06.2023</a:t>
             </a:fld>
             <a:endParaRPr lang="ru-RU"/>
           </a:p>
@@ -1986,7 +1989,7 @@
             <a:fld id="{74497A39-0B1D-4467-AFD5-7DFBD3023946}" type="datetimeFigureOut">
               <a:rPr lang="ru-RU" smtClean="0"/>
               <a:pPr/>
-              <a:t>10.06.2023</a:t>
+              <a:t>11.06.2023</a:t>
             </a:fld>
             <a:endParaRPr lang="ru-RU"/>
           </a:p>
@@ -2105,7 +2108,7 @@
             <a:fld id="{74497A39-0B1D-4467-AFD5-7DFBD3023946}" type="datetimeFigureOut">
               <a:rPr lang="ru-RU" smtClean="0"/>
               <a:pPr/>
-              <a:t>10.06.2023</a:t>
+              <a:t>11.06.2023</a:t>
             </a:fld>
             <a:endParaRPr lang="ru-RU"/>
           </a:p>
@@ -2202,7 +2205,7 @@
             <a:fld id="{74497A39-0B1D-4467-AFD5-7DFBD3023946}" type="datetimeFigureOut">
               <a:rPr lang="ru-RU" smtClean="0"/>
               <a:pPr/>
-              <a:t>10.06.2023</a:t>
+              <a:t>11.06.2023</a:t>
             </a:fld>
             <a:endParaRPr lang="ru-RU"/>
           </a:p>
@@ -2479,7 +2482,7 @@
             <a:fld id="{74497A39-0B1D-4467-AFD5-7DFBD3023946}" type="datetimeFigureOut">
               <a:rPr lang="ru-RU" smtClean="0"/>
               <a:pPr/>
-              <a:t>10.06.2023</a:t>
+              <a:t>11.06.2023</a:t>
             </a:fld>
             <a:endParaRPr lang="ru-RU"/>
           </a:p>
@@ -2733,7 +2736,7 @@
             <a:fld id="{74497A39-0B1D-4467-AFD5-7DFBD3023946}" type="datetimeFigureOut">
               <a:rPr lang="ru-RU" smtClean="0"/>
               <a:pPr/>
-              <a:t>10.06.2023</a:t>
+              <a:t>11.06.2023</a:t>
             </a:fld>
             <a:endParaRPr lang="ru-RU"/>
           </a:p>
@@ -2946,7 +2949,7 @@
             <a:fld id="{74497A39-0B1D-4467-AFD5-7DFBD3023946}" type="datetimeFigureOut">
               <a:rPr lang="ru-RU" smtClean="0"/>
               <a:pPr/>
-              <a:t>10.06.2023</a:t>
+              <a:t>11.06.2023</a:t>
             </a:fld>
             <a:endParaRPr lang="ru-RU"/>
           </a:p>
@@ -3771,7 +3774,7 @@
           <p:cNvPr id="2" name="Заголовок 1">
             <a:extLst>
               <a:ext uri="{FF2B5EF4-FFF2-40B4-BE49-F238E27FC236}">
-                <a16:creationId xmlns:a16="http://schemas.microsoft.com/office/drawing/2014/main" id="{0840D5A9-41ED-4B59-9EA5-F1CD10406071}"/>
+                <a16:creationId xmlns:a16="http://schemas.microsoft.com/office/drawing/2014/main" id="{2C16DA19-EF84-4917-88C5-BB4E90813D22}"/>
               </a:ext>
             </a:extLst>
           </p:cNvPr>
@@ -3782,238 +3785,182 @@
             <p:ph type="title"/>
           </p:nvPr>
         </p:nvSpPr>
-        <p:spPr/>
+        <p:spPr>
+          <a:xfrm>
+            <a:off x="1347539" y="232609"/>
+            <a:ext cx="4087453" cy="2602834"/>
+          </a:xfrm>
+          <a:solidFill>
+            <a:schemeClr val="accent1">
+              <a:lumMod val="40000"/>
+              <a:lumOff val="60000"/>
+            </a:schemeClr>
+          </a:solidFill>
+          <a:effectLst/>
+        </p:spPr>
         <p:txBody>
           <a:bodyPr/>
           <a:lstStyle/>
           <a:p>
             <a:r>
               <a:rPr lang="ru-RU" dirty="0"/>
-              <a:t>Апробация: Вход</a:t>
-            </a:r>
-          </a:p>
-        </p:txBody>
-      </p:sp>
-      <p:pic>
-        <p:nvPicPr>
-          <p:cNvPr id="5" name="Объект 4">
+              <a:t>Менеджер</a:t>
+            </a:r>
+          </a:p>
+        </p:txBody>
+      </p:sp>
+      <p:sp>
+        <p:nvSpPr>
+          <p:cNvPr id="6" name="Заголовок 1">
             <a:extLst>
               <a:ext uri="{FF2B5EF4-FFF2-40B4-BE49-F238E27FC236}">
-                <a16:creationId xmlns:a16="http://schemas.microsoft.com/office/drawing/2014/main" id="{21A4DEFD-FD93-45D9-AD38-CD441591A2D1}"/>
+                <a16:creationId xmlns:a16="http://schemas.microsoft.com/office/drawing/2014/main" id="{C7CDA922-9564-48F4-8C8B-773521517F37}"/>
               </a:ext>
             </a:extLst>
           </p:cNvPr>
-          <p:cNvPicPr>
-            <a:picLocks noGrp="1"/>
-          </p:cNvPicPr>
-          <p:nvPr>
-            <p:ph idx="1"/>
-          </p:nvPr>
-        </p:nvPicPr>
-        <p:blipFill>
-          <a:blip r:embed="rId2">
-            <a:extLst>
-              <a:ext uri="{28A0092B-C50C-407E-A947-70E740481C1C}">
-                <a14:useLocalDpi xmlns:a14="http://schemas.microsoft.com/office/drawing/2010/main" val="0"/>
-              </a:ext>
-            </a:extLst>
-          </a:blip>
-          <a:srcRect/>
-          <a:stretch>
-            <a:fillRect/>
-          </a:stretch>
-        </p:blipFill>
-        <p:spPr bwMode="auto">
-          <a:xfrm>
-            <a:off x="4710285" y="1690688"/>
-            <a:ext cx="2771429" cy="1123810"/>
+          <p:cNvSpPr txBox="1">
+            <a:spLocks/>
+          </p:cNvSpPr>
+          <p:nvPr/>
+        </p:nvSpPr>
+        <p:spPr>
+          <a:xfrm>
+            <a:off x="4113347" y="2127583"/>
+            <a:ext cx="4087453" cy="2602833"/>
           </a:xfrm>
           <a:prstGeom prst="rect">
             <a:avLst/>
           </a:prstGeom>
-          <a:noFill/>
-          <a:ln>
-            <a:noFill/>
-          </a:ln>
-        </p:spPr>
-      </p:pic>
-      <p:pic>
-        <p:nvPicPr>
-          <p:cNvPr id="6" name="Рисунок 5">
+          <a:solidFill>
+            <a:schemeClr val="accent1">
+              <a:lumMod val="60000"/>
+              <a:lumOff val="40000"/>
+            </a:schemeClr>
+          </a:solidFill>
+          <a:effectLst/>
+        </p:spPr>
+        <p:txBody>
+          <a:bodyPr vert="horz" lIns="91440" tIns="45720" rIns="91440" bIns="45720" rtlCol="0" anchor="ctr">
+            <a:normAutofit/>
+          </a:bodyPr>
+          <a:lstStyle>
+            <a:lvl1pPr algn="l" defTabSz="914400" rtl="0" eaLnBrk="1" latinLnBrk="0" hangingPunct="1">
+              <a:lnSpc>
+                <a:spcPct val="90000"/>
+              </a:lnSpc>
+              <a:spcBef>
+                <a:spcPct val="0"/>
+              </a:spcBef>
+              <a:buNone/>
+              <a:defRPr sz="4400" kern="1200">
+                <a:solidFill>
+                  <a:schemeClr val="tx1"/>
+                </a:solidFill>
+                <a:latin typeface="+mj-lt"/>
+                <a:ea typeface="+mj-ea"/>
+                <a:cs typeface="+mj-cs"/>
+              </a:defRPr>
+            </a:lvl1pPr>
+          </a:lstStyle>
+          <a:p>
+            <a:r>
+              <a:rPr lang="ru-RU" dirty="0"/>
+              <a:t>Администратор</a:t>
+            </a:r>
+          </a:p>
+        </p:txBody>
+      </p:sp>
+      <p:sp>
+        <p:nvSpPr>
+          <p:cNvPr id="8" name="Заголовок 1">
             <a:extLst>
               <a:ext uri="{FF2B5EF4-FFF2-40B4-BE49-F238E27FC236}">
-                <a16:creationId xmlns:a16="http://schemas.microsoft.com/office/drawing/2014/main" id="{16EFEB54-E7BD-4317-9F85-03A9A63734B6}"/>
+                <a16:creationId xmlns:a16="http://schemas.microsoft.com/office/drawing/2014/main" id="{A20038F1-8B5C-4C72-815A-029454ED012E}"/>
               </a:ext>
             </a:extLst>
           </p:cNvPr>
-          <p:cNvPicPr/>
+          <p:cNvSpPr txBox="1">
+            <a:spLocks/>
+          </p:cNvSpPr>
           <p:nvPr/>
-        </p:nvPicPr>
-        <p:blipFill>
-          <a:blip r:embed="rId3">
-            <a:extLst>
-              <a:ext uri="{28A0092B-C50C-407E-A947-70E740481C1C}">
-                <a14:useLocalDpi xmlns:a14="http://schemas.microsoft.com/office/drawing/2010/main" val="0"/>
-              </a:ext>
-            </a:extLst>
-          </a:blip>
-          <a:srcRect/>
-          <a:stretch>
-            <a:fillRect/>
-          </a:stretch>
-        </p:blipFill>
-        <p:spPr bwMode="auto">
-          <a:xfrm>
-            <a:off x="2216632" y="3089827"/>
-            <a:ext cx="2219325" cy="1314450"/>
+        </p:nvSpPr>
+        <p:spPr>
+          <a:xfrm>
+            <a:off x="6817895" y="3982449"/>
+            <a:ext cx="4087453" cy="2602832"/>
           </a:xfrm>
           <a:prstGeom prst="rect">
             <a:avLst/>
           </a:prstGeom>
-          <a:noFill/>
-          <a:ln>
-            <a:noFill/>
-          </a:ln>
-        </p:spPr>
-      </p:pic>
-      <p:pic>
-        <p:nvPicPr>
-          <p:cNvPr id="7" name="Рисунок 6">
-            <a:extLst>
-              <a:ext uri="{FF2B5EF4-FFF2-40B4-BE49-F238E27FC236}">
-                <a16:creationId xmlns:a16="http://schemas.microsoft.com/office/drawing/2014/main" id="{5C87A80B-C74B-4943-8E28-22A772E0663B}"/>
-              </a:ext>
-            </a:extLst>
-          </p:cNvPr>
-          <p:cNvPicPr/>
-          <p:nvPr/>
-        </p:nvPicPr>
-        <p:blipFill>
-          <a:blip r:embed="rId4">
-            <a:extLst>
-              <a:ext uri="{28A0092B-C50C-407E-A947-70E740481C1C}">
-                <a14:useLocalDpi xmlns:a14="http://schemas.microsoft.com/office/drawing/2010/main" val="0"/>
-              </a:ext>
-            </a:extLst>
-          </a:blip>
-          <a:srcRect/>
-          <a:stretch>
-            <a:fillRect/>
-          </a:stretch>
-        </p:blipFill>
-        <p:spPr bwMode="auto">
-          <a:xfrm>
-            <a:off x="2216632" y="4815923"/>
-            <a:ext cx="3314700" cy="1466850"/>
-          </a:xfrm>
-          <a:prstGeom prst="rect">
-            <a:avLst/>
-          </a:prstGeom>
-          <a:noFill/>
-          <a:ln>
-            <a:noFill/>
-          </a:ln>
-        </p:spPr>
-      </p:pic>
-      <p:pic>
-        <p:nvPicPr>
-          <p:cNvPr id="8" name="Рисунок 7">
-            <a:extLst>
-              <a:ext uri="{FF2B5EF4-FFF2-40B4-BE49-F238E27FC236}">
-                <a16:creationId xmlns:a16="http://schemas.microsoft.com/office/drawing/2014/main" id="{DB5265D5-4010-4789-9AB0-9F13F6677737}"/>
-              </a:ext>
-            </a:extLst>
-          </p:cNvPr>
-          <p:cNvPicPr/>
-          <p:nvPr/>
-        </p:nvPicPr>
-        <p:blipFill>
-          <a:blip r:embed="rId5">
-            <a:extLst>
-              <a:ext uri="{28A0092B-C50C-407E-A947-70E740481C1C}">
-                <a14:useLocalDpi xmlns:a14="http://schemas.microsoft.com/office/drawing/2010/main" val="0"/>
-              </a:ext>
-            </a:extLst>
-          </a:blip>
-          <a:srcRect/>
-          <a:stretch>
-            <a:fillRect/>
-          </a:stretch>
-        </p:blipFill>
-        <p:spPr bwMode="auto">
-          <a:xfrm>
-            <a:off x="7756045" y="3089827"/>
-            <a:ext cx="2063816" cy="1314450"/>
-          </a:xfrm>
-          <a:prstGeom prst="rect">
-            <a:avLst/>
-          </a:prstGeom>
-          <a:noFill/>
-          <a:ln>
-            <a:noFill/>
-          </a:ln>
-        </p:spPr>
-      </p:pic>
-      <p:pic>
-        <p:nvPicPr>
-          <p:cNvPr id="9" name="Рисунок 8">
-            <a:extLst>
-              <a:ext uri="{FF2B5EF4-FFF2-40B4-BE49-F238E27FC236}">
-                <a16:creationId xmlns:a16="http://schemas.microsoft.com/office/drawing/2014/main" id="{0CCFAF65-8E3E-4B3D-9049-49EBAD69911B}"/>
-              </a:ext>
-            </a:extLst>
-          </p:cNvPr>
-          <p:cNvPicPr/>
-          <p:nvPr/>
-        </p:nvPicPr>
-        <p:blipFill>
-          <a:blip r:embed="rId6">
-            <a:extLst>
-              <a:ext uri="{28A0092B-C50C-407E-A947-70E740481C1C}">
-                <a14:useLocalDpi xmlns:a14="http://schemas.microsoft.com/office/drawing/2010/main" val="0"/>
-              </a:ext>
-            </a:extLst>
-          </a:blip>
-          <a:srcRect/>
-          <a:stretch>
-            <a:fillRect/>
-          </a:stretch>
-        </p:blipFill>
-        <p:spPr bwMode="auto">
-          <a:xfrm>
-            <a:off x="7756045" y="4815923"/>
-            <a:ext cx="2828925" cy="1457325"/>
-          </a:xfrm>
-          <a:prstGeom prst="rect">
-            <a:avLst/>
-          </a:prstGeom>
-          <a:noFill/>
-          <a:ln>
-            <a:noFill/>
-          </a:ln>
-        </p:spPr>
-      </p:pic>
+          <a:solidFill>
+            <a:schemeClr val="accent1">
+              <a:lumMod val="75000"/>
+            </a:schemeClr>
+          </a:solidFill>
+          <a:effectLst/>
+        </p:spPr>
+        <p:txBody>
+          <a:bodyPr vert="horz" lIns="91440" tIns="45720" rIns="91440" bIns="45720" rtlCol="0" anchor="ctr">
+            <a:normAutofit/>
+          </a:bodyPr>
+          <a:lstStyle>
+            <a:lvl1pPr algn="l" defTabSz="914400" rtl="0" eaLnBrk="1" latinLnBrk="0" hangingPunct="1">
+              <a:lnSpc>
+                <a:spcPct val="90000"/>
+              </a:lnSpc>
+              <a:spcBef>
+                <a:spcPct val="0"/>
+              </a:spcBef>
+              <a:buNone/>
+              <a:defRPr sz="4400" kern="1200">
+                <a:solidFill>
+                  <a:schemeClr val="tx1"/>
+                </a:solidFill>
+                <a:latin typeface="+mj-lt"/>
+                <a:ea typeface="+mj-ea"/>
+                <a:cs typeface="+mj-cs"/>
+              </a:defRPr>
+            </a:lvl1pPr>
+          </a:lstStyle>
+          <a:p>
+            <a:r>
+              <a:rPr lang="ru-RU" dirty="0"/>
+              <a:t>Клиент</a:t>
+            </a:r>
+          </a:p>
+        </p:txBody>
+      </p:sp>
       <p:cxnSp>
         <p:nvCxnSpPr>
-          <p:cNvPr id="11" name="Прямая со стрелкой 10">
+          <p:cNvPr id="13" name="Соединитель: уступ 12">
             <a:extLst>
               <a:ext uri="{FF2B5EF4-FFF2-40B4-BE49-F238E27FC236}">
-                <a16:creationId xmlns:a16="http://schemas.microsoft.com/office/drawing/2014/main" id="{0DB74D9D-3FDD-43DC-908D-14BCF9545151}"/>
+                <a16:creationId xmlns:a16="http://schemas.microsoft.com/office/drawing/2014/main" id="{423FBC0C-6061-4D70-BE1F-F5AD5FCB34B2}"/>
               </a:ext>
             </a:extLst>
           </p:cNvPr>
-          <p:cNvCxnSpPr/>
+          <p:cNvCxnSpPr>
+            <a:cxnSpLocks/>
+            <a:stCxn id="2" idx="3"/>
+            <a:endCxn id="6" idx="0"/>
+          </p:cNvCxnSpPr>
           <p:nvPr/>
         </p:nvCxnSpPr>
         <p:spPr>
-          <a:xfrm flipH="1">
-            <a:off x="4435957" y="2814498"/>
-            <a:ext cx="274328" cy="275329"/>
-          </a:xfrm>
-          <a:prstGeom prst="straightConnector1">
+          <a:xfrm>
+            <a:off x="5434992" y="1534026"/>
+            <a:ext cx="722082" cy="593557"/>
+          </a:xfrm>
+          <a:prstGeom prst="bentConnector2">
             <a:avLst/>
           </a:prstGeom>
-          <a:ln>
+          <a:ln w="38100">
+            <a:solidFill>
+              <a:schemeClr val="accent1">
+                <a:lumMod val="60000"/>
+                <a:lumOff val="40000"/>
+              </a:schemeClr>
+            </a:solidFill>
             <a:tailEnd type="triangle"/>
           </a:ln>
         </p:spPr>
@@ -4034,27 +3981,34 @@
       </p:cxnSp>
       <p:cxnSp>
         <p:nvCxnSpPr>
-          <p:cNvPr id="12" name="Прямая со стрелкой 11">
+          <p:cNvPr id="16" name="Соединитель: уступ 15">
             <a:extLst>
               <a:ext uri="{FF2B5EF4-FFF2-40B4-BE49-F238E27FC236}">
-                <a16:creationId xmlns:a16="http://schemas.microsoft.com/office/drawing/2014/main" id="{A204C5DD-6CBD-42A3-BCC3-AC562B302B26}"/>
+                <a16:creationId xmlns:a16="http://schemas.microsoft.com/office/drawing/2014/main" id="{E1565AF2-13BC-4F94-9EFE-433CF75F2CE5}"/>
               </a:ext>
             </a:extLst>
           </p:cNvPr>
           <p:cNvCxnSpPr>
             <a:cxnSpLocks/>
+            <a:stCxn id="6" idx="3"/>
+            <a:endCxn id="8" idx="0"/>
           </p:cNvCxnSpPr>
           <p:nvPr/>
         </p:nvCxnSpPr>
         <p:spPr>
-          <a:xfrm rot="16200000" flipH="1">
-            <a:off x="7507543" y="2814999"/>
-            <a:ext cx="274328" cy="275329"/>
-          </a:xfrm>
-          <a:prstGeom prst="straightConnector1">
+          <a:xfrm>
+            <a:off x="8200800" y="3429000"/>
+            <a:ext cx="660822" cy="553449"/>
+          </a:xfrm>
+          <a:prstGeom prst="bentConnector2">
             <a:avLst/>
           </a:prstGeom>
-          <a:ln>
+          <a:ln w="38100">
+            <a:solidFill>
+              <a:schemeClr val="accent1">
+                <a:lumMod val="75000"/>
+              </a:schemeClr>
+            </a:solidFill>
             <a:tailEnd type="triangle"/>
           </a:ln>
         </p:spPr>
@@ -4073,141 +4027,10 @@
           </a:fontRef>
         </p:style>
       </p:cxnSp>
-      <p:cxnSp>
-        <p:nvCxnSpPr>
-          <p:cNvPr id="14" name="Прямая со стрелкой 13">
-            <a:extLst>
-              <a:ext uri="{FF2B5EF4-FFF2-40B4-BE49-F238E27FC236}">
-                <a16:creationId xmlns:a16="http://schemas.microsoft.com/office/drawing/2014/main" id="{A1CE936A-B9EE-4B1A-B7DB-96544CC11CB5}"/>
-              </a:ext>
-            </a:extLst>
-          </p:cNvPr>
-          <p:cNvCxnSpPr>
-            <a:stCxn id="6" idx="2"/>
-          </p:cNvCxnSpPr>
-          <p:nvPr/>
-        </p:nvCxnSpPr>
-        <p:spPr>
-          <a:xfrm flipH="1">
-            <a:off x="3326294" y="4404277"/>
-            <a:ext cx="1" cy="411646"/>
-          </a:xfrm>
-          <a:prstGeom prst="straightConnector1">
-            <a:avLst/>
-          </a:prstGeom>
-          <a:ln>
-            <a:tailEnd type="triangle"/>
-          </a:ln>
-        </p:spPr>
-        <p:style>
-          <a:lnRef idx="1">
-            <a:schemeClr val="accent1"/>
-          </a:lnRef>
-          <a:fillRef idx="0">
-            <a:schemeClr val="accent1"/>
-          </a:fillRef>
-          <a:effectRef idx="0">
-            <a:schemeClr val="accent1"/>
-          </a:effectRef>
-          <a:fontRef idx="minor">
-            <a:schemeClr val="tx1"/>
-          </a:fontRef>
-        </p:style>
-      </p:cxnSp>
-      <p:cxnSp>
-        <p:nvCxnSpPr>
-          <p:cNvPr id="16" name="Прямая со стрелкой 15">
-            <a:extLst>
-              <a:ext uri="{FF2B5EF4-FFF2-40B4-BE49-F238E27FC236}">
-                <a16:creationId xmlns:a16="http://schemas.microsoft.com/office/drawing/2014/main" id="{6ED569F2-510E-4DC0-8F1D-B6F2C305E858}"/>
-              </a:ext>
-            </a:extLst>
-          </p:cNvPr>
-          <p:cNvCxnSpPr>
-            <a:stCxn id="8" idx="2"/>
-          </p:cNvCxnSpPr>
-          <p:nvPr/>
-        </p:nvCxnSpPr>
-        <p:spPr>
-          <a:xfrm>
-            <a:off x="8787953" y="4404277"/>
-            <a:ext cx="0" cy="411646"/>
-          </a:xfrm>
-          <a:prstGeom prst="straightConnector1">
-            <a:avLst/>
-          </a:prstGeom>
-          <a:ln>
-            <a:tailEnd type="triangle"/>
-          </a:ln>
-        </p:spPr>
-        <p:style>
-          <a:lnRef idx="1">
-            <a:schemeClr val="accent1"/>
-          </a:lnRef>
-          <a:fillRef idx="0">
-            <a:schemeClr val="accent1"/>
-          </a:fillRef>
-          <a:effectRef idx="0">
-            <a:schemeClr val="accent1"/>
-          </a:effectRef>
-          <a:fontRef idx="minor">
-            <a:schemeClr val="tx1"/>
-          </a:fontRef>
-        </p:style>
-      </p:cxnSp>
-      <p:sp>
-        <p:nvSpPr>
-          <p:cNvPr id="13" name="Rectangle 5"/>
-          <p:cNvSpPr>
-            <a:spLocks noChangeArrowheads="1"/>
-          </p:cNvSpPr>
-          <p:nvPr/>
-        </p:nvSpPr>
-        <p:spPr bwMode="auto">
-          <a:xfrm>
-            <a:off x="-36513" y="6216650"/>
-            <a:ext cx="740848" cy="646331"/>
-          </a:xfrm>
-          <a:prstGeom prst="rect">
-            <a:avLst/>
-          </a:prstGeom>
-          <a:noFill/>
-          <a:ln w="9525">
-            <a:noFill/>
-            <a:miter lim="800000"/>
-            <a:headEnd/>
-            <a:tailEnd/>
-          </a:ln>
-        </p:spPr>
-        <p:txBody>
-          <a:bodyPr wrap="square">
-            <a:spAutoFit/>
-          </a:bodyPr>
-          <a:lstStyle/>
-          <a:p>
-            <a:fld id="{429F959E-B741-433B-A973-46DF433319B0}" type="slidenum">
-              <a:rPr lang="ru-RU" sz="3600" b="1">
-                <a:solidFill>
-                  <a:srgbClr val="AEAEAE"/>
-                </a:solidFill>
-                <a:latin typeface="Arial" charset="0"/>
-              </a:rPr>
-              <a:pPr/>
-              <a:t>10</a:t>
-            </a:fld>
-            <a:endParaRPr lang="ru-RU" sz="3600" b="1" dirty="0">
-              <a:solidFill>
-                <a:srgbClr val="AEAEAE"/>
-              </a:solidFill>
-              <a:latin typeface="Arial" charset="0"/>
-            </a:endParaRPr>
-          </a:p>
-        </p:txBody>
-      </p:sp>
     </p:spTree>
     <p:extLst>
       <p:ext uri="{BB962C8B-B14F-4D97-AF65-F5344CB8AC3E}">
-        <p14:creationId xmlns:p14="http://schemas.microsoft.com/office/powerpoint/2010/main" val="2749775643"/>
+        <p14:creationId xmlns:p14="http://schemas.microsoft.com/office/powerpoint/2010/main" val="2468794693"/>
       </p:ext>
     </p:extLst>
   </p:cSld>
@@ -4236,7 +4059,13 @@
       </p:grpSpPr>
       <p:sp>
         <p:nvSpPr>
-          <p:cNvPr id="2" name="Заголовок 1"/>
+          <p:cNvPr id="4" name="Заголовок 1">
+            <a:extLst>
+              <a:ext uri="{FF2B5EF4-FFF2-40B4-BE49-F238E27FC236}">
+                <a16:creationId xmlns:a16="http://schemas.microsoft.com/office/drawing/2014/main" id="{929D8FBB-E503-40B8-94B9-2CB0AF6AA77F}"/>
+              </a:ext>
+            </a:extLst>
+          </p:cNvPr>
           <p:cNvSpPr>
             <a:spLocks noGrp="1"/>
           </p:cNvSpPr>
@@ -4246,9 +4075,16 @@
         </p:nvSpPr>
         <p:spPr>
           <a:xfrm>
-            <a:off x="838200" y="0"/>
-            <a:ext cx="10515600" cy="1325563"/>
-          </a:xfrm>
+            <a:off x="4052273" y="2127583"/>
+            <a:ext cx="4087453" cy="2602834"/>
+          </a:xfrm>
+          <a:solidFill>
+            <a:schemeClr val="accent1">
+              <a:lumMod val="40000"/>
+              <a:lumOff val="60000"/>
+            </a:schemeClr>
+          </a:solidFill>
+          <a:effectLst/>
         </p:spPr>
         <p:txBody>
           <a:bodyPr/>
@@ -4256,133 +4092,15 @@
           <a:p>
             <a:r>
               <a:rPr lang="ru-RU" dirty="0"/>
-              <a:t>Апробация: Менеджер</a:t>
-            </a:r>
-          </a:p>
-        </p:txBody>
-      </p:sp>
-      <p:pic>
-        <p:nvPicPr>
-          <p:cNvPr id="7" name="Рисунок 6">
-            <a:extLst>
-              <a:ext uri="{FF2B5EF4-FFF2-40B4-BE49-F238E27FC236}">
-                <a16:creationId xmlns:a16="http://schemas.microsoft.com/office/drawing/2014/main" id="{F54C3B83-653A-40A4-8511-8F88E9455392}"/>
-              </a:ext>
-            </a:extLst>
-          </p:cNvPr>
-          <p:cNvPicPr/>
-          <p:nvPr/>
-        </p:nvPicPr>
-        <p:blipFill>
-          <a:blip r:embed="rId2">
-            <a:extLst>
-              <a:ext uri="{28A0092B-C50C-407E-A947-70E740481C1C}">
-                <a14:useLocalDpi xmlns:a14="http://schemas.microsoft.com/office/drawing/2010/main" val="0"/>
-              </a:ext>
-            </a:extLst>
-          </a:blip>
-          <a:srcRect/>
-          <a:stretch>
-            <a:fillRect/>
-          </a:stretch>
-        </p:blipFill>
-        <p:spPr bwMode="auto">
-          <a:xfrm>
-            <a:off x="838200" y="3959707"/>
-            <a:ext cx="10515600" cy="2103437"/>
-          </a:xfrm>
-          <a:prstGeom prst="rect">
-            <a:avLst/>
-          </a:prstGeom>
-          <a:noFill/>
-          <a:ln>
-            <a:noFill/>
-          </a:ln>
-        </p:spPr>
-      </p:pic>
-      <p:pic>
-        <p:nvPicPr>
-          <p:cNvPr id="5" name="Рисунок 4">
-            <a:extLst>
-              <a:ext uri="{FF2B5EF4-FFF2-40B4-BE49-F238E27FC236}">
-                <a16:creationId xmlns:a16="http://schemas.microsoft.com/office/drawing/2014/main" id="{941B767B-4462-4105-9BB8-37C8A1086E7C}"/>
-              </a:ext>
-            </a:extLst>
-          </p:cNvPr>
-          <p:cNvPicPr>
-            <a:picLocks noChangeAspect="1"/>
-          </p:cNvPicPr>
-          <p:nvPr/>
-        </p:nvPicPr>
-        <p:blipFill>
-          <a:blip r:embed="rId3"/>
-          <a:stretch>
-            <a:fillRect/>
-          </a:stretch>
-        </p:blipFill>
-        <p:spPr>
-          <a:xfrm>
-            <a:off x="788284" y="1591503"/>
-            <a:ext cx="10565516" cy="1734793"/>
-          </a:xfrm>
-          <a:prstGeom prst="rect">
-            <a:avLst/>
-          </a:prstGeom>
-        </p:spPr>
-      </p:pic>
-      <p:sp>
-        <p:nvSpPr>
-          <p:cNvPr id="6" name="Rectangle 5"/>
-          <p:cNvSpPr>
-            <a:spLocks noChangeArrowheads="1"/>
-          </p:cNvSpPr>
-          <p:nvPr/>
-        </p:nvSpPr>
-        <p:spPr bwMode="auto">
-          <a:xfrm>
-            <a:off x="-36513" y="6216650"/>
-            <a:ext cx="740848" cy="646331"/>
-          </a:xfrm>
-          <a:prstGeom prst="rect">
-            <a:avLst/>
-          </a:prstGeom>
-          <a:noFill/>
-          <a:ln w="9525">
-            <a:noFill/>
-            <a:miter lim="800000"/>
-            <a:headEnd/>
-            <a:tailEnd/>
-          </a:ln>
-        </p:spPr>
-        <p:txBody>
-          <a:bodyPr wrap="square">
-            <a:spAutoFit/>
-          </a:bodyPr>
-          <a:lstStyle/>
-          <a:p>
-            <a:fld id="{429F959E-B741-433B-A973-46DF433319B0}" type="slidenum">
-              <a:rPr lang="ru-RU" sz="3600" b="1">
-                <a:solidFill>
-                  <a:srgbClr val="AEAEAE"/>
-                </a:solidFill>
-                <a:latin typeface="Arial" charset="0"/>
-              </a:rPr>
-              <a:pPr/>
-              <a:t>11</a:t>
-            </a:fld>
-            <a:endParaRPr lang="ru-RU" sz="3600" b="1" dirty="0">
-              <a:solidFill>
-                <a:srgbClr val="AEAEAE"/>
-              </a:solidFill>
-              <a:latin typeface="Arial" charset="0"/>
-            </a:endParaRPr>
+              <a:t>Менеджер</a:t>
+            </a:r>
           </a:p>
         </p:txBody>
       </p:sp>
     </p:spTree>
     <p:extLst>
       <p:ext uri="{BB962C8B-B14F-4D97-AF65-F5344CB8AC3E}">
-        <p14:creationId xmlns:p14="http://schemas.microsoft.com/office/powerpoint/2010/main" val="3349157927"/>
+        <p14:creationId xmlns:p14="http://schemas.microsoft.com/office/powerpoint/2010/main" val="1100363981"/>
       </p:ext>
     </p:extLst>
   </p:cSld>
@@ -4431,17 +4149,17 @@
           <a:p>
             <a:r>
               <a:rPr lang="ru-RU" dirty="0"/>
-              <a:t>Апробация: Отчеты менеджера</a:t>
+              <a:t>Апробация: Менеджер</a:t>
             </a:r>
           </a:p>
         </p:txBody>
       </p:sp>
       <p:pic>
         <p:nvPicPr>
-          <p:cNvPr id="5" name="Рисунок 4">
+          <p:cNvPr id="7" name="Рисунок 6">
             <a:extLst>
               <a:ext uri="{FF2B5EF4-FFF2-40B4-BE49-F238E27FC236}">
-                <a16:creationId xmlns:a16="http://schemas.microsoft.com/office/drawing/2014/main" id="{0E4DBA9B-FF40-4631-8ED0-C2D695F65A53}"/>
+                <a16:creationId xmlns:a16="http://schemas.microsoft.com/office/drawing/2014/main" id="{F54C3B83-653A-40A4-8511-8F88E9455392}"/>
               </a:ext>
             </a:extLst>
           </p:cNvPr>
@@ -4463,8 +4181,8 @@
         </p:blipFill>
         <p:spPr bwMode="auto">
           <a:xfrm>
-            <a:off x="0" y="1325563"/>
-            <a:ext cx="6374296" cy="2769359"/>
+            <a:off x="838200" y="3959707"/>
+            <a:ext cx="10515600" cy="2103437"/>
           </a:xfrm>
           <a:prstGeom prst="rect">
             <a:avLst/>
@@ -4477,124 +4195,37 @@
       </p:pic>
       <p:pic>
         <p:nvPicPr>
-          <p:cNvPr id="9" name="Рисунок 8">
+          <p:cNvPr id="5" name="Рисунок 4">
             <a:extLst>
               <a:ext uri="{FF2B5EF4-FFF2-40B4-BE49-F238E27FC236}">
-                <a16:creationId xmlns:a16="http://schemas.microsoft.com/office/drawing/2014/main" id="{742E2FB8-8FC1-4468-BDE2-57C7796A0455}"/>
+                <a16:creationId xmlns:a16="http://schemas.microsoft.com/office/drawing/2014/main" id="{941B767B-4462-4105-9BB8-37C8A1086E7C}"/>
               </a:ext>
             </a:extLst>
           </p:cNvPr>
-          <p:cNvPicPr/>
+          <p:cNvPicPr>
+            <a:picLocks noChangeAspect="1"/>
+          </p:cNvPicPr>
           <p:nvPr/>
         </p:nvPicPr>
         <p:blipFill>
-          <a:blip r:embed="rId3">
-            <a:extLst>
-              <a:ext uri="{28A0092B-C50C-407E-A947-70E740481C1C}">
-                <a14:useLocalDpi xmlns:a14="http://schemas.microsoft.com/office/drawing/2010/main" val="0"/>
-              </a:ext>
-            </a:extLst>
-          </a:blip>
-          <a:srcRect/>
+          <a:blip r:embed="rId3"/>
           <a:stretch>
             <a:fillRect/>
           </a:stretch>
         </p:blipFill>
-        <p:spPr bwMode="auto">
-          <a:xfrm>
-            <a:off x="6296025" y="1325563"/>
-            <a:ext cx="5895975" cy="2769358"/>
+        <p:spPr>
+          <a:xfrm>
+            <a:off x="788284" y="1591503"/>
+            <a:ext cx="10565516" cy="1734793"/>
           </a:xfrm>
           <a:prstGeom prst="rect">
             <a:avLst/>
           </a:prstGeom>
-          <a:noFill/>
-          <a:ln>
-            <a:noFill/>
-          </a:ln>
         </p:spPr>
       </p:pic>
-      <p:pic>
-        <p:nvPicPr>
-          <p:cNvPr id="10" name="Рисунок 9">
-            <a:extLst>
-              <a:ext uri="{FF2B5EF4-FFF2-40B4-BE49-F238E27FC236}">
-                <a16:creationId xmlns:a16="http://schemas.microsoft.com/office/drawing/2014/main" id="{11D2E9E5-962C-407D-B89F-80DE8523A9E4}"/>
-              </a:ext>
-            </a:extLst>
-          </p:cNvPr>
-          <p:cNvPicPr/>
-          <p:nvPr/>
-        </p:nvPicPr>
-        <p:blipFill>
-          <a:blip r:embed="rId4">
-            <a:extLst>
-              <a:ext uri="{28A0092B-C50C-407E-A947-70E740481C1C}">
-                <a14:useLocalDpi xmlns:a14="http://schemas.microsoft.com/office/drawing/2010/main" val="0"/>
-              </a:ext>
-            </a:extLst>
-          </a:blip>
-          <a:srcRect/>
-          <a:stretch>
-            <a:fillRect/>
-          </a:stretch>
-        </p:blipFill>
-        <p:spPr bwMode="auto">
-          <a:xfrm>
-            <a:off x="92765" y="4094920"/>
-            <a:ext cx="11993218" cy="781879"/>
-          </a:xfrm>
-          <a:prstGeom prst="rect">
-            <a:avLst/>
-          </a:prstGeom>
-          <a:noFill/>
-          <a:ln>
-            <a:noFill/>
-          </a:ln>
-        </p:spPr>
-      </p:pic>
-      <p:pic>
-        <p:nvPicPr>
-          <p:cNvPr id="11" name="Рисунок 10">
-            <a:extLst>
-              <a:ext uri="{FF2B5EF4-FFF2-40B4-BE49-F238E27FC236}">
-                <a16:creationId xmlns:a16="http://schemas.microsoft.com/office/drawing/2014/main" id="{E46DBC82-F6A9-4C34-A8F0-A22862481CD1}"/>
-              </a:ext>
-            </a:extLst>
-          </p:cNvPr>
-          <p:cNvPicPr/>
-          <p:nvPr/>
-        </p:nvPicPr>
-        <p:blipFill>
-          <a:blip r:embed="rId5">
-            <a:extLst>
-              <a:ext uri="{28A0092B-C50C-407E-A947-70E740481C1C}">
-                <a14:useLocalDpi xmlns:a14="http://schemas.microsoft.com/office/drawing/2010/main" val="0"/>
-              </a:ext>
-            </a:extLst>
-          </a:blip>
-          <a:srcRect/>
-          <a:stretch>
-            <a:fillRect/>
-          </a:stretch>
-        </p:blipFill>
-        <p:spPr bwMode="auto">
-          <a:xfrm>
-            <a:off x="0" y="4916556"/>
-            <a:ext cx="12192000" cy="1981201"/>
-          </a:xfrm>
-          <a:prstGeom prst="rect">
-            <a:avLst/>
-          </a:prstGeom>
-          <a:noFill/>
-          <a:ln>
-            <a:noFill/>
-          </a:ln>
-        </p:spPr>
-      </p:pic>
-      <p:sp>
-        <p:nvSpPr>
-          <p:cNvPr id="7" name="Rectangle 5"/>
+      <p:sp>
+        <p:nvSpPr>
+          <p:cNvPr id="6" name="Rectangle 5"/>
           <p:cNvSpPr>
             <a:spLocks noChangeArrowheads="1"/>
           </p:cNvSpPr>
@@ -4644,7 +4275,7 @@
     </p:spTree>
     <p:extLst>
       <p:ext uri="{BB962C8B-B14F-4D97-AF65-F5344CB8AC3E}">
-        <p14:creationId xmlns:p14="http://schemas.microsoft.com/office/powerpoint/2010/main" val="2394274588"/>
+        <p14:creationId xmlns:p14="http://schemas.microsoft.com/office/powerpoint/2010/main" val="3349157927"/>
       </p:ext>
     </p:extLst>
   </p:cSld>
@@ -4673,13 +4304,7 @@
       </p:grpSpPr>
       <p:sp>
         <p:nvSpPr>
-          <p:cNvPr id="2" name="Заголовок 1">
-            <a:extLst>
-              <a:ext uri="{FF2B5EF4-FFF2-40B4-BE49-F238E27FC236}">
-                <a16:creationId xmlns:a16="http://schemas.microsoft.com/office/drawing/2014/main" id="{EACD7BE9-D70D-4B7A-879E-7029D4C82F4C}"/>
-              </a:ext>
-            </a:extLst>
-          </p:cNvPr>
+          <p:cNvPr id="2" name="Заголовок 1"/>
           <p:cNvSpPr>
             <a:spLocks noGrp="1"/>
           </p:cNvSpPr>
@@ -4687,56 +4312,29 @@
             <p:ph type="title"/>
           </p:nvPr>
         </p:nvSpPr>
-        <p:spPr/>
+        <p:spPr>
+          <a:xfrm>
+            <a:off x="838200" y="0"/>
+            <a:ext cx="10515600" cy="1325563"/>
+          </a:xfrm>
+        </p:spPr>
         <p:txBody>
           <a:bodyPr/>
           <a:lstStyle/>
           <a:p>
             <a:r>
               <a:rPr lang="ru-RU" dirty="0"/>
-              <a:t>Апробация: Администратор</a:t>
+              <a:t>Апробация: Отчеты менеджера</a:t>
             </a:r>
           </a:p>
         </p:txBody>
       </p:sp>
       <p:pic>
         <p:nvPicPr>
-          <p:cNvPr id="5" name="Объект 4">
+          <p:cNvPr id="5" name="Рисунок 4">
             <a:extLst>
               <a:ext uri="{FF2B5EF4-FFF2-40B4-BE49-F238E27FC236}">
-                <a16:creationId xmlns:a16="http://schemas.microsoft.com/office/drawing/2014/main" id="{DCBF9B19-E9E9-495D-B06C-D27ED2A94587}"/>
-              </a:ext>
-            </a:extLst>
-          </p:cNvPr>
-          <p:cNvPicPr>
-            <a:picLocks noGrp="1" noChangeAspect="1"/>
-          </p:cNvPicPr>
-          <p:nvPr>
-            <p:ph idx="1"/>
-          </p:nvPr>
-        </p:nvPicPr>
-        <p:blipFill>
-          <a:blip r:embed="rId2"/>
-          <a:stretch>
-            <a:fillRect/>
-          </a:stretch>
-        </p:blipFill>
-        <p:spPr>
-          <a:xfrm>
-            <a:off x="0" y="1563422"/>
-            <a:ext cx="2895851" cy="2213040"/>
-          </a:xfrm>
-          <a:prstGeom prst="rect">
-            <a:avLst/>
-          </a:prstGeom>
-        </p:spPr>
-      </p:pic>
-      <p:pic>
-        <p:nvPicPr>
-          <p:cNvPr id="6" name="Рисунок 5">
-            <a:extLst>
-              <a:ext uri="{FF2B5EF4-FFF2-40B4-BE49-F238E27FC236}">
-                <a16:creationId xmlns:a16="http://schemas.microsoft.com/office/drawing/2014/main" id="{0B230206-9484-4B0E-B232-BF8160208F1D}"/>
+                <a16:creationId xmlns:a16="http://schemas.microsoft.com/office/drawing/2014/main" id="{0E4DBA9B-FF40-4631-8ED0-C2D695F65A53}"/>
               </a:ext>
             </a:extLst>
           </p:cNvPr>
@@ -4744,7 +4342,7 @@
           <p:nvPr/>
         </p:nvPicPr>
         <p:blipFill>
-          <a:blip r:embed="rId3">
+          <a:blip r:embed="rId2">
             <a:extLst>
               <a:ext uri="{28A0092B-C50C-407E-A947-70E740481C1C}">
                 <a14:useLocalDpi xmlns:a14="http://schemas.microsoft.com/office/drawing/2010/main" val="0"/>
@@ -4758,8 +4356,8 @@
         </p:blipFill>
         <p:spPr bwMode="auto">
           <a:xfrm>
-            <a:off x="2883344" y="1561476"/>
-            <a:ext cx="3212656" cy="2362200"/>
+            <a:off x="0" y="1325563"/>
+            <a:ext cx="6374296" cy="2769359"/>
           </a:xfrm>
           <a:prstGeom prst="rect">
             <a:avLst/>
@@ -4772,10 +4370,10 @@
       </p:pic>
       <p:pic>
         <p:nvPicPr>
-          <p:cNvPr id="7" name="Рисунок 6">
+          <p:cNvPr id="9" name="Рисунок 8">
             <a:extLst>
               <a:ext uri="{FF2B5EF4-FFF2-40B4-BE49-F238E27FC236}">
-                <a16:creationId xmlns:a16="http://schemas.microsoft.com/office/drawing/2014/main" id="{9F1E78FF-F870-4A97-86BC-C8A137B2EE77}"/>
+                <a16:creationId xmlns:a16="http://schemas.microsoft.com/office/drawing/2014/main" id="{742E2FB8-8FC1-4468-BDE2-57C7796A0455}"/>
               </a:ext>
             </a:extLst>
           </p:cNvPr>
@@ -4783,7 +4381,7 @@
           <p:nvPr/>
         </p:nvPicPr>
         <p:blipFill>
-          <a:blip r:embed="rId4">
+          <a:blip r:embed="rId3">
             <a:extLst>
               <a:ext uri="{28A0092B-C50C-407E-A947-70E740481C1C}">
                 <a14:useLocalDpi xmlns:a14="http://schemas.microsoft.com/office/drawing/2010/main" val="0"/>
@@ -4797,8 +4395,8 @@
         </p:blipFill>
         <p:spPr bwMode="auto">
           <a:xfrm>
-            <a:off x="5976730" y="1809550"/>
-            <a:ext cx="6215270" cy="1966912"/>
+            <a:off x="6296025" y="1325563"/>
+            <a:ext cx="5895975" cy="2769358"/>
           </a:xfrm>
           <a:prstGeom prst="rect">
             <a:avLst/>
@@ -4811,10 +4409,10 @@
       </p:pic>
       <p:pic>
         <p:nvPicPr>
-          <p:cNvPr id="8" name="Рисунок 7">
+          <p:cNvPr id="10" name="Рисунок 9">
             <a:extLst>
               <a:ext uri="{FF2B5EF4-FFF2-40B4-BE49-F238E27FC236}">
-                <a16:creationId xmlns:a16="http://schemas.microsoft.com/office/drawing/2014/main" id="{B59BA806-8E98-44C9-BB3F-27040A46D646}"/>
+                <a16:creationId xmlns:a16="http://schemas.microsoft.com/office/drawing/2014/main" id="{11D2E9E5-962C-407D-B89F-80DE8523A9E4}"/>
               </a:ext>
             </a:extLst>
           </p:cNvPr>
@@ -4822,7 +4420,7 @@
           <p:nvPr/>
         </p:nvPicPr>
         <p:blipFill>
-          <a:blip r:embed="rId5">
+          <a:blip r:embed="rId4">
             <a:extLst>
               <a:ext uri="{28A0092B-C50C-407E-A947-70E740481C1C}">
                 <a14:useLocalDpi xmlns:a14="http://schemas.microsoft.com/office/drawing/2010/main" val="0"/>
@@ -4836,8 +4434,8 @@
         </p:blipFill>
         <p:spPr bwMode="auto">
           <a:xfrm>
-            <a:off x="0" y="4052888"/>
-            <a:ext cx="12192000" cy="2526823"/>
+            <a:off x="92765" y="4094920"/>
+            <a:ext cx="11993218" cy="781879"/>
           </a:xfrm>
           <a:prstGeom prst="rect">
             <a:avLst/>
@@ -4848,9 +4446,48 @@
           </a:ln>
         </p:spPr>
       </p:pic>
-      <p:sp>
-        <p:nvSpPr>
-          <p:cNvPr id="9" name="Rectangle 5"/>
+      <p:pic>
+        <p:nvPicPr>
+          <p:cNvPr id="11" name="Рисунок 10">
+            <a:extLst>
+              <a:ext uri="{FF2B5EF4-FFF2-40B4-BE49-F238E27FC236}">
+                <a16:creationId xmlns:a16="http://schemas.microsoft.com/office/drawing/2014/main" id="{E46DBC82-F6A9-4C34-A8F0-A22862481CD1}"/>
+              </a:ext>
+            </a:extLst>
+          </p:cNvPr>
+          <p:cNvPicPr/>
+          <p:nvPr/>
+        </p:nvPicPr>
+        <p:blipFill>
+          <a:blip r:embed="rId5">
+            <a:extLst>
+              <a:ext uri="{28A0092B-C50C-407E-A947-70E740481C1C}">
+                <a14:useLocalDpi xmlns:a14="http://schemas.microsoft.com/office/drawing/2010/main" val="0"/>
+              </a:ext>
+            </a:extLst>
+          </a:blip>
+          <a:srcRect/>
+          <a:stretch>
+            <a:fillRect/>
+          </a:stretch>
+        </p:blipFill>
+        <p:spPr bwMode="auto">
+          <a:xfrm>
+            <a:off x="0" y="4916556"/>
+            <a:ext cx="12192000" cy="1981201"/>
+          </a:xfrm>
+          <a:prstGeom prst="rect">
+            <a:avLst/>
+          </a:prstGeom>
+          <a:noFill/>
+          <a:ln>
+            <a:noFill/>
+          </a:ln>
+        </p:spPr>
+      </p:pic>
+      <p:sp>
+        <p:nvSpPr>
+          <p:cNvPr id="7" name="Rectangle 5"/>
           <p:cNvSpPr>
             <a:spLocks noChangeArrowheads="1"/>
           </p:cNvSpPr>
@@ -4900,7 +4537,7 @@
     </p:spTree>
     <p:extLst>
       <p:ext uri="{BB962C8B-B14F-4D97-AF65-F5344CB8AC3E}">
-        <p14:creationId xmlns:p14="http://schemas.microsoft.com/office/powerpoint/2010/main" val="658956323"/>
+        <p14:creationId xmlns:p14="http://schemas.microsoft.com/office/powerpoint/2010/main" val="2394274588"/>
       </p:ext>
     </p:extLst>
   </p:cSld>
@@ -4929,328 +4566,69 @@
       </p:grpSpPr>
       <p:sp>
         <p:nvSpPr>
-          <p:cNvPr id="2" name="Заголовок 1">
+          <p:cNvPr id="7" name="Заголовок 1">
             <a:extLst>
               <a:ext uri="{FF2B5EF4-FFF2-40B4-BE49-F238E27FC236}">
-                <a16:creationId xmlns:a16="http://schemas.microsoft.com/office/drawing/2014/main" id="{3987E056-ABDC-4EF5-B45E-EB0413E17B80}"/>
+                <a16:creationId xmlns:a16="http://schemas.microsoft.com/office/drawing/2014/main" id="{9D51FC73-AFF1-4698-8241-DE1C36BDBB27}"/>
               </a:ext>
             </a:extLst>
           </p:cNvPr>
-          <p:cNvSpPr>
-            <a:spLocks noGrp="1"/>
-          </p:cNvSpPr>
-          <p:nvPr>
-            <p:ph type="title"/>
-          </p:nvPr>
+          <p:cNvSpPr txBox="1">
+            <a:spLocks/>
+          </p:cNvSpPr>
+          <p:nvPr/>
         </p:nvSpPr>
         <p:spPr>
           <a:xfrm>
-            <a:off x="838200" y="325368"/>
-            <a:ext cx="10515600" cy="1325563"/>
-          </a:xfrm>
-        </p:spPr>
-        <p:txBody>
-          <a:bodyPr/>
-          <a:lstStyle/>
-          <a:p>
-            <a:r>
-              <a:rPr lang="ru-RU" dirty="0"/>
-              <a:t>Апробация: Администратор</a:t>
-            </a:r>
-          </a:p>
-        </p:txBody>
-      </p:sp>
-      <p:pic>
-        <p:nvPicPr>
-          <p:cNvPr id="4" name="Объект 3">
-            <a:extLst>
-              <a:ext uri="{FF2B5EF4-FFF2-40B4-BE49-F238E27FC236}">
-                <a16:creationId xmlns:a16="http://schemas.microsoft.com/office/drawing/2014/main" id="{0897BBC5-01E9-41B3-B556-4F55FB6366C6}"/>
-              </a:ext>
-            </a:extLst>
-          </p:cNvPr>
-          <p:cNvPicPr>
-            <a:picLocks noGrp="1"/>
-          </p:cNvPicPr>
-          <p:nvPr>
-            <p:ph idx="1"/>
-          </p:nvPr>
-        </p:nvPicPr>
-        <p:blipFill>
-          <a:blip r:embed="rId2">
-            <a:extLst>
-              <a:ext uri="{28A0092B-C50C-407E-A947-70E740481C1C}">
-                <a14:useLocalDpi xmlns:a14="http://schemas.microsoft.com/office/drawing/2010/main" val="0"/>
-              </a:ext>
-            </a:extLst>
-          </a:blip>
-          <a:srcRect/>
-          <a:stretch>
-            <a:fillRect/>
-          </a:stretch>
-        </p:blipFill>
-        <p:spPr bwMode="auto">
-          <a:xfrm>
-            <a:off x="121893" y="2180635"/>
-            <a:ext cx="3498574" cy="2289726"/>
+            <a:off x="4052273" y="2127583"/>
+            <a:ext cx="4087453" cy="2602833"/>
           </a:xfrm>
           <a:prstGeom prst="rect">
             <a:avLst/>
           </a:prstGeom>
-          <a:noFill/>
-          <a:ln>
-            <a:noFill/>
-          </a:ln>
-        </p:spPr>
-      </p:pic>
-      <p:pic>
-        <p:nvPicPr>
-          <p:cNvPr id="5" name="Рисунок 4">
-            <a:extLst>
-              <a:ext uri="{FF2B5EF4-FFF2-40B4-BE49-F238E27FC236}">
-                <a16:creationId xmlns:a16="http://schemas.microsoft.com/office/drawing/2014/main" id="{04D3CC89-8FE5-4068-A1A9-3D9F2190E565}"/>
-              </a:ext>
-            </a:extLst>
-          </p:cNvPr>
-          <p:cNvPicPr/>
-          <p:nvPr/>
-        </p:nvPicPr>
-        <p:blipFill>
-          <a:blip r:embed="rId3">
-            <a:extLst>
-              <a:ext uri="{28A0092B-C50C-407E-A947-70E740481C1C}">
-                <a14:useLocalDpi xmlns:a14="http://schemas.microsoft.com/office/drawing/2010/main" val="0"/>
-              </a:ext>
-            </a:extLst>
-          </a:blip>
-          <a:srcRect/>
-          <a:stretch>
-            <a:fillRect/>
-          </a:stretch>
-        </p:blipFill>
-        <p:spPr bwMode="auto">
-          <a:xfrm>
-            <a:off x="3795502" y="2180635"/>
-            <a:ext cx="3000240" cy="1924050"/>
-          </a:xfrm>
-          <a:prstGeom prst="rect">
-            <a:avLst/>
-          </a:prstGeom>
-          <a:noFill/>
-          <a:ln>
-            <a:noFill/>
-          </a:ln>
-        </p:spPr>
-      </p:pic>
-      <p:pic>
-        <p:nvPicPr>
-          <p:cNvPr id="6" name="Рисунок 5">
-            <a:extLst>
-              <a:ext uri="{FF2B5EF4-FFF2-40B4-BE49-F238E27FC236}">
-                <a16:creationId xmlns:a16="http://schemas.microsoft.com/office/drawing/2014/main" id="{DC6469DD-0AA4-4D4C-A4C6-88A0D3831337}"/>
-              </a:ext>
-            </a:extLst>
-          </p:cNvPr>
-          <p:cNvPicPr/>
-          <p:nvPr/>
-        </p:nvPicPr>
-        <p:blipFill>
-          <a:blip r:embed="rId4">
-            <a:extLst>
-              <a:ext uri="{28A0092B-C50C-407E-A947-70E740481C1C}">
-                <a14:useLocalDpi xmlns:a14="http://schemas.microsoft.com/office/drawing/2010/main" val="0"/>
-              </a:ext>
-            </a:extLst>
-          </a:blip>
-          <a:srcRect/>
-          <a:stretch>
-            <a:fillRect/>
-          </a:stretch>
-        </p:blipFill>
-        <p:spPr bwMode="auto">
-          <a:xfrm>
-            <a:off x="6896379" y="2381844"/>
-            <a:ext cx="4848225" cy="1228725"/>
-          </a:xfrm>
-          <a:prstGeom prst="rect">
-            <a:avLst/>
-          </a:prstGeom>
-          <a:noFill/>
-          <a:ln>
-            <a:noFill/>
-          </a:ln>
-        </p:spPr>
-      </p:pic>
-      <p:pic>
-        <p:nvPicPr>
-          <p:cNvPr id="8" name="Рисунок 7">
-            <a:extLst>
-              <a:ext uri="{FF2B5EF4-FFF2-40B4-BE49-F238E27FC236}">
-                <a16:creationId xmlns:a16="http://schemas.microsoft.com/office/drawing/2014/main" id="{7ED744EC-28DA-4FFB-884F-B55F19DF3FB0}"/>
-              </a:ext>
-            </a:extLst>
-          </p:cNvPr>
-          <p:cNvPicPr/>
-          <p:nvPr/>
-        </p:nvPicPr>
-        <p:blipFill>
-          <a:blip r:embed="rId5">
-            <a:extLst>
-              <a:ext uri="{28A0092B-C50C-407E-A947-70E740481C1C}">
-                <a14:useLocalDpi xmlns:a14="http://schemas.microsoft.com/office/drawing/2010/main" val="0"/>
-              </a:ext>
-            </a:extLst>
-          </a:blip>
-          <a:srcRect/>
-          <a:stretch>
-            <a:fillRect/>
-          </a:stretch>
-        </p:blipFill>
-        <p:spPr bwMode="auto">
-          <a:xfrm>
-            <a:off x="0" y="4594633"/>
-            <a:ext cx="3742361" cy="1445361"/>
-          </a:xfrm>
-          <a:prstGeom prst="rect">
-            <a:avLst/>
-          </a:prstGeom>
-          <a:noFill/>
-          <a:ln>
-            <a:noFill/>
-          </a:ln>
-        </p:spPr>
-      </p:pic>
-      <p:pic>
-        <p:nvPicPr>
-          <p:cNvPr id="9" name="Рисунок 8">
-            <a:extLst>
-              <a:ext uri="{FF2B5EF4-FFF2-40B4-BE49-F238E27FC236}">
-                <a16:creationId xmlns:a16="http://schemas.microsoft.com/office/drawing/2014/main" id="{27FDB62C-2CFD-4B1C-A8C4-0CD2BDB3056F}"/>
-              </a:ext>
-            </a:extLst>
-          </p:cNvPr>
-          <p:cNvPicPr/>
-          <p:nvPr/>
-        </p:nvPicPr>
-        <p:blipFill>
-          <a:blip r:embed="rId6">
-            <a:extLst>
-              <a:ext uri="{28A0092B-C50C-407E-A947-70E740481C1C}">
-                <a14:useLocalDpi xmlns:a14="http://schemas.microsoft.com/office/drawing/2010/main" val="0"/>
-              </a:ext>
-            </a:extLst>
-          </a:blip>
-          <a:srcRect/>
-          <a:stretch>
-            <a:fillRect/>
-          </a:stretch>
-        </p:blipFill>
-        <p:spPr bwMode="auto">
-          <a:xfrm>
-            <a:off x="3742361" y="4594633"/>
-            <a:ext cx="3742362" cy="1228725"/>
-          </a:xfrm>
-          <a:prstGeom prst="rect">
-            <a:avLst/>
-          </a:prstGeom>
-          <a:noFill/>
-          <a:ln>
-            <a:noFill/>
-          </a:ln>
-        </p:spPr>
-      </p:pic>
-      <p:pic>
-        <p:nvPicPr>
-          <p:cNvPr id="10" name="Рисунок 9">
-            <a:extLst>
-              <a:ext uri="{FF2B5EF4-FFF2-40B4-BE49-F238E27FC236}">
-                <a16:creationId xmlns:a16="http://schemas.microsoft.com/office/drawing/2014/main" id="{B9A38013-0E04-4AE8-9D29-67F6385835D1}"/>
-              </a:ext>
-            </a:extLst>
-          </p:cNvPr>
-          <p:cNvPicPr/>
-          <p:nvPr/>
-        </p:nvPicPr>
-        <p:blipFill>
-          <a:blip r:embed="rId7">
-            <a:extLst>
-              <a:ext uri="{28A0092B-C50C-407E-A947-70E740481C1C}">
-                <a14:useLocalDpi xmlns:a14="http://schemas.microsoft.com/office/drawing/2010/main" val="0"/>
-              </a:ext>
-            </a:extLst>
-          </a:blip>
-          <a:srcRect/>
-          <a:stretch>
-            <a:fillRect/>
-          </a:stretch>
-        </p:blipFill>
-        <p:spPr bwMode="auto">
-          <a:xfrm>
-            <a:off x="7484722" y="4469905"/>
-            <a:ext cx="4548250" cy="1570089"/>
-          </a:xfrm>
-          <a:prstGeom prst="rect">
-            <a:avLst/>
-          </a:prstGeom>
-          <a:noFill/>
-          <a:ln>
-            <a:noFill/>
-          </a:ln>
-        </p:spPr>
-      </p:pic>
-      <p:sp>
-        <p:nvSpPr>
-          <p:cNvPr id="11" name="Rectangle 5"/>
-          <p:cNvSpPr>
-            <a:spLocks noChangeArrowheads="1"/>
-          </p:cNvSpPr>
-          <p:nvPr/>
-        </p:nvSpPr>
-        <p:spPr bwMode="auto">
-          <a:xfrm>
-            <a:off x="-36513" y="6216650"/>
-            <a:ext cx="740848" cy="646331"/>
-          </a:xfrm>
-          <a:prstGeom prst="rect">
-            <a:avLst/>
-          </a:prstGeom>
-          <a:noFill/>
-          <a:ln w="9525">
-            <a:noFill/>
-            <a:miter lim="800000"/>
-            <a:headEnd/>
-            <a:tailEnd/>
-          </a:ln>
-        </p:spPr>
-        <p:txBody>
-          <a:bodyPr wrap="square">
-            <a:spAutoFit/>
+          <a:solidFill>
+            <a:schemeClr val="accent1">
+              <a:lumMod val="60000"/>
+              <a:lumOff val="40000"/>
+            </a:schemeClr>
+          </a:solidFill>
+          <a:effectLst/>
+        </p:spPr>
+        <p:txBody>
+          <a:bodyPr vert="horz" lIns="91440" tIns="45720" rIns="91440" bIns="45720" rtlCol="0" anchor="ctr">
+            <a:normAutofit/>
           </a:bodyPr>
-          <a:lstStyle/>
-          <a:p>
-            <a:fld id="{429F959E-B741-433B-A973-46DF433319B0}" type="slidenum">
-              <a:rPr lang="ru-RU" sz="3600" b="1">
+          <a:lstStyle>
+            <a:lvl1pPr algn="l" defTabSz="914400" rtl="0" eaLnBrk="1" latinLnBrk="0" hangingPunct="1">
+              <a:lnSpc>
+                <a:spcPct val="90000"/>
+              </a:lnSpc>
+              <a:spcBef>
+                <a:spcPct val="0"/>
+              </a:spcBef>
+              <a:buNone/>
+              <a:defRPr sz="4400" kern="1200">
                 <a:solidFill>
-                  <a:srgbClr val="AEAEAE"/>
+                  <a:schemeClr val="tx1"/>
                 </a:solidFill>
-                <a:latin typeface="Arial" charset="0"/>
-              </a:rPr>
-              <a:pPr/>
-              <a:t>14</a:t>
-            </a:fld>
-            <a:endParaRPr lang="ru-RU" sz="3600" b="1" dirty="0">
-              <a:solidFill>
-                <a:srgbClr val="AEAEAE"/>
-              </a:solidFill>
-              <a:latin typeface="Arial" charset="0"/>
-            </a:endParaRPr>
+                <a:latin typeface="+mj-lt"/>
+                <a:ea typeface="+mj-ea"/>
+                <a:cs typeface="+mj-cs"/>
+              </a:defRPr>
+            </a:lvl1pPr>
+          </a:lstStyle>
+          <a:p>
+            <a:r>
+              <a:rPr lang="ru-RU" dirty="0"/>
+              <a:t>Администратор</a:t>
+            </a:r>
           </a:p>
         </p:txBody>
       </p:sp>
     </p:spTree>
     <p:extLst>
       <p:ext uri="{BB962C8B-B14F-4D97-AF65-F5344CB8AC3E}">
-        <p14:creationId xmlns:p14="http://schemas.microsoft.com/office/powerpoint/2010/main" val="1206766381"/>
+        <p14:creationId xmlns:p14="http://schemas.microsoft.com/office/powerpoint/2010/main" val="2399572774"/>
       </p:ext>
     </p:extLst>
   </p:cSld>
@@ -5282,7 +4660,7 @@
           <p:cNvPr id="2" name="Заголовок 1">
             <a:extLst>
               <a:ext uri="{FF2B5EF4-FFF2-40B4-BE49-F238E27FC236}">
-                <a16:creationId xmlns:a16="http://schemas.microsoft.com/office/drawing/2014/main" id="{149BA20A-6ADE-477A-B2CB-54BE68DCBDDF}"/>
+                <a16:creationId xmlns:a16="http://schemas.microsoft.com/office/drawing/2014/main" id="{EACD7BE9-D70D-4B7A-879E-7029D4C82F4C}"/>
               </a:ext>
             </a:extLst>
           </p:cNvPr>
@@ -5300,29 +4678,57 @@
           <a:p>
             <a:r>
               <a:rPr lang="ru-RU" dirty="0"/>
-              <a:t>Апробация: Отчеты администратора</a:t>
+              <a:t>Апробация: Администратор</a:t>
             </a:r>
           </a:p>
         </p:txBody>
       </p:sp>
       <p:pic>
         <p:nvPicPr>
-          <p:cNvPr id="8" name="Объект 7">
+          <p:cNvPr id="5" name="Объект 4">
             <a:extLst>
               <a:ext uri="{FF2B5EF4-FFF2-40B4-BE49-F238E27FC236}">
-                <a16:creationId xmlns:a16="http://schemas.microsoft.com/office/drawing/2014/main" id="{0E6D0235-03BC-424F-AB46-979E9C0E744E}"/>
+                <a16:creationId xmlns:a16="http://schemas.microsoft.com/office/drawing/2014/main" id="{DCBF9B19-E9E9-495D-B06C-D27ED2A94587}"/>
               </a:ext>
             </a:extLst>
           </p:cNvPr>
           <p:cNvPicPr>
-            <a:picLocks noGrp="1"/>
+            <a:picLocks noGrp="1" noChangeAspect="1"/>
           </p:cNvPicPr>
           <p:nvPr>
             <p:ph idx="1"/>
           </p:nvPr>
         </p:nvPicPr>
         <p:blipFill>
-          <a:blip r:embed="rId2">
+          <a:blip r:embed="rId2"/>
+          <a:stretch>
+            <a:fillRect/>
+          </a:stretch>
+        </p:blipFill>
+        <p:spPr>
+          <a:xfrm>
+            <a:off x="0" y="1563422"/>
+            <a:ext cx="2895851" cy="2213040"/>
+          </a:xfrm>
+          <a:prstGeom prst="rect">
+            <a:avLst/>
+          </a:prstGeom>
+        </p:spPr>
+      </p:pic>
+      <p:pic>
+        <p:nvPicPr>
+          <p:cNvPr id="6" name="Рисунок 5">
+            <a:extLst>
+              <a:ext uri="{FF2B5EF4-FFF2-40B4-BE49-F238E27FC236}">
+                <a16:creationId xmlns:a16="http://schemas.microsoft.com/office/drawing/2014/main" id="{0B230206-9484-4B0E-B232-BF8160208F1D}"/>
+              </a:ext>
+            </a:extLst>
+          </p:cNvPr>
+          <p:cNvPicPr/>
+          <p:nvPr/>
+        </p:nvPicPr>
+        <p:blipFill>
+          <a:blip r:embed="rId3">
             <a:extLst>
               <a:ext uri="{28A0092B-C50C-407E-A947-70E740481C1C}">
                 <a14:useLocalDpi xmlns:a14="http://schemas.microsoft.com/office/drawing/2010/main" val="0"/>
@@ -5336,8 +4742,8 @@
         </p:blipFill>
         <p:spPr bwMode="auto">
           <a:xfrm>
-            <a:off x="0" y="1393500"/>
-            <a:ext cx="5905499" cy="2886952"/>
+            <a:off x="2883344" y="1561476"/>
+            <a:ext cx="3212656" cy="2362200"/>
           </a:xfrm>
           <a:prstGeom prst="rect">
             <a:avLst/>
@@ -5350,10 +4756,10 @@
       </p:pic>
       <p:pic>
         <p:nvPicPr>
-          <p:cNvPr id="9" name="Рисунок 8">
+          <p:cNvPr id="7" name="Рисунок 6">
             <a:extLst>
               <a:ext uri="{FF2B5EF4-FFF2-40B4-BE49-F238E27FC236}">
-                <a16:creationId xmlns:a16="http://schemas.microsoft.com/office/drawing/2014/main" id="{6B7771B5-0CA2-498F-9B41-D74D61499671}"/>
+                <a16:creationId xmlns:a16="http://schemas.microsoft.com/office/drawing/2014/main" id="{9F1E78FF-F870-4A97-86BC-C8A137B2EE77}"/>
               </a:ext>
             </a:extLst>
           </p:cNvPr>
@@ -5361,7 +4767,7 @@
           <p:nvPr/>
         </p:nvPicPr>
         <p:blipFill>
-          <a:blip r:embed="rId3">
+          <a:blip r:embed="rId4">
             <a:extLst>
               <a:ext uri="{28A0092B-C50C-407E-A947-70E740481C1C}">
                 <a14:useLocalDpi xmlns:a14="http://schemas.microsoft.com/office/drawing/2010/main" val="0"/>
@@ -5375,8 +4781,8 @@
         </p:blipFill>
         <p:spPr bwMode="auto">
           <a:xfrm>
-            <a:off x="5905499" y="1393500"/>
-            <a:ext cx="6286501" cy="2833942"/>
+            <a:off x="5976730" y="1809550"/>
+            <a:ext cx="6215270" cy="1966912"/>
           </a:xfrm>
           <a:prstGeom prst="rect">
             <a:avLst/>
@@ -5389,10 +4795,10 @@
       </p:pic>
       <p:pic>
         <p:nvPicPr>
-          <p:cNvPr id="10" name="Рисунок 9">
+          <p:cNvPr id="8" name="Рисунок 7">
             <a:extLst>
               <a:ext uri="{FF2B5EF4-FFF2-40B4-BE49-F238E27FC236}">
-                <a16:creationId xmlns:a16="http://schemas.microsoft.com/office/drawing/2014/main" id="{020D67A5-8E7D-425A-B972-8C5271049CB5}"/>
+                <a16:creationId xmlns:a16="http://schemas.microsoft.com/office/drawing/2014/main" id="{B59BA806-8E98-44C9-BB3F-27040A46D646}"/>
               </a:ext>
             </a:extLst>
           </p:cNvPr>
@@ -5400,7 +4806,7 @@
           <p:nvPr/>
         </p:nvPicPr>
         <p:blipFill>
-          <a:blip r:embed="rId4">
+          <a:blip r:embed="rId5">
             <a:extLst>
               <a:ext uri="{28A0092B-C50C-407E-A947-70E740481C1C}">
                 <a14:useLocalDpi xmlns:a14="http://schemas.microsoft.com/office/drawing/2010/main" val="0"/>
@@ -5414,8 +4820,8 @@
         </p:blipFill>
         <p:spPr bwMode="auto">
           <a:xfrm>
-            <a:off x="0" y="4280450"/>
-            <a:ext cx="12192000" cy="2617306"/>
+            <a:off x="0" y="4052888"/>
+            <a:ext cx="12192000" cy="2526823"/>
           </a:xfrm>
           <a:prstGeom prst="rect">
             <a:avLst/>
@@ -5428,7 +4834,7 @@
       </p:pic>
       <p:sp>
         <p:nvSpPr>
-          <p:cNvPr id="6" name="Rectangle 5"/>
+          <p:cNvPr id="9" name="Rectangle 5"/>
           <p:cNvSpPr>
             <a:spLocks noChangeArrowheads="1"/>
           </p:cNvSpPr>
@@ -5478,7 +4884,7 @@
     </p:spTree>
     <p:extLst>
       <p:ext uri="{BB962C8B-B14F-4D97-AF65-F5344CB8AC3E}">
-        <p14:creationId xmlns:p14="http://schemas.microsoft.com/office/powerpoint/2010/main" val="1517674079"/>
+        <p14:creationId xmlns:p14="http://schemas.microsoft.com/office/powerpoint/2010/main" val="658956323"/>
       </p:ext>
     </p:extLst>
   </p:cSld>
@@ -5510,7 +4916,7 @@
           <p:cNvPr id="2" name="Заголовок 1">
             <a:extLst>
               <a:ext uri="{FF2B5EF4-FFF2-40B4-BE49-F238E27FC236}">
-                <a16:creationId xmlns:a16="http://schemas.microsoft.com/office/drawing/2014/main" id="{13E6C3B7-FAA9-4604-BBA8-7B1738B8E0D4}"/>
+                <a16:creationId xmlns:a16="http://schemas.microsoft.com/office/drawing/2014/main" id="{3987E056-ABDC-4EF5-B45E-EB0413E17B80}"/>
               </a:ext>
             </a:extLst>
           </p:cNvPr>
@@ -5523,7 +4929,7 @@
         </p:nvSpPr>
         <p:spPr>
           <a:xfrm>
-            <a:off x="838200" y="325369"/>
+            <a:off x="838200" y="325368"/>
             <a:ext cx="10515600" cy="1325563"/>
           </a:xfrm>
         </p:spPr>
@@ -5533,7 +4939,7 @@
           <a:p>
             <a:r>
               <a:rPr lang="ru-RU" dirty="0"/>
-              <a:t>Апробация: Клиента</a:t>
+              <a:t>Апробация: Администратор</a:t>
             </a:r>
           </a:p>
         </p:txBody>
@@ -5543,7 +4949,7 @@
           <p:cNvPr id="4" name="Объект 3">
             <a:extLst>
               <a:ext uri="{FF2B5EF4-FFF2-40B4-BE49-F238E27FC236}">
-                <a16:creationId xmlns:a16="http://schemas.microsoft.com/office/drawing/2014/main" id="{E1C29972-9D8A-4D1A-AA1D-EC6291FAD5E5}"/>
+                <a16:creationId xmlns:a16="http://schemas.microsoft.com/office/drawing/2014/main" id="{0897BBC5-01E9-41B3-B556-4F55FB6366C6}"/>
               </a:ext>
             </a:extLst>
           </p:cNvPr>
@@ -5569,8 +4975,8 @@
         </p:blipFill>
         <p:spPr bwMode="auto">
           <a:xfrm>
-            <a:off x="838200" y="1457739"/>
-            <a:ext cx="5257800" cy="3038061"/>
+            <a:off x="121893" y="2180635"/>
+            <a:ext cx="3498574" cy="2289726"/>
           </a:xfrm>
           <a:prstGeom prst="rect">
             <a:avLst/>
@@ -5586,7 +4992,7 @@
           <p:cNvPr id="5" name="Рисунок 4">
             <a:extLst>
               <a:ext uri="{FF2B5EF4-FFF2-40B4-BE49-F238E27FC236}">
-                <a16:creationId xmlns:a16="http://schemas.microsoft.com/office/drawing/2014/main" id="{4F1B886F-6543-44C2-BFCF-CF785ADDF821}"/>
+                <a16:creationId xmlns:a16="http://schemas.microsoft.com/office/drawing/2014/main" id="{04D3CC89-8FE5-4068-A1A9-3D9F2190E565}"/>
               </a:ext>
             </a:extLst>
           </p:cNvPr>
@@ -5608,8 +5014,8 @@
         </p:blipFill>
         <p:spPr bwMode="auto">
           <a:xfrm>
-            <a:off x="6096000" y="1457739"/>
-            <a:ext cx="5257800" cy="3038061"/>
+            <a:off x="3795502" y="2180635"/>
+            <a:ext cx="3000240" cy="1924050"/>
           </a:xfrm>
           <a:prstGeom prst="rect">
             <a:avLst/>
@@ -5622,10 +5028,10 @@
       </p:pic>
       <p:pic>
         <p:nvPicPr>
-          <p:cNvPr id="7" name="Рисунок 6">
+          <p:cNvPr id="6" name="Рисунок 5">
             <a:extLst>
               <a:ext uri="{FF2B5EF4-FFF2-40B4-BE49-F238E27FC236}">
-                <a16:creationId xmlns:a16="http://schemas.microsoft.com/office/drawing/2014/main" id="{0EDA3618-7F43-44DB-BD7E-5136723D78DE}"/>
+                <a16:creationId xmlns:a16="http://schemas.microsoft.com/office/drawing/2014/main" id="{DC6469DD-0AA4-4D4C-A4C6-88A0D3831337}"/>
               </a:ext>
             </a:extLst>
           </p:cNvPr>
@@ -5647,8 +5053,8 @@
         </p:blipFill>
         <p:spPr bwMode="auto">
           <a:xfrm>
-            <a:off x="847051" y="4495799"/>
-            <a:ext cx="10506749" cy="2262809"/>
+            <a:off x="6896379" y="2381844"/>
+            <a:ext cx="4848225" cy="1228725"/>
           </a:xfrm>
           <a:prstGeom prst="rect">
             <a:avLst/>
@@ -5659,9 +5065,126 @@
           </a:ln>
         </p:spPr>
       </p:pic>
-      <p:sp>
-        <p:nvSpPr>
-          <p:cNvPr id="6" name="Rectangle 5"/>
+      <p:pic>
+        <p:nvPicPr>
+          <p:cNvPr id="8" name="Рисунок 7">
+            <a:extLst>
+              <a:ext uri="{FF2B5EF4-FFF2-40B4-BE49-F238E27FC236}">
+                <a16:creationId xmlns:a16="http://schemas.microsoft.com/office/drawing/2014/main" id="{7ED744EC-28DA-4FFB-884F-B55F19DF3FB0}"/>
+              </a:ext>
+            </a:extLst>
+          </p:cNvPr>
+          <p:cNvPicPr/>
+          <p:nvPr/>
+        </p:nvPicPr>
+        <p:blipFill>
+          <a:blip r:embed="rId5">
+            <a:extLst>
+              <a:ext uri="{28A0092B-C50C-407E-A947-70E740481C1C}">
+                <a14:useLocalDpi xmlns:a14="http://schemas.microsoft.com/office/drawing/2010/main" val="0"/>
+              </a:ext>
+            </a:extLst>
+          </a:blip>
+          <a:srcRect/>
+          <a:stretch>
+            <a:fillRect/>
+          </a:stretch>
+        </p:blipFill>
+        <p:spPr bwMode="auto">
+          <a:xfrm>
+            <a:off x="0" y="4594633"/>
+            <a:ext cx="3742361" cy="1445361"/>
+          </a:xfrm>
+          <a:prstGeom prst="rect">
+            <a:avLst/>
+          </a:prstGeom>
+          <a:noFill/>
+          <a:ln>
+            <a:noFill/>
+          </a:ln>
+        </p:spPr>
+      </p:pic>
+      <p:pic>
+        <p:nvPicPr>
+          <p:cNvPr id="9" name="Рисунок 8">
+            <a:extLst>
+              <a:ext uri="{FF2B5EF4-FFF2-40B4-BE49-F238E27FC236}">
+                <a16:creationId xmlns:a16="http://schemas.microsoft.com/office/drawing/2014/main" id="{27FDB62C-2CFD-4B1C-A8C4-0CD2BDB3056F}"/>
+              </a:ext>
+            </a:extLst>
+          </p:cNvPr>
+          <p:cNvPicPr/>
+          <p:nvPr/>
+        </p:nvPicPr>
+        <p:blipFill>
+          <a:blip r:embed="rId6">
+            <a:extLst>
+              <a:ext uri="{28A0092B-C50C-407E-A947-70E740481C1C}">
+                <a14:useLocalDpi xmlns:a14="http://schemas.microsoft.com/office/drawing/2010/main" val="0"/>
+              </a:ext>
+            </a:extLst>
+          </a:blip>
+          <a:srcRect/>
+          <a:stretch>
+            <a:fillRect/>
+          </a:stretch>
+        </p:blipFill>
+        <p:spPr bwMode="auto">
+          <a:xfrm>
+            <a:off x="3742361" y="4594633"/>
+            <a:ext cx="3742362" cy="1228725"/>
+          </a:xfrm>
+          <a:prstGeom prst="rect">
+            <a:avLst/>
+          </a:prstGeom>
+          <a:noFill/>
+          <a:ln>
+            <a:noFill/>
+          </a:ln>
+        </p:spPr>
+      </p:pic>
+      <p:pic>
+        <p:nvPicPr>
+          <p:cNvPr id="10" name="Рисунок 9">
+            <a:extLst>
+              <a:ext uri="{FF2B5EF4-FFF2-40B4-BE49-F238E27FC236}">
+                <a16:creationId xmlns:a16="http://schemas.microsoft.com/office/drawing/2014/main" id="{B9A38013-0E04-4AE8-9D29-67F6385835D1}"/>
+              </a:ext>
+            </a:extLst>
+          </p:cNvPr>
+          <p:cNvPicPr/>
+          <p:nvPr/>
+        </p:nvPicPr>
+        <p:blipFill>
+          <a:blip r:embed="rId7">
+            <a:extLst>
+              <a:ext uri="{28A0092B-C50C-407E-A947-70E740481C1C}">
+                <a14:useLocalDpi xmlns:a14="http://schemas.microsoft.com/office/drawing/2010/main" val="0"/>
+              </a:ext>
+            </a:extLst>
+          </a:blip>
+          <a:srcRect/>
+          <a:stretch>
+            <a:fillRect/>
+          </a:stretch>
+        </p:blipFill>
+        <p:spPr bwMode="auto">
+          <a:xfrm>
+            <a:off x="7484722" y="4469905"/>
+            <a:ext cx="4548250" cy="1570089"/>
+          </a:xfrm>
+          <a:prstGeom prst="rect">
+            <a:avLst/>
+          </a:prstGeom>
+          <a:noFill/>
+          <a:ln>
+            <a:noFill/>
+          </a:ln>
+        </p:spPr>
+      </p:pic>
+      <p:sp>
+        <p:nvSpPr>
+          <p:cNvPr id="11" name="Rectangle 5"/>
           <p:cNvSpPr>
             <a:spLocks noChangeArrowheads="1"/>
           </p:cNvSpPr>
@@ -5711,7 +5234,7 @@
     </p:spTree>
     <p:extLst>
       <p:ext uri="{BB962C8B-B14F-4D97-AF65-F5344CB8AC3E}">
-        <p14:creationId xmlns:p14="http://schemas.microsoft.com/office/powerpoint/2010/main" val="3020117924"/>
+        <p14:creationId xmlns:p14="http://schemas.microsoft.com/office/powerpoint/2010/main" val="1206766381"/>
       </p:ext>
     </p:extLst>
   </p:cSld>
@@ -5740,7 +5263,13 @@
       </p:grpSpPr>
       <p:sp>
         <p:nvSpPr>
-          <p:cNvPr id="2" name="Заголовок 1"/>
+          <p:cNvPr id="2" name="Заголовок 1">
+            <a:extLst>
+              <a:ext uri="{FF2B5EF4-FFF2-40B4-BE49-F238E27FC236}">
+                <a16:creationId xmlns:a16="http://schemas.microsoft.com/office/drawing/2014/main" id="{149BA20A-6ADE-477A-B2CB-54BE68DCBDDF}"/>
+              </a:ext>
+            </a:extLst>
+          </p:cNvPr>
           <p:cNvSpPr>
             <a:spLocks noGrp="1"/>
           </p:cNvSpPr>
@@ -5755,227 +5284,135 @@
           <a:p>
             <a:r>
               <a:rPr lang="ru-RU" dirty="0"/>
-              <a:t>Результаты дипломной работы</a:t>
-            </a:r>
-          </a:p>
-        </p:txBody>
-      </p:sp>
-      <p:sp>
-        <p:nvSpPr>
-          <p:cNvPr id="3" name="Объект 2"/>
-          <p:cNvSpPr>
-            <a:spLocks noGrp="1"/>
-          </p:cNvSpPr>
+              <a:t>Апробация: Отчеты администратора</a:t>
+            </a:r>
+          </a:p>
+        </p:txBody>
+      </p:sp>
+      <p:pic>
+        <p:nvPicPr>
+          <p:cNvPr id="8" name="Объект 7">
+            <a:extLst>
+              <a:ext uri="{FF2B5EF4-FFF2-40B4-BE49-F238E27FC236}">
+                <a16:creationId xmlns:a16="http://schemas.microsoft.com/office/drawing/2014/main" id="{0E6D0235-03BC-424F-AB46-979E9C0E744E}"/>
+              </a:ext>
+            </a:extLst>
+          </p:cNvPr>
+          <p:cNvPicPr>
+            <a:picLocks noGrp="1"/>
+          </p:cNvPicPr>
           <p:nvPr>
             <p:ph idx="1"/>
           </p:nvPr>
-        </p:nvSpPr>
-        <p:spPr/>
-        <p:txBody>
-          <a:bodyPr>
-            <a:normAutofit fontScale="85000" lnSpcReduction="20000"/>
-          </a:bodyPr>
-          <a:lstStyle/>
-          <a:p>
-            <a:pPr>
-              <a:buFont typeface="Wingdings" panose="05000000000000000000" pitchFamily="2" charset="2"/>
-              <a:buChar char="§"/>
-            </a:pPr>
-            <a:r>
-              <a:rPr lang="ru-RU" dirty="0"/>
-              <a:t>Изучены:</a:t>
-            </a:r>
-          </a:p>
-          <a:p>
-            <a:pPr lvl="1"/>
-            <a:r>
-              <a:rPr lang="ru-RU" dirty="0"/>
-              <a:t>языки программирования </a:t>
-            </a:r>
-            <a:r>
-              <a:rPr lang="en-US" dirty="0"/>
-              <a:t>Java</a:t>
-            </a:r>
-            <a:r>
-              <a:rPr lang="ru-RU" dirty="0"/>
-              <a:t> </a:t>
-            </a:r>
-            <a:r>
-              <a:rPr lang="ru-RU" dirty="0" err="1"/>
-              <a:t>фреймворк</a:t>
-            </a:r>
-            <a:r>
-              <a:rPr lang="ru-RU" dirty="0"/>
-              <a:t> </a:t>
-            </a:r>
-            <a:r>
-              <a:rPr lang="en-US" dirty="0"/>
-              <a:t>Hibernate</a:t>
-            </a:r>
-            <a:endParaRPr lang="ru-RU" dirty="0"/>
-          </a:p>
-          <a:p>
-            <a:pPr lvl="1"/>
-            <a:r>
-              <a:rPr lang="ru-RU" dirty="0"/>
-              <a:t>библиотеки </a:t>
-            </a:r>
-            <a:r>
-              <a:rPr lang="en-US" dirty="0"/>
-              <a:t>SWING, </a:t>
-            </a:r>
-            <a:r>
-              <a:rPr lang="en-US" dirty="0" err="1"/>
-              <a:t>JExcelAPI</a:t>
-            </a:r>
-            <a:r>
-              <a:rPr lang="en-US" dirty="0"/>
-              <a:t>, Log4j, JDBC, </a:t>
-            </a:r>
-            <a:r>
-              <a:rPr lang="en-US" dirty="0" err="1"/>
-              <a:t>Aspose.Words</a:t>
-            </a:r>
-            <a:endParaRPr lang="ru-RU" dirty="0"/>
-          </a:p>
-          <a:p>
-            <a:pPr lvl="1"/>
-            <a:endParaRPr lang="en-US" dirty="0"/>
-          </a:p>
-          <a:p>
-            <a:pPr>
-              <a:buFont typeface="Wingdings" panose="05000000000000000000" pitchFamily="2" charset="2"/>
-              <a:buChar char="§"/>
-            </a:pPr>
-            <a:r>
-              <a:rPr lang="ru-RU" dirty="0"/>
-              <a:t>Спроектировано и разработано приложение</a:t>
-            </a:r>
-          </a:p>
-          <a:p>
-            <a:pPr>
-              <a:buFont typeface="Wingdings" panose="05000000000000000000" pitchFamily="2" charset="2"/>
-              <a:buChar char="§"/>
-            </a:pPr>
-            <a:endParaRPr lang="ru-RU" dirty="0"/>
-          </a:p>
-          <a:p>
-            <a:pPr>
-              <a:buFont typeface="Wingdings" panose="05000000000000000000" pitchFamily="2" charset="2"/>
-              <a:buChar char="§"/>
-            </a:pPr>
-            <a:r>
-              <a:rPr lang="ru-RU" dirty="0"/>
-              <a:t>Разработаны основные модули: </a:t>
-            </a:r>
-          </a:p>
-          <a:p>
-            <a:pPr lvl="1"/>
-            <a:r>
-              <a:rPr lang="ru-RU" dirty="0"/>
-              <a:t>регистрация и авторизация пользователя; </a:t>
-            </a:r>
-          </a:p>
-          <a:p>
-            <a:pPr lvl="1"/>
-            <a:r>
-              <a:rPr lang="ru-RU" dirty="0"/>
-              <a:t>просмотр, создание запросов и заявок</a:t>
-            </a:r>
-            <a:r>
-              <a:rPr lang="en-US" dirty="0"/>
-              <a:t>; </a:t>
-            </a:r>
-            <a:endParaRPr lang="ru-RU" dirty="0"/>
-          </a:p>
-          <a:p>
-            <a:pPr lvl="1"/>
-            <a:r>
-              <a:rPr lang="ru-RU" dirty="0"/>
-              <a:t>просмотр</a:t>
-            </a:r>
-            <a:r>
-              <a:rPr lang="en-US" dirty="0"/>
-              <a:t> </a:t>
-            </a:r>
-            <a:r>
-              <a:rPr lang="ru-RU" dirty="0"/>
-              <a:t>динамической информации о компании в том числе по фильтрам</a:t>
-            </a:r>
-            <a:r>
-              <a:rPr lang="en-US" dirty="0"/>
-              <a:t>,</a:t>
-            </a:r>
-            <a:r>
-              <a:rPr lang="ru-RU" dirty="0"/>
-              <a:t> а также вывод ее с предварительной обработкой в качестве отчетов </a:t>
-            </a:r>
-            <a:r>
-              <a:rPr lang="en-US" dirty="0"/>
-              <a:t>Excel;</a:t>
-            </a:r>
-            <a:r>
-              <a:rPr lang="ru-RU" dirty="0"/>
-              <a:t> </a:t>
-            </a:r>
-          </a:p>
-          <a:p>
-            <a:pPr lvl="1"/>
-            <a:r>
-              <a:rPr lang="ru-RU" dirty="0"/>
-              <a:t>отправка отзывов и формирование рейтинга водителей и менеджеров на их основе</a:t>
-            </a:r>
-            <a:r>
-              <a:rPr lang="en-US" dirty="0"/>
-              <a:t>;</a:t>
-            </a:r>
-            <a:r>
-              <a:rPr lang="ru-RU" dirty="0"/>
-              <a:t> </a:t>
-            </a:r>
-          </a:p>
-          <a:p>
-            <a:pPr lvl="1"/>
-            <a:r>
-              <a:rPr lang="ru-RU" dirty="0"/>
-              <a:t>расчет загрузки транспорта</a:t>
-            </a:r>
-            <a:r>
-              <a:rPr lang="en-US" dirty="0"/>
-              <a:t>,</a:t>
-            </a:r>
-            <a:r>
-              <a:rPr lang="ru-RU"/>
-              <a:t> </a:t>
-            </a:r>
-          </a:p>
-          <a:p>
-            <a:pPr lvl="1"/>
-            <a:r>
-              <a:rPr lang="ru-RU"/>
-              <a:t>формирование </a:t>
-            </a:r>
-            <a:r>
-              <a:rPr lang="ru-RU" dirty="0"/>
-              <a:t>договоров в формате </a:t>
-            </a:r>
-            <a:r>
-              <a:rPr lang="en-US" dirty="0"/>
-              <a:t>Docx</a:t>
-            </a:r>
-            <a:endParaRPr lang="ru-RU" dirty="0"/>
-          </a:p>
-          <a:p>
-            <a:pPr marL="0" indent="0">
-              <a:buNone/>
-            </a:pPr>
-            <a:endParaRPr lang="ru-RU" dirty="0"/>
-          </a:p>
-        </p:txBody>
-      </p:sp>
-      <p:sp>
-        <p:nvSpPr>
-          <p:cNvPr id="4" name="Rectangle 5"/>
+        </p:nvPicPr>
+        <p:blipFill>
+          <a:blip r:embed="rId2">
+            <a:extLst>
+              <a:ext uri="{28A0092B-C50C-407E-A947-70E740481C1C}">
+                <a14:useLocalDpi xmlns:a14="http://schemas.microsoft.com/office/drawing/2010/main" val="0"/>
+              </a:ext>
+            </a:extLst>
+          </a:blip>
+          <a:srcRect/>
+          <a:stretch>
+            <a:fillRect/>
+          </a:stretch>
+        </p:blipFill>
+        <p:spPr bwMode="auto">
+          <a:xfrm>
+            <a:off x="0" y="1393500"/>
+            <a:ext cx="5905499" cy="2886952"/>
+          </a:xfrm>
+          <a:prstGeom prst="rect">
+            <a:avLst/>
+          </a:prstGeom>
+          <a:noFill/>
+          <a:ln>
+            <a:noFill/>
+          </a:ln>
+        </p:spPr>
+      </p:pic>
+      <p:pic>
+        <p:nvPicPr>
+          <p:cNvPr id="9" name="Рисунок 8">
+            <a:extLst>
+              <a:ext uri="{FF2B5EF4-FFF2-40B4-BE49-F238E27FC236}">
+                <a16:creationId xmlns:a16="http://schemas.microsoft.com/office/drawing/2014/main" id="{6B7771B5-0CA2-498F-9B41-D74D61499671}"/>
+              </a:ext>
+            </a:extLst>
+          </p:cNvPr>
+          <p:cNvPicPr/>
+          <p:nvPr/>
+        </p:nvPicPr>
+        <p:blipFill>
+          <a:blip r:embed="rId3">
+            <a:extLst>
+              <a:ext uri="{28A0092B-C50C-407E-A947-70E740481C1C}">
+                <a14:useLocalDpi xmlns:a14="http://schemas.microsoft.com/office/drawing/2010/main" val="0"/>
+              </a:ext>
+            </a:extLst>
+          </a:blip>
+          <a:srcRect/>
+          <a:stretch>
+            <a:fillRect/>
+          </a:stretch>
+        </p:blipFill>
+        <p:spPr bwMode="auto">
+          <a:xfrm>
+            <a:off x="5905499" y="1393500"/>
+            <a:ext cx="6286501" cy="2833942"/>
+          </a:xfrm>
+          <a:prstGeom prst="rect">
+            <a:avLst/>
+          </a:prstGeom>
+          <a:noFill/>
+          <a:ln>
+            <a:noFill/>
+          </a:ln>
+        </p:spPr>
+      </p:pic>
+      <p:pic>
+        <p:nvPicPr>
+          <p:cNvPr id="10" name="Рисунок 9">
+            <a:extLst>
+              <a:ext uri="{FF2B5EF4-FFF2-40B4-BE49-F238E27FC236}">
+                <a16:creationId xmlns:a16="http://schemas.microsoft.com/office/drawing/2014/main" id="{020D67A5-8E7D-425A-B972-8C5271049CB5}"/>
+              </a:ext>
+            </a:extLst>
+          </p:cNvPr>
+          <p:cNvPicPr/>
+          <p:nvPr/>
+        </p:nvPicPr>
+        <p:blipFill>
+          <a:blip r:embed="rId4">
+            <a:extLst>
+              <a:ext uri="{28A0092B-C50C-407E-A947-70E740481C1C}">
+                <a14:useLocalDpi xmlns:a14="http://schemas.microsoft.com/office/drawing/2010/main" val="0"/>
+              </a:ext>
+            </a:extLst>
+          </a:blip>
+          <a:srcRect/>
+          <a:stretch>
+            <a:fillRect/>
+          </a:stretch>
+        </p:blipFill>
+        <p:spPr bwMode="auto">
+          <a:xfrm>
+            <a:off x="0" y="4280450"/>
+            <a:ext cx="12192000" cy="2617306"/>
+          </a:xfrm>
+          <a:prstGeom prst="rect">
+            <a:avLst/>
+          </a:prstGeom>
+          <a:noFill/>
+          <a:ln>
+            <a:noFill/>
+          </a:ln>
+        </p:spPr>
+      </p:pic>
+      <p:sp>
+        <p:nvSpPr>
+          <p:cNvPr id="6" name="Rectangle 5"/>
           <p:cNvSpPr>
             <a:spLocks noChangeArrowheads="1"/>
           </p:cNvSpPr>
@@ -6025,7 +5462,7 @@
     </p:spTree>
     <p:extLst>
       <p:ext uri="{BB962C8B-B14F-4D97-AF65-F5344CB8AC3E}">
-        <p14:creationId xmlns:p14="http://schemas.microsoft.com/office/powerpoint/2010/main" val="3718304080"/>
+        <p14:creationId xmlns:p14="http://schemas.microsoft.com/office/powerpoint/2010/main" val="1517674079"/>
       </p:ext>
     </p:extLst>
   </p:cSld>
@@ -6054,171 +5491,68 @@
       </p:grpSpPr>
       <p:sp>
         <p:nvSpPr>
-          <p:cNvPr id="2" name="Заголовок 1">
+          <p:cNvPr id="5" name="Заголовок 1">
             <a:extLst>
               <a:ext uri="{FF2B5EF4-FFF2-40B4-BE49-F238E27FC236}">
-                <a16:creationId xmlns:a16="http://schemas.microsoft.com/office/drawing/2014/main" id="{E22F2BF3-310C-42C0-A675-3DB6664E8274}"/>
+                <a16:creationId xmlns:a16="http://schemas.microsoft.com/office/drawing/2014/main" id="{D09BD3B8-E719-44B8-A703-EEE45B561494}"/>
               </a:ext>
             </a:extLst>
           </p:cNvPr>
-          <p:cNvSpPr>
-            <a:spLocks noGrp="1"/>
-          </p:cNvSpPr>
-          <p:nvPr>
-            <p:ph type="title"/>
-          </p:nvPr>
-        </p:nvSpPr>
-        <p:spPr/>
-        <p:txBody>
-          <a:bodyPr/>
-          <a:lstStyle/>
-          <a:p>
-            <a:r>
-              <a:rPr lang="ru-RU" dirty="0"/>
-              <a:t>Публикации</a:t>
-            </a:r>
-          </a:p>
-        </p:txBody>
-      </p:sp>
-      <p:sp>
-        <p:nvSpPr>
-          <p:cNvPr id="3" name="Объект 2">
-            <a:extLst>
-              <a:ext uri="{FF2B5EF4-FFF2-40B4-BE49-F238E27FC236}">
-                <a16:creationId xmlns:a16="http://schemas.microsoft.com/office/drawing/2014/main" id="{2E5B5590-A5C1-4578-ACDF-FDA83BA4D7CA}"/>
-              </a:ext>
-            </a:extLst>
-          </p:cNvPr>
-          <p:cNvSpPr>
-            <a:spLocks noGrp="1"/>
-          </p:cNvSpPr>
-          <p:nvPr>
-            <p:ph idx="1"/>
-          </p:nvPr>
-        </p:nvSpPr>
-        <p:spPr/>
-        <p:txBody>
-          <a:bodyPr>
-            <a:normAutofit lnSpcReduction="10000"/>
-          </a:bodyPr>
-          <a:lstStyle/>
-          <a:p>
-            <a:pPr lvl="0"/>
-            <a:r>
-              <a:rPr lang="ru-RU" dirty="0"/>
-              <a:t>Громов, Н.С. Автоматизация внутренних процессов в </a:t>
-            </a:r>
-            <a:r>
-              <a:rPr lang="ru-RU" dirty="0" err="1"/>
-              <a:t>логи-стических</a:t>
-            </a:r>
-            <a:r>
-              <a:rPr lang="ru-RU" dirty="0"/>
-              <a:t> компаниях / Н.С. Громов, Н.Б. Осипенко / Новые математические методы и компьютерные технологии в проектировании, производстве и научных исследованиях: материалы X</a:t>
-            </a:r>
-            <a:r>
-              <a:rPr lang="en-US" dirty="0"/>
-              <a:t>XVI</a:t>
-            </a:r>
-            <a:r>
-              <a:rPr lang="ru-RU" dirty="0"/>
-              <a:t> Республиканской научной конференции студентов и аспирантов, Гомель, 21– 23 марта 2023 г. – В печати.</a:t>
-            </a:r>
-          </a:p>
-          <a:p>
-            <a:pPr lvl="0"/>
-            <a:r>
-              <a:rPr lang="ru-RU" dirty="0"/>
-              <a:t>Громов, Н.С. Разработка приложения для </a:t>
-            </a:r>
-            <a:r>
-              <a:rPr lang="ru-RU" dirty="0" err="1"/>
-              <a:t>логистической</a:t>
-            </a:r>
-            <a:r>
-              <a:rPr lang="ru-RU" dirty="0"/>
-              <a:t> компании на языке JAVA / Н.С. Громов //"Творчество Молодых - 2023": сб. </a:t>
-            </a:r>
-            <a:r>
-              <a:rPr lang="ru-RU" dirty="0" err="1"/>
-              <a:t>науч</a:t>
-            </a:r>
-            <a:r>
-              <a:rPr lang="ru-RU" dirty="0"/>
-              <a:t>. работ студентов и аспирантов УО "ГГУ им. Ф. Скорины"/</a:t>
-            </a:r>
-            <a:r>
-              <a:rPr lang="ru-RU" dirty="0" err="1"/>
-              <a:t>М-во</a:t>
-            </a:r>
-            <a:r>
-              <a:rPr lang="ru-RU" dirty="0"/>
-              <a:t> образования РБ, Гомельский </a:t>
-            </a:r>
-            <a:r>
-              <a:rPr lang="ru-RU" dirty="0" err="1"/>
-              <a:t>гос</a:t>
-            </a:r>
-            <a:r>
-              <a:rPr lang="ru-RU" dirty="0"/>
-              <a:t>. ун-т ГГУ им. Ф. Скорины. - Гомель: ГГУ им. Ф. Скорины, 2023. Ч.1. – В печати.</a:t>
-            </a:r>
-          </a:p>
-        </p:txBody>
-      </p:sp>
-      <p:sp>
-        <p:nvSpPr>
-          <p:cNvPr id="4" name="Rectangle 5"/>
-          <p:cNvSpPr>
-            <a:spLocks noChangeArrowheads="1"/>
+          <p:cNvSpPr txBox="1">
+            <a:spLocks/>
           </p:cNvSpPr>
           <p:nvPr/>
         </p:nvSpPr>
-        <p:spPr bwMode="auto">
-          <a:xfrm>
-            <a:off x="-36513" y="6216650"/>
-            <a:ext cx="740848" cy="646331"/>
+        <p:spPr>
+          <a:xfrm>
+            <a:off x="4052273" y="2127584"/>
+            <a:ext cx="4087453" cy="2602832"/>
           </a:xfrm>
           <a:prstGeom prst="rect">
             <a:avLst/>
           </a:prstGeom>
-          <a:noFill/>
-          <a:ln w="9525">
-            <a:noFill/>
-            <a:miter lim="800000"/>
-            <a:headEnd/>
-            <a:tailEnd/>
-          </a:ln>
-        </p:spPr>
-        <p:txBody>
-          <a:bodyPr wrap="square">
-            <a:spAutoFit/>
+          <a:solidFill>
+            <a:schemeClr val="accent1">
+              <a:lumMod val="75000"/>
+            </a:schemeClr>
+          </a:solidFill>
+          <a:effectLst/>
+        </p:spPr>
+        <p:txBody>
+          <a:bodyPr vert="horz" lIns="91440" tIns="45720" rIns="91440" bIns="45720" rtlCol="0" anchor="ctr">
+            <a:normAutofit/>
           </a:bodyPr>
-          <a:lstStyle/>
-          <a:p>
-            <a:fld id="{429F959E-B741-433B-A973-46DF433319B0}" type="slidenum">
-              <a:rPr lang="ru-RU" sz="3600" b="1">
+          <a:lstStyle>
+            <a:lvl1pPr algn="l" defTabSz="914400" rtl="0" eaLnBrk="1" latinLnBrk="0" hangingPunct="1">
+              <a:lnSpc>
+                <a:spcPct val="90000"/>
+              </a:lnSpc>
+              <a:spcBef>
+                <a:spcPct val="0"/>
+              </a:spcBef>
+              <a:buNone/>
+              <a:defRPr sz="4400" kern="1200">
                 <a:solidFill>
-                  <a:srgbClr val="AEAEAE"/>
+                  <a:schemeClr val="tx1"/>
                 </a:solidFill>
-                <a:latin typeface="Arial" charset="0"/>
-              </a:rPr>
-              <a:pPr/>
-              <a:t>18</a:t>
-            </a:fld>
-            <a:endParaRPr lang="ru-RU" sz="3600" b="1" dirty="0">
-              <a:solidFill>
-                <a:srgbClr val="AEAEAE"/>
-              </a:solidFill>
-              <a:latin typeface="Arial" charset="0"/>
-            </a:endParaRPr>
+                <a:latin typeface="+mj-lt"/>
+                <a:ea typeface="+mj-ea"/>
+                <a:cs typeface="+mj-cs"/>
+              </a:defRPr>
+            </a:lvl1pPr>
+          </a:lstStyle>
+          <a:p>
+            <a:r>
+              <a:rPr lang="ru-RU" dirty="0"/>
+              <a:t>Клиент</a:t>
+            </a:r>
           </a:p>
         </p:txBody>
       </p:sp>
     </p:spTree>
     <p:extLst>
       <p:ext uri="{BB962C8B-B14F-4D97-AF65-F5344CB8AC3E}">
-        <p14:creationId xmlns:p14="http://schemas.microsoft.com/office/powerpoint/2010/main" val="81469737"/>
+        <p14:creationId xmlns:p14="http://schemas.microsoft.com/office/powerpoint/2010/main" val="3958966084"/>
       </p:ext>
     </p:extLst>
   </p:cSld>
@@ -6247,7 +5581,13 @@
       </p:grpSpPr>
       <p:sp>
         <p:nvSpPr>
-          <p:cNvPr id="2" name="Заголовок 1"/>
+          <p:cNvPr id="2" name="Заголовок 1">
+            <a:extLst>
+              <a:ext uri="{FF2B5EF4-FFF2-40B4-BE49-F238E27FC236}">
+                <a16:creationId xmlns:a16="http://schemas.microsoft.com/office/drawing/2014/main" id="{13E6C3B7-FAA9-4604-BBA8-7B1738B8E0D4}"/>
+              </a:ext>
+            </a:extLst>
+          </p:cNvPr>
           <p:cNvSpPr>
             <a:spLocks noGrp="1"/>
           </p:cNvSpPr>
@@ -6257,26 +5597,195 @@
         </p:nvSpPr>
         <p:spPr>
           <a:xfrm>
-            <a:off x="0" y="2391633"/>
-            <a:ext cx="12191999" cy="1325563"/>
+            <a:off x="838200" y="325369"/>
+            <a:ext cx="10515600" cy="1325563"/>
           </a:xfrm>
         </p:spPr>
         <p:txBody>
           <a:bodyPr/>
           <a:lstStyle/>
           <a:p>
-            <a:pPr algn="ctr"/>
             <a:r>
               <a:rPr lang="ru-RU" dirty="0"/>
-              <a:t>Спасибо за внимание</a:t>
-            </a:r>
+              <a:t>Апробация: Клиента</a:t>
+            </a:r>
+          </a:p>
+        </p:txBody>
+      </p:sp>
+      <p:pic>
+        <p:nvPicPr>
+          <p:cNvPr id="4" name="Объект 3">
+            <a:extLst>
+              <a:ext uri="{FF2B5EF4-FFF2-40B4-BE49-F238E27FC236}">
+                <a16:creationId xmlns:a16="http://schemas.microsoft.com/office/drawing/2014/main" id="{E1C29972-9D8A-4D1A-AA1D-EC6291FAD5E5}"/>
+              </a:ext>
+            </a:extLst>
+          </p:cNvPr>
+          <p:cNvPicPr>
+            <a:picLocks noGrp="1"/>
+          </p:cNvPicPr>
+          <p:nvPr>
+            <p:ph idx="1"/>
+          </p:nvPr>
+        </p:nvPicPr>
+        <p:blipFill>
+          <a:blip r:embed="rId2">
+            <a:extLst>
+              <a:ext uri="{28A0092B-C50C-407E-A947-70E740481C1C}">
+                <a14:useLocalDpi xmlns:a14="http://schemas.microsoft.com/office/drawing/2010/main" val="0"/>
+              </a:ext>
+            </a:extLst>
+          </a:blip>
+          <a:srcRect/>
+          <a:stretch>
+            <a:fillRect/>
+          </a:stretch>
+        </p:blipFill>
+        <p:spPr bwMode="auto">
+          <a:xfrm>
+            <a:off x="838200" y="1457739"/>
+            <a:ext cx="5257800" cy="3038061"/>
+          </a:xfrm>
+          <a:prstGeom prst="rect">
+            <a:avLst/>
+          </a:prstGeom>
+          <a:noFill/>
+          <a:ln>
+            <a:noFill/>
+          </a:ln>
+        </p:spPr>
+      </p:pic>
+      <p:pic>
+        <p:nvPicPr>
+          <p:cNvPr id="5" name="Рисунок 4">
+            <a:extLst>
+              <a:ext uri="{FF2B5EF4-FFF2-40B4-BE49-F238E27FC236}">
+                <a16:creationId xmlns:a16="http://schemas.microsoft.com/office/drawing/2014/main" id="{4F1B886F-6543-44C2-BFCF-CF785ADDF821}"/>
+              </a:ext>
+            </a:extLst>
+          </p:cNvPr>
+          <p:cNvPicPr/>
+          <p:nvPr/>
+        </p:nvPicPr>
+        <p:blipFill>
+          <a:blip r:embed="rId3">
+            <a:extLst>
+              <a:ext uri="{28A0092B-C50C-407E-A947-70E740481C1C}">
+                <a14:useLocalDpi xmlns:a14="http://schemas.microsoft.com/office/drawing/2010/main" val="0"/>
+              </a:ext>
+            </a:extLst>
+          </a:blip>
+          <a:srcRect/>
+          <a:stretch>
+            <a:fillRect/>
+          </a:stretch>
+        </p:blipFill>
+        <p:spPr bwMode="auto">
+          <a:xfrm>
+            <a:off x="6096000" y="1457739"/>
+            <a:ext cx="5257800" cy="3038061"/>
+          </a:xfrm>
+          <a:prstGeom prst="rect">
+            <a:avLst/>
+          </a:prstGeom>
+          <a:noFill/>
+          <a:ln>
+            <a:noFill/>
+          </a:ln>
+        </p:spPr>
+      </p:pic>
+      <p:pic>
+        <p:nvPicPr>
+          <p:cNvPr id="7" name="Рисунок 6">
+            <a:extLst>
+              <a:ext uri="{FF2B5EF4-FFF2-40B4-BE49-F238E27FC236}">
+                <a16:creationId xmlns:a16="http://schemas.microsoft.com/office/drawing/2014/main" id="{0EDA3618-7F43-44DB-BD7E-5136723D78DE}"/>
+              </a:ext>
+            </a:extLst>
+          </p:cNvPr>
+          <p:cNvPicPr/>
+          <p:nvPr/>
+        </p:nvPicPr>
+        <p:blipFill>
+          <a:blip r:embed="rId4">
+            <a:extLst>
+              <a:ext uri="{28A0092B-C50C-407E-A947-70E740481C1C}">
+                <a14:useLocalDpi xmlns:a14="http://schemas.microsoft.com/office/drawing/2010/main" val="0"/>
+              </a:ext>
+            </a:extLst>
+          </a:blip>
+          <a:srcRect/>
+          <a:stretch>
+            <a:fillRect/>
+          </a:stretch>
+        </p:blipFill>
+        <p:spPr bwMode="auto">
+          <a:xfrm>
+            <a:off x="847051" y="4495799"/>
+            <a:ext cx="10506749" cy="2262809"/>
+          </a:xfrm>
+          <a:prstGeom prst="rect">
+            <a:avLst/>
+          </a:prstGeom>
+          <a:noFill/>
+          <a:ln>
+            <a:noFill/>
+          </a:ln>
+        </p:spPr>
+      </p:pic>
+      <p:sp>
+        <p:nvSpPr>
+          <p:cNvPr id="6" name="Rectangle 5"/>
+          <p:cNvSpPr>
+            <a:spLocks noChangeArrowheads="1"/>
+          </p:cNvSpPr>
+          <p:nvPr/>
+        </p:nvSpPr>
+        <p:spPr bwMode="auto">
+          <a:xfrm>
+            <a:off x="-36513" y="6216650"/>
+            <a:ext cx="740848" cy="646331"/>
+          </a:xfrm>
+          <a:prstGeom prst="rect">
+            <a:avLst/>
+          </a:prstGeom>
+          <a:noFill/>
+          <a:ln w="9525">
+            <a:noFill/>
+            <a:miter lim="800000"/>
+            <a:headEnd/>
+            <a:tailEnd/>
+          </a:ln>
+        </p:spPr>
+        <p:txBody>
+          <a:bodyPr wrap="square">
+            <a:spAutoFit/>
+          </a:bodyPr>
+          <a:lstStyle/>
+          <a:p>
+            <a:fld id="{429F959E-B741-433B-A973-46DF433319B0}" type="slidenum">
+              <a:rPr lang="ru-RU" sz="3600" b="1">
+                <a:solidFill>
+                  <a:srgbClr val="AEAEAE"/>
+                </a:solidFill>
+                <a:latin typeface="Arial" charset="0"/>
+              </a:rPr>
+              <a:pPr/>
+              <a:t>19</a:t>
+            </a:fld>
+            <a:endParaRPr lang="ru-RU" sz="3600" b="1" dirty="0">
+              <a:solidFill>
+                <a:srgbClr val="AEAEAE"/>
+              </a:solidFill>
+              <a:latin typeface="Arial" charset="0"/>
+            </a:endParaRPr>
           </a:p>
         </p:txBody>
       </p:sp>
     </p:spTree>
     <p:extLst>
       <p:ext uri="{BB962C8B-B14F-4D97-AF65-F5344CB8AC3E}">
-        <p14:creationId xmlns:p14="http://schemas.microsoft.com/office/powerpoint/2010/main" val="2001914665"/>
+        <p14:creationId xmlns:p14="http://schemas.microsoft.com/office/powerpoint/2010/main" val="3020117924"/>
       </p:ext>
     </p:extLst>
   </p:cSld>
@@ -6401,6 +5910,571 @@
     <p:extLst>
       <p:ext uri="{BB962C8B-B14F-4D97-AF65-F5344CB8AC3E}">
         <p14:creationId xmlns:p14="http://schemas.microsoft.com/office/powerpoint/2010/main" val="2348268665"/>
+      </p:ext>
+    </p:extLst>
+  </p:cSld>
+  <p:clrMapOvr>
+    <a:masterClrMapping/>
+  </p:clrMapOvr>
+</p:sld>
+</file>
+
+<file path=ppt/slides/slide20.xml><?xml version="1.0" encoding="utf-8"?>
+<p:sld xmlns:a="http://schemas.openxmlformats.org/drawingml/2006/main" xmlns:r="http://schemas.openxmlformats.org/officeDocument/2006/relationships" xmlns:p="http://schemas.openxmlformats.org/presentationml/2006/main">
+  <p:cSld>
+    <p:spTree>
+      <p:nvGrpSpPr>
+        <p:cNvPr id="1" name=""/>
+        <p:cNvGrpSpPr/>
+        <p:nvPr/>
+      </p:nvGrpSpPr>
+      <p:grpSpPr>
+        <a:xfrm>
+          <a:off x="0" y="0"/>
+          <a:ext cx="0" cy="0"/>
+          <a:chOff x="0" y="0"/>
+          <a:chExt cx="0" cy="0"/>
+        </a:xfrm>
+      </p:grpSpPr>
+      <p:sp>
+        <p:nvSpPr>
+          <p:cNvPr id="2" name="Заголовок 1"/>
+          <p:cNvSpPr>
+            <a:spLocks noGrp="1"/>
+          </p:cNvSpPr>
+          <p:nvPr>
+            <p:ph type="title"/>
+          </p:nvPr>
+        </p:nvSpPr>
+        <p:spPr/>
+        <p:txBody>
+          <a:bodyPr/>
+          <a:lstStyle/>
+          <a:p>
+            <a:r>
+              <a:rPr lang="ru-RU" dirty="0"/>
+              <a:t>Результаты дипломной работы</a:t>
+            </a:r>
+          </a:p>
+        </p:txBody>
+      </p:sp>
+      <p:sp>
+        <p:nvSpPr>
+          <p:cNvPr id="3" name="Объект 2"/>
+          <p:cNvSpPr>
+            <a:spLocks noGrp="1"/>
+          </p:cNvSpPr>
+          <p:nvPr>
+            <p:ph idx="1"/>
+          </p:nvPr>
+        </p:nvSpPr>
+        <p:spPr/>
+        <p:txBody>
+          <a:bodyPr>
+            <a:normAutofit fontScale="85000" lnSpcReduction="20000"/>
+          </a:bodyPr>
+          <a:lstStyle/>
+          <a:p>
+            <a:pPr>
+              <a:buFont typeface="Wingdings" panose="05000000000000000000" pitchFamily="2" charset="2"/>
+              <a:buChar char="§"/>
+            </a:pPr>
+            <a:r>
+              <a:rPr lang="ru-RU" dirty="0"/>
+              <a:t>Изучены:</a:t>
+            </a:r>
+          </a:p>
+          <a:p>
+            <a:pPr lvl="1"/>
+            <a:r>
+              <a:rPr lang="ru-RU" dirty="0"/>
+              <a:t>языки программирования </a:t>
+            </a:r>
+            <a:r>
+              <a:rPr lang="en-US" dirty="0"/>
+              <a:t>Java</a:t>
+            </a:r>
+            <a:r>
+              <a:rPr lang="ru-RU" dirty="0"/>
+              <a:t> </a:t>
+            </a:r>
+            <a:r>
+              <a:rPr lang="ru-RU" dirty="0" err="1"/>
+              <a:t>фреймворк</a:t>
+            </a:r>
+            <a:r>
+              <a:rPr lang="ru-RU" dirty="0"/>
+              <a:t> </a:t>
+            </a:r>
+            <a:r>
+              <a:rPr lang="en-US" dirty="0"/>
+              <a:t>Hibernate</a:t>
+            </a:r>
+            <a:endParaRPr lang="ru-RU" dirty="0"/>
+          </a:p>
+          <a:p>
+            <a:pPr lvl="1"/>
+            <a:r>
+              <a:rPr lang="ru-RU" dirty="0"/>
+              <a:t>библиотеки </a:t>
+            </a:r>
+            <a:r>
+              <a:rPr lang="en-US" dirty="0"/>
+              <a:t>SWING, </a:t>
+            </a:r>
+            <a:r>
+              <a:rPr lang="en-US" dirty="0" err="1"/>
+              <a:t>JExcelAPI</a:t>
+            </a:r>
+            <a:r>
+              <a:rPr lang="en-US" dirty="0"/>
+              <a:t>, Log4j, JDBC, </a:t>
+            </a:r>
+            <a:r>
+              <a:rPr lang="en-US" dirty="0" err="1"/>
+              <a:t>Aspose.Words</a:t>
+            </a:r>
+            <a:endParaRPr lang="ru-RU" dirty="0"/>
+          </a:p>
+          <a:p>
+            <a:pPr lvl="1"/>
+            <a:endParaRPr lang="en-US" dirty="0"/>
+          </a:p>
+          <a:p>
+            <a:pPr>
+              <a:buFont typeface="Wingdings" panose="05000000000000000000" pitchFamily="2" charset="2"/>
+              <a:buChar char="§"/>
+            </a:pPr>
+            <a:r>
+              <a:rPr lang="ru-RU" dirty="0"/>
+              <a:t>Спроектировано и разработано приложение</a:t>
+            </a:r>
+          </a:p>
+          <a:p>
+            <a:pPr>
+              <a:buFont typeface="Wingdings" panose="05000000000000000000" pitchFamily="2" charset="2"/>
+              <a:buChar char="§"/>
+            </a:pPr>
+            <a:endParaRPr lang="ru-RU" dirty="0"/>
+          </a:p>
+          <a:p>
+            <a:pPr>
+              <a:buFont typeface="Wingdings" panose="05000000000000000000" pitchFamily="2" charset="2"/>
+              <a:buChar char="§"/>
+            </a:pPr>
+            <a:r>
+              <a:rPr lang="ru-RU" dirty="0"/>
+              <a:t>Разработаны основные модули: </a:t>
+            </a:r>
+          </a:p>
+          <a:p>
+            <a:pPr lvl="1"/>
+            <a:r>
+              <a:rPr lang="ru-RU" dirty="0"/>
+              <a:t>регистрация и авторизация пользователя; </a:t>
+            </a:r>
+          </a:p>
+          <a:p>
+            <a:pPr lvl="1"/>
+            <a:r>
+              <a:rPr lang="ru-RU" dirty="0"/>
+              <a:t>просмотр, создание запросов и заявок</a:t>
+            </a:r>
+            <a:r>
+              <a:rPr lang="en-US" dirty="0"/>
+              <a:t>; </a:t>
+            </a:r>
+            <a:endParaRPr lang="ru-RU" dirty="0"/>
+          </a:p>
+          <a:p>
+            <a:pPr lvl="1"/>
+            <a:r>
+              <a:rPr lang="ru-RU" dirty="0"/>
+              <a:t>просмотр</a:t>
+            </a:r>
+            <a:r>
+              <a:rPr lang="en-US" dirty="0"/>
+              <a:t> </a:t>
+            </a:r>
+            <a:r>
+              <a:rPr lang="ru-RU" dirty="0"/>
+              <a:t>динамической информации о компании в том числе по фильтрам</a:t>
+            </a:r>
+            <a:r>
+              <a:rPr lang="en-US" dirty="0"/>
+              <a:t>,</a:t>
+            </a:r>
+            <a:r>
+              <a:rPr lang="ru-RU" dirty="0"/>
+              <a:t> а также вывод ее с предварительной обработкой в качестве отчетов </a:t>
+            </a:r>
+            <a:r>
+              <a:rPr lang="en-US" dirty="0"/>
+              <a:t>Excel;</a:t>
+            </a:r>
+            <a:r>
+              <a:rPr lang="ru-RU" dirty="0"/>
+              <a:t> </a:t>
+            </a:r>
+          </a:p>
+          <a:p>
+            <a:pPr lvl="1"/>
+            <a:r>
+              <a:rPr lang="ru-RU" dirty="0"/>
+              <a:t>отправка отзывов и формирование рейтинга водителей и менеджеров на их основе</a:t>
+            </a:r>
+            <a:r>
+              <a:rPr lang="en-US" dirty="0"/>
+              <a:t>;</a:t>
+            </a:r>
+            <a:r>
+              <a:rPr lang="ru-RU" dirty="0"/>
+              <a:t> </a:t>
+            </a:r>
+          </a:p>
+          <a:p>
+            <a:pPr lvl="1"/>
+            <a:r>
+              <a:rPr lang="ru-RU" dirty="0"/>
+              <a:t>расчет загрузки транспорта</a:t>
+            </a:r>
+            <a:r>
+              <a:rPr lang="en-US" dirty="0"/>
+              <a:t>,</a:t>
+            </a:r>
+            <a:r>
+              <a:rPr lang="ru-RU"/>
+              <a:t> </a:t>
+            </a:r>
+          </a:p>
+          <a:p>
+            <a:pPr lvl="1"/>
+            <a:r>
+              <a:rPr lang="ru-RU"/>
+              <a:t>формирование </a:t>
+            </a:r>
+            <a:r>
+              <a:rPr lang="ru-RU" dirty="0"/>
+              <a:t>договоров в формате </a:t>
+            </a:r>
+            <a:r>
+              <a:rPr lang="en-US" dirty="0"/>
+              <a:t>Docx</a:t>
+            </a:r>
+            <a:endParaRPr lang="ru-RU" dirty="0"/>
+          </a:p>
+          <a:p>
+            <a:pPr marL="0" indent="0">
+              <a:buNone/>
+            </a:pPr>
+            <a:endParaRPr lang="ru-RU" dirty="0"/>
+          </a:p>
+        </p:txBody>
+      </p:sp>
+      <p:sp>
+        <p:nvSpPr>
+          <p:cNvPr id="4" name="Rectangle 5"/>
+          <p:cNvSpPr>
+            <a:spLocks noChangeArrowheads="1"/>
+          </p:cNvSpPr>
+          <p:nvPr/>
+        </p:nvSpPr>
+        <p:spPr bwMode="auto">
+          <a:xfrm>
+            <a:off x="-36513" y="6216650"/>
+            <a:ext cx="740848" cy="646331"/>
+          </a:xfrm>
+          <a:prstGeom prst="rect">
+            <a:avLst/>
+          </a:prstGeom>
+          <a:noFill/>
+          <a:ln w="9525">
+            <a:noFill/>
+            <a:miter lim="800000"/>
+            <a:headEnd/>
+            <a:tailEnd/>
+          </a:ln>
+        </p:spPr>
+        <p:txBody>
+          <a:bodyPr wrap="square">
+            <a:spAutoFit/>
+          </a:bodyPr>
+          <a:lstStyle/>
+          <a:p>
+            <a:fld id="{429F959E-B741-433B-A973-46DF433319B0}" type="slidenum">
+              <a:rPr lang="ru-RU" sz="3600" b="1">
+                <a:solidFill>
+                  <a:srgbClr val="AEAEAE"/>
+                </a:solidFill>
+                <a:latin typeface="Arial" charset="0"/>
+              </a:rPr>
+              <a:pPr/>
+              <a:t>20</a:t>
+            </a:fld>
+            <a:endParaRPr lang="ru-RU" sz="3600" b="1" dirty="0">
+              <a:solidFill>
+                <a:srgbClr val="AEAEAE"/>
+              </a:solidFill>
+              <a:latin typeface="Arial" charset="0"/>
+            </a:endParaRPr>
+          </a:p>
+        </p:txBody>
+      </p:sp>
+    </p:spTree>
+    <p:extLst>
+      <p:ext uri="{BB962C8B-B14F-4D97-AF65-F5344CB8AC3E}">
+        <p14:creationId xmlns:p14="http://schemas.microsoft.com/office/powerpoint/2010/main" val="3718304080"/>
+      </p:ext>
+    </p:extLst>
+  </p:cSld>
+  <p:clrMapOvr>
+    <a:masterClrMapping/>
+  </p:clrMapOvr>
+</p:sld>
+</file>
+
+<file path=ppt/slides/slide21.xml><?xml version="1.0" encoding="utf-8"?>
+<p:sld xmlns:a="http://schemas.openxmlformats.org/drawingml/2006/main" xmlns:r="http://schemas.openxmlformats.org/officeDocument/2006/relationships" xmlns:p="http://schemas.openxmlformats.org/presentationml/2006/main">
+  <p:cSld>
+    <p:spTree>
+      <p:nvGrpSpPr>
+        <p:cNvPr id="1" name=""/>
+        <p:cNvGrpSpPr/>
+        <p:nvPr/>
+      </p:nvGrpSpPr>
+      <p:grpSpPr>
+        <a:xfrm>
+          <a:off x="0" y="0"/>
+          <a:ext cx="0" cy="0"/>
+          <a:chOff x="0" y="0"/>
+          <a:chExt cx="0" cy="0"/>
+        </a:xfrm>
+      </p:grpSpPr>
+      <p:sp>
+        <p:nvSpPr>
+          <p:cNvPr id="2" name="Заголовок 1">
+            <a:extLst>
+              <a:ext uri="{FF2B5EF4-FFF2-40B4-BE49-F238E27FC236}">
+                <a16:creationId xmlns:a16="http://schemas.microsoft.com/office/drawing/2014/main" id="{E22F2BF3-310C-42C0-A675-3DB6664E8274}"/>
+              </a:ext>
+            </a:extLst>
+          </p:cNvPr>
+          <p:cNvSpPr>
+            <a:spLocks noGrp="1"/>
+          </p:cNvSpPr>
+          <p:nvPr>
+            <p:ph type="title"/>
+          </p:nvPr>
+        </p:nvSpPr>
+        <p:spPr/>
+        <p:txBody>
+          <a:bodyPr/>
+          <a:lstStyle/>
+          <a:p>
+            <a:r>
+              <a:rPr lang="ru-RU" dirty="0"/>
+              <a:t>Публикации</a:t>
+            </a:r>
+          </a:p>
+        </p:txBody>
+      </p:sp>
+      <p:sp>
+        <p:nvSpPr>
+          <p:cNvPr id="3" name="Объект 2">
+            <a:extLst>
+              <a:ext uri="{FF2B5EF4-FFF2-40B4-BE49-F238E27FC236}">
+                <a16:creationId xmlns:a16="http://schemas.microsoft.com/office/drawing/2014/main" id="{2E5B5590-A5C1-4578-ACDF-FDA83BA4D7CA}"/>
+              </a:ext>
+            </a:extLst>
+          </p:cNvPr>
+          <p:cNvSpPr>
+            <a:spLocks noGrp="1"/>
+          </p:cNvSpPr>
+          <p:nvPr>
+            <p:ph idx="1"/>
+          </p:nvPr>
+        </p:nvSpPr>
+        <p:spPr/>
+        <p:txBody>
+          <a:bodyPr>
+            <a:normAutofit lnSpcReduction="10000"/>
+          </a:bodyPr>
+          <a:lstStyle/>
+          <a:p>
+            <a:pPr lvl="0"/>
+            <a:r>
+              <a:rPr lang="ru-RU" dirty="0"/>
+              <a:t>Громов, Н.С. Автоматизация внутренних процессов в </a:t>
+            </a:r>
+            <a:r>
+              <a:rPr lang="ru-RU" dirty="0" err="1"/>
+              <a:t>логи-стических</a:t>
+            </a:r>
+            <a:r>
+              <a:rPr lang="ru-RU" dirty="0"/>
+              <a:t> компаниях / Н.С. Громов, Н.Б. Осипенко / Новые математические методы и компьютерные технологии в проектировании, производстве и научных исследованиях: материалы X</a:t>
+            </a:r>
+            <a:r>
+              <a:rPr lang="en-US" dirty="0"/>
+              <a:t>XVI</a:t>
+            </a:r>
+            <a:r>
+              <a:rPr lang="ru-RU" dirty="0"/>
+              <a:t> Республиканской научной конференции студентов и аспирантов, Гомель, 21– 23 марта 2023 г. – В печати.</a:t>
+            </a:r>
+          </a:p>
+          <a:p>
+            <a:pPr lvl="0"/>
+            <a:r>
+              <a:rPr lang="ru-RU" dirty="0"/>
+              <a:t>Громов, Н.С. Разработка приложения для </a:t>
+            </a:r>
+            <a:r>
+              <a:rPr lang="ru-RU" dirty="0" err="1"/>
+              <a:t>логистической</a:t>
+            </a:r>
+            <a:r>
+              <a:rPr lang="ru-RU" dirty="0"/>
+              <a:t> компании на языке JAVA / Н.С. Громов //"Творчество Молодых - 2023": сб. </a:t>
+            </a:r>
+            <a:r>
+              <a:rPr lang="ru-RU" dirty="0" err="1"/>
+              <a:t>науч</a:t>
+            </a:r>
+            <a:r>
+              <a:rPr lang="ru-RU" dirty="0"/>
+              <a:t>. работ студентов и аспирантов УО "ГГУ им. Ф. Скорины"/</a:t>
+            </a:r>
+            <a:r>
+              <a:rPr lang="ru-RU" dirty="0" err="1"/>
+              <a:t>М-во</a:t>
+            </a:r>
+            <a:r>
+              <a:rPr lang="ru-RU" dirty="0"/>
+              <a:t> образования РБ, Гомельский </a:t>
+            </a:r>
+            <a:r>
+              <a:rPr lang="ru-RU" dirty="0" err="1"/>
+              <a:t>гос</a:t>
+            </a:r>
+            <a:r>
+              <a:rPr lang="ru-RU" dirty="0"/>
+              <a:t>. ун-т ГГУ им. Ф. Скорины. - Гомель: ГГУ им. Ф. Скорины, 2023. Ч.1. – В печати.</a:t>
+            </a:r>
+          </a:p>
+        </p:txBody>
+      </p:sp>
+      <p:sp>
+        <p:nvSpPr>
+          <p:cNvPr id="4" name="Rectangle 5"/>
+          <p:cNvSpPr>
+            <a:spLocks noChangeArrowheads="1"/>
+          </p:cNvSpPr>
+          <p:nvPr/>
+        </p:nvSpPr>
+        <p:spPr bwMode="auto">
+          <a:xfrm>
+            <a:off x="-36513" y="6216650"/>
+            <a:ext cx="740848" cy="646331"/>
+          </a:xfrm>
+          <a:prstGeom prst="rect">
+            <a:avLst/>
+          </a:prstGeom>
+          <a:noFill/>
+          <a:ln w="9525">
+            <a:noFill/>
+            <a:miter lim="800000"/>
+            <a:headEnd/>
+            <a:tailEnd/>
+          </a:ln>
+        </p:spPr>
+        <p:txBody>
+          <a:bodyPr wrap="square">
+            <a:spAutoFit/>
+          </a:bodyPr>
+          <a:lstStyle/>
+          <a:p>
+            <a:fld id="{429F959E-B741-433B-A973-46DF433319B0}" type="slidenum">
+              <a:rPr lang="ru-RU" sz="3600" b="1">
+                <a:solidFill>
+                  <a:srgbClr val="AEAEAE"/>
+                </a:solidFill>
+                <a:latin typeface="Arial" charset="0"/>
+              </a:rPr>
+              <a:pPr/>
+              <a:t>21</a:t>
+            </a:fld>
+            <a:endParaRPr lang="ru-RU" sz="3600" b="1" dirty="0">
+              <a:solidFill>
+                <a:srgbClr val="AEAEAE"/>
+              </a:solidFill>
+              <a:latin typeface="Arial" charset="0"/>
+            </a:endParaRPr>
+          </a:p>
+        </p:txBody>
+      </p:sp>
+    </p:spTree>
+    <p:extLst>
+      <p:ext uri="{BB962C8B-B14F-4D97-AF65-F5344CB8AC3E}">
+        <p14:creationId xmlns:p14="http://schemas.microsoft.com/office/powerpoint/2010/main" val="81469737"/>
+      </p:ext>
+    </p:extLst>
+  </p:cSld>
+  <p:clrMapOvr>
+    <a:masterClrMapping/>
+  </p:clrMapOvr>
+</p:sld>
+</file>
+
+<file path=ppt/slides/slide22.xml><?xml version="1.0" encoding="utf-8"?>
+<p:sld xmlns:a="http://schemas.openxmlformats.org/drawingml/2006/main" xmlns:r="http://schemas.openxmlformats.org/officeDocument/2006/relationships" xmlns:p="http://schemas.openxmlformats.org/presentationml/2006/main">
+  <p:cSld>
+    <p:spTree>
+      <p:nvGrpSpPr>
+        <p:cNvPr id="1" name=""/>
+        <p:cNvGrpSpPr/>
+        <p:nvPr/>
+      </p:nvGrpSpPr>
+      <p:grpSpPr>
+        <a:xfrm>
+          <a:off x="0" y="0"/>
+          <a:ext cx="0" cy="0"/>
+          <a:chOff x="0" y="0"/>
+          <a:chExt cx="0" cy="0"/>
+        </a:xfrm>
+      </p:grpSpPr>
+      <p:sp>
+        <p:nvSpPr>
+          <p:cNvPr id="2" name="Заголовок 1"/>
+          <p:cNvSpPr>
+            <a:spLocks noGrp="1"/>
+          </p:cNvSpPr>
+          <p:nvPr>
+            <p:ph type="title"/>
+          </p:nvPr>
+        </p:nvSpPr>
+        <p:spPr>
+          <a:xfrm>
+            <a:off x="0" y="2391633"/>
+            <a:ext cx="12191999" cy="1325563"/>
+          </a:xfrm>
+        </p:spPr>
+        <p:txBody>
+          <a:bodyPr/>
+          <a:lstStyle/>
+          <a:p>
+            <a:pPr algn="ctr"/>
+            <a:r>
+              <a:rPr lang="ru-RU" dirty="0"/>
+              <a:t>Спасибо за внимание</a:t>
+            </a:r>
+          </a:p>
+        </p:txBody>
+      </p:sp>
+    </p:spTree>
+    <p:extLst>
+      <p:ext uri="{BB962C8B-B14F-4D97-AF65-F5344CB8AC3E}">
+        <p14:creationId xmlns:p14="http://schemas.microsoft.com/office/powerpoint/2010/main" val="2001914665"/>
       </p:ext>
     </p:extLst>
   </p:cSld>
@@ -7367,17 +7441,19 @@
         </p:nvSpPr>
         <p:spPr>
           <a:xfrm>
-            <a:off x="854978" y="0"/>
-            <a:ext cx="10515600" cy="1325563"/>
-          </a:xfrm>
-        </p:spPr>
-        <p:txBody>
-          <a:bodyPr/>
+            <a:off x="1581032" y="-70237"/>
+            <a:ext cx="8606340" cy="1181988"/>
+          </a:xfrm>
+        </p:spPr>
+        <p:txBody>
+          <a:bodyPr>
+            <a:normAutofit fontScale="90000"/>
+          </a:bodyPr>
           <a:lstStyle/>
           <a:p>
             <a:r>
               <a:rPr lang="ru-RU" dirty="0"/>
-              <a:t>Иерархия управления в компании</a:t>
+              <a:t>Иерархия управления в компании и функционал приложения</a:t>
             </a:r>
           </a:p>
         </p:txBody>
@@ -7409,8 +7485,8 @@
         </p:blipFill>
         <p:spPr bwMode="auto">
           <a:xfrm>
-            <a:off x="821422" y="1325563"/>
-            <a:ext cx="10880247" cy="4572000"/>
+            <a:off x="333911" y="1823959"/>
+            <a:ext cx="10515600" cy="4170100"/>
           </a:xfrm>
           <a:prstGeom prst="rect">
             <a:avLst/>
@@ -7467,6 +7543,458 @@
               </a:solidFill>
               <a:latin typeface="Arial" charset="0"/>
             </a:endParaRPr>
+          </a:p>
+        </p:txBody>
+      </p:sp>
+      <p:sp>
+        <p:nvSpPr>
+          <p:cNvPr id="3" name="TextBox 2">
+            <a:extLst>
+              <a:ext uri="{FF2B5EF4-FFF2-40B4-BE49-F238E27FC236}">
+                <a16:creationId xmlns:a16="http://schemas.microsoft.com/office/drawing/2014/main" id="{1FFDB360-0AC3-41D6-8685-FF3F435B1D50}"/>
+              </a:ext>
+            </a:extLst>
+          </p:cNvPr>
+          <p:cNvSpPr txBox="1"/>
+          <p:nvPr/>
+        </p:nvSpPr>
+        <p:spPr>
+          <a:xfrm>
+            <a:off x="333911" y="960437"/>
+            <a:ext cx="5057197" cy="2031325"/>
+          </a:xfrm>
+          <a:prstGeom prst="rect">
+            <a:avLst/>
+          </a:prstGeom>
+          <a:noFill/>
+        </p:spPr>
+        <p:txBody>
+          <a:bodyPr wrap="square" rtlCol="0">
+            <a:spAutoFit/>
+          </a:bodyPr>
+          <a:lstStyle/>
+          <a:p>
+            <a:pPr marL="0" lvl="0" indent="0">
+              <a:buNone/>
+            </a:pPr>
+            <a:r>
+              <a:rPr lang="ru-RU" sz="1800" b="1" dirty="0"/>
+              <a:t>Менеджер</a:t>
+            </a:r>
+            <a:r>
+              <a:rPr lang="en-US" sz="1800" b="1" dirty="0"/>
+              <a:t>:</a:t>
+            </a:r>
+            <a:endParaRPr lang="ru-RU" sz="1800" b="1" dirty="0"/>
+          </a:p>
+          <a:p>
+            <a:pPr marL="285750" indent="-285750">
+              <a:buFont typeface="Arial" panose="020B0604020202020204" pitchFamily="34" charset="0"/>
+              <a:buChar char="•"/>
+            </a:pPr>
+            <a:r>
+              <a:rPr lang="ru-RU" sz="1800" dirty="0"/>
+              <a:t>обработка заявок</a:t>
+            </a:r>
+          </a:p>
+          <a:p>
+            <a:pPr marL="285750" indent="-285750">
+              <a:buFont typeface="Arial" panose="020B0604020202020204" pitchFamily="34" charset="0"/>
+              <a:buChar char="•"/>
+            </a:pPr>
+            <a:r>
+              <a:rPr lang="ru-RU" sz="1800" dirty="0"/>
+              <a:t>управление водителями</a:t>
+            </a:r>
+          </a:p>
+          <a:p>
+            <a:pPr marL="285750" indent="-285750">
+              <a:buFont typeface="Arial" panose="020B0604020202020204" pitchFamily="34" charset="0"/>
+              <a:buChar char="•"/>
+            </a:pPr>
+            <a:r>
+              <a:rPr lang="ru-RU" sz="1800" dirty="0"/>
+              <a:t>управление заказами</a:t>
+            </a:r>
+          </a:p>
+          <a:p>
+            <a:pPr marL="285750" indent="-285750">
+              <a:buFont typeface="Arial" panose="020B0604020202020204" pitchFamily="34" charset="0"/>
+              <a:buChar char="•"/>
+            </a:pPr>
+            <a:r>
+              <a:rPr lang="ru-RU" sz="1800" dirty="0"/>
+              <a:t>отчетность</a:t>
+            </a:r>
+          </a:p>
+          <a:p>
+            <a:pPr marL="285750" indent="-285750">
+              <a:buFont typeface="Arial" panose="020B0604020202020204" pitchFamily="34" charset="0"/>
+              <a:buChar char="•"/>
+            </a:pPr>
+            <a:r>
+              <a:rPr lang="ru-RU" sz="1800" dirty="0"/>
+              <a:t>составление договора</a:t>
+            </a:r>
+          </a:p>
+          <a:p>
+            <a:pPr marL="285750" indent="-285750">
+              <a:buFont typeface="Arial" panose="020B0604020202020204" pitchFamily="34" charset="0"/>
+              <a:buChar char="•"/>
+            </a:pPr>
+            <a:r>
+              <a:rPr lang="ru-RU" sz="1800" dirty="0"/>
+              <a:t>оценка работы менеджера</a:t>
+            </a:r>
+            <a:endParaRPr lang="ru-RU" dirty="0"/>
+          </a:p>
+        </p:txBody>
+      </p:sp>
+      <p:cxnSp>
+        <p:nvCxnSpPr>
+          <p:cNvPr id="6" name="Прямая со стрелкой 5">
+            <a:extLst>
+              <a:ext uri="{FF2B5EF4-FFF2-40B4-BE49-F238E27FC236}">
+                <a16:creationId xmlns:a16="http://schemas.microsoft.com/office/drawing/2014/main" id="{E0A10DB8-1EA8-47FA-B38A-5A6D25115B76}"/>
+              </a:ext>
+            </a:extLst>
+          </p:cNvPr>
+          <p:cNvCxnSpPr>
+            <a:cxnSpLocks/>
+          </p:cNvCxnSpPr>
+          <p:nvPr/>
+        </p:nvCxnSpPr>
+        <p:spPr>
+          <a:xfrm flipH="1" flipV="1">
+            <a:off x="1475874" y="3003794"/>
+            <a:ext cx="860497" cy="548066"/>
+          </a:xfrm>
+          <a:prstGeom prst="straightConnector1">
+            <a:avLst/>
+          </a:prstGeom>
+          <a:ln>
+            <a:tailEnd type="triangle"/>
+          </a:ln>
+        </p:spPr>
+        <p:style>
+          <a:lnRef idx="1">
+            <a:schemeClr val="accent1"/>
+          </a:lnRef>
+          <a:fillRef idx="0">
+            <a:schemeClr val="accent1"/>
+          </a:fillRef>
+          <a:effectRef idx="0">
+            <a:schemeClr val="accent1"/>
+          </a:effectRef>
+          <a:fontRef idx="minor">
+            <a:schemeClr val="tx1"/>
+          </a:fontRef>
+        </p:style>
+      </p:cxnSp>
+      <p:sp>
+        <p:nvSpPr>
+          <p:cNvPr id="8" name="TextBox 7">
+            <a:extLst>
+              <a:ext uri="{FF2B5EF4-FFF2-40B4-BE49-F238E27FC236}">
+                <a16:creationId xmlns:a16="http://schemas.microsoft.com/office/drawing/2014/main" id="{6B4B11D8-A713-4A37-BFFD-43FBDB400412}"/>
+              </a:ext>
+            </a:extLst>
+          </p:cNvPr>
+          <p:cNvSpPr txBox="1"/>
+          <p:nvPr/>
+        </p:nvSpPr>
+        <p:spPr>
+          <a:xfrm>
+            <a:off x="8034836" y="960437"/>
+            <a:ext cx="4157164" cy="2031325"/>
+          </a:xfrm>
+          <a:prstGeom prst="rect">
+            <a:avLst/>
+          </a:prstGeom>
+          <a:noFill/>
+        </p:spPr>
+        <p:txBody>
+          <a:bodyPr wrap="none" rtlCol="0">
+            <a:spAutoFit/>
+          </a:bodyPr>
+          <a:lstStyle/>
+          <a:p>
+            <a:pPr>
+              <a:buFont typeface="Arial" panose="020B0604020202020204" pitchFamily="34" charset="0"/>
+              <a:buNone/>
+            </a:pPr>
+            <a:r>
+              <a:rPr lang="ru-RU" sz="1800" b="1" dirty="0"/>
+              <a:t>Администратор: </a:t>
+            </a:r>
+          </a:p>
+          <a:p>
+            <a:pPr marL="285750" indent="-285750">
+              <a:buFont typeface="Arial" panose="020B0604020202020204" pitchFamily="34" charset="0"/>
+              <a:buChar char="•"/>
+            </a:pPr>
+            <a:r>
+              <a:rPr lang="ru-RU" sz="1800" dirty="0"/>
+              <a:t>обработка заявок</a:t>
+            </a:r>
+          </a:p>
+          <a:p>
+            <a:pPr marL="285750" indent="-285750">
+              <a:buFont typeface="Arial" panose="020B0604020202020204" pitchFamily="34" charset="0"/>
+              <a:buChar char="•"/>
+            </a:pPr>
+            <a:r>
+              <a:rPr lang="ru-RU" sz="1800" dirty="0"/>
+              <a:t>управление менеджерами</a:t>
+            </a:r>
+          </a:p>
+          <a:p>
+            <a:pPr marL="285750" indent="-285750">
+              <a:buFont typeface="Arial" panose="020B0604020202020204" pitchFamily="34" charset="0"/>
+              <a:buChar char="•"/>
+            </a:pPr>
+            <a:r>
+              <a:rPr lang="ru-RU" sz="1800" dirty="0"/>
+              <a:t>добавление персонала</a:t>
+            </a:r>
+          </a:p>
+          <a:p>
+            <a:pPr marL="285750" indent="-285750">
+              <a:buFont typeface="Arial" panose="020B0604020202020204" pitchFamily="34" charset="0"/>
+              <a:buChar char="•"/>
+            </a:pPr>
+            <a:r>
+              <a:rPr lang="ru-RU" sz="1800" dirty="0"/>
+              <a:t>отчетность</a:t>
+            </a:r>
+          </a:p>
+          <a:p>
+            <a:pPr marL="285750" indent="-285750">
+              <a:buFont typeface="Arial" panose="020B0604020202020204" pitchFamily="34" charset="0"/>
+              <a:buChar char="•"/>
+            </a:pPr>
+            <a:r>
+              <a:rPr lang="ru-RU" sz="1800" dirty="0"/>
+              <a:t>обработка исключительных ситуаций</a:t>
+            </a:r>
+          </a:p>
+          <a:p>
+            <a:endParaRPr lang="ru-RU" dirty="0"/>
+          </a:p>
+        </p:txBody>
+      </p:sp>
+      <p:cxnSp>
+        <p:nvCxnSpPr>
+          <p:cNvPr id="10" name="Прямая со стрелкой 9">
+            <a:extLst>
+              <a:ext uri="{FF2B5EF4-FFF2-40B4-BE49-F238E27FC236}">
+                <a16:creationId xmlns:a16="http://schemas.microsoft.com/office/drawing/2014/main" id="{66340EAE-D685-4960-9B0C-78AE43405B7C}"/>
+              </a:ext>
+            </a:extLst>
+          </p:cNvPr>
+          <p:cNvCxnSpPr>
+            <a:cxnSpLocks/>
+          </p:cNvCxnSpPr>
+          <p:nvPr/>
+        </p:nvCxnSpPr>
+        <p:spPr>
+          <a:xfrm flipV="1">
+            <a:off x="7171318" y="1325563"/>
+            <a:ext cx="863518" cy="960437"/>
+          </a:xfrm>
+          <a:prstGeom prst="straightConnector1">
+            <a:avLst/>
+          </a:prstGeom>
+          <a:ln>
+            <a:tailEnd type="triangle"/>
+          </a:ln>
+        </p:spPr>
+        <p:style>
+          <a:lnRef idx="1">
+            <a:schemeClr val="accent1"/>
+          </a:lnRef>
+          <a:fillRef idx="0">
+            <a:schemeClr val="accent1"/>
+          </a:fillRef>
+          <a:effectRef idx="0">
+            <a:schemeClr val="accent1"/>
+          </a:effectRef>
+          <a:fontRef idx="minor">
+            <a:schemeClr val="tx1"/>
+          </a:fontRef>
+        </p:style>
+      </p:cxnSp>
+      <p:sp>
+        <p:nvSpPr>
+          <p:cNvPr id="13" name="TextBox 12">
+            <a:extLst>
+              <a:ext uri="{FF2B5EF4-FFF2-40B4-BE49-F238E27FC236}">
+                <a16:creationId xmlns:a16="http://schemas.microsoft.com/office/drawing/2014/main" id="{E67027E1-777F-4ECB-9C49-022505EA72B7}"/>
+              </a:ext>
+            </a:extLst>
+          </p:cNvPr>
+          <p:cNvSpPr txBox="1"/>
+          <p:nvPr/>
+        </p:nvSpPr>
+        <p:spPr>
+          <a:xfrm>
+            <a:off x="6089047" y="5786364"/>
+            <a:ext cx="6102953" cy="923330"/>
+          </a:xfrm>
+          <a:prstGeom prst="rect">
+            <a:avLst/>
+          </a:prstGeom>
+          <a:noFill/>
+        </p:spPr>
+        <p:txBody>
+          <a:bodyPr wrap="none" rtlCol="0">
+            <a:spAutoFit/>
+          </a:bodyPr>
+          <a:lstStyle/>
+          <a:p>
+            <a:pPr marL="0" indent="0">
+              <a:buNone/>
+            </a:pPr>
+            <a:r>
+              <a:rPr lang="ru-RU" sz="1800" b="1" dirty="0"/>
+              <a:t>Водитель</a:t>
+            </a:r>
+            <a:r>
+              <a:rPr lang="en-US" sz="1800" b="1" dirty="0"/>
+              <a:t>:</a:t>
+            </a:r>
+          </a:p>
+          <a:p>
+            <a:pPr marL="285750" indent="-285750">
+              <a:buFont typeface="Arial" panose="020B0604020202020204" pitchFamily="34" charset="0"/>
+              <a:buChar char="•"/>
+            </a:pPr>
+            <a:r>
+              <a:rPr lang="ru-RU" sz="1800" dirty="0"/>
+              <a:t>двусторонняя система уведомлений о состоянии заказов</a:t>
+            </a:r>
+          </a:p>
+          <a:p>
+            <a:pPr marL="285750" indent="-285750">
+              <a:buFont typeface="Arial" panose="020B0604020202020204" pitchFamily="34" charset="0"/>
+              <a:buChar char="•"/>
+            </a:pPr>
+            <a:r>
+              <a:rPr lang="ru-RU" dirty="0"/>
+              <a:t>оценка работы водителя</a:t>
+            </a:r>
+          </a:p>
+        </p:txBody>
+      </p:sp>
+      <p:cxnSp>
+        <p:nvCxnSpPr>
+          <p:cNvPr id="15" name="Прямая со стрелкой 14">
+            <a:extLst>
+              <a:ext uri="{FF2B5EF4-FFF2-40B4-BE49-F238E27FC236}">
+                <a16:creationId xmlns:a16="http://schemas.microsoft.com/office/drawing/2014/main" id="{105E7B0D-B381-4BB4-88F2-EF7C98C88AEC}"/>
+              </a:ext>
+            </a:extLst>
+          </p:cNvPr>
+          <p:cNvCxnSpPr>
+            <a:cxnSpLocks/>
+          </p:cNvCxnSpPr>
+          <p:nvPr/>
+        </p:nvCxnSpPr>
+        <p:spPr>
+          <a:xfrm>
+            <a:off x="5020684" y="5566611"/>
+            <a:ext cx="1068363" cy="427448"/>
+          </a:xfrm>
+          <a:prstGeom prst="straightConnector1">
+            <a:avLst/>
+          </a:prstGeom>
+          <a:ln>
+            <a:tailEnd type="triangle"/>
+          </a:ln>
+        </p:spPr>
+        <p:style>
+          <a:lnRef idx="1">
+            <a:schemeClr val="accent1"/>
+          </a:lnRef>
+          <a:fillRef idx="0">
+            <a:schemeClr val="accent1"/>
+          </a:fillRef>
+          <a:effectRef idx="0">
+            <a:schemeClr val="accent1"/>
+          </a:effectRef>
+          <a:fontRef idx="minor">
+            <a:schemeClr val="tx1"/>
+          </a:fontRef>
+        </p:style>
+      </p:cxnSp>
+      <p:sp>
+        <p:nvSpPr>
+          <p:cNvPr id="30" name="TextBox 29">
+            <a:extLst>
+              <a:ext uri="{FF2B5EF4-FFF2-40B4-BE49-F238E27FC236}">
+                <a16:creationId xmlns:a16="http://schemas.microsoft.com/office/drawing/2014/main" id="{F991D27B-EB9E-4813-8DC1-90A87B3D3B0B}"/>
+              </a:ext>
+            </a:extLst>
+          </p:cNvPr>
+          <p:cNvSpPr txBox="1"/>
+          <p:nvPr/>
+        </p:nvSpPr>
+        <p:spPr>
+          <a:xfrm>
+            <a:off x="260220" y="5611500"/>
+            <a:ext cx="4040465" cy="1477328"/>
+          </a:xfrm>
+          <a:prstGeom prst="rect">
+            <a:avLst/>
+          </a:prstGeom>
+          <a:noFill/>
+        </p:spPr>
+        <p:txBody>
+          <a:bodyPr wrap="none" rtlCol="0">
+            <a:spAutoFit/>
+          </a:bodyPr>
+          <a:lstStyle/>
+          <a:p>
+            <a:pPr>
+              <a:buNone/>
+            </a:pPr>
+            <a:r>
+              <a:rPr lang="ru-RU" sz="1800" b="1" dirty="0"/>
+              <a:t>Клиент: </a:t>
+            </a:r>
+          </a:p>
+          <a:p>
+            <a:pPr marL="285750" lvl="0" indent="-285750">
+              <a:buFont typeface="Arial" panose="020B0604020202020204" pitchFamily="34" charset="0"/>
+              <a:buChar char="•"/>
+            </a:pPr>
+            <a:r>
+              <a:rPr lang="ru-RU" sz="1800" dirty="0"/>
+              <a:t>оформление заявки на услугу</a:t>
+            </a:r>
+          </a:p>
+          <a:p>
+            <a:pPr marL="285750" lvl="0" indent="-285750">
+              <a:buFont typeface="Arial" panose="020B0604020202020204" pitchFamily="34" charset="0"/>
+              <a:buChar char="•"/>
+            </a:pPr>
+            <a:r>
+              <a:rPr lang="ru-RU" sz="1800" dirty="0"/>
+              <a:t>просмотр истории и статусов заявок</a:t>
+            </a:r>
+          </a:p>
+          <a:p>
+            <a:pPr marL="285750" lvl="0" indent="-285750">
+              <a:buFont typeface="Arial" panose="020B0604020202020204" pitchFamily="34" charset="0"/>
+              <a:buChar char="•"/>
+            </a:pPr>
+            <a:r>
+              <a:rPr lang="ru-RU" sz="1800" dirty="0"/>
+              <a:t>обратная связь </a:t>
+            </a:r>
+          </a:p>
+          <a:p>
+            <a:endParaRPr lang="ru-RU" dirty="0"/>
           </a:p>
         </p:txBody>
       </p:sp>
@@ -7502,380 +8030,75 @@
       </p:grpSpPr>
       <p:sp>
         <p:nvSpPr>
-          <p:cNvPr id="2" name="Заголовок 1">
+          <p:cNvPr id="2" name="Заголовок 1"/>
+          <p:cNvSpPr>
+            <a:spLocks noGrp="1"/>
+          </p:cNvSpPr>
+          <p:nvPr>
+            <p:ph type="title"/>
+          </p:nvPr>
+        </p:nvSpPr>
+        <p:spPr>
+          <a:xfrm>
+            <a:off x="838200" y="365125"/>
+            <a:ext cx="10515600" cy="2460453"/>
+          </a:xfrm>
+        </p:spPr>
+        <p:txBody>
+          <a:bodyPr>
+            <a:normAutofit/>
+          </a:bodyPr>
+          <a:lstStyle/>
+          <a:p>
+            <a:r>
+              <a:rPr lang="ru-RU" dirty="0"/>
+              <a:t>Схема БД</a:t>
+            </a:r>
+          </a:p>
+        </p:txBody>
+      </p:sp>
+      <p:pic>
+        <p:nvPicPr>
+          <p:cNvPr id="4" name="Рисунок 3">
             <a:extLst>
               <a:ext uri="{FF2B5EF4-FFF2-40B4-BE49-F238E27FC236}">
-                <a16:creationId xmlns:a16="http://schemas.microsoft.com/office/drawing/2014/main" id="{12008DDE-00FF-4D4C-9F75-4758237253D1}"/>
+                <a16:creationId xmlns:a16="http://schemas.microsoft.com/office/drawing/2014/main" id="{528EA8AD-0C48-4EA6-8AB5-FC90376E72B2}"/>
               </a:ext>
             </a:extLst>
           </p:cNvPr>
-          <p:cNvSpPr>
-            <a:spLocks noGrp="1"/>
-          </p:cNvSpPr>
-          <p:nvPr>
-            <p:ph type="title"/>
-          </p:nvPr>
-        </p:nvSpPr>
-        <p:spPr/>
-        <p:txBody>
-          <a:bodyPr/>
-          <a:lstStyle/>
-          <a:p>
-            <a:r>
-              <a:rPr lang="ru-RU" dirty="0"/>
-              <a:t>Функционал приложения</a:t>
-            </a:r>
-          </a:p>
-        </p:txBody>
-      </p:sp>
-      <p:sp>
-        <p:nvSpPr>
-          <p:cNvPr id="3" name="Объект 2">
-            <a:extLst>
-              <a:ext uri="{FF2B5EF4-FFF2-40B4-BE49-F238E27FC236}">
-                <a16:creationId xmlns:a16="http://schemas.microsoft.com/office/drawing/2014/main" id="{5C290E0A-DEE5-4278-A3DB-5DBD91C23888}"/>
-              </a:ext>
-            </a:extLst>
-          </p:cNvPr>
-          <p:cNvSpPr>
-            <a:spLocks noGrp="1"/>
-          </p:cNvSpPr>
-          <p:nvPr>
-            <p:ph idx="1"/>
-          </p:nvPr>
-        </p:nvSpPr>
-        <p:spPr>
-          <a:xfrm>
-            <a:off x="838200" y="1825625"/>
-            <a:ext cx="5146963" cy="4351338"/>
-          </a:xfrm>
-        </p:spPr>
-        <p:txBody>
-          <a:bodyPr>
-            <a:noAutofit/>
-          </a:bodyPr>
-          <a:lstStyle/>
-          <a:p>
-            <a:pPr>
-              <a:buNone/>
-            </a:pPr>
-            <a:r>
-              <a:rPr lang="ru-RU" sz="2000" b="1" dirty="0"/>
-              <a:t>Клиент: </a:t>
-            </a:r>
-          </a:p>
-          <a:p>
-            <a:pPr lvl="0"/>
-            <a:r>
-              <a:rPr lang="ru-RU" sz="2000" dirty="0"/>
-              <a:t>оформление заявки на услугу</a:t>
-            </a:r>
-          </a:p>
-          <a:p>
-            <a:pPr lvl="0"/>
-            <a:r>
-              <a:rPr lang="ru-RU" sz="2000" dirty="0"/>
-              <a:t>просмотр истории и статусов заявок</a:t>
-            </a:r>
-          </a:p>
-          <a:p>
-            <a:pPr lvl="0"/>
-            <a:r>
-              <a:rPr lang="ru-RU" sz="2000" dirty="0"/>
-              <a:t>обратная связь </a:t>
-            </a:r>
-          </a:p>
-          <a:p>
-            <a:pPr marL="0" lvl="0" indent="0">
-              <a:buNone/>
-            </a:pPr>
-            <a:r>
-              <a:rPr lang="ru-RU" sz="2000" b="1" dirty="0"/>
-              <a:t>Менеджер</a:t>
-            </a:r>
-            <a:r>
-              <a:rPr lang="en-US" sz="2000" b="1" dirty="0"/>
-              <a:t>:</a:t>
-            </a:r>
-            <a:endParaRPr lang="ru-RU" sz="2000" b="1" dirty="0"/>
-          </a:p>
-          <a:p>
-            <a:r>
-              <a:rPr lang="ru-RU" sz="2000" dirty="0"/>
-              <a:t>обработка заявок</a:t>
-            </a:r>
-          </a:p>
-          <a:p>
-            <a:r>
-              <a:rPr lang="ru-RU" sz="2000" dirty="0"/>
-              <a:t>управление водителями</a:t>
-            </a:r>
-          </a:p>
-          <a:p>
-            <a:r>
-              <a:rPr lang="ru-RU" sz="2000" dirty="0"/>
-              <a:t>управление заказами</a:t>
-            </a:r>
-          </a:p>
-          <a:p>
-            <a:r>
-              <a:rPr lang="ru-RU" sz="2000" dirty="0"/>
-              <a:t>отчетность</a:t>
-            </a:r>
-          </a:p>
-          <a:p>
-            <a:r>
-              <a:rPr lang="ru-RU" sz="2000" dirty="0"/>
-              <a:t>составление договора</a:t>
-            </a:r>
-          </a:p>
-          <a:p>
-            <a:r>
-              <a:rPr lang="ru-RU" sz="2000" dirty="0"/>
-              <a:t>оценка работы водителей и менеджеров</a:t>
-            </a:r>
-          </a:p>
-        </p:txBody>
-      </p:sp>
-      <p:sp>
-        <p:nvSpPr>
-          <p:cNvPr id="5" name="Объект 2">
-            <a:extLst>
-              <a:ext uri="{FF2B5EF4-FFF2-40B4-BE49-F238E27FC236}">
-                <a16:creationId xmlns:a16="http://schemas.microsoft.com/office/drawing/2014/main" id="{994DB24C-4B6C-41FF-AE85-E61B43031D25}"/>
-              </a:ext>
-            </a:extLst>
-          </p:cNvPr>
-          <p:cNvSpPr txBox="1">
-            <a:spLocks/>
-          </p:cNvSpPr>
+          <p:cNvPicPr/>
           <p:nvPr/>
-        </p:nvSpPr>
-        <p:spPr>
-          <a:xfrm>
-            <a:off x="6096000" y="1825625"/>
-            <a:ext cx="5902035" cy="4351338"/>
+        </p:nvPicPr>
+        <p:blipFill>
+          <a:blip r:embed="rId2">
+            <a:extLst>
+              <a:ext uri="{28A0092B-C50C-407E-A947-70E740481C1C}">
+                <a14:useLocalDpi xmlns:a14="http://schemas.microsoft.com/office/drawing/2010/main" val="0"/>
+              </a:ext>
+            </a:extLst>
+          </a:blip>
+          <a:srcRect/>
+          <a:stretch>
+            <a:fillRect/>
+          </a:stretch>
+        </p:blipFill>
+        <p:spPr bwMode="auto">
+          <a:xfrm>
+            <a:off x="3557586" y="702365"/>
+            <a:ext cx="7971805" cy="5790510"/>
           </a:xfrm>
           <a:prstGeom prst="rect">
             <a:avLst/>
           </a:prstGeom>
-        </p:spPr>
-        <p:txBody>
-          <a:bodyPr vert="horz" lIns="91440" tIns="45720" rIns="91440" bIns="45720" rtlCol="0">
-            <a:normAutofit/>
-          </a:bodyPr>
-          <a:lstStyle>
-            <a:lvl1pPr marL="228600" indent="-228600" algn="l" defTabSz="914400" rtl="0" eaLnBrk="1" latinLnBrk="0" hangingPunct="1">
-              <a:lnSpc>
-                <a:spcPct val="90000"/>
-              </a:lnSpc>
-              <a:spcBef>
-                <a:spcPts val="1000"/>
-              </a:spcBef>
-              <a:buFont typeface="Arial" panose="020B0604020202020204" pitchFamily="34" charset="0"/>
-              <a:buChar char="•"/>
-              <a:defRPr sz="2800" kern="1200">
-                <a:solidFill>
-                  <a:schemeClr val="tx1"/>
-                </a:solidFill>
-                <a:latin typeface="+mn-lt"/>
-                <a:ea typeface="+mn-ea"/>
-                <a:cs typeface="+mn-cs"/>
-              </a:defRPr>
-            </a:lvl1pPr>
-            <a:lvl2pPr marL="685800" indent="-228600" algn="l" defTabSz="914400" rtl="0" eaLnBrk="1" latinLnBrk="0" hangingPunct="1">
-              <a:lnSpc>
-                <a:spcPct val="90000"/>
-              </a:lnSpc>
-              <a:spcBef>
-                <a:spcPts val="500"/>
-              </a:spcBef>
-              <a:buFont typeface="Arial" panose="020B0604020202020204" pitchFamily="34" charset="0"/>
-              <a:buChar char="•"/>
-              <a:defRPr sz="2400" kern="1200">
-                <a:solidFill>
-                  <a:schemeClr val="tx1"/>
-                </a:solidFill>
-                <a:latin typeface="+mn-lt"/>
-                <a:ea typeface="+mn-ea"/>
-                <a:cs typeface="+mn-cs"/>
-              </a:defRPr>
-            </a:lvl2pPr>
-            <a:lvl3pPr marL="1143000" indent="-228600" algn="l" defTabSz="914400" rtl="0" eaLnBrk="1" latinLnBrk="0" hangingPunct="1">
-              <a:lnSpc>
-                <a:spcPct val="90000"/>
-              </a:lnSpc>
-              <a:spcBef>
-                <a:spcPts val="500"/>
-              </a:spcBef>
-              <a:buFont typeface="Arial" panose="020B0604020202020204" pitchFamily="34" charset="0"/>
-              <a:buChar char="•"/>
-              <a:defRPr sz="2000" kern="1200">
-                <a:solidFill>
-                  <a:schemeClr val="tx1"/>
-                </a:solidFill>
-                <a:latin typeface="+mn-lt"/>
-                <a:ea typeface="+mn-ea"/>
-                <a:cs typeface="+mn-cs"/>
-              </a:defRPr>
-            </a:lvl3pPr>
-            <a:lvl4pPr marL="1600200" indent="-228600" algn="l" defTabSz="914400" rtl="0" eaLnBrk="1" latinLnBrk="0" hangingPunct="1">
-              <a:lnSpc>
-                <a:spcPct val="90000"/>
-              </a:lnSpc>
-              <a:spcBef>
-                <a:spcPts val="500"/>
-              </a:spcBef>
-              <a:buFont typeface="Arial" panose="020B0604020202020204" pitchFamily="34" charset="0"/>
-              <a:buChar char="•"/>
-              <a:defRPr sz="1800" kern="1200">
-                <a:solidFill>
-                  <a:schemeClr val="tx1"/>
-                </a:solidFill>
-                <a:latin typeface="+mn-lt"/>
-                <a:ea typeface="+mn-ea"/>
-                <a:cs typeface="+mn-cs"/>
-              </a:defRPr>
-            </a:lvl4pPr>
-            <a:lvl5pPr marL="2057400" indent="-228600" algn="l" defTabSz="914400" rtl="0" eaLnBrk="1" latinLnBrk="0" hangingPunct="1">
-              <a:lnSpc>
-                <a:spcPct val="90000"/>
-              </a:lnSpc>
-              <a:spcBef>
-                <a:spcPts val="500"/>
-              </a:spcBef>
-              <a:buFont typeface="Arial" panose="020B0604020202020204" pitchFamily="34" charset="0"/>
-              <a:buChar char="•"/>
-              <a:defRPr sz="1800" kern="1200">
-                <a:solidFill>
-                  <a:schemeClr val="tx1"/>
-                </a:solidFill>
-                <a:latin typeface="+mn-lt"/>
-                <a:ea typeface="+mn-ea"/>
-                <a:cs typeface="+mn-cs"/>
-              </a:defRPr>
-            </a:lvl5pPr>
-            <a:lvl6pPr marL="2514600" indent="-228600" algn="l" defTabSz="914400" rtl="0" eaLnBrk="1" latinLnBrk="0" hangingPunct="1">
-              <a:lnSpc>
-                <a:spcPct val="90000"/>
-              </a:lnSpc>
-              <a:spcBef>
-                <a:spcPts val="500"/>
-              </a:spcBef>
-              <a:buFont typeface="Arial" panose="020B0604020202020204" pitchFamily="34" charset="0"/>
-              <a:buChar char="•"/>
-              <a:defRPr sz="1800" kern="1200">
-                <a:solidFill>
-                  <a:schemeClr val="tx1"/>
-                </a:solidFill>
-                <a:latin typeface="+mn-lt"/>
-                <a:ea typeface="+mn-ea"/>
-                <a:cs typeface="+mn-cs"/>
-              </a:defRPr>
-            </a:lvl6pPr>
-            <a:lvl7pPr marL="2971800" indent="-228600" algn="l" defTabSz="914400" rtl="0" eaLnBrk="1" latinLnBrk="0" hangingPunct="1">
-              <a:lnSpc>
-                <a:spcPct val="90000"/>
-              </a:lnSpc>
-              <a:spcBef>
-                <a:spcPts val="500"/>
-              </a:spcBef>
-              <a:buFont typeface="Arial" panose="020B0604020202020204" pitchFamily="34" charset="0"/>
-              <a:buChar char="•"/>
-              <a:defRPr sz="1800" kern="1200">
-                <a:solidFill>
-                  <a:schemeClr val="tx1"/>
-                </a:solidFill>
-                <a:latin typeface="+mn-lt"/>
-                <a:ea typeface="+mn-ea"/>
-                <a:cs typeface="+mn-cs"/>
-              </a:defRPr>
-            </a:lvl7pPr>
-            <a:lvl8pPr marL="3429000" indent="-228600" algn="l" defTabSz="914400" rtl="0" eaLnBrk="1" latinLnBrk="0" hangingPunct="1">
-              <a:lnSpc>
-                <a:spcPct val="90000"/>
-              </a:lnSpc>
-              <a:spcBef>
-                <a:spcPts val="500"/>
-              </a:spcBef>
-              <a:buFont typeface="Arial" panose="020B0604020202020204" pitchFamily="34" charset="0"/>
-              <a:buChar char="•"/>
-              <a:defRPr sz="1800" kern="1200">
-                <a:solidFill>
-                  <a:schemeClr val="tx1"/>
-                </a:solidFill>
-                <a:latin typeface="+mn-lt"/>
-                <a:ea typeface="+mn-ea"/>
-                <a:cs typeface="+mn-cs"/>
-              </a:defRPr>
-            </a:lvl8pPr>
-            <a:lvl9pPr marL="3886200" indent="-228600" algn="l" defTabSz="914400" rtl="0" eaLnBrk="1" latinLnBrk="0" hangingPunct="1">
-              <a:lnSpc>
-                <a:spcPct val="90000"/>
-              </a:lnSpc>
-              <a:spcBef>
-                <a:spcPts val="500"/>
-              </a:spcBef>
-              <a:buFont typeface="Arial" panose="020B0604020202020204" pitchFamily="34" charset="0"/>
-              <a:buChar char="•"/>
-              <a:defRPr sz="1800" kern="1200">
-                <a:solidFill>
-                  <a:schemeClr val="tx1"/>
-                </a:solidFill>
-                <a:latin typeface="+mn-lt"/>
-                <a:ea typeface="+mn-ea"/>
-                <a:cs typeface="+mn-cs"/>
-              </a:defRPr>
-            </a:lvl9pPr>
-          </a:lstStyle>
-          <a:p>
-            <a:pPr>
-              <a:buFont typeface="Arial" panose="020B0604020202020204" pitchFamily="34" charset="0"/>
-              <a:buNone/>
-            </a:pPr>
-            <a:r>
-              <a:rPr lang="ru-RU" sz="2000" b="1" dirty="0"/>
-              <a:t>Администратор: </a:t>
-            </a:r>
-          </a:p>
-          <a:p>
-            <a:r>
-              <a:rPr lang="ru-RU" sz="2000" dirty="0"/>
-              <a:t>обработка заявок</a:t>
-            </a:r>
-          </a:p>
-          <a:p>
-            <a:r>
-              <a:rPr lang="ru-RU" sz="2000" dirty="0"/>
-              <a:t>управление менеджерами</a:t>
-            </a:r>
-          </a:p>
-          <a:p>
-            <a:r>
-              <a:rPr lang="ru-RU" sz="2000" dirty="0"/>
-              <a:t>добавление персонала</a:t>
-            </a:r>
-          </a:p>
-          <a:p>
-            <a:r>
-              <a:rPr lang="ru-RU" sz="2000" dirty="0"/>
-              <a:t>отчетность</a:t>
-            </a:r>
-          </a:p>
-          <a:p>
-            <a:r>
-              <a:rPr lang="ru-RU" sz="2000" dirty="0"/>
-              <a:t>обработка исключительных ситуаций</a:t>
-            </a:r>
-          </a:p>
-          <a:p>
-            <a:endParaRPr lang="ru-RU" dirty="0"/>
-          </a:p>
-        </p:txBody>
-      </p:sp>
-      <p:sp>
-        <p:nvSpPr>
-          <p:cNvPr id="6" name="Rectangle 5"/>
+          <a:noFill/>
+          <a:ln>
+            <a:noFill/>
+          </a:ln>
+        </p:spPr>
+      </p:pic>
+      <p:sp>
+        <p:nvSpPr>
+          <p:cNvPr id="5" name="Rectangle 5"/>
           <p:cNvSpPr>
             <a:spLocks noChangeArrowheads="1"/>
           </p:cNvSpPr>
@@ -7925,7 +8148,7 @@
     </p:spTree>
     <p:extLst>
       <p:ext uri="{BB962C8B-B14F-4D97-AF65-F5344CB8AC3E}">
-        <p14:creationId xmlns:p14="http://schemas.microsoft.com/office/powerpoint/2010/main" val="4077854386"/>
+        <p14:creationId xmlns:p14="http://schemas.microsoft.com/office/powerpoint/2010/main" val="2541741414"/>
       </p:ext>
     </p:extLst>
   </p:cSld>
@@ -7954,7 +8177,13 @@
       </p:grpSpPr>
       <p:sp>
         <p:nvSpPr>
-          <p:cNvPr id="2" name="Заголовок 1"/>
+          <p:cNvPr id="2" name="Заголовок 1">
+            <a:extLst>
+              <a:ext uri="{FF2B5EF4-FFF2-40B4-BE49-F238E27FC236}">
+                <a16:creationId xmlns:a16="http://schemas.microsoft.com/office/drawing/2014/main" id="{08B108EA-04A0-4603-9247-66BCF54ECA07}"/>
+              </a:ext>
+            </a:extLst>
+          </p:cNvPr>
           <p:cNvSpPr>
             <a:spLocks noGrp="1"/>
           </p:cNvSpPr>
@@ -7962,36 +8191,33 @@
             <p:ph type="title"/>
           </p:nvPr>
         </p:nvSpPr>
-        <p:spPr>
-          <a:xfrm>
-            <a:off x="838200" y="365125"/>
-            <a:ext cx="10515600" cy="2460453"/>
-          </a:xfrm>
-        </p:spPr>
-        <p:txBody>
-          <a:bodyPr>
-            <a:normAutofit/>
-          </a:bodyPr>
+        <p:spPr/>
+        <p:txBody>
+          <a:bodyPr/>
           <a:lstStyle/>
           <a:p>
             <a:r>
               <a:rPr lang="ru-RU" dirty="0"/>
-              <a:t>Схема БД</a:t>
+              <a:t>Структура проекта</a:t>
             </a:r>
           </a:p>
         </p:txBody>
       </p:sp>
       <p:pic>
         <p:nvPicPr>
-          <p:cNvPr id="4" name="Рисунок 3">
+          <p:cNvPr id="4" name="Объект 3">
             <a:extLst>
               <a:ext uri="{FF2B5EF4-FFF2-40B4-BE49-F238E27FC236}">
-                <a16:creationId xmlns:a16="http://schemas.microsoft.com/office/drawing/2014/main" id="{528EA8AD-0C48-4EA6-8AB5-FC90376E72B2}"/>
+                <a16:creationId xmlns:a16="http://schemas.microsoft.com/office/drawing/2014/main" id="{8267393E-B254-4396-A4ED-08F94267B2C2}"/>
               </a:ext>
             </a:extLst>
           </p:cNvPr>
-          <p:cNvPicPr/>
-          <p:nvPr/>
+          <p:cNvPicPr>
+            <a:picLocks noGrp="1"/>
+          </p:cNvPicPr>
+          <p:nvPr>
+            <p:ph idx="1"/>
+          </p:nvPr>
         </p:nvPicPr>
         <p:blipFill>
           <a:blip r:embed="rId2">
@@ -8008,8 +8234,8 @@
         </p:blipFill>
         <p:spPr bwMode="auto">
           <a:xfrm>
-            <a:off x="3557586" y="702365"/>
-            <a:ext cx="7971805" cy="5790510"/>
+            <a:off x="118993" y="1690688"/>
+            <a:ext cx="2186885" cy="4351338"/>
           </a:xfrm>
           <a:prstGeom prst="rect">
             <a:avLst/>
@@ -8020,9 +8246,165 @@
           </a:ln>
         </p:spPr>
       </p:pic>
-      <p:sp>
-        <p:nvSpPr>
-          <p:cNvPr id="5" name="Rectangle 5"/>
+      <p:pic>
+        <p:nvPicPr>
+          <p:cNvPr id="5" name="Рисунок 4">
+            <a:extLst>
+              <a:ext uri="{FF2B5EF4-FFF2-40B4-BE49-F238E27FC236}">
+                <a16:creationId xmlns:a16="http://schemas.microsoft.com/office/drawing/2014/main" id="{B412DF5E-185A-4A2D-85B1-FDC6D5A058E0}"/>
+              </a:ext>
+            </a:extLst>
+          </p:cNvPr>
+          <p:cNvPicPr/>
+          <p:nvPr/>
+        </p:nvPicPr>
+        <p:blipFill>
+          <a:blip r:embed="rId3">
+            <a:extLst>
+              <a:ext uri="{28A0092B-C50C-407E-A947-70E740481C1C}">
+                <a14:useLocalDpi xmlns:a14="http://schemas.microsoft.com/office/drawing/2010/main" val="0"/>
+              </a:ext>
+            </a:extLst>
+          </a:blip>
+          <a:srcRect/>
+          <a:stretch>
+            <a:fillRect/>
+          </a:stretch>
+        </p:blipFill>
+        <p:spPr bwMode="auto">
+          <a:xfrm>
+            <a:off x="2408306" y="1690688"/>
+            <a:ext cx="2365789" cy="4351338"/>
+          </a:xfrm>
+          <a:prstGeom prst="rect">
+            <a:avLst/>
+          </a:prstGeom>
+          <a:noFill/>
+          <a:ln>
+            <a:noFill/>
+          </a:ln>
+        </p:spPr>
+      </p:pic>
+      <p:pic>
+        <p:nvPicPr>
+          <p:cNvPr id="6" name="Рисунок 5">
+            <a:extLst>
+              <a:ext uri="{FF2B5EF4-FFF2-40B4-BE49-F238E27FC236}">
+                <a16:creationId xmlns:a16="http://schemas.microsoft.com/office/drawing/2014/main" id="{FD2FB9FD-CBBF-41C9-8DD8-D4DD9022F07B}"/>
+              </a:ext>
+            </a:extLst>
+          </p:cNvPr>
+          <p:cNvPicPr/>
+          <p:nvPr/>
+        </p:nvPicPr>
+        <p:blipFill>
+          <a:blip r:embed="rId4">
+            <a:extLst>
+              <a:ext uri="{28A0092B-C50C-407E-A947-70E740481C1C}">
+                <a14:useLocalDpi xmlns:a14="http://schemas.microsoft.com/office/drawing/2010/main" val="0"/>
+              </a:ext>
+            </a:extLst>
+          </a:blip>
+          <a:srcRect/>
+          <a:stretch>
+            <a:fillRect/>
+          </a:stretch>
+        </p:blipFill>
+        <p:spPr bwMode="auto">
+          <a:xfrm>
+            <a:off x="4876524" y="1690688"/>
+            <a:ext cx="2309744" cy="4351338"/>
+          </a:xfrm>
+          <a:prstGeom prst="rect">
+            <a:avLst/>
+          </a:prstGeom>
+          <a:noFill/>
+          <a:ln>
+            <a:noFill/>
+          </a:ln>
+        </p:spPr>
+      </p:pic>
+      <p:pic>
+        <p:nvPicPr>
+          <p:cNvPr id="7" name="Рисунок 6">
+            <a:extLst>
+              <a:ext uri="{FF2B5EF4-FFF2-40B4-BE49-F238E27FC236}">
+                <a16:creationId xmlns:a16="http://schemas.microsoft.com/office/drawing/2014/main" id="{69358DA8-47D0-453E-B6B9-18050B4BBF82}"/>
+              </a:ext>
+            </a:extLst>
+          </p:cNvPr>
+          <p:cNvPicPr/>
+          <p:nvPr/>
+        </p:nvPicPr>
+        <p:blipFill>
+          <a:blip r:embed="rId5">
+            <a:extLst>
+              <a:ext uri="{28A0092B-C50C-407E-A947-70E740481C1C}">
+                <a14:useLocalDpi xmlns:a14="http://schemas.microsoft.com/office/drawing/2010/main" val="0"/>
+              </a:ext>
+            </a:extLst>
+          </a:blip>
+          <a:srcRect/>
+          <a:stretch>
+            <a:fillRect/>
+          </a:stretch>
+        </p:blipFill>
+        <p:spPr bwMode="auto">
+          <a:xfrm>
+            <a:off x="7288696" y="1690688"/>
+            <a:ext cx="2309743" cy="4351338"/>
+          </a:xfrm>
+          <a:prstGeom prst="rect">
+            <a:avLst/>
+          </a:prstGeom>
+          <a:noFill/>
+          <a:ln>
+            <a:noFill/>
+          </a:ln>
+        </p:spPr>
+      </p:pic>
+      <p:pic>
+        <p:nvPicPr>
+          <p:cNvPr id="8" name="Рисунок 7">
+            <a:extLst>
+              <a:ext uri="{FF2B5EF4-FFF2-40B4-BE49-F238E27FC236}">
+                <a16:creationId xmlns:a16="http://schemas.microsoft.com/office/drawing/2014/main" id="{6E6E05C0-574C-41E7-8A3E-785CA3F94F74}"/>
+              </a:ext>
+            </a:extLst>
+          </p:cNvPr>
+          <p:cNvPicPr/>
+          <p:nvPr/>
+        </p:nvPicPr>
+        <p:blipFill>
+          <a:blip r:embed="rId6">
+            <a:extLst>
+              <a:ext uri="{28A0092B-C50C-407E-A947-70E740481C1C}">
+                <a14:useLocalDpi xmlns:a14="http://schemas.microsoft.com/office/drawing/2010/main" val="0"/>
+              </a:ext>
+            </a:extLst>
+          </a:blip>
+          <a:srcRect/>
+          <a:stretch>
+            <a:fillRect/>
+          </a:stretch>
+        </p:blipFill>
+        <p:spPr bwMode="auto">
+          <a:xfrm>
+            <a:off x="9700867" y="3935896"/>
+            <a:ext cx="2411620" cy="2106130"/>
+          </a:xfrm>
+          <a:prstGeom prst="rect">
+            <a:avLst/>
+          </a:prstGeom>
+          <a:noFill/>
+          <a:ln>
+            <a:noFill/>
+          </a:ln>
+        </p:spPr>
+      </p:pic>
+      <p:sp>
+        <p:nvSpPr>
+          <p:cNvPr id="9" name="Rectangle 5"/>
           <p:cNvSpPr>
             <a:spLocks noChangeArrowheads="1"/>
           </p:cNvSpPr>
@@ -8072,7 +8454,7 @@
     </p:spTree>
     <p:extLst>
       <p:ext uri="{BB962C8B-B14F-4D97-AF65-F5344CB8AC3E}">
-        <p14:creationId xmlns:p14="http://schemas.microsoft.com/office/powerpoint/2010/main" val="2541741414"/>
+        <p14:creationId xmlns:p14="http://schemas.microsoft.com/office/powerpoint/2010/main" val="3359726494"/>
       </p:ext>
     </p:extLst>
   </p:cSld>
@@ -8104,7 +8486,7 @@
           <p:cNvPr id="2" name="Заголовок 1">
             <a:extLst>
               <a:ext uri="{FF2B5EF4-FFF2-40B4-BE49-F238E27FC236}">
-                <a16:creationId xmlns:a16="http://schemas.microsoft.com/office/drawing/2014/main" id="{08B108EA-04A0-4603-9247-66BCF54ECA07}"/>
+                <a16:creationId xmlns:a16="http://schemas.microsoft.com/office/drawing/2014/main" id="{0840D5A9-41ED-4B59-9EA5-F1CD10406071}"/>
               </a:ext>
             </a:extLst>
           </p:cNvPr>
@@ -8122,17 +8504,17 @@
           <a:p>
             <a:r>
               <a:rPr lang="ru-RU" dirty="0"/>
-              <a:t>Структура проекта</a:t>
+              <a:t>Апробация: Вход</a:t>
             </a:r>
           </a:p>
         </p:txBody>
       </p:sp>
       <p:pic>
         <p:nvPicPr>
-          <p:cNvPr id="4" name="Объект 3">
+          <p:cNvPr id="5" name="Объект 4">
             <a:extLst>
               <a:ext uri="{FF2B5EF4-FFF2-40B4-BE49-F238E27FC236}">
-                <a16:creationId xmlns:a16="http://schemas.microsoft.com/office/drawing/2014/main" id="{8267393E-B254-4396-A4ED-08F94267B2C2}"/>
+                <a16:creationId xmlns:a16="http://schemas.microsoft.com/office/drawing/2014/main" id="{21A4DEFD-FD93-45D9-AD38-CD441591A2D1}"/>
               </a:ext>
             </a:extLst>
           </p:cNvPr>
@@ -8158,8 +8540,8 @@
         </p:blipFill>
         <p:spPr bwMode="auto">
           <a:xfrm>
-            <a:off x="118993" y="1690688"/>
-            <a:ext cx="2186885" cy="4351338"/>
+            <a:off x="4710285" y="1690688"/>
+            <a:ext cx="2771429" cy="1123810"/>
           </a:xfrm>
           <a:prstGeom prst="rect">
             <a:avLst/>
@@ -8172,10 +8554,10 @@
       </p:pic>
       <p:pic>
         <p:nvPicPr>
-          <p:cNvPr id="5" name="Рисунок 4">
+          <p:cNvPr id="6" name="Рисунок 5">
             <a:extLst>
               <a:ext uri="{FF2B5EF4-FFF2-40B4-BE49-F238E27FC236}">
-                <a16:creationId xmlns:a16="http://schemas.microsoft.com/office/drawing/2014/main" id="{B412DF5E-185A-4A2D-85B1-FDC6D5A058E0}"/>
+                <a16:creationId xmlns:a16="http://schemas.microsoft.com/office/drawing/2014/main" id="{16EFEB54-E7BD-4317-9F85-03A9A63734B6}"/>
               </a:ext>
             </a:extLst>
           </p:cNvPr>
@@ -8197,8 +8579,8 @@
         </p:blipFill>
         <p:spPr bwMode="auto">
           <a:xfrm>
-            <a:off x="2408306" y="1690688"/>
-            <a:ext cx="2365789" cy="4351338"/>
+            <a:off x="2216632" y="3089827"/>
+            <a:ext cx="2219325" cy="1314450"/>
           </a:xfrm>
           <a:prstGeom prst="rect">
             <a:avLst/>
@@ -8211,10 +8593,10 @@
       </p:pic>
       <p:pic>
         <p:nvPicPr>
-          <p:cNvPr id="6" name="Рисунок 5">
+          <p:cNvPr id="7" name="Рисунок 6">
             <a:extLst>
               <a:ext uri="{FF2B5EF4-FFF2-40B4-BE49-F238E27FC236}">
-                <a16:creationId xmlns:a16="http://schemas.microsoft.com/office/drawing/2014/main" id="{FD2FB9FD-CBBF-41C9-8DD8-D4DD9022F07B}"/>
+                <a16:creationId xmlns:a16="http://schemas.microsoft.com/office/drawing/2014/main" id="{5C87A80B-C74B-4943-8E28-22A772E0663B}"/>
               </a:ext>
             </a:extLst>
           </p:cNvPr>
@@ -8236,8 +8618,8 @@
         </p:blipFill>
         <p:spPr bwMode="auto">
           <a:xfrm>
-            <a:off x="4876524" y="1690688"/>
-            <a:ext cx="2309744" cy="4351338"/>
+            <a:off x="2216632" y="4815923"/>
+            <a:ext cx="3314700" cy="1466850"/>
           </a:xfrm>
           <a:prstGeom prst="rect">
             <a:avLst/>
@@ -8250,10 +8632,10 @@
       </p:pic>
       <p:pic>
         <p:nvPicPr>
-          <p:cNvPr id="7" name="Рисунок 6">
+          <p:cNvPr id="8" name="Рисунок 7">
             <a:extLst>
               <a:ext uri="{FF2B5EF4-FFF2-40B4-BE49-F238E27FC236}">
-                <a16:creationId xmlns:a16="http://schemas.microsoft.com/office/drawing/2014/main" id="{69358DA8-47D0-453E-B6B9-18050B4BBF82}"/>
+                <a16:creationId xmlns:a16="http://schemas.microsoft.com/office/drawing/2014/main" id="{DB5265D5-4010-4789-9AB0-9F13F6677737}"/>
               </a:ext>
             </a:extLst>
           </p:cNvPr>
@@ -8275,8 +8657,8 @@
         </p:blipFill>
         <p:spPr bwMode="auto">
           <a:xfrm>
-            <a:off x="7288696" y="1690688"/>
-            <a:ext cx="2309743" cy="4351338"/>
+            <a:off x="7756045" y="3089827"/>
+            <a:ext cx="2063816" cy="1314450"/>
           </a:xfrm>
           <a:prstGeom prst="rect">
             <a:avLst/>
@@ -8289,10 +8671,10 @@
       </p:pic>
       <p:pic>
         <p:nvPicPr>
-          <p:cNvPr id="8" name="Рисунок 7">
+          <p:cNvPr id="9" name="Рисунок 8">
             <a:extLst>
               <a:ext uri="{FF2B5EF4-FFF2-40B4-BE49-F238E27FC236}">
-                <a16:creationId xmlns:a16="http://schemas.microsoft.com/office/drawing/2014/main" id="{6E6E05C0-574C-41E7-8A3E-785CA3F94F74}"/>
+                <a16:creationId xmlns:a16="http://schemas.microsoft.com/office/drawing/2014/main" id="{0CCFAF65-8E3E-4B3D-9049-49EBAD69911B}"/>
               </a:ext>
             </a:extLst>
           </p:cNvPr>
@@ -8314,8 +8696,8 @@
         </p:blipFill>
         <p:spPr bwMode="auto">
           <a:xfrm>
-            <a:off x="9700867" y="3935896"/>
-            <a:ext cx="2411620" cy="2106130"/>
+            <a:off x="7756045" y="4815923"/>
+            <a:ext cx="2828925" cy="1457325"/>
           </a:xfrm>
           <a:prstGeom prst="rect">
             <a:avLst/>
@@ -8326,9 +8708,171 @@
           </a:ln>
         </p:spPr>
       </p:pic>
-      <p:sp>
-        <p:nvSpPr>
-          <p:cNvPr id="9" name="Rectangle 5"/>
+      <p:cxnSp>
+        <p:nvCxnSpPr>
+          <p:cNvPr id="11" name="Прямая со стрелкой 10">
+            <a:extLst>
+              <a:ext uri="{FF2B5EF4-FFF2-40B4-BE49-F238E27FC236}">
+                <a16:creationId xmlns:a16="http://schemas.microsoft.com/office/drawing/2014/main" id="{0DB74D9D-3FDD-43DC-908D-14BCF9545151}"/>
+              </a:ext>
+            </a:extLst>
+          </p:cNvPr>
+          <p:cNvCxnSpPr/>
+          <p:nvPr/>
+        </p:nvCxnSpPr>
+        <p:spPr>
+          <a:xfrm flipH="1">
+            <a:off x="4435957" y="2814498"/>
+            <a:ext cx="274328" cy="275329"/>
+          </a:xfrm>
+          <a:prstGeom prst="straightConnector1">
+            <a:avLst/>
+          </a:prstGeom>
+          <a:ln>
+            <a:tailEnd type="triangle"/>
+          </a:ln>
+        </p:spPr>
+        <p:style>
+          <a:lnRef idx="1">
+            <a:schemeClr val="accent1"/>
+          </a:lnRef>
+          <a:fillRef idx="0">
+            <a:schemeClr val="accent1"/>
+          </a:fillRef>
+          <a:effectRef idx="0">
+            <a:schemeClr val="accent1"/>
+          </a:effectRef>
+          <a:fontRef idx="minor">
+            <a:schemeClr val="tx1"/>
+          </a:fontRef>
+        </p:style>
+      </p:cxnSp>
+      <p:cxnSp>
+        <p:nvCxnSpPr>
+          <p:cNvPr id="12" name="Прямая со стрелкой 11">
+            <a:extLst>
+              <a:ext uri="{FF2B5EF4-FFF2-40B4-BE49-F238E27FC236}">
+                <a16:creationId xmlns:a16="http://schemas.microsoft.com/office/drawing/2014/main" id="{A204C5DD-6CBD-42A3-BCC3-AC562B302B26}"/>
+              </a:ext>
+            </a:extLst>
+          </p:cNvPr>
+          <p:cNvCxnSpPr>
+            <a:cxnSpLocks/>
+          </p:cNvCxnSpPr>
+          <p:nvPr/>
+        </p:nvCxnSpPr>
+        <p:spPr>
+          <a:xfrm rot="16200000" flipH="1">
+            <a:off x="7507543" y="2814999"/>
+            <a:ext cx="274328" cy="275329"/>
+          </a:xfrm>
+          <a:prstGeom prst="straightConnector1">
+            <a:avLst/>
+          </a:prstGeom>
+          <a:ln>
+            <a:tailEnd type="triangle"/>
+          </a:ln>
+        </p:spPr>
+        <p:style>
+          <a:lnRef idx="1">
+            <a:schemeClr val="accent1"/>
+          </a:lnRef>
+          <a:fillRef idx="0">
+            <a:schemeClr val="accent1"/>
+          </a:fillRef>
+          <a:effectRef idx="0">
+            <a:schemeClr val="accent1"/>
+          </a:effectRef>
+          <a:fontRef idx="minor">
+            <a:schemeClr val="tx1"/>
+          </a:fontRef>
+        </p:style>
+      </p:cxnSp>
+      <p:cxnSp>
+        <p:nvCxnSpPr>
+          <p:cNvPr id="14" name="Прямая со стрелкой 13">
+            <a:extLst>
+              <a:ext uri="{FF2B5EF4-FFF2-40B4-BE49-F238E27FC236}">
+                <a16:creationId xmlns:a16="http://schemas.microsoft.com/office/drawing/2014/main" id="{A1CE936A-B9EE-4B1A-B7DB-96544CC11CB5}"/>
+              </a:ext>
+            </a:extLst>
+          </p:cNvPr>
+          <p:cNvCxnSpPr>
+            <a:stCxn id="6" idx="2"/>
+          </p:cNvCxnSpPr>
+          <p:nvPr/>
+        </p:nvCxnSpPr>
+        <p:spPr>
+          <a:xfrm flipH="1">
+            <a:off x="3326294" y="4404277"/>
+            <a:ext cx="1" cy="411646"/>
+          </a:xfrm>
+          <a:prstGeom prst="straightConnector1">
+            <a:avLst/>
+          </a:prstGeom>
+          <a:ln>
+            <a:tailEnd type="triangle"/>
+          </a:ln>
+        </p:spPr>
+        <p:style>
+          <a:lnRef idx="1">
+            <a:schemeClr val="accent1"/>
+          </a:lnRef>
+          <a:fillRef idx="0">
+            <a:schemeClr val="accent1"/>
+          </a:fillRef>
+          <a:effectRef idx="0">
+            <a:schemeClr val="accent1"/>
+          </a:effectRef>
+          <a:fontRef idx="minor">
+            <a:schemeClr val="tx1"/>
+          </a:fontRef>
+        </p:style>
+      </p:cxnSp>
+      <p:cxnSp>
+        <p:nvCxnSpPr>
+          <p:cNvPr id="16" name="Прямая со стрелкой 15">
+            <a:extLst>
+              <a:ext uri="{FF2B5EF4-FFF2-40B4-BE49-F238E27FC236}">
+                <a16:creationId xmlns:a16="http://schemas.microsoft.com/office/drawing/2014/main" id="{6ED569F2-510E-4DC0-8F1D-B6F2C305E858}"/>
+              </a:ext>
+            </a:extLst>
+          </p:cNvPr>
+          <p:cNvCxnSpPr>
+            <a:stCxn id="8" idx="2"/>
+          </p:cNvCxnSpPr>
+          <p:nvPr/>
+        </p:nvCxnSpPr>
+        <p:spPr>
+          <a:xfrm>
+            <a:off x="8787953" y="4404277"/>
+            <a:ext cx="0" cy="411646"/>
+          </a:xfrm>
+          <a:prstGeom prst="straightConnector1">
+            <a:avLst/>
+          </a:prstGeom>
+          <a:ln>
+            <a:tailEnd type="triangle"/>
+          </a:ln>
+        </p:spPr>
+        <p:style>
+          <a:lnRef idx="1">
+            <a:schemeClr val="accent1"/>
+          </a:lnRef>
+          <a:fillRef idx="0">
+            <a:schemeClr val="accent1"/>
+          </a:fillRef>
+          <a:effectRef idx="0">
+            <a:schemeClr val="accent1"/>
+          </a:effectRef>
+          <a:fontRef idx="minor">
+            <a:schemeClr val="tx1"/>
+          </a:fontRef>
+        </p:style>
+      </p:cxnSp>
+      <p:sp>
+        <p:nvSpPr>
+          <p:cNvPr id="13" name="Rectangle 5"/>
           <p:cNvSpPr>
             <a:spLocks noChangeArrowheads="1"/>
           </p:cNvSpPr>
@@ -8378,7 +8922,7 @@
     </p:spTree>
     <p:extLst>
       <p:ext uri="{BB962C8B-B14F-4D97-AF65-F5344CB8AC3E}">
-        <p14:creationId xmlns:p14="http://schemas.microsoft.com/office/powerpoint/2010/main" val="3359726494"/>
+        <p14:creationId xmlns:p14="http://schemas.microsoft.com/office/powerpoint/2010/main" val="2749775643"/>
       </p:ext>
     </p:extLst>
   </p:cSld>

--- a/diplom v2.0/doc/Презентация.pptx
+++ b/diplom v2.0/doc/Презентация.pptx
@@ -9,8 +9,8 @@
   </p:notesMasterIdLst>
   <p:sldIdLst>
     <p:sldId id="256" r:id="rId2"/>
-    <p:sldId id="282" r:id="rId3"/>
-    <p:sldId id="257" r:id="rId4"/>
+    <p:sldId id="257" r:id="rId3"/>
+    <p:sldId id="282" r:id="rId4"/>
     <p:sldId id="258" r:id="rId5"/>
     <p:sldId id="278" r:id="rId6"/>
     <p:sldId id="259" r:id="rId7"/>
@@ -622,7 +622,7 @@
           <a:bodyPr/>
           <a:lstStyle/>
           <a:p>
-            <a:fld id="{74497A39-0B1D-4467-AFD5-7DFBD3023946}" type="datetimeFigureOut">
+            <a:fld id="{4199AA14-DFF7-4621-AFC3-325CB91939A9}" type="datetime1">
               <a:rPr lang="ru-RU" smtClean="0"/>
               <a:pPr/>
               <a:t>11.06.2023</a:t>
@@ -792,7 +792,7 @@
           <a:bodyPr/>
           <a:lstStyle/>
           <a:p>
-            <a:fld id="{74497A39-0B1D-4467-AFD5-7DFBD3023946}" type="datetimeFigureOut">
+            <a:fld id="{7B3D3A8B-C544-4656-A5FD-65170FB24AB8}" type="datetime1">
               <a:rPr lang="ru-RU" smtClean="0"/>
               <a:pPr/>
               <a:t>11.06.2023</a:t>
@@ -972,7 +972,7 @@
           <a:bodyPr/>
           <a:lstStyle/>
           <a:p>
-            <a:fld id="{74497A39-0B1D-4467-AFD5-7DFBD3023946}" type="datetimeFigureOut">
+            <a:fld id="{B9D86662-9340-4009-B40C-ABEEC11F45AC}" type="datetime1">
               <a:rPr lang="ru-RU" smtClean="0"/>
               <a:pPr/>
               <a:t>11.06.2023</a:t>
@@ -1142,7 +1142,7 @@
           <a:bodyPr/>
           <a:lstStyle/>
           <a:p>
-            <a:fld id="{74497A39-0B1D-4467-AFD5-7DFBD3023946}" type="datetimeFigureOut">
+            <a:fld id="{334610F7-853D-4B7F-B114-92CA9A4632DD}" type="datetime1">
               <a:rPr lang="ru-RU" smtClean="0"/>
               <a:pPr/>
               <a:t>11.06.2023</a:t>
@@ -1389,7 +1389,7 @@
           <a:bodyPr/>
           <a:lstStyle/>
           <a:p>
-            <a:fld id="{74497A39-0B1D-4467-AFD5-7DFBD3023946}" type="datetimeFigureOut">
+            <a:fld id="{B0B1AFD0-1B42-48E2-9AFB-92FBEC9EF4A4}" type="datetime1">
               <a:rPr lang="ru-RU" smtClean="0"/>
               <a:pPr/>
               <a:t>11.06.2023</a:t>
@@ -1620,7 +1620,7 @@
           <a:bodyPr/>
           <a:lstStyle/>
           <a:p>
-            <a:fld id="{74497A39-0B1D-4467-AFD5-7DFBD3023946}" type="datetimeFigureOut">
+            <a:fld id="{9A47088E-E9D8-4258-A387-CBB084BA5195}" type="datetime1">
               <a:rPr lang="ru-RU" smtClean="0"/>
               <a:pPr/>
               <a:t>11.06.2023</a:t>
@@ -1986,7 +1986,7 @@
           <a:bodyPr/>
           <a:lstStyle/>
           <a:p>
-            <a:fld id="{74497A39-0B1D-4467-AFD5-7DFBD3023946}" type="datetimeFigureOut">
+            <a:fld id="{17AAEC80-4F6E-4D6E-BDB1-0B41C6413015}" type="datetime1">
               <a:rPr lang="ru-RU" smtClean="0"/>
               <a:pPr/>
               <a:t>11.06.2023</a:t>
@@ -2105,7 +2105,7 @@
           <a:bodyPr/>
           <a:lstStyle/>
           <a:p>
-            <a:fld id="{74497A39-0B1D-4467-AFD5-7DFBD3023946}" type="datetimeFigureOut">
+            <a:fld id="{6F7B820D-2A61-4D97-8147-2A25C894FBA2}" type="datetime1">
               <a:rPr lang="ru-RU" smtClean="0"/>
               <a:pPr/>
               <a:t>11.06.2023</a:t>
@@ -2202,7 +2202,7 @@
           <a:bodyPr/>
           <a:lstStyle/>
           <a:p>
-            <a:fld id="{74497A39-0B1D-4467-AFD5-7DFBD3023946}" type="datetimeFigureOut">
+            <a:fld id="{AABC58DD-C1E8-446E-86D3-5D703F3E2BEB}" type="datetime1">
               <a:rPr lang="ru-RU" smtClean="0"/>
               <a:pPr/>
               <a:t>11.06.2023</a:t>
@@ -2479,7 +2479,7 @@
           <a:bodyPr/>
           <a:lstStyle/>
           <a:p>
-            <a:fld id="{74497A39-0B1D-4467-AFD5-7DFBD3023946}" type="datetimeFigureOut">
+            <a:fld id="{AFC5E637-9D55-4CBC-86E1-3D820E3EB093}" type="datetime1">
               <a:rPr lang="ru-RU" smtClean="0"/>
               <a:pPr/>
               <a:t>11.06.2023</a:t>
@@ -2733,7 +2733,7 @@
           <a:bodyPr/>
           <a:lstStyle/>
           <a:p>
-            <a:fld id="{74497A39-0B1D-4467-AFD5-7DFBD3023946}" type="datetimeFigureOut">
+            <a:fld id="{19B3788C-3F62-4B14-BBC2-7515C6FDDB6F}" type="datetime1">
               <a:rPr lang="ru-RU" smtClean="0"/>
               <a:pPr/>
               <a:t>11.06.2023</a:t>
@@ -2946,7 +2946,7 @@
             </a:lvl1pPr>
           </a:lstStyle>
           <a:p>
-            <a:fld id="{74497A39-0B1D-4467-AFD5-7DFBD3023946}" type="datetimeFigureOut">
+            <a:fld id="{7AEA9DDD-A493-47F2-AE38-26AFB272A696}" type="datetime1">
               <a:rPr lang="ru-RU" smtClean="0"/>
               <a:pPr/>
               <a:t>11.06.2023</a:t>
@@ -3055,6 +3055,7 @@
     <p:sldLayoutId id="2147483823" r:id="rId10"/>
     <p:sldLayoutId id="2147483824" r:id="rId11"/>
   </p:sldLayoutIdLst>
+  <p:hf hdr="0" ftr="0" dt="0"/>
   <p:txStyles>
     <p:titleStyle>
       <a:lvl1pPr algn="l" defTabSz="914400" rtl="0" eaLnBrk="1" latinLnBrk="0" hangingPunct="1">
@@ -3825,8 +3826,8 @@
         </p:nvSpPr>
         <p:spPr>
           <a:xfrm>
-            <a:off x="4113347" y="2127583"/>
-            <a:ext cx="4087453" cy="2602833"/>
+            <a:off x="3707027" y="1964725"/>
+            <a:ext cx="4493773" cy="2765692"/>
           </a:xfrm>
           <a:prstGeom prst="rect">
             <a:avLst/>
@@ -3949,7 +3950,7 @@
         <p:spPr>
           <a:xfrm>
             <a:off x="5434992" y="1534026"/>
-            <a:ext cx="722082" cy="593557"/>
+            <a:ext cx="518922" cy="430699"/>
           </a:xfrm>
           <a:prstGeom prst="bentConnector2">
             <a:avLst/>
@@ -3997,8 +3998,8 @@
         </p:nvCxnSpPr>
         <p:spPr>
           <a:xfrm>
-            <a:off x="8200800" y="3429000"/>
-            <a:ext cx="660822" cy="553449"/>
+            <a:off x="8200800" y="3347571"/>
+            <a:ext cx="660822" cy="634878"/>
           </a:xfrm>
           <a:prstGeom prst="bentConnector2">
             <a:avLst/>
@@ -4027,6 +4028,47 @@
           </a:fontRef>
         </p:style>
       </p:cxnSp>
+      <p:sp>
+        <p:nvSpPr>
+          <p:cNvPr id="3" name="Номер слайда 2">
+            <a:extLst>
+              <a:ext uri="{FF2B5EF4-FFF2-40B4-BE49-F238E27FC236}">
+                <a16:creationId xmlns:a16="http://schemas.microsoft.com/office/drawing/2014/main" id="{67FD6F08-96E2-416D-A16F-2741D1E8E80F}"/>
+              </a:ext>
+            </a:extLst>
+          </p:cNvPr>
+          <p:cNvSpPr>
+            <a:spLocks noGrp="1"/>
+          </p:cNvSpPr>
+          <p:nvPr>
+            <p:ph type="sldNum" sz="quarter" idx="12"/>
+          </p:nvPr>
+        </p:nvSpPr>
+        <p:spPr>
+          <a:xfrm>
+            <a:off x="9234054" y="232609"/>
+            <a:ext cx="2743200" cy="365125"/>
+          </a:xfrm>
+        </p:spPr>
+        <p:txBody>
+          <a:bodyPr/>
+          <a:lstStyle/>
+          <a:p>
+            <a:fld id="{9888A0FC-94FA-445F-91EB-CF19401D7C77}" type="slidenum">
+              <a:rPr lang="ru-RU" sz="3600" b="1" smtClean="0">
+                <a:latin typeface="Arial" panose="020B0604020202020204" pitchFamily="34" charset="0"/>
+                <a:cs typeface="Arial" panose="020B0604020202020204" pitchFamily="34" charset="0"/>
+              </a:rPr>
+              <a:pPr/>
+              <a:t>10</a:t>
+            </a:fld>
+            <a:endParaRPr lang="ru-RU" sz="3600" b="1" dirty="0">
+              <a:latin typeface="Arial" panose="020B0604020202020204" pitchFamily="34" charset="0"/>
+              <a:cs typeface="Arial" panose="020B0604020202020204" pitchFamily="34" charset="0"/>
+            </a:endParaRPr>
+          </a:p>
+        </p:txBody>
+      </p:sp>
     </p:spTree>
     <p:extLst>
       <p:ext uri="{BB962C8B-B14F-4D97-AF65-F5344CB8AC3E}">
@@ -4097,6 +4139,47 @@
           </a:p>
         </p:txBody>
       </p:sp>
+      <p:sp>
+        <p:nvSpPr>
+          <p:cNvPr id="2" name="Номер слайда 1">
+            <a:extLst>
+              <a:ext uri="{FF2B5EF4-FFF2-40B4-BE49-F238E27FC236}">
+                <a16:creationId xmlns:a16="http://schemas.microsoft.com/office/drawing/2014/main" id="{D72A4A03-1E6E-4A97-A97E-72C9F2358566}"/>
+              </a:ext>
+            </a:extLst>
+          </p:cNvPr>
+          <p:cNvSpPr>
+            <a:spLocks noGrp="1"/>
+          </p:cNvSpPr>
+          <p:nvPr>
+            <p:ph type="sldNum" sz="quarter" idx="12"/>
+          </p:nvPr>
+        </p:nvSpPr>
+        <p:spPr>
+          <a:xfrm>
+            <a:off x="9317182" y="191077"/>
+            <a:ext cx="2743200" cy="365125"/>
+          </a:xfrm>
+        </p:spPr>
+        <p:txBody>
+          <a:bodyPr/>
+          <a:lstStyle/>
+          <a:p>
+            <a:fld id="{9888A0FC-94FA-445F-91EB-CF19401D7C77}" type="slidenum">
+              <a:rPr lang="ru-RU" sz="3600" b="1" smtClean="0">
+                <a:latin typeface="Arial" panose="020B0604020202020204" pitchFamily="34" charset="0"/>
+                <a:cs typeface="Arial" panose="020B0604020202020204" pitchFamily="34" charset="0"/>
+              </a:rPr>
+              <a:pPr/>
+              <a:t>11</a:t>
+            </a:fld>
+            <a:endParaRPr lang="ru-RU" sz="3600" b="1" dirty="0">
+              <a:latin typeface="Arial" panose="020B0604020202020204" pitchFamily="34" charset="0"/>
+              <a:cs typeface="Arial" panose="020B0604020202020204" pitchFamily="34" charset="0"/>
+            </a:endParaRPr>
+          </a:p>
+        </p:txBody>
+      </p:sp>
     </p:spTree>
     <p:extLst>
       <p:ext uri="{BB962C8B-B14F-4D97-AF65-F5344CB8AC3E}">
@@ -4233,7 +4316,7 @@
         </p:nvSpPr>
         <p:spPr bwMode="auto">
           <a:xfrm>
-            <a:off x="-36513" y="6216650"/>
+            <a:off x="11451152" y="16450"/>
             <a:ext cx="740848" cy="646331"/>
           </a:xfrm>
           <a:prstGeom prst="rect">
@@ -4495,7 +4578,7 @@
         </p:nvSpPr>
         <p:spPr bwMode="auto">
           <a:xfrm>
-            <a:off x="-36513" y="6216650"/>
+            <a:off x="11520425" y="0"/>
             <a:ext cx="740848" cy="646331"/>
           </a:xfrm>
           <a:prstGeom prst="rect">
@@ -4580,8 +4663,8 @@
         </p:nvSpPr>
         <p:spPr>
           <a:xfrm>
-            <a:off x="4052273" y="2127583"/>
-            <a:ext cx="4087453" cy="2602833"/>
+            <a:off x="3509319" y="1754659"/>
+            <a:ext cx="4630407" cy="2975757"/>
           </a:xfrm>
           <a:prstGeom prst="rect">
             <a:avLst/>
@@ -4622,6 +4705,47 @@
               <a:rPr lang="ru-RU" dirty="0"/>
               <a:t>Администратор</a:t>
             </a:r>
+          </a:p>
+        </p:txBody>
+      </p:sp>
+      <p:sp>
+        <p:nvSpPr>
+          <p:cNvPr id="2" name="Номер слайда 1">
+            <a:extLst>
+              <a:ext uri="{FF2B5EF4-FFF2-40B4-BE49-F238E27FC236}">
+                <a16:creationId xmlns:a16="http://schemas.microsoft.com/office/drawing/2014/main" id="{64CCE1DB-9D2D-4DB9-823D-6FF674C4ADB7}"/>
+              </a:ext>
+            </a:extLst>
+          </p:cNvPr>
+          <p:cNvSpPr>
+            <a:spLocks noGrp="1"/>
+          </p:cNvSpPr>
+          <p:nvPr>
+            <p:ph type="sldNum" sz="quarter" idx="12"/>
+          </p:nvPr>
+        </p:nvSpPr>
+        <p:spPr>
+          <a:xfrm>
+            <a:off x="9261764" y="135659"/>
+            <a:ext cx="2743200" cy="365125"/>
+          </a:xfrm>
+        </p:spPr>
+        <p:txBody>
+          <a:bodyPr/>
+          <a:lstStyle/>
+          <a:p>
+            <a:fld id="{9888A0FC-94FA-445F-91EB-CF19401D7C77}" type="slidenum">
+              <a:rPr lang="ru-RU" sz="3600" b="1" smtClean="0">
+                <a:latin typeface="Arial" panose="020B0604020202020204" pitchFamily="34" charset="0"/>
+                <a:cs typeface="Arial" panose="020B0604020202020204" pitchFamily="34" charset="0"/>
+              </a:rPr>
+              <a:pPr/>
+              <a:t>14</a:t>
+            </a:fld>
+            <a:endParaRPr lang="ru-RU" sz="3600" b="1" dirty="0">
+              <a:latin typeface="Arial" panose="020B0604020202020204" pitchFamily="34" charset="0"/>
+              <a:cs typeface="Arial" panose="020B0604020202020204" pitchFamily="34" charset="0"/>
+            </a:endParaRPr>
           </a:p>
         </p:txBody>
       </p:sp>
@@ -4842,7 +4966,7 @@
         </p:nvSpPr>
         <p:spPr bwMode="auto">
           <a:xfrm>
-            <a:off x="-36513" y="6216650"/>
+            <a:off x="11451152" y="0"/>
             <a:ext cx="740848" cy="646331"/>
           </a:xfrm>
           <a:prstGeom prst="rect">
@@ -5192,7 +5316,7 @@
         </p:nvSpPr>
         <p:spPr bwMode="auto">
           <a:xfrm>
-            <a:off x="-36513" y="6216650"/>
+            <a:off x="11451152" y="2202"/>
             <a:ext cx="740848" cy="646331"/>
           </a:xfrm>
           <a:prstGeom prst="rect">
@@ -5420,7 +5544,7 @@
         </p:nvSpPr>
         <p:spPr bwMode="auto">
           <a:xfrm>
-            <a:off x="-36513" y="6216650"/>
+            <a:off x="11451152" y="0"/>
             <a:ext cx="740848" cy="646331"/>
           </a:xfrm>
           <a:prstGeom prst="rect">
@@ -5549,6 +5673,47 @@
           </a:p>
         </p:txBody>
       </p:sp>
+      <p:sp>
+        <p:nvSpPr>
+          <p:cNvPr id="2" name="Номер слайда 1">
+            <a:extLst>
+              <a:ext uri="{FF2B5EF4-FFF2-40B4-BE49-F238E27FC236}">
+                <a16:creationId xmlns:a16="http://schemas.microsoft.com/office/drawing/2014/main" id="{0C6965B3-0B98-4511-8AA8-82C31B94532F}"/>
+              </a:ext>
+            </a:extLst>
+          </p:cNvPr>
+          <p:cNvSpPr>
+            <a:spLocks noGrp="1"/>
+          </p:cNvSpPr>
+          <p:nvPr>
+            <p:ph type="sldNum" sz="quarter" idx="12"/>
+          </p:nvPr>
+        </p:nvSpPr>
+        <p:spPr>
+          <a:xfrm>
+            <a:off x="9317182" y="135659"/>
+            <a:ext cx="2743200" cy="365125"/>
+          </a:xfrm>
+        </p:spPr>
+        <p:txBody>
+          <a:bodyPr/>
+          <a:lstStyle/>
+          <a:p>
+            <a:fld id="{9888A0FC-94FA-445F-91EB-CF19401D7C77}" type="slidenum">
+              <a:rPr lang="ru-RU" sz="3600" b="1" smtClean="0">
+                <a:latin typeface="Arial" panose="020B0604020202020204" pitchFamily="34" charset="0"/>
+                <a:cs typeface="Arial" panose="020B0604020202020204" pitchFamily="34" charset="0"/>
+              </a:rPr>
+              <a:pPr/>
+              <a:t>18</a:t>
+            </a:fld>
+            <a:endParaRPr lang="ru-RU" sz="3600" b="1" dirty="0">
+              <a:latin typeface="Arial" panose="020B0604020202020204" pitchFamily="34" charset="0"/>
+              <a:cs typeface="Arial" panose="020B0604020202020204" pitchFamily="34" charset="0"/>
+            </a:endParaRPr>
+          </a:p>
+        </p:txBody>
+      </p:sp>
     </p:spTree>
     <p:extLst>
       <p:ext uri="{BB962C8B-B14F-4D97-AF65-F5344CB8AC3E}">
@@ -5743,7 +5908,7 @@
         </p:nvSpPr>
         <p:spPr bwMode="auto">
           <a:xfrm>
-            <a:off x="-36513" y="6216650"/>
+            <a:off x="11353800" y="16265"/>
             <a:ext cx="740848" cy="646331"/>
           </a:xfrm>
           <a:prstGeom prst="rect">
@@ -5814,13 +5979,7 @@
       </p:grpSpPr>
       <p:sp>
         <p:nvSpPr>
-          <p:cNvPr id="2" name="Заголовок 1">
-            <a:extLst>
-              <a:ext uri="{FF2B5EF4-FFF2-40B4-BE49-F238E27FC236}">
-                <a16:creationId xmlns:a16="http://schemas.microsoft.com/office/drawing/2014/main" id="{D68881DB-ADFF-40E7-9D18-754001B0B864}"/>
-              </a:ext>
-            </a:extLst>
-          </p:cNvPr>
+          <p:cNvPr id="2" name="Заголовок 1"/>
           <p:cNvSpPr>
             <a:spLocks noGrp="1"/>
           </p:cNvSpPr>
@@ -5835,20 +5994,14 @@
           <a:p>
             <a:r>
               <a:rPr lang="ru-RU" dirty="0"/>
-              <a:t>Актуальность</a:t>
-            </a:r>
-          </a:p>
-        </p:txBody>
-      </p:sp>
-      <p:sp>
-        <p:nvSpPr>
-          <p:cNvPr id="3" name="Объект 2">
-            <a:extLst>
-              <a:ext uri="{FF2B5EF4-FFF2-40B4-BE49-F238E27FC236}">
-                <a16:creationId xmlns:a16="http://schemas.microsoft.com/office/drawing/2014/main" id="{39B2DCA8-18E2-45A5-ACB2-7007C0934630}"/>
-              </a:ext>
-            </a:extLst>
-          </p:cNvPr>
+              <a:t>Поставленные задачи и цели</a:t>
+            </a:r>
+          </a:p>
+        </p:txBody>
+      </p:sp>
+      <p:sp>
+        <p:nvSpPr>
+          <p:cNvPr id="3" name="Объект 2"/>
           <p:cNvSpPr>
             <a:spLocks noGrp="1"/>
           </p:cNvSpPr>
@@ -5859,57 +6012,156 @@
         <p:spPr/>
         <p:txBody>
           <a:bodyPr>
-            <a:normAutofit lnSpcReduction="10000"/>
+            <a:normAutofit/>
           </a:bodyPr>
           <a:lstStyle/>
           <a:p>
+            <a:pPr marL="0" indent="0">
+              <a:buNone/>
+            </a:pPr>
             <a:r>
               <a:rPr lang="ru-RU" dirty="0"/>
-              <a:t>Управление компанией опирается на разделение труда и ответственности, при этом в большой организации происходит значительный оборот информации. </a:t>
-            </a:r>
-          </a:p>
-          <a:p>
+              <a:t>Цель:</a:t>
+            </a:r>
+          </a:p>
+          <a:p>
+            <a:pPr>
+              <a:buFont typeface="Wingdings" panose="05000000000000000000" pitchFamily="2" charset="2"/>
+              <a:buChar char="§"/>
+            </a:pPr>
+            <a:r>
+              <a:rPr lang="ru-RU" sz="2800" dirty="0"/>
+              <a:t>разработ</a:t>
+            </a:r>
             <a:r>
               <a:rPr lang="ru-RU" dirty="0"/>
-              <a:t>С развитием технологий появилась возможность оцифровать всю информацию и хранить ее в виде электронных документов </a:t>
-            </a:r>
-            <a:r>
-              <a:rPr lang="ru-RU" dirty="0" err="1"/>
-              <a:t>Word</a:t>
+              <a:t>ать</a:t>
+            </a:r>
+            <a:r>
+              <a:rPr lang="ru-RU" sz="2800" dirty="0"/>
+              <a:t> приложени</a:t>
             </a:r>
             <a:r>
               <a:rPr lang="ru-RU" dirty="0"/>
-              <a:t> или </a:t>
-            </a:r>
-            <a:r>
-              <a:rPr lang="ru-RU" dirty="0" err="1"/>
-              <a:t>Excel</a:t>
-            </a:r>
+              <a:t>е</a:t>
+            </a:r>
+            <a:r>
+              <a:rPr lang="ru-RU" sz="2800" dirty="0"/>
+              <a:t> по оказанию </a:t>
+            </a:r>
+            <a:r>
+              <a:rPr lang="ru-RU" sz="2800" dirty="0" err="1"/>
+              <a:t>логистических</a:t>
+            </a:r>
+            <a:r>
+              <a:rPr lang="ru-RU" sz="2800" dirty="0"/>
+              <a:t> услуг на примере </a:t>
+            </a:r>
+            <a:r>
+              <a:rPr lang="ru-RU" sz="2800" dirty="0" err="1"/>
+              <a:t>грузоперезок</a:t>
+            </a:r>
+            <a:endParaRPr lang="ru-RU" sz="2800" dirty="0"/>
+          </a:p>
+          <a:p>
+            <a:pPr marL="0" indent="0">
+              <a:buNone/>
+            </a:pPr>
             <a:r>
               <a:rPr lang="ru-RU" dirty="0"/>
-              <a:t>, которые имеют преимущества по сравнению с бумажными аналогами (их не так просто потерять и можно оперативно вносить изменения</a:t>
-            </a:r>
-            <a:r>
-              <a:rPr lang="ru-RU"/>
-              <a:t>). </a:t>
-            </a:r>
-          </a:p>
-          <a:p>
-            <a:r>
-              <a:rPr lang="ru-RU"/>
-              <a:t>Следующим </a:t>
-            </a:r>
+              <a:t>Задачи:</a:t>
+            </a:r>
+          </a:p>
+          <a:p>
+            <a:pPr>
+              <a:buFont typeface="Wingdings" panose="05000000000000000000" pitchFamily="2" charset="2"/>
+              <a:buChar char="§"/>
+            </a:pPr>
             <a:r>
               <a:rPr lang="ru-RU" dirty="0"/>
-              <a:t>шагом развития стало возникновение интернета, появилась возможность автоматизировать обмен информацией между участниками процессов в компании. </a:t>
-            </a:r>
+              <a:t>выбор и изучение инструментов решения поставленной задачи</a:t>
+            </a:r>
+            <a:r>
+              <a:rPr lang="en-US" dirty="0"/>
+              <a:t>;</a:t>
+            </a:r>
+          </a:p>
+          <a:p>
+            <a:pPr>
+              <a:buFont typeface="Wingdings" panose="05000000000000000000" pitchFamily="2" charset="2"/>
+              <a:buChar char="§"/>
+            </a:pPr>
+            <a:r>
+              <a:rPr lang="ru-RU" dirty="0"/>
+              <a:t>разработка структуры программы и ее архитектуры;</a:t>
+            </a:r>
+          </a:p>
+          <a:p>
+            <a:pPr>
+              <a:buFont typeface="Wingdings" panose="05000000000000000000" pitchFamily="2" charset="2"/>
+              <a:buChar char="§"/>
+            </a:pPr>
+            <a:r>
+              <a:rPr lang="ru-RU" dirty="0"/>
+              <a:t>разработка частей приложения, а также реализация их взаимодействия;</a:t>
+            </a:r>
+            <a:endParaRPr lang="en-US" dirty="0"/>
+          </a:p>
+        </p:txBody>
+      </p:sp>
+      <p:sp>
+        <p:nvSpPr>
+          <p:cNvPr id="4" name="Rectangle 5"/>
+          <p:cNvSpPr>
+            <a:spLocks noChangeArrowheads="1"/>
+          </p:cNvSpPr>
+          <p:nvPr/>
+        </p:nvSpPr>
+        <p:spPr bwMode="auto">
+          <a:xfrm>
+            <a:off x="11642869" y="0"/>
+            <a:ext cx="740848" cy="646331"/>
+          </a:xfrm>
+          <a:prstGeom prst="rect">
+            <a:avLst/>
+          </a:prstGeom>
+          <a:noFill/>
+          <a:ln w="9525">
+            <a:noFill/>
+            <a:miter lim="800000"/>
+            <a:headEnd/>
+            <a:tailEnd/>
+          </a:ln>
+        </p:spPr>
+        <p:txBody>
+          <a:bodyPr wrap="square">
+            <a:spAutoFit/>
+          </a:bodyPr>
+          <a:lstStyle/>
+          <a:p>
+            <a:fld id="{429F959E-B741-433B-A973-46DF433319B0}" type="slidenum">
+              <a:rPr lang="ru-RU" sz="3600" b="1">
+                <a:solidFill>
+                  <a:srgbClr val="AEAEAE"/>
+                </a:solidFill>
+                <a:latin typeface="Arial" charset="0"/>
+              </a:rPr>
+              <a:pPr/>
+              <a:t>2</a:t>
+            </a:fld>
+            <a:endParaRPr lang="ru-RU" sz="3600" b="1" dirty="0">
+              <a:solidFill>
+                <a:srgbClr val="AEAEAE"/>
+              </a:solidFill>
+              <a:latin typeface="Arial" charset="0"/>
+            </a:endParaRPr>
           </a:p>
         </p:txBody>
       </p:sp>
     </p:spTree>
     <p:extLst>
       <p:ext uri="{BB962C8B-B14F-4D97-AF65-F5344CB8AC3E}">
-        <p14:creationId xmlns:p14="http://schemas.microsoft.com/office/powerpoint/2010/main" val="2348268665"/>
+        <p14:creationId xmlns:p14="http://schemas.microsoft.com/office/powerpoint/2010/main" val="2476938435"/>
       </p:ext>
     </p:extLst>
   </p:cSld>
@@ -6181,7 +6433,7 @@
         </p:nvSpPr>
         <p:spPr bwMode="auto">
           <a:xfrm>
-            <a:off x="-36513" y="6216650"/>
+            <a:off x="11353800" y="41959"/>
             <a:ext cx="740848" cy="646331"/>
           </a:xfrm>
           <a:prstGeom prst="rect">
@@ -6374,7 +6626,7 @@
         </p:nvSpPr>
         <p:spPr bwMode="auto">
           <a:xfrm>
-            <a:off x="-36513" y="6216650"/>
+            <a:off x="11451152" y="41959"/>
             <a:ext cx="740848" cy="646331"/>
           </a:xfrm>
           <a:prstGeom prst="rect">
@@ -6503,7 +6755,13 @@
       </p:grpSpPr>
       <p:sp>
         <p:nvSpPr>
-          <p:cNvPr id="2" name="Заголовок 1"/>
+          <p:cNvPr id="2" name="Заголовок 1">
+            <a:extLst>
+              <a:ext uri="{FF2B5EF4-FFF2-40B4-BE49-F238E27FC236}">
+                <a16:creationId xmlns:a16="http://schemas.microsoft.com/office/drawing/2014/main" id="{D68881DB-ADFF-40E7-9D18-754001B0B864}"/>
+              </a:ext>
+            </a:extLst>
+          </p:cNvPr>
           <p:cNvSpPr>
             <a:spLocks noGrp="1"/>
           </p:cNvSpPr>
@@ -6518,14 +6776,20 @@
           <a:p>
             <a:r>
               <a:rPr lang="ru-RU" dirty="0"/>
-              <a:t>Поставленные задачи и цели</a:t>
-            </a:r>
-          </a:p>
-        </p:txBody>
-      </p:sp>
-      <p:sp>
-        <p:nvSpPr>
-          <p:cNvPr id="3" name="Объект 2"/>
+              <a:t>Актуальность</a:t>
+            </a:r>
+          </a:p>
+        </p:txBody>
+      </p:sp>
+      <p:sp>
+        <p:nvSpPr>
+          <p:cNvPr id="3" name="Объект 2">
+            <a:extLst>
+              <a:ext uri="{FF2B5EF4-FFF2-40B4-BE49-F238E27FC236}">
+                <a16:creationId xmlns:a16="http://schemas.microsoft.com/office/drawing/2014/main" id="{39B2DCA8-18E2-45A5-ACB2-7007C0934630}"/>
+              </a:ext>
+            </a:extLst>
+          </p:cNvPr>
           <p:cNvSpPr>
             <a:spLocks noGrp="1"/>
           </p:cNvSpPr>
@@ -6540,131 +6804,78 @@
           </a:bodyPr>
           <a:lstStyle/>
           <a:p>
-            <a:pPr marL="0" indent="0">
-              <a:buNone/>
-            </a:pPr>
             <a:r>
               <a:rPr lang="ru-RU" dirty="0"/>
-              <a:t>Цель:</a:t>
-            </a:r>
-          </a:p>
-          <a:p>
-            <a:pPr>
-              <a:buFont typeface="Wingdings" panose="05000000000000000000" pitchFamily="2" charset="2"/>
-              <a:buChar char="§"/>
-            </a:pPr>
-            <a:r>
-              <a:rPr lang="ru-RU" sz="2800" dirty="0"/>
-              <a:t>разработ</a:t>
-            </a:r>
+              <a:t>Чем больше компания тем больше в ней оборот информации</a:t>
+            </a:r>
+          </a:p>
+          <a:p>
             <a:r>
               <a:rPr lang="ru-RU" dirty="0"/>
-              <a:t>ать</a:t>
-            </a:r>
-            <a:r>
-              <a:rPr lang="ru-RU" sz="2800" dirty="0"/>
-              <a:t> приложени</a:t>
+              <a:t>Информационные системы автоматизируют и как следствие ускоряют процессы передачи информации между субъектами разного уровня</a:t>
+            </a:r>
+            <a:r>
+              <a:rPr lang="en-US" dirty="0"/>
+              <a:t>,</a:t>
             </a:r>
             <a:r>
               <a:rPr lang="ru-RU" dirty="0"/>
-              <a:t>е</a:t>
-            </a:r>
-            <a:r>
-              <a:rPr lang="ru-RU" sz="2800" dirty="0"/>
-              <a:t> по оказанию логистических услуг </a:t>
-            </a:r>
-          </a:p>
-          <a:p>
-            <a:pPr marL="0" indent="0">
-              <a:buNone/>
-            </a:pPr>
+              <a:t> отделами компании и другими различными структурами</a:t>
+            </a:r>
+          </a:p>
+          <a:p>
             <a:r>
               <a:rPr lang="ru-RU" dirty="0"/>
-              <a:t>Задачи:</a:t>
-            </a:r>
-          </a:p>
-          <a:p>
-            <a:pPr>
-              <a:buFont typeface="Wingdings" panose="05000000000000000000" pitchFamily="2" charset="2"/>
-              <a:buChar char="§"/>
-            </a:pPr>
+              <a:t>Разработанное программное приложение может быть полезно в плане развития интегрированной системы грузоперевозок, например, минского грузового </a:t>
+            </a:r>
+            <a:r>
+              <a:rPr lang="ru-RU" dirty="0" err="1"/>
+              <a:t>Яндекс-такси</a:t>
+            </a:r>
             <a:r>
               <a:rPr lang="ru-RU" dirty="0"/>
-              <a:t>выбор и изучение инструментов решения поставленной задачи</a:t>
-            </a:r>
-            <a:r>
-              <a:rPr lang="en-US" dirty="0"/>
-              <a:t>;</a:t>
-            </a:r>
-          </a:p>
-          <a:p>
-            <a:pPr>
-              <a:buFont typeface="Wingdings" panose="05000000000000000000" pitchFamily="2" charset="2"/>
-              <a:buChar char="§"/>
-            </a:pPr>
-            <a:r>
-              <a:rPr lang="ru-RU" dirty="0"/>
-              <a:t>разработка структуры программы и ее архитектуры;</a:t>
-            </a:r>
-          </a:p>
-          <a:p>
-            <a:pPr>
-              <a:buFont typeface="Wingdings" panose="05000000000000000000" pitchFamily="2" charset="2"/>
-              <a:buChar char="§"/>
-            </a:pPr>
-            <a:r>
-              <a:rPr lang="ru-RU" dirty="0"/>
-              <a:t>разработка частей приложения, а также реализация их взаимодействия;</a:t>
-            </a:r>
-            <a:endParaRPr lang="en-US" dirty="0"/>
-          </a:p>
-        </p:txBody>
-      </p:sp>
-      <p:sp>
-        <p:nvSpPr>
-          <p:cNvPr id="4" name="Rectangle 5"/>
-          <p:cNvSpPr>
-            <a:spLocks noChangeArrowheads="1"/>
-          </p:cNvSpPr>
-          <p:nvPr/>
-        </p:nvSpPr>
-        <p:spPr bwMode="auto">
-          <a:xfrm>
-            <a:off x="-36513" y="6216650"/>
-            <a:ext cx="740848" cy="646331"/>
-          </a:xfrm>
-          <a:prstGeom prst="rect">
-            <a:avLst/>
-          </a:prstGeom>
-          <a:noFill/>
-          <a:ln w="9525">
-            <a:noFill/>
-            <a:miter lim="800000"/>
-            <a:headEnd/>
-            <a:tailEnd/>
-          </a:ln>
-        </p:spPr>
-        <p:txBody>
-          <a:bodyPr wrap="square">
-            <a:spAutoFit/>
-          </a:bodyPr>
-          <a:lstStyle/>
-          <a:p>
-            <a:fld id="{429F959E-B741-433B-A973-46DF433319B0}" type="slidenum">
-              <a:rPr lang="ru-RU" sz="3600" b="1">
-                <a:solidFill>
-                  <a:srgbClr val="AEAEAE"/>
-                </a:solidFill>
-                <a:latin typeface="Arial" charset="0"/>
+              <a:t>, с целью ее распространения на всю Республику</a:t>
+            </a:r>
+          </a:p>
+        </p:txBody>
+      </p:sp>
+      <p:sp>
+        <p:nvSpPr>
+          <p:cNvPr id="4" name="Номер слайда 3">
+            <a:extLst>
+              <a:ext uri="{FF2B5EF4-FFF2-40B4-BE49-F238E27FC236}">
+                <a16:creationId xmlns:a16="http://schemas.microsoft.com/office/drawing/2014/main" id="{A71E5A16-3F8B-46A3-82E4-18A1D5C66F6A}"/>
+              </a:ext>
+            </a:extLst>
+          </p:cNvPr>
+          <p:cNvSpPr>
+            <a:spLocks noGrp="1"/>
+          </p:cNvSpPr>
+          <p:nvPr>
+            <p:ph type="sldNum" sz="quarter" idx="12"/>
+          </p:nvPr>
+        </p:nvSpPr>
+        <p:spPr>
+          <a:xfrm>
+            <a:off x="9275619" y="115094"/>
+            <a:ext cx="2743200" cy="365125"/>
+          </a:xfrm>
+        </p:spPr>
+        <p:txBody>
+          <a:bodyPr/>
+          <a:lstStyle/>
+          <a:p>
+            <a:fld id="{9888A0FC-94FA-445F-91EB-CF19401D7C77}" type="slidenum">
+              <a:rPr lang="ru-RU" sz="3600" b="1" smtClean="0">
+                <a:latin typeface="Arial" panose="020B0604020202020204" pitchFamily="34" charset="0"/>
+                <a:cs typeface="Arial" panose="020B0604020202020204" pitchFamily="34" charset="0"/>
               </a:rPr>
               <a:pPr/>
               <a:t>3</a:t>
             </a:fld>
             <a:endParaRPr lang="ru-RU" sz="3600" b="1" dirty="0">
-              <a:solidFill>
-                <a:srgbClr val="AEAEAE"/>
-              </a:solidFill>
-              <a:latin typeface="Arial" charset="0"/>
+              <a:latin typeface="Arial" panose="020B0604020202020204" pitchFamily="34" charset="0"/>
+              <a:cs typeface="Arial" panose="020B0604020202020204" pitchFamily="34" charset="0"/>
             </a:endParaRPr>
           </a:p>
         </p:txBody>
@@ -6672,7 +6883,7 @@
     </p:spTree>
     <p:extLst>
       <p:ext uri="{BB962C8B-B14F-4D97-AF65-F5344CB8AC3E}">
-        <p14:creationId xmlns:p14="http://schemas.microsoft.com/office/powerpoint/2010/main" val="2476938435"/>
+        <p14:creationId xmlns:p14="http://schemas.microsoft.com/office/powerpoint/2010/main" val="2348268665"/>
       </p:ext>
     </p:extLst>
   </p:cSld>
@@ -7132,7 +7343,7 @@
         </p:nvSpPr>
         <p:spPr bwMode="auto">
           <a:xfrm>
-            <a:off x="-36513" y="6216650"/>
+            <a:off x="11601305" y="41959"/>
             <a:ext cx="740848" cy="646331"/>
           </a:xfrm>
           <a:prstGeom prst="rect">
@@ -7360,7 +7571,7 @@
         </p:nvSpPr>
         <p:spPr bwMode="auto">
           <a:xfrm>
-            <a:off x="-36513" y="6216650"/>
+            <a:off x="11503523" y="41959"/>
             <a:ext cx="740848" cy="646331"/>
           </a:xfrm>
           <a:prstGeom prst="rect">
@@ -7507,7 +7718,7 @@
         </p:nvSpPr>
         <p:spPr bwMode="auto">
           <a:xfrm>
-            <a:off x="-36513" y="6216650"/>
+            <a:off x="11615160" y="0"/>
             <a:ext cx="740848" cy="646331"/>
           </a:xfrm>
           <a:prstGeom prst="rect">
@@ -7881,7 +8092,7 @@
             </a:pPr>
             <a:r>
               <a:rPr lang="ru-RU" dirty="0"/>
-              <a:t>оценка работы водителя</a:t>
+              <a:t>оценка работы водителем</a:t>
             </a:r>
           </a:p>
         </p:txBody>
@@ -7941,7 +8152,7 @@
         </p:nvSpPr>
         <p:spPr>
           <a:xfrm>
-            <a:off x="260220" y="5611500"/>
+            <a:off x="333911" y="5566611"/>
             <a:ext cx="4040465" cy="1477328"/>
           </a:xfrm>
           <a:prstGeom prst="rect">
@@ -8106,7 +8317,7 @@
         </p:nvSpPr>
         <p:spPr bwMode="auto">
           <a:xfrm>
-            <a:off x="-36513" y="6216650"/>
+            <a:off x="11529391" y="56034"/>
             <a:ext cx="740848" cy="646331"/>
           </a:xfrm>
           <a:prstGeom prst="rect">
@@ -8412,7 +8623,7 @@
         </p:nvSpPr>
         <p:spPr bwMode="auto">
           <a:xfrm>
-            <a:off x="-36513" y="6216650"/>
+            <a:off x="11702583" y="0"/>
             <a:ext cx="740848" cy="646331"/>
           </a:xfrm>
           <a:prstGeom prst="rect">
@@ -8880,7 +9091,7 @@
         </p:nvSpPr>
         <p:spPr bwMode="auto">
           <a:xfrm>
-            <a:off x="-36513" y="6216650"/>
+            <a:off x="11451152" y="41959"/>
             <a:ext cx="740848" cy="646331"/>
           </a:xfrm>
           <a:prstGeom prst="rect">

--- a/diplom v2.0/doc/Презентация.pptx
+++ b/diplom v2.0/doc/Презентация.pptx
@@ -6047,21 +6047,8 @@
             </a:r>
             <a:r>
               <a:rPr lang="ru-RU" sz="2800" dirty="0"/>
-              <a:t> по оказанию </a:t>
-            </a:r>
-            <a:r>
-              <a:rPr lang="ru-RU" sz="2800" dirty="0" err="1"/>
-              <a:t>логистических</a:t>
-            </a:r>
-            <a:r>
-              <a:rPr lang="ru-RU" sz="2800" dirty="0"/>
-              <a:t> услуг на примере </a:t>
-            </a:r>
-            <a:r>
-              <a:rPr lang="ru-RU" sz="2800" dirty="0" err="1"/>
-              <a:t>грузоперезок</a:t>
-            </a:r>
-            <a:endParaRPr lang="ru-RU" sz="2800" dirty="0"/>
+              <a:t> по оказанию логистических услуг на примере грузоперевозок</a:t>
+            </a:r>
           </a:p>
           <a:p>
             <a:pPr marL="0" indent="0">
@@ -8092,7 +8079,7 @@
             </a:pPr>
             <a:r>
               <a:rPr lang="ru-RU" dirty="0"/>
-              <a:t>оценка работы водителем</a:t>
+              <a:t>оценка работы водителя</a:t>
             </a:r>
           </a:p>
         </p:txBody>

--- a/diplom v2.0/doc/Презентация.pptx
+++ b/diplom v2.0/doc/Презентация.pptx
@@ -5,7 +5,7 @@
     <p:sldMasterId id="2147483813" r:id="rId1"/>
   </p:sldMasterIdLst>
   <p:notesMasterIdLst>
-    <p:notesMasterId r:id="rId24"/>
+    <p:notesMasterId r:id="rId23"/>
   </p:notesMasterIdLst>
   <p:sldIdLst>
     <p:sldId id="256" r:id="rId2"/>
@@ -16,20 +16,19 @@
     <p:sldId id="259" r:id="rId7"/>
     <p:sldId id="260" r:id="rId8"/>
     <p:sldId id="273" r:id="rId9"/>
-    <p:sldId id="276" r:id="rId10"/>
-    <p:sldId id="284" r:id="rId11"/>
-    <p:sldId id="286" r:id="rId12"/>
-    <p:sldId id="269" r:id="rId13"/>
-    <p:sldId id="270" r:id="rId14"/>
-    <p:sldId id="287" r:id="rId15"/>
-    <p:sldId id="271" r:id="rId16"/>
-    <p:sldId id="274" r:id="rId17"/>
-    <p:sldId id="272" r:id="rId18"/>
-    <p:sldId id="288" r:id="rId19"/>
-    <p:sldId id="275" r:id="rId20"/>
-    <p:sldId id="264" r:id="rId21"/>
-    <p:sldId id="277" r:id="rId22"/>
-    <p:sldId id="265" r:id="rId23"/>
+    <p:sldId id="288" r:id="rId10"/>
+    <p:sldId id="276" r:id="rId11"/>
+    <p:sldId id="289" r:id="rId12"/>
+    <p:sldId id="286" r:id="rId13"/>
+    <p:sldId id="269" r:id="rId14"/>
+    <p:sldId id="270" r:id="rId15"/>
+    <p:sldId id="287" r:id="rId16"/>
+    <p:sldId id="271" r:id="rId17"/>
+    <p:sldId id="274" r:id="rId18"/>
+    <p:sldId id="272" r:id="rId19"/>
+    <p:sldId id="264" r:id="rId20"/>
+    <p:sldId id="277" r:id="rId21"/>
+    <p:sldId id="265" r:id="rId22"/>
   </p:sldIdLst>
   <p:sldSz cx="12192000" cy="6858000"/>
   <p:notesSz cx="6858000" cy="9144000"/>
@@ -230,7 +229,7 @@
             <a:fld id="{50184193-7F96-40D3-9B33-2DE57E3F35F0}" type="datetimeFigureOut">
               <a:rPr lang="ru-RU" smtClean="0"/>
               <a:pPr/>
-              <a:t>11.06.2023</a:t>
+              <a:t>22.06.2023</a:t>
             </a:fld>
             <a:endParaRPr lang="ru-RU"/>
           </a:p>
@@ -625,7 +624,7 @@
             <a:fld id="{4199AA14-DFF7-4621-AFC3-325CB91939A9}" type="datetime1">
               <a:rPr lang="ru-RU" smtClean="0"/>
               <a:pPr/>
-              <a:t>11.06.2023</a:t>
+              <a:t>22.06.2023</a:t>
             </a:fld>
             <a:endParaRPr lang="ru-RU"/>
           </a:p>
@@ -795,7 +794,7 @@
             <a:fld id="{7B3D3A8B-C544-4656-A5FD-65170FB24AB8}" type="datetime1">
               <a:rPr lang="ru-RU" smtClean="0"/>
               <a:pPr/>
-              <a:t>11.06.2023</a:t>
+              <a:t>22.06.2023</a:t>
             </a:fld>
             <a:endParaRPr lang="ru-RU"/>
           </a:p>
@@ -975,7 +974,7 @@
             <a:fld id="{B9D86662-9340-4009-B40C-ABEEC11F45AC}" type="datetime1">
               <a:rPr lang="ru-RU" smtClean="0"/>
               <a:pPr/>
-              <a:t>11.06.2023</a:t>
+              <a:t>22.06.2023</a:t>
             </a:fld>
             <a:endParaRPr lang="ru-RU"/>
           </a:p>
@@ -1145,7 +1144,7 @@
             <a:fld id="{334610F7-853D-4B7F-B114-92CA9A4632DD}" type="datetime1">
               <a:rPr lang="ru-RU" smtClean="0"/>
               <a:pPr/>
-              <a:t>11.06.2023</a:t>
+              <a:t>22.06.2023</a:t>
             </a:fld>
             <a:endParaRPr lang="ru-RU"/>
           </a:p>
@@ -1392,7 +1391,7 @@
             <a:fld id="{B0B1AFD0-1B42-48E2-9AFB-92FBEC9EF4A4}" type="datetime1">
               <a:rPr lang="ru-RU" smtClean="0"/>
               <a:pPr/>
-              <a:t>11.06.2023</a:t>
+              <a:t>22.06.2023</a:t>
             </a:fld>
             <a:endParaRPr lang="ru-RU"/>
           </a:p>
@@ -1623,7 +1622,7 @@
             <a:fld id="{9A47088E-E9D8-4258-A387-CBB084BA5195}" type="datetime1">
               <a:rPr lang="ru-RU" smtClean="0"/>
               <a:pPr/>
-              <a:t>11.06.2023</a:t>
+              <a:t>22.06.2023</a:t>
             </a:fld>
             <a:endParaRPr lang="ru-RU"/>
           </a:p>
@@ -1989,7 +1988,7 @@
             <a:fld id="{17AAEC80-4F6E-4D6E-BDB1-0B41C6413015}" type="datetime1">
               <a:rPr lang="ru-RU" smtClean="0"/>
               <a:pPr/>
-              <a:t>11.06.2023</a:t>
+              <a:t>22.06.2023</a:t>
             </a:fld>
             <a:endParaRPr lang="ru-RU"/>
           </a:p>
@@ -2108,7 +2107,7 @@
             <a:fld id="{6F7B820D-2A61-4D97-8147-2A25C894FBA2}" type="datetime1">
               <a:rPr lang="ru-RU" smtClean="0"/>
               <a:pPr/>
-              <a:t>11.06.2023</a:t>
+              <a:t>22.06.2023</a:t>
             </a:fld>
             <a:endParaRPr lang="ru-RU"/>
           </a:p>
@@ -2205,7 +2204,7 @@
             <a:fld id="{AABC58DD-C1E8-446E-86D3-5D703F3E2BEB}" type="datetime1">
               <a:rPr lang="ru-RU" smtClean="0"/>
               <a:pPr/>
-              <a:t>11.06.2023</a:t>
+              <a:t>22.06.2023</a:t>
             </a:fld>
             <a:endParaRPr lang="ru-RU"/>
           </a:p>
@@ -2482,7 +2481,7 @@
             <a:fld id="{AFC5E637-9D55-4CBC-86E1-3D820E3EB093}" type="datetime1">
               <a:rPr lang="ru-RU" smtClean="0"/>
               <a:pPr/>
-              <a:t>11.06.2023</a:t>
+              <a:t>22.06.2023</a:t>
             </a:fld>
             <a:endParaRPr lang="ru-RU"/>
           </a:p>
@@ -2736,7 +2735,7 @@
             <a:fld id="{19B3788C-3F62-4B14-BBC2-7515C6FDDB6F}" type="datetime1">
               <a:rPr lang="ru-RU" smtClean="0"/>
               <a:pPr/>
-              <a:t>11.06.2023</a:t>
+              <a:t>22.06.2023</a:t>
             </a:fld>
             <a:endParaRPr lang="ru-RU"/>
           </a:p>
@@ -2949,7 +2948,7 @@
             <a:fld id="{7AEA9DDD-A493-47F2-AE38-26AFB272A696}" type="datetime1">
               <a:rPr lang="ru-RU" smtClean="0"/>
               <a:pPr/>
-              <a:t>11.06.2023</a:t>
+              <a:t>22.06.2023</a:t>
             </a:fld>
             <a:endParaRPr lang="ru-RU"/>
           </a:p>
@@ -3456,7 +3455,7 @@
                 <a:ea typeface="Arial Unicode MS" pitchFamily="34" charset="-128"/>
                 <a:cs typeface="Arial Unicode MS" pitchFamily="34" charset="-128"/>
               </a:rPr>
-              <a:t>студент  группы ПМ-41</a:t>
+              <a:t>студент группы ПМ-41</a:t>
             </a:r>
           </a:p>
           <a:p>
@@ -3775,7 +3774,7 @@
           <p:cNvPr id="2" name="Заголовок 1">
             <a:extLst>
               <a:ext uri="{FF2B5EF4-FFF2-40B4-BE49-F238E27FC236}">
-                <a16:creationId xmlns:a16="http://schemas.microsoft.com/office/drawing/2014/main" id="{2C16DA19-EF84-4917-88C5-BB4E90813D22}"/>
+                <a16:creationId xmlns:a16="http://schemas.microsoft.com/office/drawing/2014/main" id="{0840D5A9-41ED-4B59-9EA5-F1CD10406071}"/>
               </a:ext>
             </a:extLst>
           </p:cNvPr>
@@ -3786,182 +3785,238 @@
             <p:ph type="title"/>
           </p:nvPr>
         </p:nvSpPr>
-        <p:spPr>
-          <a:xfrm>
-            <a:off x="1347539" y="232609"/>
-            <a:ext cx="4087453" cy="2602834"/>
-          </a:xfrm>
-          <a:solidFill>
-            <a:schemeClr val="accent1">
-              <a:lumMod val="40000"/>
-              <a:lumOff val="60000"/>
-            </a:schemeClr>
-          </a:solidFill>
-          <a:effectLst/>
-        </p:spPr>
+        <p:spPr/>
         <p:txBody>
           <a:bodyPr/>
           <a:lstStyle/>
           <a:p>
             <a:r>
               <a:rPr lang="ru-RU" dirty="0"/>
-              <a:t>Менеджер</a:t>
-            </a:r>
-          </a:p>
-        </p:txBody>
-      </p:sp>
-      <p:sp>
-        <p:nvSpPr>
-          <p:cNvPr id="6" name="Заголовок 1">
+              <a:t>Апробация: Вход</a:t>
+            </a:r>
+          </a:p>
+        </p:txBody>
+      </p:sp>
+      <p:pic>
+        <p:nvPicPr>
+          <p:cNvPr id="5" name="Объект 4">
             <a:extLst>
               <a:ext uri="{FF2B5EF4-FFF2-40B4-BE49-F238E27FC236}">
-                <a16:creationId xmlns:a16="http://schemas.microsoft.com/office/drawing/2014/main" id="{C7CDA922-9564-48F4-8C8B-773521517F37}"/>
+                <a16:creationId xmlns:a16="http://schemas.microsoft.com/office/drawing/2014/main" id="{21A4DEFD-FD93-45D9-AD38-CD441591A2D1}"/>
               </a:ext>
             </a:extLst>
           </p:cNvPr>
-          <p:cNvSpPr txBox="1">
-            <a:spLocks/>
-          </p:cNvSpPr>
-          <p:nvPr/>
-        </p:nvSpPr>
-        <p:spPr>
-          <a:xfrm>
-            <a:off x="3707027" y="1964725"/>
-            <a:ext cx="4493773" cy="2765692"/>
+          <p:cNvPicPr>
+            <a:picLocks noGrp="1"/>
+          </p:cNvPicPr>
+          <p:nvPr>
+            <p:ph idx="1"/>
+          </p:nvPr>
+        </p:nvPicPr>
+        <p:blipFill>
+          <a:blip r:embed="rId2">
+            <a:extLst>
+              <a:ext uri="{28A0092B-C50C-407E-A947-70E740481C1C}">
+                <a14:useLocalDpi xmlns:a14="http://schemas.microsoft.com/office/drawing/2010/main" val="0"/>
+              </a:ext>
+            </a:extLst>
+          </a:blip>
+          <a:srcRect/>
+          <a:stretch>
+            <a:fillRect/>
+          </a:stretch>
+        </p:blipFill>
+        <p:spPr bwMode="auto">
+          <a:xfrm>
+            <a:off x="4710285" y="1690688"/>
+            <a:ext cx="2771429" cy="1123810"/>
           </a:xfrm>
           <a:prstGeom prst="rect">
             <a:avLst/>
           </a:prstGeom>
-          <a:solidFill>
-            <a:schemeClr val="accent1">
-              <a:lumMod val="60000"/>
-              <a:lumOff val="40000"/>
-            </a:schemeClr>
-          </a:solidFill>
-          <a:effectLst/>
-        </p:spPr>
-        <p:txBody>
-          <a:bodyPr vert="horz" lIns="91440" tIns="45720" rIns="91440" bIns="45720" rtlCol="0" anchor="ctr">
-            <a:normAutofit/>
-          </a:bodyPr>
-          <a:lstStyle>
-            <a:lvl1pPr algn="l" defTabSz="914400" rtl="0" eaLnBrk="1" latinLnBrk="0" hangingPunct="1">
-              <a:lnSpc>
-                <a:spcPct val="90000"/>
-              </a:lnSpc>
-              <a:spcBef>
-                <a:spcPct val="0"/>
-              </a:spcBef>
-              <a:buNone/>
-              <a:defRPr sz="4400" kern="1200">
-                <a:solidFill>
-                  <a:schemeClr val="tx1"/>
-                </a:solidFill>
-                <a:latin typeface="+mj-lt"/>
-                <a:ea typeface="+mj-ea"/>
-                <a:cs typeface="+mj-cs"/>
-              </a:defRPr>
-            </a:lvl1pPr>
-          </a:lstStyle>
-          <a:p>
-            <a:r>
-              <a:rPr lang="ru-RU" dirty="0"/>
-              <a:t>Администратор</a:t>
-            </a:r>
-          </a:p>
-        </p:txBody>
-      </p:sp>
-      <p:sp>
-        <p:nvSpPr>
-          <p:cNvPr id="8" name="Заголовок 1">
+          <a:noFill/>
+          <a:ln>
+            <a:noFill/>
+          </a:ln>
+        </p:spPr>
+      </p:pic>
+      <p:pic>
+        <p:nvPicPr>
+          <p:cNvPr id="6" name="Рисунок 5">
             <a:extLst>
               <a:ext uri="{FF2B5EF4-FFF2-40B4-BE49-F238E27FC236}">
-                <a16:creationId xmlns:a16="http://schemas.microsoft.com/office/drawing/2014/main" id="{A20038F1-8B5C-4C72-815A-029454ED012E}"/>
+                <a16:creationId xmlns:a16="http://schemas.microsoft.com/office/drawing/2014/main" id="{16EFEB54-E7BD-4317-9F85-03A9A63734B6}"/>
               </a:ext>
             </a:extLst>
           </p:cNvPr>
-          <p:cNvSpPr txBox="1">
-            <a:spLocks/>
-          </p:cNvSpPr>
+          <p:cNvPicPr/>
           <p:nvPr/>
-        </p:nvSpPr>
-        <p:spPr>
-          <a:xfrm>
-            <a:off x="6817895" y="3982449"/>
-            <a:ext cx="4087453" cy="2602832"/>
+        </p:nvPicPr>
+        <p:blipFill>
+          <a:blip r:embed="rId3">
+            <a:extLst>
+              <a:ext uri="{28A0092B-C50C-407E-A947-70E740481C1C}">
+                <a14:useLocalDpi xmlns:a14="http://schemas.microsoft.com/office/drawing/2010/main" val="0"/>
+              </a:ext>
+            </a:extLst>
+          </a:blip>
+          <a:srcRect/>
+          <a:stretch>
+            <a:fillRect/>
+          </a:stretch>
+        </p:blipFill>
+        <p:spPr bwMode="auto">
+          <a:xfrm>
+            <a:off x="2216632" y="3089827"/>
+            <a:ext cx="2219325" cy="1314450"/>
           </a:xfrm>
           <a:prstGeom prst="rect">
             <a:avLst/>
           </a:prstGeom>
-          <a:solidFill>
-            <a:schemeClr val="accent1">
-              <a:lumMod val="75000"/>
-            </a:schemeClr>
-          </a:solidFill>
-          <a:effectLst/>
-        </p:spPr>
-        <p:txBody>
-          <a:bodyPr vert="horz" lIns="91440" tIns="45720" rIns="91440" bIns="45720" rtlCol="0" anchor="ctr">
-            <a:normAutofit/>
-          </a:bodyPr>
-          <a:lstStyle>
-            <a:lvl1pPr algn="l" defTabSz="914400" rtl="0" eaLnBrk="1" latinLnBrk="0" hangingPunct="1">
-              <a:lnSpc>
-                <a:spcPct val="90000"/>
-              </a:lnSpc>
-              <a:spcBef>
-                <a:spcPct val="0"/>
-              </a:spcBef>
-              <a:buNone/>
-              <a:defRPr sz="4400" kern="1200">
-                <a:solidFill>
-                  <a:schemeClr val="tx1"/>
-                </a:solidFill>
-                <a:latin typeface="+mj-lt"/>
-                <a:ea typeface="+mj-ea"/>
-                <a:cs typeface="+mj-cs"/>
-              </a:defRPr>
-            </a:lvl1pPr>
-          </a:lstStyle>
-          <a:p>
-            <a:r>
-              <a:rPr lang="ru-RU" dirty="0"/>
-              <a:t>Клиент</a:t>
-            </a:r>
-          </a:p>
-        </p:txBody>
-      </p:sp>
+          <a:noFill/>
+          <a:ln>
+            <a:noFill/>
+          </a:ln>
+        </p:spPr>
+      </p:pic>
+      <p:pic>
+        <p:nvPicPr>
+          <p:cNvPr id="7" name="Рисунок 6">
+            <a:extLst>
+              <a:ext uri="{FF2B5EF4-FFF2-40B4-BE49-F238E27FC236}">
+                <a16:creationId xmlns:a16="http://schemas.microsoft.com/office/drawing/2014/main" id="{5C87A80B-C74B-4943-8E28-22A772E0663B}"/>
+              </a:ext>
+            </a:extLst>
+          </p:cNvPr>
+          <p:cNvPicPr/>
+          <p:nvPr/>
+        </p:nvPicPr>
+        <p:blipFill>
+          <a:blip r:embed="rId4">
+            <a:extLst>
+              <a:ext uri="{28A0092B-C50C-407E-A947-70E740481C1C}">
+                <a14:useLocalDpi xmlns:a14="http://schemas.microsoft.com/office/drawing/2010/main" val="0"/>
+              </a:ext>
+            </a:extLst>
+          </a:blip>
+          <a:srcRect/>
+          <a:stretch>
+            <a:fillRect/>
+          </a:stretch>
+        </p:blipFill>
+        <p:spPr bwMode="auto">
+          <a:xfrm>
+            <a:off x="2216632" y="4815923"/>
+            <a:ext cx="3314700" cy="1466850"/>
+          </a:xfrm>
+          <a:prstGeom prst="rect">
+            <a:avLst/>
+          </a:prstGeom>
+          <a:noFill/>
+          <a:ln>
+            <a:noFill/>
+          </a:ln>
+        </p:spPr>
+      </p:pic>
+      <p:pic>
+        <p:nvPicPr>
+          <p:cNvPr id="8" name="Рисунок 7">
+            <a:extLst>
+              <a:ext uri="{FF2B5EF4-FFF2-40B4-BE49-F238E27FC236}">
+                <a16:creationId xmlns:a16="http://schemas.microsoft.com/office/drawing/2014/main" id="{DB5265D5-4010-4789-9AB0-9F13F6677737}"/>
+              </a:ext>
+            </a:extLst>
+          </p:cNvPr>
+          <p:cNvPicPr/>
+          <p:nvPr/>
+        </p:nvPicPr>
+        <p:blipFill>
+          <a:blip r:embed="rId5">
+            <a:extLst>
+              <a:ext uri="{28A0092B-C50C-407E-A947-70E740481C1C}">
+                <a14:useLocalDpi xmlns:a14="http://schemas.microsoft.com/office/drawing/2010/main" val="0"/>
+              </a:ext>
+            </a:extLst>
+          </a:blip>
+          <a:srcRect/>
+          <a:stretch>
+            <a:fillRect/>
+          </a:stretch>
+        </p:blipFill>
+        <p:spPr bwMode="auto">
+          <a:xfrm>
+            <a:off x="7756045" y="3089827"/>
+            <a:ext cx="2063816" cy="1314450"/>
+          </a:xfrm>
+          <a:prstGeom prst="rect">
+            <a:avLst/>
+          </a:prstGeom>
+          <a:noFill/>
+          <a:ln>
+            <a:noFill/>
+          </a:ln>
+        </p:spPr>
+      </p:pic>
+      <p:pic>
+        <p:nvPicPr>
+          <p:cNvPr id="9" name="Рисунок 8">
+            <a:extLst>
+              <a:ext uri="{FF2B5EF4-FFF2-40B4-BE49-F238E27FC236}">
+                <a16:creationId xmlns:a16="http://schemas.microsoft.com/office/drawing/2014/main" id="{0CCFAF65-8E3E-4B3D-9049-49EBAD69911B}"/>
+              </a:ext>
+            </a:extLst>
+          </p:cNvPr>
+          <p:cNvPicPr/>
+          <p:nvPr/>
+        </p:nvPicPr>
+        <p:blipFill>
+          <a:blip r:embed="rId6">
+            <a:extLst>
+              <a:ext uri="{28A0092B-C50C-407E-A947-70E740481C1C}">
+                <a14:useLocalDpi xmlns:a14="http://schemas.microsoft.com/office/drawing/2010/main" val="0"/>
+              </a:ext>
+            </a:extLst>
+          </a:blip>
+          <a:srcRect/>
+          <a:stretch>
+            <a:fillRect/>
+          </a:stretch>
+        </p:blipFill>
+        <p:spPr bwMode="auto">
+          <a:xfrm>
+            <a:off x="7756045" y="4815923"/>
+            <a:ext cx="2828925" cy="1457325"/>
+          </a:xfrm>
+          <a:prstGeom prst="rect">
+            <a:avLst/>
+          </a:prstGeom>
+          <a:noFill/>
+          <a:ln>
+            <a:noFill/>
+          </a:ln>
+        </p:spPr>
+      </p:pic>
       <p:cxnSp>
         <p:nvCxnSpPr>
-          <p:cNvPr id="13" name="Соединитель: уступ 12">
+          <p:cNvPr id="11" name="Прямая со стрелкой 10">
             <a:extLst>
               <a:ext uri="{FF2B5EF4-FFF2-40B4-BE49-F238E27FC236}">
-                <a16:creationId xmlns:a16="http://schemas.microsoft.com/office/drawing/2014/main" id="{423FBC0C-6061-4D70-BE1F-F5AD5FCB34B2}"/>
+                <a16:creationId xmlns:a16="http://schemas.microsoft.com/office/drawing/2014/main" id="{0DB74D9D-3FDD-43DC-908D-14BCF9545151}"/>
               </a:ext>
             </a:extLst>
           </p:cNvPr>
-          <p:cNvCxnSpPr>
-            <a:cxnSpLocks/>
-            <a:stCxn id="2" idx="3"/>
-            <a:endCxn id="6" idx="0"/>
-          </p:cNvCxnSpPr>
+          <p:cNvCxnSpPr/>
           <p:nvPr/>
         </p:nvCxnSpPr>
         <p:spPr>
-          <a:xfrm>
-            <a:off x="5434992" y="1534026"/>
-            <a:ext cx="518922" cy="430699"/>
-          </a:xfrm>
-          <a:prstGeom prst="bentConnector2">
+          <a:xfrm flipH="1">
+            <a:off x="4435957" y="2814498"/>
+            <a:ext cx="274328" cy="275329"/>
+          </a:xfrm>
+          <a:prstGeom prst="straightConnector1">
             <a:avLst/>
           </a:prstGeom>
-          <a:ln w="38100">
-            <a:solidFill>
-              <a:schemeClr val="accent1">
-                <a:lumMod val="60000"/>
-                <a:lumOff val="40000"/>
-              </a:schemeClr>
-            </a:solidFill>
+          <a:ln>
             <a:tailEnd type="triangle"/>
           </a:ln>
         </p:spPr>
@@ -3982,34 +4037,27 @@
       </p:cxnSp>
       <p:cxnSp>
         <p:nvCxnSpPr>
-          <p:cNvPr id="16" name="Соединитель: уступ 15">
+          <p:cNvPr id="12" name="Прямая со стрелкой 11">
             <a:extLst>
               <a:ext uri="{FF2B5EF4-FFF2-40B4-BE49-F238E27FC236}">
-                <a16:creationId xmlns:a16="http://schemas.microsoft.com/office/drawing/2014/main" id="{E1565AF2-13BC-4F94-9EFE-433CF75F2CE5}"/>
+                <a16:creationId xmlns:a16="http://schemas.microsoft.com/office/drawing/2014/main" id="{A204C5DD-6CBD-42A3-BCC3-AC562B302B26}"/>
               </a:ext>
             </a:extLst>
           </p:cNvPr>
           <p:cNvCxnSpPr>
             <a:cxnSpLocks/>
-            <a:stCxn id="6" idx="3"/>
-            <a:endCxn id="8" idx="0"/>
           </p:cNvCxnSpPr>
           <p:nvPr/>
         </p:nvCxnSpPr>
         <p:spPr>
-          <a:xfrm>
-            <a:off x="8200800" y="3347571"/>
-            <a:ext cx="660822" cy="634878"/>
-          </a:xfrm>
-          <a:prstGeom prst="bentConnector2">
+          <a:xfrm rot="16200000" flipH="1">
+            <a:off x="7507543" y="2814999"/>
+            <a:ext cx="274328" cy="275329"/>
+          </a:xfrm>
+          <a:prstGeom prst="straightConnector1">
             <a:avLst/>
           </a:prstGeom>
-          <a:ln w="38100">
-            <a:solidFill>
-              <a:schemeClr val="accent1">
-                <a:lumMod val="75000"/>
-              </a:schemeClr>
-            </a:solidFill>
+          <a:ln>
             <a:tailEnd type="triangle"/>
           </a:ln>
         </p:spPr>
@@ -4028,43 +4076,133 @@
           </a:fontRef>
         </p:style>
       </p:cxnSp>
-      <p:sp>
-        <p:nvSpPr>
-          <p:cNvPr id="3" name="Номер слайда 2">
+      <p:cxnSp>
+        <p:nvCxnSpPr>
+          <p:cNvPr id="14" name="Прямая со стрелкой 13">
             <a:extLst>
               <a:ext uri="{FF2B5EF4-FFF2-40B4-BE49-F238E27FC236}">
-                <a16:creationId xmlns:a16="http://schemas.microsoft.com/office/drawing/2014/main" id="{67FD6F08-96E2-416D-A16F-2741D1E8E80F}"/>
+                <a16:creationId xmlns:a16="http://schemas.microsoft.com/office/drawing/2014/main" id="{A1CE936A-B9EE-4B1A-B7DB-96544CC11CB5}"/>
               </a:ext>
             </a:extLst>
           </p:cNvPr>
-          <p:cNvSpPr>
-            <a:spLocks noGrp="1"/>
-          </p:cNvSpPr>
-          <p:nvPr>
-            <p:ph type="sldNum" sz="quarter" idx="12"/>
-          </p:nvPr>
-        </p:nvSpPr>
+          <p:cNvCxnSpPr>
+            <a:stCxn id="6" idx="2"/>
+          </p:cNvCxnSpPr>
+          <p:nvPr/>
+        </p:nvCxnSpPr>
         <p:spPr>
-          <a:xfrm>
-            <a:off x="9234054" y="232609"/>
-            <a:ext cx="2743200" cy="365125"/>
-          </a:xfrm>
-        </p:spPr>
-        <p:txBody>
-          <a:bodyPr/>
-          <a:lstStyle/>
-          <a:p>
-            <a:fld id="{9888A0FC-94FA-445F-91EB-CF19401D7C77}" type="slidenum">
-              <a:rPr lang="ru-RU" sz="3600" b="1" smtClean="0">
-                <a:latin typeface="Arial" panose="020B0604020202020204" pitchFamily="34" charset="0"/>
-                <a:cs typeface="Arial" panose="020B0604020202020204" pitchFamily="34" charset="0"/>
+          <a:xfrm flipH="1">
+            <a:off x="3326294" y="4404277"/>
+            <a:ext cx="1" cy="411646"/>
+          </a:xfrm>
+          <a:prstGeom prst="straightConnector1">
+            <a:avLst/>
+          </a:prstGeom>
+          <a:ln>
+            <a:tailEnd type="triangle"/>
+          </a:ln>
+        </p:spPr>
+        <p:style>
+          <a:lnRef idx="1">
+            <a:schemeClr val="accent1"/>
+          </a:lnRef>
+          <a:fillRef idx="0">
+            <a:schemeClr val="accent1"/>
+          </a:fillRef>
+          <a:effectRef idx="0">
+            <a:schemeClr val="accent1"/>
+          </a:effectRef>
+          <a:fontRef idx="minor">
+            <a:schemeClr val="tx1"/>
+          </a:fontRef>
+        </p:style>
+      </p:cxnSp>
+      <p:cxnSp>
+        <p:nvCxnSpPr>
+          <p:cNvPr id="16" name="Прямая со стрелкой 15">
+            <a:extLst>
+              <a:ext uri="{FF2B5EF4-FFF2-40B4-BE49-F238E27FC236}">
+                <a16:creationId xmlns:a16="http://schemas.microsoft.com/office/drawing/2014/main" id="{6ED569F2-510E-4DC0-8F1D-B6F2C305E858}"/>
+              </a:ext>
+            </a:extLst>
+          </p:cNvPr>
+          <p:cNvCxnSpPr>
+            <a:stCxn id="8" idx="2"/>
+          </p:cNvCxnSpPr>
+          <p:nvPr/>
+        </p:nvCxnSpPr>
+        <p:spPr>
+          <a:xfrm>
+            <a:off x="8787953" y="4404277"/>
+            <a:ext cx="0" cy="411646"/>
+          </a:xfrm>
+          <a:prstGeom prst="straightConnector1">
+            <a:avLst/>
+          </a:prstGeom>
+          <a:ln>
+            <a:tailEnd type="triangle"/>
+          </a:ln>
+        </p:spPr>
+        <p:style>
+          <a:lnRef idx="1">
+            <a:schemeClr val="accent1"/>
+          </a:lnRef>
+          <a:fillRef idx="0">
+            <a:schemeClr val="accent1"/>
+          </a:fillRef>
+          <a:effectRef idx="0">
+            <a:schemeClr val="accent1"/>
+          </a:effectRef>
+          <a:fontRef idx="minor">
+            <a:schemeClr val="tx1"/>
+          </a:fontRef>
+        </p:style>
+      </p:cxnSp>
+      <p:sp>
+        <p:nvSpPr>
+          <p:cNvPr id="13" name="Rectangle 5"/>
+          <p:cNvSpPr>
+            <a:spLocks noChangeArrowheads="1"/>
+          </p:cNvSpPr>
+          <p:nvPr/>
+        </p:nvSpPr>
+        <p:spPr bwMode="auto">
+          <a:xfrm>
+            <a:off x="11451152" y="41959"/>
+            <a:ext cx="740848" cy="646331"/>
+          </a:xfrm>
+          <a:prstGeom prst="rect">
+            <a:avLst/>
+          </a:prstGeom>
+          <a:noFill/>
+          <a:ln w="9525">
+            <a:noFill/>
+            <a:miter lim="800000"/>
+            <a:headEnd/>
+            <a:tailEnd/>
+          </a:ln>
+        </p:spPr>
+        <p:txBody>
+          <a:bodyPr wrap="square">
+            <a:spAutoFit/>
+          </a:bodyPr>
+          <a:lstStyle/>
+          <a:p>
+            <a:fld id="{429F959E-B741-433B-A973-46DF433319B0}" type="slidenum">
+              <a:rPr lang="ru-RU" sz="3600" b="1">
+                <a:solidFill>
+                  <a:srgbClr val="AEAEAE"/>
+                </a:solidFill>
+                <a:latin typeface="Arial" charset="0"/>
               </a:rPr>
               <a:pPr/>
               <a:t>10</a:t>
             </a:fld>
             <a:endParaRPr lang="ru-RU" sz="3600" b="1" dirty="0">
-              <a:latin typeface="Arial" panose="020B0604020202020204" pitchFamily="34" charset="0"/>
-              <a:cs typeface="Arial" panose="020B0604020202020204" pitchFamily="34" charset="0"/>
+              <a:solidFill>
+                <a:srgbClr val="AEAEAE"/>
+              </a:solidFill>
+              <a:latin typeface="Arial" charset="0"/>
             </a:endParaRPr>
           </a:p>
         </p:txBody>
@@ -4072,7 +4210,7 @@
     </p:spTree>
     <p:extLst>
       <p:ext uri="{BB962C8B-B14F-4D97-AF65-F5344CB8AC3E}">
-        <p14:creationId xmlns:p14="http://schemas.microsoft.com/office/powerpoint/2010/main" val="2468794693"/>
+        <p14:creationId xmlns:p14="http://schemas.microsoft.com/office/powerpoint/2010/main" val="2749775643"/>
       </p:ext>
     </p:extLst>
   </p:cSld>
@@ -4101,10 +4239,10 @@
       </p:grpSpPr>
       <p:sp>
         <p:nvSpPr>
-          <p:cNvPr id="4" name="Заголовок 1">
+          <p:cNvPr id="2" name="Заголовок 1">
             <a:extLst>
               <a:ext uri="{FF2B5EF4-FFF2-40B4-BE49-F238E27FC236}">
-                <a16:creationId xmlns:a16="http://schemas.microsoft.com/office/drawing/2014/main" id="{929D8FBB-E503-40B8-94B9-2CB0AF6AA77F}"/>
+                <a16:creationId xmlns:a16="http://schemas.microsoft.com/office/drawing/2014/main" id="{13E6C3B7-FAA9-4604-BBA8-7B1738B8E0D4}"/>
               </a:ext>
             </a:extLst>
           </p:cNvPr>
@@ -4117,16 +4255,9 @@
         </p:nvSpPr>
         <p:spPr>
           <a:xfrm>
-            <a:off x="4052273" y="2127583"/>
-            <a:ext cx="4087453" cy="2602834"/>
-          </a:xfrm>
-          <a:solidFill>
-            <a:schemeClr val="accent1">
-              <a:lumMod val="40000"/>
-              <a:lumOff val="60000"/>
-            </a:schemeClr>
-          </a:solidFill>
-          <a:effectLst/>
+            <a:off x="838200" y="325369"/>
+            <a:ext cx="10515600" cy="1325563"/>
+          </a:xfrm>
         </p:spPr>
         <p:txBody>
           <a:bodyPr/>
@@ -4134,48 +4265,177 @@
           <a:p>
             <a:r>
               <a:rPr lang="ru-RU" dirty="0"/>
-              <a:t>Менеджер</a:t>
-            </a:r>
-          </a:p>
-        </p:txBody>
-      </p:sp>
-      <p:sp>
-        <p:nvSpPr>
-          <p:cNvPr id="2" name="Номер слайда 1">
+              <a:t>Апробация: Клиента</a:t>
+            </a:r>
+          </a:p>
+        </p:txBody>
+      </p:sp>
+      <p:pic>
+        <p:nvPicPr>
+          <p:cNvPr id="4" name="Объект 3">
             <a:extLst>
               <a:ext uri="{FF2B5EF4-FFF2-40B4-BE49-F238E27FC236}">
-                <a16:creationId xmlns:a16="http://schemas.microsoft.com/office/drawing/2014/main" id="{D72A4A03-1E6E-4A97-A97E-72C9F2358566}"/>
+                <a16:creationId xmlns:a16="http://schemas.microsoft.com/office/drawing/2014/main" id="{E1C29972-9D8A-4D1A-AA1D-EC6291FAD5E5}"/>
               </a:ext>
             </a:extLst>
           </p:cNvPr>
-          <p:cNvSpPr>
-            <a:spLocks noGrp="1"/>
-          </p:cNvSpPr>
-          <p:nvPr>
-            <p:ph type="sldNum" sz="quarter" idx="12"/>
-          </p:nvPr>
-        </p:nvSpPr>
-        <p:spPr>
-          <a:xfrm>
-            <a:off x="9317182" y="191077"/>
-            <a:ext cx="2743200" cy="365125"/>
-          </a:xfrm>
-        </p:spPr>
-        <p:txBody>
-          <a:bodyPr/>
-          <a:lstStyle/>
-          <a:p>
-            <a:fld id="{9888A0FC-94FA-445F-91EB-CF19401D7C77}" type="slidenum">
-              <a:rPr lang="ru-RU" sz="3600" b="1" smtClean="0">
-                <a:latin typeface="Arial" panose="020B0604020202020204" pitchFamily="34" charset="0"/>
-                <a:cs typeface="Arial" panose="020B0604020202020204" pitchFamily="34" charset="0"/>
+          <p:cNvPicPr>
+            <a:picLocks noGrp="1"/>
+          </p:cNvPicPr>
+          <p:nvPr>
+            <p:ph idx="1"/>
+          </p:nvPr>
+        </p:nvPicPr>
+        <p:blipFill>
+          <a:blip r:embed="rId2">
+            <a:extLst>
+              <a:ext uri="{28A0092B-C50C-407E-A947-70E740481C1C}">
+                <a14:useLocalDpi xmlns:a14="http://schemas.microsoft.com/office/drawing/2010/main" val="0"/>
+              </a:ext>
+            </a:extLst>
+          </a:blip>
+          <a:srcRect/>
+          <a:stretch>
+            <a:fillRect/>
+          </a:stretch>
+        </p:blipFill>
+        <p:spPr bwMode="auto">
+          <a:xfrm>
+            <a:off x="838200" y="1457739"/>
+            <a:ext cx="5257800" cy="3038061"/>
+          </a:xfrm>
+          <a:prstGeom prst="rect">
+            <a:avLst/>
+          </a:prstGeom>
+          <a:noFill/>
+          <a:ln>
+            <a:noFill/>
+          </a:ln>
+        </p:spPr>
+      </p:pic>
+      <p:pic>
+        <p:nvPicPr>
+          <p:cNvPr id="5" name="Рисунок 4">
+            <a:extLst>
+              <a:ext uri="{FF2B5EF4-FFF2-40B4-BE49-F238E27FC236}">
+                <a16:creationId xmlns:a16="http://schemas.microsoft.com/office/drawing/2014/main" id="{4F1B886F-6543-44C2-BFCF-CF785ADDF821}"/>
+              </a:ext>
+            </a:extLst>
+          </p:cNvPr>
+          <p:cNvPicPr/>
+          <p:nvPr/>
+        </p:nvPicPr>
+        <p:blipFill>
+          <a:blip r:embed="rId3">
+            <a:extLst>
+              <a:ext uri="{28A0092B-C50C-407E-A947-70E740481C1C}">
+                <a14:useLocalDpi xmlns:a14="http://schemas.microsoft.com/office/drawing/2010/main" val="0"/>
+              </a:ext>
+            </a:extLst>
+          </a:blip>
+          <a:srcRect/>
+          <a:stretch>
+            <a:fillRect/>
+          </a:stretch>
+        </p:blipFill>
+        <p:spPr bwMode="auto">
+          <a:xfrm>
+            <a:off x="6096000" y="1457739"/>
+            <a:ext cx="5257800" cy="3038061"/>
+          </a:xfrm>
+          <a:prstGeom prst="rect">
+            <a:avLst/>
+          </a:prstGeom>
+          <a:noFill/>
+          <a:ln>
+            <a:noFill/>
+          </a:ln>
+        </p:spPr>
+      </p:pic>
+      <p:pic>
+        <p:nvPicPr>
+          <p:cNvPr id="7" name="Рисунок 6">
+            <a:extLst>
+              <a:ext uri="{FF2B5EF4-FFF2-40B4-BE49-F238E27FC236}">
+                <a16:creationId xmlns:a16="http://schemas.microsoft.com/office/drawing/2014/main" id="{0EDA3618-7F43-44DB-BD7E-5136723D78DE}"/>
+              </a:ext>
+            </a:extLst>
+          </p:cNvPr>
+          <p:cNvPicPr/>
+          <p:nvPr/>
+        </p:nvPicPr>
+        <p:blipFill>
+          <a:blip r:embed="rId4">
+            <a:extLst>
+              <a:ext uri="{28A0092B-C50C-407E-A947-70E740481C1C}">
+                <a14:useLocalDpi xmlns:a14="http://schemas.microsoft.com/office/drawing/2010/main" val="0"/>
+              </a:ext>
+            </a:extLst>
+          </a:blip>
+          <a:srcRect/>
+          <a:stretch>
+            <a:fillRect/>
+          </a:stretch>
+        </p:blipFill>
+        <p:spPr bwMode="auto">
+          <a:xfrm>
+            <a:off x="847051" y="4495799"/>
+            <a:ext cx="10506749" cy="2262809"/>
+          </a:xfrm>
+          <a:prstGeom prst="rect">
+            <a:avLst/>
+          </a:prstGeom>
+          <a:noFill/>
+          <a:ln>
+            <a:noFill/>
+          </a:ln>
+        </p:spPr>
+      </p:pic>
+      <p:sp>
+        <p:nvSpPr>
+          <p:cNvPr id="6" name="Rectangle 5"/>
+          <p:cNvSpPr>
+            <a:spLocks noChangeArrowheads="1"/>
+          </p:cNvSpPr>
+          <p:nvPr/>
+        </p:nvSpPr>
+        <p:spPr bwMode="auto">
+          <a:xfrm>
+            <a:off x="11353800" y="16265"/>
+            <a:ext cx="740848" cy="646331"/>
+          </a:xfrm>
+          <a:prstGeom prst="rect">
+            <a:avLst/>
+          </a:prstGeom>
+          <a:noFill/>
+          <a:ln w="9525">
+            <a:noFill/>
+            <a:miter lim="800000"/>
+            <a:headEnd/>
+            <a:tailEnd/>
+          </a:ln>
+        </p:spPr>
+        <p:txBody>
+          <a:bodyPr wrap="square">
+            <a:spAutoFit/>
+          </a:bodyPr>
+          <a:lstStyle/>
+          <a:p>
+            <a:fld id="{429F959E-B741-433B-A973-46DF433319B0}" type="slidenum">
+              <a:rPr lang="ru-RU" sz="3600" b="1">
+                <a:solidFill>
+                  <a:srgbClr val="AEAEAE"/>
+                </a:solidFill>
+                <a:latin typeface="Arial" charset="0"/>
               </a:rPr>
               <a:pPr/>
               <a:t>11</a:t>
             </a:fld>
             <a:endParaRPr lang="ru-RU" sz="3600" b="1" dirty="0">
-              <a:latin typeface="Arial" panose="020B0604020202020204" pitchFamily="34" charset="0"/>
-              <a:cs typeface="Arial" panose="020B0604020202020204" pitchFamily="34" charset="0"/>
+              <a:solidFill>
+                <a:srgbClr val="AEAEAE"/>
+              </a:solidFill>
+              <a:latin typeface="Arial" charset="0"/>
             </a:endParaRPr>
           </a:p>
         </p:txBody>
@@ -4183,7 +4443,7 @@
     </p:spTree>
     <p:extLst>
       <p:ext uri="{BB962C8B-B14F-4D97-AF65-F5344CB8AC3E}">
-        <p14:creationId xmlns:p14="http://schemas.microsoft.com/office/powerpoint/2010/main" val="1100363981"/>
+        <p14:creationId xmlns:p14="http://schemas.microsoft.com/office/powerpoint/2010/main" val="3020117924"/>
       </p:ext>
     </p:extLst>
   </p:cSld>
@@ -4212,7 +4472,13 @@
       </p:grpSpPr>
       <p:sp>
         <p:nvSpPr>
-          <p:cNvPr id="2" name="Заголовок 1"/>
+          <p:cNvPr id="4" name="Заголовок 1">
+            <a:extLst>
+              <a:ext uri="{FF2B5EF4-FFF2-40B4-BE49-F238E27FC236}">
+                <a16:creationId xmlns:a16="http://schemas.microsoft.com/office/drawing/2014/main" id="{929D8FBB-E503-40B8-94B9-2CB0AF6AA77F}"/>
+              </a:ext>
+            </a:extLst>
+          </p:cNvPr>
           <p:cNvSpPr>
             <a:spLocks noGrp="1"/>
           </p:cNvSpPr>
@@ -4222,9 +4488,16 @@
         </p:nvSpPr>
         <p:spPr>
           <a:xfrm>
-            <a:off x="838200" y="0"/>
-            <a:ext cx="10515600" cy="1325563"/>
-          </a:xfrm>
+            <a:off x="4052273" y="2127583"/>
+            <a:ext cx="4087453" cy="2602834"/>
+          </a:xfrm>
+          <a:solidFill>
+            <a:schemeClr val="accent1">
+              <a:lumMod val="40000"/>
+              <a:lumOff val="60000"/>
+            </a:schemeClr>
+          </a:solidFill>
+          <a:effectLst/>
         </p:spPr>
         <p:txBody>
           <a:bodyPr/>
@@ -4232,125 +4505,48 @@
           <a:p>
             <a:r>
               <a:rPr lang="ru-RU" dirty="0"/>
-              <a:t>Апробация: Менеджер</a:t>
-            </a:r>
-          </a:p>
-        </p:txBody>
-      </p:sp>
-      <p:pic>
-        <p:nvPicPr>
-          <p:cNvPr id="7" name="Рисунок 6">
+              <a:t>Менеджер</a:t>
+            </a:r>
+          </a:p>
+        </p:txBody>
+      </p:sp>
+      <p:sp>
+        <p:nvSpPr>
+          <p:cNvPr id="2" name="Номер слайда 1">
             <a:extLst>
               <a:ext uri="{FF2B5EF4-FFF2-40B4-BE49-F238E27FC236}">
-                <a16:creationId xmlns:a16="http://schemas.microsoft.com/office/drawing/2014/main" id="{F54C3B83-653A-40A4-8511-8F88E9455392}"/>
+                <a16:creationId xmlns:a16="http://schemas.microsoft.com/office/drawing/2014/main" id="{D72A4A03-1E6E-4A97-A97E-72C9F2358566}"/>
               </a:ext>
             </a:extLst>
           </p:cNvPr>
-          <p:cNvPicPr/>
-          <p:nvPr/>
-        </p:nvPicPr>
-        <p:blipFill>
-          <a:blip r:embed="rId2">
-            <a:extLst>
-              <a:ext uri="{28A0092B-C50C-407E-A947-70E740481C1C}">
-                <a14:useLocalDpi xmlns:a14="http://schemas.microsoft.com/office/drawing/2010/main" val="0"/>
-              </a:ext>
-            </a:extLst>
-          </a:blip>
-          <a:srcRect/>
-          <a:stretch>
-            <a:fillRect/>
-          </a:stretch>
-        </p:blipFill>
-        <p:spPr bwMode="auto">
-          <a:xfrm>
-            <a:off x="838200" y="3959707"/>
-            <a:ext cx="10515600" cy="2103437"/>
-          </a:xfrm>
-          <a:prstGeom prst="rect">
-            <a:avLst/>
-          </a:prstGeom>
-          <a:noFill/>
-          <a:ln>
-            <a:noFill/>
-          </a:ln>
-        </p:spPr>
-      </p:pic>
-      <p:pic>
-        <p:nvPicPr>
-          <p:cNvPr id="5" name="Рисунок 4">
-            <a:extLst>
-              <a:ext uri="{FF2B5EF4-FFF2-40B4-BE49-F238E27FC236}">
-                <a16:creationId xmlns:a16="http://schemas.microsoft.com/office/drawing/2014/main" id="{941B767B-4462-4105-9BB8-37C8A1086E7C}"/>
-              </a:ext>
-            </a:extLst>
-          </p:cNvPr>
-          <p:cNvPicPr>
-            <a:picLocks noChangeAspect="1"/>
-          </p:cNvPicPr>
-          <p:nvPr/>
-        </p:nvPicPr>
-        <p:blipFill>
-          <a:blip r:embed="rId3"/>
-          <a:stretch>
-            <a:fillRect/>
-          </a:stretch>
-        </p:blipFill>
+          <p:cNvSpPr>
+            <a:spLocks noGrp="1"/>
+          </p:cNvSpPr>
+          <p:nvPr>
+            <p:ph type="sldNum" sz="quarter" idx="12"/>
+          </p:nvPr>
+        </p:nvSpPr>
         <p:spPr>
           <a:xfrm>
-            <a:off x="788284" y="1591503"/>
-            <a:ext cx="10565516" cy="1734793"/>
-          </a:xfrm>
-          <a:prstGeom prst="rect">
-            <a:avLst/>
-          </a:prstGeom>
-        </p:spPr>
-      </p:pic>
-      <p:sp>
-        <p:nvSpPr>
-          <p:cNvPr id="6" name="Rectangle 5"/>
-          <p:cNvSpPr>
-            <a:spLocks noChangeArrowheads="1"/>
-          </p:cNvSpPr>
-          <p:nvPr/>
-        </p:nvSpPr>
-        <p:spPr bwMode="auto">
-          <a:xfrm>
-            <a:off x="11451152" y="16450"/>
-            <a:ext cx="740848" cy="646331"/>
-          </a:xfrm>
-          <a:prstGeom prst="rect">
-            <a:avLst/>
-          </a:prstGeom>
-          <a:noFill/>
-          <a:ln w="9525">
-            <a:noFill/>
-            <a:miter lim="800000"/>
-            <a:headEnd/>
-            <a:tailEnd/>
-          </a:ln>
-        </p:spPr>
-        <p:txBody>
-          <a:bodyPr wrap="square">
-            <a:spAutoFit/>
-          </a:bodyPr>
-          <a:lstStyle/>
-          <a:p>
-            <a:fld id="{429F959E-B741-433B-A973-46DF433319B0}" type="slidenum">
-              <a:rPr lang="ru-RU" sz="3600" b="1">
-                <a:solidFill>
-                  <a:srgbClr val="AEAEAE"/>
-                </a:solidFill>
-                <a:latin typeface="Arial" charset="0"/>
+            <a:off x="9317182" y="191077"/>
+            <a:ext cx="2743200" cy="365125"/>
+          </a:xfrm>
+        </p:spPr>
+        <p:txBody>
+          <a:bodyPr/>
+          <a:lstStyle/>
+          <a:p>
+            <a:fld id="{9888A0FC-94FA-445F-91EB-CF19401D7C77}" type="slidenum">
+              <a:rPr lang="ru-RU" sz="3600" b="1" smtClean="0">
+                <a:latin typeface="Arial" panose="020B0604020202020204" pitchFamily="34" charset="0"/>
+                <a:cs typeface="Arial" panose="020B0604020202020204" pitchFamily="34" charset="0"/>
               </a:rPr>
               <a:pPr/>
               <a:t>12</a:t>
             </a:fld>
             <a:endParaRPr lang="ru-RU" sz="3600" b="1" dirty="0">
-              <a:solidFill>
-                <a:srgbClr val="AEAEAE"/>
-              </a:solidFill>
-              <a:latin typeface="Arial" charset="0"/>
+              <a:latin typeface="Arial" panose="020B0604020202020204" pitchFamily="34" charset="0"/>
+              <a:cs typeface="Arial" panose="020B0604020202020204" pitchFamily="34" charset="0"/>
             </a:endParaRPr>
           </a:p>
         </p:txBody>
@@ -4358,7 +4554,7 @@
     </p:spTree>
     <p:extLst>
       <p:ext uri="{BB962C8B-B14F-4D97-AF65-F5344CB8AC3E}">
-        <p14:creationId xmlns:p14="http://schemas.microsoft.com/office/powerpoint/2010/main" val="3349157927"/>
+        <p14:creationId xmlns:p14="http://schemas.microsoft.com/office/powerpoint/2010/main" val="1100363981"/>
       </p:ext>
     </p:extLst>
   </p:cSld>
@@ -4407,17 +4603,17 @@
           <a:p>
             <a:r>
               <a:rPr lang="ru-RU" dirty="0"/>
-              <a:t>Апробация: Отчеты менеджера</a:t>
+              <a:t>Апробация: Менеджер</a:t>
             </a:r>
           </a:p>
         </p:txBody>
       </p:sp>
       <p:pic>
         <p:nvPicPr>
-          <p:cNvPr id="5" name="Рисунок 4">
+          <p:cNvPr id="7" name="Рисунок 6">
             <a:extLst>
               <a:ext uri="{FF2B5EF4-FFF2-40B4-BE49-F238E27FC236}">
-                <a16:creationId xmlns:a16="http://schemas.microsoft.com/office/drawing/2014/main" id="{0E4DBA9B-FF40-4631-8ED0-C2D695F65A53}"/>
+                <a16:creationId xmlns:a16="http://schemas.microsoft.com/office/drawing/2014/main" id="{F54C3B83-653A-40A4-8511-8F88E9455392}"/>
               </a:ext>
             </a:extLst>
           </p:cNvPr>
@@ -4439,8 +4635,8 @@
         </p:blipFill>
         <p:spPr bwMode="auto">
           <a:xfrm>
-            <a:off x="0" y="1325563"/>
-            <a:ext cx="6374296" cy="2769359"/>
+            <a:off x="838200" y="3959707"/>
+            <a:ext cx="10515600" cy="2103437"/>
           </a:xfrm>
           <a:prstGeom prst="rect">
             <a:avLst/>
@@ -4453,132 +4649,45 @@
       </p:pic>
       <p:pic>
         <p:nvPicPr>
-          <p:cNvPr id="9" name="Рисунок 8">
+          <p:cNvPr id="5" name="Рисунок 4">
             <a:extLst>
               <a:ext uri="{FF2B5EF4-FFF2-40B4-BE49-F238E27FC236}">
-                <a16:creationId xmlns:a16="http://schemas.microsoft.com/office/drawing/2014/main" id="{742E2FB8-8FC1-4468-BDE2-57C7796A0455}"/>
+                <a16:creationId xmlns:a16="http://schemas.microsoft.com/office/drawing/2014/main" id="{941B767B-4462-4105-9BB8-37C8A1086E7C}"/>
               </a:ext>
             </a:extLst>
           </p:cNvPr>
-          <p:cNvPicPr/>
+          <p:cNvPicPr>
+            <a:picLocks noChangeAspect="1"/>
+          </p:cNvPicPr>
           <p:nvPr/>
         </p:nvPicPr>
         <p:blipFill>
-          <a:blip r:embed="rId3">
-            <a:extLst>
-              <a:ext uri="{28A0092B-C50C-407E-A947-70E740481C1C}">
-                <a14:useLocalDpi xmlns:a14="http://schemas.microsoft.com/office/drawing/2010/main" val="0"/>
-              </a:ext>
-            </a:extLst>
-          </a:blip>
-          <a:srcRect/>
+          <a:blip r:embed="rId3"/>
           <a:stretch>
             <a:fillRect/>
           </a:stretch>
         </p:blipFill>
-        <p:spPr bwMode="auto">
-          <a:xfrm>
-            <a:off x="6296025" y="1325563"/>
-            <a:ext cx="5895975" cy="2769358"/>
+        <p:spPr>
+          <a:xfrm>
+            <a:off x="788284" y="1591503"/>
+            <a:ext cx="10565516" cy="1734793"/>
           </a:xfrm>
           <a:prstGeom prst="rect">
             <a:avLst/>
           </a:prstGeom>
-          <a:noFill/>
-          <a:ln>
-            <a:noFill/>
-          </a:ln>
         </p:spPr>
       </p:pic>
-      <p:pic>
-        <p:nvPicPr>
-          <p:cNvPr id="10" name="Рисунок 9">
-            <a:extLst>
-              <a:ext uri="{FF2B5EF4-FFF2-40B4-BE49-F238E27FC236}">
-                <a16:creationId xmlns:a16="http://schemas.microsoft.com/office/drawing/2014/main" id="{11D2E9E5-962C-407D-B89F-80DE8523A9E4}"/>
-              </a:ext>
-            </a:extLst>
-          </p:cNvPr>
-          <p:cNvPicPr/>
+      <p:sp>
+        <p:nvSpPr>
+          <p:cNvPr id="6" name="Rectangle 5"/>
+          <p:cNvSpPr>
+            <a:spLocks noChangeArrowheads="1"/>
+          </p:cNvSpPr>
           <p:nvPr/>
-        </p:nvPicPr>
-        <p:blipFill>
-          <a:blip r:embed="rId4">
-            <a:extLst>
-              <a:ext uri="{28A0092B-C50C-407E-A947-70E740481C1C}">
-                <a14:useLocalDpi xmlns:a14="http://schemas.microsoft.com/office/drawing/2010/main" val="0"/>
-              </a:ext>
-            </a:extLst>
-          </a:blip>
-          <a:srcRect/>
-          <a:stretch>
-            <a:fillRect/>
-          </a:stretch>
-        </p:blipFill>
+        </p:nvSpPr>
         <p:spPr bwMode="auto">
           <a:xfrm>
-            <a:off x="92765" y="4094920"/>
-            <a:ext cx="11993218" cy="781879"/>
-          </a:xfrm>
-          <a:prstGeom prst="rect">
-            <a:avLst/>
-          </a:prstGeom>
-          <a:noFill/>
-          <a:ln>
-            <a:noFill/>
-          </a:ln>
-        </p:spPr>
-      </p:pic>
-      <p:pic>
-        <p:nvPicPr>
-          <p:cNvPr id="11" name="Рисунок 10">
-            <a:extLst>
-              <a:ext uri="{FF2B5EF4-FFF2-40B4-BE49-F238E27FC236}">
-                <a16:creationId xmlns:a16="http://schemas.microsoft.com/office/drawing/2014/main" id="{E46DBC82-F6A9-4C34-A8F0-A22862481CD1}"/>
-              </a:ext>
-            </a:extLst>
-          </p:cNvPr>
-          <p:cNvPicPr/>
-          <p:nvPr/>
-        </p:nvPicPr>
-        <p:blipFill>
-          <a:blip r:embed="rId5">
-            <a:extLst>
-              <a:ext uri="{28A0092B-C50C-407E-A947-70E740481C1C}">
-                <a14:useLocalDpi xmlns:a14="http://schemas.microsoft.com/office/drawing/2010/main" val="0"/>
-              </a:ext>
-            </a:extLst>
-          </a:blip>
-          <a:srcRect/>
-          <a:stretch>
-            <a:fillRect/>
-          </a:stretch>
-        </p:blipFill>
-        <p:spPr bwMode="auto">
-          <a:xfrm>
-            <a:off x="0" y="4916556"/>
-            <a:ext cx="12192000" cy="1981201"/>
-          </a:xfrm>
-          <a:prstGeom prst="rect">
-            <a:avLst/>
-          </a:prstGeom>
-          <a:noFill/>
-          <a:ln>
-            <a:noFill/>
-          </a:ln>
-        </p:spPr>
-      </p:pic>
-      <p:sp>
-        <p:nvSpPr>
-          <p:cNvPr id="7" name="Rectangle 5"/>
-          <p:cNvSpPr>
-            <a:spLocks noChangeArrowheads="1"/>
-          </p:cNvSpPr>
-          <p:nvPr/>
-        </p:nvSpPr>
-        <p:spPr bwMode="auto">
-          <a:xfrm>
-            <a:off x="11520425" y="0"/>
+            <a:off x="11451152" y="16450"/>
             <a:ext cx="740848" cy="646331"/>
           </a:xfrm>
           <a:prstGeom prst="rect">
@@ -4620,7 +4729,7 @@
     </p:spTree>
     <p:extLst>
       <p:ext uri="{BB962C8B-B14F-4D97-AF65-F5344CB8AC3E}">
-        <p14:creationId xmlns:p14="http://schemas.microsoft.com/office/powerpoint/2010/main" val="2394274588"/>
+        <p14:creationId xmlns:p14="http://schemas.microsoft.com/office/powerpoint/2010/main" val="3349157927"/>
       </p:ext>
     </p:extLst>
   </p:cSld>
@@ -4649,102 +4758,232 @@
       </p:grpSpPr>
       <p:sp>
         <p:nvSpPr>
-          <p:cNvPr id="7" name="Заголовок 1">
+          <p:cNvPr id="2" name="Заголовок 1"/>
+          <p:cNvSpPr>
+            <a:spLocks noGrp="1"/>
+          </p:cNvSpPr>
+          <p:nvPr>
+            <p:ph type="title"/>
+          </p:nvPr>
+        </p:nvSpPr>
+        <p:spPr>
+          <a:xfrm>
+            <a:off x="838200" y="0"/>
+            <a:ext cx="10515600" cy="1325563"/>
+          </a:xfrm>
+        </p:spPr>
+        <p:txBody>
+          <a:bodyPr/>
+          <a:lstStyle/>
+          <a:p>
+            <a:r>
+              <a:rPr lang="ru-RU" dirty="0"/>
+              <a:t>Апробация: Отчеты менеджера</a:t>
+            </a:r>
+          </a:p>
+        </p:txBody>
+      </p:sp>
+      <p:pic>
+        <p:nvPicPr>
+          <p:cNvPr id="5" name="Рисунок 4">
             <a:extLst>
               <a:ext uri="{FF2B5EF4-FFF2-40B4-BE49-F238E27FC236}">
-                <a16:creationId xmlns:a16="http://schemas.microsoft.com/office/drawing/2014/main" id="{9D51FC73-AFF1-4698-8241-DE1C36BDBB27}"/>
+                <a16:creationId xmlns:a16="http://schemas.microsoft.com/office/drawing/2014/main" id="{0E4DBA9B-FF40-4631-8ED0-C2D695F65A53}"/>
               </a:ext>
             </a:extLst>
           </p:cNvPr>
-          <p:cNvSpPr txBox="1">
-            <a:spLocks/>
-          </p:cNvSpPr>
+          <p:cNvPicPr/>
           <p:nvPr/>
-        </p:nvSpPr>
-        <p:spPr>
-          <a:xfrm>
-            <a:off x="3509319" y="1754659"/>
-            <a:ext cx="4630407" cy="2975757"/>
+        </p:nvPicPr>
+        <p:blipFill>
+          <a:blip r:embed="rId2">
+            <a:extLst>
+              <a:ext uri="{28A0092B-C50C-407E-A947-70E740481C1C}">
+                <a14:useLocalDpi xmlns:a14="http://schemas.microsoft.com/office/drawing/2010/main" val="0"/>
+              </a:ext>
+            </a:extLst>
+          </a:blip>
+          <a:srcRect/>
+          <a:stretch>
+            <a:fillRect/>
+          </a:stretch>
+        </p:blipFill>
+        <p:spPr bwMode="auto">
+          <a:xfrm>
+            <a:off x="0" y="1325563"/>
+            <a:ext cx="6374296" cy="2769359"/>
           </a:xfrm>
           <a:prstGeom prst="rect">
             <a:avLst/>
           </a:prstGeom>
-          <a:solidFill>
-            <a:schemeClr val="accent1">
-              <a:lumMod val="60000"/>
-              <a:lumOff val="40000"/>
-            </a:schemeClr>
-          </a:solidFill>
-          <a:effectLst/>
-        </p:spPr>
-        <p:txBody>
-          <a:bodyPr vert="horz" lIns="91440" tIns="45720" rIns="91440" bIns="45720" rtlCol="0" anchor="ctr">
-            <a:normAutofit/>
+          <a:noFill/>
+          <a:ln>
+            <a:noFill/>
+          </a:ln>
+        </p:spPr>
+      </p:pic>
+      <p:pic>
+        <p:nvPicPr>
+          <p:cNvPr id="9" name="Рисунок 8">
+            <a:extLst>
+              <a:ext uri="{FF2B5EF4-FFF2-40B4-BE49-F238E27FC236}">
+                <a16:creationId xmlns:a16="http://schemas.microsoft.com/office/drawing/2014/main" id="{742E2FB8-8FC1-4468-BDE2-57C7796A0455}"/>
+              </a:ext>
+            </a:extLst>
+          </p:cNvPr>
+          <p:cNvPicPr/>
+          <p:nvPr/>
+        </p:nvPicPr>
+        <p:blipFill>
+          <a:blip r:embed="rId3">
+            <a:extLst>
+              <a:ext uri="{28A0092B-C50C-407E-A947-70E740481C1C}">
+                <a14:useLocalDpi xmlns:a14="http://schemas.microsoft.com/office/drawing/2010/main" val="0"/>
+              </a:ext>
+            </a:extLst>
+          </a:blip>
+          <a:srcRect/>
+          <a:stretch>
+            <a:fillRect/>
+          </a:stretch>
+        </p:blipFill>
+        <p:spPr bwMode="auto">
+          <a:xfrm>
+            <a:off x="6296025" y="1325563"/>
+            <a:ext cx="5895975" cy="2769358"/>
+          </a:xfrm>
+          <a:prstGeom prst="rect">
+            <a:avLst/>
+          </a:prstGeom>
+          <a:noFill/>
+          <a:ln>
+            <a:noFill/>
+          </a:ln>
+        </p:spPr>
+      </p:pic>
+      <p:pic>
+        <p:nvPicPr>
+          <p:cNvPr id="10" name="Рисунок 9">
+            <a:extLst>
+              <a:ext uri="{FF2B5EF4-FFF2-40B4-BE49-F238E27FC236}">
+                <a16:creationId xmlns:a16="http://schemas.microsoft.com/office/drawing/2014/main" id="{11D2E9E5-962C-407D-B89F-80DE8523A9E4}"/>
+              </a:ext>
+            </a:extLst>
+          </p:cNvPr>
+          <p:cNvPicPr/>
+          <p:nvPr/>
+        </p:nvPicPr>
+        <p:blipFill>
+          <a:blip r:embed="rId4">
+            <a:extLst>
+              <a:ext uri="{28A0092B-C50C-407E-A947-70E740481C1C}">
+                <a14:useLocalDpi xmlns:a14="http://schemas.microsoft.com/office/drawing/2010/main" val="0"/>
+              </a:ext>
+            </a:extLst>
+          </a:blip>
+          <a:srcRect/>
+          <a:stretch>
+            <a:fillRect/>
+          </a:stretch>
+        </p:blipFill>
+        <p:spPr bwMode="auto">
+          <a:xfrm>
+            <a:off x="92765" y="4094920"/>
+            <a:ext cx="11993218" cy="781879"/>
+          </a:xfrm>
+          <a:prstGeom prst="rect">
+            <a:avLst/>
+          </a:prstGeom>
+          <a:noFill/>
+          <a:ln>
+            <a:noFill/>
+          </a:ln>
+        </p:spPr>
+      </p:pic>
+      <p:pic>
+        <p:nvPicPr>
+          <p:cNvPr id="11" name="Рисунок 10">
+            <a:extLst>
+              <a:ext uri="{FF2B5EF4-FFF2-40B4-BE49-F238E27FC236}">
+                <a16:creationId xmlns:a16="http://schemas.microsoft.com/office/drawing/2014/main" id="{E46DBC82-F6A9-4C34-A8F0-A22862481CD1}"/>
+              </a:ext>
+            </a:extLst>
+          </p:cNvPr>
+          <p:cNvPicPr/>
+          <p:nvPr/>
+        </p:nvPicPr>
+        <p:blipFill>
+          <a:blip r:embed="rId5">
+            <a:extLst>
+              <a:ext uri="{28A0092B-C50C-407E-A947-70E740481C1C}">
+                <a14:useLocalDpi xmlns:a14="http://schemas.microsoft.com/office/drawing/2010/main" val="0"/>
+              </a:ext>
+            </a:extLst>
+          </a:blip>
+          <a:srcRect/>
+          <a:stretch>
+            <a:fillRect/>
+          </a:stretch>
+        </p:blipFill>
+        <p:spPr bwMode="auto">
+          <a:xfrm>
+            <a:off x="0" y="4916556"/>
+            <a:ext cx="12192000" cy="1981201"/>
+          </a:xfrm>
+          <a:prstGeom prst="rect">
+            <a:avLst/>
+          </a:prstGeom>
+          <a:noFill/>
+          <a:ln>
+            <a:noFill/>
+          </a:ln>
+        </p:spPr>
+      </p:pic>
+      <p:sp>
+        <p:nvSpPr>
+          <p:cNvPr id="7" name="Rectangle 5"/>
+          <p:cNvSpPr>
+            <a:spLocks noChangeArrowheads="1"/>
+          </p:cNvSpPr>
+          <p:nvPr/>
+        </p:nvSpPr>
+        <p:spPr bwMode="auto">
+          <a:xfrm>
+            <a:off x="11520425" y="0"/>
+            <a:ext cx="740848" cy="646331"/>
+          </a:xfrm>
+          <a:prstGeom prst="rect">
+            <a:avLst/>
+          </a:prstGeom>
+          <a:noFill/>
+          <a:ln w="9525">
+            <a:noFill/>
+            <a:miter lim="800000"/>
+            <a:headEnd/>
+            <a:tailEnd/>
+          </a:ln>
+        </p:spPr>
+        <p:txBody>
+          <a:bodyPr wrap="square">
+            <a:spAutoFit/>
           </a:bodyPr>
-          <a:lstStyle>
-            <a:lvl1pPr algn="l" defTabSz="914400" rtl="0" eaLnBrk="1" latinLnBrk="0" hangingPunct="1">
-              <a:lnSpc>
-                <a:spcPct val="90000"/>
-              </a:lnSpc>
-              <a:spcBef>
-                <a:spcPct val="0"/>
-              </a:spcBef>
-              <a:buNone/>
-              <a:defRPr sz="4400" kern="1200">
+          <a:lstStyle/>
+          <a:p>
+            <a:fld id="{429F959E-B741-433B-A973-46DF433319B0}" type="slidenum">
+              <a:rPr lang="ru-RU" sz="3600" b="1">
                 <a:solidFill>
-                  <a:schemeClr val="tx1"/>
+                  <a:srgbClr val="AEAEAE"/>
                 </a:solidFill>
-                <a:latin typeface="+mj-lt"/>
-                <a:ea typeface="+mj-ea"/>
-                <a:cs typeface="+mj-cs"/>
-              </a:defRPr>
-            </a:lvl1pPr>
-          </a:lstStyle>
-          <a:p>
-            <a:r>
-              <a:rPr lang="ru-RU" dirty="0"/>
-              <a:t>Администратор</a:t>
-            </a:r>
-          </a:p>
-        </p:txBody>
-      </p:sp>
-      <p:sp>
-        <p:nvSpPr>
-          <p:cNvPr id="2" name="Номер слайда 1">
-            <a:extLst>
-              <a:ext uri="{FF2B5EF4-FFF2-40B4-BE49-F238E27FC236}">
-                <a16:creationId xmlns:a16="http://schemas.microsoft.com/office/drawing/2014/main" id="{64CCE1DB-9D2D-4DB9-823D-6FF674C4ADB7}"/>
-              </a:ext>
-            </a:extLst>
-          </p:cNvPr>
-          <p:cNvSpPr>
-            <a:spLocks noGrp="1"/>
-          </p:cNvSpPr>
-          <p:nvPr>
-            <p:ph type="sldNum" sz="quarter" idx="12"/>
-          </p:nvPr>
-        </p:nvSpPr>
-        <p:spPr>
-          <a:xfrm>
-            <a:off x="9261764" y="135659"/>
-            <a:ext cx="2743200" cy="365125"/>
-          </a:xfrm>
-        </p:spPr>
-        <p:txBody>
-          <a:bodyPr/>
-          <a:lstStyle/>
-          <a:p>
-            <a:fld id="{9888A0FC-94FA-445F-91EB-CF19401D7C77}" type="slidenum">
-              <a:rPr lang="ru-RU" sz="3600" b="1" smtClean="0">
-                <a:latin typeface="Arial" panose="020B0604020202020204" pitchFamily="34" charset="0"/>
-                <a:cs typeface="Arial" panose="020B0604020202020204" pitchFamily="34" charset="0"/>
+                <a:latin typeface="Arial" charset="0"/>
               </a:rPr>
               <a:pPr/>
               <a:t>14</a:t>
             </a:fld>
             <a:endParaRPr lang="ru-RU" sz="3600" b="1" dirty="0">
-              <a:latin typeface="Arial" panose="020B0604020202020204" pitchFamily="34" charset="0"/>
-              <a:cs typeface="Arial" panose="020B0604020202020204" pitchFamily="34" charset="0"/>
+              <a:solidFill>
+                <a:srgbClr val="AEAEAE"/>
+              </a:solidFill>
+              <a:latin typeface="Arial" charset="0"/>
             </a:endParaRPr>
           </a:p>
         </p:txBody>
@@ -4752,7 +4991,7 @@
     </p:spTree>
     <p:extLst>
       <p:ext uri="{BB962C8B-B14F-4D97-AF65-F5344CB8AC3E}">
-        <p14:creationId xmlns:p14="http://schemas.microsoft.com/office/powerpoint/2010/main" val="2399572774"/>
+        <p14:creationId xmlns:p14="http://schemas.microsoft.com/office/powerpoint/2010/main" val="2394274588"/>
       </p:ext>
     </p:extLst>
   </p:cSld>
@@ -4781,226 +5020,102 @@
       </p:grpSpPr>
       <p:sp>
         <p:nvSpPr>
-          <p:cNvPr id="2" name="Заголовок 1">
+          <p:cNvPr id="7" name="Заголовок 1">
             <a:extLst>
               <a:ext uri="{FF2B5EF4-FFF2-40B4-BE49-F238E27FC236}">
-                <a16:creationId xmlns:a16="http://schemas.microsoft.com/office/drawing/2014/main" id="{EACD7BE9-D70D-4B7A-879E-7029D4C82F4C}"/>
+                <a16:creationId xmlns:a16="http://schemas.microsoft.com/office/drawing/2014/main" id="{9D51FC73-AFF1-4698-8241-DE1C36BDBB27}"/>
               </a:ext>
             </a:extLst>
           </p:cNvPr>
-          <p:cNvSpPr>
-            <a:spLocks noGrp="1"/>
-          </p:cNvSpPr>
-          <p:nvPr>
-            <p:ph type="title"/>
-          </p:nvPr>
-        </p:nvSpPr>
-        <p:spPr/>
-        <p:txBody>
-          <a:bodyPr/>
-          <a:lstStyle/>
-          <a:p>
-            <a:r>
-              <a:rPr lang="ru-RU" dirty="0"/>
-              <a:t>Апробация: Администратор</a:t>
-            </a:r>
-          </a:p>
-        </p:txBody>
-      </p:sp>
-      <p:pic>
-        <p:nvPicPr>
-          <p:cNvPr id="5" name="Объект 4">
-            <a:extLst>
-              <a:ext uri="{FF2B5EF4-FFF2-40B4-BE49-F238E27FC236}">
-                <a16:creationId xmlns:a16="http://schemas.microsoft.com/office/drawing/2014/main" id="{DCBF9B19-E9E9-495D-B06C-D27ED2A94587}"/>
-              </a:ext>
-            </a:extLst>
-          </p:cNvPr>
-          <p:cNvPicPr>
-            <a:picLocks noGrp="1" noChangeAspect="1"/>
-          </p:cNvPicPr>
-          <p:nvPr>
-            <p:ph idx="1"/>
-          </p:nvPr>
-        </p:nvPicPr>
-        <p:blipFill>
-          <a:blip r:embed="rId2"/>
-          <a:stretch>
-            <a:fillRect/>
-          </a:stretch>
-        </p:blipFill>
+          <p:cNvSpPr txBox="1">
+            <a:spLocks/>
+          </p:cNvSpPr>
+          <p:nvPr/>
+        </p:nvSpPr>
         <p:spPr>
           <a:xfrm>
-            <a:off x="0" y="1563422"/>
-            <a:ext cx="2895851" cy="2213040"/>
+            <a:off x="3509319" y="1754659"/>
+            <a:ext cx="4630407" cy="2975757"/>
           </a:xfrm>
           <a:prstGeom prst="rect">
             <a:avLst/>
           </a:prstGeom>
-        </p:spPr>
-      </p:pic>
-      <p:pic>
-        <p:nvPicPr>
-          <p:cNvPr id="6" name="Рисунок 5">
+          <a:solidFill>
+            <a:schemeClr val="accent1">
+              <a:lumMod val="60000"/>
+              <a:lumOff val="40000"/>
+            </a:schemeClr>
+          </a:solidFill>
+          <a:effectLst/>
+        </p:spPr>
+        <p:txBody>
+          <a:bodyPr vert="horz" lIns="91440" tIns="45720" rIns="91440" bIns="45720" rtlCol="0" anchor="ctr">
+            <a:normAutofit/>
+          </a:bodyPr>
+          <a:lstStyle>
+            <a:lvl1pPr algn="l" defTabSz="914400" rtl="0" eaLnBrk="1" latinLnBrk="0" hangingPunct="1">
+              <a:lnSpc>
+                <a:spcPct val="90000"/>
+              </a:lnSpc>
+              <a:spcBef>
+                <a:spcPct val="0"/>
+              </a:spcBef>
+              <a:buNone/>
+              <a:defRPr sz="4400" kern="1200">
+                <a:solidFill>
+                  <a:schemeClr val="tx1"/>
+                </a:solidFill>
+                <a:latin typeface="+mj-lt"/>
+                <a:ea typeface="+mj-ea"/>
+                <a:cs typeface="+mj-cs"/>
+              </a:defRPr>
+            </a:lvl1pPr>
+          </a:lstStyle>
+          <a:p>
+            <a:r>
+              <a:rPr lang="ru-RU" dirty="0"/>
+              <a:t>Администратор</a:t>
+            </a:r>
+          </a:p>
+        </p:txBody>
+      </p:sp>
+      <p:sp>
+        <p:nvSpPr>
+          <p:cNvPr id="2" name="Номер слайда 1">
             <a:extLst>
               <a:ext uri="{FF2B5EF4-FFF2-40B4-BE49-F238E27FC236}">
-                <a16:creationId xmlns:a16="http://schemas.microsoft.com/office/drawing/2014/main" id="{0B230206-9484-4B0E-B232-BF8160208F1D}"/>
+                <a16:creationId xmlns:a16="http://schemas.microsoft.com/office/drawing/2014/main" id="{64CCE1DB-9D2D-4DB9-823D-6FF674C4ADB7}"/>
               </a:ext>
             </a:extLst>
           </p:cNvPr>
-          <p:cNvPicPr/>
-          <p:nvPr/>
-        </p:nvPicPr>
-        <p:blipFill>
-          <a:blip r:embed="rId3">
-            <a:extLst>
-              <a:ext uri="{28A0092B-C50C-407E-A947-70E740481C1C}">
-                <a14:useLocalDpi xmlns:a14="http://schemas.microsoft.com/office/drawing/2010/main" val="0"/>
-              </a:ext>
-            </a:extLst>
-          </a:blip>
-          <a:srcRect/>
-          <a:stretch>
-            <a:fillRect/>
-          </a:stretch>
-        </p:blipFill>
-        <p:spPr bwMode="auto">
-          <a:xfrm>
-            <a:off x="2883344" y="1561476"/>
-            <a:ext cx="3212656" cy="2362200"/>
-          </a:xfrm>
-          <a:prstGeom prst="rect">
-            <a:avLst/>
-          </a:prstGeom>
-          <a:noFill/>
-          <a:ln>
-            <a:noFill/>
-          </a:ln>
-        </p:spPr>
-      </p:pic>
-      <p:pic>
-        <p:nvPicPr>
-          <p:cNvPr id="7" name="Рисунок 6">
-            <a:extLst>
-              <a:ext uri="{FF2B5EF4-FFF2-40B4-BE49-F238E27FC236}">
-                <a16:creationId xmlns:a16="http://schemas.microsoft.com/office/drawing/2014/main" id="{9F1E78FF-F870-4A97-86BC-C8A137B2EE77}"/>
-              </a:ext>
-            </a:extLst>
-          </p:cNvPr>
-          <p:cNvPicPr/>
-          <p:nvPr/>
-        </p:nvPicPr>
-        <p:blipFill>
-          <a:blip r:embed="rId4">
-            <a:extLst>
-              <a:ext uri="{28A0092B-C50C-407E-A947-70E740481C1C}">
-                <a14:useLocalDpi xmlns:a14="http://schemas.microsoft.com/office/drawing/2010/main" val="0"/>
-              </a:ext>
-            </a:extLst>
-          </a:blip>
-          <a:srcRect/>
-          <a:stretch>
-            <a:fillRect/>
-          </a:stretch>
-        </p:blipFill>
-        <p:spPr bwMode="auto">
-          <a:xfrm>
-            <a:off x="5976730" y="1809550"/>
-            <a:ext cx="6215270" cy="1966912"/>
-          </a:xfrm>
-          <a:prstGeom prst="rect">
-            <a:avLst/>
-          </a:prstGeom>
-          <a:noFill/>
-          <a:ln>
-            <a:noFill/>
-          </a:ln>
-        </p:spPr>
-      </p:pic>
-      <p:pic>
-        <p:nvPicPr>
-          <p:cNvPr id="8" name="Рисунок 7">
-            <a:extLst>
-              <a:ext uri="{FF2B5EF4-FFF2-40B4-BE49-F238E27FC236}">
-                <a16:creationId xmlns:a16="http://schemas.microsoft.com/office/drawing/2014/main" id="{B59BA806-8E98-44C9-BB3F-27040A46D646}"/>
-              </a:ext>
-            </a:extLst>
-          </p:cNvPr>
-          <p:cNvPicPr/>
-          <p:nvPr/>
-        </p:nvPicPr>
-        <p:blipFill>
-          <a:blip r:embed="rId5">
-            <a:extLst>
-              <a:ext uri="{28A0092B-C50C-407E-A947-70E740481C1C}">
-                <a14:useLocalDpi xmlns:a14="http://schemas.microsoft.com/office/drawing/2010/main" val="0"/>
-              </a:ext>
-            </a:extLst>
-          </a:blip>
-          <a:srcRect/>
-          <a:stretch>
-            <a:fillRect/>
-          </a:stretch>
-        </p:blipFill>
-        <p:spPr bwMode="auto">
-          <a:xfrm>
-            <a:off x="0" y="4052888"/>
-            <a:ext cx="12192000" cy="2526823"/>
-          </a:xfrm>
-          <a:prstGeom prst="rect">
-            <a:avLst/>
-          </a:prstGeom>
-          <a:noFill/>
-          <a:ln>
-            <a:noFill/>
-          </a:ln>
-        </p:spPr>
-      </p:pic>
-      <p:sp>
-        <p:nvSpPr>
-          <p:cNvPr id="9" name="Rectangle 5"/>
-          <p:cNvSpPr>
-            <a:spLocks noChangeArrowheads="1"/>
-          </p:cNvSpPr>
-          <p:nvPr/>
-        </p:nvSpPr>
-        <p:spPr bwMode="auto">
-          <a:xfrm>
-            <a:off x="11451152" y="0"/>
-            <a:ext cx="740848" cy="646331"/>
-          </a:xfrm>
-          <a:prstGeom prst="rect">
-            <a:avLst/>
-          </a:prstGeom>
-          <a:noFill/>
-          <a:ln w="9525">
-            <a:noFill/>
-            <a:miter lim="800000"/>
-            <a:headEnd/>
-            <a:tailEnd/>
-          </a:ln>
-        </p:spPr>
-        <p:txBody>
-          <a:bodyPr wrap="square">
-            <a:spAutoFit/>
-          </a:bodyPr>
-          <a:lstStyle/>
-          <a:p>
-            <a:fld id="{429F959E-B741-433B-A973-46DF433319B0}" type="slidenum">
-              <a:rPr lang="ru-RU" sz="3600" b="1">
-                <a:solidFill>
-                  <a:srgbClr val="AEAEAE"/>
-                </a:solidFill>
-                <a:latin typeface="Arial" charset="0"/>
+          <p:cNvSpPr>
+            <a:spLocks noGrp="1"/>
+          </p:cNvSpPr>
+          <p:nvPr>
+            <p:ph type="sldNum" sz="quarter" idx="12"/>
+          </p:nvPr>
+        </p:nvSpPr>
+        <p:spPr>
+          <a:xfrm>
+            <a:off x="9261764" y="135659"/>
+            <a:ext cx="2743200" cy="365125"/>
+          </a:xfrm>
+        </p:spPr>
+        <p:txBody>
+          <a:bodyPr/>
+          <a:lstStyle/>
+          <a:p>
+            <a:fld id="{9888A0FC-94FA-445F-91EB-CF19401D7C77}" type="slidenum">
+              <a:rPr lang="ru-RU" sz="3600" b="1" smtClean="0">
+                <a:latin typeface="Arial" panose="020B0604020202020204" pitchFamily="34" charset="0"/>
+                <a:cs typeface="Arial" panose="020B0604020202020204" pitchFamily="34" charset="0"/>
               </a:rPr>
               <a:pPr/>
               <a:t>15</a:t>
             </a:fld>
             <a:endParaRPr lang="ru-RU" sz="3600" b="1" dirty="0">
-              <a:solidFill>
-                <a:srgbClr val="AEAEAE"/>
-              </a:solidFill>
-              <a:latin typeface="Arial" charset="0"/>
+              <a:latin typeface="Arial" panose="020B0604020202020204" pitchFamily="34" charset="0"/>
+              <a:cs typeface="Arial" panose="020B0604020202020204" pitchFamily="34" charset="0"/>
             </a:endParaRPr>
           </a:p>
         </p:txBody>
@@ -5008,7 +5123,7 @@
     </p:spTree>
     <p:extLst>
       <p:ext uri="{BB962C8B-B14F-4D97-AF65-F5344CB8AC3E}">
-        <p14:creationId xmlns:p14="http://schemas.microsoft.com/office/powerpoint/2010/main" val="658956323"/>
+        <p14:creationId xmlns:p14="http://schemas.microsoft.com/office/powerpoint/2010/main" val="2399572774"/>
       </p:ext>
     </p:extLst>
   </p:cSld>
@@ -5040,7 +5155,7 @@
           <p:cNvPr id="2" name="Заголовок 1">
             <a:extLst>
               <a:ext uri="{FF2B5EF4-FFF2-40B4-BE49-F238E27FC236}">
-                <a16:creationId xmlns:a16="http://schemas.microsoft.com/office/drawing/2014/main" id="{3987E056-ABDC-4EF5-B45E-EB0413E17B80}"/>
+                <a16:creationId xmlns:a16="http://schemas.microsoft.com/office/drawing/2014/main" id="{EACD7BE9-D70D-4B7A-879E-7029D4C82F4C}"/>
               </a:ext>
             </a:extLst>
           </p:cNvPr>
@@ -5051,12 +5166,7 @@
             <p:ph type="title"/>
           </p:nvPr>
         </p:nvSpPr>
-        <p:spPr>
-          <a:xfrm>
-            <a:off x="838200" y="325368"/>
-            <a:ext cx="10515600" cy="1325563"/>
-          </a:xfrm>
-        </p:spPr>
+        <p:spPr/>
         <p:txBody>
           <a:bodyPr/>
           <a:lstStyle/>
@@ -5070,22 +5180,50 @@
       </p:sp>
       <p:pic>
         <p:nvPicPr>
-          <p:cNvPr id="4" name="Объект 3">
+          <p:cNvPr id="5" name="Объект 4">
             <a:extLst>
               <a:ext uri="{FF2B5EF4-FFF2-40B4-BE49-F238E27FC236}">
-                <a16:creationId xmlns:a16="http://schemas.microsoft.com/office/drawing/2014/main" id="{0897BBC5-01E9-41B3-B556-4F55FB6366C6}"/>
+                <a16:creationId xmlns:a16="http://schemas.microsoft.com/office/drawing/2014/main" id="{DCBF9B19-E9E9-495D-B06C-D27ED2A94587}"/>
               </a:ext>
             </a:extLst>
           </p:cNvPr>
           <p:cNvPicPr>
-            <a:picLocks noGrp="1"/>
+            <a:picLocks noGrp="1" noChangeAspect="1"/>
           </p:cNvPicPr>
           <p:nvPr>
             <p:ph idx="1"/>
           </p:nvPr>
         </p:nvPicPr>
         <p:blipFill>
-          <a:blip r:embed="rId2">
+          <a:blip r:embed="rId2"/>
+          <a:stretch>
+            <a:fillRect/>
+          </a:stretch>
+        </p:blipFill>
+        <p:spPr>
+          <a:xfrm>
+            <a:off x="0" y="1563422"/>
+            <a:ext cx="2895851" cy="2213040"/>
+          </a:xfrm>
+          <a:prstGeom prst="rect">
+            <a:avLst/>
+          </a:prstGeom>
+        </p:spPr>
+      </p:pic>
+      <p:pic>
+        <p:nvPicPr>
+          <p:cNvPr id="6" name="Рисунок 5">
+            <a:extLst>
+              <a:ext uri="{FF2B5EF4-FFF2-40B4-BE49-F238E27FC236}">
+                <a16:creationId xmlns:a16="http://schemas.microsoft.com/office/drawing/2014/main" id="{0B230206-9484-4B0E-B232-BF8160208F1D}"/>
+              </a:ext>
+            </a:extLst>
+          </p:cNvPr>
+          <p:cNvPicPr/>
+          <p:nvPr/>
+        </p:nvPicPr>
+        <p:blipFill>
+          <a:blip r:embed="rId3">
             <a:extLst>
               <a:ext uri="{28A0092B-C50C-407E-A947-70E740481C1C}">
                 <a14:useLocalDpi xmlns:a14="http://schemas.microsoft.com/office/drawing/2010/main" val="0"/>
@@ -5099,8 +5237,8 @@
         </p:blipFill>
         <p:spPr bwMode="auto">
           <a:xfrm>
-            <a:off x="121893" y="2180635"/>
-            <a:ext cx="3498574" cy="2289726"/>
+            <a:off x="2883344" y="1561476"/>
+            <a:ext cx="3212656" cy="2362200"/>
           </a:xfrm>
           <a:prstGeom prst="rect">
             <a:avLst/>
@@ -5113,10 +5251,10 @@
       </p:pic>
       <p:pic>
         <p:nvPicPr>
-          <p:cNvPr id="5" name="Рисунок 4">
+          <p:cNvPr id="7" name="Рисунок 6">
             <a:extLst>
               <a:ext uri="{FF2B5EF4-FFF2-40B4-BE49-F238E27FC236}">
-                <a16:creationId xmlns:a16="http://schemas.microsoft.com/office/drawing/2014/main" id="{04D3CC89-8FE5-4068-A1A9-3D9F2190E565}"/>
+                <a16:creationId xmlns:a16="http://schemas.microsoft.com/office/drawing/2014/main" id="{9F1E78FF-F870-4A97-86BC-C8A137B2EE77}"/>
               </a:ext>
             </a:extLst>
           </p:cNvPr>
@@ -5124,7 +5262,7 @@
           <p:nvPr/>
         </p:nvPicPr>
         <p:blipFill>
-          <a:blip r:embed="rId3">
+          <a:blip r:embed="rId4">
             <a:extLst>
               <a:ext uri="{28A0092B-C50C-407E-A947-70E740481C1C}">
                 <a14:useLocalDpi xmlns:a14="http://schemas.microsoft.com/office/drawing/2010/main" val="0"/>
@@ -5138,8 +5276,8 @@
         </p:blipFill>
         <p:spPr bwMode="auto">
           <a:xfrm>
-            <a:off x="3795502" y="2180635"/>
-            <a:ext cx="3000240" cy="1924050"/>
+            <a:off x="5976730" y="1809550"/>
+            <a:ext cx="6215270" cy="1966912"/>
           </a:xfrm>
           <a:prstGeom prst="rect">
             <a:avLst/>
@@ -5152,10 +5290,10 @@
       </p:pic>
       <p:pic>
         <p:nvPicPr>
-          <p:cNvPr id="6" name="Рисунок 5">
+          <p:cNvPr id="8" name="Рисунок 7">
             <a:extLst>
               <a:ext uri="{FF2B5EF4-FFF2-40B4-BE49-F238E27FC236}">
-                <a16:creationId xmlns:a16="http://schemas.microsoft.com/office/drawing/2014/main" id="{DC6469DD-0AA4-4D4C-A4C6-88A0D3831337}"/>
+                <a16:creationId xmlns:a16="http://schemas.microsoft.com/office/drawing/2014/main" id="{B59BA806-8E98-44C9-BB3F-27040A46D646}"/>
               </a:ext>
             </a:extLst>
           </p:cNvPr>
@@ -5163,7 +5301,7 @@
           <p:nvPr/>
         </p:nvPicPr>
         <p:blipFill>
-          <a:blip r:embed="rId4">
+          <a:blip r:embed="rId5">
             <a:extLst>
               <a:ext uri="{28A0092B-C50C-407E-A947-70E740481C1C}">
                 <a14:useLocalDpi xmlns:a14="http://schemas.microsoft.com/office/drawing/2010/main" val="0"/>
@@ -5177,8 +5315,8 @@
         </p:blipFill>
         <p:spPr bwMode="auto">
           <a:xfrm>
-            <a:off x="6896379" y="2381844"/>
-            <a:ext cx="4848225" cy="1228725"/>
+            <a:off x="0" y="4052888"/>
+            <a:ext cx="12192000" cy="2526823"/>
           </a:xfrm>
           <a:prstGeom prst="rect">
             <a:avLst/>
@@ -5189,134 +5327,17 @@
           </a:ln>
         </p:spPr>
       </p:pic>
-      <p:pic>
-        <p:nvPicPr>
-          <p:cNvPr id="8" name="Рисунок 7">
-            <a:extLst>
-              <a:ext uri="{FF2B5EF4-FFF2-40B4-BE49-F238E27FC236}">
-                <a16:creationId xmlns:a16="http://schemas.microsoft.com/office/drawing/2014/main" id="{7ED744EC-28DA-4FFB-884F-B55F19DF3FB0}"/>
-              </a:ext>
-            </a:extLst>
-          </p:cNvPr>
-          <p:cNvPicPr/>
+      <p:sp>
+        <p:nvSpPr>
+          <p:cNvPr id="9" name="Rectangle 5"/>
+          <p:cNvSpPr>
+            <a:spLocks noChangeArrowheads="1"/>
+          </p:cNvSpPr>
           <p:nvPr/>
-        </p:nvPicPr>
-        <p:blipFill>
-          <a:blip r:embed="rId5">
-            <a:extLst>
-              <a:ext uri="{28A0092B-C50C-407E-A947-70E740481C1C}">
-                <a14:useLocalDpi xmlns:a14="http://schemas.microsoft.com/office/drawing/2010/main" val="0"/>
-              </a:ext>
-            </a:extLst>
-          </a:blip>
-          <a:srcRect/>
-          <a:stretch>
-            <a:fillRect/>
-          </a:stretch>
-        </p:blipFill>
+        </p:nvSpPr>
         <p:spPr bwMode="auto">
           <a:xfrm>
-            <a:off x="0" y="4594633"/>
-            <a:ext cx="3742361" cy="1445361"/>
-          </a:xfrm>
-          <a:prstGeom prst="rect">
-            <a:avLst/>
-          </a:prstGeom>
-          <a:noFill/>
-          <a:ln>
-            <a:noFill/>
-          </a:ln>
-        </p:spPr>
-      </p:pic>
-      <p:pic>
-        <p:nvPicPr>
-          <p:cNvPr id="9" name="Рисунок 8">
-            <a:extLst>
-              <a:ext uri="{FF2B5EF4-FFF2-40B4-BE49-F238E27FC236}">
-                <a16:creationId xmlns:a16="http://schemas.microsoft.com/office/drawing/2014/main" id="{27FDB62C-2CFD-4B1C-A8C4-0CD2BDB3056F}"/>
-              </a:ext>
-            </a:extLst>
-          </p:cNvPr>
-          <p:cNvPicPr/>
-          <p:nvPr/>
-        </p:nvPicPr>
-        <p:blipFill>
-          <a:blip r:embed="rId6">
-            <a:extLst>
-              <a:ext uri="{28A0092B-C50C-407E-A947-70E740481C1C}">
-                <a14:useLocalDpi xmlns:a14="http://schemas.microsoft.com/office/drawing/2010/main" val="0"/>
-              </a:ext>
-            </a:extLst>
-          </a:blip>
-          <a:srcRect/>
-          <a:stretch>
-            <a:fillRect/>
-          </a:stretch>
-        </p:blipFill>
-        <p:spPr bwMode="auto">
-          <a:xfrm>
-            <a:off x="3742361" y="4594633"/>
-            <a:ext cx="3742362" cy="1228725"/>
-          </a:xfrm>
-          <a:prstGeom prst="rect">
-            <a:avLst/>
-          </a:prstGeom>
-          <a:noFill/>
-          <a:ln>
-            <a:noFill/>
-          </a:ln>
-        </p:spPr>
-      </p:pic>
-      <p:pic>
-        <p:nvPicPr>
-          <p:cNvPr id="10" name="Рисунок 9">
-            <a:extLst>
-              <a:ext uri="{FF2B5EF4-FFF2-40B4-BE49-F238E27FC236}">
-                <a16:creationId xmlns:a16="http://schemas.microsoft.com/office/drawing/2014/main" id="{B9A38013-0E04-4AE8-9D29-67F6385835D1}"/>
-              </a:ext>
-            </a:extLst>
-          </p:cNvPr>
-          <p:cNvPicPr/>
-          <p:nvPr/>
-        </p:nvPicPr>
-        <p:blipFill>
-          <a:blip r:embed="rId7">
-            <a:extLst>
-              <a:ext uri="{28A0092B-C50C-407E-A947-70E740481C1C}">
-                <a14:useLocalDpi xmlns:a14="http://schemas.microsoft.com/office/drawing/2010/main" val="0"/>
-              </a:ext>
-            </a:extLst>
-          </a:blip>
-          <a:srcRect/>
-          <a:stretch>
-            <a:fillRect/>
-          </a:stretch>
-        </p:blipFill>
-        <p:spPr bwMode="auto">
-          <a:xfrm>
-            <a:off x="7484722" y="4469905"/>
-            <a:ext cx="4548250" cy="1570089"/>
-          </a:xfrm>
-          <a:prstGeom prst="rect">
-            <a:avLst/>
-          </a:prstGeom>
-          <a:noFill/>
-          <a:ln>
-            <a:noFill/>
-          </a:ln>
-        </p:spPr>
-      </p:pic>
-      <p:sp>
-        <p:nvSpPr>
-          <p:cNvPr id="11" name="Rectangle 5"/>
-          <p:cNvSpPr>
-            <a:spLocks noChangeArrowheads="1"/>
-          </p:cNvSpPr>
-          <p:nvPr/>
-        </p:nvSpPr>
-        <p:spPr bwMode="auto">
-          <a:xfrm>
-            <a:off x="11451152" y="2202"/>
+            <a:off x="11451152" y="0"/>
             <a:ext cx="740848" cy="646331"/>
           </a:xfrm>
           <a:prstGeom prst="rect">
@@ -5358,7 +5379,7 @@
     </p:spTree>
     <p:extLst>
       <p:ext uri="{BB962C8B-B14F-4D97-AF65-F5344CB8AC3E}">
-        <p14:creationId xmlns:p14="http://schemas.microsoft.com/office/powerpoint/2010/main" val="1206766381"/>
+        <p14:creationId xmlns:p14="http://schemas.microsoft.com/office/powerpoint/2010/main" val="658956323"/>
       </p:ext>
     </p:extLst>
   </p:cSld>
@@ -5390,7 +5411,7 @@
           <p:cNvPr id="2" name="Заголовок 1">
             <a:extLst>
               <a:ext uri="{FF2B5EF4-FFF2-40B4-BE49-F238E27FC236}">
-                <a16:creationId xmlns:a16="http://schemas.microsoft.com/office/drawing/2014/main" id="{149BA20A-6ADE-477A-B2CB-54BE68DCBDDF}"/>
+                <a16:creationId xmlns:a16="http://schemas.microsoft.com/office/drawing/2014/main" id="{3987E056-ABDC-4EF5-B45E-EB0413E17B80}"/>
               </a:ext>
             </a:extLst>
           </p:cNvPr>
@@ -5401,24 +5422,29 @@
             <p:ph type="title"/>
           </p:nvPr>
         </p:nvSpPr>
-        <p:spPr/>
+        <p:spPr>
+          <a:xfrm>
+            <a:off x="838200" y="325368"/>
+            <a:ext cx="10515600" cy="1325563"/>
+          </a:xfrm>
+        </p:spPr>
         <p:txBody>
           <a:bodyPr/>
           <a:lstStyle/>
           <a:p>
             <a:r>
               <a:rPr lang="ru-RU" dirty="0"/>
-              <a:t>Апробация: Отчеты администратора</a:t>
+              <a:t>Апробация: Администратор</a:t>
             </a:r>
           </a:p>
         </p:txBody>
       </p:sp>
       <p:pic>
         <p:nvPicPr>
-          <p:cNvPr id="8" name="Объект 7">
+          <p:cNvPr id="4" name="Объект 3">
             <a:extLst>
               <a:ext uri="{FF2B5EF4-FFF2-40B4-BE49-F238E27FC236}">
-                <a16:creationId xmlns:a16="http://schemas.microsoft.com/office/drawing/2014/main" id="{0E6D0235-03BC-424F-AB46-979E9C0E744E}"/>
+                <a16:creationId xmlns:a16="http://schemas.microsoft.com/office/drawing/2014/main" id="{0897BBC5-01E9-41B3-B556-4F55FB6366C6}"/>
               </a:ext>
             </a:extLst>
           </p:cNvPr>
@@ -5444,8 +5470,8 @@
         </p:blipFill>
         <p:spPr bwMode="auto">
           <a:xfrm>
-            <a:off x="0" y="1393500"/>
-            <a:ext cx="5905499" cy="2886952"/>
+            <a:off x="121893" y="2180635"/>
+            <a:ext cx="3498574" cy="2289726"/>
           </a:xfrm>
           <a:prstGeom prst="rect">
             <a:avLst/>
@@ -5458,10 +5484,10 @@
       </p:pic>
       <p:pic>
         <p:nvPicPr>
-          <p:cNvPr id="9" name="Рисунок 8">
+          <p:cNvPr id="5" name="Рисунок 4">
             <a:extLst>
               <a:ext uri="{FF2B5EF4-FFF2-40B4-BE49-F238E27FC236}">
-                <a16:creationId xmlns:a16="http://schemas.microsoft.com/office/drawing/2014/main" id="{6B7771B5-0CA2-498F-9B41-D74D61499671}"/>
+                <a16:creationId xmlns:a16="http://schemas.microsoft.com/office/drawing/2014/main" id="{04D3CC89-8FE5-4068-A1A9-3D9F2190E565}"/>
               </a:ext>
             </a:extLst>
           </p:cNvPr>
@@ -5483,8 +5509,8 @@
         </p:blipFill>
         <p:spPr bwMode="auto">
           <a:xfrm>
-            <a:off x="5905499" y="1393500"/>
-            <a:ext cx="6286501" cy="2833942"/>
+            <a:off x="3795502" y="2180635"/>
+            <a:ext cx="3000240" cy="1924050"/>
           </a:xfrm>
           <a:prstGeom prst="rect">
             <a:avLst/>
@@ -5497,10 +5523,10 @@
       </p:pic>
       <p:pic>
         <p:nvPicPr>
-          <p:cNvPr id="10" name="Рисунок 9">
+          <p:cNvPr id="6" name="Рисунок 5">
             <a:extLst>
               <a:ext uri="{FF2B5EF4-FFF2-40B4-BE49-F238E27FC236}">
-                <a16:creationId xmlns:a16="http://schemas.microsoft.com/office/drawing/2014/main" id="{020D67A5-8E7D-425A-B972-8C5271049CB5}"/>
+                <a16:creationId xmlns:a16="http://schemas.microsoft.com/office/drawing/2014/main" id="{DC6469DD-0AA4-4D4C-A4C6-88A0D3831337}"/>
               </a:ext>
             </a:extLst>
           </p:cNvPr>
@@ -5522,8 +5548,8 @@
         </p:blipFill>
         <p:spPr bwMode="auto">
           <a:xfrm>
-            <a:off x="0" y="4280450"/>
-            <a:ext cx="12192000" cy="2617306"/>
+            <a:off x="6896379" y="2381844"/>
+            <a:ext cx="4848225" cy="1228725"/>
           </a:xfrm>
           <a:prstGeom prst="rect">
             <a:avLst/>
@@ -5534,9 +5560,126 @@
           </a:ln>
         </p:spPr>
       </p:pic>
-      <p:sp>
-        <p:nvSpPr>
-          <p:cNvPr id="6" name="Rectangle 5"/>
+      <p:pic>
+        <p:nvPicPr>
+          <p:cNvPr id="8" name="Рисунок 7">
+            <a:extLst>
+              <a:ext uri="{FF2B5EF4-FFF2-40B4-BE49-F238E27FC236}">
+                <a16:creationId xmlns:a16="http://schemas.microsoft.com/office/drawing/2014/main" id="{7ED744EC-28DA-4FFB-884F-B55F19DF3FB0}"/>
+              </a:ext>
+            </a:extLst>
+          </p:cNvPr>
+          <p:cNvPicPr/>
+          <p:nvPr/>
+        </p:nvPicPr>
+        <p:blipFill>
+          <a:blip r:embed="rId5">
+            <a:extLst>
+              <a:ext uri="{28A0092B-C50C-407E-A947-70E740481C1C}">
+                <a14:useLocalDpi xmlns:a14="http://schemas.microsoft.com/office/drawing/2010/main" val="0"/>
+              </a:ext>
+            </a:extLst>
+          </a:blip>
+          <a:srcRect/>
+          <a:stretch>
+            <a:fillRect/>
+          </a:stretch>
+        </p:blipFill>
+        <p:spPr bwMode="auto">
+          <a:xfrm>
+            <a:off x="0" y="4594633"/>
+            <a:ext cx="3742361" cy="1445361"/>
+          </a:xfrm>
+          <a:prstGeom prst="rect">
+            <a:avLst/>
+          </a:prstGeom>
+          <a:noFill/>
+          <a:ln>
+            <a:noFill/>
+          </a:ln>
+        </p:spPr>
+      </p:pic>
+      <p:pic>
+        <p:nvPicPr>
+          <p:cNvPr id="9" name="Рисунок 8">
+            <a:extLst>
+              <a:ext uri="{FF2B5EF4-FFF2-40B4-BE49-F238E27FC236}">
+                <a16:creationId xmlns:a16="http://schemas.microsoft.com/office/drawing/2014/main" id="{27FDB62C-2CFD-4B1C-A8C4-0CD2BDB3056F}"/>
+              </a:ext>
+            </a:extLst>
+          </p:cNvPr>
+          <p:cNvPicPr/>
+          <p:nvPr/>
+        </p:nvPicPr>
+        <p:blipFill>
+          <a:blip r:embed="rId6">
+            <a:extLst>
+              <a:ext uri="{28A0092B-C50C-407E-A947-70E740481C1C}">
+                <a14:useLocalDpi xmlns:a14="http://schemas.microsoft.com/office/drawing/2010/main" val="0"/>
+              </a:ext>
+            </a:extLst>
+          </a:blip>
+          <a:srcRect/>
+          <a:stretch>
+            <a:fillRect/>
+          </a:stretch>
+        </p:blipFill>
+        <p:spPr bwMode="auto">
+          <a:xfrm>
+            <a:off x="3742361" y="4594633"/>
+            <a:ext cx="3742362" cy="1228725"/>
+          </a:xfrm>
+          <a:prstGeom prst="rect">
+            <a:avLst/>
+          </a:prstGeom>
+          <a:noFill/>
+          <a:ln>
+            <a:noFill/>
+          </a:ln>
+        </p:spPr>
+      </p:pic>
+      <p:pic>
+        <p:nvPicPr>
+          <p:cNvPr id="10" name="Рисунок 9">
+            <a:extLst>
+              <a:ext uri="{FF2B5EF4-FFF2-40B4-BE49-F238E27FC236}">
+                <a16:creationId xmlns:a16="http://schemas.microsoft.com/office/drawing/2014/main" id="{B9A38013-0E04-4AE8-9D29-67F6385835D1}"/>
+              </a:ext>
+            </a:extLst>
+          </p:cNvPr>
+          <p:cNvPicPr/>
+          <p:nvPr/>
+        </p:nvPicPr>
+        <p:blipFill>
+          <a:blip r:embed="rId7">
+            <a:extLst>
+              <a:ext uri="{28A0092B-C50C-407E-A947-70E740481C1C}">
+                <a14:useLocalDpi xmlns:a14="http://schemas.microsoft.com/office/drawing/2010/main" val="0"/>
+              </a:ext>
+            </a:extLst>
+          </a:blip>
+          <a:srcRect/>
+          <a:stretch>
+            <a:fillRect/>
+          </a:stretch>
+        </p:blipFill>
+        <p:spPr bwMode="auto">
+          <a:xfrm>
+            <a:off x="7484722" y="4469905"/>
+            <a:ext cx="4548250" cy="1570089"/>
+          </a:xfrm>
+          <a:prstGeom prst="rect">
+            <a:avLst/>
+          </a:prstGeom>
+          <a:noFill/>
+          <a:ln>
+            <a:noFill/>
+          </a:ln>
+        </p:spPr>
+      </p:pic>
+      <p:sp>
+        <p:nvSpPr>
+          <p:cNvPr id="11" name="Rectangle 5"/>
           <p:cNvSpPr>
             <a:spLocks noChangeArrowheads="1"/>
           </p:cNvSpPr>
@@ -5544,7 +5687,7 @@
         </p:nvSpPr>
         <p:spPr bwMode="auto">
           <a:xfrm>
-            <a:off x="11451152" y="0"/>
+            <a:off x="11451152" y="2202"/>
             <a:ext cx="740848" cy="646331"/>
           </a:xfrm>
           <a:prstGeom prst="rect">
@@ -5586,7 +5729,7 @@
     </p:spTree>
     <p:extLst>
       <p:ext uri="{BB962C8B-B14F-4D97-AF65-F5344CB8AC3E}">
-        <p14:creationId xmlns:p14="http://schemas.microsoft.com/office/powerpoint/2010/main" val="1517674079"/>
+        <p14:creationId xmlns:p14="http://schemas.microsoft.com/office/powerpoint/2010/main" val="1206766381"/>
       </p:ext>
     </p:extLst>
   </p:cSld>
@@ -5615,101 +5758,198 @@
       </p:grpSpPr>
       <p:sp>
         <p:nvSpPr>
-          <p:cNvPr id="5" name="Заголовок 1">
+          <p:cNvPr id="2" name="Заголовок 1">
             <a:extLst>
               <a:ext uri="{FF2B5EF4-FFF2-40B4-BE49-F238E27FC236}">
-                <a16:creationId xmlns:a16="http://schemas.microsoft.com/office/drawing/2014/main" id="{D09BD3B8-E719-44B8-A703-EEE45B561494}"/>
+                <a16:creationId xmlns:a16="http://schemas.microsoft.com/office/drawing/2014/main" id="{149BA20A-6ADE-477A-B2CB-54BE68DCBDDF}"/>
               </a:ext>
             </a:extLst>
           </p:cNvPr>
-          <p:cNvSpPr txBox="1">
-            <a:spLocks/>
-          </p:cNvSpPr>
-          <p:nvPr/>
-        </p:nvSpPr>
-        <p:spPr>
-          <a:xfrm>
-            <a:off x="4052273" y="2127584"/>
-            <a:ext cx="4087453" cy="2602832"/>
+          <p:cNvSpPr>
+            <a:spLocks noGrp="1"/>
+          </p:cNvSpPr>
+          <p:nvPr>
+            <p:ph type="title"/>
+          </p:nvPr>
+        </p:nvSpPr>
+        <p:spPr/>
+        <p:txBody>
+          <a:bodyPr/>
+          <a:lstStyle/>
+          <a:p>
+            <a:r>
+              <a:rPr lang="ru-RU" dirty="0"/>
+              <a:t>Апробация: Отчеты администратора</a:t>
+            </a:r>
+          </a:p>
+        </p:txBody>
+      </p:sp>
+      <p:pic>
+        <p:nvPicPr>
+          <p:cNvPr id="8" name="Объект 7">
+            <a:extLst>
+              <a:ext uri="{FF2B5EF4-FFF2-40B4-BE49-F238E27FC236}">
+                <a16:creationId xmlns:a16="http://schemas.microsoft.com/office/drawing/2014/main" id="{0E6D0235-03BC-424F-AB46-979E9C0E744E}"/>
+              </a:ext>
+            </a:extLst>
+          </p:cNvPr>
+          <p:cNvPicPr>
+            <a:picLocks noGrp="1"/>
+          </p:cNvPicPr>
+          <p:nvPr>
+            <p:ph idx="1"/>
+          </p:nvPr>
+        </p:nvPicPr>
+        <p:blipFill>
+          <a:blip r:embed="rId2">
+            <a:extLst>
+              <a:ext uri="{28A0092B-C50C-407E-A947-70E740481C1C}">
+                <a14:useLocalDpi xmlns:a14="http://schemas.microsoft.com/office/drawing/2010/main" val="0"/>
+              </a:ext>
+            </a:extLst>
+          </a:blip>
+          <a:srcRect/>
+          <a:stretch>
+            <a:fillRect/>
+          </a:stretch>
+        </p:blipFill>
+        <p:spPr bwMode="auto">
+          <a:xfrm>
+            <a:off x="0" y="1393500"/>
+            <a:ext cx="5905499" cy="2886952"/>
           </a:xfrm>
           <a:prstGeom prst="rect">
             <a:avLst/>
           </a:prstGeom>
-          <a:solidFill>
-            <a:schemeClr val="accent1">
-              <a:lumMod val="75000"/>
-            </a:schemeClr>
-          </a:solidFill>
-          <a:effectLst/>
-        </p:spPr>
-        <p:txBody>
-          <a:bodyPr vert="horz" lIns="91440" tIns="45720" rIns="91440" bIns="45720" rtlCol="0" anchor="ctr">
-            <a:normAutofit/>
+          <a:noFill/>
+          <a:ln>
+            <a:noFill/>
+          </a:ln>
+        </p:spPr>
+      </p:pic>
+      <p:pic>
+        <p:nvPicPr>
+          <p:cNvPr id="9" name="Рисунок 8">
+            <a:extLst>
+              <a:ext uri="{FF2B5EF4-FFF2-40B4-BE49-F238E27FC236}">
+                <a16:creationId xmlns:a16="http://schemas.microsoft.com/office/drawing/2014/main" id="{6B7771B5-0CA2-498F-9B41-D74D61499671}"/>
+              </a:ext>
+            </a:extLst>
+          </p:cNvPr>
+          <p:cNvPicPr/>
+          <p:nvPr/>
+        </p:nvPicPr>
+        <p:blipFill>
+          <a:blip r:embed="rId3">
+            <a:extLst>
+              <a:ext uri="{28A0092B-C50C-407E-A947-70E740481C1C}">
+                <a14:useLocalDpi xmlns:a14="http://schemas.microsoft.com/office/drawing/2010/main" val="0"/>
+              </a:ext>
+            </a:extLst>
+          </a:blip>
+          <a:srcRect/>
+          <a:stretch>
+            <a:fillRect/>
+          </a:stretch>
+        </p:blipFill>
+        <p:spPr bwMode="auto">
+          <a:xfrm>
+            <a:off x="5905499" y="1393500"/>
+            <a:ext cx="6286501" cy="2833942"/>
+          </a:xfrm>
+          <a:prstGeom prst="rect">
+            <a:avLst/>
+          </a:prstGeom>
+          <a:noFill/>
+          <a:ln>
+            <a:noFill/>
+          </a:ln>
+        </p:spPr>
+      </p:pic>
+      <p:pic>
+        <p:nvPicPr>
+          <p:cNvPr id="10" name="Рисунок 9">
+            <a:extLst>
+              <a:ext uri="{FF2B5EF4-FFF2-40B4-BE49-F238E27FC236}">
+                <a16:creationId xmlns:a16="http://schemas.microsoft.com/office/drawing/2014/main" id="{020D67A5-8E7D-425A-B972-8C5271049CB5}"/>
+              </a:ext>
+            </a:extLst>
+          </p:cNvPr>
+          <p:cNvPicPr/>
+          <p:nvPr/>
+        </p:nvPicPr>
+        <p:blipFill>
+          <a:blip r:embed="rId4">
+            <a:extLst>
+              <a:ext uri="{28A0092B-C50C-407E-A947-70E740481C1C}">
+                <a14:useLocalDpi xmlns:a14="http://schemas.microsoft.com/office/drawing/2010/main" val="0"/>
+              </a:ext>
+            </a:extLst>
+          </a:blip>
+          <a:srcRect/>
+          <a:stretch>
+            <a:fillRect/>
+          </a:stretch>
+        </p:blipFill>
+        <p:spPr bwMode="auto">
+          <a:xfrm>
+            <a:off x="0" y="4280450"/>
+            <a:ext cx="12192000" cy="2617306"/>
+          </a:xfrm>
+          <a:prstGeom prst="rect">
+            <a:avLst/>
+          </a:prstGeom>
+          <a:noFill/>
+          <a:ln>
+            <a:noFill/>
+          </a:ln>
+        </p:spPr>
+      </p:pic>
+      <p:sp>
+        <p:nvSpPr>
+          <p:cNvPr id="6" name="Rectangle 5"/>
+          <p:cNvSpPr>
+            <a:spLocks noChangeArrowheads="1"/>
+          </p:cNvSpPr>
+          <p:nvPr/>
+        </p:nvSpPr>
+        <p:spPr bwMode="auto">
+          <a:xfrm>
+            <a:off x="11451152" y="0"/>
+            <a:ext cx="740848" cy="646331"/>
+          </a:xfrm>
+          <a:prstGeom prst="rect">
+            <a:avLst/>
+          </a:prstGeom>
+          <a:noFill/>
+          <a:ln w="9525">
+            <a:noFill/>
+            <a:miter lim="800000"/>
+            <a:headEnd/>
+            <a:tailEnd/>
+          </a:ln>
+        </p:spPr>
+        <p:txBody>
+          <a:bodyPr wrap="square">
+            <a:spAutoFit/>
           </a:bodyPr>
-          <a:lstStyle>
-            <a:lvl1pPr algn="l" defTabSz="914400" rtl="0" eaLnBrk="1" latinLnBrk="0" hangingPunct="1">
-              <a:lnSpc>
-                <a:spcPct val="90000"/>
-              </a:lnSpc>
-              <a:spcBef>
-                <a:spcPct val="0"/>
-              </a:spcBef>
-              <a:buNone/>
-              <a:defRPr sz="4400" kern="1200">
+          <a:lstStyle/>
+          <a:p>
+            <a:fld id="{429F959E-B741-433B-A973-46DF433319B0}" type="slidenum">
+              <a:rPr lang="ru-RU" sz="3600" b="1">
                 <a:solidFill>
-                  <a:schemeClr val="tx1"/>
+                  <a:srgbClr val="AEAEAE"/>
                 </a:solidFill>
-                <a:latin typeface="+mj-lt"/>
-                <a:ea typeface="+mj-ea"/>
-                <a:cs typeface="+mj-cs"/>
-              </a:defRPr>
-            </a:lvl1pPr>
-          </a:lstStyle>
-          <a:p>
-            <a:r>
-              <a:rPr lang="ru-RU" dirty="0"/>
-              <a:t>Клиент</a:t>
-            </a:r>
-          </a:p>
-        </p:txBody>
-      </p:sp>
-      <p:sp>
-        <p:nvSpPr>
-          <p:cNvPr id="2" name="Номер слайда 1">
-            <a:extLst>
-              <a:ext uri="{FF2B5EF4-FFF2-40B4-BE49-F238E27FC236}">
-                <a16:creationId xmlns:a16="http://schemas.microsoft.com/office/drawing/2014/main" id="{0C6965B3-0B98-4511-8AA8-82C31B94532F}"/>
-              </a:ext>
-            </a:extLst>
-          </p:cNvPr>
-          <p:cNvSpPr>
-            <a:spLocks noGrp="1"/>
-          </p:cNvSpPr>
-          <p:nvPr>
-            <p:ph type="sldNum" sz="quarter" idx="12"/>
-          </p:nvPr>
-        </p:nvSpPr>
-        <p:spPr>
-          <a:xfrm>
-            <a:off x="9317182" y="135659"/>
-            <a:ext cx="2743200" cy="365125"/>
-          </a:xfrm>
-        </p:spPr>
-        <p:txBody>
-          <a:bodyPr/>
-          <a:lstStyle/>
-          <a:p>
-            <a:fld id="{9888A0FC-94FA-445F-91EB-CF19401D7C77}" type="slidenum">
-              <a:rPr lang="ru-RU" sz="3600" b="1" smtClean="0">
-                <a:latin typeface="Arial" panose="020B0604020202020204" pitchFamily="34" charset="0"/>
-                <a:cs typeface="Arial" panose="020B0604020202020204" pitchFamily="34" charset="0"/>
+                <a:latin typeface="Arial" charset="0"/>
               </a:rPr>
               <a:pPr/>
               <a:t>18</a:t>
             </a:fld>
             <a:endParaRPr lang="ru-RU" sz="3600" b="1" dirty="0">
-              <a:latin typeface="Arial" panose="020B0604020202020204" pitchFamily="34" charset="0"/>
-              <a:cs typeface="Arial" panose="020B0604020202020204" pitchFamily="34" charset="0"/>
+              <a:solidFill>
+                <a:srgbClr val="AEAEAE"/>
+              </a:solidFill>
+              <a:latin typeface="Arial" charset="0"/>
             </a:endParaRPr>
           </a:p>
         </p:txBody>
@@ -5717,7 +5957,7 @@
     </p:spTree>
     <p:extLst>
       <p:ext uri="{BB962C8B-B14F-4D97-AF65-F5344CB8AC3E}">
-        <p14:creationId xmlns:p14="http://schemas.microsoft.com/office/powerpoint/2010/main" val="3958966084"/>
+        <p14:creationId xmlns:p14="http://schemas.microsoft.com/office/powerpoint/2010/main" val="1517674079"/>
       </p:ext>
     </p:extLst>
   </p:cSld>
@@ -5746,13 +5986,7 @@
       </p:grpSpPr>
       <p:sp>
         <p:nvSpPr>
-          <p:cNvPr id="2" name="Заголовок 1">
-            <a:extLst>
-              <a:ext uri="{FF2B5EF4-FFF2-40B4-BE49-F238E27FC236}">
-                <a16:creationId xmlns:a16="http://schemas.microsoft.com/office/drawing/2014/main" id="{13E6C3B7-FAA9-4604-BBA8-7B1738B8E0D4}"/>
-              </a:ext>
-            </a:extLst>
-          </p:cNvPr>
+          <p:cNvPr id="2" name="Заголовок 1"/>
           <p:cNvSpPr>
             <a:spLocks noGrp="1"/>
           </p:cNvSpPr>
@@ -5760,155 +5994,242 @@
             <p:ph type="title"/>
           </p:nvPr>
         </p:nvSpPr>
-        <p:spPr>
-          <a:xfrm>
-            <a:off x="838200" y="325369"/>
-            <a:ext cx="10515600" cy="1325563"/>
-          </a:xfrm>
-        </p:spPr>
+        <p:spPr/>
         <p:txBody>
           <a:bodyPr/>
           <a:lstStyle/>
           <a:p>
             <a:r>
               <a:rPr lang="ru-RU" dirty="0"/>
-              <a:t>Апробация: Клиента</a:t>
-            </a:r>
-          </a:p>
-        </p:txBody>
-      </p:sp>
-      <p:pic>
-        <p:nvPicPr>
-          <p:cNvPr id="4" name="Объект 3">
-            <a:extLst>
-              <a:ext uri="{FF2B5EF4-FFF2-40B4-BE49-F238E27FC236}">
-                <a16:creationId xmlns:a16="http://schemas.microsoft.com/office/drawing/2014/main" id="{E1C29972-9D8A-4D1A-AA1D-EC6291FAD5E5}"/>
-              </a:ext>
-            </a:extLst>
-          </p:cNvPr>
-          <p:cNvPicPr>
-            <a:picLocks noGrp="1"/>
-          </p:cNvPicPr>
+              <a:t>Результаты дипломной работы</a:t>
+            </a:r>
+          </a:p>
+        </p:txBody>
+      </p:sp>
+      <p:sp>
+        <p:nvSpPr>
+          <p:cNvPr id="3" name="Объект 2"/>
+          <p:cNvSpPr>
+            <a:spLocks noGrp="1"/>
+          </p:cNvSpPr>
           <p:nvPr>
             <p:ph idx="1"/>
           </p:nvPr>
-        </p:nvPicPr>
-        <p:blipFill>
-          <a:blip r:embed="rId2">
-            <a:extLst>
-              <a:ext uri="{28A0092B-C50C-407E-A947-70E740481C1C}">
-                <a14:useLocalDpi xmlns:a14="http://schemas.microsoft.com/office/drawing/2010/main" val="0"/>
-              </a:ext>
-            </a:extLst>
-          </a:blip>
-          <a:srcRect/>
-          <a:stretch>
-            <a:fillRect/>
-          </a:stretch>
-        </p:blipFill>
+        </p:nvSpPr>
+        <p:spPr/>
+        <p:txBody>
+          <a:bodyPr>
+            <a:normAutofit fontScale="85000" lnSpcReduction="20000"/>
+          </a:bodyPr>
+          <a:lstStyle/>
+          <a:p>
+            <a:pPr>
+              <a:buFont typeface="Wingdings" panose="05000000000000000000" pitchFamily="2" charset="2"/>
+              <a:buChar char="§"/>
+            </a:pPr>
+            <a:r>
+              <a:rPr lang="ru-RU" dirty="0"/>
+              <a:t>Изучены:</a:t>
+            </a:r>
+          </a:p>
+          <a:p>
+            <a:pPr lvl="1"/>
+            <a:r>
+              <a:rPr lang="ru-RU" dirty="0"/>
+              <a:t>языки программирования </a:t>
+            </a:r>
+            <a:r>
+              <a:rPr lang="en-US" dirty="0"/>
+              <a:t>Java</a:t>
+            </a:r>
+            <a:r>
+              <a:rPr lang="ru-RU" dirty="0"/>
+              <a:t> </a:t>
+            </a:r>
+            <a:r>
+              <a:rPr lang="ru-RU" dirty="0" err="1"/>
+              <a:t>фреймворк</a:t>
+            </a:r>
+            <a:r>
+              <a:rPr lang="ru-RU" dirty="0"/>
+              <a:t> </a:t>
+            </a:r>
+            <a:r>
+              <a:rPr lang="en-US" dirty="0"/>
+              <a:t>Hibernate</a:t>
+            </a:r>
+            <a:endParaRPr lang="ru-RU" dirty="0"/>
+          </a:p>
+          <a:p>
+            <a:pPr lvl="1"/>
+            <a:r>
+              <a:rPr lang="ru-RU" dirty="0"/>
+              <a:t>библиотеки </a:t>
+            </a:r>
+            <a:r>
+              <a:rPr lang="en-US" dirty="0"/>
+              <a:t>SWING, </a:t>
+            </a:r>
+            <a:r>
+              <a:rPr lang="en-US" dirty="0" err="1"/>
+              <a:t>JExcelAPI</a:t>
+            </a:r>
+            <a:r>
+              <a:rPr lang="en-US" dirty="0"/>
+              <a:t>, Log4j, JDBC, </a:t>
+            </a:r>
+            <a:r>
+              <a:rPr lang="en-US" dirty="0" err="1"/>
+              <a:t>Aspose.Words</a:t>
+            </a:r>
+            <a:endParaRPr lang="ru-RU" dirty="0"/>
+          </a:p>
+          <a:p>
+            <a:pPr lvl="1"/>
+            <a:endParaRPr lang="en-US" dirty="0"/>
+          </a:p>
+          <a:p>
+            <a:pPr>
+              <a:buFont typeface="Wingdings" panose="05000000000000000000" pitchFamily="2" charset="2"/>
+              <a:buChar char="§"/>
+            </a:pPr>
+            <a:r>
+              <a:rPr lang="ru-RU" dirty="0"/>
+              <a:t>Спроектировано и разработано приложение</a:t>
+            </a:r>
+          </a:p>
+          <a:p>
+            <a:pPr>
+              <a:buFont typeface="Wingdings" panose="05000000000000000000" pitchFamily="2" charset="2"/>
+              <a:buChar char="§"/>
+            </a:pPr>
+            <a:endParaRPr lang="ru-RU" dirty="0"/>
+          </a:p>
+          <a:p>
+            <a:pPr>
+              <a:buFont typeface="Wingdings" panose="05000000000000000000" pitchFamily="2" charset="2"/>
+              <a:buChar char="§"/>
+            </a:pPr>
+            <a:r>
+              <a:rPr lang="ru-RU" dirty="0"/>
+              <a:t>Разработаны основные модули: </a:t>
+            </a:r>
+          </a:p>
+          <a:p>
+            <a:pPr lvl="1"/>
+            <a:r>
+              <a:rPr lang="ru-RU" dirty="0"/>
+              <a:t>регистрация и авторизация пользователя; </a:t>
+            </a:r>
+          </a:p>
+          <a:p>
+            <a:pPr lvl="1"/>
+            <a:r>
+              <a:rPr lang="ru-RU" dirty="0"/>
+              <a:t>просмотр, создание запросов и заявок</a:t>
+            </a:r>
+            <a:r>
+              <a:rPr lang="en-US" dirty="0"/>
+              <a:t>; </a:t>
+            </a:r>
+            <a:endParaRPr lang="ru-RU" dirty="0"/>
+          </a:p>
+          <a:p>
+            <a:pPr lvl="1"/>
+            <a:r>
+              <a:rPr lang="ru-RU" dirty="0"/>
+              <a:t>просмотр</a:t>
+            </a:r>
+            <a:r>
+              <a:rPr lang="en-US" dirty="0"/>
+              <a:t> </a:t>
+            </a:r>
+            <a:r>
+              <a:rPr lang="ru-RU" dirty="0"/>
+              <a:t>динамической информации о компании в том числе по фильтрам</a:t>
+            </a:r>
+            <a:r>
+              <a:rPr lang="en-US" dirty="0"/>
+              <a:t>,</a:t>
+            </a:r>
+            <a:r>
+              <a:rPr lang="ru-RU" dirty="0"/>
+              <a:t> а также вывод ее с предварительной обработкой в качестве отчетов </a:t>
+            </a:r>
+            <a:r>
+              <a:rPr lang="en-US" dirty="0"/>
+              <a:t>Excel;</a:t>
+            </a:r>
+            <a:r>
+              <a:rPr lang="ru-RU" dirty="0"/>
+              <a:t> </a:t>
+            </a:r>
+          </a:p>
+          <a:p>
+            <a:pPr lvl="1"/>
+            <a:r>
+              <a:rPr lang="ru-RU" dirty="0"/>
+              <a:t>отправка отзывов и формирование рейтинга водителей и менеджеров на их основе</a:t>
+            </a:r>
+            <a:r>
+              <a:rPr lang="en-US" dirty="0"/>
+              <a:t>;</a:t>
+            </a:r>
+            <a:r>
+              <a:rPr lang="ru-RU" dirty="0"/>
+              <a:t> </a:t>
+            </a:r>
+          </a:p>
+          <a:p>
+            <a:pPr lvl="1"/>
+            <a:r>
+              <a:rPr lang="ru-RU" dirty="0"/>
+              <a:t>расчет загрузки транспорта</a:t>
+            </a:r>
+            <a:r>
+              <a:rPr lang="en-US" dirty="0"/>
+              <a:t>,</a:t>
+            </a:r>
+            <a:r>
+              <a:rPr lang="ru-RU"/>
+              <a:t> </a:t>
+            </a:r>
+          </a:p>
+          <a:p>
+            <a:pPr lvl="1"/>
+            <a:r>
+              <a:rPr lang="ru-RU"/>
+              <a:t>формирование </a:t>
+            </a:r>
+            <a:r>
+              <a:rPr lang="ru-RU" dirty="0"/>
+              <a:t>договоров в формате </a:t>
+            </a:r>
+            <a:r>
+              <a:rPr lang="en-US" dirty="0"/>
+              <a:t>Docx</a:t>
+            </a:r>
+            <a:endParaRPr lang="ru-RU" dirty="0"/>
+          </a:p>
+          <a:p>
+            <a:pPr marL="0" indent="0">
+              <a:buNone/>
+            </a:pPr>
+            <a:endParaRPr lang="ru-RU" dirty="0"/>
+          </a:p>
+        </p:txBody>
+      </p:sp>
+      <p:sp>
+        <p:nvSpPr>
+          <p:cNvPr id="4" name="Rectangle 5"/>
+          <p:cNvSpPr>
+            <a:spLocks noChangeArrowheads="1"/>
+          </p:cNvSpPr>
+          <p:nvPr/>
+        </p:nvSpPr>
         <p:spPr bwMode="auto">
           <a:xfrm>
-            <a:off x="838200" y="1457739"/>
-            <a:ext cx="5257800" cy="3038061"/>
-          </a:xfrm>
-          <a:prstGeom prst="rect">
-            <a:avLst/>
-          </a:prstGeom>
-          <a:noFill/>
-          <a:ln>
-            <a:noFill/>
-          </a:ln>
-        </p:spPr>
-      </p:pic>
-      <p:pic>
-        <p:nvPicPr>
-          <p:cNvPr id="5" name="Рисунок 4">
-            <a:extLst>
-              <a:ext uri="{FF2B5EF4-FFF2-40B4-BE49-F238E27FC236}">
-                <a16:creationId xmlns:a16="http://schemas.microsoft.com/office/drawing/2014/main" id="{4F1B886F-6543-44C2-BFCF-CF785ADDF821}"/>
-              </a:ext>
-            </a:extLst>
-          </p:cNvPr>
-          <p:cNvPicPr/>
-          <p:nvPr/>
-        </p:nvPicPr>
-        <p:blipFill>
-          <a:blip r:embed="rId3">
-            <a:extLst>
-              <a:ext uri="{28A0092B-C50C-407E-A947-70E740481C1C}">
-                <a14:useLocalDpi xmlns:a14="http://schemas.microsoft.com/office/drawing/2010/main" val="0"/>
-              </a:ext>
-            </a:extLst>
-          </a:blip>
-          <a:srcRect/>
-          <a:stretch>
-            <a:fillRect/>
-          </a:stretch>
-        </p:blipFill>
-        <p:spPr bwMode="auto">
-          <a:xfrm>
-            <a:off x="6096000" y="1457739"/>
-            <a:ext cx="5257800" cy="3038061"/>
-          </a:xfrm>
-          <a:prstGeom prst="rect">
-            <a:avLst/>
-          </a:prstGeom>
-          <a:noFill/>
-          <a:ln>
-            <a:noFill/>
-          </a:ln>
-        </p:spPr>
-      </p:pic>
-      <p:pic>
-        <p:nvPicPr>
-          <p:cNvPr id="7" name="Рисунок 6">
-            <a:extLst>
-              <a:ext uri="{FF2B5EF4-FFF2-40B4-BE49-F238E27FC236}">
-                <a16:creationId xmlns:a16="http://schemas.microsoft.com/office/drawing/2014/main" id="{0EDA3618-7F43-44DB-BD7E-5136723D78DE}"/>
-              </a:ext>
-            </a:extLst>
-          </p:cNvPr>
-          <p:cNvPicPr/>
-          <p:nvPr/>
-        </p:nvPicPr>
-        <p:blipFill>
-          <a:blip r:embed="rId4">
-            <a:extLst>
-              <a:ext uri="{28A0092B-C50C-407E-A947-70E740481C1C}">
-                <a14:useLocalDpi xmlns:a14="http://schemas.microsoft.com/office/drawing/2010/main" val="0"/>
-              </a:ext>
-            </a:extLst>
-          </a:blip>
-          <a:srcRect/>
-          <a:stretch>
-            <a:fillRect/>
-          </a:stretch>
-        </p:blipFill>
-        <p:spPr bwMode="auto">
-          <a:xfrm>
-            <a:off x="847051" y="4495799"/>
-            <a:ext cx="10506749" cy="2262809"/>
-          </a:xfrm>
-          <a:prstGeom prst="rect">
-            <a:avLst/>
-          </a:prstGeom>
-          <a:noFill/>
-          <a:ln>
-            <a:noFill/>
-          </a:ln>
-        </p:spPr>
-      </p:pic>
-      <p:sp>
-        <p:nvSpPr>
-          <p:cNvPr id="6" name="Rectangle 5"/>
-          <p:cNvSpPr>
-            <a:spLocks noChangeArrowheads="1"/>
-          </p:cNvSpPr>
-          <p:nvPr/>
-        </p:nvSpPr>
-        <p:spPr bwMode="auto">
-          <a:xfrm>
-            <a:off x="11353800" y="16265"/>
+            <a:off x="11353800" y="41959"/>
             <a:ext cx="740848" cy="646331"/>
           </a:xfrm>
           <a:prstGeom prst="rect">
@@ -5950,7 +6271,7 @@
     </p:spTree>
     <p:extLst>
       <p:ext uri="{BB962C8B-B14F-4D97-AF65-F5344CB8AC3E}">
-        <p14:creationId xmlns:p14="http://schemas.microsoft.com/office/powerpoint/2010/main" val="3020117924"/>
+        <p14:creationId xmlns:p14="http://schemas.microsoft.com/office/powerpoint/2010/main" val="3718304080"/>
       </p:ext>
     </p:extLst>
   </p:cSld>
@@ -6090,7 +6411,7 @@
             </a:pPr>
             <a:r>
               <a:rPr lang="ru-RU" dirty="0"/>
-              <a:t>разработка частей приложения, а также реализация их взаимодействия;</a:t>
+              <a:t>разработка частей приложения, а также реализация их взаимодействия</a:t>
             </a:r>
             <a:endParaRPr lang="en-US" dirty="0"/>
           </a:p>
@@ -6177,7 +6498,13 @@
       </p:grpSpPr>
       <p:sp>
         <p:nvSpPr>
-          <p:cNvPr id="2" name="Заголовок 1"/>
+          <p:cNvPr id="2" name="Заголовок 1">
+            <a:extLst>
+              <a:ext uri="{FF2B5EF4-FFF2-40B4-BE49-F238E27FC236}">
+                <a16:creationId xmlns:a16="http://schemas.microsoft.com/office/drawing/2014/main" id="{E22F2BF3-310C-42C0-A675-3DB6664E8274}"/>
+              </a:ext>
+            </a:extLst>
+          </p:cNvPr>
           <p:cNvSpPr>
             <a:spLocks noGrp="1"/>
           </p:cNvSpPr>
@@ -6192,14 +6519,20 @@
           <a:p>
             <a:r>
               <a:rPr lang="ru-RU" dirty="0"/>
-              <a:t>Результаты дипломной работы</a:t>
-            </a:r>
-          </a:p>
-        </p:txBody>
-      </p:sp>
-      <p:sp>
-        <p:nvSpPr>
-          <p:cNvPr id="3" name="Объект 2"/>
+              <a:t>Публикации</a:t>
+            </a:r>
+          </a:p>
+        </p:txBody>
+      </p:sp>
+      <p:sp>
+        <p:nvSpPr>
+          <p:cNvPr id="3" name="Объект 2">
+            <a:extLst>
+              <a:ext uri="{FF2B5EF4-FFF2-40B4-BE49-F238E27FC236}">
+                <a16:creationId xmlns:a16="http://schemas.microsoft.com/office/drawing/2014/main" id="{2E5B5590-A5C1-4578-ACDF-FDA83BA4D7CA}"/>
+              </a:ext>
+            </a:extLst>
+          </p:cNvPr>
           <p:cNvSpPr>
             <a:spLocks noGrp="1"/>
           </p:cNvSpPr>
@@ -6210,203 +6543,70 @@
         <p:spPr/>
         <p:txBody>
           <a:bodyPr>
-            <a:normAutofit fontScale="85000" lnSpcReduction="20000"/>
+            <a:normAutofit lnSpcReduction="10000"/>
           </a:bodyPr>
           <a:lstStyle/>
           <a:p>
-            <a:pPr>
-              <a:buFont typeface="Wingdings" panose="05000000000000000000" pitchFamily="2" charset="2"/>
-              <a:buChar char="§"/>
-            </a:pPr>
+            <a:pPr lvl="0"/>
             <a:r>
               <a:rPr lang="ru-RU" dirty="0"/>
-              <a:t>Изучены:</a:t>
-            </a:r>
-          </a:p>
-          <a:p>
-            <a:pPr lvl="1"/>
+              <a:t>Громов, Н.С. Автоматизация внутренних процессов в </a:t>
+            </a:r>
+            <a:r>
+              <a:rPr lang="ru-RU" dirty="0" err="1"/>
+              <a:t>логи-стических</a:t>
+            </a:r>
             <a:r>
               <a:rPr lang="ru-RU" dirty="0"/>
-              <a:t>языки программирования </a:t>
+              <a:t> компаниях / Н.С. Громов, Н.Б. Осипенко / Новые математические методы и компьютерные технологии в проектировании, производстве и научных исследованиях: материалы X</a:t>
             </a:r>
             <a:r>
               <a:rPr lang="en-US" dirty="0"/>
-              <a:t>Java</a:t>
+              <a:t>XVI</a:t>
             </a:r>
             <a:r>
               <a:rPr lang="ru-RU" dirty="0"/>
-              <a:t> </a:t>
+              <a:t> Республиканской научной конференции студентов и аспирантов, Гомель, 21– 23 марта 2023 г. – В печати.</a:t>
+            </a:r>
+          </a:p>
+          <a:p>
+            <a:pPr lvl="0"/>
+            <a:r>
+              <a:rPr lang="ru-RU" dirty="0"/>
+              <a:t>Громов, Н.С. Разработка приложения для </a:t>
             </a:r>
             <a:r>
               <a:rPr lang="ru-RU" dirty="0" err="1"/>
-              <a:t>фреймворк</a:t>
+              <a:t>логистической</a:t>
             </a:r>
             <a:r>
               <a:rPr lang="ru-RU" dirty="0"/>
-              <a:t> </a:t>
-            </a:r>
-            <a:r>
-              <a:rPr lang="en-US" dirty="0"/>
-              <a:t>Hibernate</a:t>
-            </a:r>
-            <a:endParaRPr lang="ru-RU" dirty="0"/>
-          </a:p>
-          <a:p>
-            <a:pPr lvl="1"/>
+              <a:t> компании на языке JAVA / Н.С. Громов //"Творчество Молодых - 2023": сб. </a:t>
+            </a:r>
+            <a:r>
+              <a:rPr lang="ru-RU" dirty="0" err="1"/>
+              <a:t>науч</a:t>
+            </a:r>
             <a:r>
               <a:rPr lang="ru-RU" dirty="0"/>
-              <a:t>библиотеки </a:t>
-            </a:r>
-            <a:r>
-              <a:rPr lang="en-US" dirty="0"/>
-              <a:t>SWING, </a:t>
-            </a:r>
-            <a:r>
-              <a:rPr lang="en-US" dirty="0" err="1"/>
-              <a:t>JExcelAPI</a:t>
-            </a:r>
-            <a:r>
-              <a:rPr lang="en-US" dirty="0"/>
-              <a:t>, Log4j, JDBC, </a:t>
-            </a:r>
-            <a:r>
-              <a:rPr lang="en-US" dirty="0" err="1"/>
-              <a:t>Aspose.Words</a:t>
-            </a:r>
-            <a:endParaRPr lang="ru-RU" dirty="0"/>
-          </a:p>
-          <a:p>
-            <a:pPr lvl="1"/>
-            <a:endParaRPr lang="en-US" dirty="0"/>
-          </a:p>
-          <a:p>
-            <a:pPr>
-              <a:buFont typeface="Wingdings" panose="05000000000000000000" pitchFamily="2" charset="2"/>
-              <a:buChar char="§"/>
-            </a:pPr>
+              <a:t>. работ студентов и аспирантов УО "ГГУ им. Ф. Скорины"/</a:t>
+            </a:r>
+            <a:r>
+              <a:rPr lang="ru-RU" dirty="0" err="1"/>
+              <a:t>М-во</a:t>
+            </a:r>
             <a:r>
               <a:rPr lang="ru-RU" dirty="0"/>
-              <a:t>Спроектировано и разработано приложение</a:t>
-            </a:r>
-          </a:p>
-          <a:p>
-            <a:pPr>
-              <a:buFont typeface="Wingdings" panose="05000000000000000000" pitchFamily="2" charset="2"/>
-              <a:buChar char="§"/>
-            </a:pPr>
-            <a:endParaRPr lang="ru-RU" dirty="0"/>
-          </a:p>
-          <a:p>
-            <a:pPr>
-              <a:buFont typeface="Wingdings" panose="05000000000000000000" pitchFamily="2" charset="2"/>
-              <a:buChar char="§"/>
-            </a:pPr>
+              <a:t> образования РБ, Гомельский </a:t>
+            </a:r>
+            <a:r>
+              <a:rPr lang="ru-RU" dirty="0" err="1"/>
+              <a:t>гос</a:t>
+            </a:r>
             <a:r>
               <a:rPr lang="ru-RU" dirty="0"/>
-              <a:t>Разработаны основные модули: </a:t>
-            </a:r>
-          </a:p>
-          <a:p>
-            <a:pPr lvl="1"/>
-            <a:r>
-              <a:rPr lang="ru-RU" dirty="0"/>
-              <a:t>регистрация и авторизация пользователя; </a:t>
-            </a:r>
-          </a:p>
-          <a:p>
-            <a:pPr lvl="1"/>
-            <a:r>
-              <a:rPr lang="ru-RU" dirty="0"/>
-              <a:t>просмотр, создание запросов и заявок</a:t>
-            </a:r>
-            <a:r>
-              <a:rPr lang="en-US" dirty="0"/>
-              <a:t>; </a:t>
-            </a:r>
-            <a:endParaRPr lang="ru-RU" dirty="0"/>
-          </a:p>
-          <a:p>
-            <a:pPr lvl="1"/>
-            <a:r>
-              <a:rPr lang="ru-RU" dirty="0"/>
-              <a:t>просмотр</a:t>
-            </a:r>
-            <a:r>
-              <a:rPr lang="en-US" dirty="0"/>
-              <a:t> </a:t>
-            </a:r>
-            <a:r>
-              <a:rPr lang="ru-RU" dirty="0"/>
-              <a:t>динамической информации о компании в том числе по фильтрам</a:t>
-            </a:r>
-            <a:r>
-              <a:rPr lang="en-US" dirty="0"/>
-              <a:t>,</a:t>
-            </a:r>
-            <a:r>
-              <a:rPr lang="ru-RU" dirty="0"/>
-              <a:t> а также вывод ее с предварительной обработкой в качестве отчетов </a:t>
-            </a:r>
-            <a:r>
-              <a:rPr lang="en-US" dirty="0"/>
-              <a:t>Excel;</a:t>
-            </a:r>
-            <a:r>
-              <a:rPr lang="ru-RU" dirty="0"/>
-              <a:t> </a:t>
-            </a:r>
-          </a:p>
-          <a:p>
-            <a:pPr lvl="1"/>
-            <a:r>
-              <a:rPr lang="ru-RU" dirty="0"/>
-              <a:t>отправка отзывов и формирование рейтинга водителей и менеджеров на их основе</a:t>
-            </a:r>
-            <a:r>
-              <a:rPr lang="en-US" dirty="0"/>
-              <a:t>;</a:t>
-            </a:r>
-            <a:r>
-              <a:rPr lang="ru-RU" dirty="0"/>
-              <a:t> </a:t>
-            </a:r>
-          </a:p>
-          <a:p>
-            <a:pPr lvl="1"/>
-            <a:r>
-              <a:rPr lang="ru-RU" dirty="0"/>
-              <a:t>расчет загрузки транспорта</a:t>
-            </a:r>
-            <a:r>
-              <a:rPr lang="en-US" dirty="0"/>
-              <a:t>,</a:t>
-            </a:r>
-            <a:r>
-              <a:rPr lang="ru-RU"/>
-              <a:t> </a:t>
-            </a:r>
-          </a:p>
-          <a:p>
-            <a:pPr lvl="1"/>
-            <a:r>
-              <a:rPr lang="ru-RU"/>
-              <a:t>формирование </a:t>
-            </a:r>
-            <a:r>
-              <a:rPr lang="ru-RU" dirty="0"/>
-              <a:t>договоров в формате </a:t>
-            </a:r>
-            <a:r>
-              <a:rPr lang="en-US" dirty="0"/>
-              <a:t>Docx</a:t>
-            </a:r>
-            <a:endParaRPr lang="ru-RU" dirty="0"/>
-          </a:p>
-          <a:p>
-            <a:pPr marL="0" indent="0">
-              <a:buNone/>
-            </a:pPr>
-            <a:endParaRPr lang="ru-RU" dirty="0"/>
+              <a:t>. ун-т ГГУ им. Ф. Скорины. - Гомель: ГГУ им. Ф. Скорины, 2023. Ч.1. – В печати.</a:t>
+            </a:r>
           </a:p>
         </p:txBody>
       </p:sp>
@@ -6420,7 +6620,7 @@
         </p:nvSpPr>
         <p:spPr bwMode="auto">
           <a:xfrm>
-            <a:off x="11353800" y="41959"/>
+            <a:off x="11451152" y="41959"/>
             <a:ext cx="740848" cy="646331"/>
           </a:xfrm>
           <a:prstGeom prst="rect">
@@ -6462,7 +6662,7 @@
     </p:spTree>
     <p:extLst>
       <p:ext uri="{BB962C8B-B14F-4D97-AF65-F5344CB8AC3E}">
-        <p14:creationId xmlns:p14="http://schemas.microsoft.com/office/powerpoint/2010/main" val="3718304080"/>
+        <p14:creationId xmlns:p14="http://schemas.microsoft.com/office/powerpoint/2010/main" val="81469737"/>
       </p:ext>
     </p:extLst>
   </p:cSld>
@@ -6473,199 +6673,6 @@
 </file>
 
 <file path=ppt/slides/slide21.xml><?xml version="1.0" encoding="utf-8"?>
-<p:sld xmlns:a="http://schemas.openxmlformats.org/drawingml/2006/main" xmlns:r="http://schemas.openxmlformats.org/officeDocument/2006/relationships" xmlns:p="http://schemas.openxmlformats.org/presentationml/2006/main">
-  <p:cSld>
-    <p:spTree>
-      <p:nvGrpSpPr>
-        <p:cNvPr id="1" name=""/>
-        <p:cNvGrpSpPr/>
-        <p:nvPr/>
-      </p:nvGrpSpPr>
-      <p:grpSpPr>
-        <a:xfrm>
-          <a:off x="0" y="0"/>
-          <a:ext cx="0" cy="0"/>
-          <a:chOff x="0" y="0"/>
-          <a:chExt cx="0" cy="0"/>
-        </a:xfrm>
-      </p:grpSpPr>
-      <p:sp>
-        <p:nvSpPr>
-          <p:cNvPr id="2" name="Заголовок 1">
-            <a:extLst>
-              <a:ext uri="{FF2B5EF4-FFF2-40B4-BE49-F238E27FC236}">
-                <a16:creationId xmlns:a16="http://schemas.microsoft.com/office/drawing/2014/main" id="{E22F2BF3-310C-42C0-A675-3DB6664E8274}"/>
-              </a:ext>
-            </a:extLst>
-          </p:cNvPr>
-          <p:cNvSpPr>
-            <a:spLocks noGrp="1"/>
-          </p:cNvSpPr>
-          <p:nvPr>
-            <p:ph type="title"/>
-          </p:nvPr>
-        </p:nvSpPr>
-        <p:spPr/>
-        <p:txBody>
-          <a:bodyPr/>
-          <a:lstStyle/>
-          <a:p>
-            <a:r>
-              <a:rPr lang="ru-RU" dirty="0"/>
-              <a:t>Публикации</a:t>
-            </a:r>
-          </a:p>
-        </p:txBody>
-      </p:sp>
-      <p:sp>
-        <p:nvSpPr>
-          <p:cNvPr id="3" name="Объект 2">
-            <a:extLst>
-              <a:ext uri="{FF2B5EF4-FFF2-40B4-BE49-F238E27FC236}">
-                <a16:creationId xmlns:a16="http://schemas.microsoft.com/office/drawing/2014/main" id="{2E5B5590-A5C1-4578-ACDF-FDA83BA4D7CA}"/>
-              </a:ext>
-            </a:extLst>
-          </p:cNvPr>
-          <p:cNvSpPr>
-            <a:spLocks noGrp="1"/>
-          </p:cNvSpPr>
-          <p:nvPr>
-            <p:ph idx="1"/>
-          </p:nvPr>
-        </p:nvSpPr>
-        <p:spPr/>
-        <p:txBody>
-          <a:bodyPr>
-            <a:normAutofit lnSpcReduction="10000"/>
-          </a:bodyPr>
-          <a:lstStyle/>
-          <a:p>
-            <a:pPr lvl="0"/>
-            <a:r>
-              <a:rPr lang="ru-RU" dirty="0"/>
-              <a:t>Громов, Н.С. Автоматизация внутренних процессов в </a:t>
-            </a:r>
-            <a:r>
-              <a:rPr lang="ru-RU" dirty="0" err="1"/>
-              <a:t>логи-стических</a:t>
-            </a:r>
-            <a:r>
-              <a:rPr lang="ru-RU" dirty="0"/>
-              <a:t> компаниях / Н.С. Громов, Н.Б. Осипенко / Новые математические методы и компьютерные технологии в проектировании, производстве и научных исследованиях: материалы X</a:t>
-            </a:r>
-            <a:r>
-              <a:rPr lang="en-US" dirty="0"/>
-              <a:t>XVI</a:t>
-            </a:r>
-            <a:r>
-              <a:rPr lang="ru-RU" dirty="0"/>
-              <a:t> Республиканской научной конференции студентов и аспирантов, Гомель, 21– 23 марта 2023 г. – В печати.</a:t>
-            </a:r>
-          </a:p>
-          <a:p>
-            <a:pPr lvl="0"/>
-            <a:r>
-              <a:rPr lang="ru-RU" dirty="0"/>
-              <a:t>Громов, Н.С. Разработка приложения для </a:t>
-            </a:r>
-            <a:r>
-              <a:rPr lang="ru-RU" dirty="0" err="1"/>
-              <a:t>логистической</a:t>
-            </a:r>
-            <a:r>
-              <a:rPr lang="ru-RU" dirty="0"/>
-              <a:t> компании на языке JAVA / Н.С. Громов //"Творчество Молодых - 2023": сб. </a:t>
-            </a:r>
-            <a:r>
-              <a:rPr lang="ru-RU" dirty="0" err="1"/>
-              <a:t>науч</a:t>
-            </a:r>
-            <a:r>
-              <a:rPr lang="ru-RU" dirty="0"/>
-              <a:t>. работ студентов и аспирантов УО "ГГУ им. Ф. Скорины"/</a:t>
-            </a:r>
-            <a:r>
-              <a:rPr lang="ru-RU" dirty="0" err="1"/>
-              <a:t>М-во</a:t>
-            </a:r>
-            <a:r>
-              <a:rPr lang="ru-RU" dirty="0"/>
-              <a:t> образования РБ, Гомельский </a:t>
-            </a:r>
-            <a:r>
-              <a:rPr lang="ru-RU" dirty="0" err="1"/>
-              <a:t>гос</a:t>
-            </a:r>
-            <a:r>
-              <a:rPr lang="ru-RU" dirty="0"/>
-              <a:t>. ун-т ГГУ им. Ф. Скорины. - Гомель: ГГУ им. Ф. Скорины, 2023. Ч.1. – В печати.</a:t>
-            </a:r>
-          </a:p>
-        </p:txBody>
-      </p:sp>
-      <p:sp>
-        <p:nvSpPr>
-          <p:cNvPr id="4" name="Rectangle 5"/>
-          <p:cNvSpPr>
-            <a:spLocks noChangeArrowheads="1"/>
-          </p:cNvSpPr>
-          <p:nvPr/>
-        </p:nvSpPr>
-        <p:spPr bwMode="auto">
-          <a:xfrm>
-            <a:off x="11451152" y="41959"/>
-            <a:ext cx="740848" cy="646331"/>
-          </a:xfrm>
-          <a:prstGeom prst="rect">
-            <a:avLst/>
-          </a:prstGeom>
-          <a:noFill/>
-          <a:ln w="9525">
-            <a:noFill/>
-            <a:miter lim="800000"/>
-            <a:headEnd/>
-            <a:tailEnd/>
-          </a:ln>
-        </p:spPr>
-        <p:txBody>
-          <a:bodyPr wrap="square">
-            <a:spAutoFit/>
-          </a:bodyPr>
-          <a:lstStyle/>
-          <a:p>
-            <a:fld id="{429F959E-B741-433B-A973-46DF433319B0}" type="slidenum">
-              <a:rPr lang="ru-RU" sz="3600" b="1">
-                <a:solidFill>
-                  <a:srgbClr val="AEAEAE"/>
-                </a:solidFill>
-                <a:latin typeface="Arial" charset="0"/>
-              </a:rPr>
-              <a:pPr/>
-              <a:t>21</a:t>
-            </a:fld>
-            <a:endParaRPr lang="ru-RU" sz="3600" b="1" dirty="0">
-              <a:solidFill>
-                <a:srgbClr val="AEAEAE"/>
-              </a:solidFill>
-              <a:latin typeface="Arial" charset="0"/>
-            </a:endParaRPr>
-          </a:p>
-        </p:txBody>
-      </p:sp>
-    </p:spTree>
-    <p:extLst>
-      <p:ext uri="{BB962C8B-B14F-4D97-AF65-F5344CB8AC3E}">
-        <p14:creationId xmlns:p14="http://schemas.microsoft.com/office/powerpoint/2010/main" val="81469737"/>
-      </p:ext>
-    </p:extLst>
-  </p:cSld>
-  <p:clrMapOvr>
-    <a:masterClrMapping/>
-  </p:clrMapOvr>
-</p:sld>
-</file>
-
-<file path=ppt/slides/slide22.xml><?xml version="1.0" encoding="utf-8"?>
 <p:sld xmlns:a="http://schemas.openxmlformats.org/drawingml/2006/main" xmlns:r="http://schemas.openxmlformats.org/officeDocument/2006/relationships" xmlns:p="http://schemas.openxmlformats.org/presentationml/2006/main">
   <p:cSld>
     <p:spTree>
@@ -6793,13 +6800,21 @@
           <a:p>
             <a:r>
               <a:rPr lang="ru-RU" dirty="0"/>
-              <a:t>Чем больше компания тем больше в ней оборот информации</a:t>
+              <a:t>Чем больше компания, тем больше в ней оборот информации</a:t>
             </a:r>
           </a:p>
           <a:p>
             <a:r>
               <a:rPr lang="ru-RU" dirty="0"/>
-              <a:t>Информационные системы автоматизируют и как следствие ускоряют процессы передачи информации между субъектами разного уровня</a:t>
+              <a:t>Информационные системы </a:t>
+            </a:r>
+            <a:r>
+              <a:rPr lang="ru-RU"/>
+              <a:t>автоматизируют и, как следствие, </a:t>
+            </a:r>
+            <a:r>
+              <a:rPr lang="ru-RU" dirty="0"/>
+              <a:t>ускоряют процессы передачи информации между субъектами разного уровня</a:t>
             </a:r>
             <a:r>
               <a:rPr lang="en-US" dirty="0"/>
@@ -6932,11 +6947,13 @@
         <p:spPr>
           <a:xfrm>
             <a:off x="838200" y="1825625"/>
-            <a:ext cx="4386648" cy="4351338"/>
-          </a:xfrm>
-        </p:spPr>
-        <p:txBody>
-          <a:bodyPr/>
+            <a:ext cx="4386648" cy="4748170"/>
+          </a:xfrm>
+        </p:spPr>
+        <p:txBody>
+          <a:bodyPr>
+            <a:normAutofit/>
+          </a:bodyPr>
           <a:lstStyle/>
           <a:p>
             <a:pPr marL="0" indent="0">
@@ -6960,6 +6977,7 @@
               <a:rPr lang="en-US" dirty="0"/>
               <a:t>Java</a:t>
             </a:r>
+            <a:endParaRPr lang="ru-RU" dirty="0"/>
           </a:p>
           <a:p>
             <a:pPr marL="0" indent="0">
@@ -6967,7 +6985,7 @@
             </a:pPr>
             <a:r>
               <a:rPr lang="ru-RU" b="1" dirty="0"/>
-              <a:t>База данных</a:t>
+              <a:t>Среда разработки</a:t>
             </a:r>
             <a:r>
               <a:rPr lang="ru-RU" dirty="0"/>
@@ -6980,35 +6998,43 @@
               <a:buChar char="§"/>
             </a:pPr>
             <a:r>
+              <a:rPr lang="en-US" dirty="0" err="1"/>
+              <a:t>Intellij</a:t>
+            </a:r>
+            <a:r>
               <a:rPr lang="en-US" dirty="0"/>
-              <a:t>MySQL</a:t>
-            </a:r>
-          </a:p>
-          <a:p>
-            <a:pPr marL="0" indent="0">
-              <a:buNone/>
-            </a:pPr>
-            <a:r>
-              <a:rPr lang="ru-RU" b="1" dirty="0"/>
-              <a:t>Среда разработки</a:t>
-            </a:r>
-            <a:r>
-              <a:rPr lang="ru-RU" dirty="0"/>
-              <a:t>:</a:t>
-            </a:r>
+              <a:t> IDEA</a:t>
+            </a:r>
+            <a:endParaRPr lang="ru-RU" dirty="0"/>
           </a:p>
           <a:p>
             <a:pPr>
               <a:buFont typeface="Wingdings" panose="05000000000000000000" pitchFamily="2" charset="2"/>
               <a:buChar char="§"/>
             </a:pPr>
-            <a:r>
-              <a:rPr lang="en-US" dirty="0" err="1"/>
-              <a:t>Intellij</a:t>
-            </a:r>
+            <a:endParaRPr lang="en-US" dirty="0"/>
+          </a:p>
+          <a:p>
+            <a:pPr marL="0" indent="0">
+              <a:buNone/>
+            </a:pPr>
+            <a:r>
+              <a:rPr lang="ru-RU" b="1" dirty="0"/>
+              <a:t>База данных</a:t>
+            </a:r>
+            <a:r>
+              <a:rPr lang="ru-RU" dirty="0"/>
+              <a:t>:</a:t>
+            </a:r>
+          </a:p>
+          <a:p>
+            <a:pPr>
+              <a:buFont typeface="Wingdings" panose="05000000000000000000" pitchFamily="2" charset="2"/>
+              <a:buChar char="§"/>
+            </a:pPr>
             <a:r>
               <a:rPr lang="en-US" dirty="0"/>
-              <a:t> IDEA</a:t>
+              <a:t>MySQL</a:t>
             </a:r>
           </a:p>
           <a:p>
@@ -7841,10 +7867,9 @@
               <a:buChar char="•"/>
             </a:pPr>
             <a:r>
-              <a:rPr lang="ru-RU" sz="1800" dirty="0"/>
-              <a:t>оценка работы менеджера</a:t>
-            </a:r>
-            <a:endParaRPr lang="ru-RU" dirty="0"/>
+              <a:rPr lang="ru-RU" dirty="0"/>
+              <a:t>оценка работы водителя</a:t>
+            </a:r>
           </a:p>
         </p:txBody>
       </p:sp>
@@ -7904,7 +7929,7 @@
         <p:spPr>
           <a:xfrm>
             <a:off x="8034836" y="960437"/>
-            <a:ext cx="4157164" cy="2031325"/>
+            <a:ext cx="4157164" cy="2308324"/>
           </a:xfrm>
           <a:prstGeom prst="rect">
             <a:avLst/>
@@ -7974,6 +7999,16 @@
             <a:r>
               <a:rPr lang="ru-RU" sz="1800" dirty="0"/>
               <a:t>обработка исключительных ситуаций</a:t>
+            </a:r>
+          </a:p>
+          <a:p>
+            <a:pPr marL="285750" indent="-285750">
+              <a:buFont typeface="Arial" panose="020B0604020202020204" pitchFamily="34" charset="0"/>
+              <a:buChar char="•"/>
+            </a:pPr>
+            <a:r>
+              <a:rPr lang="ru-RU" dirty="0"/>
+              <a:t>оценка работы менеджера</a:t>
             </a:r>
           </a:p>
           <a:p>
@@ -8037,7 +8072,7 @@
         <p:spPr>
           <a:xfrm>
             <a:off x="6089047" y="5786364"/>
-            <a:ext cx="6102953" cy="923330"/>
+            <a:ext cx="6102953" cy="1200329"/>
           </a:xfrm>
           <a:prstGeom prst="rect">
             <a:avLst/>
@@ -8079,8 +8114,16 @@
             </a:pPr>
             <a:r>
               <a:rPr lang="ru-RU" dirty="0"/>
-              <a:t>оценка работы водителя</a:t>
-            </a:r>
+              <a:t>составление договора</a:t>
+            </a:r>
+            <a:endParaRPr lang="ru-RU" sz="1800" dirty="0"/>
+          </a:p>
+          <a:p>
+            <a:pPr marL="285750" indent="-285750">
+              <a:buFont typeface="Arial" panose="020B0604020202020204" pitchFamily="34" charset="0"/>
+              <a:buChar char="•"/>
+            </a:pPr>
+            <a:endParaRPr lang="ru-RU" sz="1800" dirty="0"/>
           </a:p>
         </p:txBody>
       </p:sp>
@@ -8681,438 +8724,101 @@
       </p:grpSpPr>
       <p:sp>
         <p:nvSpPr>
-          <p:cNvPr id="2" name="Заголовок 1">
+          <p:cNvPr id="5" name="Заголовок 1">
             <a:extLst>
               <a:ext uri="{FF2B5EF4-FFF2-40B4-BE49-F238E27FC236}">
-                <a16:creationId xmlns:a16="http://schemas.microsoft.com/office/drawing/2014/main" id="{0840D5A9-41ED-4B59-9EA5-F1CD10406071}"/>
+                <a16:creationId xmlns:a16="http://schemas.microsoft.com/office/drawing/2014/main" id="{D09BD3B8-E719-44B8-A703-EEE45B561494}"/>
               </a:ext>
             </a:extLst>
           </p:cNvPr>
-          <p:cNvSpPr>
-            <a:spLocks noGrp="1"/>
-          </p:cNvSpPr>
-          <p:nvPr>
-            <p:ph type="title"/>
-          </p:nvPr>
-        </p:nvSpPr>
-        <p:spPr/>
-        <p:txBody>
-          <a:bodyPr/>
-          <a:lstStyle/>
-          <a:p>
-            <a:r>
-              <a:rPr lang="ru-RU" dirty="0"/>
-              <a:t>Апробация: Вход</a:t>
-            </a:r>
-          </a:p>
-        </p:txBody>
-      </p:sp>
-      <p:pic>
-        <p:nvPicPr>
-          <p:cNvPr id="5" name="Объект 4">
-            <a:extLst>
-              <a:ext uri="{FF2B5EF4-FFF2-40B4-BE49-F238E27FC236}">
-                <a16:creationId xmlns:a16="http://schemas.microsoft.com/office/drawing/2014/main" id="{21A4DEFD-FD93-45D9-AD38-CD441591A2D1}"/>
-              </a:ext>
-            </a:extLst>
-          </p:cNvPr>
-          <p:cNvPicPr>
-            <a:picLocks noGrp="1"/>
-          </p:cNvPicPr>
-          <p:nvPr>
-            <p:ph idx="1"/>
-          </p:nvPr>
-        </p:nvPicPr>
-        <p:blipFill>
-          <a:blip r:embed="rId2">
-            <a:extLst>
-              <a:ext uri="{28A0092B-C50C-407E-A947-70E740481C1C}">
-                <a14:useLocalDpi xmlns:a14="http://schemas.microsoft.com/office/drawing/2010/main" val="0"/>
-              </a:ext>
-            </a:extLst>
-          </a:blip>
-          <a:srcRect/>
-          <a:stretch>
-            <a:fillRect/>
-          </a:stretch>
-        </p:blipFill>
-        <p:spPr bwMode="auto">
-          <a:xfrm>
-            <a:off x="4710285" y="1690688"/>
-            <a:ext cx="2771429" cy="1123810"/>
+          <p:cNvSpPr txBox="1">
+            <a:spLocks/>
+          </p:cNvSpPr>
+          <p:nvPr/>
+        </p:nvSpPr>
+        <p:spPr>
+          <a:xfrm>
+            <a:off x="4052273" y="2127584"/>
+            <a:ext cx="4087453" cy="2602832"/>
           </a:xfrm>
           <a:prstGeom prst="rect">
             <a:avLst/>
           </a:prstGeom>
-          <a:noFill/>
-          <a:ln>
-            <a:noFill/>
-          </a:ln>
-        </p:spPr>
-      </p:pic>
-      <p:pic>
-        <p:nvPicPr>
-          <p:cNvPr id="6" name="Рисунок 5">
+          <a:solidFill>
+            <a:schemeClr val="accent1">
+              <a:lumMod val="75000"/>
+            </a:schemeClr>
+          </a:solidFill>
+          <a:effectLst/>
+        </p:spPr>
+        <p:txBody>
+          <a:bodyPr vert="horz" lIns="91440" tIns="45720" rIns="91440" bIns="45720" rtlCol="0" anchor="ctr">
+            <a:normAutofit/>
+          </a:bodyPr>
+          <a:lstStyle>
+            <a:lvl1pPr algn="l" defTabSz="914400" rtl="0" eaLnBrk="1" latinLnBrk="0" hangingPunct="1">
+              <a:lnSpc>
+                <a:spcPct val="90000"/>
+              </a:lnSpc>
+              <a:spcBef>
+                <a:spcPct val="0"/>
+              </a:spcBef>
+              <a:buNone/>
+              <a:defRPr sz="4400" kern="1200">
+                <a:solidFill>
+                  <a:schemeClr val="tx1"/>
+                </a:solidFill>
+                <a:latin typeface="+mj-lt"/>
+                <a:ea typeface="+mj-ea"/>
+                <a:cs typeface="+mj-cs"/>
+              </a:defRPr>
+            </a:lvl1pPr>
+          </a:lstStyle>
+          <a:p>
+            <a:r>
+              <a:rPr lang="ru-RU" dirty="0"/>
+              <a:t>Клиент</a:t>
+            </a:r>
+          </a:p>
+        </p:txBody>
+      </p:sp>
+      <p:sp>
+        <p:nvSpPr>
+          <p:cNvPr id="2" name="Номер слайда 1">
             <a:extLst>
               <a:ext uri="{FF2B5EF4-FFF2-40B4-BE49-F238E27FC236}">
-                <a16:creationId xmlns:a16="http://schemas.microsoft.com/office/drawing/2014/main" id="{16EFEB54-E7BD-4317-9F85-03A9A63734B6}"/>
+                <a16:creationId xmlns:a16="http://schemas.microsoft.com/office/drawing/2014/main" id="{0C6965B3-0B98-4511-8AA8-82C31B94532F}"/>
               </a:ext>
             </a:extLst>
           </p:cNvPr>
-          <p:cNvPicPr/>
-          <p:nvPr/>
-        </p:nvPicPr>
-        <p:blipFill>
-          <a:blip r:embed="rId3">
-            <a:extLst>
-              <a:ext uri="{28A0092B-C50C-407E-A947-70E740481C1C}">
-                <a14:useLocalDpi xmlns:a14="http://schemas.microsoft.com/office/drawing/2010/main" val="0"/>
-              </a:ext>
-            </a:extLst>
-          </a:blip>
-          <a:srcRect/>
-          <a:stretch>
-            <a:fillRect/>
-          </a:stretch>
-        </p:blipFill>
-        <p:spPr bwMode="auto">
-          <a:xfrm>
-            <a:off x="2216632" y="3089827"/>
-            <a:ext cx="2219325" cy="1314450"/>
-          </a:xfrm>
-          <a:prstGeom prst="rect">
-            <a:avLst/>
-          </a:prstGeom>
-          <a:noFill/>
-          <a:ln>
-            <a:noFill/>
-          </a:ln>
-        </p:spPr>
-      </p:pic>
-      <p:pic>
-        <p:nvPicPr>
-          <p:cNvPr id="7" name="Рисунок 6">
-            <a:extLst>
-              <a:ext uri="{FF2B5EF4-FFF2-40B4-BE49-F238E27FC236}">
-                <a16:creationId xmlns:a16="http://schemas.microsoft.com/office/drawing/2014/main" id="{5C87A80B-C74B-4943-8E28-22A772E0663B}"/>
-              </a:ext>
-            </a:extLst>
-          </p:cNvPr>
-          <p:cNvPicPr/>
-          <p:nvPr/>
-        </p:nvPicPr>
-        <p:blipFill>
-          <a:blip r:embed="rId4">
-            <a:extLst>
-              <a:ext uri="{28A0092B-C50C-407E-A947-70E740481C1C}">
-                <a14:useLocalDpi xmlns:a14="http://schemas.microsoft.com/office/drawing/2010/main" val="0"/>
-              </a:ext>
-            </a:extLst>
-          </a:blip>
-          <a:srcRect/>
-          <a:stretch>
-            <a:fillRect/>
-          </a:stretch>
-        </p:blipFill>
-        <p:spPr bwMode="auto">
-          <a:xfrm>
-            <a:off x="2216632" y="4815923"/>
-            <a:ext cx="3314700" cy="1466850"/>
-          </a:xfrm>
-          <a:prstGeom prst="rect">
-            <a:avLst/>
-          </a:prstGeom>
-          <a:noFill/>
-          <a:ln>
-            <a:noFill/>
-          </a:ln>
-        </p:spPr>
-      </p:pic>
-      <p:pic>
-        <p:nvPicPr>
-          <p:cNvPr id="8" name="Рисунок 7">
-            <a:extLst>
-              <a:ext uri="{FF2B5EF4-FFF2-40B4-BE49-F238E27FC236}">
-                <a16:creationId xmlns:a16="http://schemas.microsoft.com/office/drawing/2014/main" id="{DB5265D5-4010-4789-9AB0-9F13F6677737}"/>
-              </a:ext>
-            </a:extLst>
-          </p:cNvPr>
-          <p:cNvPicPr/>
-          <p:nvPr/>
-        </p:nvPicPr>
-        <p:blipFill>
-          <a:blip r:embed="rId5">
-            <a:extLst>
-              <a:ext uri="{28A0092B-C50C-407E-A947-70E740481C1C}">
-                <a14:useLocalDpi xmlns:a14="http://schemas.microsoft.com/office/drawing/2010/main" val="0"/>
-              </a:ext>
-            </a:extLst>
-          </a:blip>
-          <a:srcRect/>
-          <a:stretch>
-            <a:fillRect/>
-          </a:stretch>
-        </p:blipFill>
-        <p:spPr bwMode="auto">
-          <a:xfrm>
-            <a:off x="7756045" y="3089827"/>
-            <a:ext cx="2063816" cy="1314450"/>
-          </a:xfrm>
-          <a:prstGeom prst="rect">
-            <a:avLst/>
-          </a:prstGeom>
-          <a:noFill/>
-          <a:ln>
-            <a:noFill/>
-          </a:ln>
-        </p:spPr>
-      </p:pic>
-      <p:pic>
-        <p:nvPicPr>
-          <p:cNvPr id="9" name="Рисунок 8">
-            <a:extLst>
-              <a:ext uri="{FF2B5EF4-FFF2-40B4-BE49-F238E27FC236}">
-                <a16:creationId xmlns:a16="http://schemas.microsoft.com/office/drawing/2014/main" id="{0CCFAF65-8E3E-4B3D-9049-49EBAD69911B}"/>
-              </a:ext>
-            </a:extLst>
-          </p:cNvPr>
-          <p:cNvPicPr/>
-          <p:nvPr/>
-        </p:nvPicPr>
-        <p:blipFill>
-          <a:blip r:embed="rId6">
-            <a:extLst>
-              <a:ext uri="{28A0092B-C50C-407E-A947-70E740481C1C}">
-                <a14:useLocalDpi xmlns:a14="http://schemas.microsoft.com/office/drawing/2010/main" val="0"/>
-              </a:ext>
-            </a:extLst>
-          </a:blip>
-          <a:srcRect/>
-          <a:stretch>
-            <a:fillRect/>
-          </a:stretch>
-        </p:blipFill>
-        <p:spPr bwMode="auto">
-          <a:xfrm>
-            <a:off x="7756045" y="4815923"/>
-            <a:ext cx="2828925" cy="1457325"/>
-          </a:xfrm>
-          <a:prstGeom prst="rect">
-            <a:avLst/>
-          </a:prstGeom>
-          <a:noFill/>
-          <a:ln>
-            <a:noFill/>
-          </a:ln>
-        </p:spPr>
-      </p:pic>
-      <p:cxnSp>
-        <p:nvCxnSpPr>
-          <p:cNvPr id="11" name="Прямая со стрелкой 10">
-            <a:extLst>
-              <a:ext uri="{FF2B5EF4-FFF2-40B4-BE49-F238E27FC236}">
-                <a16:creationId xmlns:a16="http://schemas.microsoft.com/office/drawing/2014/main" id="{0DB74D9D-3FDD-43DC-908D-14BCF9545151}"/>
-              </a:ext>
-            </a:extLst>
-          </p:cNvPr>
-          <p:cNvCxnSpPr/>
-          <p:nvPr/>
-        </p:nvCxnSpPr>
+          <p:cNvSpPr>
+            <a:spLocks noGrp="1"/>
+          </p:cNvSpPr>
+          <p:nvPr>
+            <p:ph type="sldNum" sz="quarter" idx="12"/>
+          </p:nvPr>
+        </p:nvSpPr>
         <p:spPr>
-          <a:xfrm flipH="1">
-            <a:off x="4435957" y="2814498"/>
-            <a:ext cx="274328" cy="275329"/>
-          </a:xfrm>
-          <a:prstGeom prst="straightConnector1">
-            <a:avLst/>
-          </a:prstGeom>
-          <a:ln>
-            <a:tailEnd type="triangle"/>
-          </a:ln>
-        </p:spPr>
-        <p:style>
-          <a:lnRef idx="1">
-            <a:schemeClr val="accent1"/>
-          </a:lnRef>
-          <a:fillRef idx="0">
-            <a:schemeClr val="accent1"/>
-          </a:fillRef>
-          <a:effectRef idx="0">
-            <a:schemeClr val="accent1"/>
-          </a:effectRef>
-          <a:fontRef idx="minor">
-            <a:schemeClr val="tx1"/>
-          </a:fontRef>
-        </p:style>
-      </p:cxnSp>
-      <p:cxnSp>
-        <p:nvCxnSpPr>
-          <p:cNvPr id="12" name="Прямая со стрелкой 11">
-            <a:extLst>
-              <a:ext uri="{FF2B5EF4-FFF2-40B4-BE49-F238E27FC236}">
-                <a16:creationId xmlns:a16="http://schemas.microsoft.com/office/drawing/2014/main" id="{A204C5DD-6CBD-42A3-BCC3-AC562B302B26}"/>
-              </a:ext>
-            </a:extLst>
-          </p:cNvPr>
-          <p:cNvCxnSpPr>
-            <a:cxnSpLocks/>
-          </p:cNvCxnSpPr>
-          <p:nvPr/>
-        </p:nvCxnSpPr>
-        <p:spPr>
-          <a:xfrm rot="16200000" flipH="1">
-            <a:off x="7507543" y="2814999"/>
-            <a:ext cx="274328" cy="275329"/>
-          </a:xfrm>
-          <a:prstGeom prst="straightConnector1">
-            <a:avLst/>
-          </a:prstGeom>
-          <a:ln>
-            <a:tailEnd type="triangle"/>
-          </a:ln>
-        </p:spPr>
-        <p:style>
-          <a:lnRef idx="1">
-            <a:schemeClr val="accent1"/>
-          </a:lnRef>
-          <a:fillRef idx="0">
-            <a:schemeClr val="accent1"/>
-          </a:fillRef>
-          <a:effectRef idx="0">
-            <a:schemeClr val="accent1"/>
-          </a:effectRef>
-          <a:fontRef idx="minor">
-            <a:schemeClr val="tx1"/>
-          </a:fontRef>
-        </p:style>
-      </p:cxnSp>
-      <p:cxnSp>
-        <p:nvCxnSpPr>
-          <p:cNvPr id="14" name="Прямая со стрелкой 13">
-            <a:extLst>
-              <a:ext uri="{FF2B5EF4-FFF2-40B4-BE49-F238E27FC236}">
-                <a16:creationId xmlns:a16="http://schemas.microsoft.com/office/drawing/2014/main" id="{A1CE936A-B9EE-4B1A-B7DB-96544CC11CB5}"/>
-              </a:ext>
-            </a:extLst>
-          </p:cNvPr>
-          <p:cNvCxnSpPr>
-            <a:stCxn id="6" idx="2"/>
-          </p:cNvCxnSpPr>
-          <p:nvPr/>
-        </p:nvCxnSpPr>
-        <p:spPr>
-          <a:xfrm flipH="1">
-            <a:off x="3326294" y="4404277"/>
-            <a:ext cx="1" cy="411646"/>
-          </a:xfrm>
-          <a:prstGeom prst="straightConnector1">
-            <a:avLst/>
-          </a:prstGeom>
-          <a:ln>
-            <a:tailEnd type="triangle"/>
-          </a:ln>
-        </p:spPr>
-        <p:style>
-          <a:lnRef idx="1">
-            <a:schemeClr val="accent1"/>
-          </a:lnRef>
-          <a:fillRef idx="0">
-            <a:schemeClr val="accent1"/>
-          </a:fillRef>
-          <a:effectRef idx="0">
-            <a:schemeClr val="accent1"/>
-          </a:effectRef>
-          <a:fontRef idx="minor">
-            <a:schemeClr val="tx1"/>
-          </a:fontRef>
-        </p:style>
-      </p:cxnSp>
-      <p:cxnSp>
-        <p:nvCxnSpPr>
-          <p:cNvPr id="16" name="Прямая со стрелкой 15">
-            <a:extLst>
-              <a:ext uri="{FF2B5EF4-FFF2-40B4-BE49-F238E27FC236}">
-                <a16:creationId xmlns:a16="http://schemas.microsoft.com/office/drawing/2014/main" id="{6ED569F2-510E-4DC0-8F1D-B6F2C305E858}"/>
-              </a:ext>
-            </a:extLst>
-          </p:cNvPr>
-          <p:cNvCxnSpPr>
-            <a:stCxn id="8" idx="2"/>
-          </p:cNvCxnSpPr>
-          <p:nvPr/>
-        </p:nvCxnSpPr>
-        <p:spPr>
-          <a:xfrm>
-            <a:off x="8787953" y="4404277"/>
-            <a:ext cx="0" cy="411646"/>
-          </a:xfrm>
-          <a:prstGeom prst="straightConnector1">
-            <a:avLst/>
-          </a:prstGeom>
-          <a:ln>
-            <a:tailEnd type="triangle"/>
-          </a:ln>
-        </p:spPr>
-        <p:style>
-          <a:lnRef idx="1">
-            <a:schemeClr val="accent1"/>
-          </a:lnRef>
-          <a:fillRef idx="0">
-            <a:schemeClr val="accent1"/>
-          </a:fillRef>
-          <a:effectRef idx="0">
-            <a:schemeClr val="accent1"/>
-          </a:effectRef>
-          <a:fontRef idx="minor">
-            <a:schemeClr val="tx1"/>
-          </a:fontRef>
-        </p:style>
-      </p:cxnSp>
-      <p:sp>
-        <p:nvSpPr>
-          <p:cNvPr id="13" name="Rectangle 5"/>
-          <p:cNvSpPr>
-            <a:spLocks noChangeArrowheads="1"/>
-          </p:cNvSpPr>
-          <p:nvPr/>
-        </p:nvSpPr>
-        <p:spPr bwMode="auto">
-          <a:xfrm>
-            <a:off x="11451152" y="41959"/>
-            <a:ext cx="740848" cy="646331"/>
-          </a:xfrm>
-          <a:prstGeom prst="rect">
-            <a:avLst/>
-          </a:prstGeom>
-          <a:noFill/>
-          <a:ln w="9525">
-            <a:noFill/>
-            <a:miter lim="800000"/>
-            <a:headEnd/>
-            <a:tailEnd/>
-          </a:ln>
-        </p:spPr>
-        <p:txBody>
-          <a:bodyPr wrap="square">
-            <a:spAutoFit/>
-          </a:bodyPr>
-          <a:lstStyle/>
-          <a:p>
-            <a:fld id="{429F959E-B741-433B-A973-46DF433319B0}" type="slidenum">
-              <a:rPr lang="ru-RU" sz="3600" b="1">
-                <a:solidFill>
-                  <a:srgbClr val="AEAEAE"/>
-                </a:solidFill>
-                <a:latin typeface="Arial" charset="0"/>
+          <a:xfrm>
+            <a:off x="9317182" y="135659"/>
+            <a:ext cx="2743200" cy="365125"/>
+          </a:xfrm>
+        </p:spPr>
+        <p:txBody>
+          <a:bodyPr/>
+          <a:lstStyle/>
+          <a:p>
+            <a:fld id="{9888A0FC-94FA-445F-91EB-CF19401D7C77}" type="slidenum">
+              <a:rPr lang="ru-RU" sz="3600" b="1" smtClean="0">
+                <a:latin typeface="Arial" panose="020B0604020202020204" pitchFamily="34" charset="0"/>
+                <a:cs typeface="Arial" panose="020B0604020202020204" pitchFamily="34" charset="0"/>
               </a:rPr>
               <a:pPr/>
               <a:t>9</a:t>
             </a:fld>
             <a:endParaRPr lang="ru-RU" sz="3600" b="1" dirty="0">
-              <a:solidFill>
-                <a:srgbClr val="AEAEAE"/>
-              </a:solidFill>
-              <a:latin typeface="Arial" charset="0"/>
+              <a:latin typeface="Arial" panose="020B0604020202020204" pitchFamily="34" charset="0"/>
+              <a:cs typeface="Arial" panose="020B0604020202020204" pitchFamily="34" charset="0"/>
             </a:endParaRPr>
           </a:p>
         </p:txBody>
@@ -9120,7 +8826,7 @@
     </p:spTree>
     <p:extLst>
       <p:ext uri="{BB962C8B-B14F-4D97-AF65-F5344CB8AC3E}">
-        <p14:creationId xmlns:p14="http://schemas.microsoft.com/office/powerpoint/2010/main" val="2749775643"/>
+        <p14:creationId xmlns:p14="http://schemas.microsoft.com/office/powerpoint/2010/main" val="3958966084"/>
       </p:ext>
     </p:extLst>
   </p:cSld>

--- a/diplom v2.0/doc/Презентация.pptx
+++ b/diplom v2.0/doc/Презентация.pptx
@@ -6806,15 +6806,7 @@
           <a:p>
             <a:r>
               <a:rPr lang="ru-RU" dirty="0"/>
-              <a:t>Информационные системы </a:t>
-            </a:r>
-            <a:r>
-              <a:rPr lang="ru-RU"/>
-              <a:t>автоматизируют и, как следствие, </a:t>
-            </a:r>
-            <a:r>
-              <a:rPr lang="ru-RU" dirty="0"/>
-              <a:t>ускоряют процессы передачи информации между субъектами разного уровня</a:t>
+              <a:t>Информационные системы автоматизируют и, как следствие, ускоряют процессы передачи информации между субъектами разного уровня</a:t>
             </a:r>
             <a:r>
               <a:rPr lang="en-US" dirty="0"/>
@@ -6828,7 +6820,15 @@
           <a:p>
             <a:r>
               <a:rPr lang="ru-RU" dirty="0"/>
-              <a:t>Разработанное программное приложение может быть полезно в плане развития интегрированной системы грузоперевозок, например, минского грузового </a:t>
+              <a:t>Разработанное программное приложение может быть полезно </a:t>
+            </a:r>
+            <a:r>
+              <a:rPr lang="ru-RU"/>
+              <a:t>в развитии </a:t>
+            </a:r>
+            <a:r>
+              <a:rPr lang="ru-RU" dirty="0"/>
+              <a:t>интегрированной системы грузоперевозок, например, минского грузового </a:t>
             </a:r>
             <a:r>
               <a:rPr lang="ru-RU" dirty="0" err="1"/>
